--- a/2021.12 개원의연수강좌-neuropathic pain.pptx
+++ b/2021.12 개원의연수강좌-neuropathic pain.pptx
@@ -5,15 +5,19 @@
     <p:sldMasterId id="2147483660" r:id="rId1"/>
   </p:sldMasterIdLst>
   <p:notesMasterIdLst>
-    <p:notesMasterId r:id="rId8"/>
+    <p:notesMasterId r:id="rId12"/>
   </p:notesMasterIdLst>
   <p:sldIdLst>
     <p:sldId id="256" r:id="rId2"/>
     <p:sldId id="261" r:id="rId3"/>
-    <p:sldId id="260" r:id="rId4"/>
-    <p:sldId id="257" r:id="rId5"/>
-    <p:sldId id="258" r:id="rId6"/>
-    <p:sldId id="259" r:id="rId7"/>
+    <p:sldId id="263" r:id="rId4"/>
+    <p:sldId id="264" r:id="rId5"/>
+    <p:sldId id="260" r:id="rId6"/>
+    <p:sldId id="265" r:id="rId7"/>
+    <p:sldId id="257" r:id="rId8"/>
+    <p:sldId id="258" r:id="rId9"/>
+    <p:sldId id="259" r:id="rId10"/>
+    <p:sldId id="262" r:id="rId11"/>
   </p:sldIdLst>
   <p:sldSz cx="12192000" cy="6858000"/>
   <p:notesSz cx="6858000" cy="9144000"/>
@@ -202,7 +206,7 @@
           <a:p>
             <a:fld id="{E8FBBB6A-BE53-4BF0-B17E-892FAA57C2D4}" type="datetimeFigureOut">
               <a:rPr lang="ko-KR" altLang="en-US" smtClean="0"/>
-              <a:t>2021-10-19</a:t>
+              <a:t>2021-10-29</a:t>
             </a:fld>
             <a:endParaRPr lang="ko-KR" altLang="en-US"/>
           </a:p>
@@ -667,7 +671,7 @@
           <a:p>
             <a:fld id="{BBAA4D1B-A90B-4163-BF9D-AF53B78ADDD3}" type="slidenum">
               <a:rPr lang="ko-KR" altLang="en-US" smtClean="0"/>
-              <a:t>6</a:t>
+              <a:t>9</a:t>
             </a:fld>
             <a:endParaRPr lang="ko-KR" altLang="en-US"/>
           </a:p>
@@ -848,7 +852,7 @@
           <a:p>
             <a:fld id="{11CF987C-FD17-4394-9A4F-BE2D66BE4DDF}" type="datetimeFigureOut">
               <a:rPr lang="ko-KR" altLang="en-US" smtClean="0"/>
-              <a:t>2021-10-19</a:t>
+              <a:t>2021-10-29</a:t>
             </a:fld>
             <a:endParaRPr lang="ko-KR" altLang="en-US"/>
           </a:p>
@@ -1025,7 +1029,7 @@
           <a:p>
             <a:fld id="{11CF987C-FD17-4394-9A4F-BE2D66BE4DDF}" type="datetimeFigureOut">
               <a:rPr lang="ko-KR" altLang="en-US" smtClean="0"/>
-              <a:t>2021-10-19</a:t>
+              <a:t>2021-10-29</a:t>
             </a:fld>
             <a:endParaRPr lang="ko-KR" altLang="en-US"/>
           </a:p>
@@ -1205,7 +1209,7 @@
           <a:p>
             <a:fld id="{11CF987C-FD17-4394-9A4F-BE2D66BE4DDF}" type="datetimeFigureOut">
               <a:rPr lang="ko-KR" altLang="en-US" smtClean="0"/>
-              <a:t>2021-10-19</a:t>
+              <a:t>2021-10-29</a:t>
             </a:fld>
             <a:endParaRPr lang="ko-KR" altLang="en-US"/>
           </a:p>
@@ -1566,7 +1570,7 @@
           <a:p>
             <a:fld id="{11CF987C-FD17-4394-9A4F-BE2D66BE4DDF}" type="datetimeFigureOut">
               <a:rPr lang="ko-KR" altLang="en-US" smtClean="0"/>
-              <a:t>2021-10-19</a:t>
+              <a:t>2021-10-29</a:t>
             </a:fld>
             <a:endParaRPr lang="ko-KR" altLang="en-US"/>
           </a:p>
@@ -1798,7 +1802,7 @@
           <a:p>
             <a:fld id="{11CF987C-FD17-4394-9A4F-BE2D66BE4DDF}" type="datetimeFigureOut">
               <a:rPr lang="ko-KR" altLang="en-US" smtClean="0"/>
-              <a:t>2021-10-19</a:t>
+              <a:t>2021-10-29</a:t>
             </a:fld>
             <a:endParaRPr lang="ko-KR" altLang="en-US"/>
           </a:p>
@@ -2165,7 +2169,7 @@
           <a:p>
             <a:fld id="{11CF987C-FD17-4394-9A4F-BE2D66BE4DDF}" type="datetimeFigureOut">
               <a:rPr lang="ko-KR" altLang="en-US" smtClean="0"/>
-              <a:t>2021-10-19</a:t>
+              <a:t>2021-10-29</a:t>
             </a:fld>
             <a:endParaRPr lang="ko-KR" altLang="en-US"/>
           </a:p>
@@ -2283,7 +2287,7 @@
           <a:p>
             <a:fld id="{11CF987C-FD17-4394-9A4F-BE2D66BE4DDF}" type="datetimeFigureOut">
               <a:rPr lang="ko-KR" altLang="en-US" smtClean="0"/>
-              <a:t>2021-10-19</a:t>
+              <a:t>2021-10-29</a:t>
             </a:fld>
             <a:endParaRPr lang="ko-KR" altLang="en-US"/>
           </a:p>
@@ -2378,7 +2382,7 @@
           <a:p>
             <a:fld id="{11CF987C-FD17-4394-9A4F-BE2D66BE4DDF}" type="datetimeFigureOut">
               <a:rPr lang="ko-KR" altLang="en-US" smtClean="0"/>
-              <a:t>2021-10-19</a:t>
+              <a:t>2021-10-29</a:t>
             </a:fld>
             <a:endParaRPr lang="ko-KR" altLang="en-US"/>
           </a:p>
@@ -2655,7 +2659,7 @@
           <a:p>
             <a:fld id="{11CF987C-FD17-4394-9A4F-BE2D66BE4DDF}" type="datetimeFigureOut">
               <a:rPr lang="ko-KR" altLang="en-US" smtClean="0"/>
-              <a:t>2021-10-19</a:t>
+              <a:t>2021-10-29</a:t>
             </a:fld>
             <a:endParaRPr lang="ko-KR" altLang="en-US"/>
           </a:p>
@@ -2912,7 +2916,7 @@
           <a:p>
             <a:fld id="{11CF987C-FD17-4394-9A4F-BE2D66BE4DDF}" type="datetimeFigureOut">
               <a:rPr lang="ko-KR" altLang="en-US" smtClean="0"/>
-              <a:t>2021-10-19</a:t>
+              <a:t>2021-10-29</a:t>
             </a:fld>
             <a:endParaRPr lang="ko-KR" altLang="en-US"/>
           </a:p>
@@ -3151,7 +3155,7 @@
           <a:p>
             <a:fld id="{11CF987C-FD17-4394-9A4F-BE2D66BE4DDF}" type="datetimeFigureOut">
               <a:rPr lang="ko-KR" altLang="en-US" smtClean="0"/>
-              <a:t>2021-10-19</a:t>
+              <a:t>2021-10-29</a:t>
             </a:fld>
             <a:endParaRPr lang="ko-KR" altLang="en-US"/>
           </a:p>
@@ -3581,13 +3585,13 @@
         </p:spPr>
         <p:txBody>
           <a:bodyPr>
-            <a:normAutofit/>
+            <a:normAutofit fontScale="90000"/>
           </a:bodyPr>
           <a:lstStyle/>
           <a:p>
             <a:r>
               <a:rPr lang="ko-KR" altLang="en-US" dirty="0" smtClean="0"/>
-              <a:t>개원의 </a:t>
+              <a:t>노원을지대학교 병원 개원의 </a:t>
             </a:r>
             <a:r>
               <a:rPr lang="ko-KR" altLang="en-US" dirty="0" err="1" smtClean="0"/>
@@ -3602,15 +3606,7 @@
             </a:br>
             <a:r>
               <a:rPr lang="en-US" altLang="ko-KR" dirty="0" smtClean="0"/>
-              <a:t>N</a:t>
-            </a:r>
-            <a:r>
-              <a:rPr lang="en-US" altLang="ko-KR" dirty="0" smtClean="0"/>
-              <a:t>europathic pain</a:t>
-            </a:r>
-            <a:r>
-              <a:rPr lang="en-US" altLang="ko-KR" dirty="0" smtClean="0"/>
-              <a:t/>
+              <a:t>Neuropathic pain</a:t>
             </a:r>
             <a:br>
               <a:rPr lang="en-US" altLang="ko-KR" dirty="0" smtClean="0"/>
@@ -3664,6 +3660,74 @@
     <p:extLst>
       <p:ext uri="{BB962C8B-B14F-4D97-AF65-F5344CB8AC3E}">
         <p14:creationId xmlns:p14="http://schemas.microsoft.com/office/powerpoint/2010/main" val="29366724"/>
+      </p:ext>
+    </p:extLst>
+  </p:cSld>
+  <p:clrMapOvr>
+    <a:masterClrMapping/>
+  </p:clrMapOvr>
+</p:sld>
+</file>
+
+<file path=ppt/slides/slide10.xml><?xml version="1.0" encoding="utf-8"?>
+<p:sld xmlns:a="http://schemas.openxmlformats.org/drawingml/2006/main" xmlns:r="http://schemas.openxmlformats.org/officeDocument/2006/relationships" xmlns:p="http://schemas.openxmlformats.org/presentationml/2006/main">
+  <p:cSld>
+    <p:spTree>
+      <p:nvGrpSpPr>
+        <p:cNvPr id="1" name=""/>
+        <p:cNvGrpSpPr/>
+        <p:nvPr/>
+      </p:nvGrpSpPr>
+      <p:grpSpPr>
+        <a:xfrm>
+          <a:off x="0" y="0"/>
+          <a:ext cx="0" cy="0"/>
+          <a:chOff x="0" y="0"/>
+          <a:chExt cx="0" cy="0"/>
+        </a:xfrm>
+      </p:grpSpPr>
+      <p:sp>
+        <p:nvSpPr>
+          <p:cNvPr id="2" name="제목 1"/>
+          <p:cNvSpPr>
+            <a:spLocks noGrp="1"/>
+          </p:cNvSpPr>
+          <p:nvPr>
+            <p:ph type="title"/>
+          </p:nvPr>
+        </p:nvSpPr>
+        <p:spPr/>
+        <p:txBody>
+          <a:bodyPr/>
+          <a:lstStyle/>
+          <a:p>
+            <a:endParaRPr lang="ko-KR" altLang="en-US"/>
+          </a:p>
+        </p:txBody>
+      </p:sp>
+      <p:sp>
+        <p:nvSpPr>
+          <p:cNvPr id="3" name="내용 개체 틀 2"/>
+          <p:cNvSpPr>
+            <a:spLocks noGrp="1"/>
+          </p:cNvSpPr>
+          <p:nvPr>
+            <p:ph idx="1"/>
+          </p:nvPr>
+        </p:nvSpPr>
+        <p:spPr/>
+        <p:txBody>
+          <a:bodyPr/>
+          <a:lstStyle/>
+          <a:p>
+            <a:endParaRPr lang="ko-KR" altLang="en-US"/>
+          </a:p>
+        </p:txBody>
+      </p:sp>
+    </p:spTree>
+    <p:extLst>
+      <p:ext uri="{BB962C8B-B14F-4D97-AF65-F5344CB8AC3E}">
+        <p14:creationId xmlns:p14="http://schemas.microsoft.com/office/powerpoint/2010/main" val="1955564696"/>
       </p:ext>
     </p:extLst>
   </p:cSld>
@@ -3706,8 +3770,12 @@
           <a:lstStyle/>
           <a:p>
             <a:r>
+              <a:rPr lang="ko-KR" altLang="en-US" dirty="0" smtClean="0"/>
+              <a:t>신경통의 역학 </a:t>
+            </a:r>
+            <a:r>
               <a:rPr lang="en-US" altLang="ko-KR" dirty="0" smtClean="0"/>
-              <a:t>Epidemiology </a:t>
+              <a:t> </a:t>
             </a:r>
             <a:endParaRPr lang="ko-KR" altLang="en-US" dirty="0"/>
           </a:p>
@@ -3728,7 +3796,142 @@
           <a:bodyPr/>
           <a:lstStyle/>
           <a:p>
-            <a:endParaRPr lang="ko-KR" altLang="en-US" dirty="0"/>
+            <a:r>
+              <a:rPr lang="ko-KR" altLang="en-US" dirty="0" smtClean="0"/>
+              <a:t>전체인구의 </a:t>
+            </a:r>
+            <a:r>
+              <a:rPr lang="en-US" altLang="ko-KR" dirty="0" smtClean="0"/>
+              <a:t>7-10%</a:t>
+            </a:r>
+          </a:p>
+          <a:p>
+            <a:r>
+              <a:rPr lang="ko-KR" altLang="en-US" dirty="0" smtClean="0"/>
+              <a:t>노인인구의 증가</a:t>
+            </a:r>
+            <a:r>
+              <a:rPr lang="en-US" altLang="ko-KR" dirty="0" smtClean="0"/>
+              <a:t>, </a:t>
+            </a:r>
+            <a:r>
+              <a:rPr lang="ko-KR" altLang="en-US" dirty="0" smtClean="0"/>
+              <a:t>당뇨</a:t>
+            </a:r>
+            <a:r>
+              <a:rPr lang="en-US" altLang="ko-KR" dirty="0" smtClean="0"/>
+              <a:t>, </a:t>
+            </a:r>
+            <a:r>
+              <a:rPr lang="ko-KR" altLang="en-US" dirty="0" smtClean="0"/>
+              <a:t>암</a:t>
+            </a:r>
+            <a:r>
+              <a:rPr lang="en-US" altLang="ko-KR" dirty="0" smtClean="0"/>
+              <a:t>, </a:t>
+            </a:r>
+            <a:r>
+              <a:rPr lang="ko-KR" altLang="en-US" dirty="0" smtClean="0"/>
+              <a:t>뇌졸중 등 퇴행성 질환의 증가</a:t>
+            </a:r>
+            <a:endParaRPr lang="en-US" altLang="ko-KR" dirty="0" smtClean="0"/>
+          </a:p>
+          <a:p>
+            <a:r>
+              <a:rPr lang="ko-KR" altLang="en-US" dirty="0" smtClean="0"/>
+              <a:t>당뇨신경병의 통증</a:t>
+            </a:r>
+            <a:r>
+              <a:rPr lang="en-US" altLang="ko-KR" dirty="0" smtClean="0"/>
+              <a:t>: </a:t>
+            </a:r>
+            <a:r>
+              <a:rPr lang="ko-KR" altLang="en-US" dirty="0" smtClean="0"/>
+              <a:t>신경통의 가장 흔한 원인 중 하나</a:t>
+            </a:r>
+            <a:r>
+              <a:rPr lang="en-US" altLang="ko-KR" dirty="0" smtClean="0"/>
+              <a:t>, </a:t>
+            </a:r>
+            <a:r>
+              <a:rPr lang="ko-KR" altLang="en-US" dirty="0" smtClean="0"/>
+              <a:t>당뇨병 환자의 </a:t>
+            </a:r>
+            <a:r>
+              <a:rPr lang="en-US" altLang="ko-KR" dirty="0" smtClean="0"/>
+              <a:t>50%</a:t>
+            </a:r>
+            <a:r>
+              <a:rPr lang="ko-KR" altLang="en-US" dirty="0" smtClean="0"/>
+              <a:t>까지도 발생</a:t>
+            </a:r>
+            <a:endParaRPr lang="en-US" altLang="ko-KR" dirty="0" smtClean="0"/>
+          </a:p>
+          <a:p>
+            <a:r>
+              <a:rPr lang="ko-KR" altLang="en-US" dirty="0" err="1" smtClean="0"/>
+              <a:t>대상포진후</a:t>
+            </a:r>
+            <a:r>
+              <a:rPr lang="ko-KR" altLang="en-US" dirty="0" smtClean="0"/>
+              <a:t> 신경통</a:t>
+            </a:r>
+            <a:r>
+              <a:rPr lang="en-US" altLang="ko-KR" dirty="0" smtClean="0"/>
+              <a:t>: 4.47-6.31</a:t>
+            </a:r>
+            <a:r>
+              <a:rPr lang="ko-KR" altLang="en-US" dirty="0" smtClean="0"/>
+              <a:t>명</a:t>
+            </a:r>
+            <a:r>
+              <a:rPr lang="en-US" altLang="ko-KR" dirty="0" smtClean="0"/>
+              <a:t>/1000</a:t>
+            </a:r>
+            <a:r>
+              <a:rPr lang="ko-KR" altLang="en-US" dirty="0" smtClean="0"/>
+              <a:t>명</a:t>
+            </a:r>
+            <a:r>
+              <a:rPr lang="en-US" altLang="ko-KR" dirty="0" smtClean="0"/>
+              <a:t>*</a:t>
+            </a:r>
+            <a:r>
+              <a:rPr lang="ko-KR" altLang="en-US" dirty="0" smtClean="0"/>
+              <a:t>년</a:t>
+            </a:r>
+            <a:endParaRPr lang="en-US" altLang="ko-KR" dirty="0" smtClean="0"/>
+          </a:p>
+          <a:p>
+            <a:r>
+              <a:rPr lang="ko-KR" altLang="en-US" dirty="0" smtClean="0"/>
+              <a:t>삼차신경통</a:t>
+            </a:r>
+            <a:r>
+              <a:rPr lang="en-US" altLang="ko-KR" dirty="0" smtClean="0"/>
+              <a:t>: 26-28</a:t>
+            </a:r>
+            <a:r>
+              <a:rPr lang="ko-KR" altLang="en-US" dirty="0" smtClean="0"/>
+              <a:t>명</a:t>
+            </a:r>
+            <a:r>
+              <a:rPr lang="en-US" altLang="ko-KR" dirty="0" smtClean="0"/>
+              <a:t>/100,000</a:t>
+            </a:r>
+            <a:r>
+              <a:rPr lang="ko-KR" altLang="en-US" dirty="0" smtClean="0"/>
+              <a:t>명</a:t>
+            </a:r>
+            <a:r>
+              <a:rPr lang="en-US" altLang="ko-KR" dirty="0" smtClean="0"/>
+              <a:t>*</a:t>
+            </a:r>
+            <a:r>
+              <a:rPr lang="ko-KR" altLang="en-US" dirty="0" smtClean="0"/>
+              <a:t>년 </a:t>
+            </a:r>
+            <a:endParaRPr lang="en-US" altLang="ko-KR" dirty="0" smtClean="0"/>
           </a:p>
         </p:txBody>
       </p:sp>
@@ -3777,9 +3980,71 @@
           <a:bodyPr/>
           <a:lstStyle/>
           <a:p>
+            <a:endParaRPr lang="ko-KR" altLang="en-US"/>
+          </a:p>
+        </p:txBody>
+      </p:sp>
+      <p:pic>
+        <p:nvPicPr>
+          <p:cNvPr id="4" name="그림 3"/>
+          <p:cNvPicPr>
+            <a:picLocks noChangeAspect="1"/>
+          </p:cNvPicPr>
+          <p:nvPr/>
+        </p:nvPicPr>
+        <p:blipFill>
+          <a:blip r:embed="rId2"/>
+          <a:stretch>
+            <a:fillRect/>
+          </a:stretch>
+        </p:blipFill>
+        <p:spPr>
+          <a:xfrm>
+            <a:off x="0" y="173766"/>
+            <a:ext cx="10707594" cy="6258798"/>
+          </a:xfrm>
+          <a:prstGeom prst="rect">
+            <a:avLst/>
+          </a:prstGeom>
+        </p:spPr>
+      </p:pic>
+      <p:sp>
+        <p:nvSpPr>
+          <p:cNvPr id="5" name="내용 개체 틀 4"/>
+          <p:cNvSpPr txBox="1">
+            <a:spLocks noGrp="1"/>
+          </p:cNvSpPr>
+          <p:nvPr>
+            <p:ph idx="1"/>
+          </p:nvPr>
+        </p:nvSpPr>
+        <p:spPr>
+          <a:prstGeom prst="rect">
+            <a:avLst/>
+          </a:prstGeom>
+          <a:noFill/>
+        </p:spPr>
+        <p:txBody>
+          <a:bodyPr wrap="square" rtlCol="0">
+            <a:spAutoFit/>
+          </a:bodyPr>
+          <a:lstStyle/>
+          <a:p>
+            <a:r>
+              <a:rPr lang="en-US" altLang="ko-KR" dirty="0" err="1"/>
+              <a:t>Luana</a:t>
+            </a:r>
+            <a:r>
+              <a:rPr lang="en-US" altLang="ko-KR" dirty="0"/>
+              <a:t> </a:t>
+            </a:r>
+            <a:r>
+              <a:rPr lang="en-US" altLang="ko-KR" dirty="0" err="1" smtClean="0"/>
+              <a:t>Colloca</a:t>
+            </a:r>
             <a:r>
               <a:rPr lang="en-US" altLang="ko-KR" dirty="0" smtClean="0"/>
-              <a:t>Painful neuropathies</a:t>
+              <a:t> et al., 2017</a:t>
             </a:r>
             <a:endParaRPr lang="ko-KR" altLang="en-US" dirty="0"/>
           </a:p>
@@ -3787,6 +4052,89 @@
       </p:sp>
       <p:sp>
         <p:nvSpPr>
+          <p:cNvPr id="6" name="TextBox 5"/>
+          <p:cNvSpPr txBox="1"/>
+          <p:nvPr/>
+        </p:nvSpPr>
+        <p:spPr>
+          <a:xfrm>
+            <a:off x="10707594" y="6488668"/>
+            <a:ext cx="2734811" cy="369332"/>
+          </a:xfrm>
+          <a:prstGeom prst="rect">
+            <a:avLst/>
+          </a:prstGeom>
+          <a:noFill/>
+        </p:spPr>
+        <p:txBody>
+          <a:bodyPr wrap="square" rtlCol="0">
+            <a:spAutoFit/>
+          </a:bodyPr>
+          <a:lstStyle/>
+          <a:p>
+            <a:r>
+              <a:rPr lang="en-US" altLang="ko-KR" dirty="0"/>
+              <a:t>Suh BC</a:t>
+            </a:r>
+            <a:r>
+              <a:rPr lang="en-US" altLang="ko-KR" dirty="0" smtClean="0"/>
+              <a:t>, 2021</a:t>
+            </a:r>
+            <a:endParaRPr lang="ko-KR" altLang="en-US" dirty="0"/>
+          </a:p>
+        </p:txBody>
+      </p:sp>
+    </p:spTree>
+    <p:extLst>
+      <p:ext uri="{BB962C8B-B14F-4D97-AF65-F5344CB8AC3E}">
+        <p14:creationId xmlns:p14="http://schemas.microsoft.com/office/powerpoint/2010/main" val="514826488"/>
+      </p:ext>
+    </p:extLst>
+  </p:cSld>
+  <p:clrMapOvr>
+    <a:masterClrMapping/>
+  </p:clrMapOvr>
+</p:sld>
+</file>
+
+<file path=ppt/slides/slide4.xml><?xml version="1.0" encoding="utf-8"?>
+<p:sld xmlns:a="http://schemas.openxmlformats.org/drawingml/2006/main" xmlns:r="http://schemas.openxmlformats.org/officeDocument/2006/relationships" xmlns:p="http://schemas.openxmlformats.org/presentationml/2006/main">
+  <p:cSld>
+    <p:spTree>
+      <p:nvGrpSpPr>
+        <p:cNvPr id="1" name=""/>
+        <p:cNvGrpSpPr/>
+        <p:nvPr/>
+      </p:nvGrpSpPr>
+      <p:grpSpPr>
+        <a:xfrm>
+          <a:off x="0" y="0"/>
+          <a:ext cx="0" cy="0"/>
+          <a:chOff x="0" y="0"/>
+          <a:chExt cx="0" cy="0"/>
+        </a:xfrm>
+      </p:grpSpPr>
+      <p:sp>
+        <p:nvSpPr>
+          <p:cNvPr id="2" name="제목 1"/>
+          <p:cNvSpPr>
+            <a:spLocks noGrp="1"/>
+          </p:cNvSpPr>
+          <p:nvPr>
+            <p:ph type="title"/>
+          </p:nvPr>
+        </p:nvSpPr>
+        <p:spPr/>
+        <p:txBody>
+          <a:bodyPr/>
+          <a:lstStyle/>
+          <a:p>
+            <a:endParaRPr lang="ko-KR" altLang="en-US"/>
+          </a:p>
+        </p:txBody>
+      </p:sp>
+      <p:sp>
+        <p:nvSpPr>
           <p:cNvPr id="3" name="내용 개체 틀 2"/>
           <p:cNvSpPr>
             <a:spLocks noGrp="1"/>
@@ -3797,186 +4145,281 @@
         </p:nvSpPr>
         <p:spPr/>
         <p:txBody>
+          <a:bodyPr/>
+          <a:lstStyle/>
+          <a:p>
+            <a:endParaRPr lang="ko-KR" altLang="en-US"/>
+          </a:p>
+        </p:txBody>
+      </p:sp>
+      <p:grpSp>
+        <p:nvGrpSpPr>
+          <p:cNvPr id="6" name="그룹 5"/>
+          <p:cNvGrpSpPr/>
+          <p:nvPr/>
+        </p:nvGrpSpPr>
+        <p:grpSpPr>
+          <a:xfrm>
+            <a:off x="786637" y="152191"/>
+            <a:ext cx="9800270" cy="6575764"/>
+            <a:chOff x="727913" y="-74312"/>
+            <a:chExt cx="10736173" cy="7203734"/>
+          </a:xfrm>
+        </p:grpSpPr>
+        <p:pic>
+          <p:nvPicPr>
+            <p:cNvPr id="4" name="그림 3"/>
+            <p:cNvPicPr>
+              <a:picLocks noChangeAspect="1"/>
+            </p:cNvPicPr>
+            <p:nvPr/>
+          </p:nvPicPr>
+          <p:blipFill>
+            <a:blip r:embed="rId2"/>
+            <a:stretch>
+              <a:fillRect/>
+            </a:stretch>
+          </p:blipFill>
+          <p:spPr>
+            <a:xfrm>
+              <a:off x="727913" y="889676"/>
+              <a:ext cx="10736173" cy="6239746"/>
+            </a:xfrm>
+            <a:prstGeom prst="rect">
+              <a:avLst/>
+            </a:prstGeom>
+          </p:spPr>
+        </p:pic>
+        <p:pic>
+          <p:nvPicPr>
+            <p:cNvPr id="5" name="그림 4"/>
+            <p:cNvPicPr>
+              <a:picLocks noChangeAspect="1"/>
+            </p:cNvPicPr>
+            <p:nvPr/>
+          </p:nvPicPr>
+          <p:blipFill>
+            <a:blip r:embed="rId3"/>
+            <a:stretch>
+              <a:fillRect/>
+            </a:stretch>
+          </p:blipFill>
+          <p:spPr>
+            <a:xfrm>
+              <a:off x="727913" y="-74312"/>
+              <a:ext cx="10736173" cy="963988"/>
+            </a:xfrm>
+            <a:prstGeom prst="rect">
+              <a:avLst/>
+            </a:prstGeom>
+          </p:spPr>
+        </p:pic>
+      </p:grpSp>
+      <p:sp>
+        <p:nvSpPr>
+          <p:cNvPr id="7" name="TextBox 6"/>
+          <p:cNvSpPr txBox="1"/>
+          <p:nvPr/>
+        </p:nvSpPr>
+        <p:spPr>
+          <a:xfrm>
+            <a:off x="10707594" y="6488668"/>
+            <a:ext cx="2734811" cy="369332"/>
+          </a:xfrm>
+          <a:prstGeom prst="rect">
+            <a:avLst/>
+          </a:prstGeom>
+          <a:noFill/>
+        </p:spPr>
+        <p:txBody>
+          <a:bodyPr wrap="square" rtlCol="0">
+            <a:spAutoFit/>
+          </a:bodyPr>
+          <a:lstStyle/>
+          <a:p>
+            <a:r>
+              <a:rPr lang="en-US" altLang="ko-KR" dirty="0"/>
+              <a:t>Suh BC</a:t>
+            </a:r>
+            <a:r>
+              <a:rPr lang="en-US" altLang="ko-KR" dirty="0" smtClean="0"/>
+              <a:t>, 2021</a:t>
+            </a:r>
+            <a:endParaRPr lang="ko-KR" altLang="en-US" dirty="0"/>
+          </a:p>
+        </p:txBody>
+      </p:sp>
+    </p:spTree>
+    <p:extLst>
+      <p:ext uri="{BB962C8B-B14F-4D97-AF65-F5344CB8AC3E}">
+        <p14:creationId xmlns:p14="http://schemas.microsoft.com/office/powerpoint/2010/main" val="940682666"/>
+      </p:ext>
+    </p:extLst>
+  </p:cSld>
+  <p:clrMapOvr>
+    <a:masterClrMapping/>
+  </p:clrMapOvr>
+</p:sld>
+</file>
+
+<file path=ppt/slides/slide5.xml><?xml version="1.0" encoding="utf-8"?>
+<p:sld xmlns:a="http://schemas.openxmlformats.org/drawingml/2006/main" xmlns:r="http://schemas.openxmlformats.org/officeDocument/2006/relationships" xmlns:p="http://schemas.openxmlformats.org/presentationml/2006/main">
+  <p:cSld>
+    <p:spTree>
+      <p:nvGrpSpPr>
+        <p:cNvPr id="1" name=""/>
+        <p:cNvGrpSpPr/>
+        <p:nvPr/>
+      </p:nvGrpSpPr>
+      <p:grpSpPr>
+        <a:xfrm>
+          <a:off x="0" y="0"/>
+          <a:ext cx="0" cy="0"/>
+          <a:chOff x="0" y="0"/>
+          <a:chExt cx="0" cy="0"/>
+        </a:xfrm>
+      </p:grpSpPr>
+      <p:sp>
+        <p:nvSpPr>
+          <p:cNvPr id="2" name="제목 1"/>
+          <p:cNvSpPr>
+            <a:spLocks noGrp="1"/>
+          </p:cNvSpPr>
+          <p:nvPr>
+            <p:ph type="title"/>
+          </p:nvPr>
+        </p:nvSpPr>
+        <p:spPr/>
+        <p:txBody>
+          <a:bodyPr/>
+          <a:lstStyle/>
+          <a:p>
+            <a:r>
+              <a:rPr lang="ko-KR" altLang="en-US" dirty="0" smtClean="0"/>
+              <a:t>통증을 동반하는 다발신경병의 종류</a:t>
+            </a:r>
+            <a:endParaRPr lang="ko-KR" altLang="en-US" dirty="0"/>
+          </a:p>
+        </p:txBody>
+      </p:sp>
+      <p:sp>
+        <p:nvSpPr>
+          <p:cNvPr id="3" name="내용 개체 틀 2"/>
+          <p:cNvSpPr>
+            <a:spLocks noGrp="1"/>
+          </p:cNvSpPr>
+          <p:nvPr>
+            <p:ph idx="1"/>
+          </p:nvPr>
+        </p:nvSpPr>
+        <p:spPr/>
+        <p:txBody>
           <a:bodyPr>
-            <a:normAutofit fontScale="85000" lnSpcReduction="20000"/>
+            <a:normAutofit/>
           </a:bodyPr>
           <a:lstStyle/>
           <a:p>
             <a:r>
+              <a:rPr lang="ko-KR" altLang="en-US" dirty="0" smtClean="0"/>
+              <a:t>손목터널증후군</a:t>
+            </a:r>
+            <a:r>
               <a:rPr lang="en-US" altLang="ko-KR" dirty="0" smtClean="0"/>
-              <a:t>Diabetic </a:t>
-            </a:r>
-            <a:r>
-              <a:rPr lang="en-US" altLang="ko-KR" dirty="0"/>
-              <a:t>polyneuropathy</a:t>
-            </a:r>
-          </a:p>
-          <a:p>
-            <a:r>
-              <a:rPr lang="en-US" altLang="ko-KR" dirty="0" smtClean="0"/>
-              <a:t>Monoclonal </a:t>
-            </a:r>
-            <a:r>
-              <a:rPr lang="en-US" altLang="ko-KR" dirty="0" err="1"/>
-              <a:t>gammopathy</a:t>
-            </a:r>
-            <a:r>
-              <a:rPr lang="en-US" altLang="ko-KR" dirty="0"/>
-              <a:t>–associated polyneuropathy</a:t>
-            </a:r>
-          </a:p>
-          <a:p>
-            <a:r>
-              <a:rPr lang="en-US" altLang="ko-KR" dirty="0" smtClean="0"/>
-              <a:t>Chemotherapy-induced </a:t>
-            </a:r>
-            <a:r>
-              <a:rPr lang="en-US" altLang="ko-KR" dirty="0"/>
-              <a:t>polyneuropathy (associated with </a:t>
-            </a:r>
-            <a:r>
-              <a:rPr lang="en-US" altLang="ko-KR" dirty="0" err="1"/>
-              <a:t>taxanes</a:t>
-            </a:r>
-            <a:r>
-              <a:rPr lang="en-US" altLang="ko-KR" dirty="0"/>
               <a:t>, </a:t>
             </a:r>
             <a:r>
-              <a:rPr lang="en-US" altLang="ko-KR" dirty="0" err="1"/>
-              <a:t>oxaliplatin</a:t>
-            </a:r>
-            <a:r>
-              <a:rPr lang="en-US" altLang="ko-KR" dirty="0"/>
-              <a:t>, </a:t>
-            </a:r>
-            <a:r>
-              <a:rPr lang="en-US" altLang="ko-KR" dirty="0" smtClean="0"/>
-              <a:t>vincristine, thalidomide</a:t>
-            </a:r>
-            <a:r>
-              <a:rPr lang="en-US" altLang="ko-KR" dirty="0"/>
-              <a:t>, </a:t>
-            </a:r>
-            <a:r>
-              <a:rPr lang="en-US" altLang="ko-KR" dirty="0" err="1"/>
-              <a:t>bortezomib</a:t>
-            </a:r>
-            <a:r>
-              <a:rPr lang="en-US" altLang="ko-KR" dirty="0"/>
-              <a:t>)</a:t>
-            </a:r>
-          </a:p>
-          <a:p>
-            <a:r>
-              <a:rPr lang="en-US" altLang="ko-KR" dirty="0" smtClean="0"/>
-              <a:t>Idiopathic </a:t>
-            </a:r>
-            <a:r>
-              <a:rPr lang="en-US" altLang="ko-KR" dirty="0"/>
-              <a:t>small fiber polyneuropathy</a:t>
-            </a:r>
-          </a:p>
-          <a:p>
-            <a:r>
-              <a:rPr lang="en-US" altLang="ko-KR" dirty="0" smtClean="0"/>
-              <a:t>Neuropathy </a:t>
-            </a:r>
-            <a:r>
-              <a:rPr lang="en-US" altLang="ko-KR" dirty="0"/>
-              <a:t>associated with metabolic syndrome</a:t>
-            </a:r>
-          </a:p>
-          <a:p>
-            <a:r>
-              <a:rPr lang="en-US" altLang="ko-KR" dirty="0" smtClean="0"/>
-              <a:t>Human </a:t>
-            </a:r>
-            <a:r>
-              <a:rPr lang="en-US" altLang="ko-KR" dirty="0"/>
-              <a:t>immunodeficiency virus (HIV)–associated polyneuropathy</a:t>
-            </a:r>
-          </a:p>
-          <a:p>
-            <a:r>
-              <a:rPr lang="en-US" altLang="ko-KR" dirty="0" smtClean="0"/>
-              <a:t>Hereditary </a:t>
-            </a:r>
-            <a:r>
-              <a:rPr lang="en-US" altLang="ko-KR" dirty="0"/>
-              <a:t>sensory and autonomic neuropathies</a:t>
-            </a:r>
-          </a:p>
-          <a:p>
-            <a:r>
-              <a:rPr lang="en-US" altLang="ko-KR" dirty="0" err="1" smtClean="0"/>
-              <a:t>Sjögren</a:t>
-            </a:r>
-            <a:r>
-              <a:rPr lang="en-US" altLang="ko-KR" dirty="0" smtClean="0"/>
+              <a:rPr lang="ko-KR" altLang="en-US" dirty="0" smtClean="0"/>
+              <a:t>발목터널증후군</a:t>
+            </a:r>
+            <a:endParaRPr lang="en-US" altLang="ko-KR" dirty="0" smtClean="0"/>
+          </a:p>
+          <a:p>
+            <a:r>
+              <a:rPr lang="ko-KR" altLang="en-US" dirty="0" smtClean="0"/>
+              <a:t>당뇨병 신경병증</a:t>
+            </a:r>
+            <a:endParaRPr lang="en-US" altLang="ko-KR" dirty="0" smtClean="0"/>
+          </a:p>
+          <a:p>
+            <a:r>
+              <a:rPr lang="ko-KR" altLang="en-US" dirty="0" smtClean="0"/>
+              <a:t>대상포진 후 신경통</a:t>
+            </a:r>
+            <a:endParaRPr lang="en-US" altLang="ko-KR" dirty="0" smtClean="0"/>
+          </a:p>
+          <a:p>
+            <a:r>
+              <a:rPr lang="ko-KR" altLang="en-US" dirty="0" smtClean="0"/>
+              <a:t>삼차신경통</a:t>
+            </a:r>
+            <a:endParaRPr lang="en-US" altLang="ko-KR" dirty="0" smtClean="0"/>
+          </a:p>
+          <a:p>
+            <a:r>
+              <a:rPr lang="ko-KR" altLang="en-US" dirty="0" smtClean="0"/>
+              <a:t>항암치료에 의한 신경병증</a:t>
+            </a:r>
+            <a:endParaRPr lang="en-US" altLang="ko-KR" dirty="0" smtClean="0"/>
+          </a:p>
+          <a:p>
+            <a:r>
+              <a:rPr lang="ko-KR" altLang="en-US" dirty="0" smtClean="0"/>
+              <a:t>알코올 독성 신경병증</a:t>
+            </a:r>
+            <a:endParaRPr lang="en-US" altLang="ko-KR" dirty="0" smtClean="0"/>
+          </a:p>
+          <a:p>
+            <a:r>
+              <a:rPr lang="ko-KR" altLang="en-US" dirty="0" smtClean="0"/>
+              <a:t>뇌경색</a:t>
+            </a:r>
+            <a:endParaRPr lang="en-US" altLang="ko-KR" dirty="0" smtClean="0"/>
+          </a:p>
+          <a:p>
+            <a:r>
+              <a:rPr lang="ko-KR" altLang="en-US" dirty="0" err="1" smtClean="0"/>
+              <a:t>척수병증</a:t>
+            </a:r>
+            <a:endParaRPr lang="en-US" altLang="ko-KR" dirty="0" smtClean="0"/>
+          </a:p>
+          <a:p>
+            <a:r>
+              <a:rPr lang="ko-KR" altLang="en-US" dirty="0" smtClean="0"/>
+              <a:t>특발성 </a:t>
+            </a:r>
+            <a:r>
+              <a:rPr lang="ko-KR" altLang="en-US" dirty="0" err="1" smtClean="0"/>
+              <a:t>소섬유</a:t>
+            </a:r>
+            <a:r>
+              <a:rPr lang="ko-KR" altLang="en-US" dirty="0" smtClean="0"/>
               <a:t> </a:t>
             </a:r>
             <a:r>
-              <a:rPr lang="en-US" altLang="ko-KR" dirty="0"/>
-              <a:t>syndrome–associated polyneuropathy</a:t>
-            </a:r>
-          </a:p>
-          <a:p>
-            <a:r>
-              <a:rPr lang="en-US" altLang="ko-KR" dirty="0" smtClean="0"/>
-              <a:t>Pyridoxine </a:t>
-            </a:r>
-            <a:r>
-              <a:rPr lang="en-US" altLang="ko-KR" dirty="0"/>
-              <a:t>(vitamin B6) toxicity</a:t>
-            </a:r>
-          </a:p>
-          <a:p>
-            <a:r>
-              <a:rPr lang="en-US" altLang="ko-KR" dirty="0" smtClean="0"/>
-              <a:t>Celiac </a:t>
-            </a:r>
-            <a:r>
-              <a:rPr lang="en-US" altLang="ko-KR" dirty="0"/>
-              <a:t>neuropathy</a:t>
-            </a:r>
-          </a:p>
-          <a:p>
-            <a:r>
-              <a:rPr lang="en-US" altLang="ko-KR" dirty="0" smtClean="0"/>
-              <a:t>Alcohol </a:t>
-            </a:r>
-            <a:r>
-              <a:rPr lang="en-US" altLang="ko-KR" dirty="0"/>
-              <a:t>and other toxic neuropathies</a:t>
-            </a:r>
-          </a:p>
-          <a:p>
-            <a:r>
-              <a:rPr lang="en-US" altLang="ko-KR" dirty="0" smtClean="0"/>
-              <a:t>Light </a:t>
-            </a:r>
-            <a:r>
-              <a:rPr lang="en-US" altLang="ko-KR" dirty="0"/>
-              <a:t>chain and hereditary </a:t>
-            </a:r>
-            <a:r>
-              <a:rPr lang="en-US" altLang="ko-KR" dirty="0" err="1"/>
-              <a:t>amyloidotic</a:t>
-            </a:r>
-            <a:r>
-              <a:rPr lang="en-US" altLang="ko-KR" dirty="0"/>
-              <a:t> neuropathies</a:t>
-            </a:r>
-          </a:p>
-          <a:p>
-            <a:r>
-              <a:rPr lang="en-US" altLang="ko-KR" dirty="0" smtClean="0"/>
-              <a:t>Nutritional </a:t>
-            </a:r>
-            <a:r>
-              <a:rPr lang="en-US" altLang="ko-KR" dirty="0"/>
-              <a:t>deficiency neuropathies</a:t>
+              <a:rPr lang="ko-KR" altLang="en-US" dirty="0" err="1" smtClean="0"/>
+              <a:t>신경병</a:t>
+            </a:r>
+            <a:endParaRPr lang="en-US" altLang="ko-KR" dirty="0" smtClean="0"/>
+          </a:p>
+          <a:p>
+            <a:r>
+              <a:rPr lang="ko-KR" altLang="en-US" dirty="0" err="1" smtClean="0"/>
+              <a:t>길랑바레</a:t>
+            </a:r>
+            <a:r>
+              <a:rPr lang="ko-KR" altLang="en-US" dirty="0" smtClean="0"/>
+              <a:t> 증후군</a:t>
+            </a:r>
+            <a:endParaRPr lang="en-US" altLang="ko-KR" dirty="0" smtClean="0"/>
+          </a:p>
+          <a:p>
+            <a:r>
+              <a:rPr lang="ko-KR" altLang="en-US" dirty="0" smtClean="0"/>
+              <a:t>비타민 결핍에 의한 </a:t>
+            </a:r>
+            <a:r>
+              <a:rPr lang="ko-KR" altLang="en-US" dirty="0" err="1" smtClean="0"/>
+              <a:t>신경병</a:t>
             </a:r>
             <a:endParaRPr lang="ko-KR" altLang="en-US" dirty="0"/>
           </a:p>
@@ -3995,7 +4438,79 @@
 </p:sld>
 </file>
 
-<file path=ppt/slides/slide4.xml><?xml version="1.0" encoding="utf-8"?>
+<file path=ppt/slides/slide6.xml><?xml version="1.0" encoding="utf-8"?>
+<p:sld xmlns:a="http://schemas.openxmlformats.org/drawingml/2006/main" xmlns:r="http://schemas.openxmlformats.org/officeDocument/2006/relationships" xmlns:p="http://schemas.openxmlformats.org/presentationml/2006/main">
+  <p:cSld>
+    <p:spTree>
+      <p:nvGrpSpPr>
+        <p:cNvPr id="1" name=""/>
+        <p:cNvGrpSpPr/>
+        <p:nvPr/>
+      </p:nvGrpSpPr>
+      <p:grpSpPr>
+        <a:xfrm>
+          <a:off x="0" y="0"/>
+          <a:ext cx="0" cy="0"/>
+          <a:chOff x="0" y="0"/>
+          <a:chExt cx="0" cy="0"/>
+        </a:xfrm>
+      </p:grpSpPr>
+      <p:sp>
+        <p:nvSpPr>
+          <p:cNvPr id="2" name="제목 1"/>
+          <p:cNvSpPr>
+            <a:spLocks noGrp="1"/>
+          </p:cNvSpPr>
+          <p:nvPr>
+            <p:ph type="title"/>
+          </p:nvPr>
+        </p:nvSpPr>
+        <p:spPr/>
+        <p:txBody>
+          <a:bodyPr/>
+          <a:lstStyle/>
+          <a:p>
+            <a:r>
+              <a:rPr lang="ko-KR" altLang="en-US" dirty="0" smtClean="0"/>
+              <a:t>신경통의 진단과 평가 </a:t>
+            </a:r>
+            <a:endParaRPr lang="ko-KR" altLang="en-US" dirty="0"/>
+          </a:p>
+        </p:txBody>
+      </p:sp>
+      <p:sp>
+        <p:nvSpPr>
+          <p:cNvPr id="3" name="내용 개체 틀 2"/>
+          <p:cNvSpPr>
+            <a:spLocks noGrp="1"/>
+          </p:cNvSpPr>
+          <p:nvPr>
+            <p:ph idx="1"/>
+          </p:nvPr>
+        </p:nvSpPr>
+        <p:spPr/>
+        <p:txBody>
+          <a:bodyPr/>
+          <a:lstStyle/>
+          <a:p>
+            <a:endParaRPr lang="ko-KR" altLang="en-US" dirty="0"/>
+          </a:p>
+        </p:txBody>
+      </p:sp>
+    </p:spTree>
+    <p:extLst>
+      <p:ext uri="{BB962C8B-B14F-4D97-AF65-F5344CB8AC3E}">
+        <p14:creationId xmlns:p14="http://schemas.microsoft.com/office/powerpoint/2010/main" val="3776802221"/>
+      </p:ext>
+    </p:extLst>
+  </p:cSld>
+  <p:clrMapOvr>
+    <a:masterClrMapping/>
+  </p:clrMapOvr>
+</p:sld>
+</file>
+
+<file path=ppt/slides/slide7.xml><?xml version="1.0" encoding="utf-8"?>
 <p:sld xmlns:a="http://schemas.openxmlformats.org/drawingml/2006/main" xmlns:r="http://schemas.openxmlformats.org/officeDocument/2006/relationships" xmlns:p="http://schemas.openxmlformats.org/presentationml/2006/main">
   <p:cSld>
     <p:spTree>
@@ -4091,7 +4606,7 @@
 </p:sld>
 </file>
 
-<file path=ppt/slides/slide5.xml><?xml version="1.0" encoding="utf-8"?>
+<file path=ppt/slides/slide8.xml><?xml version="1.0" encoding="utf-8"?>
 <p:sld xmlns:a="http://schemas.openxmlformats.org/drawingml/2006/main" xmlns:r="http://schemas.openxmlformats.org/officeDocument/2006/relationships" xmlns:p="http://schemas.openxmlformats.org/presentationml/2006/main">
   <p:cSld>
     <p:spTree>
@@ -4225,7 +4740,7 @@
 </p:sld>
 </file>
 
-<file path=ppt/slides/slide6.xml><?xml version="1.0" encoding="utf-8"?>
+<file path=ppt/slides/slide9.xml><?xml version="1.0" encoding="utf-8"?>
 <p:sld xmlns:a="http://schemas.openxmlformats.org/drawingml/2006/main" xmlns:r="http://schemas.openxmlformats.org/officeDocument/2006/relationships" xmlns:p="http://schemas.openxmlformats.org/presentationml/2006/main">
   <p:cSld>
     <p:spTree>

--- a/2021.12 개원의연수강좌-neuropathic pain.pptx
+++ b/2021.12 개원의연수강좌-neuropathic pain.pptx
@@ -5,19 +5,22 @@
     <p:sldMasterId id="2147483660" r:id="rId1"/>
   </p:sldMasterIdLst>
   <p:notesMasterIdLst>
-    <p:notesMasterId r:id="rId12"/>
+    <p:notesMasterId r:id="rId15"/>
   </p:notesMasterIdLst>
   <p:sldIdLst>
     <p:sldId id="256" r:id="rId2"/>
-    <p:sldId id="261" r:id="rId3"/>
-    <p:sldId id="263" r:id="rId4"/>
-    <p:sldId id="264" r:id="rId5"/>
-    <p:sldId id="260" r:id="rId6"/>
-    <p:sldId id="265" r:id="rId7"/>
-    <p:sldId id="257" r:id="rId8"/>
-    <p:sldId id="258" r:id="rId9"/>
-    <p:sldId id="259" r:id="rId10"/>
-    <p:sldId id="262" r:id="rId11"/>
+    <p:sldId id="266" r:id="rId3"/>
+    <p:sldId id="261" r:id="rId4"/>
+    <p:sldId id="263" r:id="rId5"/>
+    <p:sldId id="264" r:id="rId6"/>
+    <p:sldId id="260" r:id="rId7"/>
+    <p:sldId id="265" r:id="rId8"/>
+    <p:sldId id="269" r:id="rId9"/>
+    <p:sldId id="267" r:id="rId10"/>
+    <p:sldId id="270" r:id="rId11"/>
+    <p:sldId id="271" r:id="rId12"/>
+    <p:sldId id="272" r:id="rId13"/>
+    <p:sldId id="262" r:id="rId14"/>
   </p:sldIdLst>
   <p:sldSz cx="12192000" cy="6858000"/>
   <p:notesSz cx="6858000" cy="9144000"/>
@@ -206,7 +209,7 @@
           <a:p>
             <a:fld id="{E8FBBB6A-BE53-4BF0-B17E-892FAA57C2D4}" type="datetimeFigureOut">
               <a:rPr lang="ko-KR" altLang="en-US" smtClean="0"/>
-              <a:t>2021-10-29</a:t>
+              <a:t>2021-10-31</a:t>
             </a:fld>
             <a:endParaRPr lang="ko-KR" altLang="en-US"/>
           </a:p>
@@ -519,136 +522,56 @@
           <a:lstStyle/>
           <a:p>
             <a:r>
-              <a:rPr lang="en-US" altLang="ko-KR" sz="1200" b="1" i="0" u="none" strike="noStrike" kern="1200" baseline="0" dirty="0" smtClean="0">
-                <a:solidFill>
-                  <a:schemeClr val="tx1"/>
-                </a:solidFill>
-                <a:latin typeface="+mn-lt"/>
-                <a:ea typeface="+mn-ea"/>
-                <a:cs typeface="+mn-cs"/>
-              </a:rPr>
-              <a:t>a </a:t>
-            </a:r>
-            <a:r>
-              <a:rPr lang="en-US" altLang="ko-KR" sz="1200" b="0" i="0" u="none" strike="noStrike" kern="1200" baseline="0" dirty="0" smtClean="0">
-                <a:solidFill>
-                  <a:schemeClr val="tx1"/>
-                </a:solidFill>
-                <a:latin typeface="+mn-lt"/>
-                <a:ea typeface="+mn-ea"/>
-                <a:cs typeface="+mn-cs"/>
-              </a:rPr>
-              <a:t>| Spinal cord stimulation traditionally applies a monophasic square-wave pulse (at a frequency in the 30–100 Hz range) that results in </a:t>
-            </a:r>
-            <a:r>
-              <a:rPr lang="en-US" altLang="ko-KR" sz="1200" b="0" i="0" u="none" strike="noStrike" kern="1200" baseline="0" dirty="0" err="1" smtClean="0">
-                <a:solidFill>
-                  <a:schemeClr val="tx1"/>
-                </a:solidFill>
-                <a:latin typeface="+mn-lt"/>
-                <a:ea typeface="+mn-ea"/>
-                <a:cs typeface="+mn-cs"/>
-              </a:rPr>
-              <a:t>paraesthesia</a:t>
-            </a:r>
-            <a:r>
-              <a:rPr lang="en-US" altLang="ko-KR" sz="1200" b="0" i="0" u="none" strike="noStrike" kern="1200" baseline="0" dirty="0" smtClean="0">
-                <a:solidFill>
-                  <a:schemeClr val="tx1"/>
-                </a:solidFill>
-                <a:latin typeface="+mn-lt"/>
-                <a:ea typeface="+mn-ea"/>
-                <a:cs typeface="+mn-cs"/>
-              </a:rPr>
-              <a:t> in the painful region. </a:t>
-            </a:r>
-            <a:r>
-              <a:rPr lang="en-US" altLang="ko-KR" sz="1200" b="1" i="0" u="none" strike="noStrike" kern="1200" baseline="0" dirty="0" smtClean="0">
-                <a:solidFill>
-                  <a:schemeClr val="tx1"/>
-                </a:solidFill>
-                <a:latin typeface="+mn-lt"/>
-                <a:ea typeface="+mn-ea"/>
-                <a:cs typeface="+mn-cs"/>
-              </a:rPr>
-              <a:t>b </a:t>
-            </a:r>
-            <a:r>
-              <a:rPr lang="en-US" altLang="ko-KR" sz="1200" b="0" i="0" u="none" strike="noStrike" kern="1200" baseline="0" dirty="0" smtClean="0">
-                <a:solidFill>
-                  <a:schemeClr val="tx1"/>
-                </a:solidFill>
-                <a:latin typeface="+mn-lt"/>
-                <a:ea typeface="+mn-ea"/>
-                <a:cs typeface="+mn-cs"/>
-              </a:rPr>
-              <a:t>| Cortical stimulation involves the stimulation of the pre-central motor cortex below the motor threshold using either invasive epidural or transcranial non-invasive techniques (such as repetitive transcranial magnetic stimulation (TMS) and transcranial direct current stimulation). </a:t>
-            </a:r>
-            <a:r>
-              <a:rPr lang="en-US" altLang="ko-KR" sz="1200" b="1" i="0" u="none" strike="noStrike" kern="1200" baseline="0" dirty="0" smtClean="0">
-                <a:solidFill>
-                  <a:schemeClr val="tx1"/>
-                </a:solidFill>
-                <a:latin typeface="+mn-lt"/>
-                <a:ea typeface="+mn-ea"/>
-                <a:cs typeface="+mn-cs"/>
-              </a:rPr>
-              <a:t>c </a:t>
-            </a:r>
-            <a:r>
-              <a:rPr lang="en-US" altLang="ko-KR" sz="1200" b="0" i="0" u="none" strike="noStrike" kern="1200" baseline="0" dirty="0" smtClean="0">
-                <a:solidFill>
-                  <a:schemeClr val="tx1"/>
-                </a:solidFill>
-                <a:latin typeface="+mn-lt"/>
-                <a:ea typeface="+mn-ea"/>
-                <a:cs typeface="+mn-cs"/>
-              </a:rPr>
-              <a:t>| Deep brain stimulation uses high-frequency chronic intracranial stimulation of the internal capsule, various nuclei in the sensory thalamus, periaqueductal and periventricular grey, motor cortex, septum, nucleus </a:t>
-            </a:r>
-            <a:r>
-              <a:rPr lang="en-US" altLang="ko-KR" sz="1200" b="0" i="0" u="none" strike="noStrike" kern="1200" baseline="0" dirty="0" err="1" smtClean="0">
-                <a:solidFill>
-                  <a:schemeClr val="tx1"/>
-                </a:solidFill>
-                <a:latin typeface="+mn-lt"/>
-                <a:ea typeface="+mn-ea"/>
-                <a:cs typeface="+mn-cs"/>
-              </a:rPr>
-              <a:t>accumbens</a:t>
-            </a:r>
-            <a:r>
-              <a:rPr lang="en-US" altLang="ko-KR" sz="1200" b="0" i="0" u="none" strike="noStrike" kern="1200" baseline="0" dirty="0" smtClean="0">
-                <a:solidFill>
-                  <a:schemeClr val="tx1"/>
-                </a:solidFill>
-                <a:latin typeface="+mn-lt"/>
-                <a:ea typeface="+mn-ea"/>
-                <a:cs typeface="+mn-cs"/>
-              </a:rPr>
-              <a:t>, posterior hypothalamus and anterior cingulate cortex as potential brain targets for pain control. </a:t>
-            </a:r>
-            <a:r>
-              <a:rPr lang="en-US" altLang="ko-KR" sz="1200" b="1" i="0" u="none" strike="noStrike" kern="1200" baseline="0" dirty="0" smtClean="0">
-                <a:solidFill>
-                  <a:schemeClr val="tx1"/>
-                </a:solidFill>
-                <a:latin typeface="+mn-lt"/>
-                <a:ea typeface="+mn-ea"/>
-                <a:cs typeface="+mn-cs"/>
-              </a:rPr>
-              <a:t>d </a:t>
-            </a:r>
-            <a:r>
-              <a:rPr lang="en-US" altLang="ko-KR" sz="1200" b="0" i="0" u="none" strike="noStrike" kern="1200" baseline="0" dirty="0" smtClean="0">
-                <a:solidFill>
-                  <a:schemeClr val="tx1"/>
-                </a:solidFill>
-                <a:latin typeface="+mn-lt"/>
-                <a:ea typeface="+mn-ea"/>
-                <a:cs typeface="+mn-cs"/>
-              </a:rPr>
-              <a:t>| Intrathecal treatments provide a targeted drug delivery option in patients with severe and otherwise refractory chronic pain. The pumps can be refilled through an opening at the skin surface. </a:t>
+              <a:rPr lang="ko-KR" altLang="en-US" dirty="0" smtClean="0"/>
+              <a:t>신경말단이 있는 피부</a:t>
+            </a:r>
+            <a:r>
+              <a:rPr lang="en-US" altLang="ko-KR" dirty="0" smtClean="0"/>
+              <a:t>, </a:t>
+            </a:r>
+            <a:r>
+              <a:rPr lang="ko-KR" altLang="en-US" dirty="0" smtClean="0"/>
+              <a:t>말초신경</a:t>
+            </a:r>
+            <a:r>
+              <a:rPr lang="en-US" altLang="ko-KR" dirty="0" smtClean="0"/>
+              <a:t>, </a:t>
+            </a:r>
+            <a:r>
+              <a:rPr lang="ko-KR" altLang="en-US" dirty="0" smtClean="0"/>
+              <a:t>척수</a:t>
+            </a:r>
+            <a:r>
+              <a:rPr lang="en-US" altLang="ko-KR" dirty="0" smtClean="0"/>
+              <a:t>, </a:t>
+            </a:r>
+            <a:r>
+              <a:rPr lang="ko-KR" altLang="en-US" dirty="0" smtClean="0"/>
+              <a:t>대뇌</a:t>
+            </a:r>
+            <a:r>
+              <a:rPr lang="en-US" altLang="ko-KR" dirty="0" smtClean="0"/>
+              <a:t>, </a:t>
+            </a:r>
+            <a:r>
+              <a:rPr lang="ko-KR" altLang="en-US" dirty="0" smtClean="0"/>
+              <a:t>뇌간에 걸쳐 </a:t>
+            </a:r>
+            <a:r>
+              <a:rPr lang="ko-KR" altLang="en-US" dirty="0" err="1" smtClean="0"/>
+              <a:t>원인병터에</a:t>
+            </a:r>
+            <a:r>
+              <a:rPr lang="ko-KR" altLang="en-US" dirty="0" smtClean="0"/>
+              <a:t> 의해 </a:t>
+            </a:r>
+            <a:r>
+              <a:rPr lang="ko-KR" altLang="en-US" dirty="0" err="1" smtClean="0"/>
+              <a:t>발생가능함</a:t>
+            </a:r>
+            <a:r>
+              <a:rPr lang="en-US" altLang="ko-KR" dirty="0" smtClean="0"/>
+              <a:t>. </a:t>
             </a:r>
             <a:endParaRPr lang="ko-KR" altLang="en-US" dirty="0"/>
           </a:p>
@@ -671,7 +594,7 @@
           <a:p>
             <a:fld id="{BBAA4D1B-A90B-4163-BF9D-AF53B78ADDD3}" type="slidenum">
               <a:rPr lang="ko-KR" altLang="en-US" smtClean="0"/>
-              <a:t>9</a:t>
+              <a:t>2</a:t>
             </a:fld>
             <a:endParaRPr lang="ko-KR" altLang="en-US"/>
           </a:p>
@@ -680,7 +603,4203 @@
     </p:spTree>
     <p:extLst>
       <p:ext uri="{BB962C8B-B14F-4D97-AF65-F5344CB8AC3E}">
-        <p14:creationId xmlns:p14="http://schemas.microsoft.com/office/powerpoint/2010/main" val="4277407865"/>
+        <p14:creationId xmlns:p14="http://schemas.microsoft.com/office/powerpoint/2010/main" val="772782518"/>
+      </p:ext>
+    </p:extLst>
+  </p:cSld>
+  <p:clrMapOvr>
+    <a:masterClrMapping/>
+  </p:clrMapOvr>
+</p:notes>
+</file>
+
+<file path=ppt/notesSlides/notesSlide2.xml><?xml version="1.0" encoding="utf-8"?>
+<p:notes xmlns:a="http://schemas.openxmlformats.org/drawingml/2006/main" xmlns:r="http://schemas.openxmlformats.org/officeDocument/2006/relationships" xmlns:p="http://schemas.openxmlformats.org/presentationml/2006/main">
+  <p:cSld>
+    <p:spTree>
+      <p:nvGrpSpPr>
+        <p:cNvPr id="1" name=""/>
+        <p:cNvGrpSpPr/>
+        <p:nvPr/>
+      </p:nvGrpSpPr>
+      <p:grpSpPr>
+        <a:xfrm>
+          <a:off x="0" y="0"/>
+          <a:ext cx="0" cy="0"/>
+          <a:chOff x="0" y="0"/>
+          <a:chExt cx="0" cy="0"/>
+        </a:xfrm>
+      </p:grpSpPr>
+      <p:sp>
+        <p:nvSpPr>
+          <p:cNvPr id="2" name="슬라이드 이미지 개체 틀 1"/>
+          <p:cNvSpPr>
+            <a:spLocks noGrp="1" noRot="1" noChangeAspect="1"/>
+          </p:cNvSpPr>
+          <p:nvPr>
+            <p:ph type="sldImg"/>
+          </p:nvPr>
+        </p:nvSpPr>
+        <p:spPr/>
+      </p:sp>
+      <p:sp>
+        <p:nvSpPr>
+          <p:cNvPr id="3" name="슬라이드 노트 개체 틀 2"/>
+          <p:cNvSpPr>
+            <a:spLocks noGrp="1"/>
+          </p:cNvSpPr>
+          <p:nvPr>
+            <p:ph type="body" idx="1"/>
+          </p:nvPr>
+        </p:nvSpPr>
+        <p:spPr/>
+        <p:txBody>
+          <a:bodyPr/>
+          <a:lstStyle/>
+          <a:p>
+            <a:r>
+              <a:rPr lang="en-US" altLang="ko-KR" dirty="0" smtClean="0"/>
+              <a:t>PY, person-year; CI, confidence interval; </a:t>
+            </a:r>
+            <a:r>
+              <a:rPr lang="en-US" altLang="ko-KR" dirty="0" err="1" smtClean="0"/>
+              <a:t>NeP</a:t>
+            </a:r>
+            <a:r>
+              <a:rPr lang="en-US" altLang="ko-KR" dirty="0" smtClean="0"/>
+              <a:t>, neuropathic pain; NRC, nerve root compression; MONICA/KORA, MONICA/KORA Augsburg Survey; PPR, pooled prevalence rate.</a:t>
+            </a:r>
+          </a:p>
+          <a:p>
+            <a:r>
+              <a:rPr lang="en-US" altLang="ko-KR" dirty="0" smtClean="0"/>
+              <a:t>a)Values are presented as % (number/total number), % (95% CI), or % (number). b)Multiple results from an article.</a:t>
+            </a:r>
+            <a:endParaRPr lang="ko-KR" altLang="en-US" dirty="0"/>
+          </a:p>
+        </p:txBody>
+      </p:sp>
+      <p:sp>
+        <p:nvSpPr>
+          <p:cNvPr id="4" name="슬라이드 번호 개체 틀 3"/>
+          <p:cNvSpPr>
+            <a:spLocks noGrp="1"/>
+          </p:cNvSpPr>
+          <p:nvPr>
+            <p:ph type="sldNum" sz="quarter" idx="10"/>
+          </p:nvPr>
+        </p:nvSpPr>
+        <p:spPr/>
+        <p:txBody>
+          <a:bodyPr/>
+          <a:lstStyle/>
+          <a:p>
+            <a:fld id="{BBAA4D1B-A90B-4163-BF9D-AF53B78ADDD3}" type="slidenum">
+              <a:rPr lang="ko-KR" altLang="en-US" smtClean="0"/>
+              <a:t>5</a:t>
+            </a:fld>
+            <a:endParaRPr lang="ko-KR" altLang="en-US"/>
+          </a:p>
+        </p:txBody>
+      </p:sp>
+    </p:spTree>
+    <p:extLst>
+      <p:ext uri="{BB962C8B-B14F-4D97-AF65-F5344CB8AC3E}">
+        <p14:creationId xmlns:p14="http://schemas.microsoft.com/office/powerpoint/2010/main" val="1388881429"/>
+      </p:ext>
+    </p:extLst>
+  </p:cSld>
+  <p:clrMapOvr>
+    <a:masterClrMapping/>
+  </p:clrMapOvr>
+</p:notes>
+</file>
+
+<file path=ppt/notesSlides/notesSlide3.xml><?xml version="1.0" encoding="utf-8"?>
+<p:notes xmlns:a="http://schemas.openxmlformats.org/drawingml/2006/main" xmlns:r="http://schemas.openxmlformats.org/officeDocument/2006/relationships" xmlns:p="http://schemas.openxmlformats.org/presentationml/2006/main">
+  <p:cSld>
+    <p:spTree>
+      <p:nvGrpSpPr>
+        <p:cNvPr id="1" name=""/>
+        <p:cNvGrpSpPr/>
+        <p:nvPr/>
+      </p:nvGrpSpPr>
+      <p:grpSpPr>
+        <a:xfrm>
+          <a:off x="0" y="0"/>
+          <a:ext cx="0" cy="0"/>
+          <a:chOff x="0" y="0"/>
+          <a:chExt cx="0" cy="0"/>
+        </a:xfrm>
+      </p:grpSpPr>
+      <p:sp>
+        <p:nvSpPr>
+          <p:cNvPr id="2" name="슬라이드 이미지 개체 틀 1"/>
+          <p:cNvSpPr>
+            <a:spLocks noGrp="1" noRot="1" noChangeAspect="1"/>
+          </p:cNvSpPr>
+          <p:nvPr>
+            <p:ph type="sldImg"/>
+          </p:nvPr>
+        </p:nvSpPr>
+        <p:spPr/>
+      </p:sp>
+      <p:sp>
+        <p:nvSpPr>
+          <p:cNvPr id="3" name="슬라이드 노트 개체 틀 2"/>
+          <p:cNvSpPr>
+            <a:spLocks noGrp="1"/>
+          </p:cNvSpPr>
+          <p:nvPr>
+            <p:ph type="body" idx="1"/>
+          </p:nvPr>
+        </p:nvSpPr>
+        <p:spPr/>
+        <p:txBody>
+          <a:bodyPr/>
+          <a:lstStyle/>
+          <a:p>
+            <a:r>
+              <a:rPr lang="en-US" altLang="ko-KR" sz="1200" b="0" i="0" u="none" strike="noStrike" kern="1200" baseline="0" dirty="0" smtClean="0">
+                <a:solidFill>
+                  <a:schemeClr val="tx1"/>
+                </a:solidFill>
+                <a:latin typeface="+mn-lt"/>
+                <a:ea typeface="+mn-ea"/>
+                <a:cs typeface="+mn-cs"/>
+              </a:rPr>
+              <a:t>VAS</a:t>
+            </a:r>
+            <a:r>
+              <a:rPr lang="ko-KR" altLang="en-US" sz="1200" b="0" i="0" u="none" strike="noStrike" kern="1200" baseline="0" dirty="0" smtClean="0">
+                <a:solidFill>
+                  <a:schemeClr val="tx1"/>
+                </a:solidFill>
+                <a:latin typeface="+mn-lt"/>
+                <a:ea typeface="+mn-ea"/>
+                <a:cs typeface="+mn-cs"/>
+              </a:rPr>
+              <a:t>는 길이가 정해진 선 위에 통증의 정도를 환자가 스스로 표시하도록 하는 방법이다</a:t>
+            </a:r>
+            <a:r>
+              <a:rPr lang="en-US" altLang="ko-KR" sz="1200" b="0" i="0" u="none" strike="noStrike" kern="1200" baseline="0" dirty="0" smtClean="0">
+                <a:solidFill>
+                  <a:schemeClr val="tx1"/>
+                </a:solidFill>
+                <a:latin typeface="+mn-lt"/>
+                <a:ea typeface="+mn-ea"/>
+                <a:cs typeface="+mn-cs"/>
+              </a:rPr>
+              <a:t>(Appendix 1).3 100 mm </a:t>
+            </a:r>
+            <a:r>
+              <a:rPr lang="ko-KR" altLang="en-US" sz="1200" b="0" i="0" u="none" strike="noStrike" kern="1200" baseline="0" dirty="0" smtClean="0">
+                <a:solidFill>
+                  <a:schemeClr val="tx1"/>
+                </a:solidFill>
+                <a:latin typeface="+mn-lt"/>
+                <a:ea typeface="+mn-ea"/>
+                <a:cs typeface="+mn-cs"/>
+              </a:rPr>
+              <a:t>선을 긋고</a:t>
+            </a:r>
+            <a:r>
+              <a:rPr lang="en-US" altLang="ko-KR" sz="1200" b="0" i="0" u="none" strike="noStrike" kern="1200" baseline="0" dirty="0" smtClean="0">
+                <a:solidFill>
+                  <a:schemeClr val="tx1"/>
+                </a:solidFill>
+                <a:latin typeface="+mn-lt"/>
+                <a:ea typeface="+mn-ea"/>
+                <a:cs typeface="+mn-cs"/>
+              </a:rPr>
+              <a:t>, </a:t>
+            </a:r>
+            <a:r>
+              <a:rPr lang="ko-KR" altLang="en-US" sz="1200" b="0" i="0" u="none" strike="noStrike" kern="1200" baseline="0" dirty="0" smtClean="0">
+                <a:solidFill>
+                  <a:schemeClr val="tx1"/>
+                </a:solidFill>
+                <a:latin typeface="+mn-lt"/>
+                <a:ea typeface="+mn-ea"/>
+                <a:cs typeface="+mn-cs"/>
+              </a:rPr>
+              <a:t>선 의 시작 부분은 ‘통증이 전혀 없는 </a:t>
+            </a:r>
+            <a:r>
+              <a:rPr lang="ko-KR" altLang="en-US" sz="1200" b="0" i="0" u="none" strike="noStrike" kern="1200" baseline="0" dirty="0" err="1" smtClean="0">
+                <a:solidFill>
+                  <a:schemeClr val="tx1"/>
+                </a:solidFill>
+                <a:latin typeface="+mn-lt"/>
+                <a:ea typeface="+mn-ea"/>
+                <a:cs typeface="+mn-cs"/>
+              </a:rPr>
+              <a:t>상태’이고</a:t>
+            </a:r>
+            <a:r>
+              <a:rPr lang="ko-KR" altLang="en-US" sz="1200" b="0" i="0" u="none" strike="noStrike" kern="1200" baseline="0" dirty="0" smtClean="0">
+                <a:solidFill>
+                  <a:schemeClr val="tx1"/>
+                </a:solidFill>
+                <a:latin typeface="+mn-lt"/>
+                <a:ea typeface="+mn-ea"/>
+                <a:cs typeface="+mn-cs"/>
+              </a:rPr>
+              <a:t> </a:t>
+            </a:r>
+            <a:r>
+              <a:rPr lang="en-US" altLang="ko-KR" sz="1200" b="0" i="0" u="none" strike="noStrike" kern="1200" baseline="0" dirty="0" smtClean="0">
+                <a:solidFill>
+                  <a:schemeClr val="tx1"/>
+                </a:solidFill>
+                <a:latin typeface="+mn-lt"/>
+                <a:ea typeface="+mn-ea"/>
+                <a:cs typeface="+mn-cs"/>
+              </a:rPr>
+              <a:t>100 mm </a:t>
+            </a:r>
+            <a:r>
+              <a:rPr lang="ko-KR" altLang="en-US" sz="1200" b="0" i="0" u="none" strike="noStrike" kern="1200" baseline="0" dirty="0" smtClean="0">
+                <a:solidFill>
+                  <a:schemeClr val="tx1"/>
+                </a:solidFill>
+                <a:latin typeface="+mn-lt"/>
+                <a:ea typeface="+mn-ea"/>
+                <a:cs typeface="+mn-cs"/>
+              </a:rPr>
+              <a:t>끝 부분은 ‘상상할 수 있는 가장 심한 </a:t>
+            </a:r>
+            <a:r>
+              <a:rPr lang="ko-KR" altLang="en-US" sz="1200" b="0" i="0" u="none" strike="noStrike" kern="1200" baseline="0" dirty="0" err="1" smtClean="0">
+                <a:solidFill>
+                  <a:schemeClr val="tx1"/>
+                </a:solidFill>
+                <a:latin typeface="+mn-lt"/>
+                <a:ea typeface="+mn-ea"/>
+                <a:cs typeface="+mn-cs"/>
+              </a:rPr>
+              <a:t>통증’으로</a:t>
+            </a:r>
+            <a:r>
+              <a:rPr lang="ko-KR" altLang="en-US" sz="1200" b="0" i="0" u="none" strike="noStrike" kern="1200" baseline="0" dirty="0" smtClean="0">
+                <a:solidFill>
+                  <a:schemeClr val="tx1"/>
+                </a:solidFill>
+                <a:latin typeface="+mn-lt"/>
+                <a:ea typeface="+mn-ea"/>
+                <a:cs typeface="+mn-cs"/>
+              </a:rPr>
+              <a:t> 가정하여 현재 통증이 얼마나 심한지 선 위에 표시하도록 하여 통증의 정도를 측정한다</a:t>
+            </a:r>
+            <a:r>
+              <a:rPr lang="en-US" altLang="ko-KR" sz="1200" b="0" i="0" u="none" strike="noStrike" kern="1200" baseline="0" dirty="0" smtClean="0">
+                <a:solidFill>
+                  <a:schemeClr val="tx1"/>
+                </a:solidFill>
+                <a:latin typeface="+mn-lt"/>
+                <a:ea typeface="+mn-ea"/>
+                <a:cs typeface="+mn-cs"/>
+              </a:rPr>
+              <a:t>. </a:t>
+            </a:r>
+            <a:r>
+              <a:rPr lang="ko-KR" altLang="en-US" sz="1200" b="0" i="0" u="none" strike="noStrike" kern="1200" baseline="0" dirty="0" smtClean="0">
+                <a:solidFill>
+                  <a:schemeClr val="tx1"/>
+                </a:solidFill>
+                <a:latin typeface="+mn-lt"/>
+                <a:ea typeface="+mn-ea"/>
+                <a:cs typeface="+mn-cs"/>
+              </a:rPr>
+              <a:t>선의 시작 부분부터 환자가 표시한 부분까지 길이를 측정하여 길이가 </a:t>
+            </a:r>
+            <a:r>
+              <a:rPr lang="en-US" altLang="ko-KR" sz="1200" b="0" i="0" u="none" strike="noStrike" kern="1200" baseline="0" dirty="0" smtClean="0">
+                <a:solidFill>
+                  <a:schemeClr val="tx1"/>
+                </a:solidFill>
+                <a:latin typeface="+mn-lt"/>
+                <a:ea typeface="+mn-ea"/>
+                <a:cs typeface="+mn-cs"/>
+              </a:rPr>
+              <a:t>0-4 mm </a:t>
+            </a:r>
+            <a:r>
+              <a:rPr lang="ko-KR" altLang="en-US" sz="1200" b="0" i="0" u="none" strike="noStrike" kern="1200" baseline="0" dirty="0" smtClean="0">
+                <a:solidFill>
+                  <a:schemeClr val="tx1"/>
+                </a:solidFill>
+                <a:latin typeface="+mn-lt"/>
+                <a:ea typeface="+mn-ea"/>
+                <a:cs typeface="+mn-cs"/>
+              </a:rPr>
+              <a:t>이내인 경우는 통증이 없는 상태</a:t>
+            </a:r>
+            <a:r>
+              <a:rPr lang="en-US" altLang="ko-KR" sz="1200" b="0" i="0" u="none" strike="noStrike" kern="1200" baseline="0" dirty="0" smtClean="0">
+                <a:solidFill>
+                  <a:schemeClr val="tx1"/>
+                </a:solidFill>
+                <a:latin typeface="+mn-lt"/>
+                <a:ea typeface="+mn-ea"/>
+                <a:cs typeface="+mn-cs"/>
+              </a:rPr>
+              <a:t>, 5-44 mm</a:t>
+            </a:r>
+            <a:r>
+              <a:rPr lang="ko-KR" altLang="en-US" sz="1200" b="0" i="0" u="none" strike="noStrike" kern="1200" baseline="0" dirty="0" smtClean="0">
+                <a:solidFill>
+                  <a:schemeClr val="tx1"/>
+                </a:solidFill>
+                <a:latin typeface="+mn-lt"/>
+                <a:ea typeface="+mn-ea"/>
+                <a:cs typeface="+mn-cs"/>
+              </a:rPr>
+              <a:t>는 경미한 통증</a:t>
+            </a:r>
+            <a:r>
+              <a:rPr lang="en-US" altLang="ko-KR" sz="1200" b="0" i="0" u="none" strike="noStrike" kern="1200" baseline="0" dirty="0" smtClean="0">
+                <a:solidFill>
+                  <a:schemeClr val="tx1"/>
+                </a:solidFill>
+                <a:latin typeface="+mn-lt"/>
+                <a:ea typeface="+mn-ea"/>
+                <a:cs typeface="+mn-cs"/>
+              </a:rPr>
+              <a:t>, 45-74 mm</a:t>
+            </a:r>
+            <a:r>
+              <a:rPr lang="ko-KR" altLang="en-US" sz="1200" b="0" i="0" u="none" strike="noStrike" kern="1200" baseline="0" dirty="0" smtClean="0">
+                <a:solidFill>
+                  <a:schemeClr val="tx1"/>
+                </a:solidFill>
+                <a:latin typeface="+mn-lt"/>
+                <a:ea typeface="+mn-ea"/>
+                <a:cs typeface="+mn-cs"/>
+              </a:rPr>
+              <a:t>는 중등도 통증</a:t>
+            </a:r>
+            <a:r>
+              <a:rPr lang="en-US" altLang="ko-KR" sz="1200" b="0" i="0" u="none" strike="noStrike" kern="1200" baseline="0" dirty="0" smtClean="0">
+                <a:solidFill>
+                  <a:schemeClr val="tx1"/>
+                </a:solidFill>
+                <a:latin typeface="+mn-lt"/>
+                <a:ea typeface="+mn-ea"/>
+                <a:cs typeface="+mn-cs"/>
+              </a:rPr>
+              <a:t>, 75-100 mm</a:t>
+            </a:r>
+            <a:r>
+              <a:rPr lang="ko-KR" altLang="en-US" sz="1200" b="0" i="0" u="none" strike="noStrike" kern="1200" baseline="0" dirty="0" smtClean="0">
+                <a:solidFill>
+                  <a:schemeClr val="tx1"/>
+                </a:solidFill>
+                <a:latin typeface="+mn-lt"/>
+                <a:ea typeface="+mn-ea"/>
+                <a:cs typeface="+mn-cs"/>
+              </a:rPr>
+              <a:t>는 심한 통증으로 판독</a:t>
+            </a:r>
+            <a:endParaRPr lang="en-US" altLang="ko-KR" sz="1200" b="0" i="0" u="none" strike="noStrike" kern="1200" baseline="0" dirty="0" smtClean="0">
+              <a:solidFill>
+                <a:schemeClr val="tx1"/>
+              </a:solidFill>
+              <a:latin typeface="+mn-lt"/>
+              <a:ea typeface="+mn-ea"/>
+              <a:cs typeface="+mn-cs"/>
+            </a:endParaRPr>
+          </a:p>
+          <a:p>
+            <a:r>
+              <a:rPr lang="ko-KR" altLang="en-US" sz="1200" b="0" i="0" u="none" strike="noStrike" kern="1200" baseline="0" dirty="0" err="1" smtClean="0">
+                <a:solidFill>
+                  <a:schemeClr val="tx1"/>
+                </a:solidFill>
+                <a:latin typeface="+mn-lt"/>
+                <a:ea typeface="+mn-ea"/>
+                <a:cs typeface="+mn-cs"/>
+              </a:rPr>
+              <a:t>발병기전에</a:t>
+            </a:r>
+            <a:r>
+              <a:rPr lang="ko-KR" altLang="en-US" sz="1200" b="0" i="0" u="none" strike="noStrike" kern="1200" baseline="0" dirty="0" smtClean="0">
+                <a:solidFill>
+                  <a:schemeClr val="tx1"/>
+                </a:solidFill>
+                <a:latin typeface="+mn-lt"/>
+                <a:ea typeface="+mn-ea"/>
+                <a:cs typeface="+mn-cs"/>
+              </a:rPr>
+              <a:t> 따라 치료를 </a:t>
+            </a:r>
+            <a:r>
+              <a:rPr lang="ko-KR" altLang="en-US" sz="1200" b="0" i="0" u="none" strike="noStrike" kern="1200" baseline="0" dirty="0" err="1" smtClean="0">
+                <a:solidFill>
+                  <a:schemeClr val="tx1"/>
+                </a:solidFill>
+                <a:latin typeface="+mn-lt"/>
+                <a:ea typeface="+mn-ea"/>
+                <a:cs typeface="+mn-cs"/>
+              </a:rPr>
+              <a:t>하는것은</a:t>
+            </a:r>
+            <a:r>
+              <a:rPr lang="ko-KR" altLang="en-US" sz="1200" b="0" i="0" u="none" strike="noStrike" kern="1200" baseline="0" dirty="0" smtClean="0">
+                <a:solidFill>
+                  <a:schemeClr val="tx1"/>
+                </a:solidFill>
+                <a:latin typeface="+mn-lt"/>
+                <a:ea typeface="+mn-ea"/>
+                <a:cs typeface="+mn-cs"/>
+              </a:rPr>
+              <a:t> </a:t>
+            </a:r>
+            <a:r>
+              <a:rPr lang="ko-KR" altLang="en-US" sz="1200" b="0" i="0" u="none" strike="noStrike" kern="1200" baseline="0" dirty="0" err="1" smtClean="0">
+                <a:solidFill>
+                  <a:schemeClr val="tx1"/>
+                </a:solidFill>
+                <a:latin typeface="+mn-lt"/>
+                <a:ea typeface="+mn-ea"/>
+                <a:cs typeface="+mn-cs"/>
+              </a:rPr>
+              <a:t>발병기전을</a:t>
+            </a:r>
+            <a:r>
+              <a:rPr lang="ko-KR" altLang="en-US" sz="1200" b="0" i="0" u="none" strike="noStrike" kern="1200" baseline="0" dirty="0" smtClean="0">
+                <a:solidFill>
+                  <a:schemeClr val="tx1"/>
+                </a:solidFill>
+                <a:latin typeface="+mn-lt"/>
+                <a:ea typeface="+mn-ea"/>
+                <a:cs typeface="+mn-cs"/>
+              </a:rPr>
+              <a:t> 밝히는데 실패하여 </a:t>
+            </a:r>
+            <a:r>
+              <a:rPr lang="ko-KR" altLang="en-US" sz="1200" b="0" i="0" u="none" strike="noStrike" kern="1200" baseline="0" dirty="0" err="1" smtClean="0">
+                <a:solidFill>
+                  <a:schemeClr val="tx1"/>
+                </a:solidFill>
+                <a:latin typeface="+mn-lt"/>
+                <a:ea typeface="+mn-ea"/>
+                <a:cs typeface="+mn-cs"/>
+              </a:rPr>
+              <a:t>임상양상에</a:t>
+            </a:r>
+            <a:r>
+              <a:rPr lang="ko-KR" altLang="en-US" sz="1200" b="0" i="0" u="none" strike="noStrike" kern="1200" baseline="0" dirty="0" smtClean="0">
+                <a:solidFill>
+                  <a:schemeClr val="tx1"/>
+                </a:solidFill>
+                <a:latin typeface="+mn-lt"/>
+                <a:ea typeface="+mn-ea"/>
+                <a:cs typeface="+mn-cs"/>
+              </a:rPr>
+              <a:t> 따라 치료</a:t>
+            </a:r>
+            <a:r>
+              <a:rPr lang="en-US" altLang="ko-KR" sz="1200" b="0" i="0" u="none" strike="noStrike" kern="1200" baseline="0" dirty="0" smtClean="0">
+                <a:solidFill>
+                  <a:schemeClr val="tx1"/>
+                </a:solidFill>
+                <a:latin typeface="+mn-lt"/>
+                <a:ea typeface="+mn-ea"/>
+                <a:cs typeface="+mn-cs"/>
+              </a:rPr>
+              <a:t>. </a:t>
+            </a:r>
+          </a:p>
+          <a:p>
+            <a:endParaRPr lang="en-US" altLang="ko-KR" sz="1200" b="0" i="0" u="none" strike="noStrike" kern="1200" baseline="0" dirty="0" smtClean="0">
+              <a:solidFill>
+                <a:schemeClr val="tx1"/>
+              </a:solidFill>
+              <a:latin typeface="+mn-lt"/>
+              <a:ea typeface="+mn-ea"/>
+              <a:cs typeface="+mn-cs"/>
+            </a:endParaRPr>
+          </a:p>
+          <a:p>
+            <a:r>
+              <a:rPr lang="ko-KR" altLang="en-US" sz="1200" b="0" i="0" u="none" strike="noStrike" kern="1200" baseline="0" dirty="0" smtClean="0">
+                <a:solidFill>
+                  <a:schemeClr val="tx1"/>
+                </a:solidFill>
+                <a:latin typeface="+mn-lt"/>
+                <a:ea typeface="+mn-ea"/>
+                <a:cs typeface="+mn-cs"/>
+              </a:rPr>
+              <a:t>국내 </a:t>
+            </a:r>
+            <a:r>
+              <a:rPr lang="ko-KR" altLang="en-US" sz="1200" b="0" i="0" u="none" strike="noStrike" kern="1200" baseline="0" dirty="0" err="1" smtClean="0">
+                <a:solidFill>
+                  <a:schemeClr val="tx1"/>
+                </a:solidFill>
+                <a:latin typeface="+mn-lt"/>
+                <a:ea typeface="+mn-ea"/>
+                <a:cs typeface="+mn-cs"/>
+              </a:rPr>
+              <a:t>다기관</a:t>
+            </a:r>
+            <a:r>
+              <a:rPr lang="ko-KR" altLang="en-US" sz="1200" b="0" i="0" u="none" strike="noStrike" kern="1200" baseline="0" dirty="0" smtClean="0">
+                <a:solidFill>
+                  <a:schemeClr val="tx1"/>
+                </a:solidFill>
+                <a:latin typeface="+mn-lt"/>
+                <a:ea typeface="+mn-ea"/>
+                <a:cs typeface="+mn-cs"/>
+              </a:rPr>
+              <a:t> 신경과 연구자들이 모여 </a:t>
+            </a:r>
+            <a:r>
+              <a:rPr lang="en-US" altLang="ko-KR" sz="1200" b="0" i="0" u="none" strike="noStrike" kern="1200" baseline="0" dirty="0" smtClean="0">
+                <a:solidFill>
+                  <a:schemeClr val="tx1"/>
+                </a:solidFill>
+                <a:latin typeface="+mn-lt"/>
+                <a:ea typeface="+mn-ea"/>
+                <a:cs typeface="+mn-cs"/>
+              </a:rPr>
+              <a:t>2012</a:t>
+            </a:r>
+            <a:r>
+              <a:rPr lang="ko-KR" altLang="en-US" sz="1200" b="0" i="0" u="none" strike="noStrike" kern="1200" baseline="0" dirty="0" smtClean="0">
+                <a:solidFill>
+                  <a:schemeClr val="tx1"/>
+                </a:solidFill>
+                <a:latin typeface="+mn-lt"/>
+                <a:ea typeface="+mn-ea"/>
+                <a:cs typeface="+mn-cs"/>
+              </a:rPr>
+              <a:t>년 </a:t>
+            </a:r>
+            <a:r>
+              <a:rPr lang="en-US" altLang="ko-KR" sz="1200" b="0" i="0" u="none" strike="noStrike" kern="1200" baseline="0" dirty="0" smtClean="0">
+                <a:solidFill>
+                  <a:schemeClr val="tx1"/>
+                </a:solidFill>
+                <a:latin typeface="+mn-lt"/>
+                <a:ea typeface="+mn-ea"/>
+                <a:cs typeface="+mn-cs"/>
+              </a:rPr>
+              <a:t>LANSS,17 NPQ,18, DN4,19 ID</a:t>
+            </a:r>
+            <a:r>
+              <a:rPr lang="ko-KR" altLang="en-US" sz="1200" b="0" i="0" u="none" strike="noStrike" kern="1200" baseline="0" dirty="0" smtClean="0">
+                <a:solidFill>
+                  <a:schemeClr val="tx1"/>
+                </a:solidFill>
+                <a:latin typeface="+mn-lt"/>
+                <a:ea typeface="+mn-ea"/>
+                <a:cs typeface="+mn-cs"/>
+              </a:rPr>
+              <a:t>통증</a:t>
+            </a:r>
+            <a:r>
+              <a:rPr lang="en-US" altLang="ko-KR" sz="1200" b="0" i="0" u="none" strike="noStrike" kern="1200" baseline="0" dirty="0" smtClean="0">
+                <a:solidFill>
+                  <a:schemeClr val="tx1"/>
+                </a:solidFill>
+                <a:latin typeface="+mn-lt"/>
+                <a:ea typeface="+mn-ea"/>
+                <a:cs typeface="+mn-cs"/>
+              </a:rPr>
+              <a:t>,20 NPS23</a:t>
+            </a:r>
+            <a:r>
+              <a:rPr lang="ko-KR" altLang="en-US" sz="1200" b="0" i="0" u="none" strike="noStrike" kern="1200" baseline="0" dirty="0" smtClean="0">
+                <a:solidFill>
+                  <a:schemeClr val="tx1"/>
+                </a:solidFill>
+                <a:latin typeface="+mn-lt"/>
+                <a:ea typeface="+mn-ea"/>
+                <a:cs typeface="+mn-cs"/>
+              </a:rPr>
+              <a:t>와 </a:t>
+            </a:r>
+            <a:r>
+              <a:rPr lang="en-US" altLang="ko-KR" sz="1200" b="0" i="0" u="none" strike="noStrike" kern="1200" baseline="0" dirty="0" smtClean="0">
+                <a:solidFill>
+                  <a:schemeClr val="tx1"/>
+                </a:solidFill>
+                <a:latin typeface="+mn-lt"/>
+                <a:ea typeface="+mn-ea"/>
+                <a:cs typeface="+mn-cs"/>
+              </a:rPr>
+              <a:t>NPSI24</a:t>
+            </a:r>
+            <a:r>
+              <a:rPr lang="ko-KR" altLang="en-US" sz="1200" b="0" i="0" u="none" strike="noStrike" kern="1200" baseline="0" dirty="0" smtClean="0">
+                <a:solidFill>
+                  <a:schemeClr val="tx1"/>
+                </a:solidFill>
+                <a:latin typeface="+mn-lt"/>
+                <a:ea typeface="+mn-ea"/>
+                <a:cs typeface="+mn-cs"/>
+              </a:rPr>
+              <a:t>를 한글로 번역하고 중복되는 항목은 삭제하여 총 </a:t>
+            </a:r>
+            <a:r>
+              <a:rPr lang="en-US" altLang="ko-KR" sz="1200" b="0" i="0" u="none" strike="noStrike" kern="1200" baseline="0" dirty="0" smtClean="0">
+                <a:solidFill>
+                  <a:schemeClr val="tx1"/>
+                </a:solidFill>
+                <a:latin typeface="+mn-lt"/>
+                <a:ea typeface="+mn-ea"/>
+                <a:cs typeface="+mn-cs"/>
+              </a:rPr>
+              <a:t>25</a:t>
+            </a:r>
+            <a:r>
+              <a:rPr lang="ko-KR" altLang="en-US" sz="1200" b="0" i="0" u="none" strike="noStrike" kern="1200" baseline="0" dirty="0" smtClean="0">
+                <a:solidFill>
+                  <a:schemeClr val="tx1"/>
+                </a:solidFill>
+                <a:latin typeface="+mn-lt"/>
+                <a:ea typeface="+mn-ea"/>
+                <a:cs typeface="+mn-cs"/>
+              </a:rPr>
+              <a:t>문항으로 구성된 </a:t>
+            </a:r>
+            <a:r>
+              <a:rPr lang="en-US" altLang="ko-KR" sz="1200" b="0" i="0" u="none" strike="noStrike" kern="1200" baseline="0" dirty="0" smtClean="0">
+                <a:solidFill>
+                  <a:schemeClr val="tx1"/>
+                </a:solidFill>
+                <a:latin typeface="+mn-lt"/>
+                <a:ea typeface="+mn-ea"/>
+                <a:cs typeface="+mn-cs"/>
+              </a:rPr>
+              <a:t>KNPQ</a:t>
+            </a:r>
+            <a:r>
+              <a:rPr lang="ko-KR" altLang="en-US" sz="1200" b="0" i="0" u="none" strike="noStrike" kern="1200" baseline="0" dirty="0" smtClean="0">
+                <a:solidFill>
+                  <a:schemeClr val="tx1"/>
+                </a:solidFill>
+                <a:latin typeface="+mn-lt"/>
+                <a:ea typeface="+mn-ea"/>
+                <a:cs typeface="+mn-cs"/>
+              </a:rPr>
+              <a:t>를 개발</a:t>
+            </a:r>
+            <a:endParaRPr lang="ko-KR" altLang="en-US" dirty="0"/>
+          </a:p>
+        </p:txBody>
+      </p:sp>
+      <p:sp>
+        <p:nvSpPr>
+          <p:cNvPr id="4" name="슬라이드 번호 개체 틀 3"/>
+          <p:cNvSpPr>
+            <a:spLocks noGrp="1"/>
+          </p:cNvSpPr>
+          <p:nvPr>
+            <p:ph type="sldNum" sz="quarter" idx="10"/>
+          </p:nvPr>
+        </p:nvSpPr>
+        <p:spPr/>
+        <p:txBody>
+          <a:bodyPr/>
+          <a:lstStyle/>
+          <a:p>
+            <a:fld id="{BBAA4D1B-A90B-4163-BF9D-AF53B78ADDD3}" type="slidenum">
+              <a:rPr lang="ko-KR" altLang="en-US" smtClean="0"/>
+              <a:t>7</a:t>
+            </a:fld>
+            <a:endParaRPr lang="ko-KR" altLang="en-US"/>
+          </a:p>
+        </p:txBody>
+      </p:sp>
+    </p:spTree>
+    <p:extLst>
+      <p:ext uri="{BB962C8B-B14F-4D97-AF65-F5344CB8AC3E}">
+        <p14:creationId xmlns:p14="http://schemas.microsoft.com/office/powerpoint/2010/main" val="751148242"/>
+      </p:ext>
+    </p:extLst>
+  </p:cSld>
+  <p:clrMapOvr>
+    <a:masterClrMapping/>
+  </p:clrMapOvr>
+</p:notes>
+</file>
+
+<file path=ppt/notesSlides/notesSlide4.xml><?xml version="1.0" encoding="utf-8"?>
+<p:notes xmlns:a="http://schemas.openxmlformats.org/drawingml/2006/main" xmlns:r="http://schemas.openxmlformats.org/officeDocument/2006/relationships" xmlns:p="http://schemas.openxmlformats.org/presentationml/2006/main">
+  <p:cSld>
+    <p:spTree>
+      <p:nvGrpSpPr>
+        <p:cNvPr id="1" name=""/>
+        <p:cNvGrpSpPr/>
+        <p:nvPr/>
+      </p:nvGrpSpPr>
+      <p:grpSpPr>
+        <a:xfrm>
+          <a:off x="0" y="0"/>
+          <a:ext cx="0" cy="0"/>
+          <a:chOff x="0" y="0"/>
+          <a:chExt cx="0" cy="0"/>
+        </a:xfrm>
+      </p:grpSpPr>
+      <p:sp>
+        <p:nvSpPr>
+          <p:cNvPr id="2" name="슬라이드 이미지 개체 틀 1"/>
+          <p:cNvSpPr>
+            <a:spLocks noGrp="1" noRot="1" noChangeAspect="1"/>
+          </p:cNvSpPr>
+          <p:nvPr>
+            <p:ph type="sldImg"/>
+          </p:nvPr>
+        </p:nvSpPr>
+        <p:spPr/>
+      </p:sp>
+      <p:sp>
+        <p:nvSpPr>
+          <p:cNvPr id="3" name="슬라이드 노트 개체 틀 2"/>
+          <p:cNvSpPr>
+            <a:spLocks noGrp="1"/>
+          </p:cNvSpPr>
+          <p:nvPr>
+            <p:ph type="body" idx="1"/>
+          </p:nvPr>
+        </p:nvSpPr>
+        <p:spPr/>
+        <p:txBody>
+          <a:bodyPr/>
+          <a:lstStyle/>
+          <a:p>
+            <a:r>
+              <a:rPr lang="en-US" altLang="ko-KR" sz="1200" b="0" i="0" kern="1200" dirty="0" smtClean="0">
+                <a:solidFill>
+                  <a:schemeClr val="tx1"/>
+                </a:solidFill>
+                <a:effectLst/>
+                <a:latin typeface="+mn-lt"/>
+                <a:ea typeface="+mn-ea"/>
+                <a:cs typeface="+mn-cs"/>
+              </a:rPr>
+              <a:t> 84% and a specificity of 44% (when using a cut-off point of 46</a:t>
+            </a:r>
+            <a:r>
+              <a:rPr lang="en-US" altLang="ko-KR" sz="1200" b="0" i="0" kern="1200" dirty="0" smtClean="0">
+                <a:solidFill>
+                  <a:schemeClr val="tx1"/>
+                </a:solidFill>
+                <a:effectLst/>
+                <a:latin typeface="+mn-lt"/>
+                <a:ea typeface="+mn-ea"/>
+                <a:cs typeface="+mn-cs"/>
+              </a:rPr>
+              <a:t>)</a:t>
+            </a:r>
+          </a:p>
+          <a:p>
+            <a:r>
+              <a:rPr lang="ko-KR" altLang="en-US" sz="1200" b="0" i="0" kern="1200" dirty="0" smtClean="0">
+                <a:solidFill>
+                  <a:schemeClr val="tx1"/>
+                </a:solidFill>
+                <a:effectLst/>
+                <a:latin typeface="+mn-lt"/>
+                <a:ea typeface="+mn-ea"/>
+                <a:cs typeface="+mn-cs"/>
+              </a:rPr>
+              <a:t>사용을 위해 허가를 받거나 요금을 </a:t>
+            </a:r>
+            <a:r>
+              <a:rPr lang="ko-KR" altLang="en-US" sz="1200" b="0" i="0" kern="1200" dirty="0" err="1" smtClean="0">
+                <a:solidFill>
+                  <a:schemeClr val="tx1"/>
+                </a:solidFill>
+                <a:effectLst/>
+                <a:latin typeface="+mn-lt"/>
+                <a:ea typeface="+mn-ea"/>
+                <a:cs typeface="+mn-cs"/>
+              </a:rPr>
+              <a:t>내지않아도됨</a:t>
+            </a:r>
+            <a:r>
+              <a:rPr lang="en-US" altLang="ko-KR" sz="1200" b="0" i="0" kern="1200" dirty="0" smtClean="0">
+                <a:solidFill>
+                  <a:schemeClr val="tx1"/>
+                </a:solidFill>
+                <a:effectLst/>
+                <a:latin typeface="+mn-lt"/>
+                <a:ea typeface="+mn-ea"/>
+                <a:cs typeface="+mn-cs"/>
+              </a:rPr>
+              <a:t>. </a:t>
+            </a:r>
+            <a:endParaRPr lang="ko-KR" altLang="en-US" dirty="0"/>
+          </a:p>
+        </p:txBody>
+      </p:sp>
+      <p:sp>
+        <p:nvSpPr>
+          <p:cNvPr id="4" name="슬라이드 번호 개체 틀 3"/>
+          <p:cNvSpPr>
+            <a:spLocks noGrp="1"/>
+          </p:cNvSpPr>
+          <p:nvPr>
+            <p:ph type="sldNum" sz="quarter" idx="10"/>
+          </p:nvPr>
+        </p:nvSpPr>
+        <p:spPr/>
+        <p:txBody>
+          <a:bodyPr/>
+          <a:lstStyle/>
+          <a:p>
+            <a:fld id="{BBAA4D1B-A90B-4163-BF9D-AF53B78ADDD3}" type="slidenum">
+              <a:rPr lang="ko-KR" altLang="en-US" smtClean="0"/>
+              <a:t>8</a:t>
+            </a:fld>
+            <a:endParaRPr lang="ko-KR" altLang="en-US"/>
+          </a:p>
+        </p:txBody>
+      </p:sp>
+    </p:spTree>
+    <p:extLst>
+      <p:ext uri="{BB962C8B-B14F-4D97-AF65-F5344CB8AC3E}">
+        <p14:creationId xmlns:p14="http://schemas.microsoft.com/office/powerpoint/2010/main" val="3872226405"/>
+      </p:ext>
+    </p:extLst>
+  </p:cSld>
+  <p:clrMapOvr>
+    <a:masterClrMapping/>
+  </p:clrMapOvr>
+</p:notes>
+</file>
+
+<file path=ppt/notesSlides/notesSlide5.xml><?xml version="1.0" encoding="utf-8"?>
+<p:notes xmlns:a="http://schemas.openxmlformats.org/drawingml/2006/main" xmlns:r="http://schemas.openxmlformats.org/officeDocument/2006/relationships" xmlns:p="http://schemas.openxmlformats.org/presentationml/2006/main">
+  <p:cSld>
+    <p:spTree>
+      <p:nvGrpSpPr>
+        <p:cNvPr id="1" name=""/>
+        <p:cNvGrpSpPr/>
+        <p:nvPr/>
+      </p:nvGrpSpPr>
+      <p:grpSpPr>
+        <a:xfrm>
+          <a:off x="0" y="0"/>
+          <a:ext cx="0" cy="0"/>
+          <a:chOff x="0" y="0"/>
+          <a:chExt cx="0" cy="0"/>
+        </a:xfrm>
+      </p:grpSpPr>
+      <p:sp>
+        <p:nvSpPr>
+          <p:cNvPr id="2" name="슬라이드 이미지 개체 틀 1"/>
+          <p:cNvSpPr>
+            <a:spLocks noGrp="1" noRot="1" noChangeAspect="1"/>
+          </p:cNvSpPr>
+          <p:nvPr>
+            <p:ph type="sldImg"/>
+          </p:nvPr>
+        </p:nvSpPr>
+        <p:spPr/>
+      </p:sp>
+      <p:sp>
+        <p:nvSpPr>
+          <p:cNvPr id="3" name="슬라이드 노트 개체 틀 2"/>
+          <p:cNvSpPr>
+            <a:spLocks noGrp="1"/>
+          </p:cNvSpPr>
+          <p:nvPr>
+            <p:ph type="body" idx="1"/>
+          </p:nvPr>
+        </p:nvSpPr>
+        <p:spPr/>
+        <p:txBody>
+          <a:bodyPr/>
+          <a:lstStyle/>
+          <a:p>
+            <a:r>
+              <a:rPr lang="ko-KR" altLang="en-US" dirty="0" smtClean="0"/>
+              <a:t>조직이 손상되면 염증반응이 일어나고 </a:t>
+            </a:r>
+            <a:r>
+              <a:rPr lang="ko-KR" altLang="en-US" dirty="0" err="1" smtClean="0"/>
+              <a:t>통각자극에</a:t>
+            </a:r>
+            <a:r>
+              <a:rPr lang="ko-KR" altLang="en-US" dirty="0" smtClean="0"/>
+              <a:t> 민감도가 높아지는 </a:t>
+            </a:r>
+            <a:r>
+              <a:rPr lang="ko-KR" altLang="en-US" dirty="0" err="1" smtClean="0"/>
+              <a:t>통각과민</a:t>
+            </a:r>
+            <a:r>
+              <a:rPr lang="en-US" altLang="ko-KR" dirty="0" smtClean="0"/>
+              <a:t>, </a:t>
+            </a:r>
+            <a:r>
+              <a:rPr lang="ko-KR" altLang="en-US" dirty="0" err="1" smtClean="0"/>
+              <a:t>무해자극을</a:t>
+            </a:r>
+            <a:r>
+              <a:rPr lang="ko-KR" altLang="en-US" dirty="0" smtClean="0"/>
+              <a:t> 통증으로 느끼는 </a:t>
+            </a:r>
+            <a:r>
+              <a:rPr lang="ko-KR" altLang="en-US" dirty="0" err="1" smtClean="0"/>
+              <a:t>무해자극</a:t>
+            </a:r>
+            <a:r>
+              <a:rPr lang="ko-KR" altLang="en-US" dirty="0" smtClean="0"/>
+              <a:t> 통증이 일어납니다</a:t>
+            </a:r>
+            <a:r>
+              <a:rPr lang="en-US" altLang="ko-KR" dirty="0" smtClean="0"/>
+              <a:t>. </a:t>
+            </a:r>
+            <a:r>
+              <a:rPr lang="ko-KR" altLang="en-US" dirty="0" smtClean="0"/>
+              <a:t>만성적인 염증에 지속적으로 노출되면 통증이 더 강해지고 치료에 잘 반응하지 않는 상태로 변하기 때문에 조기</a:t>
+            </a:r>
+            <a:r>
+              <a:rPr lang="ko-KR" altLang="en-US" baseline="0" dirty="0" smtClean="0"/>
+              <a:t> 치료가 중요합니다</a:t>
+            </a:r>
+            <a:r>
+              <a:rPr lang="en-US" altLang="ko-KR" baseline="0" dirty="0" smtClean="0"/>
+              <a:t>. </a:t>
+            </a:r>
+          </a:p>
+          <a:p>
+            <a:endParaRPr lang="en-US" altLang="ko-KR" baseline="0" dirty="0" smtClean="0"/>
+          </a:p>
+          <a:p>
+            <a:r>
+              <a:rPr lang="ko-KR" altLang="en-US" baseline="0" dirty="0" err="1" smtClean="0"/>
+              <a:t>신경병성</a:t>
+            </a:r>
+            <a:r>
+              <a:rPr lang="ko-KR" altLang="en-US" baseline="0" dirty="0" smtClean="0"/>
+              <a:t> 통증이</a:t>
+            </a:r>
+            <a:r>
+              <a:rPr lang="en-US" altLang="ko-KR" baseline="0" dirty="0" smtClean="0"/>
+              <a:t> </a:t>
+            </a:r>
+            <a:r>
+              <a:rPr lang="ko-KR" altLang="en-US" baseline="0" dirty="0" smtClean="0"/>
+              <a:t>생기는 원인은 </a:t>
+            </a:r>
+            <a:r>
+              <a:rPr lang="ko-KR" altLang="en-US" baseline="0" dirty="0" err="1" smtClean="0"/>
+              <a:t>통증전달</a:t>
+            </a:r>
+            <a:r>
+              <a:rPr lang="ko-KR" altLang="en-US" baseline="0" dirty="0" smtClean="0"/>
+              <a:t> 경로 중 </a:t>
+            </a:r>
+            <a:r>
+              <a:rPr lang="en-US" altLang="ko-KR" baseline="0" dirty="0" smtClean="0"/>
+              <a:t>ascending pathway</a:t>
+            </a:r>
+            <a:r>
+              <a:rPr lang="ko-KR" altLang="en-US" baseline="0" dirty="0" smtClean="0"/>
+              <a:t>의 비정상적인 활성화</a:t>
+            </a:r>
+            <a:r>
+              <a:rPr lang="en-US" altLang="ko-KR" baseline="0" dirty="0" smtClean="0"/>
+              <a:t>, descending pain control pathway</a:t>
+            </a:r>
+            <a:r>
+              <a:rPr lang="ko-KR" altLang="en-US" baseline="0" dirty="0" smtClean="0"/>
+              <a:t>의 변화로 균형이 깨지는 것</a:t>
+            </a:r>
+            <a:r>
+              <a:rPr lang="en-US" altLang="ko-KR" baseline="0" dirty="0" smtClean="0"/>
+              <a:t>, </a:t>
+            </a:r>
+            <a:r>
+              <a:rPr lang="ko-KR" altLang="en-US" baseline="0" dirty="0" smtClean="0"/>
+              <a:t>통증 전달체계가 병적으로 과하게 흥분되어 있고 </a:t>
+            </a:r>
+            <a:r>
+              <a:rPr lang="en-US" altLang="ko-KR" baseline="0" dirty="0" smtClean="0"/>
+              <a:t>peripheral nerve</a:t>
+            </a:r>
+            <a:r>
+              <a:rPr lang="ko-KR" altLang="en-US" baseline="0" dirty="0" smtClean="0"/>
+              <a:t>중 </a:t>
+            </a:r>
+            <a:r>
+              <a:rPr lang="en-US" altLang="ko-KR" baseline="0" dirty="0" err="1" smtClean="0"/>
+              <a:t>abeta,bdelta,C</a:t>
+            </a:r>
+            <a:r>
+              <a:rPr lang="en-US" altLang="ko-KR" baseline="0" dirty="0" smtClean="0"/>
+              <a:t> fiber</a:t>
+            </a:r>
+            <a:r>
+              <a:rPr lang="ko-KR" altLang="en-US" baseline="0" dirty="0" smtClean="0"/>
+              <a:t>을 </a:t>
+            </a:r>
+            <a:r>
+              <a:rPr lang="en-US" altLang="ko-KR" baseline="0" dirty="0" smtClean="0"/>
+              <a:t>involve</a:t>
+            </a:r>
+            <a:r>
+              <a:rPr lang="ko-KR" altLang="en-US" baseline="0" dirty="0" err="1" smtClean="0"/>
+              <a:t>할때</a:t>
+            </a:r>
+            <a:r>
+              <a:rPr lang="ko-KR" altLang="en-US" baseline="0" dirty="0" smtClean="0"/>
+              <a:t> 발생합니다</a:t>
+            </a:r>
+            <a:r>
+              <a:rPr lang="en-US" altLang="ko-KR" baseline="0" dirty="0" smtClean="0"/>
+              <a:t>. </a:t>
+            </a:r>
+          </a:p>
+          <a:p>
+            <a:r>
+              <a:rPr lang="ko-KR" altLang="en-US" baseline="0" dirty="0" smtClean="0"/>
+              <a:t>그런데 이러한 신경에 이상이 생기는 것은 나이가 들수록 더 자주 생기고 당뇨가 있거나 암에 걸렸거나 항암치료를 받는 경우 더 자주 생기게 됩니다</a:t>
+            </a:r>
+            <a:r>
+              <a:rPr lang="en-US" altLang="ko-KR" baseline="0" dirty="0" smtClean="0"/>
+              <a:t>. </a:t>
+            </a:r>
+            <a:r>
+              <a:rPr lang="ko-KR" altLang="en-US" baseline="0" dirty="0" smtClean="0"/>
+              <a:t>신경에 병이 생기면 </a:t>
+            </a:r>
+            <a:r>
+              <a:rPr lang="en-US" altLang="ko-KR" baseline="0" dirty="0" smtClean="0"/>
+              <a:t>sodium, calcium, potassium</a:t>
+            </a:r>
+            <a:r>
+              <a:rPr lang="ko-KR" altLang="en-US" baseline="0" dirty="0" smtClean="0"/>
+              <a:t>과 같은 </a:t>
+            </a:r>
+            <a:r>
+              <a:rPr lang="ko-KR" altLang="en-US" baseline="0" dirty="0" err="1" smtClean="0"/>
+              <a:t>이온채널에</a:t>
+            </a:r>
+            <a:r>
+              <a:rPr lang="ko-KR" altLang="en-US" baseline="0" dirty="0" smtClean="0"/>
+              <a:t> 변화가 생기고 감각전달체계에도 변화가 생기게 됩니다</a:t>
+            </a:r>
+            <a:r>
+              <a:rPr lang="en-US" altLang="ko-KR" baseline="0" dirty="0" smtClean="0"/>
+              <a:t>. </a:t>
+            </a:r>
+          </a:p>
+          <a:p>
+            <a:r>
+              <a:rPr lang="ko-KR" altLang="en-US" baseline="0" dirty="0" smtClean="0"/>
+              <a:t>신경이 손상을 받은 가운데 </a:t>
+            </a:r>
+            <a:r>
+              <a:rPr lang="ko-KR" altLang="en-US" baseline="0" dirty="0" err="1" smtClean="0"/>
+              <a:t>오나전히</a:t>
+            </a:r>
+            <a:r>
+              <a:rPr lang="ko-KR" altLang="en-US" baseline="0" dirty="0" smtClean="0"/>
+              <a:t> 손상되지 않고 일부가 남아있다면</a:t>
+            </a:r>
+            <a:r>
+              <a:rPr lang="en-US" altLang="ko-KR" baseline="0" dirty="0" smtClean="0"/>
+              <a:t> ectopic activity</a:t>
+            </a:r>
+            <a:r>
+              <a:rPr lang="ko-KR" altLang="en-US" baseline="0" dirty="0" smtClean="0"/>
+              <a:t>가 일어나고 </a:t>
+            </a:r>
+            <a:r>
+              <a:rPr lang="en-US" altLang="ko-KR" baseline="0" dirty="0" smtClean="0"/>
+              <a:t>irritable nociceptor</a:t>
+            </a:r>
+            <a:r>
+              <a:rPr lang="ko-KR" altLang="en-US" baseline="0" dirty="0" smtClean="0"/>
+              <a:t>라고 부르는 </a:t>
+            </a:r>
+            <a:r>
+              <a:rPr lang="ko-KR" altLang="en-US" baseline="0" dirty="0" err="1" smtClean="0"/>
+              <a:t>과흥분된</a:t>
+            </a:r>
+            <a:r>
+              <a:rPr lang="ko-KR" altLang="en-US" baseline="0" dirty="0" smtClean="0"/>
+              <a:t> 신경다발이 남아있게 됩니다</a:t>
+            </a:r>
+            <a:r>
+              <a:rPr lang="en-US" altLang="ko-KR" baseline="0" dirty="0" smtClean="0"/>
+              <a:t>. </a:t>
+            </a:r>
+            <a:r>
+              <a:rPr lang="ko-KR" altLang="en-US" baseline="0" dirty="0" smtClean="0"/>
+              <a:t>그래서 이런 경우에 환자들은 감각이 </a:t>
+            </a:r>
+            <a:r>
+              <a:rPr lang="ko-KR" altLang="en-US" baseline="0" dirty="0" err="1" smtClean="0"/>
+              <a:t>둔한것같기도</a:t>
+            </a:r>
+            <a:r>
+              <a:rPr lang="ko-KR" altLang="en-US" baseline="0" dirty="0" smtClean="0"/>
+              <a:t> 하면서 동시에 통증이 계속 지속된다고 느끼게 됩니다</a:t>
+            </a:r>
+            <a:r>
+              <a:rPr lang="en-US" altLang="ko-KR" baseline="0" dirty="0" smtClean="0"/>
+              <a:t>. </a:t>
+            </a:r>
+          </a:p>
+          <a:p>
+            <a:endParaRPr lang="en-US" altLang="ko-KR" baseline="0" dirty="0" smtClean="0"/>
+          </a:p>
+          <a:p>
+            <a:r>
+              <a:rPr lang="ko-KR" altLang="en-US" baseline="0" dirty="0" smtClean="0"/>
+              <a:t>그리고 척수신경에서 들어오는 </a:t>
+            </a:r>
+            <a:r>
+              <a:rPr lang="en-US" altLang="ko-KR" baseline="0" dirty="0" smtClean="0"/>
+              <a:t>input</a:t>
+            </a:r>
+            <a:r>
+              <a:rPr lang="ko-KR" altLang="en-US" baseline="0" dirty="0" smtClean="0"/>
+              <a:t>도 바뀌고 </a:t>
+            </a:r>
+            <a:r>
+              <a:rPr lang="ko-KR" altLang="en-US" baseline="0" dirty="0" err="1" smtClean="0"/>
+              <a:t>칼슘채널의</a:t>
+            </a:r>
+            <a:r>
+              <a:rPr lang="ko-KR" altLang="en-US" baseline="0" dirty="0" smtClean="0"/>
+              <a:t> 기능이 바뀌게 되면 신경전달물질도 늘어나고 </a:t>
+            </a:r>
+            <a:r>
+              <a:rPr lang="ko-KR" altLang="en-US" baseline="0" dirty="0" err="1" smtClean="0"/>
+              <a:t>흥분성</a:t>
+            </a:r>
+            <a:r>
+              <a:rPr lang="ko-KR" altLang="en-US" baseline="0" dirty="0" smtClean="0"/>
+              <a:t> </a:t>
+            </a:r>
+            <a:r>
+              <a:rPr lang="ko-KR" altLang="en-US" baseline="0" dirty="0" err="1" smtClean="0"/>
+              <a:t>신경전달도</a:t>
+            </a:r>
+            <a:r>
+              <a:rPr lang="ko-KR" altLang="en-US" baseline="0" dirty="0" smtClean="0"/>
+              <a:t> 늘어나게 됩니다</a:t>
+            </a:r>
+            <a:r>
+              <a:rPr lang="en-US" altLang="ko-KR" baseline="0" dirty="0" smtClean="0"/>
+              <a:t>. </a:t>
+            </a:r>
+            <a:r>
+              <a:rPr lang="ko-KR" altLang="en-US" baseline="0" dirty="0" err="1" smtClean="0"/>
+              <a:t>척추신경의</a:t>
+            </a:r>
+            <a:r>
+              <a:rPr lang="ko-KR" altLang="en-US" baseline="0" dirty="0" smtClean="0"/>
+              <a:t> 흥분이 증가하면 </a:t>
+            </a:r>
+            <a:r>
+              <a:rPr lang="en-US" altLang="ko-KR" baseline="0" dirty="0" err="1" smtClean="0"/>
+              <a:t>abeta</a:t>
+            </a:r>
+            <a:r>
+              <a:rPr lang="en-US" altLang="ko-KR" baseline="0" dirty="0" smtClean="0"/>
+              <a:t>, </a:t>
+            </a:r>
+            <a:r>
+              <a:rPr lang="en-US" altLang="ko-KR" baseline="0" dirty="0" err="1" smtClean="0"/>
+              <a:t>adelta</a:t>
+            </a:r>
+            <a:r>
+              <a:rPr lang="en-US" altLang="ko-KR" baseline="0" dirty="0" smtClean="0"/>
+              <a:t> fiber</a:t>
+            </a:r>
+            <a:r>
+              <a:rPr lang="ko-KR" altLang="en-US" baseline="0" dirty="0" smtClean="0"/>
+              <a:t>의 </a:t>
+            </a:r>
+            <a:r>
+              <a:rPr lang="ko-KR" altLang="en-US" baseline="0" dirty="0" err="1" smtClean="0"/>
+              <a:t>역치가</a:t>
+            </a:r>
+            <a:r>
+              <a:rPr lang="ko-KR" altLang="en-US" baseline="0" dirty="0" smtClean="0"/>
+              <a:t> 낮아져서 </a:t>
+            </a:r>
+            <a:r>
+              <a:rPr lang="ko-KR" altLang="en-US" baseline="0" dirty="0" err="1" smtClean="0"/>
+              <a:t>통각신경의</a:t>
+            </a:r>
+            <a:r>
+              <a:rPr lang="ko-KR" altLang="en-US" baseline="0" dirty="0" smtClean="0"/>
+              <a:t> 활성이 더 자주 일어나는 중추민감화가 생깁니다</a:t>
+            </a:r>
+            <a:r>
+              <a:rPr lang="en-US" altLang="ko-KR" baseline="0" dirty="0" smtClean="0"/>
+              <a:t>. </a:t>
+            </a:r>
+          </a:p>
+          <a:p>
+            <a:r>
+              <a:rPr lang="ko-KR" altLang="en-US" baseline="0" dirty="0" smtClean="0"/>
+              <a:t>그리고 </a:t>
+            </a:r>
+            <a:r>
+              <a:rPr lang="ko-KR" altLang="en-US" baseline="0" dirty="0" err="1" smtClean="0"/>
+              <a:t>흥분성</a:t>
+            </a:r>
+            <a:r>
+              <a:rPr lang="ko-KR" altLang="en-US" baseline="0" dirty="0" smtClean="0"/>
+              <a:t> 물질이 계속 나오고 </a:t>
+            </a:r>
+            <a:r>
+              <a:rPr lang="ko-KR" altLang="en-US" baseline="0" dirty="0" err="1" smtClean="0"/>
+              <a:t>신경흥분이</a:t>
+            </a:r>
+            <a:r>
+              <a:rPr lang="ko-KR" altLang="en-US" baseline="0" dirty="0" smtClean="0"/>
+              <a:t> 자주 </a:t>
+            </a:r>
+            <a:r>
+              <a:rPr lang="ko-KR" altLang="en-US" baseline="0" dirty="0" err="1" smtClean="0"/>
+              <a:t>일어나게되면</a:t>
+            </a:r>
+            <a:r>
+              <a:rPr lang="ko-KR" altLang="en-US" baseline="0" dirty="0" smtClean="0"/>
+              <a:t> 중추에서도 </a:t>
+            </a:r>
+            <a:r>
+              <a:rPr lang="ko-KR" altLang="en-US" baseline="0" dirty="0" err="1" smtClean="0"/>
+              <a:t>흥분성</a:t>
+            </a:r>
+            <a:r>
+              <a:rPr lang="ko-KR" altLang="en-US" baseline="0" dirty="0" smtClean="0"/>
+              <a:t> 신경전달물질인 </a:t>
+            </a:r>
+            <a:r>
+              <a:rPr lang="en-US" altLang="ko-KR" baseline="0" dirty="0" smtClean="0"/>
+              <a:t>NMDA, AMPA</a:t>
+            </a:r>
+            <a:r>
+              <a:rPr lang="ko-KR" altLang="en-US" baseline="0" dirty="0" smtClean="0"/>
+              <a:t>이 과잉존재하게 되어 </a:t>
+            </a:r>
+            <a:r>
+              <a:rPr lang="ko-KR" altLang="en-US" baseline="0" dirty="0" err="1" smtClean="0"/>
+              <a:t>무해자극</a:t>
+            </a:r>
+            <a:r>
+              <a:rPr lang="ko-KR" altLang="en-US" baseline="0" dirty="0" smtClean="0"/>
+              <a:t> 통증이 발생합니다</a:t>
+            </a:r>
+            <a:r>
+              <a:rPr lang="en-US" altLang="ko-KR" baseline="0" dirty="0" smtClean="0"/>
+              <a:t>. </a:t>
+            </a:r>
+          </a:p>
+          <a:p>
+            <a:r>
+              <a:rPr lang="ko-KR" altLang="en-US" baseline="0" dirty="0" smtClean="0"/>
+              <a:t>여기에 </a:t>
+            </a:r>
+            <a:r>
+              <a:rPr lang="ko-KR" altLang="en-US" baseline="0" dirty="0" err="1" smtClean="0"/>
+              <a:t>억제성</a:t>
+            </a:r>
+            <a:r>
+              <a:rPr lang="ko-KR" altLang="en-US" baseline="0" dirty="0" smtClean="0"/>
+              <a:t> </a:t>
+            </a:r>
+            <a:r>
+              <a:rPr lang="en-US" altLang="ko-KR" baseline="0" dirty="0" smtClean="0"/>
+              <a:t>interneuron</a:t>
+            </a:r>
+            <a:r>
+              <a:rPr lang="ko-KR" altLang="en-US" baseline="0" dirty="0" smtClean="0"/>
+              <a:t>과 </a:t>
+            </a:r>
+            <a:r>
+              <a:rPr lang="en-US" altLang="ko-KR" baseline="0" dirty="0" smtClean="0"/>
+              <a:t>descending modulatory control system</a:t>
+            </a:r>
+            <a:r>
+              <a:rPr lang="ko-KR" altLang="en-US" baseline="0" dirty="0" smtClean="0"/>
+              <a:t>도 제대로 기능을 하지 못하게 됩니다</a:t>
+            </a:r>
+            <a:r>
+              <a:rPr lang="en-US" altLang="ko-KR" baseline="0" dirty="0" smtClean="0"/>
+              <a:t>. </a:t>
+            </a:r>
+            <a:r>
+              <a:rPr lang="ko-KR" altLang="en-US" baseline="0" dirty="0" smtClean="0"/>
+              <a:t>이러한 억제와 </a:t>
+            </a:r>
+            <a:r>
+              <a:rPr lang="ko-KR" altLang="en-US" baseline="0" dirty="0" err="1" smtClean="0"/>
+              <a:t>흥분사이의</a:t>
+            </a:r>
+            <a:r>
+              <a:rPr lang="ko-KR" altLang="en-US" baseline="0" dirty="0" smtClean="0"/>
+              <a:t> 균형이 깨지면 뇌에서도 이상한 </a:t>
+            </a:r>
+            <a:r>
+              <a:rPr lang="ko-KR" altLang="en-US" baseline="0" dirty="0" err="1" smtClean="0"/>
+              <a:t>감각신호를</a:t>
+            </a:r>
+            <a:r>
+              <a:rPr lang="ko-KR" altLang="en-US" baseline="0" dirty="0" smtClean="0"/>
+              <a:t> </a:t>
+            </a:r>
+            <a:r>
+              <a:rPr lang="ko-KR" altLang="en-US" baseline="0" dirty="0" err="1" smtClean="0"/>
+              <a:t>받게되어</a:t>
+            </a:r>
+            <a:r>
+              <a:rPr lang="ko-KR" altLang="en-US" baseline="0" dirty="0" smtClean="0"/>
+              <a:t> 시상과 </a:t>
+            </a:r>
+            <a:r>
+              <a:rPr lang="en-US" altLang="ko-KR" baseline="0" dirty="0" smtClean="0"/>
+              <a:t>limbic region</a:t>
+            </a:r>
+            <a:r>
+              <a:rPr lang="ko-KR" altLang="en-US" baseline="0" dirty="0" smtClean="0"/>
+              <a:t>에도 영향을 미쳐서 통증과 동시에</a:t>
+            </a:r>
+            <a:endParaRPr lang="en-US" altLang="ko-KR" baseline="0" dirty="0" smtClean="0"/>
+          </a:p>
+          <a:p>
+            <a:r>
+              <a:rPr lang="en-US" altLang="ko-KR" baseline="0" dirty="0" smtClean="0"/>
+              <a:t>Anxiety, depression, sleep problem</a:t>
+            </a:r>
+            <a:r>
+              <a:rPr lang="ko-KR" altLang="en-US" baseline="0" dirty="0" smtClean="0"/>
+              <a:t>이 생기게 됩니다</a:t>
+            </a:r>
+            <a:r>
+              <a:rPr lang="en-US" altLang="ko-KR" baseline="0" dirty="0" smtClean="0"/>
+              <a:t>. </a:t>
+            </a:r>
+          </a:p>
+          <a:p>
+            <a:r>
+              <a:rPr lang="ko-KR" altLang="en-US" baseline="0" dirty="0" smtClean="0"/>
+              <a:t>노르아드레날린 </a:t>
+            </a:r>
+            <a:r>
+              <a:rPr lang="en-US" altLang="ko-KR" baseline="0" dirty="0" smtClean="0"/>
+              <a:t>(alpha-2 adrenergic receptor)</a:t>
+            </a:r>
+            <a:r>
+              <a:rPr lang="ko-KR" altLang="en-US" baseline="0" dirty="0" smtClean="0"/>
+              <a:t>를 통한 </a:t>
+            </a:r>
+            <a:r>
+              <a:rPr lang="ko-KR" altLang="en-US" baseline="0" dirty="0" err="1" smtClean="0"/>
+              <a:t>억제기능이</a:t>
+            </a:r>
+            <a:r>
+              <a:rPr lang="ko-KR" altLang="en-US" baseline="0" dirty="0" smtClean="0"/>
+              <a:t> 떨어져있고 </a:t>
+            </a:r>
+            <a:r>
+              <a:rPr lang="en-US" altLang="ko-KR" baseline="0" dirty="0" smtClean="0"/>
+              <a:t>5-HT2</a:t>
+            </a:r>
+            <a:r>
+              <a:rPr lang="ko-KR" altLang="en-US" baseline="0" dirty="0" smtClean="0"/>
+              <a:t>와 </a:t>
+            </a:r>
+            <a:r>
+              <a:rPr lang="en-US" altLang="ko-KR" baseline="0" dirty="0" smtClean="0"/>
+              <a:t>5-HT3</a:t>
+            </a:r>
+            <a:r>
+              <a:rPr lang="ko-KR" altLang="en-US" baseline="0" dirty="0" smtClean="0"/>
+              <a:t>를 통한 세로토닌 전달은 항진되어 있는 모습을 보입니다</a:t>
+            </a:r>
+            <a:r>
+              <a:rPr lang="en-US" altLang="ko-KR" baseline="0" dirty="0" smtClean="0"/>
+              <a:t>. </a:t>
+            </a:r>
+            <a:r>
+              <a:rPr lang="ko-KR" altLang="en-US" baseline="0" dirty="0" smtClean="0"/>
+              <a:t>이러한 이론은 </a:t>
+            </a:r>
+            <a:r>
+              <a:rPr lang="ko-KR" altLang="en-US" baseline="0" dirty="0" err="1" smtClean="0"/>
+              <a:t>치료시에</a:t>
+            </a:r>
+            <a:r>
+              <a:rPr lang="en-US" altLang="ko-KR" baseline="0" dirty="0" smtClean="0"/>
+              <a:t> monoamine system</a:t>
+            </a:r>
+            <a:r>
+              <a:rPr lang="ko-KR" altLang="en-US" baseline="0" dirty="0" smtClean="0"/>
+              <a:t>을 조절해서 신경통을 </a:t>
+            </a:r>
+            <a:r>
+              <a:rPr lang="ko-KR" altLang="en-US" baseline="0" dirty="0" err="1" smtClean="0"/>
+              <a:t>치료하는것의</a:t>
+            </a:r>
+            <a:r>
+              <a:rPr lang="ko-KR" altLang="en-US" baseline="0" dirty="0" smtClean="0"/>
+              <a:t> 근거가 됩니다</a:t>
+            </a:r>
+            <a:r>
+              <a:rPr lang="en-US" altLang="ko-KR" baseline="0" dirty="0" smtClean="0"/>
+              <a:t>. </a:t>
+            </a:r>
+          </a:p>
+          <a:p>
+            <a:endParaRPr lang="en-US" altLang="ko-KR" baseline="0" dirty="0" smtClean="0"/>
+          </a:p>
+          <a:p>
+            <a:r>
+              <a:rPr lang="ko-KR" altLang="en-US" baseline="0" dirty="0" err="1" smtClean="0"/>
+              <a:t>환자들마다</a:t>
+            </a:r>
+            <a:r>
+              <a:rPr lang="ko-KR" altLang="en-US" baseline="0" dirty="0" smtClean="0"/>
+              <a:t> 통증에 대한 치료에 반응이 다양하게 나타나는데 이러한 이유는 </a:t>
+            </a:r>
+            <a:r>
+              <a:rPr lang="en-US" altLang="ko-KR" baseline="0" dirty="0" smtClean="0"/>
+              <a:t>CNS </a:t>
+            </a:r>
+            <a:r>
+              <a:rPr lang="ko-KR" altLang="en-US" baseline="0" dirty="0" smtClean="0"/>
+              <a:t>에서 </a:t>
+            </a:r>
+            <a:r>
+              <a:rPr lang="ko-KR" altLang="en-US" baseline="0" dirty="0" err="1" smtClean="0"/>
+              <a:t>통증신호를</a:t>
+            </a:r>
+            <a:r>
+              <a:rPr lang="ko-KR" altLang="en-US" baseline="0" dirty="0" smtClean="0"/>
+              <a:t> </a:t>
+            </a:r>
+            <a:r>
+              <a:rPr lang="en-US" altLang="ko-KR" baseline="0" dirty="0" smtClean="0"/>
+              <a:t>modulation</a:t>
+            </a:r>
+            <a:r>
+              <a:rPr lang="ko-KR" altLang="en-US" baseline="0" dirty="0" smtClean="0"/>
+              <a:t>하기 때문입니다</a:t>
+            </a:r>
+            <a:r>
+              <a:rPr lang="en-US" altLang="ko-KR" baseline="0" dirty="0" smtClean="0"/>
+              <a:t>. </a:t>
+            </a:r>
+            <a:r>
+              <a:rPr lang="ko-KR" altLang="en-US" baseline="0" dirty="0" smtClean="0"/>
+              <a:t>통증이 </a:t>
+            </a:r>
+            <a:r>
+              <a:rPr lang="en-US" altLang="ko-KR" baseline="0" dirty="0" smtClean="0"/>
+              <a:t>dorsal horn</a:t>
+            </a:r>
+            <a:r>
+              <a:rPr lang="ko-KR" altLang="en-US" baseline="0" dirty="0" smtClean="0"/>
+              <a:t>에서 </a:t>
+            </a:r>
+            <a:r>
+              <a:rPr lang="ko-KR" altLang="en-US" baseline="0" dirty="0" err="1" smtClean="0"/>
+              <a:t>올라갈때</a:t>
+            </a:r>
+            <a:r>
+              <a:rPr lang="ko-KR" altLang="en-US" baseline="0" dirty="0" smtClean="0"/>
+              <a:t> </a:t>
+            </a:r>
+            <a:r>
+              <a:rPr lang="en-US" altLang="ko-KR" baseline="0" dirty="0" smtClean="0"/>
+              <a:t>augment</a:t>
+            </a:r>
+            <a:r>
+              <a:rPr lang="ko-KR" altLang="en-US" baseline="0" dirty="0" smtClean="0"/>
+              <a:t>되거나 감소된 상태로 올라가게 됩니다</a:t>
+            </a:r>
+            <a:r>
+              <a:rPr lang="en-US" altLang="ko-KR" baseline="0" dirty="0" smtClean="0"/>
+              <a:t>. Controlled pain modulation</a:t>
+            </a:r>
+            <a:r>
+              <a:rPr lang="ko-KR" altLang="en-US" baseline="0" dirty="0" smtClean="0"/>
+              <a:t>이 잘 작동하지 않으면 </a:t>
+            </a:r>
+            <a:endParaRPr lang="en-US" altLang="ko-KR" baseline="0" dirty="0" smtClean="0"/>
+          </a:p>
+          <a:p>
+            <a:r>
+              <a:rPr lang="en-US" altLang="ko-KR" baseline="0" dirty="0" smtClean="0"/>
+              <a:t>Descending endogenous inhibition</a:t>
+            </a:r>
+            <a:r>
+              <a:rPr lang="ko-KR" altLang="en-US" baseline="0" dirty="0" smtClean="0"/>
+              <a:t>의 기능이 떨어지고 그렇게 되면 통증을 인지하는게 억제가 잘 안되게 됩니다</a:t>
+            </a:r>
+            <a:r>
+              <a:rPr lang="en-US" altLang="ko-KR" baseline="0" dirty="0" smtClean="0"/>
+              <a:t>. Ascending pain pathway</a:t>
+            </a:r>
+            <a:r>
+              <a:rPr lang="ko-KR" altLang="en-US" baseline="0" dirty="0" smtClean="0"/>
+              <a:t>가 </a:t>
+            </a:r>
+            <a:r>
+              <a:rPr lang="ko-KR" altLang="en-US" baseline="0" dirty="0" err="1" smtClean="0"/>
+              <a:t>과활성화되있으면</a:t>
+            </a:r>
+            <a:r>
+              <a:rPr lang="ko-KR" altLang="en-US" baseline="0" dirty="0" smtClean="0"/>
+              <a:t> 통증이 누적이 되게 되는데 </a:t>
+            </a:r>
+            <a:r>
+              <a:rPr lang="ko-KR" altLang="en-US" baseline="0" dirty="0" err="1" smtClean="0"/>
+              <a:t>비신경병성</a:t>
+            </a:r>
+            <a:r>
+              <a:rPr lang="ko-KR" altLang="en-US" baseline="0" dirty="0" smtClean="0"/>
+              <a:t> 통증보다 </a:t>
+            </a:r>
+            <a:r>
+              <a:rPr lang="ko-KR" altLang="en-US" baseline="0" dirty="0" err="1" smtClean="0"/>
+              <a:t>신경병성</a:t>
+            </a:r>
+            <a:r>
+              <a:rPr lang="ko-KR" altLang="en-US" baseline="0" dirty="0" smtClean="0"/>
+              <a:t> 통증이 더 빠른 속도로 누적되게 됩니다</a:t>
+            </a:r>
+            <a:r>
+              <a:rPr lang="en-US" altLang="ko-KR" baseline="0" dirty="0" smtClean="0"/>
+              <a:t>. </a:t>
+            </a:r>
+          </a:p>
+          <a:p>
+            <a:endParaRPr lang="en-US" altLang="ko-KR" baseline="0" dirty="0" smtClean="0"/>
+          </a:p>
+          <a:p>
+            <a:r>
+              <a:rPr lang="ko-KR" altLang="en-US" baseline="0" dirty="0" smtClean="0"/>
+              <a:t>이러한 점을 고려한다면 환자를 </a:t>
+            </a:r>
+            <a:r>
+              <a:rPr lang="ko-KR" altLang="en-US" baseline="0" dirty="0" err="1" smtClean="0"/>
+              <a:t>치료할때</a:t>
+            </a:r>
+            <a:r>
+              <a:rPr lang="ko-KR" altLang="en-US" baseline="0" dirty="0" smtClean="0"/>
+              <a:t> </a:t>
+            </a:r>
+            <a:r>
+              <a:rPr lang="ko-KR" altLang="en-US" baseline="0" dirty="0" err="1" smtClean="0"/>
+              <a:t>흥분성의</a:t>
+            </a:r>
+            <a:r>
+              <a:rPr lang="ko-KR" altLang="en-US" baseline="0" dirty="0" smtClean="0"/>
+              <a:t> </a:t>
+            </a:r>
+            <a:r>
+              <a:rPr lang="en-US" altLang="ko-KR" baseline="0" dirty="0" smtClean="0"/>
+              <a:t>nociceptive profile</a:t>
+            </a:r>
+            <a:r>
+              <a:rPr lang="ko-KR" altLang="en-US" baseline="0" dirty="0" smtClean="0"/>
+              <a:t>을 갖고있다면 </a:t>
+            </a:r>
+            <a:r>
+              <a:rPr lang="ko-KR" altLang="en-US" baseline="0" dirty="0" err="1" smtClean="0"/>
+              <a:t>흥분성을</a:t>
+            </a:r>
+            <a:r>
+              <a:rPr lang="ko-KR" altLang="en-US" baseline="0" dirty="0" smtClean="0"/>
+              <a:t> 가라앉혀주는 </a:t>
+            </a:r>
+            <a:r>
+              <a:rPr lang="en-US" altLang="ko-KR" baseline="0" dirty="0" smtClean="0"/>
+              <a:t>gabapentin</a:t>
+            </a:r>
+            <a:r>
+              <a:rPr lang="ko-KR" altLang="en-US" baseline="0" dirty="0" smtClean="0"/>
+              <a:t>과 같은 약으로 치료하고 </a:t>
+            </a:r>
+            <a:r>
+              <a:rPr lang="en-US" altLang="ko-KR" baseline="0" dirty="0" smtClean="0"/>
+              <a:t>descending inhibition</a:t>
+            </a:r>
+            <a:r>
+              <a:rPr lang="ko-KR" altLang="en-US" baseline="0" dirty="0" smtClean="0"/>
+              <a:t>에 </a:t>
+            </a:r>
+            <a:r>
+              <a:rPr lang="ko-KR" altLang="en-US" baseline="0" dirty="0" err="1" smtClean="0"/>
+              <a:t>문제가있다면</a:t>
+            </a:r>
+            <a:r>
+              <a:rPr lang="ko-KR" altLang="en-US" baseline="0" dirty="0" smtClean="0"/>
+              <a:t> </a:t>
+            </a:r>
+            <a:r>
+              <a:rPr lang="en-US" altLang="ko-KR" baseline="0" dirty="0" smtClean="0"/>
+              <a:t>serotonin-noradrenaline reuptake inhibitor</a:t>
+            </a:r>
+            <a:r>
+              <a:rPr lang="ko-KR" altLang="en-US" baseline="0" dirty="0" smtClean="0"/>
+              <a:t>로 치료해 볼 수 있겠습니다</a:t>
+            </a:r>
+            <a:r>
+              <a:rPr lang="en-US" altLang="ko-KR" baseline="0" dirty="0" smtClean="0"/>
+              <a:t>. </a:t>
+            </a:r>
+          </a:p>
+          <a:p>
+            <a:endParaRPr lang="en-US" altLang="ko-KR" baseline="0" dirty="0" smtClean="0"/>
+          </a:p>
+          <a:p>
+            <a:r>
+              <a:rPr lang="en-US" altLang="ko-KR" baseline="0" dirty="0" smtClean="0"/>
+              <a:t>Controlled pain modulation</a:t>
+            </a:r>
+            <a:r>
+              <a:rPr lang="ko-KR" altLang="en-US" baseline="0" dirty="0" smtClean="0"/>
+              <a:t>을 회복시키는 약으로는 </a:t>
+            </a:r>
+            <a:r>
+              <a:rPr lang="en-US" altLang="ko-KR" baseline="0" dirty="0" smtClean="0"/>
+              <a:t>duloxetine, </a:t>
+            </a:r>
+            <a:r>
+              <a:rPr lang="en-US" altLang="ko-KR" baseline="0" dirty="0" err="1" smtClean="0"/>
+              <a:t>tapentadol</a:t>
+            </a:r>
+            <a:r>
+              <a:rPr lang="ko-KR" altLang="en-US" baseline="0" dirty="0" smtClean="0"/>
+              <a:t>과 같은 약이 있습니다</a:t>
+            </a:r>
+            <a:r>
+              <a:rPr lang="en-US" altLang="ko-KR" baseline="0" dirty="0" smtClean="0"/>
+              <a:t>. Pain modulation</a:t>
+            </a:r>
+            <a:r>
+              <a:rPr lang="ko-KR" altLang="en-US" baseline="0" dirty="0" smtClean="0"/>
+              <a:t>에 이상이 있는 환자를 통증을 잘 치료해주면 정상으로 돌아온다고도 </a:t>
+            </a:r>
+            <a:r>
+              <a:rPr lang="ko-KR" altLang="en-US" baseline="0" dirty="0" err="1" smtClean="0"/>
+              <a:t>알려져있습니다</a:t>
+            </a:r>
+            <a:r>
+              <a:rPr lang="en-US" altLang="ko-KR" baseline="0" dirty="0" smtClean="0"/>
+              <a:t>. </a:t>
+            </a:r>
+          </a:p>
+          <a:p>
+            <a:r>
+              <a:rPr lang="ko-KR" altLang="en-US" baseline="0" dirty="0" smtClean="0"/>
+              <a:t>환자나 치료하는 사람의 믿음과 열망이 치료에 대한 반응에 강하게 영향을 미치는 것으로 </a:t>
+            </a:r>
+            <a:r>
+              <a:rPr lang="ko-KR" altLang="en-US" baseline="0" dirty="0" err="1" smtClean="0"/>
+              <a:t>알려져있습니다</a:t>
+            </a:r>
+            <a:r>
+              <a:rPr lang="en-US" altLang="ko-KR" baseline="0" dirty="0" smtClean="0"/>
+              <a:t>. </a:t>
+            </a:r>
+            <a:endParaRPr lang="ko-KR" altLang="en-US" dirty="0" smtClean="0"/>
+          </a:p>
+          <a:p>
+            <a:endParaRPr lang="ko-KR" altLang="en-US" dirty="0"/>
+          </a:p>
+        </p:txBody>
+      </p:sp>
+      <p:sp>
+        <p:nvSpPr>
+          <p:cNvPr id="4" name="슬라이드 번호 개체 틀 3"/>
+          <p:cNvSpPr>
+            <a:spLocks noGrp="1"/>
+          </p:cNvSpPr>
+          <p:nvPr>
+            <p:ph type="sldNum" sz="quarter" idx="10"/>
+          </p:nvPr>
+        </p:nvSpPr>
+        <p:spPr/>
+        <p:txBody>
+          <a:bodyPr/>
+          <a:lstStyle/>
+          <a:p>
+            <a:fld id="{BBAA4D1B-A90B-4163-BF9D-AF53B78ADDD3}" type="slidenum">
+              <a:rPr lang="ko-KR" altLang="en-US" smtClean="0"/>
+              <a:t>11</a:t>
+            </a:fld>
+            <a:endParaRPr lang="ko-KR" altLang="en-US"/>
+          </a:p>
+        </p:txBody>
+      </p:sp>
+    </p:spTree>
+    <p:extLst>
+      <p:ext uri="{BB962C8B-B14F-4D97-AF65-F5344CB8AC3E}">
+        <p14:creationId xmlns:p14="http://schemas.microsoft.com/office/powerpoint/2010/main" val="2818204639"/>
+      </p:ext>
+    </p:extLst>
+  </p:cSld>
+  <p:clrMapOvr>
+    <a:masterClrMapping/>
+  </p:clrMapOvr>
+</p:notes>
+</file>
+
+<file path=ppt/notesSlides/notesSlide6.xml><?xml version="1.0" encoding="utf-8"?>
+<p:notes xmlns:a="http://schemas.openxmlformats.org/drawingml/2006/main" xmlns:r="http://schemas.openxmlformats.org/officeDocument/2006/relationships" xmlns:p="http://schemas.openxmlformats.org/presentationml/2006/main">
+  <p:cSld>
+    <p:spTree>
+      <p:nvGrpSpPr>
+        <p:cNvPr id="1" name=""/>
+        <p:cNvGrpSpPr/>
+        <p:nvPr/>
+      </p:nvGrpSpPr>
+      <p:grpSpPr>
+        <a:xfrm>
+          <a:off x="0" y="0"/>
+          <a:ext cx="0" cy="0"/>
+          <a:chOff x="0" y="0"/>
+          <a:chExt cx="0" cy="0"/>
+        </a:xfrm>
+      </p:grpSpPr>
+      <p:sp>
+        <p:nvSpPr>
+          <p:cNvPr id="2" name="슬라이드 이미지 개체 틀 1"/>
+          <p:cNvSpPr>
+            <a:spLocks noGrp="1" noRot="1" noChangeAspect="1"/>
+          </p:cNvSpPr>
+          <p:nvPr>
+            <p:ph type="sldImg"/>
+          </p:nvPr>
+        </p:nvSpPr>
+        <p:spPr/>
+      </p:sp>
+      <p:sp>
+        <p:nvSpPr>
+          <p:cNvPr id="3" name="슬라이드 노트 개체 틀 2"/>
+          <p:cNvSpPr>
+            <a:spLocks noGrp="1"/>
+          </p:cNvSpPr>
+          <p:nvPr>
+            <p:ph type="body" idx="1"/>
+          </p:nvPr>
+        </p:nvSpPr>
+        <p:spPr/>
+        <p:txBody>
+          <a:bodyPr/>
+          <a:lstStyle/>
+          <a:p>
+            <a:r>
+              <a:rPr lang="ko-KR" altLang="en-US" sz="1200" b="1" i="0" u="none" strike="noStrike" kern="1200" baseline="0" dirty="0" smtClean="0">
+                <a:solidFill>
+                  <a:schemeClr val="tx1"/>
+                </a:solidFill>
+                <a:latin typeface="+mn-lt"/>
+                <a:ea typeface="+mn-ea"/>
+                <a:cs typeface="+mn-cs"/>
+              </a:rPr>
+              <a:t>현재까지 </a:t>
+            </a:r>
+            <a:r>
+              <a:rPr lang="ko-KR" altLang="en-US" sz="1200" b="1" i="0" u="none" strike="noStrike" kern="1200" baseline="0" dirty="0" err="1" smtClean="0">
+                <a:solidFill>
+                  <a:schemeClr val="tx1"/>
+                </a:solidFill>
+                <a:latin typeface="+mn-lt"/>
+                <a:ea typeface="+mn-ea"/>
+                <a:cs typeface="+mn-cs"/>
+              </a:rPr>
+              <a:t>신경병성</a:t>
+            </a:r>
+            <a:r>
+              <a:rPr lang="ko-KR" altLang="en-US" sz="1200" b="1" i="0" u="none" strike="noStrike" kern="1200" baseline="0" dirty="0" smtClean="0">
+                <a:solidFill>
+                  <a:schemeClr val="tx1"/>
+                </a:solidFill>
+                <a:latin typeface="+mn-lt"/>
+                <a:ea typeface="+mn-ea"/>
+                <a:cs typeface="+mn-cs"/>
+              </a:rPr>
+              <a:t> 통증을 치료하는데 보통 사용하는 진통제인 </a:t>
+            </a:r>
+            <a:r>
+              <a:rPr lang="en-US" altLang="ko-KR" sz="1200" b="1" i="0" u="none" strike="noStrike" kern="1200" baseline="0" dirty="0" smtClean="0">
+                <a:solidFill>
+                  <a:schemeClr val="tx1"/>
+                </a:solidFill>
+                <a:latin typeface="+mn-lt"/>
+                <a:ea typeface="+mn-ea"/>
+                <a:cs typeface="+mn-cs"/>
+              </a:rPr>
+              <a:t>acetaminophen, NSAID, codeine</a:t>
+            </a:r>
+            <a:r>
+              <a:rPr lang="ko-KR" altLang="en-US" sz="1200" b="1" i="0" u="none" strike="noStrike" kern="1200" baseline="0" dirty="0" smtClean="0">
+                <a:solidFill>
+                  <a:schemeClr val="tx1"/>
+                </a:solidFill>
+                <a:latin typeface="+mn-lt"/>
+                <a:ea typeface="+mn-ea"/>
+                <a:cs typeface="+mn-cs"/>
+              </a:rPr>
+              <a:t>과 같은 약한 </a:t>
+            </a:r>
+            <a:r>
+              <a:rPr lang="en-US" altLang="ko-KR" sz="1200" b="1" i="0" u="none" strike="noStrike" kern="1200" baseline="0" dirty="0" smtClean="0">
+                <a:solidFill>
+                  <a:schemeClr val="tx1"/>
+                </a:solidFill>
+                <a:latin typeface="+mn-lt"/>
+                <a:ea typeface="+mn-ea"/>
+                <a:cs typeface="+mn-cs"/>
+              </a:rPr>
+              <a:t>opioid</a:t>
+            </a:r>
+            <a:r>
+              <a:rPr lang="ko-KR" altLang="en-US" sz="1200" b="1" i="0" u="none" strike="noStrike" kern="1200" baseline="0" dirty="0" smtClean="0">
+                <a:solidFill>
+                  <a:schemeClr val="tx1"/>
+                </a:solidFill>
+                <a:latin typeface="+mn-lt"/>
+                <a:ea typeface="+mn-ea"/>
+                <a:cs typeface="+mn-cs"/>
+              </a:rPr>
+              <a:t>는 크게 효과를 보기가 어렵다고 알려져 있습니다</a:t>
+            </a:r>
+            <a:r>
+              <a:rPr lang="en-US" altLang="ko-KR" sz="1200" b="1" i="0" u="none" strike="noStrike" kern="1200" baseline="0" dirty="0" smtClean="0">
+                <a:solidFill>
+                  <a:schemeClr val="tx1"/>
+                </a:solidFill>
+                <a:latin typeface="+mn-lt"/>
+                <a:ea typeface="+mn-ea"/>
+                <a:cs typeface="+mn-cs"/>
+              </a:rPr>
+              <a:t>. </a:t>
+            </a:r>
+            <a:r>
+              <a:rPr lang="ko-KR" altLang="en-US" sz="1200" b="1" i="0" u="none" strike="noStrike" kern="1200" baseline="0" dirty="0" smtClean="0">
+                <a:solidFill>
+                  <a:schemeClr val="tx1"/>
+                </a:solidFill>
+                <a:latin typeface="+mn-lt"/>
+                <a:ea typeface="+mn-ea"/>
+                <a:cs typeface="+mn-cs"/>
+              </a:rPr>
+              <a:t>보통 </a:t>
+            </a:r>
+            <a:r>
+              <a:rPr lang="en-US" altLang="ko-KR" sz="1200" b="1" i="0" u="none" strike="noStrike" kern="1200" baseline="0" dirty="0" smtClean="0">
+                <a:solidFill>
+                  <a:schemeClr val="tx1"/>
+                </a:solidFill>
+                <a:latin typeface="+mn-lt"/>
+                <a:ea typeface="+mn-ea"/>
+                <a:cs typeface="+mn-cs"/>
+              </a:rPr>
+              <a:t>first line</a:t>
+            </a:r>
+            <a:r>
+              <a:rPr lang="ko-KR" altLang="en-US" sz="1200" b="1" i="0" u="none" strike="noStrike" kern="1200" baseline="0" dirty="0" smtClean="0">
+                <a:solidFill>
+                  <a:schemeClr val="tx1"/>
+                </a:solidFill>
+                <a:latin typeface="+mn-lt"/>
+                <a:ea typeface="+mn-ea"/>
+                <a:cs typeface="+mn-cs"/>
+              </a:rPr>
+              <a:t>으로 쓰는 약은 </a:t>
+            </a:r>
+            <a:r>
+              <a:rPr lang="en-US" altLang="ko-KR" sz="1200" b="1" i="0" u="none" strike="noStrike" kern="1200" baseline="0" dirty="0" smtClean="0">
+                <a:solidFill>
+                  <a:schemeClr val="tx1"/>
+                </a:solidFill>
+                <a:latin typeface="+mn-lt"/>
+                <a:ea typeface="+mn-ea"/>
+                <a:cs typeface="+mn-cs"/>
+              </a:rPr>
+              <a:t>GABA analogue</a:t>
+            </a:r>
+            <a:r>
+              <a:rPr lang="ko-KR" altLang="en-US" sz="1200" b="1" i="0" u="none" strike="noStrike" kern="1200" baseline="0" dirty="0" smtClean="0">
+                <a:solidFill>
+                  <a:schemeClr val="tx1"/>
+                </a:solidFill>
+                <a:latin typeface="+mn-lt"/>
+                <a:ea typeface="+mn-ea"/>
+                <a:cs typeface="+mn-cs"/>
+              </a:rPr>
+              <a:t>인 </a:t>
+            </a:r>
+            <a:r>
+              <a:rPr lang="en-US" altLang="ko-KR" sz="1200" b="1" i="0" u="none" strike="noStrike" kern="1200" baseline="0" dirty="0" err="1" smtClean="0">
+                <a:solidFill>
+                  <a:schemeClr val="tx1"/>
+                </a:solidFill>
+                <a:latin typeface="+mn-lt"/>
+                <a:ea typeface="+mn-ea"/>
+                <a:cs typeface="+mn-cs"/>
+              </a:rPr>
+              <a:t>pregabalin</a:t>
+            </a:r>
+            <a:r>
+              <a:rPr lang="en-US" altLang="ko-KR" sz="1200" b="1" i="0" u="none" strike="noStrike" kern="1200" baseline="0" dirty="0" smtClean="0">
+                <a:solidFill>
+                  <a:schemeClr val="tx1"/>
+                </a:solidFill>
+                <a:latin typeface="+mn-lt"/>
+                <a:ea typeface="+mn-ea"/>
+                <a:cs typeface="+mn-cs"/>
+              </a:rPr>
+              <a:t>, GABA inhibitor</a:t>
+            </a:r>
+            <a:r>
+              <a:rPr lang="ko-KR" altLang="en-US" sz="1200" b="1" i="0" u="none" strike="noStrike" kern="1200" baseline="0" dirty="0" smtClean="0">
+                <a:solidFill>
+                  <a:schemeClr val="tx1"/>
+                </a:solidFill>
+                <a:latin typeface="+mn-lt"/>
+                <a:ea typeface="+mn-ea"/>
+                <a:cs typeface="+mn-cs"/>
+              </a:rPr>
+              <a:t>인 </a:t>
+            </a:r>
+            <a:r>
+              <a:rPr lang="en-US" altLang="ko-KR" sz="1200" b="1" i="0" u="none" strike="noStrike" kern="1200" baseline="0" dirty="0" smtClean="0">
+                <a:solidFill>
+                  <a:schemeClr val="tx1"/>
+                </a:solidFill>
+                <a:latin typeface="+mn-lt"/>
+                <a:ea typeface="+mn-ea"/>
+                <a:cs typeface="+mn-cs"/>
+              </a:rPr>
+              <a:t>gabapentin, serotonin-noradrenaline reuptake inhibitor</a:t>
+            </a:r>
+            <a:r>
+              <a:rPr lang="ko-KR" altLang="en-US" sz="1200" b="1" i="0" u="none" strike="noStrike" kern="1200" baseline="0" dirty="0" smtClean="0">
+                <a:solidFill>
+                  <a:schemeClr val="tx1"/>
+                </a:solidFill>
+                <a:latin typeface="+mn-lt"/>
+                <a:ea typeface="+mn-ea"/>
+                <a:cs typeface="+mn-cs"/>
+              </a:rPr>
+              <a:t>인 </a:t>
+            </a:r>
+            <a:r>
+              <a:rPr lang="en-US" altLang="ko-KR" sz="1200" b="1" i="0" u="none" strike="noStrike" kern="1200" baseline="0" dirty="0" smtClean="0">
+                <a:solidFill>
+                  <a:schemeClr val="tx1"/>
+                </a:solidFill>
+                <a:latin typeface="+mn-lt"/>
+                <a:ea typeface="+mn-ea"/>
+                <a:cs typeface="+mn-cs"/>
+              </a:rPr>
+              <a:t>duloxetine, </a:t>
+            </a:r>
+            <a:r>
+              <a:rPr lang="en-US" altLang="ko-KR" sz="1200" b="1" i="0" u="none" strike="noStrike" kern="1200" baseline="0" dirty="0" err="1" smtClean="0">
+                <a:solidFill>
+                  <a:schemeClr val="tx1"/>
+                </a:solidFill>
+                <a:latin typeface="+mn-lt"/>
+                <a:ea typeface="+mn-ea"/>
+                <a:cs typeface="+mn-cs"/>
+              </a:rPr>
+              <a:t>tricycline</a:t>
+            </a:r>
+            <a:r>
+              <a:rPr lang="en-US" altLang="ko-KR" sz="1200" b="1" i="0" u="none" strike="noStrike" kern="1200" baseline="0" dirty="0" smtClean="0">
+                <a:solidFill>
+                  <a:schemeClr val="tx1"/>
+                </a:solidFill>
+                <a:latin typeface="+mn-lt"/>
+                <a:ea typeface="+mn-ea"/>
+                <a:cs typeface="+mn-cs"/>
+              </a:rPr>
+              <a:t> antidepressant</a:t>
+            </a:r>
+            <a:r>
+              <a:rPr lang="ko-KR" altLang="en-US" sz="1200" b="1" i="0" u="none" strike="noStrike" kern="1200" baseline="0" dirty="0" smtClean="0">
+                <a:solidFill>
+                  <a:schemeClr val="tx1"/>
+                </a:solidFill>
+                <a:latin typeface="+mn-lt"/>
+                <a:ea typeface="+mn-ea"/>
+                <a:cs typeface="+mn-cs"/>
+              </a:rPr>
+              <a:t>인 </a:t>
+            </a:r>
+            <a:r>
+              <a:rPr lang="en-US" altLang="ko-KR" sz="1200" b="1" i="0" u="none" strike="noStrike" kern="1200" baseline="0" dirty="0" smtClean="0">
+                <a:solidFill>
+                  <a:schemeClr val="tx1"/>
+                </a:solidFill>
+                <a:latin typeface="+mn-lt"/>
+                <a:ea typeface="+mn-ea"/>
+                <a:cs typeface="+mn-cs"/>
+              </a:rPr>
+              <a:t>amitriptyline</a:t>
+            </a:r>
+            <a:r>
+              <a:rPr lang="ko-KR" altLang="en-US" sz="1200" b="1" i="0" u="none" strike="noStrike" kern="1200" baseline="0" dirty="0" smtClean="0">
+                <a:solidFill>
+                  <a:schemeClr val="tx1"/>
+                </a:solidFill>
+                <a:latin typeface="+mn-lt"/>
+                <a:ea typeface="+mn-ea"/>
+                <a:cs typeface="+mn-cs"/>
+              </a:rPr>
+              <a:t>이나 </a:t>
+            </a:r>
+            <a:r>
+              <a:rPr lang="en-US" altLang="ko-KR" sz="1200" b="1" i="0" u="none" strike="noStrike" kern="1200" baseline="0" dirty="0" smtClean="0">
+                <a:solidFill>
+                  <a:schemeClr val="tx1"/>
+                </a:solidFill>
+                <a:latin typeface="+mn-lt"/>
+                <a:ea typeface="+mn-ea"/>
+                <a:cs typeface="+mn-cs"/>
+              </a:rPr>
+              <a:t>nortriptyline</a:t>
+            </a:r>
+            <a:r>
+              <a:rPr lang="ko-KR" altLang="en-US" sz="1200" b="1" i="0" u="none" strike="noStrike" kern="1200" baseline="0" dirty="0" smtClean="0">
+                <a:solidFill>
+                  <a:schemeClr val="tx1"/>
+                </a:solidFill>
+                <a:latin typeface="+mn-lt"/>
+                <a:ea typeface="+mn-ea"/>
+                <a:cs typeface="+mn-cs"/>
+              </a:rPr>
+              <a:t>입니다</a:t>
+            </a:r>
+            <a:r>
+              <a:rPr lang="en-US" altLang="ko-KR" sz="1200" b="1" i="0" u="none" strike="noStrike" kern="1200" baseline="0" dirty="0" smtClean="0">
+                <a:solidFill>
+                  <a:schemeClr val="tx1"/>
+                </a:solidFill>
+                <a:latin typeface="+mn-lt"/>
+                <a:ea typeface="+mn-ea"/>
+                <a:cs typeface="+mn-cs"/>
+              </a:rPr>
+              <a:t>. </a:t>
+            </a:r>
+            <a:r>
+              <a:rPr lang="ko-KR" altLang="en-US" sz="1200" b="1" i="0" u="none" strike="noStrike" kern="1200" baseline="0" dirty="0" smtClean="0">
+                <a:solidFill>
+                  <a:schemeClr val="tx1"/>
+                </a:solidFill>
+                <a:latin typeface="+mn-lt"/>
+                <a:ea typeface="+mn-ea"/>
+                <a:cs typeface="+mn-cs"/>
+              </a:rPr>
+              <a:t>강력한 </a:t>
+            </a:r>
+            <a:r>
+              <a:rPr lang="en-US" altLang="ko-KR" sz="1200" b="1" i="0" u="none" strike="noStrike" kern="1200" baseline="0" dirty="0" smtClean="0">
+                <a:solidFill>
+                  <a:schemeClr val="tx1"/>
+                </a:solidFill>
+                <a:latin typeface="+mn-lt"/>
+                <a:ea typeface="+mn-ea"/>
+                <a:cs typeface="+mn-cs"/>
+              </a:rPr>
+              <a:t>opioid</a:t>
+            </a:r>
+            <a:r>
+              <a:rPr lang="ko-KR" altLang="en-US" sz="1200" b="1" i="0" u="none" strike="noStrike" kern="1200" baseline="0" dirty="0" smtClean="0">
+                <a:solidFill>
+                  <a:schemeClr val="tx1"/>
+                </a:solidFill>
+                <a:latin typeface="+mn-lt"/>
+                <a:ea typeface="+mn-ea"/>
+                <a:cs typeface="+mn-cs"/>
+              </a:rPr>
+              <a:t>와 </a:t>
+            </a:r>
+            <a:r>
+              <a:rPr lang="en-US" altLang="ko-KR" sz="1200" b="1" i="0" u="none" strike="noStrike" kern="1200" baseline="0" dirty="0" smtClean="0">
+                <a:solidFill>
+                  <a:schemeClr val="tx1"/>
+                </a:solidFill>
+                <a:latin typeface="+mn-lt"/>
+                <a:ea typeface="+mn-ea"/>
+                <a:cs typeface="+mn-cs"/>
+              </a:rPr>
+              <a:t>botulinum toxin A, capsaicin patch, lidocaine path, tramadol</a:t>
+            </a:r>
+            <a:r>
+              <a:rPr lang="ko-KR" altLang="en-US" sz="1200" b="1" i="0" u="none" strike="noStrike" kern="1200" baseline="0" dirty="0" smtClean="0">
+                <a:solidFill>
+                  <a:schemeClr val="tx1"/>
+                </a:solidFill>
+                <a:latin typeface="+mn-lt"/>
+                <a:ea typeface="+mn-ea"/>
+                <a:cs typeface="+mn-cs"/>
+              </a:rPr>
+              <a:t>은 강력하게 권고되지 않는데 효과를 </a:t>
+            </a:r>
+            <a:r>
+              <a:rPr lang="ko-KR" altLang="en-US" sz="1200" b="1" i="0" u="none" strike="noStrike" kern="1200" baseline="0" dirty="0" err="1" smtClean="0">
+                <a:solidFill>
+                  <a:schemeClr val="tx1"/>
+                </a:solidFill>
+                <a:latin typeface="+mn-lt"/>
+                <a:ea typeface="+mn-ea"/>
+                <a:cs typeface="+mn-cs"/>
+              </a:rPr>
+              <a:t>보는데까지</a:t>
+            </a:r>
+            <a:r>
+              <a:rPr lang="ko-KR" altLang="en-US" sz="1200" b="1" i="0" u="none" strike="noStrike" kern="1200" baseline="0" dirty="0" smtClean="0">
+                <a:solidFill>
+                  <a:schemeClr val="tx1"/>
+                </a:solidFill>
+                <a:latin typeface="+mn-lt"/>
+                <a:ea typeface="+mn-ea"/>
+                <a:cs typeface="+mn-cs"/>
+              </a:rPr>
+              <a:t> </a:t>
+            </a:r>
+            <a:r>
+              <a:rPr lang="ko-KR" altLang="en-US" sz="1200" b="1" i="0" u="none" strike="noStrike" kern="1200" baseline="0" dirty="0" err="1" smtClean="0">
+                <a:solidFill>
+                  <a:schemeClr val="tx1"/>
+                </a:solidFill>
+                <a:latin typeface="+mn-lt"/>
+                <a:ea typeface="+mn-ea"/>
+                <a:cs typeface="+mn-cs"/>
+              </a:rPr>
+              <a:t>오래걸리거나</a:t>
+            </a:r>
+            <a:r>
+              <a:rPr lang="ko-KR" altLang="en-US" sz="1200" b="1" i="0" u="none" strike="noStrike" kern="1200" baseline="0" dirty="0" smtClean="0">
+                <a:solidFill>
+                  <a:schemeClr val="tx1"/>
+                </a:solidFill>
+                <a:latin typeface="+mn-lt"/>
+                <a:ea typeface="+mn-ea"/>
+                <a:cs typeface="+mn-cs"/>
+              </a:rPr>
+              <a:t> 또는 부작용으로 인해 </a:t>
+            </a:r>
+            <a:endParaRPr lang="en-US" altLang="ko-KR" sz="1200" b="1" i="0" u="none" strike="noStrike" kern="1200" baseline="0" dirty="0" smtClean="0">
+              <a:solidFill>
+                <a:schemeClr val="tx1"/>
+              </a:solidFill>
+              <a:latin typeface="+mn-lt"/>
+              <a:ea typeface="+mn-ea"/>
+              <a:cs typeface="+mn-cs"/>
+            </a:endParaRPr>
+          </a:p>
+          <a:p>
+            <a:r>
+              <a:rPr lang="ko-KR" altLang="en-US" sz="1200" b="1" i="0" u="none" strike="noStrike" kern="1200" baseline="0" dirty="0" smtClean="0">
+                <a:solidFill>
+                  <a:schemeClr val="tx1"/>
+                </a:solidFill>
+                <a:latin typeface="+mn-lt"/>
+                <a:ea typeface="+mn-ea"/>
+                <a:cs typeface="+mn-cs"/>
+              </a:rPr>
+              <a:t>사용에 제한이 있기 때문입니다</a:t>
+            </a:r>
+            <a:r>
+              <a:rPr lang="en-US" altLang="ko-KR" sz="1200" b="1" i="0" u="none" strike="noStrike" kern="1200" baseline="0" dirty="0" smtClean="0">
+                <a:solidFill>
+                  <a:schemeClr val="tx1"/>
+                </a:solidFill>
+                <a:latin typeface="+mn-lt"/>
+                <a:ea typeface="+mn-ea"/>
+                <a:cs typeface="+mn-cs"/>
+              </a:rPr>
+              <a:t>. </a:t>
+            </a:r>
+          </a:p>
+          <a:p>
+            <a:r>
+              <a:rPr lang="ko-KR" altLang="en-US" sz="1200" b="1" i="0" u="none" strike="noStrike" kern="1200" baseline="0" dirty="0" smtClean="0">
+                <a:solidFill>
+                  <a:schemeClr val="tx1"/>
+                </a:solidFill>
+                <a:latin typeface="+mn-lt"/>
+                <a:ea typeface="+mn-ea"/>
+                <a:cs typeface="+mn-cs"/>
+              </a:rPr>
+              <a:t>많이 사용하는 약 중 </a:t>
+            </a:r>
+            <a:r>
+              <a:rPr lang="en-US" altLang="ko-KR" sz="1200" b="1" i="0" u="none" strike="noStrike" kern="1200" baseline="0" dirty="0" smtClean="0">
+                <a:solidFill>
+                  <a:schemeClr val="tx1"/>
+                </a:solidFill>
+                <a:latin typeface="+mn-lt"/>
+                <a:ea typeface="+mn-ea"/>
+                <a:cs typeface="+mn-cs"/>
+              </a:rPr>
+              <a:t>duloxetine</a:t>
+            </a:r>
+            <a:r>
+              <a:rPr lang="ko-KR" altLang="en-US" sz="1200" b="1" i="0" u="none" strike="noStrike" kern="1200" baseline="0" dirty="0" smtClean="0">
+                <a:solidFill>
+                  <a:schemeClr val="tx1"/>
+                </a:solidFill>
+                <a:latin typeface="+mn-lt"/>
+                <a:ea typeface="+mn-ea"/>
+                <a:cs typeface="+mn-cs"/>
+              </a:rPr>
+              <a:t>은 </a:t>
+            </a:r>
+            <a:r>
+              <a:rPr lang="en-US" altLang="ko-KR" sz="1200" b="1" i="0" u="none" strike="noStrike" kern="1200" baseline="0" dirty="0" smtClean="0">
+                <a:solidFill>
+                  <a:schemeClr val="tx1"/>
+                </a:solidFill>
+                <a:latin typeface="+mn-lt"/>
+                <a:ea typeface="+mn-ea"/>
+                <a:cs typeface="+mn-cs"/>
+              </a:rPr>
+              <a:t>descending modulatory inhibitory control</a:t>
+            </a:r>
+            <a:r>
+              <a:rPr lang="ko-KR" altLang="en-US" sz="1200" b="1" i="0" u="none" strike="noStrike" kern="1200" baseline="0" dirty="0" smtClean="0">
+                <a:solidFill>
+                  <a:schemeClr val="tx1"/>
+                </a:solidFill>
+                <a:latin typeface="+mn-lt"/>
+                <a:ea typeface="+mn-ea"/>
+                <a:cs typeface="+mn-cs"/>
+              </a:rPr>
+              <a:t>과 관련되고 </a:t>
+            </a:r>
+            <a:r>
+              <a:rPr lang="en-US" altLang="ko-KR" sz="1200" b="1" i="0" u="none" strike="noStrike" kern="1200" baseline="0" dirty="0" smtClean="0">
+                <a:solidFill>
+                  <a:schemeClr val="tx1"/>
+                </a:solidFill>
+                <a:latin typeface="+mn-lt"/>
+                <a:ea typeface="+mn-ea"/>
+                <a:cs typeface="+mn-cs"/>
+              </a:rPr>
+              <a:t>gabapentin</a:t>
+            </a:r>
+            <a:r>
+              <a:rPr lang="ko-KR" altLang="en-US" sz="1200" b="1" i="0" u="none" strike="noStrike" kern="1200" baseline="0" dirty="0" smtClean="0">
+                <a:solidFill>
+                  <a:schemeClr val="tx1"/>
+                </a:solidFill>
+                <a:latin typeface="+mn-lt"/>
+                <a:ea typeface="+mn-ea"/>
+                <a:cs typeface="+mn-cs"/>
+              </a:rPr>
+              <a:t>과 </a:t>
+            </a:r>
+            <a:r>
+              <a:rPr lang="en-US" altLang="ko-KR" sz="1200" b="1" i="0" u="none" strike="noStrike" kern="1200" baseline="0" dirty="0" err="1" smtClean="0">
+                <a:solidFill>
+                  <a:schemeClr val="tx1"/>
+                </a:solidFill>
+                <a:latin typeface="+mn-lt"/>
+                <a:ea typeface="+mn-ea"/>
+                <a:cs typeface="+mn-cs"/>
+              </a:rPr>
+              <a:t>pregabalin</a:t>
+            </a:r>
+            <a:r>
+              <a:rPr lang="ko-KR" altLang="en-US" sz="1200" b="1" i="0" u="none" strike="noStrike" kern="1200" baseline="0" dirty="0" smtClean="0">
+                <a:solidFill>
+                  <a:schemeClr val="tx1"/>
+                </a:solidFill>
+                <a:latin typeface="+mn-lt"/>
+                <a:ea typeface="+mn-ea"/>
+                <a:cs typeface="+mn-cs"/>
+              </a:rPr>
+              <a:t>은 칼슘 </a:t>
+            </a:r>
+            <a:r>
+              <a:rPr lang="en-US" altLang="ko-KR" sz="1200" b="1" i="0" u="none" strike="noStrike" kern="1200" baseline="0" dirty="0" smtClean="0">
+                <a:solidFill>
+                  <a:schemeClr val="tx1"/>
+                </a:solidFill>
+                <a:latin typeface="+mn-lt"/>
+                <a:ea typeface="+mn-ea"/>
+                <a:cs typeface="+mn-cs"/>
+              </a:rPr>
+              <a:t>voltage gated </a:t>
+            </a:r>
+            <a:r>
+              <a:rPr lang="ko-KR" altLang="en-US" sz="1200" b="1" i="0" u="none" strike="noStrike" kern="1200" baseline="0" dirty="0" smtClean="0">
+                <a:solidFill>
+                  <a:schemeClr val="tx1"/>
+                </a:solidFill>
+                <a:latin typeface="+mn-lt"/>
+                <a:ea typeface="+mn-ea"/>
+                <a:cs typeface="+mn-cs"/>
+              </a:rPr>
+              <a:t>채널의 </a:t>
+            </a:r>
+            <a:r>
+              <a:rPr lang="en-US" altLang="ko-KR" sz="1200" b="1" i="0" u="none" strike="noStrike" kern="1200" baseline="0" dirty="0" smtClean="0">
+                <a:solidFill>
+                  <a:schemeClr val="tx1"/>
+                </a:solidFill>
+                <a:latin typeface="+mn-lt"/>
+                <a:ea typeface="+mn-ea"/>
+                <a:cs typeface="+mn-cs"/>
+              </a:rPr>
+              <a:t>subunit</a:t>
+            </a:r>
+            <a:r>
+              <a:rPr lang="ko-KR" altLang="en-US" sz="1200" b="1" i="0" u="none" strike="noStrike" kern="1200" baseline="0" dirty="0" smtClean="0">
+                <a:solidFill>
+                  <a:schemeClr val="tx1"/>
+                </a:solidFill>
+                <a:latin typeface="+mn-lt"/>
+                <a:ea typeface="+mn-ea"/>
+                <a:cs typeface="+mn-cs"/>
+              </a:rPr>
+              <a:t>인 </a:t>
+            </a:r>
+            <a:r>
+              <a:rPr lang="el-GR" altLang="ko-KR" sz="1200" b="1" i="0" u="none" strike="noStrike" kern="1200" baseline="0" dirty="0" smtClean="0">
+                <a:solidFill>
+                  <a:schemeClr val="tx1"/>
+                </a:solidFill>
+                <a:latin typeface="+mn-lt"/>
+                <a:ea typeface="+mn-ea"/>
+                <a:cs typeface="+mn-cs"/>
+              </a:rPr>
+              <a:t>α</a:t>
+            </a:r>
+            <a:r>
+              <a:rPr lang="en-US" altLang="ko-KR" sz="1200" b="1" i="0" u="none" strike="noStrike" kern="1200" baseline="0" dirty="0" smtClean="0">
+                <a:solidFill>
+                  <a:schemeClr val="tx1"/>
+                </a:solidFill>
+                <a:latin typeface="+mn-lt"/>
+                <a:ea typeface="+mn-ea"/>
+                <a:cs typeface="+mn-cs"/>
+              </a:rPr>
+              <a:t>2</a:t>
+            </a:r>
+            <a:r>
+              <a:rPr lang="el-GR" altLang="ko-KR" sz="1200" b="1" i="0" u="none" strike="noStrike" kern="1200" baseline="0" dirty="0" smtClean="0">
+                <a:solidFill>
+                  <a:schemeClr val="tx1"/>
+                </a:solidFill>
+                <a:latin typeface="+mn-lt"/>
+                <a:ea typeface="+mn-ea"/>
+                <a:cs typeface="+mn-cs"/>
+              </a:rPr>
+              <a:t>δ</a:t>
+            </a:r>
+            <a:r>
+              <a:rPr lang="en-US" altLang="ko-KR" sz="1200" b="1" i="0" u="none" strike="noStrike" kern="1200" baseline="0" dirty="0" smtClean="0">
+                <a:solidFill>
+                  <a:schemeClr val="tx1"/>
+                </a:solidFill>
+                <a:latin typeface="+mn-lt"/>
+                <a:ea typeface="+mn-ea"/>
+                <a:cs typeface="+mn-cs"/>
+              </a:rPr>
+              <a:t> </a:t>
+            </a:r>
+            <a:r>
+              <a:rPr lang="ko-KR" altLang="en-US" sz="1200" b="1" i="0" u="none" strike="noStrike" kern="1200" baseline="0" dirty="0" smtClean="0">
+                <a:solidFill>
+                  <a:schemeClr val="tx1"/>
+                </a:solidFill>
+                <a:latin typeface="+mn-lt"/>
+                <a:ea typeface="+mn-ea"/>
+                <a:cs typeface="+mn-cs"/>
+              </a:rPr>
+              <a:t>에 붙어 </a:t>
+            </a:r>
+            <a:r>
+              <a:rPr lang="en-US" altLang="ko-KR" sz="1200" b="1" i="0" u="none" strike="noStrike" kern="1200" baseline="0" dirty="0" smtClean="0">
+                <a:solidFill>
+                  <a:schemeClr val="tx1"/>
+                </a:solidFill>
+                <a:latin typeface="+mn-lt"/>
+                <a:ea typeface="+mn-ea"/>
+                <a:cs typeface="+mn-cs"/>
+              </a:rPr>
+              <a:t>central sensitization</a:t>
+            </a:r>
+            <a:r>
+              <a:rPr lang="ko-KR" altLang="en-US" sz="1200" b="1" i="0" u="none" strike="noStrike" kern="1200" baseline="0" dirty="0" smtClean="0">
+                <a:solidFill>
+                  <a:schemeClr val="tx1"/>
+                </a:solidFill>
+                <a:latin typeface="+mn-lt"/>
+                <a:ea typeface="+mn-ea"/>
+                <a:cs typeface="+mn-cs"/>
+              </a:rPr>
+              <a:t>을 감소시키는 작용을 통해 진통효과를 보입니다</a:t>
+            </a:r>
+            <a:r>
+              <a:rPr lang="en-US" altLang="ko-KR" sz="1200" b="1" i="0" u="none" strike="noStrike" kern="1200" baseline="0" dirty="0" smtClean="0">
+                <a:solidFill>
+                  <a:schemeClr val="tx1"/>
+                </a:solidFill>
+                <a:latin typeface="+mn-lt"/>
+                <a:ea typeface="+mn-ea"/>
+                <a:cs typeface="+mn-cs"/>
+              </a:rPr>
+              <a:t>. </a:t>
+            </a:r>
+          </a:p>
+          <a:p>
+            <a:r>
+              <a:rPr lang="ko-KR" altLang="en-US" sz="1200" b="1" i="0" u="none" strike="noStrike" kern="1200" baseline="0" dirty="0" smtClean="0">
+                <a:solidFill>
+                  <a:schemeClr val="tx1"/>
+                </a:solidFill>
+                <a:latin typeface="+mn-lt"/>
+                <a:ea typeface="+mn-ea"/>
+                <a:cs typeface="+mn-cs"/>
+              </a:rPr>
+              <a:t>기전이 조금씩 다르므로 </a:t>
+            </a:r>
+            <a:r>
+              <a:rPr lang="en-US" altLang="ko-KR" sz="1200" b="1" i="0" u="none" strike="noStrike" kern="1200" baseline="0" dirty="0" smtClean="0">
+                <a:solidFill>
+                  <a:schemeClr val="tx1"/>
+                </a:solidFill>
+                <a:latin typeface="+mn-lt"/>
+                <a:ea typeface="+mn-ea"/>
+                <a:cs typeface="+mn-cs"/>
+              </a:rPr>
+              <a:t>gabapentin, </a:t>
+            </a:r>
+            <a:r>
+              <a:rPr lang="en-US" altLang="ko-KR" sz="1200" b="1" i="0" u="none" strike="noStrike" kern="1200" baseline="0" dirty="0" err="1" smtClean="0">
+                <a:solidFill>
+                  <a:schemeClr val="tx1"/>
+                </a:solidFill>
+                <a:latin typeface="+mn-lt"/>
+                <a:ea typeface="+mn-ea"/>
+                <a:cs typeface="+mn-cs"/>
+              </a:rPr>
+              <a:t>pregabalin</a:t>
+            </a:r>
+            <a:r>
+              <a:rPr lang="ko-KR" altLang="en-US" sz="1200" b="1" i="0" u="none" strike="noStrike" kern="1200" baseline="0" dirty="0" smtClean="0">
+                <a:solidFill>
+                  <a:schemeClr val="tx1"/>
+                </a:solidFill>
+                <a:latin typeface="+mn-lt"/>
+                <a:ea typeface="+mn-ea"/>
+                <a:cs typeface="+mn-cs"/>
+              </a:rPr>
+              <a:t>과 </a:t>
+            </a:r>
+            <a:r>
+              <a:rPr lang="en-US" altLang="ko-KR" sz="1200" b="1" i="0" u="none" strike="noStrike" kern="1200" baseline="0" dirty="0" smtClean="0">
+                <a:solidFill>
+                  <a:schemeClr val="tx1"/>
+                </a:solidFill>
+                <a:latin typeface="+mn-lt"/>
+                <a:ea typeface="+mn-ea"/>
+                <a:cs typeface="+mn-cs"/>
+              </a:rPr>
+              <a:t>TCA</a:t>
+            </a:r>
+            <a:r>
+              <a:rPr lang="ko-KR" altLang="en-US" sz="1200" b="1" i="0" u="none" strike="noStrike" kern="1200" baseline="0" dirty="0" smtClean="0">
+                <a:solidFill>
+                  <a:schemeClr val="tx1"/>
+                </a:solidFill>
+                <a:latin typeface="+mn-lt"/>
+                <a:ea typeface="+mn-ea"/>
+                <a:cs typeface="+mn-cs"/>
+              </a:rPr>
+              <a:t>나 </a:t>
+            </a:r>
+            <a:r>
+              <a:rPr lang="en-US" altLang="ko-KR" sz="1200" b="1" i="0" u="none" strike="noStrike" kern="1200" baseline="0" dirty="0" smtClean="0">
+                <a:solidFill>
+                  <a:schemeClr val="tx1"/>
+                </a:solidFill>
+                <a:latin typeface="+mn-lt"/>
+                <a:ea typeface="+mn-ea"/>
+                <a:cs typeface="+mn-cs"/>
+              </a:rPr>
+              <a:t>opioid, SNRI</a:t>
+            </a:r>
+            <a:r>
+              <a:rPr lang="ko-KR" altLang="en-US" sz="1200" b="1" i="0" u="none" strike="noStrike" kern="1200" baseline="0" dirty="0" smtClean="0">
+                <a:solidFill>
+                  <a:schemeClr val="tx1"/>
+                </a:solidFill>
+                <a:latin typeface="+mn-lt"/>
+                <a:ea typeface="+mn-ea"/>
+                <a:cs typeface="+mn-cs"/>
+              </a:rPr>
+              <a:t>를 같이 사용하면 </a:t>
+            </a:r>
+            <a:r>
+              <a:rPr lang="en-US" altLang="ko-KR" sz="1200" b="1" i="0" u="none" strike="noStrike" kern="1200" baseline="0" dirty="0" smtClean="0">
+                <a:solidFill>
+                  <a:schemeClr val="tx1"/>
+                </a:solidFill>
+                <a:latin typeface="+mn-lt"/>
+                <a:ea typeface="+mn-ea"/>
+                <a:cs typeface="+mn-cs"/>
+              </a:rPr>
+              <a:t>synergy</a:t>
+            </a:r>
+            <a:r>
+              <a:rPr lang="ko-KR" altLang="en-US" sz="1200" b="1" i="0" u="none" strike="noStrike" kern="1200" baseline="0" dirty="0" smtClean="0">
+                <a:solidFill>
+                  <a:schemeClr val="tx1"/>
+                </a:solidFill>
+                <a:latin typeface="+mn-lt"/>
+                <a:ea typeface="+mn-ea"/>
+                <a:cs typeface="+mn-cs"/>
+              </a:rPr>
+              <a:t>를 기대해 볼 수 있습니다</a:t>
+            </a:r>
+            <a:r>
+              <a:rPr lang="en-US" altLang="ko-KR" sz="1200" b="1" i="0" u="none" strike="noStrike" kern="1200" baseline="0" dirty="0" smtClean="0">
+                <a:solidFill>
+                  <a:schemeClr val="tx1"/>
+                </a:solidFill>
+                <a:latin typeface="+mn-lt"/>
+                <a:ea typeface="+mn-ea"/>
+                <a:cs typeface="+mn-cs"/>
+              </a:rPr>
+              <a:t>. </a:t>
+            </a:r>
+          </a:p>
+          <a:p>
+            <a:r>
+              <a:rPr lang="ko-KR" altLang="en-US" sz="1200" b="1" i="0" u="none" strike="noStrike" kern="1200" baseline="0" dirty="0" smtClean="0">
+                <a:solidFill>
+                  <a:schemeClr val="tx1"/>
+                </a:solidFill>
+                <a:latin typeface="+mn-lt"/>
+                <a:ea typeface="+mn-ea"/>
+                <a:cs typeface="+mn-cs"/>
+              </a:rPr>
+              <a:t>한가지 약을 </a:t>
+            </a:r>
+            <a:r>
+              <a:rPr lang="ko-KR" altLang="en-US" sz="1200" b="1" i="0" u="none" strike="noStrike" kern="1200" baseline="0" dirty="0" err="1" smtClean="0">
+                <a:solidFill>
+                  <a:schemeClr val="tx1"/>
+                </a:solidFill>
+                <a:latin typeface="+mn-lt"/>
+                <a:ea typeface="+mn-ea"/>
+                <a:cs typeface="+mn-cs"/>
+              </a:rPr>
+              <a:t>중간정도의</a:t>
+            </a:r>
+            <a:r>
+              <a:rPr lang="ko-KR" altLang="en-US" sz="1200" b="1" i="0" u="none" strike="noStrike" kern="1200" baseline="0" dirty="0" smtClean="0">
+                <a:solidFill>
+                  <a:schemeClr val="tx1"/>
+                </a:solidFill>
+                <a:latin typeface="+mn-lt"/>
+                <a:ea typeface="+mn-ea"/>
+                <a:cs typeface="+mn-cs"/>
+              </a:rPr>
+              <a:t> 농도로 </a:t>
+            </a:r>
+            <a:r>
+              <a:rPr lang="ko-KR" altLang="en-US" sz="1200" b="1" i="0" u="none" strike="noStrike" kern="1200" baseline="0" dirty="0" err="1" smtClean="0">
+                <a:solidFill>
+                  <a:schemeClr val="tx1"/>
+                </a:solidFill>
+                <a:latin typeface="+mn-lt"/>
+                <a:ea typeface="+mn-ea"/>
+                <a:cs typeface="+mn-cs"/>
+              </a:rPr>
+              <a:t>썼을때</a:t>
+            </a:r>
+            <a:r>
+              <a:rPr lang="ko-KR" altLang="en-US" sz="1200" b="1" i="0" u="none" strike="noStrike" kern="1200" baseline="0" dirty="0" smtClean="0">
+                <a:solidFill>
+                  <a:schemeClr val="tx1"/>
+                </a:solidFill>
+                <a:latin typeface="+mn-lt"/>
+                <a:ea typeface="+mn-ea"/>
+                <a:cs typeface="+mn-cs"/>
+              </a:rPr>
+              <a:t> 효과가 없는 환자에게 한가지 약을 고농도로 </a:t>
+            </a:r>
+            <a:r>
+              <a:rPr lang="ko-KR" altLang="en-US" sz="1200" b="1" i="0" u="none" strike="noStrike" kern="1200" baseline="0" dirty="0" err="1" smtClean="0">
+                <a:solidFill>
+                  <a:schemeClr val="tx1"/>
+                </a:solidFill>
+                <a:latin typeface="+mn-lt"/>
+                <a:ea typeface="+mn-ea"/>
+                <a:cs typeface="+mn-cs"/>
+              </a:rPr>
+              <a:t>쓰는것의</a:t>
+            </a:r>
+            <a:r>
+              <a:rPr lang="ko-KR" altLang="en-US" sz="1200" b="1" i="0" u="none" strike="noStrike" kern="1200" baseline="0" dirty="0" smtClean="0">
+                <a:solidFill>
+                  <a:schemeClr val="tx1"/>
+                </a:solidFill>
+                <a:latin typeface="+mn-lt"/>
+                <a:ea typeface="+mn-ea"/>
+                <a:cs typeface="+mn-cs"/>
+              </a:rPr>
+              <a:t> 부작용</a:t>
+            </a:r>
+            <a:r>
+              <a:rPr lang="en-US" altLang="ko-KR" sz="1200" b="1" i="0" u="none" strike="noStrike" kern="1200" baseline="0" dirty="0" smtClean="0">
+                <a:solidFill>
+                  <a:schemeClr val="tx1"/>
+                </a:solidFill>
+                <a:latin typeface="+mn-lt"/>
+                <a:ea typeface="+mn-ea"/>
+                <a:cs typeface="+mn-cs"/>
+              </a:rPr>
+              <a:t>, </a:t>
+            </a:r>
+            <a:r>
+              <a:rPr lang="ko-KR" altLang="en-US" sz="1200" b="1" i="0" u="none" strike="noStrike" kern="1200" baseline="0" dirty="0" smtClean="0">
+                <a:solidFill>
+                  <a:schemeClr val="tx1"/>
+                </a:solidFill>
+                <a:latin typeface="+mn-lt"/>
+                <a:ea typeface="+mn-ea"/>
+                <a:cs typeface="+mn-cs"/>
+              </a:rPr>
+              <a:t>효과는 서로 다른 약을 </a:t>
+            </a:r>
+            <a:r>
+              <a:rPr lang="en-US" altLang="ko-KR" sz="1200" b="1" i="0" u="none" strike="noStrike" kern="1200" baseline="0" dirty="0" smtClean="0">
+                <a:solidFill>
+                  <a:schemeClr val="tx1"/>
+                </a:solidFill>
+                <a:latin typeface="+mn-lt"/>
+                <a:ea typeface="+mn-ea"/>
+                <a:cs typeface="+mn-cs"/>
+              </a:rPr>
+              <a:t>combination</a:t>
+            </a:r>
+            <a:r>
+              <a:rPr lang="ko-KR" altLang="en-US" sz="1200" b="1" i="0" u="none" strike="noStrike" kern="1200" baseline="0" dirty="0" smtClean="0">
+                <a:solidFill>
+                  <a:schemeClr val="tx1"/>
+                </a:solidFill>
+                <a:latin typeface="+mn-lt"/>
+                <a:ea typeface="+mn-ea"/>
+                <a:cs typeface="+mn-cs"/>
+              </a:rPr>
+              <a:t>으로 적은 용량으로 쓰는것과 비슷하다고 하므로 약물을 추가하거나 </a:t>
+            </a:r>
+            <a:r>
+              <a:rPr lang="ko-KR" altLang="en-US" sz="1200" b="1" i="0" u="none" strike="noStrike" kern="1200" baseline="0" dirty="0" err="1" smtClean="0">
+                <a:solidFill>
+                  <a:schemeClr val="tx1"/>
+                </a:solidFill>
+                <a:latin typeface="+mn-lt"/>
+                <a:ea typeface="+mn-ea"/>
+                <a:cs typeface="+mn-cs"/>
+              </a:rPr>
+              <a:t>증량할때</a:t>
+            </a:r>
+            <a:r>
+              <a:rPr lang="ko-KR" altLang="en-US" sz="1200" b="1" i="0" u="none" strike="noStrike" kern="1200" baseline="0" dirty="0" smtClean="0">
+                <a:solidFill>
+                  <a:schemeClr val="tx1"/>
+                </a:solidFill>
+                <a:latin typeface="+mn-lt"/>
+                <a:ea typeface="+mn-ea"/>
+                <a:cs typeface="+mn-cs"/>
+              </a:rPr>
+              <a:t> 고려하시면 </a:t>
+            </a:r>
+            <a:r>
+              <a:rPr lang="ko-KR" altLang="en-US" sz="1200" b="1" i="0" u="none" strike="noStrike" kern="1200" baseline="0" dirty="0" err="1" smtClean="0">
+                <a:solidFill>
+                  <a:schemeClr val="tx1"/>
+                </a:solidFill>
+                <a:latin typeface="+mn-lt"/>
+                <a:ea typeface="+mn-ea"/>
+                <a:cs typeface="+mn-cs"/>
+              </a:rPr>
+              <a:t>될것</a:t>
+            </a:r>
+            <a:r>
+              <a:rPr lang="ko-KR" altLang="en-US" sz="1200" b="1" i="0" u="none" strike="noStrike" kern="1200" baseline="0" dirty="0" smtClean="0">
+                <a:solidFill>
+                  <a:schemeClr val="tx1"/>
+                </a:solidFill>
+                <a:latin typeface="+mn-lt"/>
+                <a:ea typeface="+mn-ea"/>
+                <a:cs typeface="+mn-cs"/>
+              </a:rPr>
+              <a:t> 같습니다</a:t>
+            </a:r>
+            <a:r>
+              <a:rPr lang="en-US" altLang="ko-KR" sz="1200" b="1" i="0" u="none" strike="noStrike" kern="1200" baseline="0" dirty="0" smtClean="0">
+                <a:solidFill>
+                  <a:schemeClr val="tx1"/>
+                </a:solidFill>
+                <a:latin typeface="+mn-lt"/>
+                <a:ea typeface="+mn-ea"/>
+                <a:cs typeface="+mn-cs"/>
+              </a:rPr>
+              <a:t>. </a:t>
+            </a:r>
+          </a:p>
+          <a:p>
+            <a:endParaRPr lang="en-US" altLang="ko-KR" sz="1200" b="1" i="0" u="none" strike="noStrike" kern="1200" baseline="0" dirty="0" smtClean="0">
+              <a:solidFill>
+                <a:schemeClr val="tx1"/>
+              </a:solidFill>
+              <a:latin typeface="+mn-lt"/>
+              <a:ea typeface="+mn-ea"/>
+              <a:cs typeface="+mn-cs"/>
+            </a:endParaRPr>
+          </a:p>
+          <a:p>
+            <a:r>
+              <a:rPr lang="en-US" altLang="ko-KR" sz="1200" b="1" i="0" u="none" strike="noStrike" kern="1200" baseline="0" dirty="0" smtClean="0">
+                <a:solidFill>
+                  <a:schemeClr val="tx1"/>
+                </a:solidFill>
+                <a:latin typeface="+mn-lt"/>
+                <a:ea typeface="+mn-ea"/>
+                <a:cs typeface="+mn-cs"/>
+              </a:rPr>
+              <a:t>Second line</a:t>
+            </a:r>
+            <a:r>
+              <a:rPr lang="ko-KR" altLang="en-US" sz="1200" b="1" i="0" u="none" strike="noStrike" kern="1200" baseline="0" dirty="0" smtClean="0">
+                <a:solidFill>
+                  <a:schemeClr val="tx1"/>
+                </a:solidFill>
+                <a:latin typeface="+mn-lt"/>
+                <a:ea typeface="+mn-ea"/>
+                <a:cs typeface="+mn-cs"/>
+              </a:rPr>
+              <a:t>에는 </a:t>
+            </a:r>
+            <a:r>
+              <a:rPr lang="en-US" altLang="ko-KR" sz="1200" b="1" i="0" u="none" strike="noStrike" kern="1200" baseline="0" dirty="0" smtClean="0">
+                <a:solidFill>
+                  <a:schemeClr val="tx1"/>
+                </a:solidFill>
+                <a:latin typeface="+mn-lt"/>
+                <a:ea typeface="+mn-ea"/>
+                <a:cs typeface="+mn-cs"/>
+              </a:rPr>
+              <a:t>lidocaine </a:t>
+            </a:r>
+            <a:r>
+              <a:rPr lang="ko-KR" altLang="en-US" sz="1200" b="1" i="0" u="none" strike="noStrike" kern="1200" baseline="0" dirty="0" smtClean="0">
+                <a:solidFill>
+                  <a:schemeClr val="tx1"/>
+                </a:solidFill>
+                <a:latin typeface="+mn-lt"/>
+                <a:ea typeface="+mn-ea"/>
+                <a:cs typeface="+mn-cs"/>
+              </a:rPr>
+              <a:t>패치나 </a:t>
+            </a:r>
+            <a:r>
+              <a:rPr lang="ko-KR" altLang="en-US" sz="1200" b="1" i="0" u="none" strike="noStrike" kern="1200" baseline="0" dirty="0" err="1" smtClean="0">
+                <a:solidFill>
+                  <a:schemeClr val="tx1"/>
+                </a:solidFill>
+                <a:latin typeface="+mn-lt"/>
+                <a:ea typeface="+mn-ea"/>
+                <a:cs typeface="+mn-cs"/>
+              </a:rPr>
+              <a:t>캡사이신</a:t>
+            </a:r>
+            <a:r>
+              <a:rPr lang="ko-KR" altLang="en-US" sz="1200" b="1" i="0" u="none" strike="noStrike" kern="1200" baseline="0" dirty="0" smtClean="0">
+                <a:solidFill>
+                  <a:schemeClr val="tx1"/>
+                </a:solidFill>
+                <a:latin typeface="+mn-lt"/>
+                <a:ea typeface="+mn-ea"/>
+                <a:cs typeface="+mn-cs"/>
+              </a:rPr>
+              <a:t> 패치</a:t>
+            </a:r>
+            <a:r>
+              <a:rPr lang="en-US" altLang="ko-KR" sz="1200" b="1" i="0" u="none" strike="noStrike" kern="1200" baseline="0" dirty="0" smtClean="0">
+                <a:solidFill>
+                  <a:schemeClr val="tx1"/>
+                </a:solidFill>
+                <a:latin typeface="+mn-lt"/>
+                <a:ea typeface="+mn-ea"/>
+                <a:cs typeface="+mn-cs"/>
+              </a:rPr>
+              <a:t>, </a:t>
+            </a:r>
+            <a:r>
+              <a:rPr lang="ko-KR" altLang="en-US" sz="1200" b="1" i="0" u="none" strike="noStrike" kern="1200" baseline="0" dirty="0" err="1" smtClean="0">
+                <a:solidFill>
+                  <a:schemeClr val="tx1"/>
+                </a:solidFill>
+                <a:latin typeface="+mn-lt"/>
+                <a:ea typeface="+mn-ea"/>
+                <a:cs typeface="+mn-cs"/>
+              </a:rPr>
+              <a:t>트라마돌이</a:t>
+            </a:r>
+            <a:r>
+              <a:rPr lang="ko-KR" altLang="en-US" sz="1200" b="1" i="0" u="none" strike="noStrike" kern="1200" baseline="0" dirty="0" smtClean="0">
+                <a:solidFill>
+                  <a:schemeClr val="tx1"/>
+                </a:solidFill>
+                <a:latin typeface="+mn-lt"/>
+                <a:ea typeface="+mn-ea"/>
+                <a:cs typeface="+mn-cs"/>
+              </a:rPr>
+              <a:t> 있습니다</a:t>
+            </a:r>
+            <a:r>
+              <a:rPr lang="en-US" altLang="ko-KR" sz="1200" b="1" i="0" u="none" strike="noStrike" kern="1200" baseline="0" dirty="0" smtClean="0">
+                <a:solidFill>
+                  <a:schemeClr val="tx1"/>
+                </a:solidFill>
+                <a:latin typeface="+mn-lt"/>
+                <a:ea typeface="+mn-ea"/>
+                <a:cs typeface="+mn-cs"/>
+              </a:rPr>
+              <a:t>. </a:t>
+            </a:r>
+            <a:r>
+              <a:rPr lang="ko-KR" altLang="en-US" sz="1200" b="1" i="0" u="none" strike="noStrike" kern="1200" baseline="0" dirty="0" err="1" smtClean="0">
+                <a:solidFill>
+                  <a:schemeClr val="tx1"/>
+                </a:solidFill>
+                <a:latin typeface="+mn-lt"/>
+                <a:ea typeface="+mn-ea"/>
+                <a:cs typeface="+mn-cs"/>
+              </a:rPr>
+              <a:t>리도카인</a:t>
+            </a:r>
+            <a:r>
+              <a:rPr lang="ko-KR" altLang="en-US" sz="1200" b="1" i="0" u="none" strike="noStrike" kern="1200" baseline="0" dirty="0" smtClean="0">
+                <a:solidFill>
+                  <a:schemeClr val="tx1"/>
+                </a:solidFill>
+                <a:latin typeface="+mn-lt"/>
+                <a:ea typeface="+mn-ea"/>
+                <a:cs typeface="+mn-cs"/>
+              </a:rPr>
+              <a:t> 패치는 </a:t>
+            </a:r>
+            <a:r>
+              <a:rPr lang="en-US" altLang="ko-KR" sz="1200" b="1" i="0" u="none" strike="noStrike" kern="1200" baseline="0" dirty="0" err="1" smtClean="0">
+                <a:solidFill>
+                  <a:schemeClr val="tx1"/>
+                </a:solidFill>
+                <a:latin typeface="+mn-lt"/>
+                <a:ea typeface="+mn-ea"/>
+                <a:cs typeface="+mn-cs"/>
+              </a:rPr>
+              <a:t>postherpetic</a:t>
+            </a:r>
+            <a:r>
+              <a:rPr lang="en-US" altLang="ko-KR" sz="1200" b="1" i="0" u="none" strike="noStrike" kern="1200" baseline="0" dirty="0" smtClean="0">
+                <a:solidFill>
+                  <a:schemeClr val="tx1"/>
+                </a:solidFill>
+                <a:latin typeface="+mn-lt"/>
+                <a:ea typeface="+mn-ea"/>
+                <a:cs typeface="+mn-cs"/>
+              </a:rPr>
+              <a:t> neuralgia</a:t>
+            </a:r>
+            <a:r>
+              <a:rPr lang="ko-KR" altLang="en-US" sz="1200" b="1" i="0" u="none" strike="noStrike" kern="1200" baseline="0" dirty="0" smtClean="0">
+                <a:solidFill>
+                  <a:schemeClr val="tx1"/>
+                </a:solidFill>
+                <a:latin typeface="+mn-lt"/>
+                <a:ea typeface="+mn-ea"/>
+                <a:cs typeface="+mn-cs"/>
+              </a:rPr>
+              <a:t>와 같은 국소적인 통증이 </a:t>
+            </a:r>
+            <a:r>
+              <a:rPr lang="ko-KR" altLang="en-US" sz="1200" b="1" i="0" u="none" strike="noStrike" kern="1200" baseline="0" dirty="0" err="1" smtClean="0">
+                <a:solidFill>
+                  <a:schemeClr val="tx1"/>
+                </a:solidFill>
+                <a:latin typeface="+mn-lt"/>
+                <a:ea typeface="+mn-ea"/>
+                <a:cs typeface="+mn-cs"/>
+              </a:rPr>
+              <a:t>있을때</a:t>
+            </a:r>
+            <a:r>
+              <a:rPr lang="ko-KR" altLang="en-US" sz="1200" b="1" i="0" u="none" strike="noStrike" kern="1200" baseline="0" dirty="0" smtClean="0">
+                <a:solidFill>
+                  <a:schemeClr val="tx1"/>
+                </a:solidFill>
+                <a:latin typeface="+mn-lt"/>
+                <a:ea typeface="+mn-ea"/>
+                <a:cs typeface="+mn-cs"/>
+              </a:rPr>
+              <a:t> 고려할 수 있고 </a:t>
+            </a:r>
+            <a:r>
+              <a:rPr lang="ko-KR" altLang="en-US" sz="1200" b="1" i="0" u="none" strike="noStrike" kern="1200" baseline="0" dirty="0" err="1" smtClean="0">
+                <a:solidFill>
+                  <a:schemeClr val="tx1"/>
+                </a:solidFill>
+                <a:latin typeface="+mn-lt"/>
+                <a:ea typeface="+mn-ea"/>
+                <a:cs typeface="+mn-cs"/>
+              </a:rPr>
+              <a:t>캡사이신</a:t>
+            </a:r>
+            <a:r>
+              <a:rPr lang="ko-KR" altLang="en-US" sz="1200" b="1" i="0" u="none" strike="noStrike" kern="1200" baseline="0" dirty="0" smtClean="0">
+                <a:solidFill>
+                  <a:schemeClr val="tx1"/>
+                </a:solidFill>
+                <a:latin typeface="+mn-lt"/>
+                <a:ea typeface="+mn-ea"/>
+                <a:cs typeface="+mn-cs"/>
+              </a:rPr>
+              <a:t> 패치는 </a:t>
+            </a:r>
+            <a:r>
+              <a:rPr lang="en-US" altLang="ko-KR" sz="1200" b="1" i="0" u="none" strike="noStrike" kern="1200" baseline="0" dirty="0" err="1" smtClean="0">
+                <a:solidFill>
+                  <a:schemeClr val="tx1"/>
+                </a:solidFill>
+                <a:latin typeface="+mn-lt"/>
+                <a:ea typeface="+mn-ea"/>
+                <a:cs typeface="+mn-cs"/>
+              </a:rPr>
+              <a:t>postherpetic</a:t>
+            </a:r>
+            <a:r>
+              <a:rPr lang="en-US" altLang="ko-KR" sz="1200" b="1" i="0" u="none" strike="noStrike" kern="1200" baseline="0" dirty="0" smtClean="0">
+                <a:solidFill>
+                  <a:schemeClr val="tx1"/>
+                </a:solidFill>
+                <a:latin typeface="+mn-lt"/>
+                <a:ea typeface="+mn-ea"/>
+                <a:cs typeface="+mn-cs"/>
+              </a:rPr>
+              <a:t> neuralgia, diabetic neuropathy</a:t>
+            </a:r>
+            <a:r>
+              <a:rPr lang="ko-KR" altLang="en-US" sz="1200" b="1" i="0" u="none" strike="noStrike" kern="1200" baseline="0" dirty="0" smtClean="0">
+                <a:solidFill>
+                  <a:schemeClr val="tx1"/>
+                </a:solidFill>
+                <a:latin typeface="+mn-lt"/>
+                <a:ea typeface="+mn-ea"/>
+                <a:cs typeface="+mn-cs"/>
+              </a:rPr>
+              <a:t>에 사용을 고려합니다</a:t>
+            </a:r>
+            <a:r>
+              <a:rPr lang="en-US" altLang="ko-KR" sz="1200" b="1" i="0" u="none" strike="noStrike" kern="1200" baseline="0" dirty="0" smtClean="0">
+                <a:solidFill>
+                  <a:schemeClr val="tx1"/>
+                </a:solidFill>
+                <a:latin typeface="+mn-lt"/>
+                <a:ea typeface="+mn-ea"/>
+                <a:cs typeface="+mn-cs"/>
+              </a:rPr>
+              <a:t>. </a:t>
+            </a:r>
+          </a:p>
+          <a:p>
+            <a:r>
+              <a:rPr lang="ko-KR" altLang="en-US" sz="1200" b="1" i="0" u="none" strike="noStrike" kern="1200" baseline="0" dirty="0" err="1" smtClean="0">
+                <a:solidFill>
+                  <a:schemeClr val="tx1"/>
+                </a:solidFill>
+                <a:latin typeface="+mn-lt"/>
+                <a:ea typeface="+mn-ea"/>
+                <a:cs typeface="+mn-cs"/>
+              </a:rPr>
+              <a:t>트라마돌은</a:t>
+            </a:r>
+            <a:r>
+              <a:rPr lang="ko-KR" altLang="en-US" sz="1200" b="1" i="0" u="none" strike="noStrike" kern="1200" baseline="0" dirty="0" smtClean="0">
+                <a:solidFill>
+                  <a:schemeClr val="tx1"/>
+                </a:solidFill>
+                <a:latin typeface="+mn-lt"/>
+                <a:ea typeface="+mn-ea"/>
+                <a:cs typeface="+mn-cs"/>
+              </a:rPr>
+              <a:t> </a:t>
+            </a:r>
+            <a:r>
+              <a:rPr lang="en-US" altLang="ko-KR" sz="1200" b="1" i="0" u="none" strike="noStrike" kern="1200" baseline="0" dirty="0" smtClean="0">
+                <a:solidFill>
+                  <a:schemeClr val="tx1"/>
+                </a:solidFill>
+                <a:latin typeface="+mn-lt"/>
+                <a:ea typeface="+mn-ea"/>
+                <a:cs typeface="+mn-cs"/>
+              </a:rPr>
+              <a:t>opioid agonist</a:t>
+            </a:r>
+            <a:r>
+              <a:rPr lang="ko-KR" altLang="en-US" sz="1200" b="1" i="0" u="none" strike="noStrike" kern="1200" baseline="0" dirty="0" smtClean="0">
+                <a:solidFill>
+                  <a:schemeClr val="tx1"/>
+                </a:solidFill>
+                <a:latin typeface="+mn-lt"/>
+                <a:ea typeface="+mn-ea"/>
+                <a:cs typeface="+mn-cs"/>
+              </a:rPr>
+              <a:t>이고 </a:t>
+            </a:r>
+            <a:r>
+              <a:rPr lang="en-US" altLang="ko-KR" sz="1200" b="1" i="0" u="none" strike="noStrike" kern="1200" baseline="0" dirty="0" smtClean="0">
+                <a:solidFill>
+                  <a:schemeClr val="tx1"/>
+                </a:solidFill>
+                <a:latin typeface="+mn-lt"/>
+                <a:ea typeface="+mn-ea"/>
+                <a:cs typeface="+mn-cs"/>
+              </a:rPr>
+              <a:t>SNRI</a:t>
+            </a:r>
+            <a:r>
+              <a:rPr lang="ko-KR" altLang="en-US" sz="1200" b="1" i="0" u="none" strike="noStrike" kern="1200" baseline="0" dirty="0" smtClean="0">
+                <a:solidFill>
+                  <a:schemeClr val="tx1"/>
+                </a:solidFill>
+                <a:latin typeface="+mn-lt"/>
+                <a:ea typeface="+mn-ea"/>
+                <a:cs typeface="+mn-cs"/>
+              </a:rPr>
+              <a:t>인데 </a:t>
+            </a:r>
+            <a:r>
+              <a:rPr lang="en-US" altLang="ko-KR" sz="1200" b="1" i="0" u="none" strike="noStrike" kern="1200" baseline="0" dirty="0" smtClean="0">
+                <a:solidFill>
+                  <a:schemeClr val="tx1"/>
+                </a:solidFill>
+                <a:latin typeface="+mn-lt"/>
+                <a:ea typeface="+mn-ea"/>
+                <a:cs typeface="+mn-cs"/>
+              </a:rPr>
+              <a:t>peripheral neuropathic pain</a:t>
+            </a:r>
+            <a:r>
+              <a:rPr lang="ko-KR" altLang="en-US" sz="1200" b="1" i="0" u="none" strike="noStrike" kern="1200" baseline="0" dirty="0" smtClean="0">
+                <a:solidFill>
+                  <a:schemeClr val="tx1"/>
+                </a:solidFill>
+                <a:latin typeface="+mn-lt"/>
+                <a:ea typeface="+mn-ea"/>
+                <a:cs typeface="+mn-cs"/>
+              </a:rPr>
+              <a:t>에는 효과가 입증됐지만 </a:t>
+            </a:r>
+            <a:r>
+              <a:rPr lang="en-US" altLang="ko-KR" sz="1200" b="1" i="0" u="none" strike="noStrike" kern="1200" baseline="0" dirty="0" smtClean="0">
+                <a:solidFill>
+                  <a:schemeClr val="tx1"/>
+                </a:solidFill>
+                <a:latin typeface="+mn-lt"/>
+                <a:ea typeface="+mn-ea"/>
+                <a:cs typeface="+mn-cs"/>
+              </a:rPr>
+              <a:t>central neuropathic pain</a:t>
+            </a:r>
+            <a:r>
+              <a:rPr lang="ko-KR" altLang="en-US" sz="1200" b="1" i="0" u="none" strike="noStrike" kern="1200" baseline="0" dirty="0" smtClean="0">
+                <a:solidFill>
+                  <a:schemeClr val="tx1"/>
+                </a:solidFill>
+                <a:latin typeface="+mn-lt"/>
+                <a:ea typeface="+mn-ea"/>
+                <a:cs typeface="+mn-cs"/>
+              </a:rPr>
+              <a:t>에는 아직 효과가 </a:t>
+            </a:r>
+            <a:r>
+              <a:rPr lang="ko-KR" altLang="en-US" sz="1200" b="1" i="0" u="none" strike="noStrike" kern="1200" baseline="0" dirty="0" err="1" smtClean="0">
+                <a:solidFill>
+                  <a:schemeClr val="tx1"/>
+                </a:solidFill>
+                <a:latin typeface="+mn-lt"/>
+                <a:ea typeface="+mn-ea"/>
+                <a:cs typeface="+mn-cs"/>
+              </a:rPr>
+              <a:t>입증돼지</a:t>
+            </a:r>
+            <a:r>
+              <a:rPr lang="ko-KR" altLang="en-US" sz="1200" b="1" i="0" u="none" strike="noStrike" kern="1200" baseline="0" dirty="0" smtClean="0">
+                <a:solidFill>
+                  <a:schemeClr val="tx1"/>
+                </a:solidFill>
+                <a:latin typeface="+mn-lt"/>
+                <a:ea typeface="+mn-ea"/>
+                <a:cs typeface="+mn-cs"/>
+              </a:rPr>
+              <a:t> 않았습니다</a:t>
+            </a:r>
+            <a:r>
+              <a:rPr lang="en-US" altLang="ko-KR" sz="1200" b="1" i="0" u="none" strike="noStrike" kern="1200" baseline="0" dirty="0" smtClean="0">
+                <a:solidFill>
+                  <a:schemeClr val="tx1"/>
+                </a:solidFill>
+                <a:latin typeface="+mn-lt"/>
+                <a:ea typeface="+mn-ea"/>
+                <a:cs typeface="+mn-cs"/>
+              </a:rPr>
+              <a:t>. </a:t>
+            </a:r>
+          </a:p>
+          <a:p>
+            <a:endParaRPr lang="en-US" altLang="ko-KR" sz="1200" b="1" i="0" u="none" strike="noStrike" kern="1200" baseline="0" dirty="0" smtClean="0">
+              <a:solidFill>
+                <a:schemeClr val="tx1"/>
+              </a:solidFill>
+              <a:latin typeface="+mn-lt"/>
+              <a:ea typeface="+mn-ea"/>
+              <a:cs typeface="+mn-cs"/>
+            </a:endParaRPr>
+          </a:p>
+          <a:p>
+            <a:r>
+              <a:rPr lang="en-US" altLang="ko-KR" sz="1200" b="1" i="0" u="none" strike="noStrike" kern="1200" baseline="0" dirty="0" smtClean="0">
+                <a:solidFill>
+                  <a:schemeClr val="tx1"/>
+                </a:solidFill>
+                <a:latin typeface="+mn-lt"/>
+                <a:ea typeface="+mn-ea"/>
+                <a:cs typeface="+mn-cs"/>
+              </a:rPr>
+              <a:t>Third line</a:t>
+            </a:r>
+            <a:r>
+              <a:rPr lang="ko-KR" altLang="en-US" sz="1200" b="1" i="0" u="none" strike="noStrike" kern="1200" baseline="0" dirty="0" smtClean="0">
+                <a:solidFill>
+                  <a:schemeClr val="tx1"/>
+                </a:solidFill>
+                <a:latin typeface="+mn-lt"/>
+                <a:ea typeface="+mn-ea"/>
+                <a:cs typeface="+mn-cs"/>
+              </a:rPr>
+              <a:t>에는 </a:t>
+            </a:r>
+            <a:r>
+              <a:rPr lang="en-US" altLang="ko-KR" sz="1200" b="1" i="0" u="none" strike="noStrike" kern="1200" baseline="0" dirty="0" smtClean="0">
+                <a:solidFill>
+                  <a:schemeClr val="tx1"/>
+                </a:solidFill>
+                <a:latin typeface="+mn-lt"/>
+                <a:ea typeface="+mn-ea"/>
+                <a:cs typeface="+mn-cs"/>
+              </a:rPr>
+              <a:t>botulinum toxin A, opioid agonist</a:t>
+            </a:r>
+            <a:r>
+              <a:rPr lang="ko-KR" altLang="en-US" sz="1200" b="1" i="0" u="none" strike="noStrike" kern="1200" baseline="0" dirty="0" smtClean="0">
+                <a:solidFill>
+                  <a:schemeClr val="tx1"/>
+                </a:solidFill>
+                <a:latin typeface="+mn-lt"/>
+                <a:ea typeface="+mn-ea"/>
+                <a:cs typeface="+mn-cs"/>
+              </a:rPr>
+              <a:t>중 강력한 진통제인 </a:t>
+            </a:r>
+            <a:r>
+              <a:rPr lang="en-US" altLang="ko-KR" sz="1200" b="1" i="0" u="none" strike="noStrike" kern="1200" baseline="0" dirty="0" smtClean="0">
+                <a:solidFill>
+                  <a:schemeClr val="tx1"/>
+                </a:solidFill>
+                <a:latin typeface="+mn-lt"/>
+                <a:ea typeface="+mn-ea"/>
+                <a:cs typeface="+mn-cs"/>
+              </a:rPr>
+              <a:t>oxycodone, morphine</a:t>
+            </a:r>
+            <a:r>
+              <a:rPr lang="ko-KR" altLang="en-US" sz="1200" b="1" i="0" u="none" strike="noStrike" kern="1200" baseline="0" dirty="0" smtClean="0">
+                <a:solidFill>
+                  <a:schemeClr val="tx1"/>
+                </a:solidFill>
+                <a:latin typeface="+mn-lt"/>
+                <a:ea typeface="+mn-ea"/>
+                <a:cs typeface="+mn-cs"/>
+              </a:rPr>
+              <a:t>이 있고 </a:t>
+            </a:r>
+            <a:r>
+              <a:rPr lang="en-US" altLang="ko-KR" sz="1200" b="1" i="0" u="none" strike="noStrike" kern="1200" baseline="0" dirty="0" smtClean="0">
+                <a:solidFill>
+                  <a:schemeClr val="tx1"/>
+                </a:solidFill>
+                <a:latin typeface="+mn-lt"/>
+                <a:ea typeface="+mn-ea"/>
+                <a:cs typeface="+mn-cs"/>
+              </a:rPr>
+              <a:t>gabapentin, </a:t>
+            </a:r>
+            <a:r>
+              <a:rPr lang="en-US" altLang="ko-KR" sz="1200" b="1" i="0" u="none" strike="noStrike" kern="1200" baseline="0" dirty="0" err="1" smtClean="0">
+                <a:solidFill>
+                  <a:schemeClr val="tx1"/>
+                </a:solidFill>
+                <a:latin typeface="+mn-lt"/>
+                <a:ea typeface="+mn-ea"/>
+                <a:cs typeface="+mn-cs"/>
+              </a:rPr>
+              <a:t>pregabalin</a:t>
+            </a:r>
+            <a:r>
+              <a:rPr lang="ko-KR" altLang="en-US" sz="1200" b="1" i="0" u="none" strike="noStrike" kern="1200" baseline="0" dirty="0" smtClean="0">
+                <a:solidFill>
+                  <a:schemeClr val="tx1"/>
+                </a:solidFill>
+                <a:latin typeface="+mn-lt"/>
+                <a:ea typeface="+mn-ea"/>
+                <a:cs typeface="+mn-cs"/>
+              </a:rPr>
+              <a:t>을 제외한 </a:t>
+            </a:r>
+            <a:r>
+              <a:rPr lang="ko-KR" altLang="en-US" sz="1200" b="1" i="0" u="none" strike="noStrike" kern="1200" baseline="0" dirty="0" err="1" smtClean="0">
+                <a:solidFill>
+                  <a:schemeClr val="tx1"/>
+                </a:solidFill>
+                <a:latin typeface="+mn-lt"/>
+                <a:ea typeface="+mn-ea"/>
+                <a:cs typeface="+mn-cs"/>
+              </a:rPr>
+              <a:t>항경련제</a:t>
+            </a:r>
+            <a:r>
+              <a:rPr lang="ko-KR" altLang="en-US" sz="1200" b="1" i="0" u="none" strike="noStrike" kern="1200" baseline="0" dirty="0" smtClean="0">
+                <a:solidFill>
+                  <a:schemeClr val="tx1"/>
+                </a:solidFill>
+                <a:latin typeface="+mn-lt"/>
+                <a:ea typeface="+mn-ea"/>
+                <a:cs typeface="+mn-cs"/>
+              </a:rPr>
+              <a:t> </a:t>
+            </a:r>
+            <a:r>
+              <a:rPr lang="en-US" altLang="ko-KR" sz="1200" b="1" i="0" u="none" strike="noStrike" kern="1200" baseline="0" dirty="0" err="1" smtClean="0">
+                <a:solidFill>
+                  <a:schemeClr val="tx1"/>
+                </a:solidFill>
+                <a:latin typeface="+mn-lt"/>
+                <a:ea typeface="+mn-ea"/>
+                <a:cs typeface="+mn-cs"/>
+              </a:rPr>
+              <a:t>topiramate</a:t>
+            </a:r>
+            <a:r>
+              <a:rPr lang="en-US" altLang="ko-KR" sz="1200" b="1" i="0" u="none" strike="noStrike" kern="1200" baseline="0" dirty="0" smtClean="0">
+                <a:solidFill>
+                  <a:schemeClr val="tx1"/>
+                </a:solidFill>
+                <a:latin typeface="+mn-lt"/>
+                <a:ea typeface="+mn-ea"/>
+                <a:cs typeface="+mn-cs"/>
+              </a:rPr>
+              <a:t>, oxcarbazepine, carbamazepine, valproate, </a:t>
+            </a:r>
+            <a:r>
+              <a:rPr lang="en-US" altLang="ko-KR" sz="1200" b="1" i="0" u="none" strike="noStrike" kern="1200" baseline="0" dirty="0" err="1" smtClean="0">
+                <a:solidFill>
+                  <a:schemeClr val="tx1"/>
+                </a:solidFill>
+                <a:latin typeface="+mn-lt"/>
+                <a:ea typeface="+mn-ea"/>
+                <a:cs typeface="+mn-cs"/>
+              </a:rPr>
+              <a:t>zonisamide</a:t>
+            </a:r>
+            <a:r>
+              <a:rPr lang="en-US" altLang="ko-KR" sz="1200" b="1" i="0" u="none" strike="noStrike" kern="1200" baseline="0" dirty="0" smtClean="0">
+                <a:solidFill>
+                  <a:schemeClr val="tx1"/>
+                </a:solidFill>
+                <a:latin typeface="+mn-lt"/>
+                <a:ea typeface="+mn-ea"/>
+                <a:cs typeface="+mn-cs"/>
+              </a:rPr>
+              <a:t>, </a:t>
+            </a:r>
+            <a:r>
+              <a:rPr lang="en-US" altLang="ko-KR" sz="1200" b="1" i="0" u="none" strike="noStrike" kern="1200" baseline="0" dirty="0" err="1" smtClean="0">
+                <a:solidFill>
+                  <a:schemeClr val="tx1"/>
+                </a:solidFill>
+                <a:latin typeface="+mn-lt"/>
+                <a:ea typeface="+mn-ea"/>
+                <a:cs typeface="+mn-cs"/>
+              </a:rPr>
+              <a:t>lacosamide</a:t>
+            </a:r>
+            <a:r>
+              <a:rPr lang="en-US" altLang="ko-KR" sz="1200" b="1" i="0" u="none" strike="noStrike" kern="1200" baseline="0" dirty="0" smtClean="0">
+                <a:solidFill>
+                  <a:schemeClr val="tx1"/>
+                </a:solidFill>
+                <a:latin typeface="+mn-lt"/>
+                <a:ea typeface="+mn-ea"/>
+                <a:cs typeface="+mn-cs"/>
+              </a:rPr>
+              <a:t>, </a:t>
+            </a:r>
+            <a:r>
+              <a:rPr lang="en-US" altLang="ko-KR" sz="1200" b="1" i="0" u="none" strike="noStrike" kern="1200" baseline="0" dirty="0" err="1" smtClean="0">
+                <a:solidFill>
+                  <a:schemeClr val="tx1"/>
+                </a:solidFill>
+                <a:latin typeface="+mn-lt"/>
+                <a:ea typeface="+mn-ea"/>
+                <a:cs typeface="+mn-cs"/>
+              </a:rPr>
+              <a:t>levetiracetam</a:t>
+            </a:r>
+            <a:r>
+              <a:rPr lang="ko-KR" altLang="en-US" sz="1200" b="1" i="0" u="none" strike="noStrike" kern="1200" baseline="0" dirty="0" smtClean="0">
+                <a:solidFill>
+                  <a:schemeClr val="tx1"/>
+                </a:solidFill>
+                <a:latin typeface="+mn-lt"/>
+                <a:ea typeface="+mn-ea"/>
+                <a:cs typeface="+mn-cs"/>
+              </a:rPr>
+              <a:t>이 여기에 들어갑니다</a:t>
+            </a:r>
+            <a:r>
+              <a:rPr lang="en-US" altLang="ko-KR" sz="1200" b="1" i="0" u="none" strike="noStrike" kern="1200" baseline="0" dirty="0" smtClean="0">
+                <a:solidFill>
+                  <a:schemeClr val="tx1"/>
+                </a:solidFill>
+                <a:latin typeface="+mn-lt"/>
+                <a:ea typeface="+mn-ea"/>
+                <a:cs typeface="+mn-cs"/>
+              </a:rPr>
+              <a:t>. </a:t>
+            </a:r>
+          </a:p>
+          <a:p>
+            <a:r>
+              <a:rPr lang="ko-KR" altLang="en-US" sz="1200" b="1" i="0" u="none" strike="noStrike" kern="1200" baseline="0" dirty="0" smtClean="0">
+                <a:solidFill>
+                  <a:schemeClr val="tx1"/>
+                </a:solidFill>
+                <a:latin typeface="+mn-lt"/>
+                <a:ea typeface="+mn-ea"/>
+                <a:cs typeface="+mn-cs"/>
+              </a:rPr>
+              <a:t>부작용의 우려가 있고 과용</a:t>
+            </a:r>
+            <a:r>
+              <a:rPr lang="en-US" altLang="ko-KR" sz="1200" b="1" i="0" u="none" strike="noStrike" kern="1200" baseline="0" dirty="0" smtClean="0">
+                <a:solidFill>
+                  <a:schemeClr val="tx1"/>
+                </a:solidFill>
+                <a:latin typeface="+mn-lt"/>
+                <a:ea typeface="+mn-ea"/>
+                <a:cs typeface="+mn-cs"/>
+              </a:rPr>
+              <a:t>, </a:t>
+            </a:r>
+            <a:r>
+              <a:rPr lang="ko-KR" altLang="en-US" sz="1200" b="1" i="0" u="none" strike="noStrike" kern="1200" baseline="0" dirty="0" smtClean="0">
+                <a:solidFill>
+                  <a:schemeClr val="tx1"/>
+                </a:solidFill>
+                <a:latin typeface="+mn-lt"/>
+                <a:ea typeface="+mn-ea"/>
+                <a:cs typeface="+mn-cs"/>
+              </a:rPr>
+              <a:t>중독성에 대해 고려해야 하므로 </a:t>
+            </a:r>
+            <a:r>
+              <a:rPr lang="en-US" altLang="ko-KR" sz="1200" b="1" i="0" u="none" strike="noStrike" kern="1200" baseline="0" dirty="0" smtClean="0">
+                <a:solidFill>
+                  <a:schemeClr val="tx1"/>
+                </a:solidFill>
+                <a:latin typeface="+mn-lt"/>
+                <a:ea typeface="+mn-ea"/>
+                <a:cs typeface="+mn-cs"/>
+              </a:rPr>
+              <a:t>third line</a:t>
+            </a:r>
+            <a:r>
+              <a:rPr lang="ko-KR" altLang="en-US" sz="1200" b="1" i="0" u="none" strike="noStrike" kern="1200" baseline="0" dirty="0" err="1" smtClean="0">
+                <a:solidFill>
+                  <a:schemeClr val="tx1"/>
+                </a:solidFill>
+                <a:latin typeface="+mn-lt"/>
+                <a:ea typeface="+mn-ea"/>
+                <a:cs typeface="+mn-cs"/>
+              </a:rPr>
+              <a:t>인것같습니다</a:t>
+            </a:r>
+            <a:r>
+              <a:rPr lang="en-US" altLang="ko-KR" sz="1200" b="1" i="0" u="none" strike="noStrike" kern="1200" baseline="0" dirty="0" smtClean="0">
+                <a:solidFill>
+                  <a:schemeClr val="tx1"/>
+                </a:solidFill>
+                <a:latin typeface="+mn-lt"/>
+                <a:ea typeface="+mn-ea"/>
+                <a:cs typeface="+mn-cs"/>
+              </a:rPr>
+              <a:t>. Carbamazepine</a:t>
+            </a:r>
+            <a:r>
+              <a:rPr lang="ko-KR" altLang="en-US" sz="1200" b="1" i="0" u="none" strike="noStrike" kern="1200" baseline="0" dirty="0" smtClean="0">
+                <a:solidFill>
+                  <a:schemeClr val="tx1"/>
+                </a:solidFill>
+                <a:latin typeface="+mn-lt"/>
+                <a:ea typeface="+mn-ea"/>
+                <a:cs typeface="+mn-cs"/>
+              </a:rPr>
+              <a:t>은 </a:t>
+            </a:r>
+            <a:r>
+              <a:rPr lang="en-US" altLang="ko-KR" sz="1200" b="1" i="0" u="none" strike="noStrike" kern="1200" baseline="0" dirty="0" smtClean="0">
+                <a:solidFill>
+                  <a:schemeClr val="tx1"/>
+                </a:solidFill>
+                <a:latin typeface="+mn-lt"/>
+                <a:ea typeface="+mn-ea"/>
+                <a:cs typeface="+mn-cs"/>
+              </a:rPr>
+              <a:t>DM neuropathy</a:t>
+            </a:r>
+            <a:r>
+              <a:rPr lang="ko-KR" altLang="en-US" sz="1200" b="1" i="0" u="none" strike="noStrike" kern="1200" baseline="0" dirty="0" smtClean="0">
+                <a:solidFill>
+                  <a:schemeClr val="tx1"/>
+                </a:solidFill>
+                <a:latin typeface="+mn-lt"/>
+                <a:ea typeface="+mn-ea"/>
+                <a:cs typeface="+mn-cs"/>
+              </a:rPr>
+              <a:t>나 </a:t>
+            </a:r>
+            <a:r>
+              <a:rPr lang="en-US" altLang="ko-KR" sz="1200" b="1" i="0" u="none" strike="noStrike" kern="1200" baseline="0" dirty="0" smtClean="0">
+                <a:solidFill>
+                  <a:schemeClr val="tx1"/>
+                </a:solidFill>
+                <a:latin typeface="+mn-lt"/>
+                <a:ea typeface="+mn-ea"/>
+                <a:cs typeface="+mn-cs"/>
+              </a:rPr>
+              <a:t>trigeminal neuralgia</a:t>
+            </a:r>
+            <a:r>
+              <a:rPr lang="ko-KR" altLang="en-US" sz="1200" b="1" i="0" u="none" strike="noStrike" kern="1200" baseline="0" dirty="0" smtClean="0">
+                <a:solidFill>
+                  <a:schemeClr val="tx1"/>
+                </a:solidFill>
+                <a:latin typeface="+mn-lt"/>
+                <a:ea typeface="+mn-ea"/>
+                <a:cs typeface="+mn-cs"/>
+              </a:rPr>
+              <a:t>에서 </a:t>
+            </a:r>
+            <a:r>
+              <a:rPr lang="en-US" altLang="ko-KR" sz="1200" b="1" i="0" u="none" strike="noStrike" kern="1200" baseline="0" dirty="0" smtClean="0">
+                <a:solidFill>
+                  <a:schemeClr val="tx1"/>
+                </a:solidFill>
+                <a:latin typeface="+mn-lt"/>
+                <a:ea typeface="+mn-ea"/>
+                <a:cs typeface="+mn-cs"/>
+              </a:rPr>
+              <a:t>lamotrigine</a:t>
+            </a:r>
+            <a:r>
+              <a:rPr lang="ko-KR" altLang="en-US" sz="1200" b="1" i="0" u="none" strike="noStrike" kern="1200" baseline="0" dirty="0" smtClean="0">
+                <a:solidFill>
+                  <a:schemeClr val="tx1"/>
+                </a:solidFill>
+                <a:latin typeface="+mn-lt"/>
+                <a:ea typeface="+mn-ea"/>
+                <a:cs typeface="+mn-cs"/>
+              </a:rPr>
+              <a:t>은 다른 약에 반응이 없는 </a:t>
+            </a:r>
+            <a:r>
+              <a:rPr lang="en-US" altLang="ko-KR" sz="1200" b="1" i="0" u="none" strike="noStrike" kern="1200" baseline="0" dirty="0" smtClean="0">
+                <a:solidFill>
+                  <a:schemeClr val="tx1"/>
+                </a:solidFill>
+                <a:latin typeface="+mn-lt"/>
+                <a:ea typeface="+mn-ea"/>
+                <a:cs typeface="+mn-cs"/>
+              </a:rPr>
+              <a:t>trigeminal neuralgia</a:t>
+            </a:r>
+            <a:r>
+              <a:rPr lang="ko-KR" altLang="en-US" sz="1200" b="1" i="0" u="none" strike="noStrike" kern="1200" baseline="0" dirty="0" smtClean="0">
+                <a:solidFill>
+                  <a:schemeClr val="tx1"/>
+                </a:solidFill>
+                <a:latin typeface="+mn-lt"/>
+                <a:ea typeface="+mn-ea"/>
+                <a:cs typeface="+mn-cs"/>
+              </a:rPr>
+              <a:t>에서 사용을 고려합니다</a:t>
+            </a:r>
+            <a:r>
+              <a:rPr lang="en-US" altLang="ko-KR" sz="1200" b="1" i="0" u="none" strike="noStrike" kern="1200" baseline="0" smtClean="0">
+                <a:solidFill>
+                  <a:schemeClr val="tx1"/>
+                </a:solidFill>
+                <a:latin typeface="+mn-lt"/>
+                <a:ea typeface="+mn-ea"/>
+                <a:cs typeface="+mn-cs"/>
+              </a:rPr>
+              <a:t>. </a:t>
+            </a:r>
+            <a:endParaRPr lang="en-US" altLang="ko-KR" sz="1200" b="1" i="0" u="none" strike="noStrike" kern="1200" baseline="0" dirty="0" smtClean="0">
+              <a:solidFill>
+                <a:schemeClr val="tx1"/>
+              </a:solidFill>
+              <a:latin typeface="+mn-lt"/>
+              <a:ea typeface="+mn-ea"/>
+              <a:cs typeface="+mn-cs"/>
+            </a:endParaRPr>
+          </a:p>
+          <a:p>
+            <a:endParaRPr lang="en-US" altLang="ko-KR" sz="1200" b="1" i="0" u="none" strike="noStrike" kern="1200" baseline="0" dirty="0" smtClean="0">
+              <a:solidFill>
+                <a:schemeClr val="tx1"/>
+              </a:solidFill>
+              <a:latin typeface="+mn-lt"/>
+              <a:ea typeface="+mn-ea"/>
+              <a:cs typeface="+mn-cs"/>
+            </a:endParaRPr>
+          </a:p>
+          <a:p>
+            <a:r>
+              <a:rPr lang="ko-KR" altLang="en-US" sz="1200" b="1" i="0" u="none" strike="noStrike" kern="1200" baseline="0" dirty="0" smtClean="0">
+                <a:solidFill>
+                  <a:schemeClr val="tx1"/>
+                </a:solidFill>
+                <a:latin typeface="+mn-lt"/>
+                <a:ea typeface="+mn-ea"/>
+                <a:cs typeface="+mn-cs"/>
+              </a:rPr>
+              <a:t>이러한 약물치료외에도 </a:t>
+            </a:r>
+            <a:r>
+              <a:rPr lang="en-US" altLang="ko-KR" sz="1200" b="1" i="0" u="none" strike="noStrike" kern="1200" baseline="0" dirty="0" smtClean="0">
+                <a:solidFill>
+                  <a:schemeClr val="tx1"/>
+                </a:solidFill>
+                <a:latin typeface="+mn-lt"/>
+                <a:ea typeface="+mn-ea"/>
+                <a:cs typeface="+mn-cs"/>
+              </a:rPr>
+              <a:t>lumbar radiculopathy</a:t>
+            </a:r>
+            <a:r>
+              <a:rPr lang="ko-KR" altLang="en-US" sz="1200" b="1" i="0" u="none" strike="noStrike" kern="1200" baseline="0" dirty="0" smtClean="0">
+                <a:solidFill>
+                  <a:schemeClr val="tx1"/>
+                </a:solidFill>
+                <a:latin typeface="+mn-lt"/>
+                <a:ea typeface="+mn-ea"/>
+                <a:cs typeface="+mn-cs"/>
+              </a:rPr>
+              <a:t>나 </a:t>
+            </a:r>
+            <a:r>
+              <a:rPr lang="en-US" altLang="ko-KR" sz="1200" b="1" i="0" u="none" strike="noStrike" kern="1200" baseline="0" dirty="0" smtClean="0">
+                <a:solidFill>
+                  <a:schemeClr val="tx1"/>
+                </a:solidFill>
+                <a:latin typeface="+mn-lt"/>
+                <a:ea typeface="+mn-ea"/>
+                <a:cs typeface="+mn-cs"/>
+              </a:rPr>
+              <a:t>zoster</a:t>
+            </a:r>
+            <a:r>
+              <a:rPr lang="ko-KR" altLang="en-US" sz="1200" b="1" i="0" u="none" strike="noStrike" kern="1200" baseline="0" dirty="0" smtClean="0">
+                <a:solidFill>
+                  <a:schemeClr val="tx1"/>
+                </a:solidFill>
+                <a:latin typeface="+mn-lt"/>
+                <a:ea typeface="+mn-ea"/>
+                <a:cs typeface="+mn-cs"/>
+              </a:rPr>
+              <a:t>에 의한 신경통의 경우에 시행하는 </a:t>
+            </a:r>
+            <a:r>
+              <a:rPr lang="ko-KR" altLang="en-US" sz="1200" b="1" i="0" u="none" strike="noStrike" kern="1200" baseline="0" dirty="0" err="1" smtClean="0">
+                <a:solidFill>
+                  <a:schemeClr val="tx1"/>
+                </a:solidFill>
+                <a:latin typeface="+mn-lt"/>
+                <a:ea typeface="+mn-ea"/>
+                <a:cs typeface="+mn-cs"/>
+              </a:rPr>
+              <a:t>경막외</a:t>
+            </a:r>
+            <a:r>
+              <a:rPr lang="ko-KR" altLang="en-US" sz="1200" b="1" i="0" u="none" strike="noStrike" kern="1200" baseline="0" dirty="0" smtClean="0">
+                <a:solidFill>
+                  <a:schemeClr val="tx1"/>
+                </a:solidFill>
+                <a:latin typeface="+mn-lt"/>
+                <a:ea typeface="+mn-ea"/>
+                <a:cs typeface="+mn-cs"/>
+              </a:rPr>
+              <a:t> 마취</a:t>
+            </a:r>
+            <a:r>
+              <a:rPr lang="en-US" altLang="ko-KR" sz="1200" b="1" i="0" u="none" strike="noStrike" kern="1200" baseline="0" dirty="0" smtClean="0">
+                <a:solidFill>
+                  <a:schemeClr val="tx1"/>
+                </a:solidFill>
+                <a:latin typeface="+mn-lt"/>
+                <a:ea typeface="+mn-ea"/>
+                <a:cs typeface="+mn-cs"/>
+              </a:rPr>
+              <a:t>, steroid nerve block, CRPS</a:t>
+            </a:r>
+            <a:r>
+              <a:rPr lang="ko-KR" altLang="en-US" sz="1200" b="1" i="0" u="none" strike="noStrike" kern="1200" baseline="0" dirty="0" smtClean="0">
+                <a:solidFill>
+                  <a:schemeClr val="tx1"/>
+                </a:solidFill>
+                <a:latin typeface="+mn-lt"/>
+                <a:ea typeface="+mn-ea"/>
+                <a:cs typeface="+mn-cs"/>
+              </a:rPr>
+              <a:t>환자에게 시행하는</a:t>
+            </a:r>
+            <a:r>
+              <a:rPr lang="en-US" altLang="ko-KR" sz="1200" b="1" i="0" u="none" strike="noStrike" kern="1200" baseline="0" dirty="0" smtClean="0">
+                <a:solidFill>
+                  <a:schemeClr val="tx1"/>
+                </a:solidFill>
+                <a:latin typeface="+mn-lt"/>
+                <a:ea typeface="+mn-ea"/>
+                <a:cs typeface="+mn-cs"/>
+              </a:rPr>
+              <a:t>, sympathetic ganglion block</a:t>
+            </a:r>
+            <a:r>
+              <a:rPr lang="ko-KR" altLang="en-US" sz="1200" b="1" i="0" u="none" strike="noStrike" kern="1200" baseline="0" dirty="0" smtClean="0">
+                <a:solidFill>
+                  <a:schemeClr val="tx1"/>
+                </a:solidFill>
+                <a:latin typeface="+mn-lt"/>
+                <a:ea typeface="+mn-ea"/>
+                <a:cs typeface="+mn-cs"/>
+              </a:rPr>
+              <a:t>이 있고 </a:t>
+            </a:r>
+            <a:r>
+              <a:rPr lang="en-US" altLang="ko-KR" sz="1200" b="1" i="0" u="none" strike="noStrike" kern="1200" baseline="0" dirty="0" smtClean="0">
+                <a:solidFill>
+                  <a:schemeClr val="tx1"/>
+                </a:solidFill>
+                <a:latin typeface="+mn-lt"/>
+                <a:ea typeface="+mn-ea"/>
+                <a:cs typeface="+mn-cs"/>
+              </a:rPr>
+              <a:t>10kHz</a:t>
+            </a:r>
+            <a:r>
+              <a:rPr lang="ko-KR" altLang="en-US" sz="1200" b="1" i="0" u="none" strike="noStrike" kern="1200" baseline="0" dirty="0" smtClean="0">
+                <a:solidFill>
+                  <a:schemeClr val="tx1"/>
+                </a:solidFill>
+                <a:latin typeface="+mn-lt"/>
+                <a:ea typeface="+mn-ea"/>
+                <a:cs typeface="+mn-cs"/>
+              </a:rPr>
+              <a:t>로 </a:t>
+            </a:r>
+            <a:r>
+              <a:rPr lang="en-US" altLang="ko-KR" sz="1200" b="1" i="0" u="none" strike="noStrike" kern="1200" baseline="0" dirty="0" smtClean="0">
+                <a:solidFill>
+                  <a:schemeClr val="tx1"/>
+                </a:solidFill>
+                <a:latin typeface="+mn-lt"/>
+                <a:ea typeface="+mn-ea"/>
+                <a:cs typeface="+mn-cs"/>
+              </a:rPr>
+              <a:t>sinusoidal waveform spinal cord simulation, dorsal root ganglion, peripheral nerve stimulation,</a:t>
+            </a:r>
+          </a:p>
+          <a:p>
+            <a:r>
+              <a:rPr lang="en-US" altLang="ko-KR" sz="1200" b="1" i="0" u="none" strike="noStrike" kern="1200" baseline="0" dirty="0" smtClean="0">
+                <a:solidFill>
+                  <a:schemeClr val="tx1"/>
+                </a:solidFill>
+                <a:latin typeface="+mn-lt"/>
+                <a:ea typeface="+mn-ea"/>
+                <a:cs typeface="+mn-cs"/>
+              </a:rPr>
+              <a:t>Epidural motor cortex stimulation (ECMS)</a:t>
+            </a:r>
+            <a:r>
+              <a:rPr lang="ko-KR" altLang="en-US" sz="1200" b="1" i="0" u="none" strike="noStrike" kern="1200" baseline="0" dirty="0" smtClean="0">
+                <a:solidFill>
+                  <a:schemeClr val="tx1"/>
+                </a:solidFill>
+                <a:latin typeface="+mn-lt"/>
+                <a:ea typeface="+mn-ea"/>
+                <a:cs typeface="+mn-cs"/>
+              </a:rPr>
+              <a:t>나 </a:t>
+            </a:r>
+            <a:r>
+              <a:rPr lang="en-US" altLang="ko-KR" sz="1200" b="1" i="0" u="none" strike="noStrike" kern="1200" baseline="0" dirty="0" smtClean="0">
+                <a:solidFill>
+                  <a:schemeClr val="tx1"/>
+                </a:solidFill>
+                <a:latin typeface="+mn-lt"/>
+                <a:ea typeface="+mn-ea"/>
+                <a:cs typeface="+mn-cs"/>
+              </a:rPr>
+              <a:t>repetitive transcranial cortical stimulation(</a:t>
+            </a:r>
+            <a:r>
+              <a:rPr lang="en-US" altLang="ko-KR" sz="1200" b="1" i="0" u="none" strike="noStrike" kern="1200" baseline="0" dirty="0" err="1" smtClean="0">
+                <a:solidFill>
+                  <a:schemeClr val="tx1"/>
+                </a:solidFill>
+                <a:latin typeface="+mn-lt"/>
+                <a:ea typeface="+mn-ea"/>
+                <a:cs typeface="+mn-cs"/>
+              </a:rPr>
+              <a:t>rTMS</a:t>
+            </a:r>
+            <a:r>
+              <a:rPr lang="en-US" altLang="ko-KR" sz="1200" b="1" i="0" u="none" strike="noStrike" kern="1200" baseline="0" dirty="0" smtClean="0">
+                <a:solidFill>
+                  <a:schemeClr val="tx1"/>
+                </a:solidFill>
+                <a:latin typeface="+mn-lt"/>
+                <a:ea typeface="+mn-ea"/>
+                <a:cs typeface="+mn-cs"/>
+              </a:rPr>
+              <a:t>), transcranial direct current stimulation(</a:t>
+            </a:r>
+            <a:r>
+              <a:rPr lang="en-US" altLang="ko-KR" sz="1200" b="1" i="0" u="none" strike="noStrike" kern="1200" baseline="0" dirty="0" err="1" smtClean="0">
+                <a:solidFill>
+                  <a:schemeClr val="tx1"/>
+                </a:solidFill>
+                <a:latin typeface="+mn-lt"/>
+                <a:ea typeface="+mn-ea"/>
+                <a:cs typeface="+mn-cs"/>
+              </a:rPr>
+              <a:t>tDCS</a:t>
+            </a:r>
+            <a:r>
+              <a:rPr lang="en-US" altLang="ko-KR" sz="1200" b="1" i="0" u="none" strike="noStrike" kern="1200" baseline="0" dirty="0" smtClean="0">
+                <a:solidFill>
+                  <a:schemeClr val="tx1"/>
+                </a:solidFill>
+                <a:latin typeface="+mn-lt"/>
+                <a:ea typeface="+mn-ea"/>
+                <a:cs typeface="+mn-cs"/>
+              </a:rPr>
+              <a:t>), deep brain stimulation</a:t>
+            </a:r>
+            <a:r>
+              <a:rPr lang="ko-KR" altLang="en-US" sz="1200" b="1" i="0" u="none" strike="noStrike" kern="1200" baseline="0" dirty="0" smtClean="0">
+                <a:solidFill>
+                  <a:schemeClr val="tx1"/>
+                </a:solidFill>
+                <a:latin typeface="+mn-lt"/>
+                <a:ea typeface="+mn-ea"/>
+                <a:cs typeface="+mn-cs"/>
+              </a:rPr>
+              <a:t>을 시행하기도 한다고 합니다</a:t>
+            </a:r>
+            <a:r>
+              <a:rPr lang="en-US" altLang="ko-KR" sz="1200" b="1" i="0" u="none" strike="noStrike" kern="1200" baseline="0" dirty="0" smtClean="0">
+                <a:solidFill>
+                  <a:schemeClr val="tx1"/>
+                </a:solidFill>
+                <a:latin typeface="+mn-lt"/>
+                <a:ea typeface="+mn-ea"/>
+                <a:cs typeface="+mn-cs"/>
+              </a:rPr>
+              <a:t>. </a:t>
+            </a:r>
+          </a:p>
+          <a:p>
+            <a:endParaRPr lang="en-US" altLang="ko-KR" sz="1200" b="1" i="0" u="none" strike="noStrike" kern="1200" baseline="0" dirty="0" smtClean="0">
+              <a:solidFill>
+                <a:schemeClr val="tx1"/>
+              </a:solidFill>
+              <a:latin typeface="+mn-lt"/>
+              <a:ea typeface="+mn-ea"/>
+              <a:cs typeface="+mn-cs"/>
+            </a:endParaRPr>
+          </a:p>
+          <a:p>
+            <a:r>
+              <a:rPr lang="en-US" altLang="ko-KR" sz="1200" b="1" i="0" u="none" strike="noStrike" kern="1200" baseline="0" dirty="0" smtClean="0">
+                <a:solidFill>
+                  <a:schemeClr val="tx1"/>
+                </a:solidFill>
+                <a:latin typeface="+mn-lt"/>
+                <a:ea typeface="+mn-ea"/>
+                <a:cs typeface="+mn-cs"/>
+              </a:rPr>
+              <a:t>NNT: number needed to treat, placebo</a:t>
+            </a:r>
+            <a:r>
+              <a:rPr lang="ko-KR" altLang="en-US" sz="1200" b="1" i="0" u="none" strike="noStrike" kern="1200" baseline="0" dirty="0" smtClean="0">
+                <a:solidFill>
+                  <a:schemeClr val="tx1"/>
+                </a:solidFill>
+                <a:latin typeface="+mn-lt"/>
+                <a:ea typeface="+mn-ea"/>
+                <a:cs typeface="+mn-cs"/>
+              </a:rPr>
+              <a:t>와 비교하여 </a:t>
+            </a:r>
+            <a:r>
+              <a:rPr lang="en-US" altLang="ko-KR" sz="1200" b="1" i="0" u="none" strike="noStrike" kern="1200" baseline="0" dirty="0" smtClean="0">
+                <a:solidFill>
+                  <a:schemeClr val="tx1"/>
+                </a:solidFill>
+                <a:latin typeface="+mn-lt"/>
+                <a:ea typeface="+mn-ea"/>
+                <a:cs typeface="+mn-cs"/>
+              </a:rPr>
+              <a:t>50%</a:t>
+            </a:r>
+            <a:r>
+              <a:rPr lang="ko-KR" altLang="en-US" sz="1200" b="1" i="0" u="none" strike="noStrike" kern="1200" baseline="0" dirty="0" smtClean="0">
+                <a:solidFill>
+                  <a:schemeClr val="tx1"/>
+                </a:solidFill>
+                <a:latin typeface="+mn-lt"/>
+                <a:ea typeface="+mn-ea"/>
+                <a:cs typeface="+mn-cs"/>
+              </a:rPr>
+              <a:t>이상의 </a:t>
+            </a:r>
+            <a:r>
+              <a:rPr lang="ko-KR" altLang="en-US" sz="1200" b="1" i="0" u="none" strike="noStrike" kern="1200" baseline="0" dirty="0" err="1" smtClean="0">
+                <a:solidFill>
+                  <a:schemeClr val="tx1"/>
+                </a:solidFill>
+                <a:latin typeface="+mn-lt"/>
+                <a:ea typeface="+mn-ea"/>
+                <a:cs typeface="+mn-cs"/>
+              </a:rPr>
+              <a:t>통증감소를</a:t>
+            </a:r>
+            <a:r>
+              <a:rPr lang="ko-KR" altLang="en-US" sz="1200" b="1" i="0" u="none" strike="noStrike" kern="1200" baseline="0" dirty="0" smtClean="0">
+                <a:solidFill>
+                  <a:schemeClr val="tx1"/>
+                </a:solidFill>
+                <a:latin typeface="+mn-lt"/>
+                <a:ea typeface="+mn-ea"/>
+                <a:cs typeface="+mn-cs"/>
+              </a:rPr>
+              <a:t> </a:t>
+            </a:r>
+            <a:r>
+              <a:rPr lang="ko-KR" altLang="en-US" sz="1200" b="1" i="0" u="none" strike="noStrike" kern="1200" baseline="0" dirty="0" err="1" smtClean="0">
+                <a:solidFill>
+                  <a:schemeClr val="tx1"/>
+                </a:solidFill>
+                <a:latin typeface="+mn-lt"/>
+                <a:ea typeface="+mn-ea"/>
+                <a:cs typeface="+mn-cs"/>
+              </a:rPr>
+              <a:t>경험하는데까지</a:t>
+            </a:r>
+            <a:r>
+              <a:rPr lang="ko-KR" altLang="en-US" sz="1200" b="1" i="0" u="none" strike="noStrike" kern="1200" baseline="0" dirty="0" smtClean="0">
+                <a:solidFill>
+                  <a:schemeClr val="tx1"/>
+                </a:solidFill>
+                <a:latin typeface="+mn-lt"/>
+                <a:ea typeface="+mn-ea"/>
+                <a:cs typeface="+mn-cs"/>
+              </a:rPr>
+              <a:t> 필요한 </a:t>
+            </a:r>
+            <a:r>
+              <a:rPr lang="ko-KR" altLang="en-US" sz="1200" b="1" i="0" u="none" strike="noStrike" kern="1200" baseline="0" dirty="0" err="1" smtClean="0">
+                <a:solidFill>
+                  <a:schemeClr val="tx1"/>
+                </a:solidFill>
+                <a:latin typeface="+mn-lt"/>
+                <a:ea typeface="+mn-ea"/>
+                <a:cs typeface="+mn-cs"/>
+              </a:rPr>
+              <a:t>치료횟수</a:t>
+            </a:r>
+            <a:r>
+              <a:rPr lang="ko-KR" altLang="en-US" sz="1200" b="1" i="0" u="none" strike="noStrike" kern="1200" baseline="0" dirty="0" smtClean="0">
+                <a:solidFill>
+                  <a:schemeClr val="tx1"/>
+                </a:solidFill>
+                <a:latin typeface="+mn-lt"/>
+                <a:ea typeface="+mn-ea"/>
+                <a:cs typeface="+mn-cs"/>
+              </a:rPr>
+              <a:t> </a:t>
+            </a:r>
+            <a:endParaRPr lang="en-US" altLang="ko-KR" sz="1200" b="1" i="0" u="none" strike="noStrike" kern="1200" baseline="0" dirty="0" smtClean="0">
+              <a:solidFill>
+                <a:schemeClr val="tx1"/>
+              </a:solidFill>
+              <a:latin typeface="+mn-lt"/>
+              <a:ea typeface="+mn-ea"/>
+              <a:cs typeface="+mn-cs"/>
+            </a:endParaRPr>
+          </a:p>
+          <a:p>
+            <a:endParaRPr lang="en-US" altLang="ko-KR" sz="1200" b="1" i="0" u="none" strike="noStrike" kern="1200" baseline="0" dirty="0" smtClean="0">
+              <a:solidFill>
+                <a:schemeClr val="tx1"/>
+              </a:solidFill>
+              <a:latin typeface="+mn-lt"/>
+              <a:ea typeface="+mn-ea"/>
+              <a:cs typeface="+mn-cs"/>
+            </a:endParaRPr>
+          </a:p>
+          <a:p>
+            <a:r>
+              <a:rPr lang="en-US" altLang="ko-KR" sz="1200" b="1" i="0" u="none" strike="noStrike" kern="1200" baseline="0" dirty="0" smtClean="0">
+                <a:solidFill>
+                  <a:schemeClr val="tx1"/>
+                </a:solidFill>
+                <a:latin typeface="+mn-lt"/>
+                <a:ea typeface="+mn-ea"/>
+                <a:cs typeface="+mn-cs"/>
+              </a:rPr>
+              <a:t>a </a:t>
+            </a:r>
+            <a:r>
+              <a:rPr lang="en-US" altLang="ko-KR" sz="1200" b="0" i="0" u="none" strike="noStrike" kern="1200" baseline="0" dirty="0" smtClean="0">
+                <a:solidFill>
+                  <a:schemeClr val="tx1"/>
+                </a:solidFill>
+                <a:latin typeface="+mn-lt"/>
+                <a:ea typeface="+mn-ea"/>
+                <a:cs typeface="+mn-cs"/>
+              </a:rPr>
+              <a:t>| Spinal cord stimulation traditionally applies a monophasic square-wave pulse (at a frequency in the 30–100 Hz range) that results in </a:t>
+            </a:r>
+            <a:r>
+              <a:rPr lang="en-US" altLang="ko-KR" sz="1200" b="0" i="0" u="none" strike="noStrike" kern="1200" baseline="0" dirty="0" err="1" smtClean="0">
+                <a:solidFill>
+                  <a:schemeClr val="tx1"/>
+                </a:solidFill>
+                <a:latin typeface="+mn-lt"/>
+                <a:ea typeface="+mn-ea"/>
+                <a:cs typeface="+mn-cs"/>
+              </a:rPr>
+              <a:t>paraesthesia</a:t>
+            </a:r>
+            <a:r>
+              <a:rPr lang="en-US" altLang="ko-KR" sz="1200" b="0" i="0" u="none" strike="noStrike" kern="1200" baseline="0" dirty="0" smtClean="0">
+                <a:solidFill>
+                  <a:schemeClr val="tx1"/>
+                </a:solidFill>
+                <a:latin typeface="+mn-lt"/>
+                <a:ea typeface="+mn-ea"/>
+                <a:cs typeface="+mn-cs"/>
+              </a:rPr>
+              <a:t> in the painful region. </a:t>
+            </a:r>
+          </a:p>
+          <a:p>
+            <a:endParaRPr lang="en-US" altLang="ko-KR" sz="1200" b="0" i="0" u="none" strike="noStrike" kern="1200" baseline="0" dirty="0" smtClean="0">
+              <a:solidFill>
+                <a:schemeClr val="tx1"/>
+              </a:solidFill>
+              <a:latin typeface="+mn-lt"/>
+              <a:ea typeface="+mn-ea"/>
+              <a:cs typeface="+mn-cs"/>
+            </a:endParaRPr>
+          </a:p>
+          <a:p>
+            <a:r>
+              <a:rPr lang="en-US" altLang="ko-KR" sz="1200" b="1" i="0" u="none" strike="noStrike" kern="1200" baseline="0" dirty="0" smtClean="0">
+                <a:solidFill>
+                  <a:schemeClr val="tx1"/>
+                </a:solidFill>
+                <a:latin typeface="+mn-lt"/>
+                <a:ea typeface="+mn-ea"/>
+                <a:cs typeface="+mn-cs"/>
+              </a:rPr>
+              <a:t>b </a:t>
+            </a:r>
+            <a:r>
+              <a:rPr lang="en-US" altLang="ko-KR" sz="1200" b="0" i="0" u="none" strike="noStrike" kern="1200" baseline="0" dirty="0" smtClean="0">
+                <a:solidFill>
+                  <a:schemeClr val="tx1"/>
+                </a:solidFill>
+                <a:latin typeface="+mn-lt"/>
+                <a:ea typeface="+mn-ea"/>
+                <a:cs typeface="+mn-cs"/>
+              </a:rPr>
+              <a:t>| Cortical stimulation involves the stimulation of the pre-central motor cortex below the motor threshold using either invasive epidural or transcranial non-invasive techniques (such as repetitive transcranial magnetic stimulation (TMS) and transcranial direct current stimulation). </a:t>
+            </a:r>
+          </a:p>
+          <a:p>
+            <a:endParaRPr lang="en-US" altLang="ko-KR" sz="1200" b="0" i="0" u="none" strike="noStrike" kern="1200" baseline="0" dirty="0" smtClean="0">
+              <a:solidFill>
+                <a:schemeClr val="tx1"/>
+              </a:solidFill>
+              <a:latin typeface="+mn-lt"/>
+              <a:ea typeface="+mn-ea"/>
+              <a:cs typeface="+mn-cs"/>
+            </a:endParaRPr>
+          </a:p>
+          <a:p>
+            <a:r>
+              <a:rPr lang="en-US" altLang="ko-KR" sz="1200" b="1" i="0" u="none" strike="noStrike" kern="1200" baseline="0" dirty="0" smtClean="0">
+                <a:solidFill>
+                  <a:schemeClr val="tx1"/>
+                </a:solidFill>
+                <a:latin typeface="+mn-lt"/>
+                <a:ea typeface="+mn-ea"/>
+                <a:cs typeface="+mn-cs"/>
+              </a:rPr>
+              <a:t>c </a:t>
+            </a:r>
+            <a:r>
+              <a:rPr lang="en-US" altLang="ko-KR" sz="1200" b="0" i="0" u="none" strike="noStrike" kern="1200" baseline="0" dirty="0" smtClean="0">
+                <a:solidFill>
+                  <a:schemeClr val="tx1"/>
+                </a:solidFill>
+                <a:latin typeface="+mn-lt"/>
+                <a:ea typeface="+mn-ea"/>
+                <a:cs typeface="+mn-cs"/>
+              </a:rPr>
+              <a:t>| Deep brain stimulation uses high-frequency chronic intracranial stimulation of the internal capsule, various nuclei in the sensory thalamus, periaqueductal and periventricular grey, motor cortex, septum, nucleus </a:t>
+            </a:r>
+            <a:r>
+              <a:rPr lang="en-US" altLang="ko-KR" sz="1200" b="0" i="0" u="none" strike="noStrike" kern="1200" baseline="0" dirty="0" err="1" smtClean="0">
+                <a:solidFill>
+                  <a:schemeClr val="tx1"/>
+                </a:solidFill>
+                <a:latin typeface="+mn-lt"/>
+                <a:ea typeface="+mn-ea"/>
+                <a:cs typeface="+mn-cs"/>
+              </a:rPr>
+              <a:t>accumbens</a:t>
+            </a:r>
+            <a:r>
+              <a:rPr lang="en-US" altLang="ko-KR" sz="1200" b="0" i="0" u="none" strike="noStrike" kern="1200" baseline="0" dirty="0" smtClean="0">
+                <a:solidFill>
+                  <a:schemeClr val="tx1"/>
+                </a:solidFill>
+                <a:latin typeface="+mn-lt"/>
+                <a:ea typeface="+mn-ea"/>
+                <a:cs typeface="+mn-cs"/>
+              </a:rPr>
+              <a:t>, posterior hypothalamus and anterior cingulate cortex as potential brain targets for pain control. </a:t>
+            </a:r>
+          </a:p>
+          <a:p>
+            <a:endParaRPr lang="en-US" altLang="ko-KR" sz="1200" b="0" i="0" u="none" strike="noStrike" kern="1200" baseline="0" dirty="0" smtClean="0">
+              <a:solidFill>
+                <a:schemeClr val="tx1"/>
+              </a:solidFill>
+              <a:latin typeface="+mn-lt"/>
+              <a:ea typeface="+mn-ea"/>
+              <a:cs typeface="+mn-cs"/>
+            </a:endParaRPr>
+          </a:p>
+          <a:p>
+            <a:r>
+              <a:rPr lang="en-US" altLang="ko-KR" sz="1200" b="1" i="0" u="none" strike="noStrike" kern="1200" baseline="0" dirty="0" smtClean="0">
+                <a:solidFill>
+                  <a:schemeClr val="tx1"/>
+                </a:solidFill>
+                <a:latin typeface="+mn-lt"/>
+                <a:ea typeface="+mn-ea"/>
+                <a:cs typeface="+mn-cs"/>
+              </a:rPr>
+              <a:t>d </a:t>
+            </a:r>
+            <a:r>
+              <a:rPr lang="en-US" altLang="ko-KR" sz="1200" b="0" i="0" u="none" strike="noStrike" kern="1200" baseline="0" dirty="0" smtClean="0">
+                <a:solidFill>
+                  <a:schemeClr val="tx1"/>
+                </a:solidFill>
+                <a:latin typeface="+mn-lt"/>
+                <a:ea typeface="+mn-ea"/>
+                <a:cs typeface="+mn-cs"/>
+              </a:rPr>
+              <a:t>| Intrathecal treatments provide a targeted drug delivery option in patients with severe and otherwise refractory chronic pain. The pumps can be refilled through an opening at the skin surface. </a:t>
+            </a:r>
+            <a:endParaRPr lang="ko-KR" altLang="en-US" dirty="0" smtClean="0"/>
+          </a:p>
+          <a:p>
+            <a:endParaRPr lang="ko-KR" altLang="en-US" dirty="0"/>
+          </a:p>
+        </p:txBody>
+      </p:sp>
+      <p:sp>
+        <p:nvSpPr>
+          <p:cNvPr id="4" name="슬라이드 번호 개체 틀 3"/>
+          <p:cNvSpPr>
+            <a:spLocks noGrp="1"/>
+          </p:cNvSpPr>
+          <p:nvPr>
+            <p:ph type="sldNum" sz="quarter" idx="10"/>
+          </p:nvPr>
+        </p:nvSpPr>
+        <p:spPr/>
+        <p:txBody>
+          <a:bodyPr/>
+          <a:lstStyle/>
+          <a:p>
+            <a:fld id="{BBAA4D1B-A90B-4163-BF9D-AF53B78ADDD3}" type="slidenum">
+              <a:rPr lang="ko-KR" altLang="en-US" smtClean="0"/>
+              <a:t>13</a:t>
+            </a:fld>
+            <a:endParaRPr lang="ko-KR" altLang="en-US"/>
+          </a:p>
+        </p:txBody>
+      </p:sp>
+    </p:spTree>
+    <p:extLst>
+      <p:ext uri="{BB962C8B-B14F-4D97-AF65-F5344CB8AC3E}">
+        <p14:creationId xmlns:p14="http://schemas.microsoft.com/office/powerpoint/2010/main" val="935586618"/>
       </p:ext>
     </p:extLst>
   </p:cSld>
@@ -852,7 +4971,7 @@
           <a:p>
             <a:fld id="{11CF987C-FD17-4394-9A4F-BE2D66BE4DDF}" type="datetimeFigureOut">
               <a:rPr lang="ko-KR" altLang="en-US" smtClean="0"/>
-              <a:t>2021-10-29</a:t>
+              <a:t>2021-10-31</a:t>
             </a:fld>
             <a:endParaRPr lang="ko-KR" altLang="en-US"/>
           </a:p>
@@ -1029,7 +5148,7 @@
           <a:p>
             <a:fld id="{11CF987C-FD17-4394-9A4F-BE2D66BE4DDF}" type="datetimeFigureOut">
               <a:rPr lang="ko-KR" altLang="en-US" smtClean="0"/>
-              <a:t>2021-10-29</a:t>
+              <a:t>2021-10-31</a:t>
             </a:fld>
             <a:endParaRPr lang="ko-KR" altLang="en-US"/>
           </a:p>
@@ -1209,7 +5328,7 @@
           <a:p>
             <a:fld id="{11CF987C-FD17-4394-9A4F-BE2D66BE4DDF}" type="datetimeFigureOut">
               <a:rPr lang="ko-KR" altLang="en-US" smtClean="0"/>
-              <a:t>2021-10-29</a:t>
+              <a:t>2021-10-31</a:t>
             </a:fld>
             <a:endParaRPr lang="ko-KR" altLang="en-US"/>
           </a:p>
@@ -1333,42 +5452,81 @@
         </p:spPr>
         <p:txBody>
           <a:bodyPr/>
-          <a:lstStyle/>
+          <a:lstStyle>
+            <a:lvl1pPr>
+              <a:lnSpc>
+                <a:spcPct val="150000"/>
+              </a:lnSpc>
+              <a:defRPr/>
+            </a:lvl1pPr>
+            <a:lvl2pPr marL="685800" indent="-228600">
+              <a:lnSpc>
+                <a:spcPct val="150000"/>
+              </a:lnSpc>
+              <a:buFont typeface="Wingdings" panose="05000000000000000000" pitchFamily="2" charset="2"/>
+              <a:buChar char="ü"/>
+              <a:defRPr/>
+            </a:lvl2pPr>
+            <a:lvl3pPr marL="1143000" indent="-228600">
+              <a:lnSpc>
+                <a:spcPct val="150000"/>
+              </a:lnSpc>
+              <a:buFont typeface="Wingdings" panose="05000000000000000000" pitchFamily="2" charset="2"/>
+              <a:buChar char="Ø"/>
+              <a:defRPr/>
+            </a:lvl3pPr>
+            <a:lvl4pPr marL="1600200" indent="-228600">
+              <a:lnSpc>
+                <a:spcPct val="150000"/>
+              </a:lnSpc>
+              <a:buFont typeface="Wingdings" panose="05000000000000000000" pitchFamily="2" charset="2"/>
+              <a:buChar char="Ø"/>
+              <a:defRPr/>
+            </a:lvl4pPr>
+            <a:lvl5pPr marL="2057400" indent="-228600">
+              <a:lnSpc>
+                <a:spcPct val="150000"/>
+              </a:lnSpc>
+              <a:buFont typeface="Wingdings" panose="05000000000000000000" pitchFamily="2" charset="2"/>
+              <a:buChar char="Ø"/>
+              <a:defRPr/>
+            </a:lvl5pPr>
+          </a:lstStyle>
           <a:p>
             <a:pPr lvl="0"/>
             <a:r>
-              <a:rPr lang="ko-KR" altLang="en-US" smtClean="0"/>
+              <a:rPr lang="ko-KR" altLang="en-US" dirty="0" smtClean="0"/>
               <a:t>마스터 텍스트 스타일 편집</a:t>
             </a:r>
           </a:p>
           <a:p>
             <a:pPr lvl="1"/>
             <a:r>
-              <a:rPr lang="ko-KR" altLang="en-US" smtClean="0"/>
+              <a:rPr lang="ko-KR" altLang="en-US" dirty="0" smtClean="0"/>
               <a:t>둘째 수준</a:t>
             </a:r>
           </a:p>
           <a:p>
             <a:pPr lvl="2"/>
             <a:r>
-              <a:rPr lang="ko-KR" altLang="en-US" smtClean="0"/>
+              <a:rPr lang="ko-KR" altLang="en-US" dirty="0" smtClean="0"/>
               <a:t>셋째 수준</a:t>
             </a:r>
           </a:p>
           <a:p>
             <a:pPr lvl="3"/>
             <a:r>
-              <a:rPr lang="ko-KR" altLang="en-US" smtClean="0"/>
+              <a:rPr lang="ko-KR" altLang="en-US" dirty="0" smtClean="0"/>
               <a:t>넷째 수준</a:t>
             </a:r>
           </a:p>
           <a:p>
             <a:pPr lvl="4"/>
             <a:r>
-              <a:rPr lang="ko-KR" altLang="en-US" smtClean="0"/>
+              <a:rPr lang="ko-KR" altLang="en-US" dirty="0" smtClean="0"/>
               <a:t>다섯째 수준</a:t>
             </a:r>
-            <a:endParaRPr lang="ko-KR" altLang="en-US"/>
+            <a:endParaRPr lang="ko-KR" altLang="en-US" dirty="0"/>
           </a:p>
         </p:txBody>
       </p:sp>
@@ -1382,6 +5540,13 @@
   <p:clrMapOvr>
     <a:masterClrMapping/>
   </p:clrMapOvr>
+  <p:timing>
+    <p:tnLst>
+      <p:par>
+        <p:cTn id="1" dur="indefinite" restart="never" nodeType="tmRoot"/>
+      </p:par>
+    </p:tnLst>
+  </p:timing>
 </p:sldLayout>
 </file>
 
@@ -1427,10 +5592,10 @@
           </a:lstStyle>
           <a:p>
             <a:r>
-              <a:rPr lang="ko-KR" altLang="en-US" smtClean="0"/>
+              <a:rPr lang="ko-KR" altLang="en-US" dirty="0" smtClean="0"/>
               <a:t>마스터 제목 스타일 편집</a:t>
             </a:r>
-            <a:endParaRPr lang="ko-KR" altLang="en-US"/>
+            <a:endParaRPr lang="ko-KR" altLang="en-US" dirty="0"/>
           </a:p>
         </p:txBody>
       </p:sp>
@@ -1570,7 +5735,7 @@
           <a:p>
             <a:fld id="{11CF987C-FD17-4394-9A4F-BE2D66BE4DDF}" type="datetimeFigureOut">
               <a:rPr lang="ko-KR" altLang="en-US" smtClean="0"/>
-              <a:t>2021-10-29</a:t>
+              <a:t>2021-10-31</a:t>
             </a:fld>
             <a:endParaRPr lang="ko-KR" altLang="en-US"/>
           </a:p>
@@ -1628,6 +5793,13 @@
   <p:clrMapOvr>
     <a:masterClrMapping/>
   </p:clrMapOvr>
+  <p:timing>
+    <p:tnLst>
+      <p:par>
+        <p:cTn id="1" dur="indefinite" restart="never" nodeType="tmRoot"/>
+      </p:par>
+    </p:tnLst>
+  </p:timing>
 </p:sldLayout>
 </file>
 
@@ -1802,7 +5974,7 @@
           <a:p>
             <a:fld id="{11CF987C-FD17-4394-9A4F-BE2D66BE4DDF}" type="datetimeFigureOut">
               <a:rPr lang="ko-KR" altLang="en-US" smtClean="0"/>
-              <a:t>2021-10-29</a:t>
+              <a:t>2021-10-31</a:t>
             </a:fld>
             <a:endParaRPr lang="ko-KR" altLang="en-US"/>
           </a:p>
@@ -1860,6 +6032,13 @@
   <p:clrMapOvr>
     <a:masterClrMapping/>
   </p:clrMapOvr>
+  <p:timing>
+    <p:tnLst>
+      <p:par>
+        <p:cTn id="1" dur="indefinite" restart="never" nodeType="tmRoot"/>
+      </p:par>
+    </p:tnLst>
+  </p:timing>
 </p:sldLayout>
 </file>
 
@@ -2169,7 +6348,7 @@
           <a:p>
             <a:fld id="{11CF987C-FD17-4394-9A4F-BE2D66BE4DDF}" type="datetimeFigureOut">
               <a:rPr lang="ko-KR" altLang="en-US" smtClean="0"/>
-              <a:t>2021-10-29</a:t>
+              <a:t>2021-10-31</a:t>
             </a:fld>
             <a:endParaRPr lang="ko-KR" altLang="en-US"/>
           </a:p>
@@ -2227,6 +6406,13 @@
   <p:clrMapOvr>
     <a:masterClrMapping/>
   </p:clrMapOvr>
+  <p:timing>
+    <p:tnLst>
+      <p:par>
+        <p:cTn id="1" dur="indefinite" restart="never" nodeType="tmRoot"/>
+      </p:par>
+    </p:tnLst>
+  </p:timing>
 </p:sldLayout>
 </file>
 
@@ -2287,7 +6473,7 @@
           <a:p>
             <a:fld id="{11CF987C-FD17-4394-9A4F-BE2D66BE4DDF}" type="datetimeFigureOut">
               <a:rPr lang="ko-KR" altLang="en-US" smtClean="0"/>
-              <a:t>2021-10-29</a:t>
+              <a:t>2021-10-31</a:t>
             </a:fld>
             <a:endParaRPr lang="ko-KR" altLang="en-US"/>
           </a:p>
@@ -2345,6 +6531,13 @@
   <p:clrMapOvr>
     <a:masterClrMapping/>
   </p:clrMapOvr>
+  <p:timing>
+    <p:tnLst>
+      <p:par>
+        <p:cTn id="1" dur="indefinite" restart="never" nodeType="tmRoot"/>
+      </p:par>
+    </p:tnLst>
+  </p:timing>
 </p:sldLayout>
 </file>
 
@@ -2382,7 +6575,7 @@
           <a:p>
             <a:fld id="{11CF987C-FD17-4394-9A4F-BE2D66BE4DDF}" type="datetimeFigureOut">
               <a:rPr lang="ko-KR" altLang="en-US" smtClean="0"/>
-              <a:t>2021-10-29</a:t>
+              <a:t>2021-10-31</a:t>
             </a:fld>
             <a:endParaRPr lang="ko-KR" altLang="en-US"/>
           </a:p>
@@ -2440,6 +6633,13 @@
   <p:clrMapOvr>
     <a:masterClrMapping/>
   </p:clrMapOvr>
+  <p:timing>
+    <p:tnLst>
+      <p:par>
+        <p:cTn id="1" dur="indefinite" restart="never" nodeType="tmRoot"/>
+      </p:par>
+    </p:tnLst>
+  </p:timing>
 </p:sldLayout>
 </file>
 
@@ -2659,7 +6859,7 @@
           <a:p>
             <a:fld id="{11CF987C-FD17-4394-9A4F-BE2D66BE4DDF}" type="datetimeFigureOut">
               <a:rPr lang="ko-KR" altLang="en-US" smtClean="0"/>
-              <a:t>2021-10-29</a:t>
+              <a:t>2021-10-31</a:t>
             </a:fld>
             <a:endParaRPr lang="ko-KR" altLang="en-US"/>
           </a:p>
@@ -2916,7 +7116,7 @@
           <a:p>
             <a:fld id="{11CF987C-FD17-4394-9A4F-BE2D66BE4DDF}" type="datetimeFigureOut">
               <a:rPr lang="ko-KR" altLang="en-US" smtClean="0"/>
-              <a:t>2021-10-29</a:t>
+              <a:t>2021-10-31</a:t>
             </a:fld>
             <a:endParaRPr lang="ko-KR" altLang="en-US"/>
           </a:p>
@@ -3155,7 +7355,7 @@
           <a:p>
             <a:fld id="{11CF987C-FD17-4394-9A4F-BE2D66BE4DDF}" type="datetimeFigureOut">
               <a:rPr lang="ko-KR" altLang="en-US" smtClean="0"/>
-              <a:t>2021-10-29</a:t>
+              <a:t>2021-10-31</a:t>
             </a:fld>
             <a:endParaRPr lang="ko-KR" altLang="en-US"/>
           </a:p>
@@ -3590,8 +7790,23 @@
           <a:lstStyle/>
           <a:p>
             <a:r>
+              <a:rPr lang="en-US" altLang="ko-KR" dirty="0" smtClean="0"/>
+              <a:t>2021</a:t>
+            </a:r>
+            <a:r>
               <a:rPr lang="ko-KR" altLang="en-US" dirty="0" smtClean="0"/>
-              <a:t>노원을지대학교 병원 개원의 </a:t>
+              <a:t>년 을지대학교 을지병원 </a:t>
+            </a:r>
+            <a:r>
+              <a:rPr lang="en-US" altLang="ko-KR" dirty="0" smtClean="0"/>
+              <a:t/>
+            </a:r>
+            <a:br>
+              <a:rPr lang="en-US" altLang="ko-KR" dirty="0" smtClean="0"/>
+            </a:br>
+            <a:r>
+              <a:rPr lang="ko-KR" altLang="en-US" dirty="0" smtClean="0"/>
+              <a:t>신경과 </a:t>
             </a:r>
             <a:r>
               <a:rPr lang="ko-KR" altLang="en-US" dirty="0" err="1" smtClean="0"/>
@@ -3666,6 +7881,13 @@
   <p:clrMapOvr>
     <a:masterClrMapping/>
   </p:clrMapOvr>
+  <p:timing>
+    <p:tnLst>
+      <p:par>
+        <p:cTn id="1" dur="indefinite" restart="never" nodeType="tmRoot"/>
+      </p:par>
+    </p:tnLst>
+  </p:timing>
 </p:sld>
 </file>
 
@@ -3701,7 +7923,11 @@
           <a:bodyPr/>
           <a:lstStyle/>
           <a:p>
-            <a:endParaRPr lang="ko-KR" altLang="en-US"/>
+            <a:r>
+              <a:rPr lang="en-US" altLang="ko-KR" dirty="0" err="1" smtClean="0"/>
+              <a:t>PainDETECT</a:t>
+            </a:r>
+            <a:endParaRPr lang="ko-KR" altLang="en-US" dirty="0"/>
           </a:p>
         </p:txBody>
       </p:sp>
@@ -3724,6 +7950,528 @@
           </a:p>
         </p:txBody>
       </p:sp>
+      <p:pic>
+        <p:nvPicPr>
+          <p:cNvPr id="4" name="그림 3"/>
+          <p:cNvPicPr>
+            <a:picLocks noChangeAspect="1"/>
+          </p:cNvPicPr>
+          <p:nvPr/>
+        </p:nvPicPr>
+        <p:blipFill>
+          <a:blip r:embed="rId2"/>
+          <a:stretch>
+            <a:fillRect/>
+          </a:stretch>
+        </p:blipFill>
+        <p:spPr>
+          <a:xfrm>
+            <a:off x="4024875" y="1206500"/>
+            <a:ext cx="3357562" cy="5651500"/>
+          </a:xfrm>
+          <a:prstGeom prst="rect">
+            <a:avLst/>
+          </a:prstGeom>
+        </p:spPr>
+      </p:pic>
+    </p:spTree>
+    <p:extLst>
+      <p:ext uri="{BB962C8B-B14F-4D97-AF65-F5344CB8AC3E}">
+        <p14:creationId xmlns:p14="http://schemas.microsoft.com/office/powerpoint/2010/main" val="2659117567"/>
+      </p:ext>
+    </p:extLst>
+  </p:cSld>
+  <p:clrMapOvr>
+    <a:masterClrMapping/>
+  </p:clrMapOvr>
+</p:sld>
+</file>
+
+<file path=ppt/slides/slide11.xml><?xml version="1.0" encoding="utf-8"?>
+<p:sld xmlns:a="http://schemas.openxmlformats.org/drawingml/2006/main" xmlns:r="http://schemas.openxmlformats.org/officeDocument/2006/relationships" xmlns:p="http://schemas.openxmlformats.org/presentationml/2006/main">
+  <p:cSld>
+    <p:spTree>
+      <p:nvGrpSpPr>
+        <p:cNvPr id="1" name=""/>
+        <p:cNvGrpSpPr/>
+        <p:nvPr/>
+      </p:nvGrpSpPr>
+      <p:grpSpPr>
+        <a:xfrm>
+          <a:off x="0" y="0"/>
+          <a:ext cx="0" cy="0"/>
+          <a:chOff x="0" y="0"/>
+          <a:chExt cx="0" cy="0"/>
+        </a:xfrm>
+      </p:grpSpPr>
+      <p:sp>
+        <p:nvSpPr>
+          <p:cNvPr id="2" name="제목 1"/>
+          <p:cNvSpPr>
+            <a:spLocks noGrp="1"/>
+          </p:cNvSpPr>
+          <p:nvPr>
+            <p:ph type="title"/>
+          </p:nvPr>
+        </p:nvSpPr>
+        <p:spPr/>
+        <p:txBody>
+          <a:bodyPr/>
+          <a:lstStyle/>
+          <a:p>
+            <a:r>
+              <a:rPr lang="en-US" altLang="ko-KR" dirty="0" smtClean="0"/>
+              <a:t>Pathophysiology </a:t>
+            </a:r>
+            <a:endParaRPr lang="ko-KR" altLang="en-US" dirty="0"/>
+          </a:p>
+        </p:txBody>
+      </p:sp>
+      <p:sp>
+        <p:nvSpPr>
+          <p:cNvPr id="3" name="내용 개체 틀 2"/>
+          <p:cNvSpPr>
+            <a:spLocks noGrp="1"/>
+          </p:cNvSpPr>
+          <p:nvPr>
+            <p:ph idx="1"/>
+          </p:nvPr>
+        </p:nvSpPr>
+        <p:spPr/>
+        <p:txBody>
+          <a:bodyPr/>
+          <a:lstStyle/>
+          <a:p>
+            <a:endParaRPr lang="ko-KR" altLang="en-US" dirty="0"/>
+          </a:p>
+        </p:txBody>
+      </p:sp>
+      <p:grpSp>
+        <p:nvGrpSpPr>
+          <p:cNvPr id="4" name="그룹 3"/>
+          <p:cNvGrpSpPr/>
+          <p:nvPr/>
+        </p:nvGrpSpPr>
+        <p:grpSpPr>
+          <a:xfrm>
+            <a:off x="2609681" y="1032990"/>
+            <a:ext cx="9582319" cy="5825010"/>
+            <a:chOff x="2609681" y="1032990"/>
+            <a:chExt cx="9582319" cy="5825010"/>
+          </a:xfrm>
+        </p:grpSpPr>
+        <p:pic>
+          <p:nvPicPr>
+            <p:cNvPr id="5" name="그림 4"/>
+            <p:cNvPicPr>
+              <a:picLocks noChangeAspect="1"/>
+            </p:cNvPicPr>
+            <p:nvPr/>
+          </p:nvPicPr>
+          <p:blipFill>
+            <a:blip r:embed="rId3"/>
+            <a:stretch>
+              <a:fillRect/>
+            </a:stretch>
+          </p:blipFill>
+          <p:spPr>
+            <a:xfrm>
+              <a:off x="2609681" y="1032990"/>
+              <a:ext cx="7077834" cy="5455678"/>
+            </a:xfrm>
+            <a:prstGeom prst="rect">
+              <a:avLst/>
+            </a:prstGeom>
+          </p:spPr>
+        </p:pic>
+        <p:sp>
+          <p:nvSpPr>
+            <p:cNvPr id="6" name="TextBox 5"/>
+            <p:cNvSpPr txBox="1"/>
+            <p:nvPr/>
+          </p:nvSpPr>
+          <p:spPr>
+            <a:xfrm>
+              <a:off x="9457189" y="6488668"/>
+              <a:ext cx="2734811" cy="369332"/>
+            </a:xfrm>
+            <a:prstGeom prst="rect">
+              <a:avLst/>
+            </a:prstGeom>
+            <a:noFill/>
+          </p:spPr>
+          <p:txBody>
+            <a:bodyPr wrap="square" rtlCol="0">
+              <a:spAutoFit/>
+            </a:bodyPr>
+            <a:lstStyle/>
+            <a:p>
+              <a:r>
+                <a:rPr lang="en-US" altLang="ko-KR" dirty="0" err="1"/>
+                <a:t>Luana</a:t>
+              </a:r>
+              <a:r>
+                <a:rPr lang="en-US" altLang="ko-KR" dirty="0"/>
+                <a:t> </a:t>
+              </a:r>
+              <a:r>
+                <a:rPr lang="en-US" altLang="ko-KR" dirty="0" err="1" smtClean="0"/>
+                <a:t>Colloca</a:t>
+              </a:r>
+              <a:r>
+                <a:rPr lang="en-US" altLang="ko-KR" dirty="0" smtClean="0"/>
+                <a:t> et al., 2017</a:t>
+              </a:r>
+              <a:endParaRPr lang="ko-KR" altLang="en-US" dirty="0"/>
+            </a:p>
+          </p:txBody>
+        </p:sp>
+      </p:grpSp>
+    </p:spTree>
+    <p:extLst>
+      <p:ext uri="{BB962C8B-B14F-4D97-AF65-F5344CB8AC3E}">
+        <p14:creationId xmlns:p14="http://schemas.microsoft.com/office/powerpoint/2010/main" val="71544329"/>
+      </p:ext>
+    </p:extLst>
+  </p:cSld>
+  <p:clrMapOvr>
+    <a:masterClrMapping/>
+  </p:clrMapOvr>
+</p:sld>
+</file>
+
+<file path=ppt/slides/slide12.xml><?xml version="1.0" encoding="utf-8"?>
+<p:sld xmlns:a="http://schemas.openxmlformats.org/drawingml/2006/main" xmlns:r="http://schemas.openxmlformats.org/officeDocument/2006/relationships" xmlns:p="http://schemas.openxmlformats.org/presentationml/2006/main">
+  <p:cSld>
+    <p:spTree>
+      <p:nvGrpSpPr>
+        <p:cNvPr id="1" name=""/>
+        <p:cNvGrpSpPr/>
+        <p:nvPr/>
+      </p:nvGrpSpPr>
+      <p:grpSpPr>
+        <a:xfrm>
+          <a:off x="0" y="0"/>
+          <a:ext cx="0" cy="0"/>
+          <a:chOff x="0" y="0"/>
+          <a:chExt cx="0" cy="0"/>
+        </a:xfrm>
+      </p:grpSpPr>
+      <p:sp>
+        <p:nvSpPr>
+          <p:cNvPr id="2" name="제목 1"/>
+          <p:cNvSpPr>
+            <a:spLocks noGrp="1"/>
+          </p:cNvSpPr>
+          <p:nvPr>
+            <p:ph type="title"/>
+          </p:nvPr>
+        </p:nvSpPr>
+        <p:spPr/>
+        <p:txBody>
+          <a:bodyPr/>
+          <a:lstStyle/>
+          <a:p>
+            <a:r>
+              <a:rPr lang="en-US" altLang="ko-KR" dirty="0" smtClean="0"/>
+              <a:t>Approach to the patient with neuropathic pain  </a:t>
+            </a:r>
+            <a:endParaRPr lang="ko-KR" altLang="en-US" dirty="0"/>
+          </a:p>
+        </p:txBody>
+      </p:sp>
+      <p:sp>
+        <p:nvSpPr>
+          <p:cNvPr id="3" name="내용 개체 틀 2"/>
+          <p:cNvSpPr>
+            <a:spLocks noGrp="1"/>
+          </p:cNvSpPr>
+          <p:nvPr>
+            <p:ph idx="1"/>
+          </p:nvPr>
+        </p:nvSpPr>
+        <p:spPr/>
+        <p:txBody>
+          <a:bodyPr/>
+          <a:lstStyle/>
+          <a:p>
+            <a:endParaRPr lang="ko-KR" altLang="en-US"/>
+          </a:p>
+        </p:txBody>
+      </p:sp>
+      <p:grpSp>
+        <p:nvGrpSpPr>
+          <p:cNvPr id="4" name="그룹 3"/>
+          <p:cNvGrpSpPr/>
+          <p:nvPr/>
+        </p:nvGrpSpPr>
+        <p:grpSpPr>
+          <a:xfrm>
+            <a:off x="100420" y="1339232"/>
+            <a:ext cx="12091580" cy="5518768"/>
+            <a:chOff x="100420" y="918447"/>
+            <a:chExt cx="12091580" cy="5939553"/>
+          </a:xfrm>
+        </p:grpSpPr>
+        <p:pic>
+          <p:nvPicPr>
+            <p:cNvPr id="5" name="그림 4"/>
+            <p:cNvPicPr>
+              <a:picLocks noChangeAspect="1"/>
+            </p:cNvPicPr>
+            <p:nvPr/>
+          </p:nvPicPr>
+          <p:blipFill>
+            <a:blip r:embed="rId2"/>
+            <a:stretch>
+              <a:fillRect/>
+            </a:stretch>
+          </p:blipFill>
+          <p:spPr>
+            <a:xfrm>
+              <a:off x="100420" y="918447"/>
+              <a:ext cx="11821227" cy="5628010"/>
+            </a:xfrm>
+            <a:prstGeom prst="rect">
+              <a:avLst/>
+            </a:prstGeom>
+          </p:spPr>
+        </p:pic>
+        <p:sp>
+          <p:nvSpPr>
+            <p:cNvPr id="6" name="TextBox 5"/>
+            <p:cNvSpPr txBox="1"/>
+            <p:nvPr/>
+          </p:nvSpPr>
+          <p:spPr>
+            <a:xfrm>
+              <a:off x="9457189" y="6488668"/>
+              <a:ext cx="2734811" cy="369332"/>
+            </a:xfrm>
+            <a:prstGeom prst="rect">
+              <a:avLst/>
+            </a:prstGeom>
+            <a:noFill/>
+          </p:spPr>
+          <p:txBody>
+            <a:bodyPr wrap="square" rtlCol="0">
+              <a:spAutoFit/>
+            </a:bodyPr>
+            <a:lstStyle/>
+            <a:p>
+              <a:r>
+                <a:rPr lang="en-US" altLang="ko-KR" dirty="0" err="1"/>
+                <a:t>Luana</a:t>
+              </a:r>
+              <a:r>
+                <a:rPr lang="en-US" altLang="ko-KR" dirty="0"/>
+                <a:t> </a:t>
+              </a:r>
+              <a:r>
+                <a:rPr lang="en-US" altLang="ko-KR" dirty="0" err="1" smtClean="0"/>
+                <a:t>Colloca</a:t>
+              </a:r>
+              <a:r>
+                <a:rPr lang="en-US" altLang="ko-KR" dirty="0" smtClean="0"/>
+                <a:t> et al., 2017</a:t>
+              </a:r>
+              <a:endParaRPr lang="ko-KR" altLang="en-US" dirty="0"/>
+            </a:p>
+          </p:txBody>
+        </p:sp>
+      </p:grpSp>
+    </p:spTree>
+    <p:extLst>
+      <p:ext uri="{BB962C8B-B14F-4D97-AF65-F5344CB8AC3E}">
+        <p14:creationId xmlns:p14="http://schemas.microsoft.com/office/powerpoint/2010/main" val="3499569421"/>
+      </p:ext>
+    </p:extLst>
+  </p:cSld>
+  <p:clrMapOvr>
+    <a:masterClrMapping/>
+  </p:clrMapOvr>
+</p:sld>
+</file>
+
+<file path=ppt/slides/slide13.xml><?xml version="1.0" encoding="utf-8"?>
+<p:sld xmlns:a="http://schemas.openxmlformats.org/drawingml/2006/main" xmlns:r="http://schemas.openxmlformats.org/officeDocument/2006/relationships" xmlns:p="http://schemas.openxmlformats.org/presentationml/2006/main">
+  <p:cSld>
+    <p:spTree>
+      <p:nvGrpSpPr>
+        <p:cNvPr id="1" name=""/>
+        <p:cNvGrpSpPr/>
+        <p:nvPr/>
+      </p:nvGrpSpPr>
+      <p:grpSpPr>
+        <a:xfrm>
+          <a:off x="0" y="0"/>
+          <a:ext cx="0" cy="0"/>
+          <a:chOff x="0" y="0"/>
+          <a:chExt cx="0" cy="0"/>
+        </a:xfrm>
+      </p:grpSpPr>
+      <p:sp>
+        <p:nvSpPr>
+          <p:cNvPr id="2" name="제목 1"/>
+          <p:cNvSpPr>
+            <a:spLocks noGrp="1"/>
+          </p:cNvSpPr>
+          <p:nvPr>
+            <p:ph type="title"/>
+          </p:nvPr>
+        </p:nvSpPr>
+        <p:spPr/>
+        <p:txBody>
+          <a:bodyPr/>
+          <a:lstStyle/>
+          <a:p>
+            <a:r>
+              <a:rPr lang="en-US" altLang="ko-KR" dirty="0" smtClean="0"/>
+              <a:t>Management </a:t>
+            </a:r>
+            <a:endParaRPr lang="ko-KR" altLang="en-US" dirty="0"/>
+          </a:p>
+        </p:txBody>
+      </p:sp>
+      <p:sp>
+        <p:nvSpPr>
+          <p:cNvPr id="3" name="내용 개체 틀 2"/>
+          <p:cNvSpPr>
+            <a:spLocks noGrp="1"/>
+          </p:cNvSpPr>
+          <p:nvPr>
+            <p:ph idx="1"/>
+          </p:nvPr>
+        </p:nvSpPr>
+        <p:spPr/>
+        <p:txBody>
+          <a:bodyPr/>
+          <a:lstStyle/>
+          <a:p>
+            <a:endParaRPr lang="ko-KR" altLang="en-US"/>
+          </a:p>
+        </p:txBody>
+      </p:sp>
+      <p:grpSp>
+        <p:nvGrpSpPr>
+          <p:cNvPr id="4" name="그룹 3"/>
+          <p:cNvGrpSpPr/>
+          <p:nvPr/>
+        </p:nvGrpSpPr>
+        <p:grpSpPr>
+          <a:xfrm>
+            <a:off x="0" y="1270450"/>
+            <a:ext cx="12192000" cy="5587550"/>
+            <a:chOff x="0" y="1270450"/>
+            <a:chExt cx="12192000" cy="5587550"/>
+          </a:xfrm>
+        </p:grpSpPr>
+        <p:sp>
+          <p:nvSpPr>
+            <p:cNvPr id="5" name="TextBox 4"/>
+            <p:cNvSpPr txBox="1"/>
+            <p:nvPr/>
+          </p:nvSpPr>
+          <p:spPr>
+            <a:xfrm>
+              <a:off x="9457189" y="6488668"/>
+              <a:ext cx="2734811" cy="369332"/>
+            </a:xfrm>
+            <a:prstGeom prst="rect">
+              <a:avLst/>
+            </a:prstGeom>
+            <a:noFill/>
+          </p:spPr>
+          <p:txBody>
+            <a:bodyPr wrap="square" rtlCol="0">
+              <a:spAutoFit/>
+            </a:bodyPr>
+            <a:lstStyle/>
+            <a:p>
+              <a:r>
+                <a:rPr lang="en-US" altLang="ko-KR" dirty="0" err="1"/>
+                <a:t>Luana</a:t>
+              </a:r>
+              <a:r>
+                <a:rPr lang="en-US" altLang="ko-KR" dirty="0"/>
+                <a:t> </a:t>
+              </a:r>
+              <a:r>
+                <a:rPr lang="en-US" altLang="ko-KR" dirty="0" err="1" smtClean="0"/>
+                <a:t>Colloca</a:t>
+              </a:r>
+              <a:r>
+                <a:rPr lang="en-US" altLang="ko-KR" dirty="0" smtClean="0"/>
+                <a:t> et al., 2017</a:t>
+              </a:r>
+              <a:endParaRPr lang="ko-KR" altLang="en-US" dirty="0"/>
+            </a:p>
+          </p:txBody>
+        </p:sp>
+        <p:grpSp>
+          <p:nvGrpSpPr>
+            <p:cNvPr id="6" name="그룹 5"/>
+            <p:cNvGrpSpPr/>
+            <p:nvPr/>
+          </p:nvGrpSpPr>
+          <p:grpSpPr>
+            <a:xfrm>
+              <a:off x="0" y="1270450"/>
+              <a:ext cx="12192000" cy="5522557"/>
+              <a:chOff x="0" y="508001"/>
+              <a:chExt cx="12192000" cy="6285150"/>
+            </a:xfrm>
+          </p:grpSpPr>
+          <p:pic>
+            <p:nvPicPr>
+              <p:cNvPr id="7" name="그림 6"/>
+              <p:cNvPicPr>
+                <a:picLocks noChangeAspect="1"/>
+              </p:cNvPicPr>
+              <p:nvPr/>
+            </p:nvPicPr>
+            <p:blipFill>
+              <a:blip r:embed="rId3"/>
+              <a:stretch>
+                <a:fillRect/>
+              </a:stretch>
+            </p:blipFill>
+            <p:spPr>
+              <a:xfrm>
+                <a:off x="0" y="509188"/>
+                <a:ext cx="7197458" cy="6283963"/>
+              </a:xfrm>
+              <a:prstGeom prst="rect">
+                <a:avLst/>
+              </a:prstGeom>
+            </p:spPr>
+          </p:pic>
+          <p:pic>
+            <p:nvPicPr>
+              <p:cNvPr id="8" name="그림 7"/>
+              <p:cNvPicPr>
+                <a:picLocks noChangeAspect="1"/>
+              </p:cNvPicPr>
+              <p:nvPr/>
+            </p:nvPicPr>
+            <p:blipFill>
+              <a:blip r:embed="rId4"/>
+              <a:stretch>
+                <a:fillRect/>
+              </a:stretch>
+            </p:blipFill>
+            <p:spPr>
+              <a:xfrm>
+                <a:off x="7663152" y="508001"/>
+                <a:ext cx="4528848" cy="5222039"/>
+              </a:xfrm>
+              <a:prstGeom prst="rect">
+                <a:avLst/>
+              </a:prstGeom>
+            </p:spPr>
+          </p:pic>
+        </p:grpSp>
+      </p:grpSp>
     </p:spTree>
     <p:extLst>
       <p:ext uri="{BB962C8B-B14F-4D97-AF65-F5344CB8AC3E}">
@@ -3770,12 +8518,12 @@
           <a:lstStyle/>
           <a:p>
             <a:r>
+              <a:rPr lang="ko-KR" altLang="en-US" dirty="0" err="1" smtClean="0"/>
+              <a:t>신경병</a:t>
+            </a:r>
+            <a:r>
               <a:rPr lang="ko-KR" altLang="en-US" dirty="0" smtClean="0"/>
-              <a:t>신경통의 역학 </a:t>
-            </a:r>
-            <a:r>
-              <a:rPr lang="en-US" altLang="ko-KR" dirty="0" smtClean="0"/>
-              <a:t> </a:t>
+              <a:t> 통증</a:t>
             </a:r>
             <a:endParaRPr lang="ko-KR" altLang="en-US" dirty="0"/>
           </a:p>
@@ -3798,17 +8546,56 @@
           <a:p>
             <a:r>
               <a:rPr lang="ko-KR" altLang="en-US" dirty="0" smtClean="0"/>
-              <a:t>전체인구의 </a:t>
+              <a:t>만성통증</a:t>
             </a:r>
             <a:r>
               <a:rPr lang="en-US" altLang="ko-KR" dirty="0" smtClean="0"/>
-              <a:t>7-10%</a:t>
-            </a:r>
-          </a:p>
-          <a:p>
+              <a:t>: </a:t>
+            </a:r>
+            <a:r>
+              <a:rPr lang="ko-KR" altLang="en-US" dirty="0" err="1" smtClean="0"/>
+              <a:t>통각통증</a:t>
+            </a:r>
+            <a:r>
+              <a:rPr lang="en-US" altLang="ko-KR" dirty="0"/>
+              <a:t> </a:t>
+            </a:r>
+            <a:r>
+              <a:rPr lang="en-US" altLang="ko-KR" dirty="0" smtClean="0"/>
+              <a:t>(nociceptive pain), </a:t>
+            </a:r>
+            <a:r>
+              <a:rPr lang="ko-KR" altLang="en-US" dirty="0" err="1" smtClean="0"/>
+              <a:t>신경병통증</a:t>
+            </a:r>
             <a:r>
               <a:rPr lang="ko-KR" altLang="en-US" dirty="0" smtClean="0"/>
-              <a:t>노인인구의 증가</a:t>
+              <a:t> </a:t>
+            </a:r>
+            <a:r>
+              <a:rPr lang="en-US" altLang="ko-KR" dirty="0" smtClean="0"/>
+              <a:t>(neuropathic pain) </a:t>
+            </a:r>
+            <a:r>
+              <a:rPr lang="ko-KR" altLang="en-US" dirty="0" smtClean="0"/>
+              <a:t>으로 구분됨</a:t>
+            </a:r>
+            <a:r>
+              <a:rPr lang="en-US" altLang="ko-KR" dirty="0" smtClean="0"/>
+              <a:t>. </a:t>
+            </a:r>
+          </a:p>
+          <a:p>
+            <a:r>
+              <a:rPr lang="ko-KR" altLang="en-US" dirty="0" smtClean="0"/>
+              <a:t>체성감각계의 이상에 의해 나타나는 증상</a:t>
+            </a:r>
+            <a:endParaRPr lang="en-US" altLang="ko-KR" dirty="0" smtClean="0"/>
+          </a:p>
+          <a:p>
+            <a:r>
+              <a:rPr lang="ko-KR" altLang="en-US" dirty="0" smtClean="0"/>
+              <a:t>저리다</a:t>
             </a:r>
             <a:r>
               <a:rPr lang="en-US" altLang="ko-KR" dirty="0" smtClean="0"/>
@@ -3816,7 +8603,7 @@
             </a:r>
             <a:r>
               <a:rPr lang="ko-KR" altLang="en-US" dirty="0" smtClean="0"/>
-              <a:t>당뇨</a:t>
+              <a:t>찌릿하다</a:t>
             </a:r>
             <a:r>
               <a:rPr lang="en-US" altLang="ko-KR" dirty="0" smtClean="0"/>
@@ -3824,7 +8611,7 @@
             </a:r>
             <a:r>
               <a:rPr lang="ko-KR" altLang="en-US" dirty="0" smtClean="0"/>
-              <a:t>암</a:t>
+              <a:t>따끔거린다</a:t>
             </a:r>
             <a:r>
               <a:rPr lang="en-US" altLang="ko-KR" dirty="0" smtClean="0"/>
@@ -3832,22 +8619,7 @@
             </a:r>
             <a:r>
               <a:rPr lang="ko-KR" altLang="en-US" dirty="0" smtClean="0"/>
-              <a:t>뇌졸중 등 퇴행성 질환의 증가</a:t>
-            </a:r>
-            <a:endParaRPr lang="en-US" altLang="ko-KR" dirty="0" smtClean="0"/>
-          </a:p>
-          <a:p>
-            <a:r>
-              <a:rPr lang="ko-KR" altLang="en-US" dirty="0" smtClean="0"/>
-              <a:t>당뇨신경병의 통증</a:t>
-            </a:r>
-            <a:r>
-              <a:rPr lang="en-US" altLang="ko-KR" dirty="0" smtClean="0"/>
-              <a:t>: </a:t>
-            </a:r>
-            <a:r>
-              <a:rPr lang="ko-KR" altLang="en-US" dirty="0" smtClean="0"/>
-              <a:t>신경통의 가장 흔한 원인 중 하나</a:t>
+              <a:t>화끈거린다</a:t>
             </a:r>
             <a:r>
               <a:rPr lang="en-US" altLang="ko-KR" dirty="0" smtClean="0"/>
@@ -3855,96 +8627,113 @@
             </a:r>
             <a:r>
               <a:rPr lang="ko-KR" altLang="en-US" dirty="0" smtClean="0"/>
-              <a:t>당뇨병 환자의 </a:t>
+              <a:t>시리다</a:t>
             </a:r>
             <a:r>
               <a:rPr lang="en-US" altLang="ko-KR" dirty="0" smtClean="0"/>
-              <a:t>50%</a:t>
+              <a:t>. </a:t>
             </a:r>
             <a:r>
               <a:rPr lang="ko-KR" altLang="en-US" dirty="0" smtClean="0"/>
-              <a:t>까지도 발생</a:t>
+              <a:t>아프다</a:t>
+            </a:r>
+            <a:r>
+              <a:rPr lang="en-US" altLang="ko-KR" dirty="0" smtClean="0"/>
+              <a:t>, </a:t>
+            </a:r>
+            <a:r>
+              <a:rPr lang="ko-KR" altLang="en-US" dirty="0" smtClean="0"/>
+              <a:t>차갑다</a:t>
             </a:r>
             <a:endParaRPr lang="en-US" altLang="ko-KR" dirty="0" smtClean="0"/>
           </a:p>
           <a:p>
             <a:r>
-              <a:rPr lang="ko-KR" altLang="en-US" dirty="0" err="1" smtClean="0"/>
-              <a:t>대상포진후</a:t>
-            </a:r>
-            <a:r>
               <a:rPr lang="ko-KR" altLang="en-US" dirty="0" smtClean="0"/>
-              <a:t> 신경통</a:t>
+              <a:t>기계적 자극</a:t>
             </a:r>
             <a:r>
               <a:rPr lang="en-US" altLang="ko-KR" dirty="0" smtClean="0"/>
-              <a:t>: 4.47-6.31</a:t>
+              <a:t>, </a:t>
             </a:r>
             <a:r>
               <a:rPr lang="ko-KR" altLang="en-US" dirty="0" smtClean="0"/>
-              <a:t>명</a:t>
+              <a:t>차갑거나 </a:t>
+            </a:r>
+            <a:r>
+              <a:rPr lang="ko-KR" altLang="en-US" smtClean="0"/>
+              <a:t>뜨거운 온도 자극에 </a:t>
+            </a:r>
+            <a:r>
+              <a:rPr lang="ko-KR" altLang="en-US" dirty="0" smtClean="0"/>
+              <a:t>의해 유발</a:t>
             </a:r>
             <a:r>
               <a:rPr lang="en-US" altLang="ko-KR" dirty="0" smtClean="0"/>
-              <a:t>/1000</a:t>
-            </a:r>
+              <a:t>.</a:t>
+            </a:r>
+          </a:p>
+          <a:p>
             <a:r>
               <a:rPr lang="ko-KR" altLang="en-US" dirty="0" smtClean="0"/>
-              <a:t>명</a:t>
+              <a:t>우울</a:t>
             </a:r>
             <a:r>
               <a:rPr lang="en-US" altLang="ko-KR" dirty="0" smtClean="0"/>
-              <a:t>*</a:t>
+              <a:t>,</a:t>
+            </a:r>
+            <a:r>
+              <a:rPr lang="ko-KR" altLang="en-US" dirty="0"/>
+              <a:t> </a:t>
             </a:r>
             <a:r>
               <a:rPr lang="ko-KR" altLang="en-US" dirty="0" smtClean="0"/>
-              <a:t>년</a:t>
+              <a:t>불안</a:t>
+            </a:r>
+            <a:r>
+              <a:rPr lang="en-US" altLang="ko-KR" dirty="0" smtClean="0"/>
+              <a:t>, </a:t>
+            </a:r>
+            <a:r>
+              <a:rPr lang="ko-KR" altLang="en-US" dirty="0" smtClean="0"/>
+              <a:t>수면장애 초래</a:t>
             </a:r>
             <a:endParaRPr lang="en-US" altLang="ko-KR" dirty="0" smtClean="0"/>
           </a:p>
           <a:p>
             <a:r>
               <a:rPr lang="ko-KR" altLang="en-US" dirty="0" smtClean="0"/>
-              <a:t>삼차신경통</a:t>
+              <a:t>약물치료의 효과</a:t>
             </a:r>
             <a:r>
               <a:rPr lang="en-US" altLang="ko-KR" dirty="0" smtClean="0"/>
-              <a:t>: 26-28</a:t>
+              <a:t>: 40% </a:t>
             </a:r>
             <a:r>
               <a:rPr lang="ko-KR" altLang="en-US" dirty="0" smtClean="0"/>
-              <a:t>명</a:t>
-            </a:r>
-            <a:r>
-              <a:rPr lang="en-US" altLang="ko-KR" dirty="0" smtClean="0"/>
-              <a:t>/100,000</a:t>
-            </a:r>
-            <a:r>
-              <a:rPr lang="ko-KR" altLang="en-US" dirty="0" smtClean="0"/>
-              <a:t>명</a:t>
-            </a:r>
-            <a:r>
-              <a:rPr lang="en-US" altLang="ko-KR" dirty="0" smtClean="0"/>
-              <a:t>*</a:t>
-            </a:r>
-            <a:r>
-              <a:rPr lang="ko-KR" altLang="en-US" dirty="0" smtClean="0"/>
-              <a:t>년 </a:t>
-            </a:r>
-            <a:endParaRPr lang="en-US" altLang="ko-KR" dirty="0" smtClean="0"/>
+              <a:t>미만 </a:t>
+            </a:r>
+            <a:endParaRPr lang="ko-KR" altLang="en-US" dirty="0"/>
           </a:p>
         </p:txBody>
       </p:sp>
     </p:spTree>
     <p:extLst>
       <p:ext uri="{BB962C8B-B14F-4D97-AF65-F5344CB8AC3E}">
-        <p14:creationId xmlns:p14="http://schemas.microsoft.com/office/powerpoint/2010/main" val="2510514651"/>
+        <p14:creationId xmlns:p14="http://schemas.microsoft.com/office/powerpoint/2010/main" val="1117101180"/>
       </p:ext>
     </p:extLst>
   </p:cSld>
   <p:clrMapOvr>
     <a:masterClrMapping/>
   </p:clrMapOvr>
+  <p:timing>
+    <p:tnLst>
+      <p:par>
+        <p:cTn id="1" dur="indefinite" restart="never" nodeType="tmRoot"/>
+      </p:par>
+    </p:tnLst>
+  </p:timing>
 </p:sld>
 </file>
 
@@ -3980,156 +8769,19 @@
           <a:bodyPr/>
           <a:lstStyle/>
           <a:p>
-            <a:endParaRPr lang="ko-KR" altLang="en-US"/>
-          </a:p>
-        </p:txBody>
-      </p:sp>
-      <p:pic>
-        <p:nvPicPr>
-          <p:cNvPr id="4" name="그림 3"/>
-          <p:cNvPicPr>
-            <a:picLocks noChangeAspect="1"/>
-          </p:cNvPicPr>
-          <p:nvPr/>
-        </p:nvPicPr>
-        <p:blipFill>
-          <a:blip r:embed="rId2"/>
-          <a:stretch>
-            <a:fillRect/>
-          </a:stretch>
-        </p:blipFill>
-        <p:spPr>
-          <a:xfrm>
-            <a:off x="0" y="173766"/>
-            <a:ext cx="10707594" cy="6258798"/>
-          </a:xfrm>
-          <a:prstGeom prst="rect">
-            <a:avLst/>
-          </a:prstGeom>
-        </p:spPr>
-      </p:pic>
-      <p:sp>
-        <p:nvSpPr>
-          <p:cNvPr id="5" name="내용 개체 틀 4"/>
-          <p:cNvSpPr txBox="1">
-            <a:spLocks noGrp="1"/>
-          </p:cNvSpPr>
-          <p:nvPr>
-            <p:ph idx="1"/>
-          </p:nvPr>
-        </p:nvSpPr>
-        <p:spPr>
-          <a:prstGeom prst="rect">
-            <a:avLst/>
-          </a:prstGeom>
-          <a:noFill/>
-        </p:spPr>
-        <p:txBody>
-          <a:bodyPr wrap="square" rtlCol="0">
-            <a:spAutoFit/>
-          </a:bodyPr>
-          <a:lstStyle/>
-          <a:p>
-            <a:r>
-              <a:rPr lang="en-US" altLang="ko-KR" dirty="0" err="1"/>
-              <a:t>Luana</a:t>
-            </a:r>
-            <a:r>
-              <a:rPr lang="en-US" altLang="ko-KR" dirty="0"/>
+            <a:r>
+              <a:rPr lang="ko-KR" altLang="en-US" dirty="0" err="1" smtClean="0"/>
+              <a:t>신경병</a:t>
+            </a:r>
+            <a:r>
+              <a:rPr lang="ko-KR" altLang="en-US" dirty="0" smtClean="0"/>
+              <a:t> 통증의 역학 </a:t>
+            </a:r>
+            <a:r>
+              <a:rPr lang="en-US" altLang="ko-KR" dirty="0" smtClean="0"/>
               <a:t> </a:t>
             </a:r>
-            <a:r>
-              <a:rPr lang="en-US" altLang="ko-KR" dirty="0" err="1" smtClean="0"/>
-              <a:t>Colloca</a:t>
-            </a:r>
-            <a:r>
-              <a:rPr lang="en-US" altLang="ko-KR" dirty="0" smtClean="0"/>
-              <a:t> et al., 2017</a:t>
-            </a:r>
             <a:endParaRPr lang="ko-KR" altLang="en-US" dirty="0"/>
-          </a:p>
-        </p:txBody>
-      </p:sp>
-      <p:sp>
-        <p:nvSpPr>
-          <p:cNvPr id="6" name="TextBox 5"/>
-          <p:cNvSpPr txBox="1"/>
-          <p:nvPr/>
-        </p:nvSpPr>
-        <p:spPr>
-          <a:xfrm>
-            <a:off x="10707594" y="6488668"/>
-            <a:ext cx="2734811" cy="369332"/>
-          </a:xfrm>
-          <a:prstGeom prst="rect">
-            <a:avLst/>
-          </a:prstGeom>
-          <a:noFill/>
-        </p:spPr>
-        <p:txBody>
-          <a:bodyPr wrap="square" rtlCol="0">
-            <a:spAutoFit/>
-          </a:bodyPr>
-          <a:lstStyle/>
-          <a:p>
-            <a:r>
-              <a:rPr lang="en-US" altLang="ko-KR" dirty="0"/>
-              <a:t>Suh BC</a:t>
-            </a:r>
-            <a:r>
-              <a:rPr lang="en-US" altLang="ko-KR" dirty="0" smtClean="0"/>
-              <a:t>, 2021</a:t>
-            </a:r>
-            <a:endParaRPr lang="ko-KR" altLang="en-US" dirty="0"/>
-          </a:p>
-        </p:txBody>
-      </p:sp>
-    </p:spTree>
-    <p:extLst>
-      <p:ext uri="{BB962C8B-B14F-4D97-AF65-F5344CB8AC3E}">
-        <p14:creationId xmlns:p14="http://schemas.microsoft.com/office/powerpoint/2010/main" val="514826488"/>
-      </p:ext>
-    </p:extLst>
-  </p:cSld>
-  <p:clrMapOvr>
-    <a:masterClrMapping/>
-  </p:clrMapOvr>
-</p:sld>
-</file>
-
-<file path=ppt/slides/slide4.xml><?xml version="1.0" encoding="utf-8"?>
-<p:sld xmlns:a="http://schemas.openxmlformats.org/drawingml/2006/main" xmlns:r="http://schemas.openxmlformats.org/officeDocument/2006/relationships" xmlns:p="http://schemas.openxmlformats.org/presentationml/2006/main">
-  <p:cSld>
-    <p:spTree>
-      <p:nvGrpSpPr>
-        <p:cNvPr id="1" name=""/>
-        <p:cNvGrpSpPr/>
-        <p:nvPr/>
-      </p:nvGrpSpPr>
-      <p:grpSpPr>
-        <a:xfrm>
-          <a:off x="0" y="0"/>
-          <a:ext cx="0" cy="0"/>
-          <a:chOff x="0" y="0"/>
-          <a:chExt cx="0" cy="0"/>
-        </a:xfrm>
-      </p:grpSpPr>
-      <p:sp>
-        <p:nvSpPr>
-          <p:cNvPr id="2" name="제목 1"/>
-          <p:cNvSpPr>
-            <a:spLocks noGrp="1"/>
-          </p:cNvSpPr>
-          <p:nvPr>
-            <p:ph type="title"/>
-          </p:nvPr>
-        </p:nvSpPr>
-        <p:spPr/>
-        <p:txBody>
-          <a:bodyPr/>
-          <a:lstStyle/>
-          <a:p>
-            <a:endParaRPr lang="ko-KR" altLang="en-US"/>
           </a:p>
         </p:txBody>
       </p:sp>
@@ -4148,369 +8800,182 @@
           <a:bodyPr/>
           <a:lstStyle/>
           <a:p>
-            <a:endParaRPr lang="ko-KR" altLang="en-US"/>
-          </a:p>
-        </p:txBody>
-      </p:sp>
-      <p:grpSp>
-        <p:nvGrpSpPr>
-          <p:cNvPr id="6" name="그룹 5"/>
-          <p:cNvGrpSpPr/>
-          <p:nvPr/>
-        </p:nvGrpSpPr>
-        <p:grpSpPr>
-          <a:xfrm>
-            <a:off x="786637" y="152191"/>
-            <a:ext cx="9800270" cy="6575764"/>
-            <a:chOff x="727913" y="-74312"/>
-            <a:chExt cx="10736173" cy="7203734"/>
-          </a:xfrm>
-        </p:grpSpPr>
-        <p:pic>
-          <p:nvPicPr>
-            <p:cNvPr id="4" name="그림 3"/>
-            <p:cNvPicPr>
-              <a:picLocks noChangeAspect="1"/>
-            </p:cNvPicPr>
-            <p:nvPr/>
-          </p:nvPicPr>
-          <p:blipFill>
-            <a:blip r:embed="rId2"/>
-            <a:stretch>
-              <a:fillRect/>
-            </a:stretch>
-          </p:blipFill>
-          <p:spPr>
-            <a:xfrm>
-              <a:off x="727913" y="889676"/>
-              <a:ext cx="10736173" cy="6239746"/>
-            </a:xfrm>
-            <a:prstGeom prst="rect">
-              <a:avLst/>
-            </a:prstGeom>
-          </p:spPr>
-        </p:pic>
-        <p:pic>
-          <p:nvPicPr>
-            <p:cNvPr id="5" name="그림 4"/>
-            <p:cNvPicPr>
-              <a:picLocks noChangeAspect="1"/>
-            </p:cNvPicPr>
-            <p:nvPr/>
-          </p:nvPicPr>
-          <p:blipFill>
-            <a:blip r:embed="rId3"/>
-            <a:stretch>
-              <a:fillRect/>
-            </a:stretch>
-          </p:blipFill>
-          <p:spPr>
-            <a:xfrm>
-              <a:off x="727913" y="-74312"/>
-              <a:ext cx="10736173" cy="963988"/>
-            </a:xfrm>
-            <a:prstGeom prst="rect">
-              <a:avLst/>
-            </a:prstGeom>
-          </p:spPr>
-        </p:pic>
-      </p:grpSp>
-      <p:sp>
-        <p:nvSpPr>
-          <p:cNvPr id="7" name="TextBox 6"/>
-          <p:cNvSpPr txBox="1"/>
-          <p:nvPr/>
-        </p:nvSpPr>
-        <p:spPr>
-          <a:xfrm>
-            <a:off x="10707594" y="6488668"/>
-            <a:ext cx="2734811" cy="369332"/>
-          </a:xfrm>
-          <a:prstGeom prst="rect">
-            <a:avLst/>
-          </a:prstGeom>
-          <a:noFill/>
-        </p:spPr>
-        <p:txBody>
-          <a:bodyPr wrap="square" rtlCol="0">
-            <a:spAutoFit/>
-          </a:bodyPr>
-          <a:lstStyle/>
-          <a:p>
-            <a:r>
-              <a:rPr lang="en-US" altLang="ko-KR" dirty="0"/>
-              <a:t>Suh BC</a:t>
+            <a:r>
+              <a:rPr lang="ko-KR" altLang="en-US" dirty="0" smtClean="0"/>
+              <a:t>전체인구의 </a:t>
             </a:r>
             <a:r>
               <a:rPr lang="en-US" altLang="ko-KR" dirty="0" smtClean="0"/>
-              <a:t>, 2021</a:t>
-            </a:r>
-            <a:endParaRPr lang="ko-KR" altLang="en-US" dirty="0"/>
+              <a:t>7-10%</a:t>
+            </a:r>
+          </a:p>
+          <a:p>
+            <a:r>
+              <a:rPr lang="ko-KR" altLang="en-US" dirty="0" smtClean="0"/>
+              <a:t>노인인구의 증가</a:t>
+            </a:r>
+            <a:r>
+              <a:rPr lang="en-US" altLang="ko-KR" dirty="0" smtClean="0"/>
+              <a:t>, </a:t>
+            </a:r>
+            <a:r>
+              <a:rPr lang="ko-KR" altLang="en-US" dirty="0" smtClean="0"/>
+              <a:t>당뇨</a:t>
+            </a:r>
+            <a:r>
+              <a:rPr lang="en-US" altLang="ko-KR" dirty="0" smtClean="0"/>
+              <a:t>, </a:t>
+            </a:r>
+            <a:r>
+              <a:rPr lang="ko-KR" altLang="en-US" dirty="0" smtClean="0"/>
+              <a:t>암</a:t>
+            </a:r>
+            <a:r>
+              <a:rPr lang="en-US" altLang="ko-KR" dirty="0" smtClean="0"/>
+              <a:t>, </a:t>
+            </a:r>
+            <a:r>
+              <a:rPr lang="ko-KR" altLang="en-US" dirty="0" smtClean="0"/>
+              <a:t>뇌졸중 등 퇴행성 질환의 증가</a:t>
+            </a:r>
+            <a:endParaRPr lang="en-US" altLang="ko-KR" dirty="0" smtClean="0"/>
+          </a:p>
+          <a:p>
+            <a:r>
+              <a:rPr lang="ko-KR" altLang="en-US" dirty="0" smtClean="0"/>
+              <a:t>당뇨신경병의 통증</a:t>
+            </a:r>
+            <a:r>
+              <a:rPr lang="en-US" altLang="ko-KR" dirty="0" smtClean="0"/>
+              <a:t>: </a:t>
+            </a:r>
+            <a:r>
+              <a:rPr lang="ko-KR" altLang="en-US" dirty="0" err="1" smtClean="0"/>
+              <a:t>신경병</a:t>
+            </a:r>
+            <a:r>
+              <a:rPr lang="ko-KR" altLang="en-US" dirty="0" smtClean="0"/>
+              <a:t> 통증의 가장 흔한 원인 중 하나</a:t>
+            </a:r>
+            <a:r>
+              <a:rPr lang="en-US" altLang="ko-KR" dirty="0" smtClean="0"/>
+              <a:t>, </a:t>
+            </a:r>
+            <a:r>
+              <a:rPr lang="ko-KR" altLang="en-US" dirty="0" smtClean="0"/>
+              <a:t>당뇨병 환자의 </a:t>
+            </a:r>
+            <a:r>
+              <a:rPr lang="en-US" altLang="ko-KR" dirty="0" smtClean="0"/>
+              <a:t>50%</a:t>
+            </a:r>
+            <a:r>
+              <a:rPr lang="ko-KR" altLang="en-US" dirty="0" smtClean="0"/>
+              <a:t>까지도 발생</a:t>
+            </a:r>
+            <a:endParaRPr lang="en-US" altLang="ko-KR" dirty="0" smtClean="0"/>
+          </a:p>
+          <a:p>
+            <a:r>
+              <a:rPr lang="ko-KR" altLang="en-US" dirty="0" err="1" smtClean="0"/>
+              <a:t>대상포진후</a:t>
+            </a:r>
+            <a:r>
+              <a:rPr lang="ko-KR" altLang="en-US" dirty="0" smtClean="0"/>
+              <a:t> </a:t>
+            </a:r>
+            <a:r>
+              <a:rPr lang="ko-KR" altLang="en-US" dirty="0" err="1" smtClean="0"/>
+              <a:t>신경병</a:t>
+            </a:r>
+            <a:r>
+              <a:rPr lang="ko-KR" altLang="en-US" dirty="0" smtClean="0"/>
+              <a:t> 통증</a:t>
+            </a:r>
+            <a:r>
+              <a:rPr lang="en-US" altLang="ko-KR" dirty="0" smtClean="0"/>
+              <a:t>: 4.47-6.31</a:t>
+            </a:r>
+            <a:r>
+              <a:rPr lang="ko-KR" altLang="en-US" dirty="0" smtClean="0"/>
+              <a:t>명</a:t>
+            </a:r>
+            <a:r>
+              <a:rPr lang="en-US" altLang="ko-KR" dirty="0" smtClean="0"/>
+              <a:t>/1000</a:t>
+            </a:r>
+            <a:r>
+              <a:rPr lang="ko-KR" altLang="en-US" dirty="0" smtClean="0"/>
+              <a:t>명</a:t>
+            </a:r>
+            <a:r>
+              <a:rPr lang="en-US" altLang="ko-KR" dirty="0" smtClean="0"/>
+              <a:t>*</a:t>
+            </a:r>
+            <a:r>
+              <a:rPr lang="ko-KR" altLang="en-US" dirty="0" smtClean="0"/>
+              <a:t>년</a:t>
+            </a:r>
+            <a:endParaRPr lang="en-US" altLang="ko-KR" dirty="0" smtClean="0"/>
+          </a:p>
+          <a:p>
+            <a:r>
+              <a:rPr lang="ko-KR" altLang="en-US" dirty="0" err="1" smtClean="0"/>
+              <a:t>삼차신경병</a:t>
+            </a:r>
+            <a:r>
+              <a:rPr lang="ko-KR" altLang="en-US" dirty="0" smtClean="0"/>
+              <a:t> 통증</a:t>
+            </a:r>
+            <a:r>
+              <a:rPr lang="en-US" altLang="ko-KR" dirty="0" smtClean="0"/>
+              <a:t>: 26-28</a:t>
+            </a:r>
+            <a:r>
+              <a:rPr lang="ko-KR" altLang="en-US" dirty="0" smtClean="0"/>
+              <a:t>명</a:t>
+            </a:r>
+            <a:r>
+              <a:rPr lang="en-US" altLang="ko-KR" dirty="0" smtClean="0"/>
+              <a:t>/100,000</a:t>
+            </a:r>
+            <a:r>
+              <a:rPr lang="ko-KR" altLang="en-US" dirty="0" smtClean="0"/>
+              <a:t>명</a:t>
+            </a:r>
+            <a:r>
+              <a:rPr lang="en-US" altLang="ko-KR" dirty="0" smtClean="0"/>
+              <a:t>*</a:t>
+            </a:r>
+            <a:r>
+              <a:rPr lang="ko-KR" altLang="en-US" dirty="0" smtClean="0"/>
+              <a:t>년 </a:t>
+            </a:r>
+            <a:endParaRPr lang="en-US" altLang="ko-KR" dirty="0" smtClean="0"/>
           </a:p>
         </p:txBody>
       </p:sp>
     </p:spTree>
     <p:extLst>
       <p:ext uri="{BB962C8B-B14F-4D97-AF65-F5344CB8AC3E}">
-        <p14:creationId xmlns:p14="http://schemas.microsoft.com/office/powerpoint/2010/main" val="940682666"/>
+        <p14:creationId xmlns:p14="http://schemas.microsoft.com/office/powerpoint/2010/main" val="2510514651"/>
       </p:ext>
     </p:extLst>
   </p:cSld>
   <p:clrMapOvr>
     <a:masterClrMapping/>
   </p:clrMapOvr>
+  <p:timing>
+    <p:tnLst>
+      <p:par>
+        <p:cTn id="1" dur="indefinite" restart="never" nodeType="tmRoot"/>
+      </p:par>
+    </p:tnLst>
+  </p:timing>
 </p:sld>
 </file>
 
-<file path=ppt/slides/slide5.xml><?xml version="1.0" encoding="utf-8"?>
-<p:sld xmlns:a="http://schemas.openxmlformats.org/drawingml/2006/main" xmlns:r="http://schemas.openxmlformats.org/officeDocument/2006/relationships" xmlns:p="http://schemas.openxmlformats.org/presentationml/2006/main">
-  <p:cSld>
-    <p:spTree>
-      <p:nvGrpSpPr>
-        <p:cNvPr id="1" name=""/>
-        <p:cNvGrpSpPr/>
-        <p:nvPr/>
-      </p:nvGrpSpPr>
-      <p:grpSpPr>
-        <a:xfrm>
-          <a:off x="0" y="0"/>
-          <a:ext cx="0" cy="0"/>
-          <a:chOff x="0" y="0"/>
-          <a:chExt cx="0" cy="0"/>
-        </a:xfrm>
-      </p:grpSpPr>
-      <p:sp>
-        <p:nvSpPr>
-          <p:cNvPr id="2" name="제목 1"/>
-          <p:cNvSpPr>
-            <a:spLocks noGrp="1"/>
-          </p:cNvSpPr>
-          <p:nvPr>
-            <p:ph type="title"/>
-          </p:nvPr>
-        </p:nvSpPr>
-        <p:spPr/>
-        <p:txBody>
-          <a:bodyPr/>
-          <a:lstStyle/>
-          <a:p>
-            <a:r>
-              <a:rPr lang="ko-KR" altLang="en-US" dirty="0" smtClean="0"/>
-              <a:t>통증을 동반하는 다발신경병의 종류</a:t>
-            </a:r>
-            <a:endParaRPr lang="ko-KR" altLang="en-US" dirty="0"/>
-          </a:p>
-        </p:txBody>
-      </p:sp>
-      <p:sp>
-        <p:nvSpPr>
-          <p:cNvPr id="3" name="내용 개체 틀 2"/>
-          <p:cNvSpPr>
-            <a:spLocks noGrp="1"/>
-          </p:cNvSpPr>
-          <p:nvPr>
-            <p:ph idx="1"/>
-          </p:nvPr>
-        </p:nvSpPr>
-        <p:spPr/>
-        <p:txBody>
-          <a:bodyPr>
-            <a:normAutofit/>
-          </a:bodyPr>
-          <a:lstStyle/>
-          <a:p>
-            <a:r>
-              <a:rPr lang="ko-KR" altLang="en-US" dirty="0" smtClean="0"/>
-              <a:t>손목터널증후군</a:t>
-            </a:r>
-            <a:r>
-              <a:rPr lang="en-US" altLang="ko-KR" dirty="0" smtClean="0"/>
-              <a:t>, </a:t>
-            </a:r>
-            <a:r>
-              <a:rPr lang="ko-KR" altLang="en-US" dirty="0" smtClean="0"/>
-              <a:t>발목터널증후군</a:t>
-            </a:r>
-            <a:endParaRPr lang="en-US" altLang="ko-KR" dirty="0" smtClean="0"/>
-          </a:p>
-          <a:p>
-            <a:r>
-              <a:rPr lang="ko-KR" altLang="en-US" dirty="0" smtClean="0"/>
-              <a:t>당뇨병 신경병증</a:t>
-            </a:r>
-            <a:endParaRPr lang="en-US" altLang="ko-KR" dirty="0" smtClean="0"/>
-          </a:p>
-          <a:p>
-            <a:r>
-              <a:rPr lang="ko-KR" altLang="en-US" dirty="0" smtClean="0"/>
-              <a:t>대상포진 후 신경통</a:t>
-            </a:r>
-            <a:endParaRPr lang="en-US" altLang="ko-KR" dirty="0" smtClean="0"/>
-          </a:p>
-          <a:p>
-            <a:r>
-              <a:rPr lang="ko-KR" altLang="en-US" dirty="0" smtClean="0"/>
-              <a:t>삼차신경통</a:t>
-            </a:r>
-            <a:endParaRPr lang="en-US" altLang="ko-KR" dirty="0" smtClean="0"/>
-          </a:p>
-          <a:p>
-            <a:r>
-              <a:rPr lang="ko-KR" altLang="en-US" dirty="0" smtClean="0"/>
-              <a:t>항암치료에 의한 신경병증</a:t>
-            </a:r>
-            <a:endParaRPr lang="en-US" altLang="ko-KR" dirty="0" smtClean="0"/>
-          </a:p>
-          <a:p>
-            <a:r>
-              <a:rPr lang="ko-KR" altLang="en-US" dirty="0" smtClean="0"/>
-              <a:t>알코올 독성 신경병증</a:t>
-            </a:r>
-            <a:endParaRPr lang="en-US" altLang="ko-KR" dirty="0" smtClean="0"/>
-          </a:p>
-          <a:p>
-            <a:r>
-              <a:rPr lang="ko-KR" altLang="en-US" dirty="0" smtClean="0"/>
-              <a:t>뇌경색</a:t>
-            </a:r>
-            <a:endParaRPr lang="en-US" altLang="ko-KR" dirty="0" smtClean="0"/>
-          </a:p>
-          <a:p>
-            <a:r>
-              <a:rPr lang="ko-KR" altLang="en-US" dirty="0" err="1" smtClean="0"/>
-              <a:t>척수병증</a:t>
-            </a:r>
-            <a:endParaRPr lang="en-US" altLang="ko-KR" dirty="0" smtClean="0"/>
-          </a:p>
-          <a:p>
-            <a:r>
-              <a:rPr lang="ko-KR" altLang="en-US" dirty="0" smtClean="0"/>
-              <a:t>특발성 </a:t>
-            </a:r>
-            <a:r>
-              <a:rPr lang="ko-KR" altLang="en-US" dirty="0" err="1" smtClean="0"/>
-              <a:t>소섬유</a:t>
-            </a:r>
-            <a:r>
-              <a:rPr lang="ko-KR" altLang="en-US" dirty="0" smtClean="0"/>
-              <a:t> </a:t>
-            </a:r>
-            <a:r>
-              <a:rPr lang="ko-KR" altLang="en-US" dirty="0" err="1" smtClean="0"/>
-              <a:t>신경병</a:t>
-            </a:r>
-            <a:endParaRPr lang="en-US" altLang="ko-KR" dirty="0" smtClean="0"/>
-          </a:p>
-          <a:p>
-            <a:r>
-              <a:rPr lang="ko-KR" altLang="en-US" dirty="0" err="1" smtClean="0"/>
-              <a:t>길랑바레</a:t>
-            </a:r>
-            <a:r>
-              <a:rPr lang="ko-KR" altLang="en-US" dirty="0" smtClean="0"/>
-              <a:t> 증후군</a:t>
-            </a:r>
-            <a:endParaRPr lang="en-US" altLang="ko-KR" dirty="0" smtClean="0"/>
-          </a:p>
-          <a:p>
-            <a:r>
-              <a:rPr lang="ko-KR" altLang="en-US" dirty="0" smtClean="0"/>
-              <a:t>비타민 결핍에 의한 </a:t>
-            </a:r>
-            <a:r>
-              <a:rPr lang="ko-KR" altLang="en-US" dirty="0" err="1" smtClean="0"/>
-              <a:t>신경병</a:t>
-            </a:r>
-            <a:endParaRPr lang="ko-KR" altLang="en-US" dirty="0"/>
-          </a:p>
-        </p:txBody>
-      </p:sp>
-    </p:spTree>
-    <p:extLst>
-      <p:ext uri="{BB962C8B-B14F-4D97-AF65-F5344CB8AC3E}">
-        <p14:creationId xmlns:p14="http://schemas.microsoft.com/office/powerpoint/2010/main" val="4100297429"/>
-      </p:ext>
-    </p:extLst>
-  </p:cSld>
-  <p:clrMapOvr>
-    <a:masterClrMapping/>
-  </p:clrMapOvr>
-</p:sld>
-</file>
-
-<file path=ppt/slides/slide6.xml><?xml version="1.0" encoding="utf-8"?>
-<p:sld xmlns:a="http://schemas.openxmlformats.org/drawingml/2006/main" xmlns:r="http://schemas.openxmlformats.org/officeDocument/2006/relationships" xmlns:p="http://schemas.openxmlformats.org/presentationml/2006/main">
-  <p:cSld>
-    <p:spTree>
-      <p:nvGrpSpPr>
-        <p:cNvPr id="1" name=""/>
-        <p:cNvGrpSpPr/>
-        <p:nvPr/>
-      </p:nvGrpSpPr>
-      <p:grpSpPr>
-        <a:xfrm>
-          <a:off x="0" y="0"/>
-          <a:ext cx="0" cy="0"/>
-          <a:chOff x="0" y="0"/>
-          <a:chExt cx="0" cy="0"/>
-        </a:xfrm>
-      </p:grpSpPr>
-      <p:sp>
-        <p:nvSpPr>
-          <p:cNvPr id="2" name="제목 1"/>
-          <p:cNvSpPr>
-            <a:spLocks noGrp="1"/>
-          </p:cNvSpPr>
-          <p:nvPr>
-            <p:ph type="title"/>
-          </p:nvPr>
-        </p:nvSpPr>
-        <p:spPr/>
-        <p:txBody>
-          <a:bodyPr/>
-          <a:lstStyle/>
-          <a:p>
-            <a:r>
-              <a:rPr lang="ko-KR" altLang="en-US" dirty="0" smtClean="0"/>
-              <a:t>신경통의 진단과 평가 </a:t>
-            </a:r>
-            <a:endParaRPr lang="ko-KR" altLang="en-US" dirty="0"/>
-          </a:p>
-        </p:txBody>
-      </p:sp>
-      <p:sp>
-        <p:nvSpPr>
-          <p:cNvPr id="3" name="내용 개체 틀 2"/>
-          <p:cNvSpPr>
-            <a:spLocks noGrp="1"/>
-          </p:cNvSpPr>
-          <p:nvPr>
-            <p:ph idx="1"/>
-          </p:nvPr>
-        </p:nvSpPr>
-        <p:spPr/>
-        <p:txBody>
-          <a:bodyPr/>
-          <a:lstStyle/>
-          <a:p>
-            <a:endParaRPr lang="ko-KR" altLang="en-US" dirty="0"/>
-          </a:p>
-        </p:txBody>
-      </p:sp>
-    </p:spTree>
-    <p:extLst>
-      <p:ext uri="{BB962C8B-B14F-4D97-AF65-F5344CB8AC3E}">
-        <p14:creationId xmlns:p14="http://schemas.microsoft.com/office/powerpoint/2010/main" val="3776802221"/>
-      </p:ext>
-    </p:extLst>
-  </p:cSld>
-  <p:clrMapOvr>
-    <a:masterClrMapping/>
-  </p:clrMapOvr>
-</p:sld>
-</file>
-
-<file path=ppt/slides/slide7.xml><?xml version="1.0" encoding="utf-8"?>
+<file path=ppt/slides/slide4.xml><?xml version="1.0" encoding="utf-8"?>
 <p:sld xmlns:a="http://schemas.openxmlformats.org/drawingml/2006/main" xmlns:r="http://schemas.openxmlformats.org/officeDocument/2006/relationships" xmlns:p="http://schemas.openxmlformats.org/presentationml/2006/main">
   <p:cSld>
     <p:spTree>
@@ -4543,8 +9008,8 @@
         </p:blipFill>
         <p:spPr>
           <a:xfrm>
-            <a:off x="0" y="209725"/>
-            <a:ext cx="8310400" cy="6405755"/>
+            <a:off x="742203" y="288580"/>
+            <a:ext cx="10707594" cy="6258798"/>
           </a:xfrm>
           <a:prstGeom prst="rect">
             <a:avLst/>
@@ -4553,13 +9018,13 @@
       </p:pic>
       <p:sp>
         <p:nvSpPr>
-          <p:cNvPr id="5" name="TextBox 4"/>
+          <p:cNvPr id="6" name="TextBox 5"/>
           <p:cNvSpPr txBox="1"/>
           <p:nvPr/>
         </p:nvSpPr>
         <p:spPr>
           <a:xfrm>
-            <a:off x="9457189" y="6488668"/>
+            <a:off x="10707594" y="6488668"/>
             <a:ext cx="2734811" cy="369332"/>
           </a:xfrm>
           <a:prstGeom prst="rect">
@@ -4574,20 +9039,12 @@
           <a:lstStyle/>
           <a:p>
             <a:r>
-              <a:rPr lang="en-US" altLang="ko-KR" dirty="0" err="1"/>
-              <a:t>Luana</a:t>
-            </a:r>
-            <a:r>
               <a:rPr lang="en-US" altLang="ko-KR" dirty="0"/>
-              <a:t> </a:t>
-            </a:r>
-            <a:r>
-              <a:rPr lang="en-US" altLang="ko-KR" dirty="0" err="1" smtClean="0"/>
-              <a:t>Colloca</a:t>
+              <a:t>Suh BC</a:t>
             </a:r>
             <a:r>
               <a:rPr lang="en-US" altLang="ko-KR" dirty="0" smtClean="0"/>
-              <a:t> et al., 2017</a:t>
+              <a:t>, 2021</a:t>
             </a:r>
             <a:endParaRPr lang="ko-KR" altLang="en-US" dirty="0"/>
           </a:p>
@@ -4596,13 +9053,583 @@
     </p:spTree>
     <p:extLst>
       <p:ext uri="{BB962C8B-B14F-4D97-AF65-F5344CB8AC3E}">
-        <p14:creationId xmlns:p14="http://schemas.microsoft.com/office/powerpoint/2010/main" val="348455113"/>
+        <p14:creationId xmlns:p14="http://schemas.microsoft.com/office/powerpoint/2010/main" val="514826488"/>
       </p:ext>
     </p:extLst>
   </p:cSld>
   <p:clrMapOvr>
     <a:masterClrMapping/>
   </p:clrMapOvr>
+  <p:timing>
+    <p:tnLst>
+      <p:par>
+        <p:cTn id="1" dur="indefinite" restart="never" nodeType="tmRoot"/>
+      </p:par>
+    </p:tnLst>
+  </p:timing>
+</p:sld>
+</file>
+
+<file path=ppt/slides/slide5.xml><?xml version="1.0" encoding="utf-8"?>
+<p:sld xmlns:a="http://schemas.openxmlformats.org/drawingml/2006/main" xmlns:r="http://schemas.openxmlformats.org/officeDocument/2006/relationships" xmlns:p="http://schemas.openxmlformats.org/presentationml/2006/main">
+  <p:cSld>
+    <p:spTree>
+      <p:nvGrpSpPr>
+        <p:cNvPr id="1" name=""/>
+        <p:cNvGrpSpPr/>
+        <p:nvPr/>
+      </p:nvGrpSpPr>
+      <p:grpSpPr>
+        <a:xfrm>
+          <a:off x="0" y="0"/>
+          <a:ext cx="0" cy="0"/>
+          <a:chOff x="0" y="0"/>
+          <a:chExt cx="0" cy="0"/>
+        </a:xfrm>
+      </p:grpSpPr>
+      <p:grpSp>
+        <p:nvGrpSpPr>
+          <p:cNvPr id="6" name="그룹 5"/>
+          <p:cNvGrpSpPr/>
+          <p:nvPr/>
+        </p:nvGrpSpPr>
+        <p:grpSpPr>
+          <a:xfrm>
+            <a:off x="786637" y="152191"/>
+            <a:ext cx="9800270" cy="6575764"/>
+            <a:chOff x="727913" y="-74312"/>
+            <a:chExt cx="10736173" cy="7203734"/>
+          </a:xfrm>
+        </p:grpSpPr>
+        <p:pic>
+          <p:nvPicPr>
+            <p:cNvPr id="4" name="그림 3"/>
+            <p:cNvPicPr>
+              <a:picLocks noChangeAspect="1"/>
+            </p:cNvPicPr>
+            <p:nvPr/>
+          </p:nvPicPr>
+          <p:blipFill>
+            <a:blip r:embed="rId3"/>
+            <a:stretch>
+              <a:fillRect/>
+            </a:stretch>
+          </p:blipFill>
+          <p:spPr>
+            <a:xfrm>
+              <a:off x="727913" y="889676"/>
+              <a:ext cx="10736173" cy="6239746"/>
+            </a:xfrm>
+            <a:prstGeom prst="rect">
+              <a:avLst/>
+            </a:prstGeom>
+          </p:spPr>
+        </p:pic>
+        <p:pic>
+          <p:nvPicPr>
+            <p:cNvPr id="5" name="그림 4"/>
+            <p:cNvPicPr>
+              <a:picLocks noChangeAspect="1"/>
+            </p:cNvPicPr>
+            <p:nvPr/>
+          </p:nvPicPr>
+          <p:blipFill>
+            <a:blip r:embed="rId4"/>
+            <a:stretch>
+              <a:fillRect/>
+            </a:stretch>
+          </p:blipFill>
+          <p:spPr>
+            <a:xfrm>
+              <a:off x="727913" y="-74312"/>
+              <a:ext cx="10736173" cy="963988"/>
+            </a:xfrm>
+            <a:prstGeom prst="rect">
+              <a:avLst/>
+            </a:prstGeom>
+          </p:spPr>
+        </p:pic>
+      </p:grpSp>
+      <p:sp>
+        <p:nvSpPr>
+          <p:cNvPr id="7" name="TextBox 6"/>
+          <p:cNvSpPr txBox="1"/>
+          <p:nvPr/>
+        </p:nvSpPr>
+        <p:spPr>
+          <a:xfrm>
+            <a:off x="10707594" y="6488668"/>
+            <a:ext cx="2734811" cy="369332"/>
+          </a:xfrm>
+          <a:prstGeom prst="rect">
+            <a:avLst/>
+          </a:prstGeom>
+          <a:noFill/>
+        </p:spPr>
+        <p:txBody>
+          <a:bodyPr wrap="square" rtlCol="0">
+            <a:spAutoFit/>
+          </a:bodyPr>
+          <a:lstStyle/>
+          <a:p>
+            <a:r>
+              <a:rPr lang="en-US" altLang="ko-KR" dirty="0"/>
+              <a:t>Suh BC</a:t>
+            </a:r>
+            <a:r>
+              <a:rPr lang="en-US" altLang="ko-KR" dirty="0" smtClean="0"/>
+              <a:t>, 2021</a:t>
+            </a:r>
+            <a:endParaRPr lang="ko-KR" altLang="en-US" dirty="0"/>
+          </a:p>
+        </p:txBody>
+      </p:sp>
+    </p:spTree>
+    <p:extLst>
+      <p:ext uri="{BB962C8B-B14F-4D97-AF65-F5344CB8AC3E}">
+        <p14:creationId xmlns:p14="http://schemas.microsoft.com/office/powerpoint/2010/main" val="940682666"/>
+      </p:ext>
+    </p:extLst>
+  </p:cSld>
+  <p:clrMapOvr>
+    <a:masterClrMapping/>
+  </p:clrMapOvr>
+</p:sld>
+</file>
+
+<file path=ppt/slides/slide6.xml><?xml version="1.0" encoding="utf-8"?>
+<p:sld xmlns:a="http://schemas.openxmlformats.org/drawingml/2006/main" xmlns:r="http://schemas.openxmlformats.org/officeDocument/2006/relationships" xmlns:p="http://schemas.openxmlformats.org/presentationml/2006/main">
+  <p:cSld>
+    <p:spTree>
+      <p:nvGrpSpPr>
+        <p:cNvPr id="1" name=""/>
+        <p:cNvGrpSpPr/>
+        <p:nvPr/>
+      </p:nvGrpSpPr>
+      <p:grpSpPr>
+        <a:xfrm>
+          <a:off x="0" y="0"/>
+          <a:ext cx="0" cy="0"/>
+          <a:chOff x="0" y="0"/>
+          <a:chExt cx="0" cy="0"/>
+        </a:xfrm>
+      </p:grpSpPr>
+      <p:sp>
+        <p:nvSpPr>
+          <p:cNvPr id="2" name="제목 1"/>
+          <p:cNvSpPr>
+            <a:spLocks noGrp="1"/>
+          </p:cNvSpPr>
+          <p:nvPr>
+            <p:ph type="title"/>
+          </p:nvPr>
+        </p:nvSpPr>
+        <p:spPr/>
+        <p:txBody>
+          <a:bodyPr/>
+          <a:lstStyle/>
+          <a:p>
+            <a:r>
+              <a:rPr lang="ko-KR" altLang="en-US" dirty="0" smtClean="0"/>
+              <a:t>통증을 동반하는 다발신경병의 종류</a:t>
+            </a:r>
+            <a:endParaRPr lang="ko-KR" altLang="en-US" dirty="0"/>
+          </a:p>
+        </p:txBody>
+      </p:sp>
+      <p:sp>
+        <p:nvSpPr>
+          <p:cNvPr id="3" name="내용 개체 틀 2"/>
+          <p:cNvSpPr>
+            <a:spLocks noGrp="1"/>
+          </p:cNvSpPr>
+          <p:nvPr>
+            <p:ph idx="1"/>
+          </p:nvPr>
+        </p:nvSpPr>
+        <p:spPr/>
+        <p:txBody>
+          <a:bodyPr>
+            <a:normAutofit fontScale="62500" lnSpcReduction="20000"/>
+          </a:bodyPr>
+          <a:lstStyle/>
+          <a:p>
+            <a:r>
+              <a:rPr lang="ko-KR" altLang="en-US" dirty="0" smtClean="0"/>
+              <a:t>손목터널증후군</a:t>
+            </a:r>
+            <a:r>
+              <a:rPr lang="en-US" altLang="ko-KR" dirty="0" smtClean="0"/>
+              <a:t>, </a:t>
+            </a:r>
+            <a:r>
+              <a:rPr lang="ko-KR" altLang="en-US" dirty="0" smtClean="0"/>
+              <a:t>발목터널증후군</a:t>
+            </a:r>
+            <a:endParaRPr lang="en-US" altLang="ko-KR" dirty="0" smtClean="0"/>
+          </a:p>
+          <a:p>
+            <a:r>
+              <a:rPr lang="ko-KR" altLang="en-US" dirty="0" smtClean="0"/>
+              <a:t>당뇨병 신경병증</a:t>
+            </a:r>
+            <a:endParaRPr lang="en-US" altLang="ko-KR" dirty="0" smtClean="0"/>
+          </a:p>
+          <a:p>
+            <a:r>
+              <a:rPr lang="ko-KR" altLang="en-US" dirty="0" smtClean="0"/>
+              <a:t>대상포진 후 </a:t>
+            </a:r>
+            <a:r>
+              <a:rPr lang="ko-KR" altLang="en-US" dirty="0" err="1" smtClean="0"/>
+              <a:t>신경병</a:t>
+            </a:r>
+            <a:r>
+              <a:rPr lang="ko-KR" altLang="en-US" dirty="0" smtClean="0"/>
+              <a:t> 통증</a:t>
+            </a:r>
+            <a:endParaRPr lang="en-US" altLang="ko-KR" dirty="0" smtClean="0"/>
+          </a:p>
+          <a:p>
+            <a:r>
+              <a:rPr lang="ko-KR" altLang="en-US" dirty="0" err="1" smtClean="0"/>
+              <a:t>삼차신경병</a:t>
+            </a:r>
+            <a:r>
+              <a:rPr lang="ko-KR" altLang="en-US" dirty="0" smtClean="0"/>
+              <a:t> 통증</a:t>
+            </a:r>
+            <a:endParaRPr lang="en-US" altLang="ko-KR" dirty="0" smtClean="0"/>
+          </a:p>
+          <a:p>
+            <a:r>
+              <a:rPr lang="ko-KR" altLang="en-US" dirty="0" smtClean="0"/>
+              <a:t>항암치료에 의한 신경병증</a:t>
+            </a:r>
+            <a:endParaRPr lang="en-US" altLang="ko-KR" dirty="0" smtClean="0"/>
+          </a:p>
+          <a:p>
+            <a:r>
+              <a:rPr lang="ko-KR" altLang="en-US" dirty="0" smtClean="0"/>
+              <a:t>알코올 독성 신경병증</a:t>
+            </a:r>
+            <a:endParaRPr lang="en-US" altLang="ko-KR" dirty="0" smtClean="0"/>
+          </a:p>
+          <a:p>
+            <a:r>
+              <a:rPr lang="ko-KR" altLang="en-US" dirty="0" smtClean="0"/>
+              <a:t>뇌경색</a:t>
+            </a:r>
+            <a:endParaRPr lang="en-US" altLang="ko-KR" dirty="0" smtClean="0"/>
+          </a:p>
+          <a:p>
+            <a:r>
+              <a:rPr lang="ko-KR" altLang="en-US" dirty="0" err="1" smtClean="0"/>
+              <a:t>척수병증</a:t>
+            </a:r>
+            <a:endParaRPr lang="en-US" altLang="ko-KR" dirty="0" smtClean="0"/>
+          </a:p>
+          <a:p>
+            <a:r>
+              <a:rPr lang="ko-KR" altLang="en-US" dirty="0" smtClean="0"/>
+              <a:t>특발성 </a:t>
+            </a:r>
+            <a:r>
+              <a:rPr lang="ko-KR" altLang="en-US" dirty="0" err="1" smtClean="0"/>
+              <a:t>소섬유</a:t>
+            </a:r>
+            <a:r>
+              <a:rPr lang="ko-KR" altLang="en-US" dirty="0" smtClean="0"/>
+              <a:t> </a:t>
+            </a:r>
+            <a:r>
+              <a:rPr lang="ko-KR" altLang="en-US" dirty="0" err="1" smtClean="0"/>
+              <a:t>신경병</a:t>
+            </a:r>
+            <a:endParaRPr lang="en-US" altLang="ko-KR" dirty="0" smtClean="0"/>
+          </a:p>
+          <a:p>
+            <a:r>
+              <a:rPr lang="ko-KR" altLang="en-US" dirty="0" err="1" smtClean="0"/>
+              <a:t>길랑바레</a:t>
+            </a:r>
+            <a:r>
+              <a:rPr lang="ko-KR" altLang="en-US" dirty="0" smtClean="0"/>
+              <a:t> 증후군</a:t>
+            </a:r>
+            <a:endParaRPr lang="en-US" altLang="ko-KR" dirty="0" smtClean="0"/>
+          </a:p>
+          <a:p>
+            <a:r>
+              <a:rPr lang="ko-KR" altLang="en-US" dirty="0" smtClean="0"/>
+              <a:t>비타민 결핍에 의한 </a:t>
+            </a:r>
+            <a:r>
+              <a:rPr lang="ko-KR" altLang="en-US" dirty="0" err="1" smtClean="0"/>
+              <a:t>신경병</a:t>
+            </a:r>
+            <a:endParaRPr lang="ko-KR" altLang="en-US" dirty="0"/>
+          </a:p>
+        </p:txBody>
+      </p:sp>
+    </p:spTree>
+    <p:extLst>
+      <p:ext uri="{BB962C8B-B14F-4D97-AF65-F5344CB8AC3E}">
+        <p14:creationId xmlns:p14="http://schemas.microsoft.com/office/powerpoint/2010/main" val="4100297429"/>
+      </p:ext>
+    </p:extLst>
+  </p:cSld>
+  <p:clrMapOvr>
+    <a:masterClrMapping/>
+  </p:clrMapOvr>
+  <p:timing>
+    <p:tnLst>
+      <p:par>
+        <p:cTn id="1" dur="indefinite" restart="never" nodeType="tmRoot"/>
+      </p:par>
+    </p:tnLst>
+  </p:timing>
+</p:sld>
+</file>
+
+<file path=ppt/slides/slide7.xml><?xml version="1.0" encoding="utf-8"?>
+<p:sld xmlns:a="http://schemas.openxmlformats.org/drawingml/2006/main" xmlns:r="http://schemas.openxmlformats.org/officeDocument/2006/relationships" xmlns:p="http://schemas.openxmlformats.org/presentationml/2006/main">
+  <p:cSld>
+    <p:spTree>
+      <p:nvGrpSpPr>
+        <p:cNvPr id="1" name=""/>
+        <p:cNvGrpSpPr/>
+        <p:nvPr/>
+      </p:nvGrpSpPr>
+      <p:grpSpPr>
+        <a:xfrm>
+          <a:off x="0" y="0"/>
+          <a:ext cx="0" cy="0"/>
+          <a:chOff x="0" y="0"/>
+          <a:chExt cx="0" cy="0"/>
+        </a:xfrm>
+      </p:grpSpPr>
+      <p:sp>
+        <p:nvSpPr>
+          <p:cNvPr id="2" name="제목 1"/>
+          <p:cNvSpPr>
+            <a:spLocks noGrp="1"/>
+          </p:cNvSpPr>
+          <p:nvPr>
+            <p:ph type="title"/>
+          </p:nvPr>
+        </p:nvSpPr>
+        <p:spPr/>
+        <p:txBody>
+          <a:bodyPr/>
+          <a:lstStyle/>
+          <a:p>
+            <a:r>
+              <a:rPr lang="ko-KR" altLang="en-US" dirty="0" err="1" smtClean="0"/>
+              <a:t>신경병</a:t>
+            </a:r>
+            <a:r>
+              <a:rPr lang="ko-KR" altLang="en-US" dirty="0" smtClean="0"/>
+              <a:t> 통증의 진단과 평가 </a:t>
+            </a:r>
+            <a:endParaRPr lang="ko-KR" altLang="en-US" dirty="0"/>
+          </a:p>
+        </p:txBody>
+      </p:sp>
+      <p:sp>
+        <p:nvSpPr>
+          <p:cNvPr id="3" name="내용 개체 틀 2"/>
+          <p:cNvSpPr>
+            <a:spLocks noGrp="1"/>
+          </p:cNvSpPr>
+          <p:nvPr>
+            <p:ph idx="1"/>
+          </p:nvPr>
+        </p:nvSpPr>
+        <p:spPr/>
+        <p:txBody>
+          <a:bodyPr/>
+          <a:lstStyle/>
+          <a:p>
+            <a:pPr>
+              <a:lnSpc>
+                <a:spcPct val="150000"/>
+              </a:lnSpc>
+            </a:pPr>
+            <a:r>
+              <a:rPr lang="ko-KR" altLang="en-US" dirty="0" err="1" smtClean="0"/>
+              <a:t>통증평가지</a:t>
+            </a:r>
+            <a:endParaRPr lang="en-US" altLang="ko-KR" dirty="0" smtClean="0"/>
+          </a:p>
+          <a:p>
+            <a:pPr lvl="1">
+              <a:lnSpc>
+                <a:spcPct val="150000"/>
+              </a:lnSpc>
+            </a:pPr>
+            <a:r>
+              <a:rPr lang="ko-KR" altLang="en-US" dirty="0" err="1" smtClean="0"/>
+              <a:t>단순평가</a:t>
+            </a:r>
+            <a:r>
+              <a:rPr lang="ko-KR" altLang="en-US" dirty="0" smtClean="0"/>
+              <a:t> 설문지</a:t>
+            </a:r>
+            <a:r>
+              <a:rPr lang="en-US" altLang="ko-KR" dirty="0" smtClean="0"/>
+              <a:t>: visual analogue scale (VAS), numerical rating scale (NRS)</a:t>
+            </a:r>
+          </a:p>
+          <a:p>
+            <a:pPr lvl="1">
+              <a:lnSpc>
+                <a:spcPct val="150000"/>
+              </a:lnSpc>
+            </a:pPr>
+            <a:r>
+              <a:rPr lang="ko-KR" altLang="en-US" dirty="0" smtClean="0"/>
+              <a:t>다면평가 설문지</a:t>
+            </a:r>
+            <a:r>
+              <a:rPr lang="en-US" altLang="ko-KR" dirty="0" smtClean="0"/>
+              <a:t>: </a:t>
+            </a:r>
+            <a:r>
+              <a:rPr lang="ko-KR" altLang="en-US" dirty="0" smtClean="0"/>
+              <a:t>통증 위치</a:t>
+            </a:r>
+            <a:r>
+              <a:rPr lang="en-US" altLang="ko-KR" dirty="0" smtClean="0"/>
+              <a:t>, </a:t>
+            </a:r>
+            <a:r>
+              <a:rPr lang="ko-KR" altLang="en-US" dirty="0" smtClean="0"/>
+              <a:t>양상</a:t>
+            </a:r>
+            <a:r>
+              <a:rPr lang="en-US" altLang="ko-KR" dirty="0" smtClean="0"/>
+              <a:t>, affect</a:t>
+            </a:r>
+            <a:r>
+              <a:rPr lang="ko-KR" altLang="en-US" dirty="0" smtClean="0"/>
+              <a:t>까지도 평가</a:t>
+            </a:r>
+            <a:r>
+              <a:rPr lang="en-US" altLang="ko-KR" dirty="0" smtClean="0"/>
+              <a:t>, </a:t>
+            </a:r>
+            <a:r>
+              <a:rPr lang="ko-KR" altLang="en-US" dirty="0" smtClean="0"/>
+              <a:t>맥길통증설문지를 널리 사용</a:t>
+            </a:r>
+            <a:endParaRPr lang="en-US" altLang="ko-KR" dirty="0" smtClean="0"/>
+          </a:p>
+          <a:p>
+            <a:pPr>
+              <a:lnSpc>
+                <a:spcPct val="150000"/>
+              </a:lnSpc>
+            </a:pPr>
+            <a:r>
+              <a:rPr lang="ko-KR" altLang="en-US" dirty="0" smtClean="0"/>
+              <a:t>신경병통증설문지</a:t>
+            </a:r>
+            <a:endParaRPr lang="en-US" altLang="ko-KR" dirty="0" smtClean="0"/>
+          </a:p>
+          <a:p>
+            <a:pPr lvl="1"/>
+            <a:r>
+              <a:rPr lang="ko-KR" altLang="en-US" dirty="0" err="1" smtClean="0"/>
+              <a:t>선별검사지</a:t>
+            </a:r>
+            <a:r>
+              <a:rPr lang="en-US" altLang="ko-KR" dirty="0" smtClean="0"/>
+              <a:t>: Leeds Assessment of Neuropathic symptoms and Signs (LANSS), Neuropathic Pain Questionnaire (NPQ), </a:t>
+            </a:r>
+            <a:r>
+              <a:rPr lang="en-US" altLang="ko-KR" dirty="0" err="1" smtClean="0"/>
+              <a:t>painDETECT</a:t>
+            </a:r>
+            <a:r>
+              <a:rPr lang="en-US" altLang="ko-KR" dirty="0" smtClean="0"/>
+              <a:t> </a:t>
+            </a:r>
+            <a:r>
+              <a:rPr lang="ko-KR" altLang="en-US" dirty="0" smtClean="0"/>
+              <a:t>등이 있음</a:t>
+            </a:r>
+            <a:r>
+              <a:rPr lang="en-US" altLang="ko-KR" dirty="0" smtClean="0"/>
+              <a:t>.</a:t>
+            </a:r>
+          </a:p>
+          <a:p>
+            <a:pPr lvl="1"/>
+            <a:r>
+              <a:rPr lang="ko-KR" altLang="en-US" dirty="0" err="1" smtClean="0"/>
+              <a:t>평가설문지</a:t>
+            </a:r>
+            <a:r>
+              <a:rPr lang="en-US" altLang="ko-KR" dirty="0" smtClean="0"/>
+              <a:t>: Neuropathic Pain Scale (NPS), Neuropathic Pain Symptom Inventory (NPSI), Korean Neuropathic Pain Questionnaire (KNPQ)</a:t>
+            </a:r>
+            <a:r>
+              <a:rPr lang="ko-KR" altLang="en-US" dirty="0" smtClean="0"/>
+              <a:t>가 널리 사용됨</a:t>
+            </a:r>
+            <a:r>
+              <a:rPr lang="en-US" altLang="ko-KR" dirty="0" smtClean="0"/>
+              <a:t>. </a:t>
+            </a:r>
+            <a:r>
+              <a:rPr lang="ko-KR" altLang="en-US" dirty="0" err="1" smtClean="0"/>
+              <a:t>감각저하나</a:t>
+            </a:r>
+            <a:r>
+              <a:rPr lang="ko-KR" altLang="en-US" dirty="0" smtClean="0"/>
+              <a:t> 무감각 같은 </a:t>
+            </a:r>
+            <a:r>
+              <a:rPr lang="ko-KR" altLang="en-US" dirty="0" err="1" smtClean="0"/>
+              <a:t>음성증상은</a:t>
+            </a:r>
+            <a:r>
+              <a:rPr lang="ko-KR" altLang="en-US" dirty="0" smtClean="0"/>
+              <a:t> 평가하지 않음</a:t>
+            </a:r>
+            <a:r>
+              <a:rPr lang="en-US" altLang="ko-KR" dirty="0" smtClean="0"/>
+              <a:t>. </a:t>
+            </a:r>
+          </a:p>
+          <a:p>
+            <a:pPr lvl="1">
+              <a:lnSpc>
+                <a:spcPct val="150000"/>
+              </a:lnSpc>
+            </a:pPr>
+            <a:endParaRPr lang="ko-KR" altLang="en-US" dirty="0"/>
+          </a:p>
+        </p:txBody>
+      </p:sp>
+    </p:spTree>
+    <p:extLst>
+      <p:ext uri="{BB962C8B-B14F-4D97-AF65-F5344CB8AC3E}">
+        <p14:creationId xmlns:p14="http://schemas.microsoft.com/office/powerpoint/2010/main" val="3776802221"/>
+      </p:ext>
+    </p:extLst>
+  </p:cSld>
+  <p:clrMapOvr>
+    <a:masterClrMapping/>
+  </p:clrMapOvr>
+  <p:timing>
+    <p:tnLst>
+      <p:par>
+        <p:cTn id="1" dur="indefinite" restart="never" nodeType="tmRoot"/>
+      </p:par>
+    </p:tnLst>
+  </p:timing>
 </p:sld>
 </file>
 
@@ -4625,76 +9652,14 @@
       </p:grpSpPr>
       <p:sp>
         <p:nvSpPr>
-          <p:cNvPr id="2" name="제목 1"/>
-          <p:cNvSpPr>
-            <a:spLocks noGrp="1"/>
-          </p:cNvSpPr>
-          <p:nvPr>
-            <p:ph type="title"/>
-          </p:nvPr>
-        </p:nvSpPr>
-        <p:spPr/>
-        <p:txBody>
-          <a:bodyPr/>
-          <a:lstStyle/>
-          <a:p>
-            <a:endParaRPr lang="ko-KR" altLang="en-US"/>
-          </a:p>
-        </p:txBody>
-      </p:sp>
-      <p:sp>
-        <p:nvSpPr>
-          <p:cNvPr id="3" name="내용 개체 틀 2"/>
-          <p:cNvSpPr>
-            <a:spLocks noGrp="1"/>
-          </p:cNvSpPr>
-          <p:nvPr>
-            <p:ph idx="1"/>
-          </p:nvPr>
-        </p:nvSpPr>
-        <p:spPr/>
-        <p:txBody>
-          <a:bodyPr/>
-          <a:lstStyle/>
-          <a:p>
-            <a:endParaRPr lang="ko-KR" altLang="en-US"/>
-          </a:p>
-        </p:txBody>
-      </p:sp>
-      <p:pic>
-        <p:nvPicPr>
-          <p:cNvPr id="4" name="그림 3"/>
-          <p:cNvPicPr>
-            <a:picLocks noChangeAspect="1"/>
-          </p:cNvPicPr>
+          <p:cNvPr id="7" name="TextBox 6"/>
+          <p:cNvSpPr txBox="1"/>
           <p:nvPr/>
-        </p:nvPicPr>
-        <p:blipFill>
-          <a:blip r:embed="rId2"/>
-          <a:stretch>
-            <a:fillRect/>
-          </a:stretch>
-        </p:blipFill>
+        </p:nvSpPr>
         <p:spPr>
           <a:xfrm>
-            <a:off x="0" y="805557"/>
-            <a:ext cx="9364382" cy="4458322"/>
-          </a:xfrm>
-          <a:prstGeom prst="rect">
-            <a:avLst/>
-          </a:prstGeom>
-        </p:spPr>
-      </p:pic>
-      <p:sp>
-        <p:nvSpPr>
-          <p:cNvPr id="5" name="TextBox 4"/>
-          <p:cNvSpPr txBox="1"/>
-          <p:nvPr/>
-        </p:nvSpPr>
-        <p:spPr>
-          <a:xfrm>
-            <a:off x="9457189" y="6488668"/>
-            <a:ext cx="2734811" cy="369332"/>
+            <a:off x="9473456" y="6488668"/>
+            <a:ext cx="3706521" cy="369332"/>
           </a:xfrm>
           <a:prstGeom prst="rect">
             <a:avLst/>
@@ -4708,35 +9673,133 @@
           <a:lstStyle/>
           <a:p>
             <a:r>
-              <a:rPr lang="en-US" altLang="ko-KR" dirty="0" err="1"/>
-              <a:t>Luana</a:t>
-            </a:r>
-            <a:r>
-              <a:rPr lang="en-US" altLang="ko-KR" dirty="0"/>
-              <a:t> </a:t>
-            </a:r>
-            <a:r>
-              <a:rPr lang="en-US" altLang="ko-KR" dirty="0" err="1" smtClean="0"/>
-              <a:t>Colloca</a:t>
+              <a:rPr lang="fi-FI" altLang="ko-KR" dirty="0" smtClean="0"/>
+              <a:t>EH Sohn and BJ </a:t>
+            </a:r>
+            <a:r>
+              <a:rPr lang="fi-FI" altLang="ko-KR" dirty="0"/>
+              <a:t>Kim</a:t>
             </a:r>
             <a:r>
               <a:rPr lang="en-US" altLang="ko-KR" dirty="0" smtClean="0"/>
-              <a:t> et al., 2017</a:t>
+              <a:t>, 2021</a:t>
             </a:r>
             <a:endParaRPr lang="ko-KR" altLang="en-US" dirty="0"/>
           </a:p>
         </p:txBody>
       </p:sp>
+      <p:sp>
+        <p:nvSpPr>
+          <p:cNvPr id="2" name="제목 1"/>
+          <p:cNvSpPr>
+            <a:spLocks noGrp="1"/>
+          </p:cNvSpPr>
+          <p:nvPr>
+            <p:ph type="title"/>
+          </p:nvPr>
+        </p:nvSpPr>
+        <p:spPr/>
+        <p:txBody>
+          <a:bodyPr/>
+          <a:lstStyle/>
+          <a:p>
+            <a:r>
+              <a:rPr lang="en-US" altLang="ko-KR" dirty="0" smtClean="0"/>
+              <a:t>KNPQ</a:t>
+            </a:r>
+            <a:endParaRPr lang="ko-KR" altLang="en-US" dirty="0"/>
+          </a:p>
+        </p:txBody>
+      </p:sp>
+      <p:pic>
+        <p:nvPicPr>
+          <p:cNvPr id="4" name="그림 3"/>
+          <p:cNvPicPr>
+            <a:picLocks noChangeAspect="1"/>
+          </p:cNvPicPr>
+          <p:nvPr/>
+        </p:nvPicPr>
+        <p:blipFill>
+          <a:blip r:embed="rId3"/>
+          <a:stretch>
+            <a:fillRect/>
+          </a:stretch>
+        </p:blipFill>
+        <p:spPr>
+          <a:xfrm>
+            <a:off x="0" y="1242730"/>
+            <a:ext cx="4907671" cy="5615270"/>
+          </a:xfrm>
+          <a:prstGeom prst="rect">
+            <a:avLst/>
+          </a:prstGeom>
+        </p:spPr>
+      </p:pic>
+      <p:pic>
+        <p:nvPicPr>
+          <p:cNvPr id="5" name="그림 4"/>
+          <p:cNvPicPr>
+            <a:picLocks noChangeAspect="1"/>
+          </p:cNvPicPr>
+          <p:nvPr/>
+        </p:nvPicPr>
+        <p:blipFill>
+          <a:blip r:embed="rId4"/>
+          <a:stretch>
+            <a:fillRect/>
+          </a:stretch>
+        </p:blipFill>
+        <p:spPr>
+          <a:xfrm>
+            <a:off x="5141962" y="1237516"/>
+            <a:ext cx="3217738" cy="5620484"/>
+          </a:xfrm>
+          <a:prstGeom prst="rect">
+            <a:avLst/>
+          </a:prstGeom>
+        </p:spPr>
+      </p:pic>
+      <p:pic>
+        <p:nvPicPr>
+          <p:cNvPr id="6" name="그림 5"/>
+          <p:cNvPicPr>
+            <a:picLocks noChangeAspect="1"/>
+          </p:cNvPicPr>
+          <p:nvPr/>
+        </p:nvPicPr>
+        <p:blipFill>
+          <a:blip r:embed="rId5"/>
+          <a:stretch>
+            <a:fillRect/>
+          </a:stretch>
+        </p:blipFill>
+        <p:spPr>
+          <a:xfrm>
+            <a:off x="8452444" y="1237516"/>
+            <a:ext cx="3646811" cy="4535016"/>
+          </a:xfrm>
+          <a:prstGeom prst="rect">
+            <a:avLst/>
+          </a:prstGeom>
+        </p:spPr>
+      </p:pic>
     </p:spTree>
     <p:extLst>
       <p:ext uri="{BB962C8B-B14F-4D97-AF65-F5344CB8AC3E}">
-        <p14:creationId xmlns:p14="http://schemas.microsoft.com/office/powerpoint/2010/main" val="3554027564"/>
+        <p14:creationId xmlns:p14="http://schemas.microsoft.com/office/powerpoint/2010/main" val="3916133237"/>
       </p:ext>
     </p:extLst>
   </p:cSld>
   <p:clrMapOvr>
     <a:masterClrMapping/>
   </p:clrMapOvr>
+  <p:timing>
+    <p:tnLst>
+      <p:par>
+        <p:cTn id="1" dur="indefinite" restart="never" nodeType="tmRoot"/>
+      </p:par>
+    </p:tnLst>
+  </p:timing>
 </p:sld>
 </file>
 
@@ -4757,6 +9820,53 @@
           <a:chExt cx="0" cy="0"/>
         </a:xfrm>
       </p:grpSpPr>
+      <p:sp>
+        <p:nvSpPr>
+          <p:cNvPr id="2" name="제목 1"/>
+          <p:cNvSpPr>
+            <a:spLocks noGrp="1"/>
+          </p:cNvSpPr>
+          <p:nvPr>
+            <p:ph type="title"/>
+          </p:nvPr>
+        </p:nvSpPr>
+        <p:spPr/>
+        <p:txBody>
+          <a:bodyPr/>
+          <a:lstStyle/>
+          <a:p>
+            <a:r>
+              <a:rPr lang="en-US" altLang="ko-KR" dirty="0" smtClean="0"/>
+              <a:t>SF-MPQ (short-form McGill Pain Questionnaire)</a:t>
+            </a:r>
+            <a:endParaRPr lang="ko-KR" altLang="en-US" dirty="0"/>
+          </a:p>
+        </p:txBody>
+      </p:sp>
+      <p:sp>
+        <p:nvSpPr>
+          <p:cNvPr id="3" name="내용 개체 틀 2"/>
+          <p:cNvSpPr>
+            <a:spLocks noGrp="1"/>
+          </p:cNvSpPr>
+          <p:nvPr>
+            <p:ph idx="1"/>
+          </p:nvPr>
+        </p:nvSpPr>
+        <p:spPr>
+          <a:xfrm>
+            <a:off x="0" y="1206499"/>
+            <a:ext cx="14320846" cy="6638309"/>
+          </a:xfrm>
+        </p:spPr>
+        <p:txBody>
+          <a:bodyPr/>
+          <a:lstStyle/>
+          <a:p>
+            <a:endParaRPr lang="ko-KR" altLang="en-US" dirty="0"/>
+          </a:p>
+        </p:txBody>
+      </p:sp>
       <p:pic>
         <p:nvPicPr>
           <p:cNvPr id="4" name="그림 3"/>
@@ -4766,15 +9876,15 @@
           <p:nvPr/>
         </p:nvPicPr>
         <p:blipFill>
-          <a:blip r:embed="rId3"/>
+          <a:blip r:embed="rId2"/>
           <a:stretch>
             <a:fillRect/>
           </a:stretch>
         </p:blipFill>
         <p:spPr>
           <a:xfrm>
-            <a:off x="0" y="508001"/>
-            <a:ext cx="7197458" cy="6283963"/>
+            <a:off x="2689336" y="1206499"/>
+            <a:ext cx="6079219" cy="5539795"/>
           </a:xfrm>
           <a:prstGeom prst="rect">
             <a:avLst/>
@@ -4789,8 +9899,8 @@
         </p:nvSpPr>
         <p:spPr>
           <a:xfrm>
-            <a:off x="9457189" y="6488668"/>
-            <a:ext cx="2734811" cy="369332"/>
+            <a:off x="9473456" y="6488668"/>
+            <a:ext cx="3706521" cy="369332"/>
           </a:xfrm>
           <a:prstGeom prst="rect">
             <a:avLst/>
@@ -4804,59 +9914,38 @@
           <a:lstStyle/>
           <a:p>
             <a:r>
-              <a:rPr lang="en-US" altLang="ko-KR" dirty="0" err="1"/>
-              <a:t>Luana</a:t>
-            </a:r>
-            <a:r>
-              <a:rPr lang="en-US" altLang="ko-KR" dirty="0"/>
-              <a:t> </a:t>
-            </a:r>
-            <a:r>
-              <a:rPr lang="en-US" altLang="ko-KR" dirty="0" err="1" smtClean="0"/>
-              <a:t>Colloca</a:t>
+              <a:rPr lang="fi-FI" altLang="ko-KR" dirty="0" smtClean="0"/>
+              <a:t>EH Sohn and BJ </a:t>
+            </a:r>
+            <a:r>
+              <a:rPr lang="fi-FI" altLang="ko-KR" dirty="0"/>
+              <a:t>Kim</a:t>
             </a:r>
             <a:r>
               <a:rPr lang="en-US" altLang="ko-KR" dirty="0" smtClean="0"/>
-              <a:t> et al., 2017</a:t>
+              <a:t>, 2021</a:t>
             </a:r>
             <a:endParaRPr lang="ko-KR" altLang="en-US" dirty="0"/>
           </a:p>
         </p:txBody>
       </p:sp>
-      <p:pic>
-        <p:nvPicPr>
-          <p:cNvPr id="6" name="그림 5"/>
-          <p:cNvPicPr>
-            <a:picLocks noChangeAspect="1"/>
-          </p:cNvPicPr>
-          <p:nvPr/>
-        </p:nvPicPr>
-        <p:blipFill>
-          <a:blip r:embed="rId4"/>
-          <a:stretch>
-            <a:fillRect/>
-          </a:stretch>
-        </p:blipFill>
-        <p:spPr>
-          <a:xfrm>
-            <a:off x="7663152" y="508001"/>
-            <a:ext cx="4528848" cy="5222039"/>
-          </a:xfrm>
-          <a:prstGeom prst="rect">
-            <a:avLst/>
-          </a:prstGeom>
-        </p:spPr>
-      </p:pic>
     </p:spTree>
     <p:extLst>
       <p:ext uri="{BB962C8B-B14F-4D97-AF65-F5344CB8AC3E}">
-        <p14:creationId xmlns:p14="http://schemas.microsoft.com/office/powerpoint/2010/main" val="378853382"/>
+        <p14:creationId xmlns:p14="http://schemas.microsoft.com/office/powerpoint/2010/main" val="1306958852"/>
       </p:ext>
     </p:extLst>
   </p:cSld>
   <p:clrMapOvr>
     <a:masterClrMapping/>
   </p:clrMapOvr>
+  <p:timing>
+    <p:tnLst>
+      <p:par>
+        <p:cTn id="1" dur="indefinite" restart="never" nodeType="tmRoot"/>
+      </p:par>
+    </p:tnLst>
+  </p:timing>
 </p:sld>
 </file>
 

--- a/2021.12 개원의연수강좌-neuropathic pain.pptx
+++ b/2021.12 개원의연수강좌-neuropathic pain.pptx
@@ -5,7 +5,7 @@
     <p:sldMasterId id="2147483660" r:id="rId1"/>
   </p:sldMasterIdLst>
   <p:notesMasterIdLst>
-    <p:notesMasterId r:id="rId15"/>
+    <p:notesMasterId r:id="rId19"/>
   </p:notesMasterIdLst>
   <p:sldIdLst>
     <p:sldId id="256" r:id="rId2"/>
@@ -21,6 +21,10 @@
     <p:sldId id="271" r:id="rId12"/>
     <p:sldId id="272" r:id="rId13"/>
     <p:sldId id="262" r:id="rId14"/>
+    <p:sldId id="273" r:id="rId15"/>
+    <p:sldId id="275" r:id="rId16"/>
+    <p:sldId id="276" r:id="rId17"/>
+    <p:sldId id="274" r:id="rId18"/>
   </p:sldIdLst>
   <p:sldSz cx="12192000" cy="6858000"/>
   <p:notesSz cx="6858000" cy="9144000"/>
@@ -127,6 +131,6240 @@
 </p:presentation>
 </file>
 
+<file path=ppt/diagrams/colors1.xml><?xml version="1.0" encoding="utf-8"?>
+<dgm:colorsDef xmlns:dgm="http://schemas.openxmlformats.org/drawingml/2006/diagram" xmlns:a="http://schemas.openxmlformats.org/drawingml/2006/main" uniqueId="urn:microsoft.com/office/officeart/2005/8/colors/accent1_2">
+  <dgm:title val=""/>
+  <dgm:desc val=""/>
+  <dgm:catLst>
+    <dgm:cat type="accent1" pri="11200"/>
+  </dgm:catLst>
+  <dgm:styleLbl name="node0">
+    <dgm:fillClrLst meth="repeat">
+      <a:schemeClr val="accent1"/>
+    </dgm:fillClrLst>
+    <dgm:linClrLst meth="repeat">
+      <a:schemeClr val="lt1"/>
+    </dgm:linClrLst>
+    <dgm:effectClrLst/>
+    <dgm:txLinClrLst/>
+    <dgm:txFillClrLst/>
+    <dgm:txEffectClrLst/>
+  </dgm:styleLbl>
+  <dgm:styleLbl name="alignNode1">
+    <dgm:fillClrLst meth="repeat">
+      <a:schemeClr val="accent1"/>
+    </dgm:fillClrLst>
+    <dgm:linClrLst meth="repeat">
+      <a:schemeClr val="accent1"/>
+    </dgm:linClrLst>
+    <dgm:effectClrLst/>
+    <dgm:txLinClrLst/>
+    <dgm:txFillClrLst/>
+    <dgm:txEffectClrLst/>
+  </dgm:styleLbl>
+  <dgm:styleLbl name="node1">
+    <dgm:fillClrLst meth="repeat">
+      <a:schemeClr val="accent1"/>
+    </dgm:fillClrLst>
+    <dgm:linClrLst meth="repeat">
+      <a:schemeClr val="lt1"/>
+    </dgm:linClrLst>
+    <dgm:effectClrLst/>
+    <dgm:txLinClrLst/>
+    <dgm:txFillClrLst/>
+    <dgm:txEffectClrLst/>
+  </dgm:styleLbl>
+  <dgm:styleLbl name="lnNode1">
+    <dgm:fillClrLst meth="repeat">
+      <a:schemeClr val="accent1"/>
+    </dgm:fillClrLst>
+    <dgm:linClrLst meth="repeat">
+      <a:schemeClr val="lt1"/>
+    </dgm:linClrLst>
+    <dgm:effectClrLst/>
+    <dgm:txLinClrLst/>
+    <dgm:txFillClrLst/>
+    <dgm:txEffectClrLst/>
+  </dgm:styleLbl>
+  <dgm:styleLbl name="vennNode1">
+    <dgm:fillClrLst meth="repeat">
+      <a:schemeClr val="accent1">
+        <a:alpha val="50000"/>
+      </a:schemeClr>
+    </dgm:fillClrLst>
+    <dgm:linClrLst meth="repeat">
+      <a:schemeClr val="lt1"/>
+    </dgm:linClrLst>
+    <dgm:effectClrLst/>
+    <dgm:txLinClrLst/>
+    <dgm:txFillClrLst/>
+    <dgm:txEffectClrLst/>
+  </dgm:styleLbl>
+  <dgm:styleLbl name="node2">
+    <dgm:fillClrLst meth="repeat">
+      <a:schemeClr val="accent1"/>
+    </dgm:fillClrLst>
+    <dgm:linClrLst meth="repeat">
+      <a:schemeClr val="lt1"/>
+    </dgm:linClrLst>
+    <dgm:effectClrLst/>
+    <dgm:txLinClrLst/>
+    <dgm:txFillClrLst/>
+    <dgm:txEffectClrLst/>
+  </dgm:styleLbl>
+  <dgm:styleLbl name="node3">
+    <dgm:fillClrLst meth="repeat">
+      <a:schemeClr val="accent1"/>
+    </dgm:fillClrLst>
+    <dgm:linClrLst meth="repeat">
+      <a:schemeClr val="lt1"/>
+    </dgm:linClrLst>
+    <dgm:effectClrLst/>
+    <dgm:txLinClrLst/>
+    <dgm:txFillClrLst/>
+    <dgm:txEffectClrLst/>
+  </dgm:styleLbl>
+  <dgm:styleLbl name="node4">
+    <dgm:fillClrLst meth="repeat">
+      <a:schemeClr val="accent1"/>
+    </dgm:fillClrLst>
+    <dgm:linClrLst meth="repeat">
+      <a:schemeClr val="lt1"/>
+    </dgm:linClrLst>
+    <dgm:effectClrLst/>
+    <dgm:txLinClrLst/>
+    <dgm:txFillClrLst/>
+    <dgm:txEffectClrLst/>
+  </dgm:styleLbl>
+  <dgm:styleLbl name="fgImgPlace1">
+    <dgm:fillClrLst meth="repeat">
+      <a:schemeClr val="accent1">
+        <a:tint val="50000"/>
+      </a:schemeClr>
+    </dgm:fillClrLst>
+    <dgm:linClrLst meth="repeat">
+      <a:schemeClr val="lt1"/>
+    </dgm:linClrLst>
+    <dgm:effectClrLst/>
+    <dgm:txLinClrLst/>
+    <dgm:txFillClrLst meth="repeat">
+      <a:schemeClr val="lt1"/>
+    </dgm:txFillClrLst>
+    <dgm:txEffectClrLst/>
+  </dgm:styleLbl>
+  <dgm:styleLbl name="alignImgPlace1">
+    <dgm:fillClrLst meth="repeat">
+      <a:schemeClr val="accent1">
+        <a:tint val="50000"/>
+      </a:schemeClr>
+    </dgm:fillClrLst>
+    <dgm:linClrLst meth="repeat">
+      <a:schemeClr val="lt1"/>
+    </dgm:linClrLst>
+    <dgm:effectClrLst/>
+    <dgm:txLinClrLst/>
+    <dgm:txFillClrLst meth="repeat">
+      <a:schemeClr val="lt1"/>
+    </dgm:txFillClrLst>
+    <dgm:txEffectClrLst/>
+  </dgm:styleLbl>
+  <dgm:styleLbl name="bgImgPlace1">
+    <dgm:fillClrLst meth="repeat">
+      <a:schemeClr val="accent1">
+        <a:tint val="50000"/>
+      </a:schemeClr>
+    </dgm:fillClrLst>
+    <dgm:linClrLst meth="repeat">
+      <a:schemeClr val="lt1"/>
+    </dgm:linClrLst>
+    <dgm:effectClrLst/>
+    <dgm:txLinClrLst/>
+    <dgm:txFillClrLst meth="repeat">
+      <a:schemeClr val="lt1"/>
+    </dgm:txFillClrLst>
+    <dgm:txEffectClrLst/>
+  </dgm:styleLbl>
+  <dgm:styleLbl name="sibTrans2D1">
+    <dgm:fillClrLst meth="repeat">
+      <a:schemeClr val="accent1">
+        <a:tint val="60000"/>
+      </a:schemeClr>
+    </dgm:fillClrLst>
+    <dgm:linClrLst meth="repeat">
+      <a:schemeClr val="accent1">
+        <a:tint val="60000"/>
+      </a:schemeClr>
+    </dgm:linClrLst>
+    <dgm:effectClrLst/>
+    <dgm:txLinClrLst/>
+    <dgm:txFillClrLst/>
+    <dgm:txEffectClrLst/>
+  </dgm:styleLbl>
+  <dgm:styleLbl name="fgSibTrans2D1">
+    <dgm:fillClrLst meth="repeat">
+      <a:schemeClr val="accent1">
+        <a:tint val="60000"/>
+      </a:schemeClr>
+    </dgm:fillClrLst>
+    <dgm:linClrLst meth="repeat">
+      <a:schemeClr val="accent1">
+        <a:tint val="60000"/>
+      </a:schemeClr>
+    </dgm:linClrLst>
+    <dgm:effectClrLst/>
+    <dgm:txLinClrLst/>
+    <dgm:txFillClrLst/>
+    <dgm:txEffectClrLst/>
+  </dgm:styleLbl>
+  <dgm:styleLbl name="bgSibTrans2D1">
+    <dgm:fillClrLst meth="repeat">
+      <a:schemeClr val="accent1">
+        <a:tint val="60000"/>
+      </a:schemeClr>
+    </dgm:fillClrLst>
+    <dgm:linClrLst meth="repeat">
+      <a:schemeClr val="accent1">
+        <a:tint val="60000"/>
+      </a:schemeClr>
+    </dgm:linClrLst>
+    <dgm:effectClrLst/>
+    <dgm:txLinClrLst/>
+    <dgm:txFillClrLst/>
+    <dgm:txEffectClrLst/>
+  </dgm:styleLbl>
+  <dgm:styleLbl name="sibTrans1D1">
+    <dgm:fillClrLst meth="repeat">
+      <a:schemeClr val="accent1"/>
+    </dgm:fillClrLst>
+    <dgm:linClrLst meth="repeat">
+      <a:schemeClr val="accent1"/>
+    </dgm:linClrLst>
+    <dgm:effectClrLst/>
+    <dgm:txLinClrLst/>
+    <dgm:txFillClrLst meth="repeat">
+      <a:schemeClr val="tx1"/>
+    </dgm:txFillClrLst>
+    <dgm:txEffectClrLst/>
+  </dgm:styleLbl>
+  <dgm:styleLbl name="callout">
+    <dgm:fillClrLst meth="repeat">
+      <a:schemeClr val="accent1"/>
+    </dgm:fillClrLst>
+    <dgm:linClrLst meth="repeat">
+      <a:schemeClr val="accent1">
+        <a:tint val="50000"/>
+      </a:schemeClr>
+    </dgm:linClrLst>
+    <dgm:effectClrLst/>
+    <dgm:txLinClrLst/>
+    <dgm:txFillClrLst meth="repeat">
+      <a:schemeClr val="tx1"/>
+    </dgm:txFillClrLst>
+    <dgm:txEffectClrLst/>
+  </dgm:styleLbl>
+  <dgm:styleLbl name="asst0">
+    <dgm:fillClrLst meth="repeat">
+      <a:schemeClr val="accent1"/>
+    </dgm:fillClrLst>
+    <dgm:linClrLst meth="repeat">
+      <a:schemeClr val="lt1"/>
+    </dgm:linClrLst>
+    <dgm:effectClrLst/>
+    <dgm:txLinClrLst/>
+    <dgm:txFillClrLst/>
+    <dgm:txEffectClrLst/>
+  </dgm:styleLbl>
+  <dgm:styleLbl name="asst1">
+    <dgm:fillClrLst meth="repeat">
+      <a:schemeClr val="accent1"/>
+    </dgm:fillClrLst>
+    <dgm:linClrLst meth="repeat">
+      <a:schemeClr val="lt1"/>
+    </dgm:linClrLst>
+    <dgm:effectClrLst/>
+    <dgm:txLinClrLst/>
+    <dgm:txFillClrLst/>
+    <dgm:txEffectClrLst/>
+  </dgm:styleLbl>
+  <dgm:styleLbl name="asst2">
+    <dgm:fillClrLst meth="repeat">
+      <a:schemeClr val="accent1"/>
+    </dgm:fillClrLst>
+    <dgm:linClrLst meth="repeat">
+      <a:schemeClr val="lt1"/>
+    </dgm:linClrLst>
+    <dgm:effectClrLst/>
+    <dgm:txLinClrLst/>
+    <dgm:txFillClrLst/>
+    <dgm:txEffectClrLst/>
+  </dgm:styleLbl>
+  <dgm:styleLbl name="asst3">
+    <dgm:fillClrLst meth="repeat">
+      <a:schemeClr val="accent1"/>
+    </dgm:fillClrLst>
+    <dgm:linClrLst meth="repeat">
+      <a:schemeClr val="lt1"/>
+    </dgm:linClrLst>
+    <dgm:effectClrLst/>
+    <dgm:txLinClrLst/>
+    <dgm:txFillClrLst/>
+    <dgm:txEffectClrLst/>
+  </dgm:styleLbl>
+  <dgm:styleLbl name="asst4">
+    <dgm:fillClrLst meth="repeat">
+      <a:schemeClr val="accent1"/>
+    </dgm:fillClrLst>
+    <dgm:linClrLst meth="repeat">
+      <a:schemeClr val="lt1"/>
+    </dgm:linClrLst>
+    <dgm:effectClrLst/>
+    <dgm:txLinClrLst/>
+    <dgm:txFillClrLst/>
+    <dgm:txEffectClrLst/>
+  </dgm:styleLbl>
+  <dgm:styleLbl name="parChTrans2D1">
+    <dgm:fillClrLst meth="repeat">
+      <a:schemeClr val="accent1">
+        <a:tint val="60000"/>
+      </a:schemeClr>
+    </dgm:fillClrLst>
+    <dgm:linClrLst meth="repeat">
+      <a:schemeClr val="accent1">
+        <a:tint val="60000"/>
+      </a:schemeClr>
+    </dgm:linClrLst>
+    <dgm:effectClrLst/>
+    <dgm:txLinClrLst/>
+    <dgm:txFillClrLst meth="repeat">
+      <a:schemeClr val="lt1"/>
+    </dgm:txFillClrLst>
+    <dgm:txEffectClrLst/>
+  </dgm:styleLbl>
+  <dgm:styleLbl name="parChTrans2D2">
+    <dgm:fillClrLst meth="repeat">
+      <a:schemeClr val="accent1"/>
+    </dgm:fillClrLst>
+    <dgm:linClrLst meth="repeat">
+      <a:schemeClr val="accent1"/>
+    </dgm:linClrLst>
+    <dgm:effectClrLst/>
+    <dgm:txLinClrLst/>
+    <dgm:txFillClrLst meth="repeat">
+      <a:schemeClr val="lt1"/>
+    </dgm:txFillClrLst>
+    <dgm:txEffectClrLst/>
+  </dgm:styleLbl>
+  <dgm:styleLbl name="parChTrans2D3">
+    <dgm:fillClrLst meth="repeat">
+      <a:schemeClr val="accent1"/>
+    </dgm:fillClrLst>
+    <dgm:linClrLst meth="repeat">
+      <a:schemeClr val="accent1"/>
+    </dgm:linClrLst>
+    <dgm:effectClrLst/>
+    <dgm:txLinClrLst/>
+    <dgm:txFillClrLst meth="repeat">
+      <a:schemeClr val="lt1"/>
+    </dgm:txFillClrLst>
+    <dgm:txEffectClrLst/>
+  </dgm:styleLbl>
+  <dgm:styleLbl name="parChTrans2D4">
+    <dgm:fillClrLst meth="repeat">
+      <a:schemeClr val="accent1"/>
+    </dgm:fillClrLst>
+    <dgm:linClrLst meth="repeat">
+      <a:schemeClr val="accent1"/>
+    </dgm:linClrLst>
+    <dgm:effectClrLst/>
+    <dgm:txLinClrLst/>
+    <dgm:txFillClrLst meth="repeat">
+      <a:schemeClr val="lt1"/>
+    </dgm:txFillClrLst>
+    <dgm:txEffectClrLst/>
+  </dgm:styleLbl>
+  <dgm:styleLbl name="parChTrans1D1">
+    <dgm:fillClrLst meth="repeat">
+      <a:schemeClr val="accent1"/>
+    </dgm:fillClrLst>
+    <dgm:linClrLst meth="repeat">
+      <a:schemeClr val="accent1">
+        <a:shade val="60000"/>
+      </a:schemeClr>
+    </dgm:linClrLst>
+    <dgm:effectClrLst/>
+    <dgm:txLinClrLst/>
+    <dgm:txFillClrLst meth="repeat">
+      <a:schemeClr val="tx1"/>
+    </dgm:txFillClrLst>
+    <dgm:txEffectClrLst/>
+  </dgm:styleLbl>
+  <dgm:styleLbl name="parChTrans1D2">
+    <dgm:fillClrLst meth="repeat">
+      <a:schemeClr val="accent1"/>
+    </dgm:fillClrLst>
+    <dgm:linClrLst meth="repeat">
+      <a:schemeClr val="accent1">
+        <a:shade val="60000"/>
+      </a:schemeClr>
+    </dgm:linClrLst>
+    <dgm:effectClrLst/>
+    <dgm:txLinClrLst/>
+    <dgm:txFillClrLst meth="repeat">
+      <a:schemeClr val="tx1"/>
+    </dgm:txFillClrLst>
+    <dgm:txEffectClrLst/>
+  </dgm:styleLbl>
+  <dgm:styleLbl name="parChTrans1D3">
+    <dgm:fillClrLst meth="repeat">
+      <a:schemeClr val="accent1"/>
+    </dgm:fillClrLst>
+    <dgm:linClrLst meth="repeat">
+      <a:schemeClr val="accent1">
+        <a:shade val="80000"/>
+      </a:schemeClr>
+    </dgm:linClrLst>
+    <dgm:effectClrLst/>
+    <dgm:txLinClrLst/>
+    <dgm:txFillClrLst meth="repeat">
+      <a:schemeClr val="tx1"/>
+    </dgm:txFillClrLst>
+    <dgm:txEffectClrLst/>
+  </dgm:styleLbl>
+  <dgm:styleLbl name="parChTrans1D4">
+    <dgm:fillClrLst meth="repeat">
+      <a:schemeClr val="accent1"/>
+    </dgm:fillClrLst>
+    <dgm:linClrLst meth="repeat">
+      <a:schemeClr val="accent1">
+        <a:shade val="80000"/>
+      </a:schemeClr>
+    </dgm:linClrLst>
+    <dgm:effectClrLst/>
+    <dgm:txLinClrLst/>
+    <dgm:txFillClrLst meth="repeat">
+      <a:schemeClr val="tx1"/>
+    </dgm:txFillClrLst>
+    <dgm:txEffectClrLst/>
+  </dgm:styleLbl>
+  <dgm:styleLbl name="fgAcc1">
+    <dgm:fillClrLst meth="repeat">
+      <a:schemeClr val="lt1">
+        <a:alpha val="90000"/>
+      </a:schemeClr>
+    </dgm:fillClrLst>
+    <dgm:linClrLst meth="repeat">
+      <a:schemeClr val="accent1"/>
+    </dgm:linClrLst>
+    <dgm:effectClrLst/>
+    <dgm:txLinClrLst/>
+    <dgm:txFillClrLst meth="repeat">
+      <a:schemeClr val="dk1"/>
+    </dgm:txFillClrLst>
+    <dgm:txEffectClrLst/>
+  </dgm:styleLbl>
+  <dgm:styleLbl name="conFgAcc1">
+    <dgm:fillClrLst meth="repeat">
+      <a:schemeClr val="lt1">
+        <a:alpha val="90000"/>
+      </a:schemeClr>
+    </dgm:fillClrLst>
+    <dgm:linClrLst meth="repeat">
+      <a:schemeClr val="accent1"/>
+    </dgm:linClrLst>
+    <dgm:effectClrLst/>
+    <dgm:txLinClrLst/>
+    <dgm:txFillClrLst meth="repeat">
+      <a:schemeClr val="dk1"/>
+    </dgm:txFillClrLst>
+    <dgm:txEffectClrLst/>
+  </dgm:styleLbl>
+  <dgm:styleLbl name="alignAcc1">
+    <dgm:fillClrLst meth="repeat">
+      <a:schemeClr val="lt1">
+        <a:alpha val="90000"/>
+      </a:schemeClr>
+    </dgm:fillClrLst>
+    <dgm:linClrLst meth="repeat">
+      <a:schemeClr val="accent1"/>
+    </dgm:linClrLst>
+    <dgm:effectClrLst/>
+    <dgm:txLinClrLst/>
+    <dgm:txFillClrLst meth="repeat">
+      <a:schemeClr val="dk1"/>
+    </dgm:txFillClrLst>
+    <dgm:txEffectClrLst/>
+  </dgm:styleLbl>
+  <dgm:styleLbl name="trAlignAcc1">
+    <dgm:fillClrLst meth="repeat">
+      <a:schemeClr val="lt1">
+        <a:alpha val="40000"/>
+      </a:schemeClr>
+    </dgm:fillClrLst>
+    <dgm:linClrLst meth="repeat">
+      <a:schemeClr val="accent1"/>
+    </dgm:linClrLst>
+    <dgm:effectClrLst/>
+    <dgm:txLinClrLst/>
+    <dgm:txFillClrLst meth="repeat">
+      <a:schemeClr val="dk1"/>
+    </dgm:txFillClrLst>
+    <dgm:txEffectClrLst/>
+  </dgm:styleLbl>
+  <dgm:styleLbl name="bgAcc1">
+    <dgm:fillClrLst meth="repeat">
+      <a:schemeClr val="lt1">
+        <a:alpha val="90000"/>
+      </a:schemeClr>
+    </dgm:fillClrLst>
+    <dgm:linClrLst meth="repeat">
+      <a:schemeClr val="accent1"/>
+    </dgm:linClrLst>
+    <dgm:effectClrLst/>
+    <dgm:txLinClrLst/>
+    <dgm:txFillClrLst meth="repeat">
+      <a:schemeClr val="dk1"/>
+    </dgm:txFillClrLst>
+    <dgm:txEffectClrLst/>
+  </dgm:styleLbl>
+  <dgm:styleLbl name="solidFgAcc1">
+    <dgm:fillClrLst meth="repeat">
+      <a:schemeClr val="lt1"/>
+    </dgm:fillClrLst>
+    <dgm:linClrLst meth="repeat">
+      <a:schemeClr val="accent1"/>
+    </dgm:linClrLst>
+    <dgm:effectClrLst/>
+    <dgm:txLinClrLst/>
+    <dgm:txFillClrLst meth="repeat">
+      <a:schemeClr val="dk1"/>
+    </dgm:txFillClrLst>
+    <dgm:txEffectClrLst/>
+  </dgm:styleLbl>
+  <dgm:styleLbl name="solidAlignAcc1">
+    <dgm:fillClrLst meth="repeat">
+      <a:schemeClr val="lt1"/>
+    </dgm:fillClrLst>
+    <dgm:linClrLst meth="repeat">
+      <a:schemeClr val="accent1"/>
+    </dgm:linClrLst>
+    <dgm:effectClrLst/>
+    <dgm:txLinClrLst/>
+    <dgm:txFillClrLst meth="repeat">
+      <a:schemeClr val="dk1"/>
+    </dgm:txFillClrLst>
+    <dgm:txEffectClrLst/>
+  </dgm:styleLbl>
+  <dgm:styleLbl name="solidBgAcc1">
+    <dgm:fillClrLst meth="repeat">
+      <a:schemeClr val="lt1"/>
+    </dgm:fillClrLst>
+    <dgm:linClrLst meth="repeat">
+      <a:schemeClr val="accent1"/>
+    </dgm:linClrLst>
+    <dgm:effectClrLst/>
+    <dgm:txLinClrLst/>
+    <dgm:txFillClrLst meth="repeat">
+      <a:schemeClr val="dk1"/>
+    </dgm:txFillClrLst>
+    <dgm:txEffectClrLst/>
+  </dgm:styleLbl>
+  <dgm:styleLbl name="fgAccFollowNode1">
+    <dgm:fillClrLst meth="repeat">
+      <a:schemeClr val="accent1">
+        <a:alpha val="90000"/>
+        <a:tint val="40000"/>
+      </a:schemeClr>
+    </dgm:fillClrLst>
+    <dgm:linClrLst meth="repeat">
+      <a:schemeClr val="accent1">
+        <a:alpha val="90000"/>
+        <a:tint val="40000"/>
+      </a:schemeClr>
+    </dgm:linClrLst>
+    <dgm:effectClrLst/>
+    <dgm:txLinClrLst/>
+    <dgm:txFillClrLst meth="repeat">
+      <a:schemeClr val="dk1"/>
+    </dgm:txFillClrLst>
+    <dgm:txEffectClrLst/>
+  </dgm:styleLbl>
+  <dgm:styleLbl name="alignAccFollowNode1">
+    <dgm:fillClrLst meth="repeat">
+      <a:schemeClr val="accent1">
+        <a:alpha val="90000"/>
+        <a:tint val="40000"/>
+      </a:schemeClr>
+    </dgm:fillClrLst>
+    <dgm:linClrLst meth="repeat">
+      <a:schemeClr val="accent1">
+        <a:alpha val="90000"/>
+        <a:tint val="40000"/>
+      </a:schemeClr>
+    </dgm:linClrLst>
+    <dgm:effectClrLst/>
+    <dgm:txLinClrLst/>
+    <dgm:txFillClrLst meth="repeat">
+      <a:schemeClr val="dk1"/>
+    </dgm:txFillClrLst>
+    <dgm:txEffectClrLst/>
+  </dgm:styleLbl>
+  <dgm:styleLbl name="bgAccFollowNode1">
+    <dgm:fillClrLst meth="repeat">
+      <a:schemeClr val="accent1">
+        <a:alpha val="90000"/>
+        <a:tint val="40000"/>
+      </a:schemeClr>
+    </dgm:fillClrLst>
+    <dgm:linClrLst meth="repeat">
+      <a:schemeClr val="accent1">
+        <a:alpha val="90000"/>
+        <a:tint val="40000"/>
+      </a:schemeClr>
+    </dgm:linClrLst>
+    <dgm:effectClrLst/>
+    <dgm:txLinClrLst/>
+    <dgm:txFillClrLst meth="repeat">
+      <a:schemeClr val="dk1"/>
+    </dgm:txFillClrLst>
+    <dgm:txEffectClrLst/>
+  </dgm:styleLbl>
+  <dgm:styleLbl name="fgAcc0">
+    <dgm:fillClrLst meth="repeat">
+      <a:schemeClr val="lt1">
+        <a:alpha val="90000"/>
+      </a:schemeClr>
+    </dgm:fillClrLst>
+    <dgm:linClrLst meth="repeat">
+      <a:schemeClr val="accent1"/>
+    </dgm:linClrLst>
+    <dgm:effectClrLst/>
+    <dgm:txLinClrLst/>
+    <dgm:txFillClrLst meth="repeat">
+      <a:schemeClr val="dk1"/>
+    </dgm:txFillClrLst>
+    <dgm:txEffectClrLst/>
+  </dgm:styleLbl>
+  <dgm:styleLbl name="fgAcc2">
+    <dgm:fillClrLst meth="repeat">
+      <a:schemeClr val="lt1">
+        <a:alpha val="90000"/>
+      </a:schemeClr>
+    </dgm:fillClrLst>
+    <dgm:linClrLst meth="repeat">
+      <a:schemeClr val="accent1"/>
+    </dgm:linClrLst>
+    <dgm:effectClrLst/>
+    <dgm:txLinClrLst/>
+    <dgm:txFillClrLst meth="repeat">
+      <a:schemeClr val="dk1"/>
+    </dgm:txFillClrLst>
+    <dgm:txEffectClrLst/>
+  </dgm:styleLbl>
+  <dgm:styleLbl name="fgAcc3">
+    <dgm:fillClrLst meth="repeat">
+      <a:schemeClr val="lt1">
+        <a:alpha val="90000"/>
+      </a:schemeClr>
+    </dgm:fillClrLst>
+    <dgm:linClrLst meth="repeat">
+      <a:schemeClr val="accent1"/>
+    </dgm:linClrLst>
+    <dgm:effectClrLst/>
+    <dgm:txLinClrLst/>
+    <dgm:txFillClrLst meth="repeat">
+      <a:schemeClr val="dk1"/>
+    </dgm:txFillClrLst>
+    <dgm:txEffectClrLst/>
+  </dgm:styleLbl>
+  <dgm:styleLbl name="fgAcc4">
+    <dgm:fillClrLst meth="repeat">
+      <a:schemeClr val="lt1">
+        <a:alpha val="90000"/>
+      </a:schemeClr>
+    </dgm:fillClrLst>
+    <dgm:linClrLst meth="repeat">
+      <a:schemeClr val="accent1"/>
+    </dgm:linClrLst>
+    <dgm:effectClrLst/>
+    <dgm:txLinClrLst/>
+    <dgm:txFillClrLst meth="repeat">
+      <a:schemeClr val="dk1"/>
+    </dgm:txFillClrLst>
+    <dgm:txEffectClrLst/>
+  </dgm:styleLbl>
+  <dgm:styleLbl name="bgShp">
+    <dgm:fillClrLst meth="repeat">
+      <a:schemeClr val="accent1">
+        <a:tint val="40000"/>
+      </a:schemeClr>
+    </dgm:fillClrLst>
+    <dgm:linClrLst meth="repeat">
+      <a:schemeClr val="accent1"/>
+    </dgm:linClrLst>
+    <dgm:effectClrLst/>
+    <dgm:txLinClrLst/>
+    <dgm:txFillClrLst meth="repeat">
+      <a:schemeClr val="dk1"/>
+    </dgm:txFillClrLst>
+    <dgm:txEffectClrLst/>
+  </dgm:styleLbl>
+  <dgm:styleLbl name="dkBgShp">
+    <dgm:fillClrLst meth="repeat">
+      <a:schemeClr val="accent1">
+        <a:shade val="80000"/>
+      </a:schemeClr>
+    </dgm:fillClrLst>
+    <dgm:linClrLst meth="repeat">
+      <a:schemeClr val="accent1"/>
+    </dgm:linClrLst>
+    <dgm:effectClrLst/>
+    <dgm:txLinClrLst/>
+    <dgm:txFillClrLst meth="repeat">
+      <a:schemeClr val="lt1"/>
+    </dgm:txFillClrLst>
+    <dgm:txEffectClrLst/>
+  </dgm:styleLbl>
+  <dgm:styleLbl name="trBgShp">
+    <dgm:fillClrLst meth="repeat">
+      <a:schemeClr val="accent1">
+        <a:tint val="50000"/>
+        <a:alpha val="40000"/>
+      </a:schemeClr>
+    </dgm:fillClrLst>
+    <dgm:linClrLst meth="repeat">
+      <a:schemeClr val="accent1"/>
+    </dgm:linClrLst>
+    <dgm:effectClrLst/>
+    <dgm:txLinClrLst/>
+    <dgm:txFillClrLst meth="repeat">
+      <a:schemeClr val="lt1"/>
+    </dgm:txFillClrLst>
+    <dgm:txEffectClrLst/>
+  </dgm:styleLbl>
+  <dgm:styleLbl name="fgShp">
+    <dgm:fillClrLst meth="repeat">
+      <a:schemeClr val="accent1">
+        <a:tint val="60000"/>
+      </a:schemeClr>
+    </dgm:fillClrLst>
+    <dgm:linClrLst meth="repeat">
+      <a:schemeClr val="lt1"/>
+    </dgm:linClrLst>
+    <dgm:effectClrLst/>
+    <dgm:txLinClrLst/>
+    <dgm:txFillClrLst meth="repeat">
+      <a:schemeClr val="dk1"/>
+    </dgm:txFillClrLst>
+    <dgm:txEffectClrLst/>
+  </dgm:styleLbl>
+  <dgm:styleLbl name="revTx">
+    <dgm:fillClrLst meth="repeat">
+      <a:schemeClr val="lt1">
+        <a:alpha val="0"/>
+      </a:schemeClr>
+    </dgm:fillClrLst>
+    <dgm:linClrLst meth="repeat">
+      <a:schemeClr val="dk1">
+        <a:alpha val="0"/>
+      </a:schemeClr>
+    </dgm:linClrLst>
+    <dgm:effectClrLst/>
+    <dgm:txLinClrLst/>
+    <dgm:txFillClrLst meth="repeat">
+      <a:schemeClr val="tx1"/>
+    </dgm:txFillClrLst>
+    <dgm:txEffectClrLst/>
+  </dgm:styleLbl>
+</dgm:colorsDef>
+</file>
+
+<file path=ppt/diagrams/data1.xml><?xml version="1.0" encoding="utf-8"?>
+<dgm:dataModel xmlns:dgm="http://schemas.openxmlformats.org/drawingml/2006/diagram" xmlns:a="http://schemas.openxmlformats.org/drawingml/2006/main">
+  <dgm:ptLst>
+    <dgm:pt modelId="{0786A586-3234-4A05-9284-EF2C95DE38CA}" type="doc">
+      <dgm:prSet loTypeId="urn:microsoft.com/office/officeart/2005/8/layout/bProcess3" loCatId="process" qsTypeId="urn:microsoft.com/office/officeart/2005/8/quickstyle/3d2" qsCatId="3D" csTypeId="urn:microsoft.com/office/officeart/2005/8/colors/accent1_2" csCatId="accent1" phldr="1"/>
+      <dgm:spPr/>
+      <dgm:t>
+        <a:bodyPr/>
+        <a:lstStyle/>
+        <a:p>
+          <a:pPr latinLnBrk="1"/>
+          <a:endParaRPr lang="ko-KR" altLang="en-US"/>
+        </a:p>
+      </dgm:t>
+    </dgm:pt>
+    <dgm:pt modelId="{FA3156E4-0684-4D69-883A-7EC46FD32800}">
+      <dgm:prSet phldrT="[텍스트]"/>
+      <dgm:spPr/>
+      <dgm:t>
+        <a:bodyPr/>
+        <a:lstStyle/>
+        <a:p>
+          <a:pPr latinLnBrk="1"/>
+          <a:r>
+            <a:rPr lang="ko-KR" altLang="en-US" dirty="0" err="1" smtClean="0"/>
+            <a:t>타병원</a:t>
+          </a:r>
+          <a:r>
+            <a:rPr lang="ko-KR" altLang="en-US" dirty="0" smtClean="0"/>
+            <a:t> </a:t>
+          </a:r>
+          <a:r>
+            <a:rPr lang="en-US" altLang="ko-KR" dirty="0" err="1" smtClean="0"/>
+            <a:t>Pregabalin</a:t>
+          </a:r>
+          <a:r>
+            <a:rPr lang="en-US" altLang="ko-KR" dirty="0" smtClean="0"/>
+            <a:t> 75mg </a:t>
+          </a:r>
+          <a:r>
+            <a:rPr lang="ko-KR" altLang="en-US" dirty="0" smtClean="0"/>
+            <a:t>하루 </a:t>
+          </a:r>
+          <a:r>
+            <a:rPr lang="en-US" altLang="ko-KR" dirty="0" smtClean="0"/>
+            <a:t>2</a:t>
+          </a:r>
+          <a:r>
+            <a:rPr lang="ko-KR" altLang="en-US" dirty="0" smtClean="0"/>
+            <a:t>회</a:t>
+          </a:r>
+          <a:endParaRPr lang="ko-KR" altLang="en-US" dirty="0"/>
+        </a:p>
+      </dgm:t>
+    </dgm:pt>
+    <dgm:pt modelId="{71E14F92-B599-4F78-AEFE-EA7589C5B885}" type="parTrans" cxnId="{137EE550-2C01-4E0D-BC66-7D29A35CE9D8}">
+      <dgm:prSet/>
+      <dgm:spPr/>
+      <dgm:t>
+        <a:bodyPr/>
+        <a:lstStyle/>
+        <a:p>
+          <a:pPr latinLnBrk="1"/>
+          <a:endParaRPr lang="ko-KR" altLang="en-US"/>
+        </a:p>
+      </dgm:t>
+    </dgm:pt>
+    <dgm:pt modelId="{A6838211-7D36-4FAF-A71F-E41DFE72E129}" type="sibTrans" cxnId="{137EE550-2C01-4E0D-BC66-7D29A35CE9D8}">
+      <dgm:prSet/>
+      <dgm:spPr/>
+      <dgm:t>
+        <a:bodyPr/>
+        <a:lstStyle/>
+        <a:p>
+          <a:pPr latinLnBrk="1"/>
+          <a:endParaRPr lang="ko-KR" altLang="en-US"/>
+        </a:p>
+      </dgm:t>
+    </dgm:pt>
+    <dgm:pt modelId="{04FD56F6-FC30-4C89-ACD5-0A0B6C275E17}">
+      <dgm:prSet phldrT="[텍스트]"/>
+      <dgm:spPr/>
+      <dgm:t>
+        <a:bodyPr/>
+        <a:lstStyle/>
+        <a:p>
+          <a:pPr latinLnBrk="1"/>
+          <a:r>
+            <a:rPr lang="ko-KR" altLang="en-US" dirty="0" smtClean="0"/>
+            <a:t>초진</a:t>
+          </a:r>
+          <a:r>
+            <a:rPr lang="en-US" altLang="ko-KR" dirty="0" smtClean="0"/>
+            <a:t>: amitriptyline 5mg HS, </a:t>
+          </a:r>
+          <a:r>
+            <a:rPr lang="en-US" altLang="ko-KR" dirty="0" err="1" smtClean="0"/>
+            <a:t>pregabalin</a:t>
+          </a:r>
+          <a:r>
+            <a:rPr lang="en-US" altLang="ko-KR" dirty="0" smtClean="0"/>
+            <a:t> 300mg extended release</a:t>
+          </a:r>
+          <a:r>
+            <a:rPr lang="ko-KR" altLang="en-US" dirty="0" smtClean="0"/>
+            <a:t>추가</a:t>
+          </a:r>
+          <a:endParaRPr lang="ko-KR" altLang="en-US" dirty="0"/>
+        </a:p>
+      </dgm:t>
+    </dgm:pt>
+    <dgm:pt modelId="{E59B7215-F3D3-4270-844B-85FC9A1623B6}" type="parTrans" cxnId="{3E7C3936-6F2B-44F2-A191-1493B48307CC}">
+      <dgm:prSet/>
+      <dgm:spPr/>
+      <dgm:t>
+        <a:bodyPr/>
+        <a:lstStyle/>
+        <a:p>
+          <a:pPr latinLnBrk="1"/>
+          <a:endParaRPr lang="ko-KR" altLang="en-US"/>
+        </a:p>
+      </dgm:t>
+    </dgm:pt>
+    <dgm:pt modelId="{1D255EEE-3112-45E2-8EE5-98545D3C151E}" type="sibTrans" cxnId="{3E7C3936-6F2B-44F2-A191-1493B48307CC}">
+      <dgm:prSet/>
+      <dgm:spPr/>
+      <dgm:t>
+        <a:bodyPr/>
+        <a:lstStyle/>
+        <a:p>
+          <a:pPr latinLnBrk="1"/>
+          <a:endParaRPr lang="ko-KR" altLang="en-US"/>
+        </a:p>
+      </dgm:t>
+    </dgm:pt>
+    <dgm:pt modelId="{4DF5F7FD-E7DA-48BE-809E-898C7474100E}">
+      <dgm:prSet phldrT="[텍스트]"/>
+      <dgm:spPr/>
+      <dgm:t>
+        <a:bodyPr/>
+        <a:lstStyle/>
+        <a:p>
+          <a:pPr latinLnBrk="1"/>
+          <a:r>
+            <a:rPr lang="en-US" altLang="ko-KR" dirty="0" err="1" smtClean="0"/>
+            <a:t>enafon</a:t>
+          </a:r>
+          <a:r>
+            <a:rPr lang="en-US" altLang="ko-KR" dirty="0" smtClean="0"/>
+            <a:t> 10mg HS</a:t>
+          </a:r>
+          <a:r>
+            <a:rPr lang="ko-KR" altLang="en-US" dirty="0" smtClean="0"/>
+            <a:t>로 증량</a:t>
+          </a:r>
+          <a:r>
+            <a:rPr lang="en-US" altLang="ko-KR" dirty="0" smtClean="0"/>
+            <a:t>, </a:t>
+          </a:r>
+          <a:r>
+            <a:rPr lang="en-US" altLang="ko-KR" dirty="0" err="1" smtClean="0"/>
+            <a:t>pregabalin</a:t>
+          </a:r>
+          <a:r>
+            <a:rPr lang="en-US" altLang="ko-KR" dirty="0" smtClean="0"/>
+            <a:t> extended release</a:t>
+          </a:r>
+          <a:r>
+            <a:rPr lang="ko-KR" altLang="en-US" dirty="0" smtClean="0"/>
+            <a:t>는 중단하고 </a:t>
+          </a:r>
+          <a:r>
+            <a:rPr lang="en-US" altLang="ko-KR" dirty="0" smtClean="0"/>
+            <a:t>300mg </a:t>
+          </a:r>
+          <a:r>
+            <a:rPr lang="ko-KR" altLang="en-US" dirty="0" smtClean="0"/>
+            <a:t>하루 </a:t>
+          </a:r>
+          <a:r>
+            <a:rPr lang="en-US" altLang="ko-KR" dirty="0" smtClean="0"/>
+            <a:t>2</a:t>
+          </a:r>
+          <a:r>
+            <a:rPr lang="ko-KR" altLang="en-US" dirty="0" smtClean="0"/>
+            <a:t>회로 증량</a:t>
+          </a:r>
+          <a:endParaRPr lang="ko-KR" altLang="en-US" dirty="0"/>
+        </a:p>
+      </dgm:t>
+    </dgm:pt>
+    <dgm:pt modelId="{11479114-5F10-4DC7-9CE9-14430DC014CD}" type="parTrans" cxnId="{97389D0F-D64E-420A-8800-EAE2ACF796FD}">
+      <dgm:prSet/>
+      <dgm:spPr/>
+      <dgm:t>
+        <a:bodyPr/>
+        <a:lstStyle/>
+        <a:p>
+          <a:pPr latinLnBrk="1"/>
+          <a:endParaRPr lang="ko-KR" altLang="en-US"/>
+        </a:p>
+      </dgm:t>
+    </dgm:pt>
+    <dgm:pt modelId="{3700FCB7-869C-4926-9EB8-69627E8ACE75}" type="sibTrans" cxnId="{97389D0F-D64E-420A-8800-EAE2ACF796FD}">
+      <dgm:prSet/>
+      <dgm:spPr/>
+      <dgm:t>
+        <a:bodyPr/>
+        <a:lstStyle/>
+        <a:p>
+          <a:pPr latinLnBrk="1"/>
+          <a:endParaRPr lang="ko-KR" altLang="en-US"/>
+        </a:p>
+      </dgm:t>
+    </dgm:pt>
+    <dgm:pt modelId="{ECDCF5B2-7B8A-4C83-BA04-E82248D489A4}">
+      <dgm:prSet phldrT="[텍스트]"/>
+      <dgm:spPr/>
+      <dgm:t>
+        <a:bodyPr/>
+        <a:lstStyle/>
+        <a:p>
+          <a:pPr latinLnBrk="1"/>
+          <a:r>
+            <a:rPr lang="ko-KR" altLang="en-US" dirty="0" err="1" smtClean="0"/>
+            <a:t>소변불편감</a:t>
+          </a:r>
+          <a:r>
+            <a:rPr lang="ko-KR" altLang="en-US" dirty="0" smtClean="0"/>
+            <a:t> 없어짐</a:t>
+          </a:r>
+          <a:r>
+            <a:rPr lang="en-US" altLang="ko-KR" dirty="0" smtClean="0"/>
+            <a:t>, oxycodone</a:t>
+          </a:r>
+          <a:r>
+            <a:rPr lang="ko-KR" altLang="en-US" dirty="0" smtClean="0"/>
+            <a:t>추가</a:t>
+          </a:r>
+          <a:endParaRPr lang="ko-KR" altLang="en-US" dirty="0"/>
+        </a:p>
+      </dgm:t>
+    </dgm:pt>
+    <dgm:pt modelId="{991CABFC-A25B-489D-B748-B3F14C1740CD}" type="parTrans" cxnId="{C7BC3F02-A96A-42E1-9913-FB71E6FE8E51}">
+      <dgm:prSet/>
+      <dgm:spPr/>
+      <dgm:t>
+        <a:bodyPr/>
+        <a:lstStyle/>
+        <a:p>
+          <a:pPr latinLnBrk="1"/>
+          <a:endParaRPr lang="ko-KR" altLang="en-US"/>
+        </a:p>
+      </dgm:t>
+    </dgm:pt>
+    <dgm:pt modelId="{E0EBD570-1031-4932-B6E6-EDD17E69044C}" type="sibTrans" cxnId="{C7BC3F02-A96A-42E1-9913-FB71E6FE8E51}">
+      <dgm:prSet/>
+      <dgm:spPr/>
+      <dgm:t>
+        <a:bodyPr/>
+        <a:lstStyle/>
+        <a:p>
+          <a:pPr latinLnBrk="1"/>
+          <a:endParaRPr lang="ko-KR" altLang="en-US"/>
+        </a:p>
+      </dgm:t>
+    </dgm:pt>
+    <dgm:pt modelId="{946C29C7-C595-4C8C-B731-3DCDB128A630}">
+      <dgm:prSet phldrT="[텍스트]"/>
+      <dgm:spPr/>
+      <dgm:t>
+        <a:bodyPr/>
+        <a:lstStyle/>
+        <a:p>
+          <a:pPr latinLnBrk="1"/>
+          <a:r>
+            <a:rPr lang="en-US" altLang="ko-KR" dirty="0" smtClean="0"/>
+            <a:t>duloxetine 60mg</a:t>
+          </a:r>
+          <a:r>
+            <a:rPr lang="ko-KR" altLang="en-US" dirty="0" smtClean="0"/>
+            <a:t>추가</a:t>
+          </a:r>
+          <a:r>
+            <a:rPr lang="en-US" altLang="ko-KR" dirty="0" smtClean="0"/>
+            <a:t>, acetaminophen/tramadol </a:t>
+          </a:r>
+          <a:r>
+            <a:rPr lang="ko-KR" altLang="en-US" dirty="0" smtClean="0"/>
+            <a:t>추가</a:t>
+          </a:r>
+          <a:endParaRPr lang="ko-KR" altLang="en-US" dirty="0"/>
+        </a:p>
+      </dgm:t>
+    </dgm:pt>
+    <dgm:pt modelId="{68D224D9-1A05-4060-A710-E65568B01FFB}" type="parTrans" cxnId="{27F97E60-1ABA-4CC1-88E9-A3D28BF78D93}">
+      <dgm:prSet/>
+      <dgm:spPr/>
+      <dgm:t>
+        <a:bodyPr/>
+        <a:lstStyle/>
+        <a:p>
+          <a:pPr latinLnBrk="1"/>
+          <a:endParaRPr lang="ko-KR" altLang="en-US"/>
+        </a:p>
+      </dgm:t>
+    </dgm:pt>
+    <dgm:pt modelId="{67D28134-205A-4E68-B3D0-E2434E3E4E73}" type="sibTrans" cxnId="{27F97E60-1ABA-4CC1-88E9-A3D28BF78D93}">
+      <dgm:prSet/>
+      <dgm:spPr/>
+      <dgm:t>
+        <a:bodyPr/>
+        <a:lstStyle/>
+        <a:p>
+          <a:pPr latinLnBrk="1"/>
+          <a:endParaRPr lang="ko-KR" altLang="en-US"/>
+        </a:p>
+      </dgm:t>
+    </dgm:pt>
+    <dgm:pt modelId="{AC666C09-5CEB-4C12-9816-E20E93EE8808}">
+      <dgm:prSet phldrT="[텍스트]"/>
+      <dgm:spPr/>
+      <dgm:t>
+        <a:bodyPr/>
+        <a:lstStyle/>
+        <a:p>
+          <a:pPr latinLnBrk="1"/>
+          <a:r>
+            <a:rPr lang="en-US" altLang="ko-KR" dirty="0" smtClean="0"/>
+            <a:t>duloxetine 60mg bid</a:t>
+          </a:r>
+          <a:r>
+            <a:rPr lang="ko-KR" altLang="en-US" dirty="0" smtClean="0"/>
+            <a:t>로 증량</a:t>
+          </a:r>
+          <a:endParaRPr lang="ko-KR" altLang="en-US" dirty="0"/>
+        </a:p>
+      </dgm:t>
+    </dgm:pt>
+    <dgm:pt modelId="{68CBED72-C660-43EF-82DF-832A174E2EB5}" type="parTrans" cxnId="{5BB1D7CF-43EA-4032-B49F-536F092E722B}">
+      <dgm:prSet/>
+      <dgm:spPr/>
+      <dgm:t>
+        <a:bodyPr/>
+        <a:lstStyle/>
+        <a:p>
+          <a:pPr latinLnBrk="1"/>
+          <a:endParaRPr lang="ko-KR" altLang="en-US"/>
+        </a:p>
+      </dgm:t>
+    </dgm:pt>
+    <dgm:pt modelId="{FDE95A7B-BF77-4882-A822-1B4A33A0484A}" type="sibTrans" cxnId="{5BB1D7CF-43EA-4032-B49F-536F092E722B}">
+      <dgm:prSet/>
+      <dgm:spPr/>
+      <dgm:t>
+        <a:bodyPr/>
+        <a:lstStyle/>
+        <a:p>
+          <a:pPr latinLnBrk="1"/>
+          <a:endParaRPr lang="ko-KR" altLang="en-US"/>
+        </a:p>
+      </dgm:t>
+    </dgm:pt>
+    <dgm:pt modelId="{FFEA5090-7B61-4F57-877A-BF14B7629E2F}">
+      <dgm:prSet phldrT="[텍스트]"/>
+      <dgm:spPr/>
+      <dgm:t>
+        <a:bodyPr/>
+        <a:lstStyle/>
+        <a:p>
+          <a:pPr latinLnBrk="1"/>
+          <a:r>
+            <a:rPr lang="en-US" altLang="ko-KR" dirty="0" smtClean="0"/>
+            <a:t>NSAID, baclofen</a:t>
+          </a:r>
+          <a:r>
+            <a:rPr lang="ko-KR" altLang="en-US" dirty="0" smtClean="0"/>
+            <a:t>추가하고 </a:t>
+          </a:r>
+          <a:r>
+            <a:rPr lang="en-US" altLang="ko-KR" dirty="0" smtClean="0"/>
+            <a:t>amitriptyline 10mg bid</a:t>
+          </a:r>
+          <a:r>
+            <a:rPr lang="ko-KR" altLang="en-US" dirty="0" smtClean="0"/>
+            <a:t>로 증량</a:t>
+          </a:r>
+          <a:endParaRPr lang="ko-KR" altLang="en-US" dirty="0"/>
+        </a:p>
+      </dgm:t>
+    </dgm:pt>
+    <dgm:pt modelId="{00B1064D-6FF3-42D4-BF4F-D84A5FFAED85}" type="parTrans" cxnId="{E9FD72F3-FA21-4626-A710-D7FC112AC626}">
+      <dgm:prSet/>
+      <dgm:spPr/>
+      <dgm:t>
+        <a:bodyPr/>
+        <a:lstStyle/>
+        <a:p>
+          <a:pPr latinLnBrk="1"/>
+          <a:endParaRPr lang="ko-KR" altLang="en-US"/>
+        </a:p>
+      </dgm:t>
+    </dgm:pt>
+    <dgm:pt modelId="{E5A98D16-53CD-412F-8FD6-07D19A3F963E}" type="sibTrans" cxnId="{E9FD72F3-FA21-4626-A710-D7FC112AC626}">
+      <dgm:prSet/>
+      <dgm:spPr/>
+      <dgm:t>
+        <a:bodyPr/>
+        <a:lstStyle/>
+        <a:p>
+          <a:pPr latinLnBrk="1"/>
+          <a:endParaRPr lang="ko-KR" altLang="en-US"/>
+        </a:p>
+      </dgm:t>
+    </dgm:pt>
+    <dgm:pt modelId="{BB0D8EB5-1684-4CF5-A6DF-F61C82A5F513}">
+      <dgm:prSet phldrT="[텍스트]"/>
+      <dgm:spPr/>
+      <dgm:t>
+        <a:bodyPr/>
+        <a:lstStyle/>
+        <a:p>
+          <a:pPr latinLnBrk="1"/>
+          <a:r>
+            <a:rPr lang="ko-KR" altLang="en-US" dirty="0" err="1" smtClean="0"/>
+            <a:t>소변불편감</a:t>
+          </a:r>
+          <a:r>
+            <a:rPr lang="ko-KR" altLang="en-US" dirty="0" smtClean="0"/>
+            <a:t> 발생</a:t>
+          </a:r>
+          <a:r>
+            <a:rPr lang="en-US" altLang="ko-KR" dirty="0" smtClean="0"/>
+            <a:t>, amitriptyline 10mg bid</a:t>
+          </a:r>
+          <a:r>
+            <a:rPr lang="ko-KR" altLang="en-US" dirty="0" smtClean="0"/>
+            <a:t>로 감량</a:t>
+          </a:r>
+          <a:endParaRPr lang="ko-KR" altLang="en-US" dirty="0"/>
+        </a:p>
+      </dgm:t>
+    </dgm:pt>
+    <dgm:pt modelId="{2641C874-1296-44B9-8B38-D04A198A185B}" type="parTrans" cxnId="{A387989F-DD62-4A5A-92D5-3FDEF3CB7D36}">
+      <dgm:prSet/>
+      <dgm:spPr/>
+      <dgm:t>
+        <a:bodyPr/>
+        <a:lstStyle/>
+        <a:p>
+          <a:pPr latinLnBrk="1"/>
+          <a:endParaRPr lang="ko-KR" altLang="en-US"/>
+        </a:p>
+      </dgm:t>
+    </dgm:pt>
+    <dgm:pt modelId="{53584C89-9786-4470-B63E-FA8E979A6277}" type="sibTrans" cxnId="{A387989F-DD62-4A5A-92D5-3FDEF3CB7D36}">
+      <dgm:prSet/>
+      <dgm:spPr/>
+      <dgm:t>
+        <a:bodyPr/>
+        <a:lstStyle/>
+        <a:p>
+          <a:pPr latinLnBrk="1"/>
+          <a:endParaRPr lang="ko-KR" altLang="en-US"/>
+        </a:p>
+      </dgm:t>
+    </dgm:pt>
+    <dgm:pt modelId="{B792578E-6225-458A-90E2-69627ED28B72}">
+      <dgm:prSet phldrT="[텍스트]"/>
+      <dgm:spPr/>
+      <dgm:t>
+        <a:bodyPr/>
+        <a:lstStyle/>
+        <a:p>
+          <a:pPr latinLnBrk="1"/>
+          <a:r>
+            <a:rPr lang="ko-KR" altLang="en-US" dirty="0" err="1" smtClean="0"/>
+            <a:t>기립성</a:t>
+          </a:r>
+          <a:r>
+            <a:rPr lang="ko-KR" altLang="en-US" dirty="0" smtClean="0"/>
+            <a:t> 어지럼 발생</a:t>
+          </a:r>
+          <a:r>
+            <a:rPr lang="en-US" altLang="ko-KR" dirty="0" smtClean="0"/>
+            <a:t>, Amitriptyline 20mg bid</a:t>
+          </a:r>
+          <a:r>
+            <a:rPr lang="ko-KR" altLang="en-US" dirty="0" smtClean="0"/>
+            <a:t>로 증량</a:t>
+          </a:r>
+          <a:endParaRPr lang="ko-KR" altLang="en-US" dirty="0"/>
+        </a:p>
+      </dgm:t>
+    </dgm:pt>
+    <dgm:pt modelId="{C13683FE-5CA0-41BC-AE83-F6D39874F22C}" type="sibTrans" cxnId="{8FCC0810-093E-4667-842A-57293857B144}">
+      <dgm:prSet/>
+      <dgm:spPr/>
+      <dgm:t>
+        <a:bodyPr/>
+        <a:lstStyle/>
+        <a:p>
+          <a:pPr latinLnBrk="1"/>
+          <a:endParaRPr lang="ko-KR" altLang="en-US"/>
+        </a:p>
+      </dgm:t>
+    </dgm:pt>
+    <dgm:pt modelId="{EF58A2BB-636E-4C6F-86B9-11B3C7D541B6}" type="parTrans" cxnId="{8FCC0810-093E-4667-842A-57293857B144}">
+      <dgm:prSet/>
+      <dgm:spPr/>
+      <dgm:t>
+        <a:bodyPr/>
+        <a:lstStyle/>
+        <a:p>
+          <a:pPr latinLnBrk="1"/>
+          <a:endParaRPr lang="ko-KR" altLang="en-US"/>
+        </a:p>
+      </dgm:t>
+    </dgm:pt>
+    <dgm:pt modelId="{560CFE5F-89B6-4B41-9E99-E00BECFFEF13}">
+      <dgm:prSet phldrT="[텍스트]"/>
+      <dgm:spPr/>
+      <dgm:t>
+        <a:bodyPr/>
+        <a:lstStyle/>
+        <a:p>
+          <a:pPr latinLnBrk="1"/>
+          <a:r>
+            <a:rPr lang="ko-KR" altLang="en-US" dirty="0" err="1" smtClean="0"/>
+            <a:t>소변불편함</a:t>
+          </a:r>
+          <a:r>
+            <a:rPr lang="ko-KR" altLang="en-US" dirty="0" smtClean="0"/>
+            <a:t> 다시 발생</a:t>
+          </a:r>
+          <a:endParaRPr lang="ko-KR" altLang="en-US" dirty="0"/>
+        </a:p>
+      </dgm:t>
+    </dgm:pt>
+    <dgm:pt modelId="{043C2B2B-2820-4609-B8E1-7F7E4A515891}" type="parTrans" cxnId="{BD85F432-39DA-455A-A269-E26FEA9024D6}">
+      <dgm:prSet/>
+      <dgm:spPr/>
+      <dgm:t>
+        <a:bodyPr/>
+        <a:lstStyle/>
+        <a:p>
+          <a:pPr latinLnBrk="1"/>
+          <a:endParaRPr lang="ko-KR" altLang="en-US"/>
+        </a:p>
+      </dgm:t>
+    </dgm:pt>
+    <dgm:pt modelId="{41EAFA0A-24FB-4E88-A29E-B52130467B48}" type="sibTrans" cxnId="{BD85F432-39DA-455A-A269-E26FEA9024D6}">
+      <dgm:prSet/>
+      <dgm:spPr/>
+      <dgm:t>
+        <a:bodyPr/>
+        <a:lstStyle/>
+        <a:p>
+          <a:pPr latinLnBrk="1"/>
+          <a:endParaRPr lang="ko-KR" altLang="en-US"/>
+        </a:p>
+      </dgm:t>
+    </dgm:pt>
+    <dgm:pt modelId="{FAF9E6EE-3ADE-4112-9473-C43BE2FFCC6E}">
+      <dgm:prSet phldrT="[텍스트]"/>
+      <dgm:spPr/>
+      <dgm:t>
+        <a:bodyPr/>
+        <a:lstStyle/>
+        <a:p>
+          <a:pPr latinLnBrk="1"/>
+          <a:r>
+            <a:rPr lang="en-US" altLang="ko-KR" dirty="0" smtClean="0"/>
+            <a:t>Oxycodone </a:t>
+          </a:r>
+          <a:r>
+            <a:rPr lang="ko-KR" altLang="en-US" dirty="0" smtClean="0"/>
+            <a:t>증량</a:t>
+          </a:r>
+          <a:r>
+            <a:rPr lang="en-US" altLang="ko-KR" dirty="0" smtClean="0"/>
+            <a:t>, buprenorphine patch</a:t>
+          </a:r>
+          <a:r>
+            <a:rPr lang="ko-KR" altLang="en-US" dirty="0" smtClean="0"/>
+            <a:t>추가</a:t>
+          </a:r>
+          <a:endParaRPr lang="ko-KR" altLang="en-US" dirty="0"/>
+        </a:p>
+      </dgm:t>
+    </dgm:pt>
+    <dgm:pt modelId="{AA3BF652-75A5-4B7A-94E3-ED6C7F91ECFC}" type="parTrans" cxnId="{CB72ECA3-591E-40D1-8E12-D895C37AA9B1}">
+      <dgm:prSet/>
+      <dgm:spPr/>
+      <dgm:t>
+        <a:bodyPr/>
+        <a:lstStyle/>
+        <a:p>
+          <a:pPr latinLnBrk="1"/>
+          <a:endParaRPr lang="ko-KR" altLang="en-US"/>
+        </a:p>
+      </dgm:t>
+    </dgm:pt>
+    <dgm:pt modelId="{F77EC4F4-B5D2-48F8-8FFF-11050E95DA6D}" type="sibTrans" cxnId="{CB72ECA3-591E-40D1-8E12-D895C37AA9B1}">
+      <dgm:prSet/>
+      <dgm:spPr/>
+      <dgm:t>
+        <a:bodyPr/>
+        <a:lstStyle/>
+        <a:p>
+          <a:pPr latinLnBrk="1"/>
+          <a:endParaRPr lang="ko-KR" altLang="en-US"/>
+        </a:p>
+      </dgm:t>
+    </dgm:pt>
+    <dgm:pt modelId="{803634DA-A1CD-4B67-BEFC-B2CE6182BB66}">
+      <dgm:prSet phldrT="[텍스트]"/>
+      <dgm:spPr/>
+      <dgm:t>
+        <a:bodyPr/>
+        <a:lstStyle/>
+        <a:p>
+          <a:pPr latinLnBrk="1"/>
+          <a:r>
+            <a:rPr lang="ko-KR" altLang="en-US" dirty="0" err="1" smtClean="0"/>
+            <a:t>소변불편함</a:t>
+          </a:r>
+          <a:r>
+            <a:rPr lang="ko-KR" altLang="en-US" dirty="0" smtClean="0"/>
+            <a:t> 지속되어 </a:t>
+          </a:r>
+          <a:r>
+            <a:rPr lang="en-US" altLang="ko-KR" dirty="0" smtClean="0"/>
+            <a:t>amitriptyline </a:t>
+          </a:r>
+          <a:r>
+            <a:rPr lang="ko-KR" altLang="en-US" dirty="0" smtClean="0"/>
+            <a:t>또 감량</a:t>
+          </a:r>
+          <a:r>
+            <a:rPr lang="en-US" altLang="ko-KR" dirty="0" smtClean="0"/>
+            <a:t>, buprenorphine patch </a:t>
+          </a:r>
+          <a:r>
+            <a:rPr lang="ko-KR" altLang="en-US" dirty="0" smtClean="0"/>
+            <a:t>증량</a:t>
+          </a:r>
+          <a:endParaRPr lang="ko-KR" altLang="en-US" dirty="0"/>
+        </a:p>
+      </dgm:t>
+    </dgm:pt>
+    <dgm:pt modelId="{3EB4BA46-C49F-4046-9351-323AAA71072D}" type="parTrans" cxnId="{D1D56011-BFC9-41C0-B288-CD21E8BFD5EC}">
+      <dgm:prSet/>
+      <dgm:spPr/>
+      <dgm:t>
+        <a:bodyPr/>
+        <a:lstStyle/>
+        <a:p>
+          <a:pPr latinLnBrk="1"/>
+          <a:endParaRPr lang="ko-KR" altLang="en-US"/>
+        </a:p>
+      </dgm:t>
+    </dgm:pt>
+    <dgm:pt modelId="{545005C9-A6BD-48B2-B69C-0C0FEDD81AF8}" type="sibTrans" cxnId="{D1D56011-BFC9-41C0-B288-CD21E8BFD5EC}">
+      <dgm:prSet/>
+      <dgm:spPr/>
+      <dgm:t>
+        <a:bodyPr/>
+        <a:lstStyle/>
+        <a:p>
+          <a:pPr latinLnBrk="1"/>
+          <a:endParaRPr lang="ko-KR" altLang="en-US"/>
+        </a:p>
+      </dgm:t>
+    </dgm:pt>
+    <dgm:pt modelId="{35EA7384-5BBF-459D-9A66-62612387C646}">
+      <dgm:prSet phldrT="[텍스트]"/>
+      <dgm:spPr/>
+      <dgm:t>
+        <a:bodyPr/>
+        <a:lstStyle/>
+        <a:p>
+          <a:pPr latinLnBrk="1"/>
+          <a:r>
+            <a:rPr lang="ko-KR" altLang="en-US" dirty="0" err="1" smtClean="0"/>
+            <a:t>기립성</a:t>
+          </a:r>
+          <a:r>
+            <a:rPr lang="ko-KR" altLang="en-US" dirty="0" smtClean="0"/>
+            <a:t> 어지럼 및 전신적인 떨림 발생</a:t>
+          </a:r>
+          <a:r>
+            <a:rPr lang="en-US" altLang="ko-KR" dirty="0" smtClean="0"/>
+            <a:t>. Oxycodone, amitriptyline</a:t>
+          </a:r>
+          <a:r>
+            <a:rPr lang="ko-KR" altLang="en-US" dirty="0" smtClean="0"/>
+            <a:t>은 중단</a:t>
+          </a:r>
+          <a:r>
+            <a:rPr lang="en-US" altLang="ko-KR" dirty="0" smtClean="0"/>
+            <a:t>. </a:t>
+          </a:r>
+          <a:endParaRPr lang="ko-KR" altLang="en-US" dirty="0"/>
+        </a:p>
+      </dgm:t>
+    </dgm:pt>
+    <dgm:pt modelId="{550E1223-3AEA-4E8C-B76B-D9836CDA8834}" type="parTrans" cxnId="{5C0C6430-CD0D-4C94-8277-D30E6F09220F}">
+      <dgm:prSet/>
+      <dgm:spPr/>
+      <dgm:t>
+        <a:bodyPr/>
+        <a:lstStyle/>
+        <a:p>
+          <a:pPr latinLnBrk="1"/>
+          <a:endParaRPr lang="ko-KR" altLang="en-US"/>
+        </a:p>
+      </dgm:t>
+    </dgm:pt>
+    <dgm:pt modelId="{4C4775EC-6708-4CAE-8DF9-65E3B1A6A61C}" type="sibTrans" cxnId="{5C0C6430-CD0D-4C94-8277-D30E6F09220F}">
+      <dgm:prSet/>
+      <dgm:spPr/>
+      <dgm:t>
+        <a:bodyPr/>
+        <a:lstStyle/>
+        <a:p>
+          <a:pPr latinLnBrk="1"/>
+          <a:endParaRPr lang="ko-KR" altLang="en-US"/>
+        </a:p>
+      </dgm:t>
+    </dgm:pt>
+    <dgm:pt modelId="{E99F146A-A7BC-4AF0-8344-B7A23D9331B0}">
+      <dgm:prSet phldrT="[텍스트]"/>
+      <dgm:spPr/>
+      <dgm:t>
+        <a:bodyPr/>
+        <a:lstStyle/>
+        <a:p>
+          <a:pPr latinLnBrk="1"/>
+          <a:r>
+            <a:rPr lang="ko-KR" altLang="en-US" dirty="0" err="1" smtClean="0"/>
+            <a:t>떨림증상</a:t>
+          </a:r>
+          <a:r>
+            <a:rPr lang="ko-KR" altLang="en-US" dirty="0" smtClean="0"/>
+            <a:t> 호전</a:t>
+          </a:r>
+          <a:r>
+            <a:rPr lang="en-US" altLang="ko-KR" dirty="0" smtClean="0"/>
+            <a:t>, </a:t>
+          </a:r>
+          <a:r>
+            <a:rPr lang="ko-KR" altLang="en-US" dirty="0" err="1" smtClean="0"/>
+            <a:t>기립성</a:t>
+          </a:r>
+          <a:r>
+            <a:rPr lang="ko-KR" altLang="en-US" dirty="0" smtClean="0"/>
+            <a:t> 어지럼 없어짐</a:t>
+          </a:r>
+          <a:r>
+            <a:rPr lang="en-US" altLang="ko-KR" dirty="0" smtClean="0"/>
+            <a:t>. </a:t>
+          </a:r>
+          <a:r>
+            <a:rPr lang="ko-KR" altLang="en-US" dirty="0" err="1" smtClean="0"/>
+            <a:t>저림은</a:t>
+          </a:r>
+          <a:r>
+            <a:rPr lang="ko-KR" altLang="en-US" dirty="0" smtClean="0"/>
+            <a:t> 아직도 </a:t>
+          </a:r>
+          <a:r>
+            <a:rPr lang="ko-KR" altLang="en-US" dirty="0" err="1" smtClean="0"/>
+            <a:t>호소중</a:t>
+          </a:r>
+          <a:endParaRPr lang="ko-KR" altLang="en-US" dirty="0"/>
+        </a:p>
+      </dgm:t>
+    </dgm:pt>
+    <dgm:pt modelId="{23293447-5B67-44E2-A5B1-76297FB08A6A}" type="parTrans" cxnId="{44672442-D8B3-4BD9-940F-3A97D480E0F7}">
+      <dgm:prSet/>
+      <dgm:spPr/>
+      <dgm:t>
+        <a:bodyPr/>
+        <a:lstStyle/>
+        <a:p>
+          <a:pPr latinLnBrk="1"/>
+          <a:endParaRPr lang="ko-KR" altLang="en-US"/>
+        </a:p>
+      </dgm:t>
+    </dgm:pt>
+    <dgm:pt modelId="{E7873FA2-5D53-4C65-9095-88423A47D83F}" type="sibTrans" cxnId="{44672442-D8B3-4BD9-940F-3A97D480E0F7}">
+      <dgm:prSet/>
+      <dgm:spPr/>
+      <dgm:t>
+        <a:bodyPr/>
+        <a:lstStyle/>
+        <a:p>
+          <a:pPr latinLnBrk="1"/>
+          <a:endParaRPr lang="ko-KR" altLang="en-US"/>
+        </a:p>
+      </dgm:t>
+    </dgm:pt>
+    <dgm:pt modelId="{B01AC89C-3AFF-40BF-9984-C7C24EB9C25E}" type="pres">
+      <dgm:prSet presAssocID="{0786A586-3234-4A05-9284-EF2C95DE38CA}" presName="Name0" presStyleCnt="0">
+        <dgm:presLayoutVars>
+          <dgm:dir/>
+          <dgm:resizeHandles val="exact"/>
+        </dgm:presLayoutVars>
+      </dgm:prSet>
+      <dgm:spPr/>
+    </dgm:pt>
+    <dgm:pt modelId="{0B37147A-16C8-4EE9-B737-4B1F7922D3C0}" type="pres">
+      <dgm:prSet presAssocID="{FA3156E4-0684-4D69-883A-7EC46FD32800}" presName="node" presStyleLbl="node1" presStyleIdx="0" presStyleCnt="14">
+        <dgm:presLayoutVars>
+          <dgm:bulletEnabled val="1"/>
+        </dgm:presLayoutVars>
+      </dgm:prSet>
+      <dgm:spPr/>
+    </dgm:pt>
+    <dgm:pt modelId="{90F77984-3FCB-4C4B-B412-C5E78535D9C1}" type="pres">
+      <dgm:prSet presAssocID="{A6838211-7D36-4FAF-A71F-E41DFE72E129}" presName="sibTrans" presStyleLbl="sibTrans1D1" presStyleIdx="0" presStyleCnt="13"/>
+      <dgm:spPr/>
+    </dgm:pt>
+    <dgm:pt modelId="{E0FAE0A6-BE46-4ACC-A49E-CD206C3BD690}" type="pres">
+      <dgm:prSet presAssocID="{A6838211-7D36-4FAF-A71F-E41DFE72E129}" presName="connectorText" presStyleLbl="sibTrans1D1" presStyleIdx="0" presStyleCnt="13"/>
+      <dgm:spPr/>
+    </dgm:pt>
+    <dgm:pt modelId="{80CDCA2C-E5B2-4AFC-AB10-788750352066}" type="pres">
+      <dgm:prSet presAssocID="{04FD56F6-FC30-4C89-ACD5-0A0B6C275E17}" presName="node" presStyleLbl="node1" presStyleIdx="1" presStyleCnt="14">
+        <dgm:presLayoutVars>
+          <dgm:bulletEnabled val="1"/>
+        </dgm:presLayoutVars>
+      </dgm:prSet>
+      <dgm:spPr/>
+    </dgm:pt>
+    <dgm:pt modelId="{5F6920BD-7ADB-48B8-8B9F-2A61BDD53B2B}" type="pres">
+      <dgm:prSet presAssocID="{1D255EEE-3112-45E2-8EE5-98545D3C151E}" presName="sibTrans" presStyleLbl="sibTrans1D1" presStyleIdx="1" presStyleCnt="13"/>
+      <dgm:spPr/>
+    </dgm:pt>
+    <dgm:pt modelId="{0B806F82-5498-4B8C-8653-5F6F852DA65B}" type="pres">
+      <dgm:prSet presAssocID="{1D255EEE-3112-45E2-8EE5-98545D3C151E}" presName="connectorText" presStyleLbl="sibTrans1D1" presStyleIdx="1" presStyleCnt="13"/>
+      <dgm:spPr/>
+    </dgm:pt>
+    <dgm:pt modelId="{890F0551-4885-4A01-BD49-1318151EF955}" type="pres">
+      <dgm:prSet presAssocID="{4DF5F7FD-E7DA-48BE-809E-898C7474100E}" presName="node" presStyleLbl="node1" presStyleIdx="2" presStyleCnt="14">
+        <dgm:presLayoutVars>
+          <dgm:bulletEnabled val="1"/>
+        </dgm:presLayoutVars>
+      </dgm:prSet>
+      <dgm:spPr/>
+    </dgm:pt>
+    <dgm:pt modelId="{862DF8F2-8181-44F3-8C96-3D647825456A}" type="pres">
+      <dgm:prSet presAssocID="{3700FCB7-869C-4926-9EB8-69627E8ACE75}" presName="sibTrans" presStyleLbl="sibTrans1D1" presStyleIdx="2" presStyleCnt="13"/>
+      <dgm:spPr/>
+    </dgm:pt>
+    <dgm:pt modelId="{F5AAB24D-586B-498D-833C-2E817DA27925}" type="pres">
+      <dgm:prSet presAssocID="{3700FCB7-869C-4926-9EB8-69627E8ACE75}" presName="connectorText" presStyleLbl="sibTrans1D1" presStyleIdx="2" presStyleCnt="13"/>
+      <dgm:spPr/>
+    </dgm:pt>
+    <dgm:pt modelId="{4A6608F7-2BC6-494A-955C-D734D76A1866}" type="pres">
+      <dgm:prSet presAssocID="{946C29C7-C595-4C8C-B731-3DCDB128A630}" presName="node" presStyleLbl="node1" presStyleIdx="3" presStyleCnt="14">
+        <dgm:presLayoutVars>
+          <dgm:bulletEnabled val="1"/>
+        </dgm:presLayoutVars>
+      </dgm:prSet>
+      <dgm:spPr/>
+    </dgm:pt>
+    <dgm:pt modelId="{37C047E0-9888-434F-8A49-5E4F79BB5B2F}" type="pres">
+      <dgm:prSet presAssocID="{67D28134-205A-4E68-B3D0-E2434E3E4E73}" presName="sibTrans" presStyleLbl="sibTrans1D1" presStyleIdx="3" presStyleCnt="13"/>
+      <dgm:spPr/>
+    </dgm:pt>
+    <dgm:pt modelId="{526E875A-5D41-4C37-8E53-5E7B3243C588}" type="pres">
+      <dgm:prSet presAssocID="{67D28134-205A-4E68-B3D0-E2434E3E4E73}" presName="connectorText" presStyleLbl="sibTrans1D1" presStyleIdx="3" presStyleCnt="13"/>
+      <dgm:spPr/>
+    </dgm:pt>
+    <dgm:pt modelId="{2A5E42F0-5AD3-43B3-A8DE-C682B8065754}" type="pres">
+      <dgm:prSet presAssocID="{AC666C09-5CEB-4C12-9816-E20E93EE8808}" presName="node" presStyleLbl="node1" presStyleIdx="4" presStyleCnt="14">
+        <dgm:presLayoutVars>
+          <dgm:bulletEnabled val="1"/>
+        </dgm:presLayoutVars>
+      </dgm:prSet>
+      <dgm:spPr/>
+    </dgm:pt>
+    <dgm:pt modelId="{5D5A8D98-2335-4903-9C60-D994488C34B8}" type="pres">
+      <dgm:prSet presAssocID="{FDE95A7B-BF77-4882-A822-1B4A33A0484A}" presName="sibTrans" presStyleLbl="sibTrans1D1" presStyleIdx="4" presStyleCnt="13"/>
+      <dgm:spPr/>
+    </dgm:pt>
+    <dgm:pt modelId="{ED5B51B7-49CC-43E3-896F-6B94424A5351}" type="pres">
+      <dgm:prSet presAssocID="{FDE95A7B-BF77-4882-A822-1B4A33A0484A}" presName="connectorText" presStyleLbl="sibTrans1D1" presStyleIdx="4" presStyleCnt="13"/>
+      <dgm:spPr/>
+    </dgm:pt>
+    <dgm:pt modelId="{B7D129FD-94D9-4BF6-B6DF-1FAC29728FFD}" type="pres">
+      <dgm:prSet presAssocID="{FFEA5090-7B61-4F57-877A-BF14B7629E2F}" presName="node" presStyleLbl="node1" presStyleIdx="5" presStyleCnt="14">
+        <dgm:presLayoutVars>
+          <dgm:bulletEnabled val="1"/>
+        </dgm:presLayoutVars>
+      </dgm:prSet>
+      <dgm:spPr/>
+    </dgm:pt>
+    <dgm:pt modelId="{38B6CC62-952D-4166-B24F-047C77C894AB}" type="pres">
+      <dgm:prSet presAssocID="{E5A98D16-53CD-412F-8FD6-07D19A3F963E}" presName="sibTrans" presStyleLbl="sibTrans1D1" presStyleIdx="5" presStyleCnt="13"/>
+      <dgm:spPr/>
+    </dgm:pt>
+    <dgm:pt modelId="{6FB13CE0-AB4A-47A5-A73D-DCA1A6FCFEC6}" type="pres">
+      <dgm:prSet presAssocID="{E5A98D16-53CD-412F-8FD6-07D19A3F963E}" presName="connectorText" presStyleLbl="sibTrans1D1" presStyleIdx="5" presStyleCnt="13"/>
+      <dgm:spPr/>
+    </dgm:pt>
+    <dgm:pt modelId="{C49B80A6-BD41-4AFB-8EB5-3773E992E5BB}" type="pres">
+      <dgm:prSet presAssocID="{B792578E-6225-458A-90E2-69627ED28B72}" presName="node" presStyleLbl="node1" presStyleIdx="6" presStyleCnt="14">
+        <dgm:presLayoutVars>
+          <dgm:bulletEnabled val="1"/>
+        </dgm:presLayoutVars>
+      </dgm:prSet>
+      <dgm:spPr/>
+    </dgm:pt>
+    <dgm:pt modelId="{7CEE1634-633A-440D-9CE2-5AF41BE72F65}" type="pres">
+      <dgm:prSet presAssocID="{C13683FE-5CA0-41BC-AE83-F6D39874F22C}" presName="sibTrans" presStyleLbl="sibTrans1D1" presStyleIdx="6" presStyleCnt="13"/>
+      <dgm:spPr/>
+    </dgm:pt>
+    <dgm:pt modelId="{75A0EC99-A0A1-4418-B79E-909EAAD09D98}" type="pres">
+      <dgm:prSet presAssocID="{C13683FE-5CA0-41BC-AE83-F6D39874F22C}" presName="connectorText" presStyleLbl="sibTrans1D1" presStyleIdx="6" presStyleCnt="13"/>
+      <dgm:spPr/>
+    </dgm:pt>
+    <dgm:pt modelId="{72008380-46A2-4EC5-97EC-5E2DE6F75D70}" type="pres">
+      <dgm:prSet presAssocID="{BB0D8EB5-1684-4CF5-A6DF-F61C82A5F513}" presName="node" presStyleLbl="node1" presStyleIdx="7" presStyleCnt="14">
+        <dgm:presLayoutVars>
+          <dgm:bulletEnabled val="1"/>
+        </dgm:presLayoutVars>
+      </dgm:prSet>
+      <dgm:spPr/>
+    </dgm:pt>
+    <dgm:pt modelId="{5B203C94-CEC7-4AAA-A1AE-367D4F6E8A0B}" type="pres">
+      <dgm:prSet presAssocID="{53584C89-9786-4470-B63E-FA8E979A6277}" presName="sibTrans" presStyleLbl="sibTrans1D1" presStyleIdx="7" presStyleCnt="13"/>
+      <dgm:spPr/>
+    </dgm:pt>
+    <dgm:pt modelId="{D9843ACB-BEDA-4148-8BAA-D4832FA3EC25}" type="pres">
+      <dgm:prSet presAssocID="{53584C89-9786-4470-B63E-FA8E979A6277}" presName="connectorText" presStyleLbl="sibTrans1D1" presStyleIdx="7" presStyleCnt="13"/>
+      <dgm:spPr/>
+    </dgm:pt>
+    <dgm:pt modelId="{F65E02C4-8131-4CB6-A792-CBE460247714}" type="pres">
+      <dgm:prSet presAssocID="{ECDCF5B2-7B8A-4C83-BA04-E82248D489A4}" presName="node" presStyleLbl="node1" presStyleIdx="8" presStyleCnt="14">
+        <dgm:presLayoutVars>
+          <dgm:bulletEnabled val="1"/>
+        </dgm:presLayoutVars>
+      </dgm:prSet>
+      <dgm:spPr/>
+    </dgm:pt>
+    <dgm:pt modelId="{C188CBC8-F067-47AD-B24F-9B3BC5DA116F}" type="pres">
+      <dgm:prSet presAssocID="{E0EBD570-1031-4932-B6E6-EDD17E69044C}" presName="sibTrans" presStyleLbl="sibTrans1D1" presStyleIdx="8" presStyleCnt="13"/>
+      <dgm:spPr/>
+    </dgm:pt>
+    <dgm:pt modelId="{E5E1E9AD-105C-4440-8EA0-7124154B3920}" type="pres">
+      <dgm:prSet presAssocID="{E0EBD570-1031-4932-B6E6-EDD17E69044C}" presName="connectorText" presStyleLbl="sibTrans1D1" presStyleIdx="8" presStyleCnt="13"/>
+      <dgm:spPr/>
+    </dgm:pt>
+    <dgm:pt modelId="{32B3C348-15CB-41C4-BD9F-CDB17486CF7A}" type="pres">
+      <dgm:prSet presAssocID="{560CFE5F-89B6-4B41-9E99-E00BECFFEF13}" presName="node" presStyleLbl="node1" presStyleIdx="9" presStyleCnt="14">
+        <dgm:presLayoutVars>
+          <dgm:bulletEnabled val="1"/>
+        </dgm:presLayoutVars>
+      </dgm:prSet>
+      <dgm:spPr/>
+    </dgm:pt>
+    <dgm:pt modelId="{09F6480F-632B-4590-9115-C3D0156B24C0}" type="pres">
+      <dgm:prSet presAssocID="{41EAFA0A-24FB-4E88-A29E-B52130467B48}" presName="sibTrans" presStyleLbl="sibTrans1D1" presStyleIdx="9" presStyleCnt="13"/>
+      <dgm:spPr/>
+    </dgm:pt>
+    <dgm:pt modelId="{EAA7338F-7BB0-4F1D-8E20-8EE09444717C}" type="pres">
+      <dgm:prSet presAssocID="{41EAFA0A-24FB-4E88-A29E-B52130467B48}" presName="connectorText" presStyleLbl="sibTrans1D1" presStyleIdx="9" presStyleCnt="13"/>
+      <dgm:spPr/>
+    </dgm:pt>
+    <dgm:pt modelId="{23721B35-F5F1-49DC-B006-1BC1E0AD882D}" type="pres">
+      <dgm:prSet presAssocID="{FAF9E6EE-3ADE-4112-9473-C43BE2FFCC6E}" presName="node" presStyleLbl="node1" presStyleIdx="10" presStyleCnt="14">
+        <dgm:presLayoutVars>
+          <dgm:bulletEnabled val="1"/>
+        </dgm:presLayoutVars>
+      </dgm:prSet>
+      <dgm:spPr/>
+    </dgm:pt>
+    <dgm:pt modelId="{A9CBDA74-3FFC-4C31-9B03-42A22C30FFB9}" type="pres">
+      <dgm:prSet presAssocID="{F77EC4F4-B5D2-48F8-8FFF-11050E95DA6D}" presName="sibTrans" presStyleLbl="sibTrans1D1" presStyleIdx="10" presStyleCnt="13"/>
+      <dgm:spPr/>
+    </dgm:pt>
+    <dgm:pt modelId="{9311CD18-F044-4DAF-9CA6-460B2A5EEE8D}" type="pres">
+      <dgm:prSet presAssocID="{F77EC4F4-B5D2-48F8-8FFF-11050E95DA6D}" presName="connectorText" presStyleLbl="sibTrans1D1" presStyleIdx="10" presStyleCnt="13"/>
+      <dgm:spPr/>
+    </dgm:pt>
+    <dgm:pt modelId="{F20EBC16-6695-4485-AD11-C98CE2865025}" type="pres">
+      <dgm:prSet presAssocID="{803634DA-A1CD-4B67-BEFC-B2CE6182BB66}" presName="node" presStyleLbl="node1" presStyleIdx="11" presStyleCnt="14">
+        <dgm:presLayoutVars>
+          <dgm:bulletEnabled val="1"/>
+        </dgm:presLayoutVars>
+      </dgm:prSet>
+      <dgm:spPr/>
+    </dgm:pt>
+    <dgm:pt modelId="{50422C64-53CD-4107-A76F-FE27A233D737}" type="pres">
+      <dgm:prSet presAssocID="{545005C9-A6BD-48B2-B69C-0C0FEDD81AF8}" presName="sibTrans" presStyleLbl="sibTrans1D1" presStyleIdx="11" presStyleCnt="13"/>
+      <dgm:spPr/>
+    </dgm:pt>
+    <dgm:pt modelId="{6B6180A3-6312-4381-9B68-74EAF510A007}" type="pres">
+      <dgm:prSet presAssocID="{545005C9-A6BD-48B2-B69C-0C0FEDD81AF8}" presName="connectorText" presStyleLbl="sibTrans1D1" presStyleIdx="11" presStyleCnt="13"/>
+      <dgm:spPr/>
+    </dgm:pt>
+    <dgm:pt modelId="{E7FD4B0B-95A8-498E-BAB4-C1073A6402E1}" type="pres">
+      <dgm:prSet presAssocID="{35EA7384-5BBF-459D-9A66-62612387C646}" presName="node" presStyleLbl="node1" presStyleIdx="12" presStyleCnt="14">
+        <dgm:presLayoutVars>
+          <dgm:bulletEnabled val="1"/>
+        </dgm:presLayoutVars>
+      </dgm:prSet>
+      <dgm:spPr/>
+    </dgm:pt>
+    <dgm:pt modelId="{C7F742DA-3989-4E46-9234-2B4AAD5034F7}" type="pres">
+      <dgm:prSet presAssocID="{4C4775EC-6708-4CAE-8DF9-65E3B1A6A61C}" presName="sibTrans" presStyleLbl="sibTrans1D1" presStyleIdx="12" presStyleCnt="13"/>
+      <dgm:spPr/>
+    </dgm:pt>
+    <dgm:pt modelId="{7E408424-A7D8-4E99-A994-BD2C958BFF37}" type="pres">
+      <dgm:prSet presAssocID="{4C4775EC-6708-4CAE-8DF9-65E3B1A6A61C}" presName="connectorText" presStyleLbl="sibTrans1D1" presStyleIdx="12" presStyleCnt="13"/>
+      <dgm:spPr/>
+    </dgm:pt>
+    <dgm:pt modelId="{220150E1-98BD-46D5-B1EE-75D15C6975DF}" type="pres">
+      <dgm:prSet presAssocID="{E99F146A-A7BC-4AF0-8344-B7A23D9331B0}" presName="node" presStyleLbl="node1" presStyleIdx="13" presStyleCnt="14">
+        <dgm:presLayoutVars>
+          <dgm:bulletEnabled val="1"/>
+        </dgm:presLayoutVars>
+      </dgm:prSet>
+      <dgm:spPr/>
+    </dgm:pt>
+  </dgm:ptLst>
+  <dgm:cxnLst>
+    <dgm:cxn modelId="{CD69997C-9A7B-4452-B0C8-4B33B33ED138}" type="presOf" srcId="{35EA7384-5BBF-459D-9A66-62612387C646}" destId="{E7FD4B0B-95A8-498E-BAB4-C1073A6402E1}" srcOrd="0" destOrd="0" presId="urn:microsoft.com/office/officeart/2005/8/layout/bProcess3"/>
+    <dgm:cxn modelId="{27F97E60-1ABA-4CC1-88E9-A3D28BF78D93}" srcId="{0786A586-3234-4A05-9284-EF2C95DE38CA}" destId="{946C29C7-C595-4C8C-B731-3DCDB128A630}" srcOrd="3" destOrd="0" parTransId="{68D224D9-1A05-4060-A710-E65568B01FFB}" sibTransId="{67D28134-205A-4E68-B3D0-E2434E3E4E73}"/>
+    <dgm:cxn modelId="{B385FF9F-94D6-441F-A56D-05B7C9E37896}" type="presOf" srcId="{FFEA5090-7B61-4F57-877A-BF14B7629E2F}" destId="{B7D129FD-94D9-4BF6-B6DF-1FAC29728FFD}" srcOrd="0" destOrd="0" presId="urn:microsoft.com/office/officeart/2005/8/layout/bProcess3"/>
+    <dgm:cxn modelId="{5BB1D7CF-43EA-4032-B49F-536F092E722B}" srcId="{0786A586-3234-4A05-9284-EF2C95DE38CA}" destId="{AC666C09-5CEB-4C12-9816-E20E93EE8808}" srcOrd="4" destOrd="0" parTransId="{68CBED72-C660-43EF-82DF-832A174E2EB5}" sibTransId="{FDE95A7B-BF77-4882-A822-1B4A33A0484A}"/>
+    <dgm:cxn modelId="{C5D248AC-3B41-4661-93F4-091EEE5D5110}" type="presOf" srcId="{67D28134-205A-4E68-B3D0-E2434E3E4E73}" destId="{37C047E0-9888-434F-8A49-5E4F79BB5B2F}" srcOrd="0" destOrd="0" presId="urn:microsoft.com/office/officeart/2005/8/layout/bProcess3"/>
+    <dgm:cxn modelId="{A2DD3470-CD30-4F8F-8DAE-007AE43C982F}" type="presOf" srcId="{A6838211-7D36-4FAF-A71F-E41DFE72E129}" destId="{E0FAE0A6-BE46-4ACC-A49E-CD206C3BD690}" srcOrd="1" destOrd="0" presId="urn:microsoft.com/office/officeart/2005/8/layout/bProcess3"/>
+    <dgm:cxn modelId="{63CBFD34-51B4-4CB8-B4A3-C8125C93069E}" type="presOf" srcId="{A6838211-7D36-4FAF-A71F-E41DFE72E129}" destId="{90F77984-3FCB-4C4B-B412-C5E78535D9C1}" srcOrd="0" destOrd="0" presId="urn:microsoft.com/office/officeart/2005/8/layout/bProcess3"/>
+    <dgm:cxn modelId="{10C860C8-EA1B-4BA5-A33C-B2AAE219B382}" type="presOf" srcId="{FDE95A7B-BF77-4882-A822-1B4A33A0484A}" destId="{ED5B51B7-49CC-43E3-896F-6B94424A5351}" srcOrd="1" destOrd="0" presId="urn:microsoft.com/office/officeart/2005/8/layout/bProcess3"/>
+    <dgm:cxn modelId="{42C9E7CD-11ED-4D71-B95C-E4F6621FC71F}" type="presOf" srcId="{803634DA-A1CD-4B67-BEFC-B2CE6182BB66}" destId="{F20EBC16-6695-4485-AD11-C98CE2865025}" srcOrd="0" destOrd="0" presId="urn:microsoft.com/office/officeart/2005/8/layout/bProcess3"/>
+    <dgm:cxn modelId="{8222E1E6-8E58-41F9-97FC-9A7C881AB319}" type="presOf" srcId="{E5A98D16-53CD-412F-8FD6-07D19A3F963E}" destId="{6FB13CE0-AB4A-47A5-A73D-DCA1A6FCFEC6}" srcOrd="1" destOrd="0" presId="urn:microsoft.com/office/officeart/2005/8/layout/bProcess3"/>
+    <dgm:cxn modelId="{3D47C379-C2F3-4E37-9064-E42DD9A1228F}" type="presOf" srcId="{4C4775EC-6708-4CAE-8DF9-65E3B1A6A61C}" destId="{7E408424-A7D8-4E99-A994-BD2C958BFF37}" srcOrd="1" destOrd="0" presId="urn:microsoft.com/office/officeart/2005/8/layout/bProcess3"/>
+    <dgm:cxn modelId="{68BAA4F6-397F-4C13-B859-DE253C6C77ED}" type="presOf" srcId="{E99F146A-A7BC-4AF0-8344-B7A23D9331B0}" destId="{220150E1-98BD-46D5-B1EE-75D15C6975DF}" srcOrd="0" destOrd="0" presId="urn:microsoft.com/office/officeart/2005/8/layout/bProcess3"/>
+    <dgm:cxn modelId="{44E215FF-322B-4E60-B264-A7A03408AD89}" type="presOf" srcId="{FA3156E4-0684-4D69-883A-7EC46FD32800}" destId="{0B37147A-16C8-4EE9-B737-4B1F7922D3C0}" srcOrd="0" destOrd="0" presId="urn:microsoft.com/office/officeart/2005/8/layout/bProcess3"/>
+    <dgm:cxn modelId="{0621FA01-F71C-4073-9DFD-7E3AB0574404}" type="presOf" srcId="{FDE95A7B-BF77-4882-A822-1B4A33A0484A}" destId="{5D5A8D98-2335-4903-9C60-D994488C34B8}" srcOrd="0" destOrd="0" presId="urn:microsoft.com/office/officeart/2005/8/layout/bProcess3"/>
+    <dgm:cxn modelId="{DB3414A8-A8A4-4F91-A8D0-74C0C80C4BC6}" type="presOf" srcId="{560CFE5F-89B6-4B41-9E99-E00BECFFEF13}" destId="{32B3C348-15CB-41C4-BD9F-CDB17486CF7A}" srcOrd="0" destOrd="0" presId="urn:microsoft.com/office/officeart/2005/8/layout/bProcess3"/>
+    <dgm:cxn modelId="{E9FD72F3-FA21-4626-A710-D7FC112AC626}" srcId="{0786A586-3234-4A05-9284-EF2C95DE38CA}" destId="{FFEA5090-7B61-4F57-877A-BF14B7629E2F}" srcOrd="5" destOrd="0" parTransId="{00B1064D-6FF3-42D4-BF4F-D84A5FFAED85}" sibTransId="{E5A98D16-53CD-412F-8FD6-07D19A3F963E}"/>
+    <dgm:cxn modelId="{F4ED955E-3661-4F50-A5EB-6544989F7BA6}" type="presOf" srcId="{E0EBD570-1031-4932-B6E6-EDD17E69044C}" destId="{E5E1E9AD-105C-4440-8EA0-7124154B3920}" srcOrd="1" destOrd="0" presId="urn:microsoft.com/office/officeart/2005/8/layout/bProcess3"/>
+    <dgm:cxn modelId="{FABA190E-016B-4DEB-BB12-756B6ED146B7}" type="presOf" srcId="{545005C9-A6BD-48B2-B69C-0C0FEDD81AF8}" destId="{50422C64-53CD-4107-A76F-FE27A233D737}" srcOrd="0" destOrd="0" presId="urn:microsoft.com/office/officeart/2005/8/layout/bProcess3"/>
+    <dgm:cxn modelId="{5C0C6430-CD0D-4C94-8277-D30E6F09220F}" srcId="{0786A586-3234-4A05-9284-EF2C95DE38CA}" destId="{35EA7384-5BBF-459D-9A66-62612387C646}" srcOrd="12" destOrd="0" parTransId="{550E1223-3AEA-4E8C-B76B-D9836CDA8834}" sibTransId="{4C4775EC-6708-4CAE-8DF9-65E3B1A6A61C}"/>
+    <dgm:cxn modelId="{137EE550-2C01-4E0D-BC66-7D29A35CE9D8}" srcId="{0786A586-3234-4A05-9284-EF2C95DE38CA}" destId="{FA3156E4-0684-4D69-883A-7EC46FD32800}" srcOrd="0" destOrd="0" parTransId="{71E14F92-B599-4F78-AEFE-EA7589C5B885}" sibTransId="{A6838211-7D36-4FAF-A71F-E41DFE72E129}"/>
+    <dgm:cxn modelId="{C7BC3F02-A96A-42E1-9913-FB71E6FE8E51}" srcId="{0786A586-3234-4A05-9284-EF2C95DE38CA}" destId="{ECDCF5B2-7B8A-4C83-BA04-E82248D489A4}" srcOrd="8" destOrd="0" parTransId="{991CABFC-A25B-489D-B748-B3F14C1740CD}" sibTransId="{E0EBD570-1031-4932-B6E6-EDD17E69044C}"/>
+    <dgm:cxn modelId="{BCC0AB95-7D81-482E-B1AD-7BDDF6884752}" type="presOf" srcId="{C13683FE-5CA0-41BC-AE83-F6D39874F22C}" destId="{7CEE1634-633A-440D-9CE2-5AF41BE72F65}" srcOrd="0" destOrd="0" presId="urn:microsoft.com/office/officeart/2005/8/layout/bProcess3"/>
+    <dgm:cxn modelId="{D1B13A42-1A4C-4BD4-9A30-A0EC7FA932A3}" type="presOf" srcId="{F77EC4F4-B5D2-48F8-8FFF-11050E95DA6D}" destId="{A9CBDA74-3FFC-4C31-9B03-42A22C30FFB9}" srcOrd="0" destOrd="0" presId="urn:microsoft.com/office/officeart/2005/8/layout/bProcess3"/>
+    <dgm:cxn modelId="{D1D56011-BFC9-41C0-B288-CD21E8BFD5EC}" srcId="{0786A586-3234-4A05-9284-EF2C95DE38CA}" destId="{803634DA-A1CD-4B67-BEFC-B2CE6182BB66}" srcOrd="11" destOrd="0" parTransId="{3EB4BA46-C49F-4046-9351-323AAA71072D}" sibTransId="{545005C9-A6BD-48B2-B69C-0C0FEDD81AF8}"/>
+    <dgm:cxn modelId="{1034E62B-5CF4-433E-A5C0-3ED6B17DEF43}" type="presOf" srcId="{41EAFA0A-24FB-4E88-A29E-B52130467B48}" destId="{09F6480F-632B-4590-9115-C3D0156B24C0}" srcOrd="0" destOrd="0" presId="urn:microsoft.com/office/officeart/2005/8/layout/bProcess3"/>
+    <dgm:cxn modelId="{0B0A4A80-9D5A-47A3-A492-4D97D56EDB41}" type="presOf" srcId="{04FD56F6-FC30-4C89-ACD5-0A0B6C275E17}" destId="{80CDCA2C-E5B2-4AFC-AB10-788750352066}" srcOrd="0" destOrd="0" presId="urn:microsoft.com/office/officeart/2005/8/layout/bProcess3"/>
+    <dgm:cxn modelId="{97389D0F-D64E-420A-8800-EAE2ACF796FD}" srcId="{0786A586-3234-4A05-9284-EF2C95DE38CA}" destId="{4DF5F7FD-E7DA-48BE-809E-898C7474100E}" srcOrd="2" destOrd="0" parTransId="{11479114-5F10-4DC7-9CE9-14430DC014CD}" sibTransId="{3700FCB7-869C-4926-9EB8-69627E8ACE75}"/>
+    <dgm:cxn modelId="{786B5ACE-D9E9-4A70-B680-F36CBF4653D8}" type="presOf" srcId="{ECDCF5B2-7B8A-4C83-BA04-E82248D489A4}" destId="{F65E02C4-8131-4CB6-A792-CBE460247714}" srcOrd="0" destOrd="0" presId="urn:microsoft.com/office/officeart/2005/8/layout/bProcess3"/>
+    <dgm:cxn modelId="{510CDF71-9902-450F-9DD5-88729AF516FA}" type="presOf" srcId="{B792578E-6225-458A-90E2-69627ED28B72}" destId="{C49B80A6-BD41-4AFB-8EB5-3773E992E5BB}" srcOrd="0" destOrd="0" presId="urn:microsoft.com/office/officeart/2005/8/layout/bProcess3"/>
+    <dgm:cxn modelId="{638E5F4D-1285-4EDB-85FD-9684C00F245B}" type="presOf" srcId="{67D28134-205A-4E68-B3D0-E2434E3E4E73}" destId="{526E875A-5D41-4C37-8E53-5E7B3243C588}" srcOrd="1" destOrd="0" presId="urn:microsoft.com/office/officeart/2005/8/layout/bProcess3"/>
+    <dgm:cxn modelId="{BF73BEC7-BC4E-41A4-BF3D-B3F7A20A62D9}" type="presOf" srcId="{3700FCB7-869C-4926-9EB8-69627E8ACE75}" destId="{862DF8F2-8181-44F3-8C96-3D647825456A}" srcOrd="0" destOrd="0" presId="urn:microsoft.com/office/officeart/2005/8/layout/bProcess3"/>
+    <dgm:cxn modelId="{8F34A09D-DA01-4839-8E9E-330C11F53AFD}" type="presOf" srcId="{FAF9E6EE-3ADE-4112-9473-C43BE2FFCC6E}" destId="{23721B35-F5F1-49DC-B006-1BC1E0AD882D}" srcOrd="0" destOrd="0" presId="urn:microsoft.com/office/officeart/2005/8/layout/bProcess3"/>
+    <dgm:cxn modelId="{3E7C3936-6F2B-44F2-A191-1493B48307CC}" srcId="{0786A586-3234-4A05-9284-EF2C95DE38CA}" destId="{04FD56F6-FC30-4C89-ACD5-0A0B6C275E17}" srcOrd="1" destOrd="0" parTransId="{E59B7215-F3D3-4270-844B-85FC9A1623B6}" sibTransId="{1D255EEE-3112-45E2-8EE5-98545D3C151E}"/>
+    <dgm:cxn modelId="{D42C9177-9E14-471A-8C26-10A64C2B4DB3}" type="presOf" srcId="{41EAFA0A-24FB-4E88-A29E-B52130467B48}" destId="{EAA7338F-7BB0-4F1D-8E20-8EE09444717C}" srcOrd="1" destOrd="0" presId="urn:microsoft.com/office/officeart/2005/8/layout/bProcess3"/>
+    <dgm:cxn modelId="{21D9A3A5-ED64-4DA1-BD6A-933F1A121B66}" type="presOf" srcId="{53584C89-9786-4470-B63E-FA8E979A6277}" destId="{5B203C94-CEC7-4AAA-A1AE-367D4F6E8A0B}" srcOrd="0" destOrd="0" presId="urn:microsoft.com/office/officeart/2005/8/layout/bProcess3"/>
+    <dgm:cxn modelId="{A95F3748-ACA3-45F2-A168-7528B8751F2C}" type="presOf" srcId="{1D255EEE-3112-45E2-8EE5-98545D3C151E}" destId="{0B806F82-5498-4B8C-8653-5F6F852DA65B}" srcOrd="1" destOrd="0" presId="urn:microsoft.com/office/officeart/2005/8/layout/bProcess3"/>
+    <dgm:cxn modelId="{32B7AE43-D48F-4A71-89ED-619258B30C02}" type="presOf" srcId="{4DF5F7FD-E7DA-48BE-809E-898C7474100E}" destId="{890F0551-4885-4A01-BD49-1318151EF955}" srcOrd="0" destOrd="0" presId="urn:microsoft.com/office/officeart/2005/8/layout/bProcess3"/>
+    <dgm:cxn modelId="{65735942-1B3D-471B-A980-9C123FBE4ED8}" type="presOf" srcId="{C13683FE-5CA0-41BC-AE83-F6D39874F22C}" destId="{75A0EC99-A0A1-4418-B79E-909EAAD09D98}" srcOrd="1" destOrd="0" presId="urn:microsoft.com/office/officeart/2005/8/layout/bProcess3"/>
+    <dgm:cxn modelId="{8FCC0810-093E-4667-842A-57293857B144}" srcId="{0786A586-3234-4A05-9284-EF2C95DE38CA}" destId="{B792578E-6225-458A-90E2-69627ED28B72}" srcOrd="6" destOrd="0" parTransId="{EF58A2BB-636E-4C6F-86B9-11B3C7D541B6}" sibTransId="{C13683FE-5CA0-41BC-AE83-F6D39874F22C}"/>
+    <dgm:cxn modelId="{B72C9556-910E-487C-B341-EB0C7469E5F1}" type="presOf" srcId="{E5A98D16-53CD-412F-8FD6-07D19A3F963E}" destId="{38B6CC62-952D-4166-B24F-047C77C894AB}" srcOrd="0" destOrd="0" presId="urn:microsoft.com/office/officeart/2005/8/layout/bProcess3"/>
+    <dgm:cxn modelId="{5CAEC8F1-50A1-4956-8809-425ADA5A6636}" type="presOf" srcId="{F77EC4F4-B5D2-48F8-8FFF-11050E95DA6D}" destId="{9311CD18-F044-4DAF-9CA6-460B2A5EEE8D}" srcOrd="1" destOrd="0" presId="urn:microsoft.com/office/officeart/2005/8/layout/bProcess3"/>
+    <dgm:cxn modelId="{B9C6C5AE-54B8-4D68-9631-2DCC2561A5D0}" type="presOf" srcId="{AC666C09-5CEB-4C12-9816-E20E93EE8808}" destId="{2A5E42F0-5AD3-43B3-A8DE-C682B8065754}" srcOrd="0" destOrd="0" presId="urn:microsoft.com/office/officeart/2005/8/layout/bProcess3"/>
+    <dgm:cxn modelId="{16A47E8D-B0DC-4C62-B6D7-66EAE2F1995A}" type="presOf" srcId="{BB0D8EB5-1684-4CF5-A6DF-F61C82A5F513}" destId="{72008380-46A2-4EC5-97EC-5E2DE6F75D70}" srcOrd="0" destOrd="0" presId="urn:microsoft.com/office/officeart/2005/8/layout/bProcess3"/>
+    <dgm:cxn modelId="{8B67A5CF-D674-46B6-9C6A-A744C44D7BBA}" type="presOf" srcId="{0786A586-3234-4A05-9284-EF2C95DE38CA}" destId="{B01AC89C-3AFF-40BF-9984-C7C24EB9C25E}" srcOrd="0" destOrd="0" presId="urn:microsoft.com/office/officeart/2005/8/layout/bProcess3"/>
+    <dgm:cxn modelId="{BD85F432-39DA-455A-A269-E26FEA9024D6}" srcId="{0786A586-3234-4A05-9284-EF2C95DE38CA}" destId="{560CFE5F-89B6-4B41-9E99-E00BECFFEF13}" srcOrd="9" destOrd="0" parTransId="{043C2B2B-2820-4609-B8E1-7F7E4A515891}" sibTransId="{41EAFA0A-24FB-4E88-A29E-B52130467B48}"/>
+    <dgm:cxn modelId="{74A2C39B-AA77-421F-8698-9A13E56CA9F5}" type="presOf" srcId="{53584C89-9786-4470-B63E-FA8E979A6277}" destId="{D9843ACB-BEDA-4148-8BAA-D4832FA3EC25}" srcOrd="1" destOrd="0" presId="urn:microsoft.com/office/officeart/2005/8/layout/bProcess3"/>
+    <dgm:cxn modelId="{CB72ECA3-591E-40D1-8E12-D895C37AA9B1}" srcId="{0786A586-3234-4A05-9284-EF2C95DE38CA}" destId="{FAF9E6EE-3ADE-4112-9473-C43BE2FFCC6E}" srcOrd="10" destOrd="0" parTransId="{AA3BF652-75A5-4B7A-94E3-ED6C7F91ECFC}" sibTransId="{F77EC4F4-B5D2-48F8-8FFF-11050E95DA6D}"/>
+    <dgm:cxn modelId="{4F9FC03D-E9A4-45D5-864B-425A54ED382D}" type="presOf" srcId="{3700FCB7-869C-4926-9EB8-69627E8ACE75}" destId="{F5AAB24D-586B-498D-833C-2E817DA27925}" srcOrd="1" destOrd="0" presId="urn:microsoft.com/office/officeart/2005/8/layout/bProcess3"/>
+    <dgm:cxn modelId="{1EE9A28F-9D46-4099-852D-FEC6D469A36A}" type="presOf" srcId="{1D255EEE-3112-45E2-8EE5-98545D3C151E}" destId="{5F6920BD-7ADB-48B8-8B9F-2A61BDD53B2B}" srcOrd="0" destOrd="0" presId="urn:microsoft.com/office/officeart/2005/8/layout/bProcess3"/>
+    <dgm:cxn modelId="{A387989F-DD62-4A5A-92D5-3FDEF3CB7D36}" srcId="{0786A586-3234-4A05-9284-EF2C95DE38CA}" destId="{BB0D8EB5-1684-4CF5-A6DF-F61C82A5F513}" srcOrd="7" destOrd="0" parTransId="{2641C874-1296-44B9-8B38-D04A198A185B}" sibTransId="{53584C89-9786-4470-B63E-FA8E979A6277}"/>
+    <dgm:cxn modelId="{44672442-D8B3-4BD9-940F-3A97D480E0F7}" srcId="{0786A586-3234-4A05-9284-EF2C95DE38CA}" destId="{E99F146A-A7BC-4AF0-8344-B7A23D9331B0}" srcOrd="13" destOrd="0" parTransId="{23293447-5B67-44E2-A5B1-76297FB08A6A}" sibTransId="{E7873FA2-5D53-4C65-9095-88423A47D83F}"/>
+    <dgm:cxn modelId="{4E9C1130-DB9D-4DDE-AB97-CAD67A04EC5D}" type="presOf" srcId="{946C29C7-C595-4C8C-B731-3DCDB128A630}" destId="{4A6608F7-2BC6-494A-955C-D734D76A1866}" srcOrd="0" destOrd="0" presId="urn:microsoft.com/office/officeart/2005/8/layout/bProcess3"/>
+    <dgm:cxn modelId="{CD1BE95F-8395-46B5-94FC-BF2E1B8BF558}" type="presOf" srcId="{E0EBD570-1031-4932-B6E6-EDD17E69044C}" destId="{C188CBC8-F067-47AD-B24F-9B3BC5DA116F}" srcOrd="0" destOrd="0" presId="urn:microsoft.com/office/officeart/2005/8/layout/bProcess3"/>
+    <dgm:cxn modelId="{7CB6E33A-4B8F-4DD4-8373-0F4D9E1C05DB}" type="presOf" srcId="{545005C9-A6BD-48B2-B69C-0C0FEDD81AF8}" destId="{6B6180A3-6312-4381-9B68-74EAF510A007}" srcOrd="1" destOrd="0" presId="urn:microsoft.com/office/officeart/2005/8/layout/bProcess3"/>
+    <dgm:cxn modelId="{6B53FD47-7E96-4926-96C5-245C24A043F2}" type="presOf" srcId="{4C4775EC-6708-4CAE-8DF9-65E3B1A6A61C}" destId="{C7F742DA-3989-4E46-9234-2B4AAD5034F7}" srcOrd="0" destOrd="0" presId="urn:microsoft.com/office/officeart/2005/8/layout/bProcess3"/>
+    <dgm:cxn modelId="{7635DD8D-3AC3-4ADA-BE4A-A2A891A43378}" type="presParOf" srcId="{B01AC89C-3AFF-40BF-9984-C7C24EB9C25E}" destId="{0B37147A-16C8-4EE9-B737-4B1F7922D3C0}" srcOrd="0" destOrd="0" presId="urn:microsoft.com/office/officeart/2005/8/layout/bProcess3"/>
+    <dgm:cxn modelId="{02F60630-6627-460F-A7F1-6BBBB4F3D522}" type="presParOf" srcId="{B01AC89C-3AFF-40BF-9984-C7C24EB9C25E}" destId="{90F77984-3FCB-4C4B-B412-C5E78535D9C1}" srcOrd="1" destOrd="0" presId="urn:microsoft.com/office/officeart/2005/8/layout/bProcess3"/>
+    <dgm:cxn modelId="{80E146AD-9C86-47A0-92FF-A227B3A928B4}" type="presParOf" srcId="{90F77984-3FCB-4C4B-B412-C5E78535D9C1}" destId="{E0FAE0A6-BE46-4ACC-A49E-CD206C3BD690}" srcOrd="0" destOrd="0" presId="urn:microsoft.com/office/officeart/2005/8/layout/bProcess3"/>
+    <dgm:cxn modelId="{D0665A97-5EEF-4437-9010-5F904FFD1D55}" type="presParOf" srcId="{B01AC89C-3AFF-40BF-9984-C7C24EB9C25E}" destId="{80CDCA2C-E5B2-4AFC-AB10-788750352066}" srcOrd="2" destOrd="0" presId="urn:microsoft.com/office/officeart/2005/8/layout/bProcess3"/>
+    <dgm:cxn modelId="{E39141E7-7F47-4937-941B-5C248C3F0A71}" type="presParOf" srcId="{B01AC89C-3AFF-40BF-9984-C7C24EB9C25E}" destId="{5F6920BD-7ADB-48B8-8B9F-2A61BDD53B2B}" srcOrd="3" destOrd="0" presId="urn:microsoft.com/office/officeart/2005/8/layout/bProcess3"/>
+    <dgm:cxn modelId="{759B64A9-DBB3-4A65-B51F-7EFF447A4A42}" type="presParOf" srcId="{5F6920BD-7ADB-48B8-8B9F-2A61BDD53B2B}" destId="{0B806F82-5498-4B8C-8653-5F6F852DA65B}" srcOrd="0" destOrd="0" presId="urn:microsoft.com/office/officeart/2005/8/layout/bProcess3"/>
+    <dgm:cxn modelId="{DBA82F21-2389-44B0-A86E-7FAA4542A21F}" type="presParOf" srcId="{B01AC89C-3AFF-40BF-9984-C7C24EB9C25E}" destId="{890F0551-4885-4A01-BD49-1318151EF955}" srcOrd="4" destOrd="0" presId="urn:microsoft.com/office/officeart/2005/8/layout/bProcess3"/>
+    <dgm:cxn modelId="{FE29E707-1838-4C6E-AC06-B2A03D9509E5}" type="presParOf" srcId="{B01AC89C-3AFF-40BF-9984-C7C24EB9C25E}" destId="{862DF8F2-8181-44F3-8C96-3D647825456A}" srcOrd="5" destOrd="0" presId="urn:microsoft.com/office/officeart/2005/8/layout/bProcess3"/>
+    <dgm:cxn modelId="{0F94A18F-5A07-40AC-B135-470900950B9F}" type="presParOf" srcId="{862DF8F2-8181-44F3-8C96-3D647825456A}" destId="{F5AAB24D-586B-498D-833C-2E817DA27925}" srcOrd="0" destOrd="0" presId="urn:microsoft.com/office/officeart/2005/8/layout/bProcess3"/>
+    <dgm:cxn modelId="{F2FCF892-881A-4775-8B3D-DDA6D03275C3}" type="presParOf" srcId="{B01AC89C-3AFF-40BF-9984-C7C24EB9C25E}" destId="{4A6608F7-2BC6-494A-955C-D734D76A1866}" srcOrd="6" destOrd="0" presId="urn:microsoft.com/office/officeart/2005/8/layout/bProcess3"/>
+    <dgm:cxn modelId="{E393E5A8-5FBE-4EE2-A142-59780AEB3C97}" type="presParOf" srcId="{B01AC89C-3AFF-40BF-9984-C7C24EB9C25E}" destId="{37C047E0-9888-434F-8A49-5E4F79BB5B2F}" srcOrd="7" destOrd="0" presId="urn:microsoft.com/office/officeart/2005/8/layout/bProcess3"/>
+    <dgm:cxn modelId="{C8FB77BC-E8AD-4F65-A095-1175C4BEAA6C}" type="presParOf" srcId="{37C047E0-9888-434F-8A49-5E4F79BB5B2F}" destId="{526E875A-5D41-4C37-8E53-5E7B3243C588}" srcOrd="0" destOrd="0" presId="urn:microsoft.com/office/officeart/2005/8/layout/bProcess3"/>
+    <dgm:cxn modelId="{2810AA8A-3B6F-4BF7-AFA0-1D883738AA62}" type="presParOf" srcId="{B01AC89C-3AFF-40BF-9984-C7C24EB9C25E}" destId="{2A5E42F0-5AD3-43B3-A8DE-C682B8065754}" srcOrd="8" destOrd="0" presId="urn:microsoft.com/office/officeart/2005/8/layout/bProcess3"/>
+    <dgm:cxn modelId="{66345103-8BD5-4630-9967-94A30A8ADE1E}" type="presParOf" srcId="{B01AC89C-3AFF-40BF-9984-C7C24EB9C25E}" destId="{5D5A8D98-2335-4903-9C60-D994488C34B8}" srcOrd="9" destOrd="0" presId="urn:microsoft.com/office/officeart/2005/8/layout/bProcess3"/>
+    <dgm:cxn modelId="{BE86FA54-4A31-428E-8030-7EE3CD2F35C4}" type="presParOf" srcId="{5D5A8D98-2335-4903-9C60-D994488C34B8}" destId="{ED5B51B7-49CC-43E3-896F-6B94424A5351}" srcOrd="0" destOrd="0" presId="urn:microsoft.com/office/officeart/2005/8/layout/bProcess3"/>
+    <dgm:cxn modelId="{0EE6FC4B-ECD2-4663-9035-63742351518E}" type="presParOf" srcId="{B01AC89C-3AFF-40BF-9984-C7C24EB9C25E}" destId="{B7D129FD-94D9-4BF6-B6DF-1FAC29728FFD}" srcOrd="10" destOrd="0" presId="urn:microsoft.com/office/officeart/2005/8/layout/bProcess3"/>
+    <dgm:cxn modelId="{9CDD1EE2-FF8D-4C60-B050-6C28F5317EB8}" type="presParOf" srcId="{B01AC89C-3AFF-40BF-9984-C7C24EB9C25E}" destId="{38B6CC62-952D-4166-B24F-047C77C894AB}" srcOrd="11" destOrd="0" presId="urn:microsoft.com/office/officeart/2005/8/layout/bProcess3"/>
+    <dgm:cxn modelId="{68F7FCDB-90B4-4959-8C8D-7C62A6866B6F}" type="presParOf" srcId="{38B6CC62-952D-4166-B24F-047C77C894AB}" destId="{6FB13CE0-AB4A-47A5-A73D-DCA1A6FCFEC6}" srcOrd="0" destOrd="0" presId="urn:microsoft.com/office/officeart/2005/8/layout/bProcess3"/>
+    <dgm:cxn modelId="{8FD9AA4D-5804-40EF-8BC1-F78E2A3818D3}" type="presParOf" srcId="{B01AC89C-3AFF-40BF-9984-C7C24EB9C25E}" destId="{C49B80A6-BD41-4AFB-8EB5-3773E992E5BB}" srcOrd="12" destOrd="0" presId="urn:microsoft.com/office/officeart/2005/8/layout/bProcess3"/>
+    <dgm:cxn modelId="{6D2F92E3-2B71-4100-820D-ED5C914FC8B3}" type="presParOf" srcId="{B01AC89C-3AFF-40BF-9984-C7C24EB9C25E}" destId="{7CEE1634-633A-440D-9CE2-5AF41BE72F65}" srcOrd="13" destOrd="0" presId="urn:microsoft.com/office/officeart/2005/8/layout/bProcess3"/>
+    <dgm:cxn modelId="{4CC6CA9F-3009-4DDC-B883-B436B398C460}" type="presParOf" srcId="{7CEE1634-633A-440D-9CE2-5AF41BE72F65}" destId="{75A0EC99-A0A1-4418-B79E-909EAAD09D98}" srcOrd="0" destOrd="0" presId="urn:microsoft.com/office/officeart/2005/8/layout/bProcess3"/>
+    <dgm:cxn modelId="{F6DF9DC3-551C-4A3E-B7F5-6DB458230A4D}" type="presParOf" srcId="{B01AC89C-3AFF-40BF-9984-C7C24EB9C25E}" destId="{72008380-46A2-4EC5-97EC-5E2DE6F75D70}" srcOrd="14" destOrd="0" presId="urn:microsoft.com/office/officeart/2005/8/layout/bProcess3"/>
+    <dgm:cxn modelId="{FD7BBCC4-6362-4E94-8594-922ECAAE95F3}" type="presParOf" srcId="{B01AC89C-3AFF-40BF-9984-C7C24EB9C25E}" destId="{5B203C94-CEC7-4AAA-A1AE-367D4F6E8A0B}" srcOrd="15" destOrd="0" presId="urn:microsoft.com/office/officeart/2005/8/layout/bProcess3"/>
+    <dgm:cxn modelId="{E5F916D2-0442-41DA-A350-51F7102E7062}" type="presParOf" srcId="{5B203C94-CEC7-4AAA-A1AE-367D4F6E8A0B}" destId="{D9843ACB-BEDA-4148-8BAA-D4832FA3EC25}" srcOrd="0" destOrd="0" presId="urn:microsoft.com/office/officeart/2005/8/layout/bProcess3"/>
+    <dgm:cxn modelId="{7EF21299-3D0F-4045-A835-C3B8E9D98FD5}" type="presParOf" srcId="{B01AC89C-3AFF-40BF-9984-C7C24EB9C25E}" destId="{F65E02C4-8131-4CB6-A792-CBE460247714}" srcOrd="16" destOrd="0" presId="urn:microsoft.com/office/officeart/2005/8/layout/bProcess3"/>
+    <dgm:cxn modelId="{AFDA2086-3B13-42C6-B798-4084CDF52A38}" type="presParOf" srcId="{B01AC89C-3AFF-40BF-9984-C7C24EB9C25E}" destId="{C188CBC8-F067-47AD-B24F-9B3BC5DA116F}" srcOrd="17" destOrd="0" presId="urn:microsoft.com/office/officeart/2005/8/layout/bProcess3"/>
+    <dgm:cxn modelId="{EC0C48E7-E54F-442A-8CE7-AB06A1B15749}" type="presParOf" srcId="{C188CBC8-F067-47AD-B24F-9B3BC5DA116F}" destId="{E5E1E9AD-105C-4440-8EA0-7124154B3920}" srcOrd="0" destOrd="0" presId="urn:microsoft.com/office/officeart/2005/8/layout/bProcess3"/>
+    <dgm:cxn modelId="{6DA1FE74-D8F1-4055-959C-F9214ECC94FD}" type="presParOf" srcId="{B01AC89C-3AFF-40BF-9984-C7C24EB9C25E}" destId="{32B3C348-15CB-41C4-BD9F-CDB17486CF7A}" srcOrd="18" destOrd="0" presId="urn:microsoft.com/office/officeart/2005/8/layout/bProcess3"/>
+    <dgm:cxn modelId="{7015FC2C-5FE4-45DF-8CAB-2904FC723878}" type="presParOf" srcId="{B01AC89C-3AFF-40BF-9984-C7C24EB9C25E}" destId="{09F6480F-632B-4590-9115-C3D0156B24C0}" srcOrd="19" destOrd="0" presId="urn:microsoft.com/office/officeart/2005/8/layout/bProcess3"/>
+    <dgm:cxn modelId="{BBF4FBEE-F4F2-4AF7-AE2B-A00100A0CDBB}" type="presParOf" srcId="{09F6480F-632B-4590-9115-C3D0156B24C0}" destId="{EAA7338F-7BB0-4F1D-8E20-8EE09444717C}" srcOrd="0" destOrd="0" presId="urn:microsoft.com/office/officeart/2005/8/layout/bProcess3"/>
+    <dgm:cxn modelId="{E0117D99-6385-4552-8C5A-8AB3B775F012}" type="presParOf" srcId="{B01AC89C-3AFF-40BF-9984-C7C24EB9C25E}" destId="{23721B35-F5F1-49DC-B006-1BC1E0AD882D}" srcOrd="20" destOrd="0" presId="urn:microsoft.com/office/officeart/2005/8/layout/bProcess3"/>
+    <dgm:cxn modelId="{D2A99F43-A7AA-4806-915E-CC29A5B92281}" type="presParOf" srcId="{B01AC89C-3AFF-40BF-9984-C7C24EB9C25E}" destId="{A9CBDA74-3FFC-4C31-9B03-42A22C30FFB9}" srcOrd="21" destOrd="0" presId="urn:microsoft.com/office/officeart/2005/8/layout/bProcess3"/>
+    <dgm:cxn modelId="{8CA7689A-B99D-4893-8B46-37ECFDC38B4B}" type="presParOf" srcId="{A9CBDA74-3FFC-4C31-9B03-42A22C30FFB9}" destId="{9311CD18-F044-4DAF-9CA6-460B2A5EEE8D}" srcOrd="0" destOrd="0" presId="urn:microsoft.com/office/officeart/2005/8/layout/bProcess3"/>
+    <dgm:cxn modelId="{9FB61DB5-2206-45FE-88EA-7E769F98F97A}" type="presParOf" srcId="{B01AC89C-3AFF-40BF-9984-C7C24EB9C25E}" destId="{F20EBC16-6695-4485-AD11-C98CE2865025}" srcOrd="22" destOrd="0" presId="urn:microsoft.com/office/officeart/2005/8/layout/bProcess3"/>
+    <dgm:cxn modelId="{C3F1591D-03A1-4F81-A8FC-BA53C6516926}" type="presParOf" srcId="{B01AC89C-3AFF-40BF-9984-C7C24EB9C25E}" destId="{50422C64-53CD-4107-A76F-FE27A233D737}" srcOrd="23" destOrd="0" presId="urn:microsoft.com/office/officeart/2005/8/layout/bProcess3"/>
+    <dgm:cxn modelId="{19328012-0630-4208-8F92-85080CDE8A8D}" type="presParOf" srcId="{50422C64-53CD-4107-A76F-FE27A233D737}" destId="{6B6180A3-6312-4381-9B68-74EAF510A007}" srcOrd="0" destOrd="0" presId="urn:microsoft.com/office/officeart/2005/8/layout/bProcess3"/>
+    <dgm:cxn modelId="{4C7FC0A3-9E8F-4BB3-AE2D-7753AFE9FF66}" type="presParOf" srcId="{B01AC89C-3AFF-40BF-9984-C7C24EB9C25E}" destId="{E7FD4B0B-95A8-498E-BAB4-C1073A6402E1}" srcOrd="24" destOrd="0" presId="urn:microsoft.com/office/officeart/2005/8/layout/bProcess3"/>
+    <dgm:cxn modelId="{44CCC84A-FC47-4D65-A9F5-397FDBA840A8}" type="presParOf" srcId="{B01AC89C-3AFF-40BF-9984-C7C24EB9C25E}" destId="{C7F742DA-3989-4E46-9234-2B4AAD5034F7}" srcOrd="25" destOrd="0" presId="urn:microsoft.com/office/officeart/2005/8/layout/bProcess3"/>
+    <dgm:cxn modelId="{48F3FAC0-D154-434C-B18B-462350284E42}" type="presParOf" srcId="{C7F742DA-3989-4E46-9234-2B4AAD5034F7}" destId="{7E408424-A7D8-4E99-A994-BD2C958BFF37}" srcOrd="0" destOrd="0" presId="urn:microsoft.com/office/officeart/2005/8/layout/bProcess3"/>
+    <dgm:cxn modelId="{CA7A566F-AC35-4D70-8F8F-55BC9842045F}" type="presParOf" srcId="{B01AC89C-3AFF-40BF-9984-C7C24EB9C25E}" destId="{220150E1-98BD-46D5-B1EE-75D15C6975DF}" srcOrd="26" destOrd="0" presId="urn:microsoft.com/office/officeart/2005/8/layout/bProcess3"/>
+  </dgm:cxnLst>
+  <dgm:bg/>
+  <dgm:whole/>
+  <dgm:extLst>
+    <a:ext uri="http://schemas.microsoft.com/office/drawing/2008/diagram">
+      <dsp:dataModelExt xmlns:dsp="http://schemas.microsoft.com/office/drawing/2008/diagram" relId="rId6" minVer="http://schemas.openxmlformats.org/drawingml/2006/diagram"/>
+    </a:ext>
+  </dgm:extLst>
+</dgm:dataModel>
+</file>
+
+<file path=ppt/diagrams/drawing1.xml><?xml version="1.0" encoding="utf-8"?>
+<dsp:drawing xmlns:dgm="http://schemas.openxmlformats.org/drawingml/2006/diagram" xmlns:dsp="http://schemas.microsoft.com/office/drawing/2008/diagram" xmlns:a="http://schemas.openxmlformats.org/drawingml/2006/main">
+  <dsp:spTree>
+    <dsp:nvGrpSpPr>
+      <dsp:cNvPr id="0" name=""/>
+      <dsp:cNvGrpSpPr/>
+    </dsp:nvGrpSpPr>
+    <dsp:grpSpPr/>
+    <dsp:sp modelId="{90F77984-3FCB-4C4B-B412-C5E78535D9C1}">
+      <dsp:nvSpPr>
+        <dsp:cNvPr id="0" name=""/>
+        <dsp:cNvSpPr/>
+      </dsp:nvSpPr>
+      <dsp:spPr>
+        <a:xfrm>
+          <a:off x="3111609" y="622443"/>
+          <a:ext cx="479433" cy="91440"/>
+        </a:xfrm>
+        <a:custGeom>
+          <a:avLst/>
+          <a:gdLst/>
+          <a:ahLst/>
+          <a:cxnLst/>
+          <a:rect l="0" t="0" r="0" b="0"/>
+          <a:pathLst>
+            <a:path>
+              <a:moveTo>
+                <a:pt x="0" y="45720"/>
+              </a:moveTo>
+              <a:lnTo>
+                <a:pt x="479433" y="45720"/>
+              </a:lnTo>
+            </a:path>
+          </a:pathLst>
+        </a:custGeom>
+        <a:noFill/>
+        <a:ln w="6350" cap="flat" cmpd="sng" algn="ctr">
+          <a:solidFill>
+            <a:schemeClr val="accent1">
+              <a:hueOff val="0"/>
+              <a:satOff val="0"/>
+              <a:lumOff val="0"/>
+              <a:alphaOff val="0"/>
+            </a:schemeClr>
+          </a:solidFill>
+          <a:prstDash val="solid"/>
+          <a:miter lim="800000"/>
+          <a:tailEnd type="arrow"/>
+        </a:ln>
+        <a:effectLst/>
+        <a:scene3d>
+          <a:camera prst="orthographicFront"/>
+          <a:lightRig rig="threePt" dir="t">
+            <a:rot lat="0" lon="0" rev="7500000"/>
+          </a:lightRig>
+        </a:scene3d>
+        <a:sp3d z="-40000" prstMaterial="matte"/>
+      </dsp:spPr>
+      <dsp:style>
+        <a:lnRef idx="1">
+          <a:scrgbClr r="0" g="0" b="0"/>
+        </a:lnRef>
+        <a:fillRef idx="0">
+          <a:scrgbClr r="0" g="0" b="0"/>
+        </a:fillRef>
+        <a:effectRef idx="0">
+          <a:scrgbClr r="0" g="0" b="0"/>
+        </a:effectRef>
+        <a:fontRef idx="minor"/>
+      </dsp:style>
+      <dsp:txBody>
+        <a:bodyPr spcFirstLastPara="0" vert="horz" wrap="square" lIns="12700" tIns="0" rIns="12700" bIns="0" numCol="1" spcCol="1270" anchor="ctr" anchorCtr="0">
+          <a:noAutofit/>
+        </a:bodyPr>
+        <a:lstStyle/>
+        <a:p>
+          <a:pPr lvl="0" algn="ctr" defTabSz="222250" latinLnBrk="1">
+            <a:lnSpc>
+              <a:spcPct val="90000"/>
+            </a:lnSpc>
+            <a:spcBef>
+              <a:spcPct val="0"/>
+            </a:spcBef>
+            <a:spcAft>
+              <a:spcPct val="35000"/>
+            </a:spcAft>
+          </a:pPr>
+          <a:endParaRPr lang="ko-KR" altLang="en-US" sz="500" kern="1200"/>
+        </a:p>
+      </dsp:txBody>
+      <dsp:txXfrm>
+        <a:off x="3338576" y="665613"/>
+        <a:ext cx="25501" cy="5100"/>
+      </dsp:txXfrm>
+    </dsp:sp>
+    <dsp:sp modelId="{0B37147A-16C8-4EE9-B737-4B1F7922D3C0}">
+      <dsp:nvSpPr>
+        <dsp:cNvPr id="0" name=""/>
+        <dsp:cNvSpPr/>
+      </dsp:nvSpPr>
+      <dsp:spPr>
+        <a:xfrm>
+          <a:off x="895870" y="2902"/>
+          <a:ext cx="2217539" cy="1330523"/>
+        </a:xfrm>
+        <a:prstGeom prst="rect">
+          <a:avLst/>
+        </a:prstGeom>
+        <a:gradFill rotWithShape="0">
+          <a:gsLst>
+            <a:gs pos="0">
+              <a:schemeClr val="accent1">
+                <a:hueOff val="0"/>
+                <a:satOff val="0"/>
+                <a:lumOff val="0"/>
+                <a:alphaOff val="0"/>
+                <a:satMod val="103000"/>
+                <a:lumMod val="102000"/>
+                <a:tint val="94000"/>
+              </a:schemeClr>
+            </a:gs>
+            <a:gs pos="50000">
+              <a:schemeClr val="accent1">
+                <a:hueOff val="0"/>
+                <a:satOff val="0"/>
+                <a:lumOff val="0"/>
+                <a:alphaOff val="0"/>
+                <a:satMod val="110000"/>
+                <a:lumMod val="100000"/>
+                <a:shade val="100000"/>
+              </a:schemeClr>
+            </a:gs>
+            <a:gs pos="100000">
+              <a:schemeClr val="accent1">
+                <a:hueOff val="0"/>
+                <a:satOff val="0"/>
+                <a:lumOff val="0"/>
+                <a:alphaOff val="0"/>
+                <a:lumMod val="99000"/>
+                <a:satMod val="120000"/>
+                <a:shade val="78000"/>
+              </a:schemeClr>
+            </a:gs>
+          </a:gsLst>
+          <a:lin ang="5400000" scaled="0"/>
+        </a:gradFill>
+        <a:ln>
+          <a:noFill/>
+        </a:ln>
+        <a:effectLst/>
+        <a:scene3d>
+          <a:camera prst="orthographicFront"/>
+          <a:lightRig rig="threePt" dir="t">
+            <a:rot lat="0" lon="0" rev="7500000"/>
+          </a:lightRig>
+        </a:scene3d>
+        <a:sp3d prstMaterial="plastic">
+          <a:bevelT w="127000" h="25400" prst="relaxedInset"/>
+        </a:sp3d>
+      </dsp:spPr>
+      <dsp:style>
+        <a:lnRef idx="0">
+          <a:scrgbClr r="0" g="0" b="0"/>
+        </a:lnRef>
+        <a:fillRef idx="3">
+          <a:scrgbClr r="0" g="0" b="0"/>
+        </a:fillRef>
+        <a:effectRef idx="2">
+          <a:scrgbClr r="0" g="0" b="0"/>
+        </a:effectRef>
+        <a:fontRef idx="minor">
+          <a:schemeClr val="lt1"/>
+        </a:fontRef>
+      </dsp:style>
+      <dsp:txBody>
+        <a:bodyPr spcFirstLastPara="0" vert="horz" wrap="square" lIns="106680" tIns="106680" rIns="106680" bIns="106680" numCol="1" spcCol="1270" anchor="ctr" anchorCtr="0">
+          <a:noAutofit/>
+        </a:bodyPr>
+        <a:lstStyle/>
+        <a:p>
+          <a:pPr lvl="0" algn="ctr" defTabSz="666750" latinLnBrk="1">
+            <a:lnSpc>
+              <a:spcPct val="90000"/>
+            </a:lnSpc>
+            <a:spcBef>
+              <a:spcPct val="0"/>
+            </a:spcBef>
+            <a:spcAft>
+              <a:spcPct val="35000"/>
+            </a:spcAft>
+          </a:pPr>
+          <a:r>
+            <a:rPr lang="ko-KR" altLang="en-US" sz="1500" kern="1200" dirty="0" err="1" smtClean="0"/>
+            <a:t>타병원</a:t>
+          </a:r>
+          <a:r>
+            <a:rPr lang="ko-KR" altLang="en-US" sz="1500" kern="1200" dirty="0" smtClean="0"/>
+            <a:t> </a:t>
+          </a:r>
+          <a:r>
+            <a:rPr lang="en-US" altLang="ko-KR" sz="1500" kern="1200" dirty="0" err="1" smtClean="0"/>
+            <a:t>Pregabalin</a:t>
+          </a:r>
+          <a:r>
+            <a:rPr lang="en-US" altLang="ko-KR" sz="1500" kern="1200" dirty="0" smtClean="0"/>
+            <a:t> 75mg </a:t>
+          </a:r>
+          <a:r>
+            <a:rPr lang="ko-KR" altLang="en-US" sz="1500" kern="1200" dirty="0" smtClean="0"/>
+            <a:t>하루 </a:t>
+          </a:r>
+          <a:r>
+            <a:rPr lang="en-US" altLang="ko-KR" sz="1500" kern="1200" dirty="0" smtClean="0"/>
+            <a:t>2</a:t>
+          </a:r>
+          <a:r>
+            <a:rPr lang="ko-KR" altLang="en-US" sz="1500" kern="1200" dirty="0" smtClean="0"/>
+            <a:t>회</a:t>
+          </a:r>
+          <a:endParaRPr lang="ko-KR" altLang="en-US" sz="1500" kern="1200" dirty="0"/>
+        </a:p>
+      </dsp:txBody>
+      <dsp:txXfrm>
+        <a:off x="895870" y="2902"/>
+        <a:ext cx="2217539" cy="1330523"/>
+      </dsp:txXfrm>
+    </dsp:sp>
+    <dsp:sp modelId="{5F6920BD-7ADB-48B8-8B9F-2A61BDD53B2B}">
+      <dsp:nvSpPr>
+        <dsp:cNvPr id="0" name=""/>
+        <dsp:cNvSpPr/>
+      </dsp:nvSpPr>
+      <dsp:spPr>
+        <a:xfrm>
+          <a:off x="5839183" y="622443"/>
+          <a:ext cx="479433" cy="91440"/>
+        </a:xfrm>
+        <a:custGeom>
+          <a:avLst/>
+          <a:gdLst/>
+          <a:ahLst/>
+          <a:cxnLst/>
+          <a:rect l="0" t="0" r="0" b="0"/>
+          <a:pathLst>
+            <a:path>
+              <a:moveTo>
+                <a:pt x="0" y="45720"/>
+              </a:moveTo>
+              <a:lnTo>
+                <a:pt x="479433" y="45720"/>
+              </a:lnTo>
+            </a:path>
+          </a:pathLst>
+        </a:custGeom>
+        <a:noFill/>
+        <a:ln w="6350" cap="flat" cmpd="sng" algn="ctr">
+          <a:solidFill>
+            <a:schemeClr val="accent1">
+              <a:hueOff val="0"/>
+              <a:satOff val="0"/>
+              <a:lumOff val="0"/>
+              <a:alphaOff val="0"/>
+            </a:schemeClr>
+          </a:solidFill>
+          <a:prstDash val="solid"/>
+          <a:miter lim="800000"/>
+          <a:tailEnd type="arrow"/>
+        </a:ln>
+        <a:effectLst/>
+        <a:scene3d>
+          <a:camera prst="orthographicFront"/>
+          <a:lightRig rig="threePt" dir="t">
+            <a:rot lat="0" lon="0" rev="7500000"/>
+          </a:lightRig>
+        </a:scene3d>
+        <a:sp3d z="-40000" prstMaterial="matte"/>
+      </dsp:spPr>
+      <dsp:style>
+        <a:lnRef idx="1">
+          <a:scrgbClr r="0" g="0" b="0"/>
+        </a:lnRef>
+        <a:fillRef idx="0">
+          <a:scrgbClr r="0" g="0" b="0"/>
+        </a:fillRef>
+        <a:effectRef idx="0">
+          <a:scrgbClr r="0" g="0" b="0"/>
+        </a:effectRef>
+        <a:fontRef idx="minor"/>
+      </dsp:style>
+      <dsp:txBody>
+        <a:bodyPr spcFirstLastPara="0" vert="horz" wrap="square" lIns="12700" tIns="0" rIns="12700" bIns="0" numCol="1" spcCol="1270" anchor="ctr" anchorCtr="0">
+          <a:noAutofit/>
+        </a:bodyPr>
+        <a:lstStyle/>
+        <a:p>
+          <a:pPr lvl="0" algn="ctr" defTabSz="222250" latinLnBrk="1">
+            <a:lnSpc>
+              <a:spcPct val="90000"/>
+            </a:lnSpc>
+            <a:spcBef>
+              <a:spcPct val="0"/>
+            </a:spcBef>
+            <a:spcAft>
+              <a:spcPct val="35000"/>
+            </a:spcAft>
+          </a:pPr>
+          <a:endParaRPr lang="ko-KR" altLang="en-US" sz="500" kern="1200"/>
+        </a:p>
+      </dsp:txBody>
+      <dsp:txXfrm>
+        <a:off x="6066149" y="665613"/>
+        <a:ext cx="25501" cy="5100"/>
+      </dsp:txXfrm>
+    </dsp:sp>
+    <dsp:sp modelId="{80CDCA2C-E5B2-4AFC-AB10-788750352066}">
+      <dsp:nvSpPr>
+        <dsp:cNvPr id="0" name=""/>
+        <dsp:cNvSpPr/>
+      </dsp:nvSpPr>
+      <dsp:spPr>
+        <a:xfrm>
+          <a:off x="3623443" y="2902"/>
+          <a:ext cx="2217539" cy="1330523"/>
+        </a:xfrm>
+        <a:prstGeom prst="rect">
+          <a:avLst/>
+        </a:prstGeom>
+        <a:gradFill rotWithShape="0">
+          <a:gsLst>
+            <a:gs pos="0">
+              <a:schemeClr val="accent1">
+                <a:hueOff val="0"/>
+                <a:satOff val="0"/>
+                <a:lumOff val="0"/>
+                <a:alphaOff val="0"/>
+                <a:satMod val="103000"/>
+                <a:lumMod val="102000"/>
+                <a:tint val="94000"/>
+              </a:schemeClr>
+            </a:gs>
+            <a:gs pos="50000">
+              <a:schemeClr val="accent1">
+                <a:hueOff val="0"/>
+                <a:satOff val="0"/>
+                <a:lumOff val="0"/>
+                <a:alphaOff val="0"/>
+                <a:satMod val="110000"/>
+                <a:lumMod val="100000"/>
+                <a:shade val="100000"/>
+              </a:schemeClr>
+            </a:gs>
+            <a:gs pos="100000">
+              <a:schemeClr val="accent1">
+                <a:hueOff val="0"/>
+                <a:satOff val="0"/>
+                <a:lumOff val="0"/>
+                <a:alphaOff val="0"/>
+                <a:lumMod val="99000"/>
+                <a:satMod val="120000"/>
+                <a:shade val="78000"/>
+              </a:schemeClr>
+            </a:gs>
+          </a:gsLst>
+          <a:lin ang="5400000" scaled="0"/>
+        </a:gradFill>
+        <a:ln>
+          <a:noFill/>
+        </a:ln>
+        <a:effectLst/>
+        <a:scene3d>
+          <a:camera prst="orthographicFront"/>
+          <a:lightRig rig="threePt" dir="t">
+            <a:rot lat="0" lon="0" rev="7500000"/>
+          </a:lightRig>
+        </a:scene3d>
+        <a:sp3d prstMaterial="plastic">
+          <a:bevelT w="127000" h="25400" prst="relaxedInset"/>
+        </a:sp3d>
+      </dsp:spPr>
+      <dsp:style>
+        <a:lnRef idx="0">
+          <a:scrgbClr r="0" g="0" b="0"/>
+        </a:lnRef>
+        <a:fillRef idx="3">
+          <a:scrgbClr r="0" g="0" b="0"/>
+        </a:fillRef>
+        <a:effectRef idx="2">
+          <a:scrgbClr r="0" g="0" b="0"/>
+        </a:effectRef>
+        <a:fontRef idx="minor">
+          <a:schemeClr val="lt1"/>
+        </a:fontRef>
+      </dsp:style>
+      <dsp:txBody>
+        <a:bodyPr spcFirstLastPara="0" vert="horz" wrap="square" lIns="106680" tIns="106680" rIns="106680" bIns="106680" numCol="1" spcCol="1270" anchor="ctr" anchorCtr="0">
+          <a:noAutofit/>
+        </a:bodyPr>
+        <a:lstStyle/>
+        <a:p>
+          <a:pPr lvl="0" algn="ctr" defTabSz="666750" latinLnBrk="1">
+            <a:lnSpc>
+              <a:spcPct val="90000"/>
+            </a:lnSpc>
+            <a:spcBef>
+              <a:spcPct val="0"/>
+            </a:spcBef>
+            <a:spcAft>
+              <a:spcPct val="35000"/>
+            </a:spcAft>
+          </a:pPr>
+          <a:r>
+            <a:rPr lang="ko-KR" altLang="en-US" sz="1500" kern="1200" dirty="0" smtClean="0"/>
+            <a:t>초진</a:t>
+          </a:r>
+          <a:r>
+            <a:rPr lang="en-US" altLang="ko-KR" sz="1500" kern="1200" dirty="0" smtClean="0"/>
+            <a:t>: amitriptyline 5mg HS, </a:t>
+          </a:r>
+          <a:r>
+            <a:rPr lang="en-US" altLang="ko-KR" sz="1500" kern="1200" dirty="0" err="1" smtClean="0"/>
+            <a:t>pregabalin</a:t>
+          </a:r>
+          <a:r>
+            <a:rPr lang="en-US" altLang="ko-KR" sz="1500" kern="1200" dirty="0" smtClean="0"/>
+            <a:t> 300mg extended release</a:t>
+          </a:r>
+          <a:r>
+            <a:rPr lang="ko-KR" altLang="en-US" sz="1500" kern="1200" dirty="0" smtClean="0"/>
+            <a:t>추가</a:t>
+          </a:r>
+          <a:endParaRPr lang="ko-KR" altLang="en-US" sz="1500" kern="1200" dirty="0"/>
+        </a:p>
+      </dsp:txBody>
+      <dsp:txXfrm>
+        <a:off x="3623443" y="2902"/>
+        <a:ext cx="2217539" cy="1330523"/>
+      </dsp:txXfrm>
+    </dsp:sp>
+    <dsp:sp modelId="{862DF8F2-8181-44F3-8C96-3D647825456A}">
+      <dsp:nvSpPr>
+        <dsp:cNvPr id="0" name=""/>
+        <dsp:cNvSpPr/>
+      </dsp:nvSpPr>
+      <dsp:spPr>
+        <a:xfrm>
+          <a:off x="8566756" y="622443"/>
+          <a:ext cx="479433" cy="91440"/>
+        </a:xfrm>
+        <a:custGeom>
+          <a:avLst/>
+          <a:gdLst/>
+          <a:ahLst/>
+          <a:cxnLst/>
+          <a:rect l="0" t="0" r="0" b="0"/>
+          <a:pathLst>
+            <a:path>
+              <a:moveTo>
+                <a:pt x="0" y="45720"/>
+              </a:moveTo>
+              <a:lnTo>
+                <a:pt x="479433" y="45720"/>
+              </a:lnTo>
+            </a:path>
+          </a:pathLst>
+        </a:custGeom>
+        <a:noFill/>
+        <a:ln w="6350" cap="flat" cmpd="sng" algn="ctr">
+          <a:solidFill>
+            <a:schemeClr val="accent1">
+              <a:hueOff val="0"/>
+              <a:satOff val="0"/>
+              <a:lumOff val="0"/>
+              <a:alphaOff val="0"/>
+            </a:schemeClr>
+          </a:solidFill>
+          <a:prstDash val="solid"/>
+          <a:miter lim="800000"/>
+          <a:tailEnd type="arrow"/>
+        </a:ln>
+        <a:effectLst/>
+        <a:scene3d>
+          <a:camera prst="orthographicFront"/>
+          <a:lightRig rig="threePt" dir="t">
+            <a:rot lat="0" lon="0" rev="7500000"/>
+          </a:lightRig>
+        </a:scene3d>
+        <a:sp3d z="-40000" prstMaterial="matte"/>
+      </dsp:spPr>
+      <dsp:style>
+        <a:lnRef idx="1">
+          <a:scrgbClr r="0" g="0" b="0"/>
+        </a:lnRef>
+        <a:fillRef idx="0">
+          <a:scrgbClr r="0" g="0" b="0"/>
+        </a:fillRef>
+        <a:effectRef idx="0">
+          <a:scrgbClr r="0" g="0" b="0"/>
+        </a:effectRef>
+        <a:fontRef idx="minor"/>
+      </dsp:style>
+      <dsp:txBody>
+        <a:bodyPr spcFirstLastPara="0" vert="horz" wrap="square" lIns="12700" tIns="0" rIns="12700" bIns="0" numCol="1" spcCol="1270" anchor="ctr" anchorCtr="0">
+          <a:noAutofit/>
+        </a:bodyPr>
+        <a:lstStyle/>
+        <a:p>
+          <a:pPr lvl="0" algn="ctr" defTabSz="222250" latinLnBrk="1">
+            <a:lnSpc>
+              <a:spcPct val="90000"/>
+            </a:lnSpc>
+            <a:spcBef>
+              <a:spcPct val="0"/>
+            </a:spcBef>
+            <a:spcAft>
+              <a:spcPct val="35000"/>
+            </a:spcAft>
+          </a:pPr>
+          <a:endParaRPr lang="ko-KR" altLang="en-US" sz="500" kern="1200"/>
+        </a:p>
+      </dsp:txBody>
+      <dsp:txXfrm>
+        <a:off x="8793722" y="665613"/>
+        <a:ext cx="25501" cy="5100"/>
+      </dsp:txXfrm>
+    </dsp:sp>
+    <dsp:sp modelId="{890F0551-4885-4A01-BD49-1318151EF955}">
+      <dsp:nvSpPr>
+        <dsp:cNvPr id="0" name=""/>
+        <dsp:cNvSpPr/>
+      </dsp:nvSpPr>
+      <dsp:spPr>
+        <a:xfrm>
+          <a:off x="6351016" y="2902"/>
+          <a:ext cx="2217539" cy="1330523"/>
+        </a:xfrm>
+        <a:prstGeom prst="rect">
+          <a:avLst/>
+        </a:prstGeom>
+        <a:gradFill rotWithShape="0">
+          <a:gsLst>
+            <a:gs pos="0">
+              <a:schemeClr val="accent1">
+                <a:hueOff val="0"/>
+                <a:satOff val="0"/>
+                <a:lumOff val="0"/>
+                <a:alphaOff val="0"/>
+                <a:satMod val="103000"/>
+                <a:lumMod val="102000"/>
+                <a:tint val="94000"/>
+              </a:schemeClr>
+            </a:gs>
+            <a:gs pos="50000">
+              <a:schemeClr val="accent1">
+                <a:hueOff val="0"/>
+                <a:satOff val="0"/>
+                <a:lumOff val="0"/>
+                <a:alphaOff val="0"/>
+                <a:satMod val="110000"/>
+                <a:lumMod val="100000"/>
+                <a:shade val="100000"/>
+              </a:schemeClr>
+            </a:gs>
+            <a:gs pos="100000">
+              <a:schemeClr val="accent1">
+                <a:hueOff val="0"/>
+                <a:satOff val="0"/>
+                <a:lumOff val="0"/>
+                <a:alphaOff val="0"/>
+                <a:lumMod val="99000"/>
+                <a:satMod val="120000"/>
+                <a:shade val="78000"/>
+              </a:schemeClr>
+            </a:gs>
+          </a:gsLst>
+          <a:lin ang="5400000" scaled="0"/>
+        </a:gradFill>
+        <a:ln>
+          <a:noFill/>
+        </a:ln>
+        <a:effectLst/>
+        <a:scene3d>
+          <a:camera prst="orthographicFront"/>
+          <a:lightRig rig="threePt" dir="t">
+            <a:rot lat="0" lon="0" rev="7500000"/>
+          </a:lightRig>
+        </a:scene3d>
+        <a:sp3d prstMaterial="plastic">
+          <a:bevelT w="127000" h="25400" prst="relaxedInset"/>
+        </a:sp3d>
+      </dsp:spPr>
+      <dsp:style>
+        <a:lnRef idx="0">
+          <a:scrgbClr r="0" g="0" b="0"/>
+        </a:lnRef>
+        <a:fillRef idx="3">
+          <a:scrgbClr r="0" g="0" b="0"/>
+        </a:fillRef>
+        <a:effectRef idx="2">
+          <a:scrgbClr r="0" g="0" b="0"/>
+        </a:effectRef>
+        <a:fontRef idx="minor">
+          <a:schemeClr val="lt1"/>
+        </a:fontRef>
+      </dsp:style>
+      <dsp:txBody>
+        <a:bodyPr spcFirstLastPara="0" vert="horz" wrap="square" lIns="106680" tIns="106680" rIns="106680" bIns="106680" numCol="1" spcCol="1270" anchor="ctr" anchorCtr="0">
+          <a:noAutofit/>
+        </a:bodyPr>
+        <a:lstStyle/>
+        <a:p>
+          <a:pPr lvl="0" algn="ctr" defTabSz="666750" latinLnBrk="1">
+            <a:lnSpc>
+              <a:spcPct val="90000"/>
+            </a:lnSpc>
+            <a:spcBef>
+              <a:spcPct val="0"/>
+            </a:spcBef>
+            <a:spcAft>
+              <a:spcPct val="35000"/>
+            </a:spcAft>
+          </a:pPr>
+          <a:r>
+            <a:rPr lang="en-US" altLang="ko-KR" sz="1500" kern="1200" dirty="0" err="1" smtClean="0"/>
+            <a:t>enafon</a:t>
+          </a:r>
+          <a:r>
+            <a:rPr lang="en-US" altLang="ko-KR" sz="1500" kern="1200" dirty="0" smtClean="0"/>
+            <a:t> 10mg HS</a:t>
+          </a:r>
+          <a:r>
+            <a:rPr lang="ko-KR" altLang="en-US" sz="1500" kern="1200" dirty="0" smtClean="0"/>
+            <a:t>로 증량</a:t>
+          </a:r>
+          <a:r>
+            <a:rPr lang="en-US" altLang="ko-KR" sz="1500" kern="1200" dirty="0" smtClean="0"/>
+            <a:t>, </a:t>
+          </a:r>
+          <a:r>
+            <a:rPr lang="en-US" altLang="ko-KR" sz="1500" kern="1200" dirty="0" err="1" smtClean="0"/>
+            <a:t>pregabalin</a:t>
+          </a:r>
+          <a:r>
+            <a:rPr lang="en-US" altLang="ko-KR" sz="1500" kern="1200" dirty="0" smtClean="0"/>
+            <a:t> extended release</a:t>
+          </a:r>
+          <a:r>
+            <a:rPr lang="ko-KR" altLang="en-US" sz="1500" kern="1200" dirty="0" smtClean="0"/>
+            <a:t>는 중단하고 </a:t>
+          </a:r>
+          <a:r>
+            <a:rPr lang="en-US" altLang="ko-KR" sz="1500" kern="1200" dirty="0" smtClean="0"/>
+            <a:t>300mg </a:t>
+          </a:r>
+          <a:r>
+            <a:rPr lang="ko-KR" altLang="en-US" sz="1500" kern="1200" dirty="0" smtClean="0"/>
+            <a:t>하루 </a:t>
+          </a:r>
+          <a:r>
+            <a:rPr lang="en-US" altLang="ko-KR" sz="1500" kern="1200" dirty="0" smtClean="0"/>
+            <a:t>2</a:t>
+          </a:r>
+          <a:r>
+            <a:rPr lang="ko-KR" altLang="en-US" sz="1500" kern="1200" dirty="0" smtClean="0"/>
+            <a:t>회로 증량</a:t>
+          </a:r>
+          <a:endParaRPr lang="ko-KR" altLang="en-US" sz="1500" kern="1200" dirty="0"/>
+        </a:p>
+      </dsp:txBody>
+      <dsp:txXfrm>
+        <a:off x="6351016" y="2902"/>
+        <a:ext cx="2217539" cy="1330523"/>
+      </dsp:txXfrm>
+    </dsp:sp>
+    <dsp:sp modelId="{37C047E0-9888-434F-8A49-5E4F79BB5B2F}">
+      <dsp:nvSpPr>
+        <dsp:cNvPr id="0" name=""/>
+        <dsp:cNvSpPr/>
+      </dsp:nvSpPr>
+      <dsp:spPr>
+        <a:xfrm>
+          <a:off x="2004640" y="1331625"/>
+          <a:ext cx="8182719" cy="479433"/>
+        </a:xfrm>
+        <a:custGeom>
+          <a:avLst/>
+          <a:gdLst/>
+          <a:ahLst/>
+          <a:cxnLst/>
+          <a:rect l="0" t="0" r="0" b="0"/>
+          <a:pathLst>
+            <a:path>
+              <a:moveTo>
+                <a:pt x="8182719" y="0"/>
+              </a:moveTo>
+              <a:lnTo>
+                <a:pt x="8182719" y="256816"/>
+              </a:lnTo>
+              <a:lnTo>
+                <a:pt x="0" y="256816"/>
+              </a:lnTo>
+              <a:lnTo>
+                <a:pt x="0" y="479433"/>
+              </a:lnTo>
+            </a:path>
+          </a:pathLst>
+        </a:custGeom>
+        <a:noFill/>
+        <a:ln w="6350" cap="flat" cmpd="sng" algn="ctr">
+          <a:solidFill>
+            <a:schemeClr val="accent1">
+              <a:hueOff val="0"/>
+              <a:satOff val="0"/>
+              <a:lumOff val="0"/>
+              <a:alphaOff val="0"/>
+            </a:schemeClr>
+          </a:solidFill>
+          <a:prstDash val="solid"/>
+          <a:miter lim="800000"/>
+          <a:tailEnd type="arrow"/>
+        </a:ln>
+        <a:effectLst/>
+        <a:scene3d>
+          <a:camera prst="orthographicFront"/>
+          <a:lightRig rig="threePt" dir="t">
+            <a:rot lat="0" lon="0" rev="7500000"/>
+          </a:lightRig>
+        </a:scene3d>
+        <a:sp3d z="-40000" prstMaterial="matte"/>
+      </dsp:spPr>
+      <dsp:style>
+        <a:lnRef idx="1">
+          <a:scrgbClr r="0" g="0" b="0"/>
+        </a:lnRef>
+        <a:fillRef idx="0">
+          <a:scrgbClr r="0" g="0" b="0"/>
+        </a:fillRef>
+        <a:effectRef idx="0">
+          <a:scrgbClr r="0" g="0" b="0"/>
+        </a:effectRef>
+        <a:fontRef idx="minor"/>
+      </dsp:style>
+      <dsp:txBody>
+        <a:bodyPr spcFirstLastPara="0" vert="horz" wrap="square" lIns="12700" tIns="0" rIns="12700" bIns="0" numCol="1" spcCol="1270" anchor="ctr" anchorCtr="0">
+          <a:noAutofit/>
+        </a:bodyPr>
+        <a:lstStyle/>
+        <a:p>
+          <a:pPr lvl="0" algn="ctr" defTabSz="222250" latinLnBrk="1">
+            <a:lnSpc>
+              <a:spcPct val="90000"/>
+            </a:lnSpc>
+            <a:spcBef>
+              <a:spcPct val="0"/>
+            </a:spcBef>
+            <a:spcAft>
+              <a:spcPct val="35000"/>
+            </a:spcAft>
+          </a:pPr>
+          <a:endParaRPr lang="ko-KR" altLang="en-US" sz="500" kern="1200"/>
+        </a:p>
+      </dsp:txBody>
+      <dsp:txXfrm>
+        <a:off x="5891035" y="1568792"/>
+        <a:ext cx="409929" cy="5100"/>
+      </dsp:txXfrm>
+    </dsp:sp>
+    <dsp:sp modelId="{4A6608F7-2BC6-494A-955C-D734D76A1866}">
+      <dsp:nvSpPr>
+        <dsp:cNvPr id="0" name=""/>
+        <dsp:cNvSpPr/>
+      </dsp:nvSpPr>
+      <dsp:spPr>
+        <a:xfrm>
+          <a:off x="9078590" y="2902"/>
+          <a:ext cx="2217539" cy="1330523"/>
+        </a:xfrm>
+        <a:prstGeom prst="rect">
+          <a:avLst/>
+        </a:prstGeom>
+        <a:gradFill rotWithShape="0">
+          <a:gsLst>
+            <a:gs pos="0">
+              <a:schemeClr val="accent1">
+                <a:hueOff val="0"/>
+                <a:satOff val="0"/>
+                <a:lumOff val="0"/>
+                <a:alphaOff val="0"/>
+                <a:satMod val="103000"/>
+                <a:lumMod val="102000"/>
+                <a:tint val="94000"/>
+              </a:schemeClr>
+            </a:gs>
+            <a:gs pos="50000">
+              <a:schemeClr val="accent1">
+                <a:hueOff val="0"/>
+                <a:satOff val="0"/>
+                <a:lumOff val="0"/>
+                <a:alphaOff val="0"/>
+                <a:satMod val="110000"/>
+                <a:lumMod val="100000"/>
+                <a:shade val="100000"/>
+              </a:schemeClr>
+            </a:gs>
+            <a:gs pos="100000">
+              <a:schemeClr val="accent1">
+                <a:hueOff val="0"/>
+                <a:satOff val="0"/>
+                <a:lumOff val="0"/>
+                <a:alphaOff val="0"/>
+                <a:lumMod val="99000"/>
+                <a:satMod val="120000"/>
+                <a:shade val="78000"/>
+              </a:schemeClr>
+            </a:gs>
+          </a:gsLst>
+          <a:lin ang="5400000" scaled="0"/>
+        </a:gradFill>
+        <a:ln>
+          <a:noFill/>
+        </a:ln>
+        <a:effectLst/>
+        <a:scene3d>
+          <a:camera prst="orthographicFront"/>
+          <a:lightRig rig="threePt" dir="t">
+            <a:rot lat="0" lon="0" rev="7500000"/>
+          </a:lightRig>
+        </a:scene3d>
+        <a:sp3d prstMaterial="plastic">
+          <a:bevelT w="127000" h="25400" prst="relaxedInset"/>
+        </a:sp3d>
+      </dsp:spPr>
+      <dsp:style>
+        <a:lnRef idx="0">
+          <a:scrgbClr r="0" g="0" b="0"/>
+        </a:lnRef>
+        <a:fillRef idx="3">
+          <a:scrgbClr r="0" g="0" b="0"/>
+        </a:fillRef>
+        <a:effectRef idx="2">
+          <a:scrgbClr r="0" g="0" b="0"/>
+        </a:effectRef>
+        <a:fontRef idx="minor">
+          <a:schemeClr val="lt1"/>
+        </a:fontRef>
+      </dsp:style>
+      <dsp:txBody>
+        <a:bodyPr spcFirstLastPara="0" vert="horz" wrap="square" lIns="106680" tIns="106680" rIns="106680" bIns="106680" numCol="1" spcCol="1270" anchor="ctr" anchorCtr="0">
+          <a:noAutofit/>
+        </a:bodyPr>
+        <a:lstStyle/>
+        <a:p>
+          <a:pPr lvl="0" algn="ctr" defTabSz="666750" latinLnBrk="1">
+            <a:lnSpc>
+              <a:spcPct val="90000"/>
+            </a:lnSpc>
+            <a:spcBef>
+              <a:spcPct val="0"/>
+            </a:spcBef>
+            <a:spcAft>
+              <a:spcPct val="35000"/>
+            </a:spcAft>
+          </a:pPr>
+          <a:r>
+            <a:rPr lang="en-US" altLang="ko-KR" sz="1500" kern="1200" dirty="0" smtClean="0"/>
+            <a:t>duloxetine 60mg</a:t>
+          </a:r>
+          <a:r>
+            <a:rPr lang="ko-KR" altLang="en-US" sz="1500" kern="1200" dirty="0" smtClean="0"/>
+            <a:t>추가</a:t>
+          </a:r>
+          <a:r>
+            <a:rPr lang="en-US" altLang="ko-KR" sz="1500" kern="1200" dirty="0" smtClean="0"/>
+            <a:t>, acetaminophen/tramadol </a:t>
+          </a:r>
+          <a:r>
+            <a:rPr lang="ko-KR" altLang="en-US" sz="1500" kern="1200" dirty="0" smtClean="0"/>
+            <a:t>추가</a:t>
+          </a:r>
+          <a:endParaRPr lang="ko-KR" altLang="en-US" sz="1500" kern="1200" dirty="0"/>
+        </a:p>
+      </dsp:txBody>
+      <dsp:txXfrm>
+        <a:off x="9078590" y="2902"/>
+        <a:ext cx="2217539" cy="1330523"/>
+      </dsp:txXfrm>
+    </dsp:sp>
+    <dsp:sp modelId="{5D5A8D98-2335-4903-9C60-D994488C34B8}">
+      <dsp:nvSpPr>
+        <dsp:cNvPr id="0" name=""/>
+        <dsp:cNvSpPr/>
+      </dsp:nvSpPr>
+      <dsp:spPr>
+        <a:xfrm>
+          <a:off x="3111609" y="2463001"/>
+          <a:ext cx="479433" cy="91440"/>
+        </a:xfrm>
+        <a:custGeom>
+          <a:avLst/>
+          <a:gdLst/>
+          <a:ahLst/>
+          <a:cxnLst/>
+          <a:rect l="0" t="0" r="0" b="0"/>
+          <a:pathLst>
+            <a:path>
+              <a:moveTo>
+                <a:pt x="0" y="45720"/>
+              </a:moveTo>
+              <a:lnTo>
+                <a:pt x="479433" y="45720"/>
+              </a:lnTo>
+            </a:path>
+          </a:pathLst>
+        </a:custGeom>
+        <a:noFill/>
+        <a:ln w="6350" cap="flat" cmpd="sng" algn="ctr">
+          <a:solidFill>
+            <a:schemeClr val="accent1">
+              <a:hueOff val="0"/>
+              <a:satOff val="0"/>
+              <a:lumOff val="0"/>
+              <a:alphaOff val="0"/>
+            </a:schemeClr>
+          </a:solidFill>
+          <a:prstDash val="solid"/>
+          <a:miter lim="800000"/>
+          <a:tailEnd type="arrow"/>
+        </a:ln>
+        <a:effectLst/>
+        <a:scene3d>
+          <a:camera prst="orthographicFront"/>
+          <a:lightRig rig="threePt" dir="t">
+            <a:rot lat="0" lon="0" rev="7500000"/>
+          </a:lightRig>
+        </a:scene3d>
+        <a:sp3d z="-40000" prstMaterial="matte"/>
+      </dsp:spPr>
+      <dsp:style>
+        <a:lnRef idx="1">
+          <a:scrgbClr r="0" g="0" b="0"/>
+        </a:lnRef>
+        <a:fillRef idx="0">
+          <a:scrgbClr r="0" g="0" b="0"/>
+        </a:fillRef>
+        <a:effectRef idx="0">
+          <a:scrgbClr r="0" g="0" b="0"/>
+        </a:effectRef>
+        <a:fontRef idx="minor"/>
+      </dsp:style>
+      <dsp:txBody>
+        <a:bodyPr spcFirstLastPara="0" vert="horz" wrap="square" lIns="12700" tIns="0" rIns="12700" bIns="0" numCol="1" spcCol="1270" anchor="ctr" anchorCtr="0">
+          <a:noAutofit/>
+        </a:bodyPr>
+        <a:lstStyle/>
+        <a:p>
+          <a:pPr lvl="0" algn="ctr" defTabSz="222250" latinLnBrk="1">
+            <a:lnSpc>
+              <a:spcPct val="90000"/>
+            </a:lnSpc>
+            <a:spcBef>
+              <a:spcPct val="0"/>
+            </a:spcBef>
+            <a:spcAft>
+              <a:spcPct val="35000"/>
+            </a:spcAft>
+          </a:pPr>
+          <a:endParaRPr lang="ko-KR" altLang="en-US" sz="500" kern="1200"/>
+        </a:p>
+      </dsp:txBody>
+      <dsp:txXfrm>
+        <a:off x="3338576" y="2506171"/>
+        <a:ext cx="25501" cy="5100"/>
+      </dsp:txXfrm>
+    </dsp:sp>
+    <dsp:sp modelId="{2A5E42F0-5AD3-43B3-A8DE-C682B8065754}">
+      <dsp:nvSpPr>
+        <dsp:cNvPr id="0" name=""/>
+        <dsp:cNvSpPr/>
+      </dsp:nvSpPr>
+      <dsp:spPr>
+        <a:xfrm>
+          <a:off x="895870" y="1843459"/>
+          <a:ext cx="2217539" cy="1330523"/>
+        </a:xfrm>
+        <a:prstGeom prst="rect">
+          <a:avLst/>
+        </a:prstGeom>
+        <a:gradFill rotWithShape="0">
+          <a:gsLst>
+            <a:gs pos="0">
+              <a:schemeClr val="accent1">
+                <a:hueOff val="0"/>
+                <a:satOff val="0"/>
+                <a:lumOff val="0"/>
+                <a:alphaOff val="0"/>
+                <a:satMod val="103000"/>
+                <a:lumMod val="102000"/>
+                <a:tint val="94000"/>
+              </a:schemeClr>
+            </a:gs>
+            <a:gs pos="50000">
+              <a:schemeClr val="accent1">
+                <a:hueOff val="0"/>
+                <a:satOff val="0"/>
+                <a:lumOff val="0"/>
+                <a:alphaOff val="0"/>
+                <a:satMod val="110000"/>
+                <a:lumMod val="100000"/>
+                <a:shade val="100000"/>
+              </a:schemeClr>
+            </a:gs>
+            <a:gs pos="100000">
+              <a:schemeClr val="accent1">
+                <a:hueOff val="0"/>
+                <a:satOff val="0"/>
+                <a:lumOff val="0"/>
+                <a:alphaOff val="0"/>
+                <a:lumMod val="99000"/>
+                <a:satMod val="120000"/>
+                <a:shade val="78000"/>
+              </a:schemeClr>
+            </a:gs>
+          </a:gsLst>
+          <a:lin ang="5400000" scaled="0"/>
+        </a:gradFill>
+        <a:ln>
+          <a:noFill/>
+        </a:ln>
+        <a:effectLst/>
+        <a:scene3d>
+          <a:camera prst="orthographicFront"/>
+          <a:lightRig rig="threePt" dir="t">
+            <a:rot lat="0" lon="0" rev="7500000"/>
+          </a:lightRig>
+        </a:scene3d>
+        <a:sp3d prstMaterial="plastic">
+          <a:bevelT w="127000" h="25400" prst="relaxedInset"/>
+        </a:sp3d>
+      </dsp:spPr>
+      <dsp:style>
+        <a:lnRef idx="0">
+          <a:scrgbClr r="0" g="0" b="0"/>
+        </a:lnRef>
+        <a:fillRef idx="3">
+          <a:scrgbClr r="0" g="0" b="0"/>
+        </a:fillRef>
+        <a:effectRef idx="2">
+          <a:scrgbClr r="0" g="0" b="0"/>
+        </a:effectRef>
+        <a:fontRef idx="minor">
+          <a:schemeClr val="lt1"/>
+        </a:fontRef>
+      </dsp:style>
+      <dsp:txBody>
+        <a:bodyPr spcFirstLastPara="0" vert="horz" wrap="square" lIns="106680" tIns="106680" rIns="106680" bIns="106680" numCol="1" spcCol="1270" anchor="ctr" anchorCtr="0">
+          <a:noAutofit/>
+        </a:bodyPr>
+        <a:lstStyle/>
+        <a:p>
+          <a:pPr lvl="0" algn="ctr" defTabSz="666750" latinLnBrk="1">
+            <a:lnSpc>
+              <a:spcPct val="90000"/>
+            </a:lnSpc>
+            <a:spcBef>
+              <a:spcPct val="0"/>
+            </a:spcBef>
+            <a:spcAft>
+              <a:spcPct val="35000"/>
+            </a:spcAft>
+          </a:pPr>
+          <a:r>
+            <a:rPr lang="en-US" altLang="ko-KR" sz="1500" kern="1200" dirty="0" smtClean="0"/>
+            <a:t>duloxetine 60mg bid</a:t>
+          </a:r>
+          <a:r>
+            <a:rPr lang="ko-KR" altLang="en-US" sz="1500" kern="1200" dirty="0" smtClean="0"/>
+            <a:t>로 증량</a:t>
+          </a:r>
+          <a:endParaRPr lang="ko-KR" altLang="en-US" sz="1500" kern="1200" dirty="0"/>
+        </a:p>
+      </dsp:txBody>
+      <dsp:txXfrm>
+        <a:off x="895870" y="1843459"/>
+        <a:ext cx="2217539" cy="1330523"/>
+      </dsp:txXfrm>
+    </dsp:sp>
+    <dsp:sp modelId="{38B6CC62-952D-4166-B24F-047C77C894AB}">
+      <dsp:nvSpPr>
+        <dsp:cNvPr id="0" name=""/>
+        <dsp:cNvSpPr/>
+      </dsp:nvSpPr>
+      <dsp:spPr>
+        <a:xfrm>
+          <a:off x="5839183" y="2463001"/>
+          <a:ext cx="479433" cy="91440"/>
+        </a:xfrm>
+        <a:custGeom>
+          <a:avLst/>
+          <a:gdLst/>
+          <a:ahLst/>
+          <a:cxnLst/>
+          <a:rect l="0" t="0" r="0" b="0"/>
+          <a:pathLst>
+            <a:path>
+              <a:moveTo>
+                <a:pt x="0" y="45720"/>
+              </a:moveTo>
+              <a:lnTo>
+                <a:pt x="479433" y="45720"/>
+              </a:lnTo>
+            </a:path>
+          </a:pathLst>
+        </a:custGeom>
+        <a:noFill/>
+        <a:ln w="6350" cap="flat" cmpd="sng" algn="ctr">
+          <a:solidFill>
+            <a:schemeClr val="accent1">
+              <a:hueOff val="0"/>
+              <a:satOff val="0"/>
+              <a:lumOff val="0"/>
+              <a:alphaOff val="0"/>
+            </a:schemeClr>
+          </a:solidFill>
+          <a:prstDash val="solid"/>
+          <a:miter lim="800000"/>
+          <a:tailEnd type="arrow"/>
+        </a:ln>
+        <a:effectLst/>
+        <a:scene3d>
+          <a:camera prst="orthographicFront"/>
+          <a:lightRig rig="threePt" dir="t">
+            <a:rot lat="0" lon="0" rev="7500000"/>
+          </a:lightRig>
+        </a:scene3d>
+        <a:sp3d z="-40000" prstMaterial="matte"/>
+      </dsp:spPr>
+      <dsp:style>
+        <a:lnRef idx="1">
+          <a:scrgbClr r="0" g="0" b="0"/>
+        </a:lnRef>
+        <a:fillRef idx="0">
+          <a:scrgbClr r="0" g="0" b="0"/>
+        </a:fillRef>
+        <a:effectRef idx="0">
+          <a:scrgbClr r="0" g="0" b="0"/>
+        </a:effectRef>
+        <a:fontRef idx="minor"/>
+      </dsp:style>
+      <dsp:txBody>
+        <a:bodyPr spcFirstLastPara="0" vert="horz" wrap="square" lIns="12700" tIns="0" rIns="12700" bIns="0" numCol="1" spcCol="1270" anchor="ctr" anchorCtr="0">
+          <a:noAutofit/>
+        </a:bodyPr>
+        <a:lstStyle/>
+        <a:p>
+          <a:pPr lvl="0" algn="ctr" defTabSz="222250" latinLnBrk="1">
+            <a:lnSpc>
+              <a:spcPct val="90000"/>
+            </a:lnSpc>
+            <a:spcBef>
+              <a:spcPct val="0"/>
+            </a:spcBef>
+            <a:spcAft>
+              <a:spcPct val="35000"/>
+            </a:spcAft>
+          </a:pPr>
+          <a:endParaRPr lang="ko-KR" altLang="en-US" sz="500" kern="1200"/>
+        </a:p>
+      </dsp:txBody>
+      <dsp:txXfrm>
+        <a:off x="6066149" y="2506171"/>
+        <a:ext cx="25501" cy="5100"/>
+      </dsp:txXfrm>
+    </dsp:sp>
+    <dsp:sp modelId="{B7D129FD-94D9-4BF6-B6DF-1FAC29728FFD}">
+      <dsp:nvSpPr>
+        <dsp:cNvPr id="0" name=""/>
+        <dsp:cNvSpPr/>
+      </dsp:nvSpPr>
+      <dsp:spPr>
+        <a:xfrm>
+          <a:off x="3623443" y="1843459"/>
+          <a:ext cx="2217539" cy="1330523"/>
+        </a:xfrm>
+        <a:prstGeom prst="rect">
+          <a:avLst/>
+        </a:prstGeom>
+        <a:gradFill rotWithShape="0">
+          <a:gsLst>
+            <a:gs pos="0">
+              <a:schemeClr val="accent1">
+                <a:hueOff val="0"/>
+                <a:satOff val="0"/>
+                <a:lumOff val="0"/>
+                <a:alphaOff val="0"/>
+                <a:satMod val="103000"/>
+                <a:lumMod val="102000"/>
+                <a:tint val="94000"/>
+              </a:schemeClr>
+            </a:gs>
+            <a:gs pos="50000">
+              <a:schemeClr val="accent1">
+                <a:hueOff val="0"/>
+                <a:satOff val="0"/>
+                <a:lumOff val="0"/>
+                <a:alphaOff val="0"/>
+                <a:satMod val="110000"/>
+                <a:lumMod val="100000"/>
+                <a:shade val="100000"/>
+              </a:schemeClr>
+            </a:gs>
+            <a:gs pos="100000">
+              <a:schemeClr val="accent1">
+                <a:hueOff val="0"/>
+                <a:satOff val="0"/>
+                <a:lumOff val="0"/>
+                <a:alphaOff val="0"/>
+                <a:lumMod val="99000"/>
+                <a:satMod val="120000"/>
+                <a:shade val="78000"/>
+              </a:schemeClr>
+            </a:gs>
+          </a:gsLst>
+          <a:lin ang="5400000" scaled="0"/>
+        </a:gradFill>
+        <a:ln>
+          <a:noFill/>
+        </a:ln>
+        <a:effectLst/>
+        <a:scene3d>
+          <a:camera prst="orthographicFront"/>
+          <a:lightRig rig="threePt" dir="t">
+            <a:rot lat="0" lon="0" rev="7500000"/>
+          </a:lightRig>
+        </a:scene3d>
+        <a:sp3d prstMaterial="plastic">
+          <a:bevelT w="127000" h="25400" prst="relaxedInset"/>
+        </a:sp3d>
+      </dsp:spPr>
+      <dsp:style>
+        <a:lnRef idx="0">
+          <a:scrgbClr r="0" g="0" b="0"/>
+        </a:lnRef>
+        <a:fillRef idx="3">
+          <a:scrgbClr r="0" g="0" b="0"/>
+        </a:fillRef>
+        <a:effectRef idx="2">
+          <a:scrgbClr r="0" g="0" b="0"/>
+        </a:effectRef>
+        <a:fontRef idx="minor">
+          <a:schemeClr val="lt1"/>
+        </a:fontRef>
+      </dsp:style>
+      <dsp:txBody>
+        <a:bodyPr spcFirstLastPara="0" vert="horz" wrap="square" lIns="106680" tIns="106680" rIns="106680" bIns="106680" numCol="1" spcCol="1270" anchor="ctr" anchorCtr="0">
+          <a:noAutofit/>
+        </a:bodyPr>
+        <a:lstStyle/>
+        <a:p>
+          <a:pPr lvl="0" algn="ctr" defTabSz="666750" latinLnBrk="1">
+            <a:lnSpc>
+              <a:spcPct val="90000"/>
+            </a:lnSpc>
+            <a:spcBef>
+              <a:spcPct val="0"/>
+            </a:spcBef>
+            <a:spcAft>
+              <a:spcPct val="35000"/>
+            </a:spcAft>
+          </a:pPr>
+          <a:r>
+            <a:rPr lang="en-US" altLang="ko-KR" sz="1500" kern="1200" dirty="0" smtClean="0"/>
+            <a:t>NSAID, baclofen</a:t>
+          </a:r>
+          <a:r>
+            <a:rPr lang="ko-KR" altLang="en-US" sz="1500" kern="1200" dirty="0" smtClean="0"/>
+            <a:t>추가하고 </a:t>
+          </a:r>
+          <a:r>
+            <a:rPr lang="en-US" altLang="ko-KR" sz="1500" kern="1200" dirty="0" smtClean="0"/>
+            <a:t>amitriptyline 10mg bid</a:t>
+          </a:r>
+          <a:r>
+            <a:rPr lang="ko-KR" altLang="en-US" sz="1500" kern="1200" dirty="0" smtClean="0"/>
+            <a:t>로 증량</a:t>
+          </a:r>
+          <a:endParaRPr lang="ko-KR" altLang="en-US" sz="1500" kern="1200" dirty="0"/>
+        </a:p>
+      </dsp:txBody>
+      <dsp:txXfrm>
+        <a:off x="3623443" y="1843459"/>
+        <a:ext cx="2217539" cy="1330523"/>
+      </dsp:txXfrm>
+    </dsp:sp>
+    <dsp:sp modelId="{7CEE1634-633A-440D-9CE2-5AF41BE72F65}">
+      <dsp:nvSpPr>
+        <dsp:cNvPr id="0" name=""/>
+        <dsp:cNvSpPr/>
+      </dsp:nvSpPr>
+      <dsp:spPr>
+        <a:xfrm>
+          <a:off x="8566756" y="2463001"/>
+          <a:ext cx="479433" cy="91440"/>
+        </a:xfrm>
+        <a:custGeom>
+          <a:avLst/>
+          <a:gdLst/>
+          <a:ahLst/>
+          <a:cxnLst/>
+          <a:rect l="0" t="0" r="0" b="0"/>
+          <a:pathLst>
+            <a:path>
+              <a:moveTo>
+                <a:pt x="0" y="45720"/>
+              </a:moveTo>
+              <a:lnTo>
+                <a:pt x="479433" y="45720"/>
+              </a:lnTo>
+            </a:path>
+          </a:pathLst>
+        </a:custGeom>
+        <a:noFill/>
+        <a:ln w="6350" cap="flat" cmpd="sng" algn="ctr">
+          <a:solidFill>
+            <a:schemeClr val="accent1">
+              <a:hueOff val="0"/>
+              <a:satOff val="0"/>
+              <a:lumOff val="0"/>
+              <a:alphaOff val="0"/>
+            </a:schemeClr>
+          </a:solidFill>
+          <a:prstDash val="solid"/>
+          <a:miter lim="800000"/>
+          <a:tailEnd type="arrow"/>
+        </a:ln>
+        <a:effectLst/>
+        <a:scene3d>
+          <a:camera prst="orthographicFront"/>
+          <a:lightRig rig="threePt" dir="t">
+            <a:rot lat="0" lon="0" rev="7500000"/>
+          </a:lightRig>
+        </a:scene3d>
+        <a:sp3d z="-40000" prstMaterial="matte"/>
+      </dsp:spPr>
+      <dsp:style>
+        <a:lnRef idx="1">
+          <a:scrgbClr r="0" g="0" b="0"/>
+        </a:lnRef>
+        <a:fillRef idx="0">
+          <a:scrgbClr r="0" g="0" b="0"/>
+        </a:fillRef>
+        <a:effectRef idx="0">
+          <a:scrgbClr r="0" g="0" b="0"/>
+        </a:effectRef>
+        <a:fontRef idx="minor"/>
+      </dsp:style>
+      <dsp:txBody>
+        <a:bodyPr spcFirstLastPara="0" vert="horz" wrap="square" lIns="12700" tIns="0" rIns="12700" bIns="0" numCol="1" spcCol="1270" anchor="ctr" anchorCtr="0">
+          <a:noAutofit/>
+        </a:bodyPr>
+        <a:lstStyle/>
+        <a:p>
+          <a:pPr lvl="0" algn="ctr" defTabSz="222250" latinLnBrk="1">
+            <a:lnSpc>
+              <a:spcPct val="90000"/>
+            </a:lnSpc>
+            <a:spcBef>
+              <a:spcPct val="0"/>
+            </a:spcBef>
+            <a:spcAft>
+              <a:spcPct val="35000"/>
+            </a:spcAft>
+          </a:pPr>
+          <a:endParaRPr lang="ko-KR" altLang="en-US" sz="500" kern="1200"/>
+        </a:p>
+      </dsp:txBody>
+      <dsp:txXfrm>
+        <a:off x="8793722" y="2506171"/>
+        <a:ext cx="25501" cy="5100"/>
+      </dsp:txXfrm>
+    </dsp:sp>
+    <dsp:sp modelId="{C49B80A6-BD41-4AFB-8EB5-3773E992E5BB}">
+      <dsp:nvSpPr>
+        <dsp:cNvPr id="0" name=""/>
+        <dsp:cNvSpPr/>
+      </dsp:nvSpPr>
+      <dsp:spPr>
+        <a:xfrm>
+          <a:off x="6351016" y="1843459"/>
+          <a:ext cx="2217539" cy="1330523"/>
+        </a:xfrm>
+        <a:prstGeom prst="rect">
+          <a:avLst/>
+        </a:prstGeom>
+        <a:gradFill rotWithShape="0">
+          <a:gsLst>
+            <a:gs pos="0">
+              <a:schemeClr val="accent1">
+                <a:hueOff val="0"/>
+                <a:satOff val="0"/>
+                <a:lumOff val="0"/>
+                <a:alphaOff val="0"/>
+                <a:satMod val="103000"/>
+                <a:lumMod val="102000"/>
+                <a:tint val="94000"/>
+              </a:schemeClr>
+            </a:gs>
+            <a:gs pos="50000">
+              <a:schemeClr val="accent1">
+                <a:hueOff val="0"/>
+                <a:satOff val="0"/>
+                <a:lumOff val="0"/>
+                <a:alphaOff val="0"/>
+                <a:satMod val="110000"/>
+                <a:lumMod val="100000"/>
+                <a:shade val="100000"/>
+              </a:schemeClr>
+            </a:gs>
+            <a:gs pos="100000">
+              <a:schemeClr val="accent1">
+                <a:hueOff val="0"/>
+                <a:satOff val="0"/>
+                <a:lumOff val="0"/>
+                <a:alphaOff val="0"/>
+                <a:lumMod val="99000"/>
+                <a:satMod val="120000"/>
+                <a:shade val="78000"/>
+              </a:schemeClr>
+            </a:gs>
+          </a:gsLst>
+          <a:lin ang="5400000" scaled="0"/>
+        </a:gradFill>
+        <a:ln>
+          <a:noFill/>
+        </a:ln>
+        <a:effectLst/>
+        <a:scene3d>
+          <a:camera prst="orthographicFront"/>
+          <a:lightRig rig="threePt" dir="t">
+            <a:rot lat="0" lon="0" rev="7500000"/>
+          </a:lightRig>
+        </a:scene3d>
+        <a:sp3d prstMaterial="plastic">
+          <a:bevelT w="127000" h="25400" prst="relaxedInset"/>
+        </a:sp3d>
+      </dsp:spPr>
+      <dsp:style>
+        <a:lnRef idx="0">
+          <a:scrgbClr r="0" g="0" b="0"/>
+        </a:lnRef>
+        <a:fillRef idx="3">
+          <a:scrgbClr r="0" g="0" b="0"/>
+        </a:fillRef>
+        <a:effectRef idx="2">
+          <a:scrgbClr r="0" g="0" b="0"/>
+        </a:effectRef>
+        <a:fontRef idx="minor">
+          <a:schemeClr val="lt1"/>
+        </a:fontRef>
+      </dsp:style>
+      <dsp:txBody>
+        <a:bodyPr spcFirstLastPara="0" vert="horz" wrap="square" lIns="106680" tIns="106680" rIns="106680" bIns="106680" numCol="1" spcCol="1270" anchor="ctr" anchorCtr="0">
+          <a:noAutofit/>
+        </a:bodyPr>
+        <a:lstStyle/>
+        <a:p>
+          <a:pPr lvl="0" algn="ctr" defTabSz="666750" latinLnBrk="1">
+            <a:lnSpc>
+              <a:spcPct val="90000"/>
+            </a:lnSpc>
+            <a:spcBef>
+              <a:spcPct val="0"/>
+            </a:spcBef>
+            <a:spcAft>
+              <a:spcPct val="35000"/>
+            </a:spcAft>
+          </a:pPr>
+          <a:r>
+            <a:rPr lang="ko-KR" altLang="en-US" sz="1500" kern="1200" dirty="0" err="1" smtClean="0"/>
+            <a:t>기립성</a:t>
+          </a:r>
+          <a:r>
+            <a:rPr lang="ko-KR" altLang="en-US" sz="1500" kern="1200" dirty="0" smtClean="0"/>
+            <a:t> 어지럼 발생</a:t>
+          </a:r>
+          <a:r>
+            <a:rPr lang="en-US" altLang="ko-KR" sz="1500" kern="1200" dirty="0" smtClean="0"/>
+            <a:t>, Amitriptyline 20mg bid</a:t>
+          </a:r>
+          <a:r>
+            <a:rPr lang="ko-KR" altLang="en-US" sz="1500" kern="1200" dirty="0" smtClean="0"/>
+            <a:t>로 증량</a:t>
+          </a:r>
+          <a:endParaRPr lang="ko-KR" altLang="en-US" sz="1500" kern="1200" dirty="0"/>
+        </a:p>
+      </dsp:txBody>
+      <dsp:txXfrm>
+        <a:off x="6351016" y="1843459"/>
+        <a:ext cx="2217539" cy="1330523"/>
+      </dsp:txXfrm>
+    </dsp:sp>
+    <dsp:sp modelId="{5B203C94-CEC7-4AAA-A1AE-367D4F6E8A0B}">
+      <dsp:nvSpPr>
+        <dsp:cNvPr id="0" name=""/>
+        <dsp:cNvSpPr/>
+      </dsp:nvSpPr>
+      <dsp:spPr>
+        <a:xfrm>
+          <a:off x="2004640" y="3172183"/>
+          <a:ext cx="8182719" cy="479433"/>
+        </a:xfrm>
+        <a:custGeom>
+          <a:avLst/>
+          <a:gdLst/>
+          <a:ahLst/>
+          <a:cxnLst/>
+          <a:rect l="0" t="0" r="0" b="0"/>
+          <a:pathLst>
+            <a:path>
+              <a:moveTo>
+                <a:pt x="8182719" y="0"/>
+              </a:moveTo>
+              <a:lnTo>
+                <a:pt x="8182719" y="256816"/>
+              </a:lnTo>
+              <a:lnTo>
+                <a:pt x="0" y="256816"/>
+              </a:lnTo>
+              <a:lnTo>
+                <a:pt x="0" y="479433"/>
+              </a:lnTo>
+            </a:path>
+          </a:pathLst>
+        </a:custGeom>
+        <a:noFill/>
+        <a:ln w="6350" cap="flat" cmpd="sng" algn="ctr">
+          <a:solidFill>
+            <a:schemeClr val="accent1">
+              <a:hueOff val="0"/>
+              <a:satOff val="0"/>
+              <a:lumOff val="0"/>
+              <a:alphaOff val="0"/>
+            </a:schemeClr>
+          </a:solidFill>
+          <a:prstDash val="solid"/>
+          <a:miter lim="800000"/>
+          <a:tailEnd type="arrow"/>
+        </a:ln>
+        <a:effectLst/>
+        <a:scene3d>
+          <a:camera prst="orthographicFront"/>
+          <a:lightRig rig="threePt" dir="t">
+            <a:rot lat="0" lon="0" rev="7500000"/>
+          </a:lightRig>
+        </a:scene3d>
+        <a:sp3d z="-40000" prstMaterial="matte"/>
+      </dsp:spPr>
+      <dsp:style>
+        <a:lnRef idx="1">
+          <a:scrgbClr r="0" g="0" b="0"/>
+        </a:lnRef>
+        <a:fillRef idx="0">
+          <a:scrgbClr r="0" g="0" b="0"/>
+        </a:fillRef>
+        <a:effectRef idx="0">
+          <a:scrgbClr r="0" g="0" b="0"/>
+        </a:effectRef>
+        <a:fontRef idx="minor"/>
+      </dsp:style>
+      <dsp:txBody>
+        <a:bodyPr spcFirstLastPara="0" vert="horz" wrap="square" lIns="12700" tIns="0" rIns="12700" bIns="0" numCol="1" spcCol="1270" anchor="ctr" anchorCtr="0">
+          <a:noAutofit/>
+        </a:bodyPr>
+        <a:lstStyle/>
+        <a:p>
+          <a:pPr lvl="0" algn="ctr" defTabSz="222250" latinLnBrk="1">
+            <a:lnSpc>
+              <a:spcPct val="90000"/>
+            </a:lnSpc>
+            <a:spcBef>
+              <a:spcPct val="0"/>
+            </a:spcBef>
+            <a:spcAft>
+              <a:spcPct val="35000"/>
+            </a:spcAft>
+          </a:pPr>
+          <a:endParaRPr lang="ko-KR" altLang="en-US" sz="500" kern="1200"/>
+        </a:p>
+      </dsp:txBody>
+      <dsp:txXfrm>
+        <a:off x="5891035" y="3409349"/>
+        <a:ext cx="409929" cy="5100"/>
+      </dsp:txXfrm>
+    </dsp:sp>
+    <dsp:sp modelId="{72008380-46A2-4EC5-97EC-5E2DE6F75D70}">
+      <dsp:nvSpPr>
+        <dsp:cNvPr id="0" name=""/>
+        <dsp:cNvSpPr/>
+      </dsp:nvSpPr>
+      <dsp:spPr>
+        <a:xfrm>
+          <a:off x="9078590" y="1843459"/>
+          <a:ext cx="2217539" cy="1330523"/>
+        </a:xfrm>
+        <a:prstGeom prst="rect">
+          <a:avLst/>
+        </a:prstGeom>
+        <a:gradFill rotWithShape="0">
+          <a:gsLst>
+            <a:gs pos="0">
+              <a:schemeClr val="accent1">
+                <a:hueOff val="0"/>
+                <a:satOff val="0"/>
+                <a:lumOff val="0"/>
+                <a:alphaOff val="0"/>
+                <a:satMod val="103000"/>
+                <a:lumMod val="102000"/>
+                <a:tint val="94000"/>
+              </a:schemeClr>
+            </a:gs>
+            <a:gs pos="50000">
+              <a:schemeClr val="accent1">
+                <a:hueOff val="0"/>
+                <a:satOff val="0"/>
+                <a:lumOff val="0"/>
+                <a:alphaOff val="0"/>
+                <a:satMod val="110000"/>
+                <a:lumMod val="100000"/>
+                <a:shade val="100000"/>
+              </a:schemeClr>
+            </a:gs>
+            <a:gs pos="100000">
+              <a:schemeClr val="accent1">
+                <a:hueOff val="0"/>
+                <a:satOff val="0"/>
+                <a:lumOff val="0"/>
+                <a:alphaOff val="0"/>
+                <a:lumMod val="99000"/>
+                <a:satMod val="120000"/>
+                <a:shade val="78000"/>
+              </a:schemeClr>
+            </a:gs>
+          </a:gsLst>
+          <a:lin ang="5400000" scaled="0"/>
+        </a:gradFill>
+        <a:ln>
+          <a:noFill/>
+        </a:ln>
+        <a:effectLst/>
+        <a:scene3d>
+          <a:camera prst="orthographicFront"/>
+          <a:lightRig rig="threePt" dir="t">
+            <a:rot lat="0" lon="0" rev="7500000"/>
+          </a:lightRig>
+        </a:scene3d>
+        <a:sp3d prstMaterial="plastic">
+          <a:bevelT w="127000" h="25400" prst="relaxedInset"/>
+        </a:sp3d>
+      </dsp:spPr>
+      <dsp:style>
+        <a:lnRef idx="0">
+          <a:scrgbClr r="0" g="0" b="0"/>
+        </a:lnRef>
+        <a:fillRef idx="3">
+          <a:scrgbClr r="0" g="0" b="0"/>
+        </a:fillRef>
+        <a:effectRef idx="2">
+          <a:scrgbClr r="0" g="0" b="0"/>
+        </a:effectRef>
+        <a:fontRef idx="minor">
+          <a:schemeClr val="lt1"/>
+        </a:fontRef>
+      </dsp:style>
+      <dsp:txBody>
+        <a:bodyPr spcFirstLastPara="0" vert="horz" wrap="square" lIns="106680" tIns="106680" rIns="106680" bIns="106680" numCol="1" spcCol="1270" anchor="ctr" anchorCtr="0">
+          <a:noAutofit/>
+        </a:bodyPr>
+        <a:lstStyle/>
+        <a:p>
+          <a:pPr lvl="0" algn="ctr" defTabSz="666750" latinLnBrk="1">
+            <a:lnSpc>
+              <a:spcPct val="90000"/>
+            </a:lnSpc>
+            <a:spcBef>
+              <a:spcPct val="0"/>
+            </a:spcBef>
+            <a:spcAft>
+              <a:spcPct val="35000"/>
+            </a:spcAft>
+          </a:pPr>
+          <a:r>
+            <a:rPr lang="ko-KR" altLang="en-US" sz="1500" kern="1200" dirty="0" err="1" smtClean="0"/>
+            <a:t>소변불편감</a:t>
+          </a:r>
+          <a:r>
+            <a:rPr lang="ko-KR" altLang="en-US" sz="1500" kern="1200" dirty="0" smtClean="0"/>
+            <a:t> 발생</a:t>
+          </a:r>
+          <a:r>
+            <a:rPr lang="en-US" altLang="ko-KR" sz="1500" kern="1200" dirty="0" smtClean="0"/>
+            <a:t>, amitriptyline 10mg bid</a:t>
+          </a:r>
+          <a:r>
+            <a:rPr lang="ko-KR" altLang="en-US" sz="1500" kern="1200" dirty="0" smtClean="0"/>
+            <a:t>로 감량</a:t>
+          </a:r>
+          <a:endParaRPr lang="ko-KR" altLang="en-US" sz="1500" kern="1200" dirty="0"/>
+        </a:p>
+      </dsp:txBody>
+      <dsp:txXfrm>
+        <a:off x="9078590" y="1843459"/>
+        <a:ext cx="2217539" cy="1330523"/>
+      </dsp:txXfrm>
+    </dsp:sp>
+    <dsp:sp modelId="{C188CBC8-F067-47AD-B24F-9B3BC5DA116F}">
+      <dsp:nvSpPr>
+        <dsp:cNvPr id="0" name=""/>
+        <dsp:cNvSpPr/>
+      </dsp:nvSpPr>
+      <dsp:spPr>
+        <a:xfrm>
+          <a:off x="3111609" y="4303558"/>
+          <a:ext cx="479433" cy="91440"/>
+        </a:xfrm>
+        <a:custGeom>
+          <a:avLst/>
+          <a:gdLst/>
+          <a:ahLst/>
+          <a:cxnLst/>
+          <a:rect l="0" t="0" r="0" b="0"/>
+          <a:pathLst>
+            <a:path>
+              <a:moveTo>
+                <a:pt x="0" y="45720"/>
+              </a:moveTo>
+              <a:lnTo>
+                <a:pt x="479433" y="45720"/>
+              </a:lnTo>
+            </a:path>
+          </a:pathLst>
+        </a:custGeom>
+        <a:noFill/>
+        <a:ln w="6350" cap="flat" cmpd="sng" algn="ctr">
+          <a:solidFill>
+            <a:schemeClr val="accent1">
+              <a:hueOff val="0"/>
+              <a:satOff val="0"/>
+              <a:lumOff val="0"/>
+              <a:alphaOff val="0"/>
+            </a:schemeClr>
+          </a:solidFill>
+          <a:prstDash val="solid"/>
+          <a:miter lim="800000"/>
+          <a:tailEnd type="arrow"/>
+        </a:ln>
+        <a:effectLst/>
+        <a:scene3d>
+          <a:camera prst="orthographicFront"/>
+          <a:lightRig rig="threePt" dir="t">
+            <a:rot lat="0" lon="0" rev="7500000"/>
+          </a:lightRig>
+        </a:scene3d>
+        <a:sp3d z="-40000" prstMaterial="matte"/>
+      </dsp:spPr>
+      <dsp:style>
+        <a:lnRef idx="1">
+          <a:scrgbClr r="0" g="0" b="0"/>
+        </a:lnRef>
+        <a:fillRef idx="0">
+          <a:scrgbClr r="0" g="0" b="0"/>
+        </a:fillRef>
+        <a:effectRef idx="0">
+          <a:scrgbClr r="0" g="0" b="0"/>
+        </a:effectRef>
+        <a:fontRef idx="minor"/>
+      </dsp:style>
+      <dsp:txBody>
+        <a:bodyPr spcFirstLastPara="0" vert="horz" wrap="square" lIns="12700" tIns="0" rIns="12700" bIns="0" numCol="1" spcCol="1270" anchor="ctr" anchorCtr="0">
+          <a:noAutofit/>
+        </a:bodyPr>
+        <a:lstStyle/>
+        <a:p>
+          <a:pPr lvl="0" algn="ctr" defTabSz="222250" latinLnBrk="1">
+            <a:lnSpc>
+              <a:spcPct val="90000"/>
+            </a:lnSpc>
+            <a:spcBef>
+              <a:spcPct val="0"/>
+            </a:spcBef>
+            <a:spcAft>
+              <a:spcPct val="35000"/>
+            </a:spcAft>
+          </a:pPr>
+          <a:endParaRPr lang="ko-KR" altLang="en-US" sz="500" kern="1200"/>
+        </a:p>
+      </dsp:txBody>
+      <dsp:txXfrm>
+        <a:off x="3338576" y="4346728"/>
+        <a:ext cx="25501" cy="5100"/>
+      </dsp:txXfrm>
+    </dsp:sp>
+    <dsp:sp modelId="{F65E02C4-8131-4CB6-A792-CBE460247714}">
+      <dsp:nvSpPr>
+        <dsp:cNvPr id="0" name=""/>
+        <dsp:cNvSpPr/>
+      </dsp:nvSpPr>
+      <dsp:spPr>
+        <a:xfrm>
+          <a:off x="895870" y="3684016"/>
+          <a:ext cx="2217539" cy="1330523"/>
+        </a:xfrm>
+        <a:prstGeom prst="rect">
+          <a:avLst/>
+        </a:prstGeom>
+        <a:gradFill rotWithShape="0">
+          <a:gsLst>
+            <a:gs pos="0">
+              <a:schemeClr val="accent1">
+                <a:hueOff val="0"/>
+                <a:satOff val="0"/>
+                <a:lumOff val="0"/>
+                <a:alphaOff val="0"/>
+                <a:satMod val="103000"/>
+                <a:lumMod val="102000"/>
+                <a:tint val="94000"/>
+              </a:schemeClr>
+            </a:gs>
+            <a:gs pos="50000">
+              <a:schemeClr val="accent1">
+                <a:hueOff val="0"/>
+                <a:satOff val="0"/>
+                <a:lumOff val="0"/>
+                <a:alphaOff val="0"/>
+                <a:satMod val="110000"/>
+                <a:lumMod val="100000"/>
+                <a:shade val="100000"/>
+              </a:schemeClr>
+            </a:gs>
+            <a:gs pos="100000">
+              <a:schemeClr val="accent1">
+                <a:hueOff val="0"/>
+                <a:satOff val="0"/>
+                <a:lumOff val="0"/>
+                <a:alphaOff val="0"/>
+                <a:lumMod val="99000"/>
+                <a:satMod val="120000"/>
+                <a:shade val="78000"/>
+              </a:schemeClr>
+            </a:gs>
+          </a:gsLst>
+          <a:lin ang="5400000" scaled="0"/>
+        </a:gradFill>
+        <a:ln>
+          <a:noFill/>
+        </a:ln>
+        <a:effectLst/>
+        <a:scene3d>
+          <a:camera prst="orthographicFront"/>
+          <a:lightRig rig="threePt" dir="t">
+            <a:rot lat="0" lon="0" rev="7500000"/>
+          </a:lightRig>
+        </a:scene3d>
+        <a:sp3d prstMaterial="plastic">
+          <a:bevelT w="127000" h="25400" prst="relaxedInset"/>
+        </a:sp3d>
+      </dsp:spPr>
+      <dsp:style>
+        <a:lnRef idx="0">
+          <a:scrgbClr r="0" g="0" b="0"/>
+        </a:lnRef>
+        <a:fillRef idx="3">
+          <a:scrgbClr r="0" g="0" b="0"/>
+        </a:fillRef>
+        <a:effectRef idx="2">
+          <a:scrgbClr r="0" g="0" b="0"/>
+        </a:effectRef>
+        <a:fontRef idx="minor">
+          <a:schemeClr val="lt1"/>
+        </a:fontRef>
+      </dsp:style>
+      <dsp:txBody>
+        <a:bodyPr spcFirstLastPara="0" vert="horz" wrap="square" lIns="106680" tIns="106680" rIns="106680" bIns="106680" numCol="1" spcCol="1270" anchor="ctr" anchorCtr="0">
+          <a:noAutofit/>
+        </a:bodyPr>
+        <a:lstStyle/>
+        <a:p>
+          <a:pPr lvl="0" algn="ctr" defTabSz="666750" latinLnBrk="1">
+            <a:lnSpc>
+              <a:spcPct val="90000"/>
+            </a:lnSpc>
+            <a:spcBef>
+              <a:spcPct val="0"/>
+            </a:spcBef>
+            <a:spcAft>
+              <a:spcPct val="35000"/>
+            </a:spcAft>
+          </a:pPr>
+          <a:r>
+            <a:rPr lang="ko-KR" altLang="en-US" sz="1500" kern="1200" dirty="0" err="1" smtClean="0"/>
+            <a:t>소변불편감</a:t>
+          </a:r>
+          <a:r>
+            <a:rPr lang="ko-KR" altLang="en-US" sz="1500" kern="1200" dirty="0" smtClean="0"/>
+            <a:t> 없어짐</a:t>
+          </a:r>
+          <a:r>
+            <a:rPr lang="en-US" altLang="ko-KR" sz="1500" kern="1200" dirty="0" smtClean="0"/>
+            <a:t>, oxycodone</a:t>
+          </a:r>
+          <a:r>
+            <a:rPr lang="ko-KR" altLang="en-US" sz="1500" kern="1200" dirty="0" smtClean="0"/>
+            <a:t>추가</a:t>
+          </a:r>
+          <a:endParaRPr lang="ko-KR" altLang="en-US" sz="1500" kern="1200" dirty="0"/>
+        </a:p>
+      </dsp:txBody>
+      <dsp:txXfrm>
+        <a:off x="895870" y="3684016"/>
+        <a:ext cx="2217539" cy="1330523"/>
+      </dsp:txXfrm>
+    </dsp:sp>
+    <dsp:sp modelId="{09F6480F-632B-4590-9115-C3D0156B24C0}">
+      <dsp:nvSpPr>
+        <dsp:cNvPr id="0" name=""/>
+        <dsp:cNvSpPr/>
+      </dsp:nvSpPr>
+      <dsp:spPr>
+        <a:xfrm>
+          <a:off x="5839183" y="4303558"/>
+          <a:ext cx="479433" cy="91440"/>
+        </a:xfrm>
+        <a:custGeom>
+          <a:avLst/>
+          <a:gdLst/>
+          <a:ahLst/>
+          <a:cxnLst/>
+          <a:rect l="0" t="0" r="0" b="0"/>
+          <a:pathLst>
+            <a:path>
+              <a:moveTo>
+                <a:pt x="0" y="45720"/>
+              </a:moveTo>
+              <a:lnTo>
+                <a:pt x="479433" y="45720"/>
+              </a:lnTo>
+            </a:path>
+          </a:pathLst>
+        </a:custGeom>
+        <a:noFill/>
+        <a:ln w="6350" cap="flat" cmpd="sng" algn="ctr">
+          <a:solidFill>
+            <a:schemeClr val="accent1">
+              <a:hueOff val="0"/>
+              <a:satOff val="0"/>
+              <a:lumOff val="0"/>
+              <a:alphaOff val="0"/>
+            </a:schemeClr>
+          </a:solidFill>
+          <a:prstDash val="solid"/>
+          <a:miter lim="800000"/>
+          <a:tailEnd type="arrow"/>
+        </a:ln>
+        <a:effectLst/>
+        <a:scene3d>
+          <a:camera prst="orthographicFront"/>
+          <a:lightRig rig="threePt" dir="t">
+            <a:rot lat="0" lon="0" rev="7500000"/>
+          </a:lightRig>
+        </a:scene3d>
+        <a:sp3d z="-40000" prstMaterial="matte"/>
+      </dsp:spPr>
+      <dsp:style>
+        <a:lnRef idx="1">
+          <a:scrgbClr r="0" g="0" b="0"/>
+        </a:lnRef>
+        <a:fillRef idx="0">
+          <a:scrgbClr r="0" g="0" b="0"/>
+        </a:fillRef>
+        <a:effectRef idx="0">
+          <a:scrgbClr r="0" g="0" b="0"/>
+        </a:effectRef>
+        <a:fontRef idx="minor"/>
+      </dsp:style>
+      <dsp:txBody>
+        <a:bodyPr spcFirstLastPara="0" vert="horz" wrap="square" lIns="12700" tIns="0" rIns="12700" bIns="0" numCol="1" spcCol="1270" anchor="ctr" anchorCtr="0">
+          <a:noAutofit/>
+        </a:bodyPr>
+        <a:lstStyle/>
+        <a:p>
+          <a:pPr lvl="0" algn="ctr" defTabSz="222250" latinLnBrk="1">
+            <a:lnSpc>
+              <a:spcPct val="90000"/>
+            </a:lnSpc>
+            <a:spcBef>
+              <a:spcPct val="0"/>
+            </a:spcBef>
+            <a:spcAft>
+              <a:spcPct val="35000"/>
+            </a:spcAft>
+          </a:pPr>
+          <a:endParaRPr lang="ko-KR" altLang="en-US" sz="500" kern="1200"/>
+        </a:p>
+      </dsp:txBody>
+      <dsp:txXfrm>
+        <a:off x="6066149" y="4346728"/>
+        <a:ext cx="25501" cy="5100"/>
+      </dsp:txXfrm>
+    </dsp:sp>
+    <dsp:sp modelId="{32B3C348-15CB-41C4-BD9F-CDB17486CF7A}">
+      <dsp:nvSpPr>
+        <dsp:cNvPr id="0" name=""/>
+        <dsp:cNvSpPr/>
+      </dsp:nvSpPr>
+      <dsp:spPr>
+        <a:xfrm>
+          <a:off x="3623443" y="3684016"/>
+          <a:ext cx="2217539" cy="1330523"/>
+        </a:xfrm>
+        <a:prstGeom prst="rect">
+          <a:avLst/>
+        </a:prstGeom>
+        <a:gradFill rotWithShape="0">
+          <a:gsLst>
+            <a:gs pos="0">
+              <a:schemeClr val="accent1">
+                <a:hueOff val="0"/>
+                <a:satOff val="0"/>
+                <a:lumOff val="0"/>
+                <a:alphaOff val="0"/>
+                <a:satMod val="103000"/>
+                <a:lumMod val="102000"/>
+                <a:tint val="94000"/>
+              </a:schemeClr>
+            </a:gs>
+            <a:gs pos="50000">
+              <a:schemeClr val="accent1">
+                <a:hueOff val="0"/>
+                <a:satOff val="0"/>
+                <a:lumOff val="0"/>
+                <a:alphaOff val="0"/>
+                <a:satMod val="110000"/>
+                <a:lumMod val="100000"/>
+                <a:shade val="100000"/>
+              </a:schemeClr>
+            </a:gs>
+            <a:gs pos="100000">
+              <a:schemeClr val="accent1">
+                <a:hueOff val="0"/>
+                <a:satOff val="0"/>
+                <a:lumOff val="0"/>
+                <a:alphaOff val="0"/>
+                <a:lumMod val="99000"/>
+                <a:satMod val="120000"/>
+                <a:shade val="78000"/>
+              </a:schemeClr>
+            </a:gs>
+          </a:gsLst>
+          <a:lin ang="5400000" scaled="0"/>
+        </a:gradFill>
+        <a:ln>
+          <a:noFill/>
+        </a:ln>
+        <a:effectLst/>
+        <a:scene3d>
+          <a:camera prst="orthographicFront"/>
+          <a:lightRig rig="threePt" dir="t">
+            <a:rot lat="0" lon="0" rev="7500000"/>
+          </a:lightRig>
+        </a:scene3d>
+        <a:sp3d prstMaterial="plastic">
+          <a:bevelT w="127000" h="25400" prst="relaxedInset"/>
+        </a:sp3d>
+      </dsp:spPr>
+      <dsp:style>
+        <a:lnRef idx="0">
+          <a:scrgbClr r="0" g="0" b="0"/>
+        </a:lnRef>
+        <a:fillRef idx="3">
+          <a:scrgbClr r="0" g="0" b="0"/>
+        </a:fillRef>
+        <a:effectRef idx="2">
+          <a:scrgbClr r="0" g="0" b="0"/>
+        </a:effectRef>
+        <a:fontRef idx="minor">
+          <a:schemeClr val="lt1"/>
+        </a:fontRef>
+      </dsp:style>
+      <dsp:txBody>
+        <a:bodyPr spcFirstLastPara="0" vert="horz" wrap="square" lIns="106680" tIns="106680" rIns="106680" bIns="106680" numCol="1" spcCol="1270" anchor="ctr" anchorCtr="0">
+          <a:noAutofit/>
+        </a:bodyPr>
+        <a:lstStyle/>
+        <a:p>
+          <a:pPr lvl="0" algn="ctr" defTabSz="666750" latinLnBrk="1">
+            <a:lnSpc>
+              <a:spcPct val="90000"/>
+            </a:lnSpc>
+            <a:spcBef>
+              <a:spcPct val="0"/>
+            </a:spcBef>
+            <a:spcAft>
+              <a:spcPct val="35000"/>
+            </a:spcAft>
+          </a:pPr>
+          <a:r>
+            <a:rPr lang="ko-KR" altLang="en-US" sz="1500" kern="1200" dirty="0" err="1" smtClean="0"/>
+            <a:t>소변불편함</a:t>
+          </a:r>
+          <a:r>
+            <a:rPr lang="ko-KR" altLang="en-US" sz="1500" kern="1200" dirty="0" smtClean="0"/>
+            <a:t> 다시 발생</a:t>
+          </a:r>
+          <a:endParaRPr lang="ko-KR" altLang="en-US" sz="1500" kern="1200" dirty="0"/>
+        </a:p>
+      </dsp:txBody>
+      <dsp:txXfrm>
+        <a:off x="3623443" y="3684016"/>
+        <a:ext cx="2217539" cy="1330523"/>
+      </dsp:txXfrm>
+    </dsp:sp>
+    <dsp:sp modelId="{A9CBDA74-3FFC-4C31-9B03-42A22C30FFB9}">
+      <dsp:nvSpPr>
+        <dsp:cNvPr id="0" name=""/>
+        <dsp:cNvSpPr/>
+      </dsp:nvSpPr>
+      <dsp:spPr>
+        <a:xfrm>
+          <a:off x="8566756" y="4303558"/>
+          <a:ext cx="479433" cy="91440"/>
+        </a:xfrm>
+        <a:custGeom>
+          <a:avLst/>
+          <a:gdLst/>
+          <a:ahLst/>
+          <a:cxnLst/>
+          <a:rect l="0" t="0" r="0" b="0"/>
+          <a:pathLst>
+            <a:path>
+              <a:moveTo>
+                <a:pt x="0" y="45720"/>
+              </a:moveTo>
+              <a:lnTo>
+                <a:pt x="479433" y="45720"/>
+              </a:lnTo>
+            </a:path>
+          </a:pathLst>
+        </a:custGeom>
+        <a:noFill/>
+        <a:ln w="6350" cap="flat" cmpd="sng" algn="ctr">
+          <a:solidFill>
+            <a:schemeClr val="accent1">
+              <a:hueOff val="0"/>
+              <a:satOff val="0"/>
+              <a:lumOff val="0"/>
+              <a:alphaOff val="0"/>
+            </a:schemeClr>
+          </a:solidFill>
+          <a:prstDash val="solid"/>
+          <a:miter lim="800000"/>
+          <a:tailEnd type="arrow"/>
+        </a:ln>
+        <a:effectLst/>
+        <a:scene3d>
+          <a:camera prst="orthographicFront"/>
+          <a:lightRig rig="threePt" dir="t">
+            <a:rot lat="0" lon="0" rev="7500000"/>
+          </a:lightRig>
+        </a:scene3d>
+        <a:sp3d z="-40000" prstMaterial="matte"/>
+      </dsp:spPr>
+      <dsp:style>
+        <a:lnRef idx="1">
+          <a:scrgbClr r="0" g="0" b="0"/>
+        </a:lnRef>
+        <a:fillRef idx="0">
+          <a:scrgbClr r="0" g="0" b="0"/>
+        </a:fillRef>
+        <a:effectRef idx="0">
+          <a:scrgbClr r="0" g="0" b="0"/>
+        </a:effectRef>
+        <a:fontRef idx="minor"/>
+      </dsp:style>
+      <dsp:txBody>
+        <a:bodyPr spcFirstLastPara="0" vert="horz" wrap="square" lIns="12700" tIns="0" rIns="12700" bIns="0" numCol="1" spcCol="1270" anchor="ctr" anchorCtr="0">
+          <a:noAutofit/>
+        </a:bodyPr>
+        <a:lstStyle/>
+        <a:p>
+          <a:pPr lvl="0" algn="ctr" defTabSz="222250" latinLnBrk="1">
+            <a:lnSpc>
+              <a:spcPct val="90000"/>
+            </a:lnSpc>
+            <a:spcBef>
+              <a:spcPct val="0"/>
+            </a:spcBef>
+            <a:spcAft>
+              <a:spcPct val="35000"/>
+            </a:spcAft>
+          </a:pPr>
+          <a:endParaRPr lang="ko-KR" altLang="en-US" sz="500" kern="1200"/>
+        </a:p>
+      </dsp:txBody>
+      <dsp:txXfrm>
+        <a:off x="8793722" y="4346728"/>
+        <a:ext cx="25501" cy="5100"/>
+      </dsp:txXfrm>
+    </dsp:sp>
+    <dsp:sp modelId="{23721B35-F5F1-49DC-B006-1BC1E0AD882D}">
+      <dsp:nvSpPr>
+        <dsp:cNvPr id="0" name=""/>
+        <dsp:cNvSpPr/>
+      </dsp:nvSpPr>
+      <dsp:spPr>
+        <a:xfrm>
+          <a:off x="6351016" y="3684016"/>
+          <a:ext cx="2217539" cy="1330523"/>
+        </a:xfrm>
+        <a:prstGeom prst="rect">
+          <a:avLst/>
+        </a:prstGeom>
+        <a:gradFill rotWithShape="0">
+          <a:gsLst>
+            <a:gs pos="0">
+              <a:schemeClr val="accent1">
+                <a:hueOff val="0"/>
+                <a:satOff val="0"/>
+                <a:lumOff val="0"/>
+                <a:alphaOff val="0"/>
+                <a:satMod val="103000"/>
+                <a:lumMod val="102000"/>
+                <a:tint val="94000"/>
+              </a:schemeClr>
+            </a:gs>
+            <a:gs pos="50000">
+              <a:schemeClr val="accent1">
+                <a:hueOff val="0"/>
+                <a:satOff val="0"/>
+                <a:lumOff val="0"/>
+                <a:alphaOff val="0"/>
+                <a:satMod val="110000"/>
+                <a:lumMod val="100000"/>
+                <a:shade val="100000"/>
+              </a:schemeClr>
+            </a:gs>
+            <a:gs pos="100000">
+              <a:schemeClr val="accent1">
+                <a:hueOff val="0"/>
+                <a:satOff val="0"/>
+                <a:lumOff val="0"/>
+                <a:alphaOff val="0"/>
+                <a:lumMod val="99000"/>
+                <a:satMod val="120000"/>
+                <a:shade val="78000"/>
+              </a:schemeClr>
+            </a:gs>
+          </a:gsLst>
+          <a:lin ang="5400000" scaled="0"/>
+        </a:gradFill>
+        <a:ln>
+          <a:noFill/>
+        </a:ln>
+        <a:effectLst/>
+        <a:scene3d>
+          <a:camera prst="orthographicFront"/>
+          <a:lightRig rig="threePt" dir="t">
+            <a:rot lat="0" lon="0" rev="7500000"/>
+          </a:lightRig>
+        </a:scene3d>
+        <a:sp3d prstMaterial="plastic">
+          <a:bevelT w="127000" h="25400" prst="relaxedInset"/>
+        </a:sp3d>
+      </dsp:spPr>
+      <dsp:style>
+        <a:lnRef idx="0">
+          <a:scrgbClr r="0" g="0" b="0"/>
+        </a:lnRef>
+        <a:fillRef idx="3">
+          <a:scrgbClr r="0" g="0" b="0"/>
+        </a:fillRef>
+        <a:effectRef idx="2">
+          <a:scrgbClr r="0" g="0" b="0"/>
+        </a:effectRef>
+        <a:fontRef idx="minor">
+          <a:schemeClr val="lt1"/>
+        </a:fontRef>
+      </dsp:style>
+      <dsp:txBody>
+        <a:bodyPr spcFirstLastPara="0" vert="horz" wrap="square" lIns="106680" tIns="106680" rIns="106680" bIns="106680" numCol="1" spcCol="1270" anchor="ctr" anchorCtr="0">
+          <a:noAutofit/>
+        </a:bodyPr>
+        <a:lstStyle/>
+        <a:p>
+          <a:pPr lvl="0" algn="ctr" defTabSz="666750" latinLnBrk="1">
+            <a:lnSpc>
+              <a:spcPct val="90000"/>
+            </a:lnSpc>
+            <a:spcBef>
+              <a:spcPct val="0"/>
+            </a:spcBef>
+            <a:spcAft>
+              <a:spcPct val="35000"/>
+            </a:spcAft>
+          </a:pPr>
+          <a:r>
+            <a:rPr lang="en-US" altLang="ko-KR" sz="1500" kern="1200" dirty="0" smtClean="0"/>
+            <a:t>Oxycodone </a:t>
+          </a:r>
+          <a:r>
+            <a:rPr lang="ko-KR" altLang="en-US" sz="1500" kern="1200" dirty="0" smtClean="0"/>
+            <a:t>증량</a:t>
+          </a:r>
+          <a:r>
+            <a:rPr lang="en-US" altLang="ko-KR" sz="1500" kern="1200" dirty="0" smtClean="0"/>
+            <a:t>, buprenorphine patch</a:t>
+          </a:r>
+          <a:r>
+            <a:rPr lang="ko-KR" altLang="en-US" sz="1500" kern="1200" dirty="0" smtClean="0"/>
+            <a:t>추가</a:t>
+          </a:r>
+          <a:endParaRPr lang="ko-KR" altLang="en-US" sz="1500" kern="1200" dirty="0"/>
+        </a:p>
+      </dsp:txBody>
+      <dsp:txXfrm>
+        <a:off x="6351016" y="3684016"/>
+        <a:ext cx="2217539" cy="1330523"/>
+      </dsp:txXfrm>
+    </dsp:sp>
+    <dsp:sp modelId="{50422C64-53CD-4107-A76F-FE27A233D737}">
+      <dsp:nvSpPr>
+        <dsp:cNvPr id="0" name=""/>
+        <dsp:cNvSpPr/>
+      </dsp:nvSpPr>
+      <dsp:spPr>
+        <a:xfrm>
+          <a:off x="2004640" y="5012740"/>
+          <a:ext cx="8182719" cy="479433"/>
+        </a:xfrm>
+        <a:custGeom>
+          <a:avLst/>
+          <a:gdLst/>
+          <a:ahLst/>
+          <a:cxnLst/>
+          <a:rect l="0" t="0" r="0" b="0"/>
+          <a:pathLst>
+            <a:path>
+              <a:moveTo>
+                <a:pt x="8182719" y="0"/>
+              </a:moveTo>
+              <a:lnTo>
+                <a:pt x="8182719" y="256816"/>
+              </a:lnTo>
+              <a:lnTo>
+                <a:pt x="0" y="256816"/>
+              </a:lnTo>
+              <a:lnTo>
+                <a:pt x="0" y="479433"/>
+              </a:lnTo>
+            </a:path>
+          </a:pathLst>
+        </a:custGeom>
+        <a:noFill/>
+        <a:ln w="6350" cap="flat" cmpd="sng" algn="ctr">
+          <a:solidFill>
+            <a:schemeClr val="accent1">
+              <a:hueOff val="0"/>
+              <a:satOff val="0"/>
+              <a:lumOff val="0"/>
+              <a:alphaOff val="0"/>
+            </a:schemeClr>
+          </a:solidFill>
+          <a:prstDash val="solid"/>
+          <a:miter lim="800000"/>
+          <a:tailEnd type="arrow"/>
+        </a:ln>
+        <a:effectLst/>
+        <a:scene3d>
+          <a:camera prst="orthographicFront"/>
+          <a:lightRig rig="threePt" dir="t">
+            <a:rot lat="0" lon="0" rev="7500000"/>
+          </a:lightRig>
+        </a:scene3d>
+        <a:sp3d z="-40000" prstMaterial="matte"/>
+      </dsp:spPr>
+      <dsp:style>
+        <a:lnRef idx="1">
+          <a:scrgbClr r="0" g="0" b="0"/>
+        </a:lnRef>
+        <a:fillRef idx="0">
+          <a:scrgbClr r="0" g="0" b="0"/>
+        </a:fillRef>
+        <a:effectRef idx="0">
+          <a:scrgbClr r="0" g="0" b="0"/>
+        </a:effectRef>
+        <a:fontRef idx="minor"/>
+      </dsp:style>
+      <dsp:txBody>
+        <a:bodyPr spcFirstLastPara="0" vert="horz" wrap="square" lIns="12700" tIns="0" rIns="12700" bIns="0" numCol="1" spcCol="1270" anchor="ctr" anchorCtr="0">
+          <a:noAutofit/>
+        </a:bodyPr>
+        <a:lstStyle/>
+        <a:p>
+          <a:pPr lvl="0" algn="ctr" defTabSz="222250" latinLnBrk="1">
+            <a:lnSpc>
+              <a:spcPct val="90000"/>
+            </a:lnSpc>
+            <a:spcBef>
+              <a:spcPct val="0"/>
+            </a:spcBef>
+            <a:spcAft>
+              <a:spcPct val="35000"/>
+            </a:spcAft>
+          </a:pPr>
+          <a:endParaRPr lang="ko-KR" altLang="en-US" sz="500" kern="1200"/>
+        </a:p>
+      </dsp:txBody>
+      <dsp:txXfrm>
+        <a:off x="5891035" y="5249907"/>
+        <a:ext cx="409929" cy="5100"/>
+      </dsp:txXfrm>
+    </dsp:sp>
+    <dsp:sp modelId="{F20EBC16-6695-4485-AD11-C98CE2865025}">
+      <dsp:nvSpPr>
+        <dsp:cNvPr id="0" name=""/>
+        <dsp:cNvSpPr/>
+      </dsp:nvSpPr>
+      <dsp:spPr>
+        <a:xfrm>
+          <a:off x="9078590" y="3684016"/>
+          <a:ext cx="2217539" cy="1330523"/>
+        </a:xfrm>
+        <a:prstGeom prst="rect">
+          <a:avLst/>
+        </a:prstGeom>
+        <a:gradFill rotWithShape="0">
+          <a:gsLst>
+            <a:gs pos="0">
+              <a:schemeClr val="accent1">
+                <a:hueOff val="0"/>
+                <a:satOff val="0"/>
+                <a:lumOff val="0"/>
+                <a:alphaOff val="0"/>
+                <a:satMod val="103000"/>
+                <a:lumMod val="102000"/>
+                <a:tint val="94000"/>
+              </a:schemeClr>
+            </a:gs>
+            <a:gs pos="50000">
+              <a:schemeClr val="accent1">
+                <a:hueOff val="0"/>
+                <a:satOff val="0"/>
+                <a:lumOff val="0"/>
+                <a:alphaOff val="0"/>
+                <a:satMod val="110000"/>
+                <a:lumMod val="100000"/>
+                <a:shade val="100000"/>
+              </a:schemeClr>
+            </a:gs>
+            <a:gs pos="100000">
+              <a:schemeClr val="accent1">
+                <a:hueOff val="0"/>
+                <a:satOff val="0"/>
+                <a:lumOff val="0"/>
+                <a:alphaOff val="0"/>
+                <a:lumMod val="99000"/>
+                <a:satMod val="120000"/>
+                <a:shade val="78000"/>
+              </a:schemeClr>
+            </a:gs>
+          </a:gsLst>
+          <a:lin ang="5400000" scaled="0"/>
+        </a:gradFill>
+        <a:ln>
+          <a:noFill/>
+        </a:ln>
+        <a:effectLst/>
+        <a:scene3d>
+          <a:camera prst="orthographicFront"/>
+          <a:lightRig rig="threePt" dir="t">
+            <a:rot lat="0" lon="0" rev="7500000"/>
+          </a:lightRig>
+        </a:scene3d>
+        <a:sp3d prstMaterial="plastic">
+          <a:bevelT w="127000" h="25400" prst="relaxedInset"/>
+        </a:sp3d>
+      </dsp:spPr>
+      <dsp:style>
+        <a:lnRef idx="0">
+          <a:scrgbClr r="0" g="0" b="0"/>
+        </a:lnRef>
+        <a:fillRef idx="3">
+          <a:scrgbClr r="0" g="0" b="0"/>
+        </a:fillRef>
+        <a:effectRef idx="2">
+          <a:scrgbClr r="0" g="0" b="0"/>
+        </a:effectRef>
+        <a:fontRef idx="minor">
+          <a:schemeClr val="lt1"/>
+        </a:fontRef>
+      </dsp:style>
+      <dsp:txBody>
+        <a:bodyPr spcFirstLastPara="0" vert="horz" wrap="square" lIns="106680" tIns="106680" rIns="106680" bIns="106680" numCol="1" spcCol="1270" anchor="ctr" anchorCtr="0">
+          <a:noAutofit/>
+        </a:bodyPr>
+        <a:lstStyle/>
+        <a:p>
+          <a:pPr lvl="0" algn="ctr" defTabSz="666750" latinLnBrk="1">
+            <a:lnSpc>
+              <a:spcPct val="90000"/>
+            </a:lnSpc>
+            <a:spcBef>
+              <a:spcPct val="0"/>
+            </a:spcBef>
+            <a:spcAft>
+              <a:spcPct val="35000"/>
+            </a:spcAft>
+          </a:pPr>
+          <a:r>
+            <a:rPr lang="ko-KR" altLang="en-US" sz="1500" kern="1200" dirty="0" err="1" smtClean="0"/>
+            <a:t>소변불편함</a:t>
+          </a:r>
+          <a:r>
+            <a:rPr lang="ko-KR" altLang="en-US" sz="1500" kern="1200" dirty="0" smtClean="0"/>
+            <a:t> 지속되어 </a:t>
+          </a:r>
+          <a:r>
+            <a:rPr lang="en-US" altLang="ko-KR" sz="1500" kern="1200" dirty="0" smtClean="0"/>
+            <a:t>amitriptyline </a:t>
+          </a:r>
+          <a:r>
+            <a:rPr lang="ko-KR" altLang="en-US" sz="1500" kern="1200" dirty="0" smtClean="0"/>
+            <a:t>또 감량</a:t>
+          </a:r>
+          <a:r>
+            <a:rPr lang="en-US" altLang="ko-KR" sz="1500" kern="1200" dirty="0" smtClean="0"/>
+            <a:t>, buprenorphine patch </a:t>
+          </a:r>
+          <a:r>
+            <a:rPr lang="ko-KR" altLang="en-US" sz="1500" kern="1200" dirty="0" smtClean="0"/>
+            <a:t>증량</a:t>
+          </a:r>
+          <a:endParaRPr lang="ko-KR" altLang="en-US" sz="1500" kern="1200" dirty="0"/>
+        </a:p>
+      </dsp:txBody>
+      <dsp:txXfrm>
+        <a:off x="9078590" y="3684016"/>
+        <a:ext cx="2217539" cy="1330523"/>
+      </dsp:txXfrm>
+    </dsp:sp>
+    <dsp:sp modelId="{C7F742DA-3989-4E46-9234-2B4AAD5034F7}">
+      <dsp:nvSpPr>
+        <dsp:cNvPr id="0" name=""/>
+        <dsp:cNvSpPr/>
+      </dsp:nvSpPr>
+      <dsp:spPr>
+        <a:xfrm>
+          <a:off x="3111609" y="6144116"/>
+          <a:ext cx="479433" cy="91440"/>
+        </a:xfrm>
+        <a:custGeom>
+          <a:avLst/>
+          <a:gdLst/>
+          <a:ahLst/>
+          <a:cxnLst/>
+          <a:rect l="0" t="0" r="0" b="0"/>
+          <a:pathLst>
+            <a:path>
+              <a:moveTo>
+                <a:pt x="0" y="45720"/>
+              </a:moveTo>
+              <a:lnTo>
+                <a:pt x="479433" y="45720"/>
+              </a:lnTo>
+            </a:path>
+          </a:pathLst>
+        </a:custGeom>
+        <a:noFill/>
+        <a:ln w="6350" cap="flat" cmpd="sng" algn="ctr">
+          <a:solidFill>
+            <a:schemeClr val="accent1">
+              <a:hueOff val="0"/>
+              <a:satOff val="0"/>
+              <a:lumOff val="0"/>
+              <a:alphaOff val="0"/>
+            </a:schemeClr>
+          </a:solidFill>
+          <a:prstDash val="solid"/>
+          <a:miter lim="800000"/>
+          <a:tailEnd type="arrow"/>
+        </a:ln>
+        <a:effectLst/>
+        <a:scene3d>
+          <a:camera prst="orthographicFront"/>
+          <a:lightRig rig="threePt" dir="t">
+            <a:rot lat="0" lon="0" rev="7500000"/>
+          </a:lightRig>
+        </a:scene3d>
+        <a:sp3d z="-40000" prstMaterial="matte"/>
+      </dsp:spPr>
+      <dsp:style>
+        <a:lnRef idx="1">
+          <a:scrgbClr r="0" g="0" b="0"/>
+        </a:lnRef>
+        <a:fillRef idx="0">
+          <a:scrgbClr r="0" g="0" b="0"/>
+        </a:fillRef>
+        <a:effectRef idx="0">
+          <a:scrgbClr r="0" g="0" b="0"/>
+        </a:effectRef>
+        <a:fontRef idx="minor"/>
+      </dsp:style>
+      <dsp:txBody>
+        <a:bodyPr spcFirstLastPara="0" vert="horz" wrap="square" lIns="12700" tIns="0" rIns="12700" bIns="0" numCol="1" spcCol="1270" anchor="ctr" anchorCtr="0">
+          <a:noAutofit/>
+        </a:bodyPr>
+        <a:lstStyle/>
+        <a:p>
+          <a:pPr lvl="0" algn="ctr" defTabSz="222250" latinLnBrk="1">
+            <a:lnSpc>
+              <a:spcPct val="90000"/>
+            </a:lnSpc>
+            <a:spcBef>
+              <a:spcPct val="0"/>
+            </a:spcBef>
+            <a:spcAft>
+              <a:spcPct val="35000"/>
+            </a:spcAft>
+          </a:pPr>
+          <a:endParaRPr lang="ko-KR" altLang="en-US" sz="500" kern="1200"/>
+        </a:p>
+      </dsp:txBody>
+      <dsp:txXfrm>
+        <a:off x="3338576" y="6187285"/>
+        <a:ext cx="25501" cy="5100"/>
+      </dsp:txXfrm>
+    </dsp:sp>
+    <dsp:sp modelId="{E7FD4B0B-95A8-498E-BAB4-C1073A6402E1}">
+      <dsp:nvSpPr>
+        <dsp:cNvPr id="0" name=""/>
+        <dsp:cNvSpPr/>
+      </dsp:nvSpPr>
+      <dsp:spPr>
+        <a:xfrm>
+          <a:off x="895870" y="5524574"/>
+          <a:ext cx="2217539" cy="1330523"/>
+        </a:xfrm>
+        <a:prstGeom prst="rect">
+          <a:avLst/>
+        </a:prstGeom>
+        <a:gradFill rotWithShape="0">
+          <a:gsLst>
+            <a:gs pos="0">
+              <a:schemeClr val="accent1">
+                <a:hueOff val="0"/>
+                <a:satOff val="0"/>
+                <a:lumOff val="0"/>
+                <a:alphaOff val="0"/>
+                <a:satMod val="103000"/>
+                <a:lumMod val="102000"/>
+                <a:tint val="94000"/>
+              </a:schemeClr>
+            </a:gs>
+            <a:gs pos="50000">
+              <a:schemeClr val="accent1">
+                <a:hueOff val="0"/>
+                <a:satOff val="0"/>
+                <a:lumOff val="0"/>
+                <a:alphaOff val="0"/>
+                <a:satMod val="110000"/>
+                <a:lumMod val="100000"/>
+                <a:shade val="100000"/>
+              </a:schemeClr>
+            </a:gs>
+            <a:gs pos="100000">
+              <a:schemeClr val="accent1">
+                <a:hueOff val="0"/>
+                <a:satOff val="0"/>
+                <a:lumOff val="0"/>
+                <a:alphaOff val="0"/>
+                <a:lumMod val="99000"/>
+                <a:satMod val="120000"/>
+                <a:shade val="78000"/>
+              </a:schemeClr>
+            </a:gs>
+          </a:gsLst>
+          <a:lin ang="5400000" scaled="0"/>
+        </a:gradFill>
+        <a:ln>
+          <a:noFill/>
+        </a:ln>
+        <a:effectLst/>
+        <a:scene3d>
+          <a:camera prst="orthographicFront"/>
+          <a:lightRig rig="threePt" dir="t">
+            <a:rot lat="0" lon="0" rev="7500000"/>
+          </a:lightRig>
+        </a:scene3d>
+        <a:sp3d prstMaterial="plastic">
+          <a:bevelT w="127000" h="25400" prst="relaxedInset"/>
+        </a:sp3d>
+      </dsp:spPr>
+      <dsp:style>
+        <a:lnRef idx="0">
+          <a:scrgbClr r="0" g="0" b="0"/>
+        </a:lnRef>
+        <a:fillRef idx="3">
+          <a:scrgbClr r="0" g="0" b="0"/>
+        </a:fillRef>
+        <a:effectRef idx="2">
+          <a:scrgbClr r="0" g="0" b="0"/>
+        </a:effectRef>
+        <a:fontRef idx="minor">
+          <a:schemeClr val="lt1"/>
+        </a:fontRef>
+      </dsp:style>
+      <dsp:txBody>
+        <a:bodyPr spcFirstLastPara="0" vert="horz" wrap="square" lIns="106680" tIns="106680" rIns="106680" bIns="106680" numCol="1" spcCol="1270" anchor="ctr" anchorCtr="0">
+          <a:noAutofit/>
+        </a:bodyPr>
+        <a:lstStyle/>
+        <a:p>
+          <a:pPr lvl="0" algn="ctr" defTabSz="666750" latinLnBrk="1">
+            <a:lnSpc>
+              <a:spcPct val="90000"/>
+            </a:lnSpc>
+            <a:spcBef>
+              <a:spcPct val="0"/>
+            </a:spcBef>
+            <a:spcAft>
+              <a:spcPct val="35000"/>
+            </a:spcAft>
+          </a:pPr>
+          <a:r>
+            <a:rPr lang="ko-KR" altLang="en-US" sz="1500" kern="1200" dirty="0" err="1" smtClean="0"/>
+            <a:t>기립성</a:t>
+          </a:r>
+          <a:r>
+            <a:rPr lang="ko-KR" altLang="en-US" sz="1500" kern="1200" dirty="0" smtClean="0"/>
+            <a:t> 어지럼 및 전신적인 떨림 발생</a:t>
+          </a:r>
+          <a:r>
+            <a:rPr lang="en-US" altLang="ko-KR" sz="1500" kern="1200" dirty="0" smtClean="0"/>
+            <a:t>. Oxycodone, amitriptyline</a:t>
+          </a:r>
+          <a:r>
+            <a:rPr lang="ko-KR" altLang="en-US" sz="1500" kern="1200" dirty="0" smtClean="0"/>
+            <a:t>은 중단</a:t>
+          </a:r>
+          <a:r>
+            <a:rPr lang="en-US" altLang="ko-KR" sz="1500" kern="1200" dirty="0" smtClean="0"/>
+            <a:t>. </a:t>
+          </a:r>
+          <a:endParaRPr lang="ko-KR" altLang="en-US" sz="1500" kern="1200" dirty="0"/>
+        </a:p>
+      </dsp:txBody>
+      <dsp:txXfrm>
+        <a:off x="895870" y="5524574"/>
+        <a:ext cx="2217539" cy="1330523"/>
+      </dsp:txXfrm>
+    </dsp:sp>
+    <dsp:sp modelId="{220150E1-98BD-46D5-B1EE-75D15C6975DF}">
+      <dsp:nvSpPr>
+        <dsp:cNvPr id="0" name=""/>
+        <dsp:cNvSpPr/>
+      </dsp:nvSpPr>
+      <dsp:spPr>
+        <a:xfrm>
+          <a:off x="3623443" y="5524574"/>
+          <a:ext cx="2217539" cy="1330523"/>
+        </a:xfrm>
+        <a:prstGeom prst="rect">
+          <a:avLst/>
+        </a:prstGeom>
+        <a:gradFill rotWithShape="0">
+          <a:gsLst>
+            <a:gs pos="0">
+              <a:schemeClr val="accent1">
+                <a:hueOff val="0"/>
+                <a:satOff val="0"/>
+                <a:lumOff val="0"/>
+                <a:alphaOff val="0"/>
+                <a:satMod val="103000"/>
+                <a:lumMod val="102000"/>
+                <a:tint val="94000"/>
+              </a:schemeClr>
+            </a:gs>
+            <a:gs pos="50000">
+              <a:schemeClr val="accent1">
+                <a:hueOff val="0"/>
+                <a:satOff val="0"/>
+                <a:lumOff val="0"/>
+                <a:alphaOff val="0"/>
+                <a:satMod val="110000"/>
+                <a:lumMod val="100000"/>
+                <a:shade val="100000"/>
+              </a:schemeClr>
+            </a:gs>
+            <a:gs pos="100000">
+              <a:schemeClr val="accent1">
+                <a:hueOff val="0"/>
+                <a:satOff val="0"/>
+                <a:lumOff val="0"/>
+                <a:alphaOff val="0"/>
+                <a:lumMod val="99000"/>
+                <a:satMod val="120000"/>
+                <a:shade val="78000"/>
+              </a:schemeClr>
+            </a:gs>
+          </a:gsLst>
+          <a:lin ang="5400000" scaled="0"/>
+        </a:gradFill>
+        <a:ln>
+          <a:noFill/>
+        </a:ln>
+        <a:effectLst/>
+        <a:scene3d>
+          <a:camera prst="orthographicFront"/>
+          <a:lightRig rig="threePt" dir="t">
+            <a:rot lat="0" lon="0" rev="7500000"/>
+          </a:lightRig>
+        </a:scene3d>
+        <a:sp3d prstMaterial="plastic">
+          <a:bevelT w="127000" h="25400" prst="relaxedInset"/>
+        </a:sp3d>
+      </dsp:spPr>
+      <dsp:style>
+        <a:lnRef idx="0">
+          <a:scrgbClr r="0" g="0" b="0"/>
+        </a:lnRef>
+        <a:fillRef idx="3">
+          <a:scrgbClr r="0" g="0" b="0"/>
+        </a:fillRef>
+        <a:effectRef idx="2">
+          <a:scrgbClr r="0" g="0" b="0"/>
+        </a:effectRef>
+        <a:fontRef idx="minor">
+          <a:schemeClr val="lt1"/>
+        </a:fontRef>
+      </dsp:style>
+      <dsp:txBody>
+        <a:bodyPr spcFirstLastPara="0" vert="horz" wrap="square" lIns="106680" tIns="106680" rIns="106680" bIns="106680" numCol="1" spcCol="1270" anchor="ctr" anchorCtr="0">
+          <a:noAutofit/>
+        </a:bodyPr>
+        <a:lstStyle/>
+        <a:p>
+          <a:pPr lvl="0" algn="ctr" defTabSz="666750" latinLnBrk="1">
+            <a:lnSpc>
+              <a:spcPct val="90000"/>
+            </a:lnSpc>
+            <a:spcBef>
+              <a:spcPct val="0"/>
+            </a:spcBef>
+            <a:spcAft>
+              <a:spcPct val="35000"/>
+            </a:spcAft>
+          </a:pPr>
+          <a:r>
+            <a:rPr lang="ko-KR" altLang="en-US" sz="1500" kern="1200" dirty="0" err="1" smtClean="0"/>
+            <a:t>떨림증상</a:t>
+          </a:r>
+          <a:r>
+            <a:rPr lang="ko-KR" altLang="en-US" sz="1500" kern="1200" dirty="0" smtClean="0"/>
+            <a:t> 호전</a:t>
+          </a:r>
+          <a:r>
+            <a:rPr lang="en-US" altLang="ko-KR" sz="1500" kern="1200" dirty="0" smtClean="0"/>
+            <a:t>, </a:t>
+          </a:r>
+          <a:r>
+            <a:rPr lang="ko-KR" altLang="en-US" sz="1500" kern="1200" dirty="0" err="1" smtClean="0"/>
+            <a:t>기립성</a:t>
+          </a:r>
+          <a:r>
+            <a:rPr lang="ko-KR" altLang="en-US" sz="1500" kern="1200" dirty="0" smtClean="0"/>
+            <a:t> 어지럼 없어짐</a:t>
+          </a:r>
+          <a:r>
+            <a:rPr lang="en-US" altLang="ko-KR" sz="1500" kern="1200" dirty="0" smtClean="0"/>
+            <a:t>. </a:t>
+          </a:r>
+          <a:r>
+            <a:rPr lang="ko-KR" altLang="en-US" sz="1500" kern="1200" dirty="0" err="1" smtClean="0"/>
+            <a:t>저림은</a:t>
+          </a:r>
+          <a:r>
+            <a:rPr lang="ko-KR" altLang="en-US" sz="1500" kern="1200" dirty="0" smtClean="0"/>
+            <a:t> 아직도 </a:t>
+          </a:r>
+          <a:r>
+            <a:rPr lang="ko-KR" altLang="en-US" sz="1500" kern="1200" dirty="0" err="1" smtClean="0"/>
+            <a:t>호소중</a:t>
+          </a:r>
+          <a:endParaRPr lang="ko-KR" altLang="en-US" sz="1500" kern="1200" dirty="0"/>
+        </a:p>
+      </dsp:txBody>
+      <dsp:txXfrm>
+        <a:off x="3623443" y="5524574"/>
+        <a:ext cx="2217539" cy="1330523"/>
+      </dsp:txXfrm>
+    </dsp:sp>
+  </dsp:spTree>
+</dsp:drawing>
+</file>
+
+<file path=ppt/diagrams/layout1.xml><?xml version="1.0" encoding="utf-8"?>
+<dgm:layoutDef xmlns:dgm="http://schemas.openxmlformats.org/drawingml/2006/diagram" xmlns:a="http://schemas.openxmlformats.org/drawingml/2006/main" uniqueId="urn:microsoft.com/office/officeart/2005/8/layout/bProcess3">
+  <dgm:title val=""/>
+  <dgm:desc val=""/>
+  <dgm:catLst>
+    <dgm:cat type="process" pri="18000"/>
+  </dgm:catLst>
+  <dgm:sampData>
+    <dgm:dataModel>
+      <dgm:ptLst>
+        <dgm:pt modelId="0" type="doc"/>
+        <dgm:pt modelId="1">
+          <dgm:prSet phldr="1"/>
+        </dgm:pt>
+        <dgm:pt modelId="2">
+          <dgm:prSet phldr="1"/>
+        </dgm:pt>
+        <dgm:pt modelId="3">
+          <dgm:prSet phldr="1"/>
+        </dgm:pt>
+        <dgm:pt modelId="4">
+          <dgm:prSet phldr="1"/>
+        </dgm:pt>
+        <dgm:pt modelId="5">
+          <dgm:prSet phldr="1"/>
+        </dgm:pt>
+      </dgm:ptLst>
+      <dgm:cxnLst>
+        <dgm:cxn modelId="7" srcId="0" destId="1" srcOrd="0" destOrd="0"/>
+        <dgm:cxn modelId="8" srcId="0" destId="2" srcOrd="1" destOrd="0"/>
+        <dgm:cxn modelId="9" srcId="0" destId="3" srcOrd="2" destOrd="0"/>
+        <dgm:cxn modelId="10" srcId="0" destId="4" srcOrd="3" destOrd="0"/>
+        <dgm:cxn modelId="11" srcId="0" destId="5" srcOrd="4" destOrd="0"/>
+      </dgm:cxnLst>
+      <dgm:bg/>
+      <dgm:whole/>
+    </dgm:dataModel>
+  </dgm:sampData>
+  <dgm:styleData>
+    <dgm:dataModel>
+      <dgm:ptLst>
+        <dgm:pt modelId="0" type="doc"/>
+        <dgm:pt modelId="1"/>
+        <dgm:pt modelId="2"/>
+      </dgm:ptLst>
+      <dgm:cxnLst>
+        <dgm:cxn modelId="3" srcId="0" destId="1" srcOrd="0" destOrd="0"/>
+        <dgm:cxn modelId="4" srcId="0" destId="2" srcOrd="1" destOrd="0"/>
+      </dgm:cxnLst>
+      <dgm:bg/>
+      <dgm:whole/>
+    </dgm:dataModel>
+  </dgm:styleData>
+  <dgm:clrData>
+    <dgm:dataModel>
+      <dgm:ptLst>
+        <dgm:pt modelId="0" type="doc"/>
+        <dgm:pt modelId="1"/>
+        <dgm:pt modelId="2"/>
+        <dgm:pt modelId="3"/>
+        <dgm:pt modelId="4"/>
+      </dgm:ptLst>
+      <dgm:cxnLst>
+        <dgm:cxn modelId="5" srcId="0" destId="1" srcOrd="0" destOrd="0"/>
+        <dgm:cxn modelId="6" srcId="0" destId="2" srcOrd="1" destOrd="0"/>
+        <dgm:cxn modelId="7" srcId="0" destId="3" srcOrd="2" destOrd="0"/>
+        <dgm:cxn modelId="8" srcId="0" destId="4" srcOrd="3" destOrd="0"/>
+      </dgm:cxnLst>
+      <dgm:bg/>
+      <dgm:whole/>
+    </dgm:dataModel>
+  </dgm:clrData>
+  <dgm:layoutNode name="Name0">
+    <dgm:varLst>
+      <dgm:dir/>
+      <dgm:resizeHandles val="exact"/>
+    </dgm:varLst>
+    <dgm:choose name="Name1">
+      <dgm:if name="Name2" axis="self" func="var" arg="dir" op="equ" val="norm">
+        <dgm:alg type="snake">
+          <dgm:param type="grDir" val="tL"/>
+          <dgm:param type="flowDir" val="row"/>
+          <dgm:param type="contDir" val="sameDir"/>
+          <dgm:param type="bkpt" val="endCnv"/>
+        </dgm:alg>
+      </dgm:if>
+      <dgm:else name="Name3">
+        <dgm:alg type="snake">
+          <dgm:param type="grDir" val="tR"/>
+          <dgm:param type="flowDir" val="row"/>
+          <dgm:param type="contDir" val="sameDir"/>
+          <dgm:param type="bkpt" val="endCnv"/>
+        </dgm:alg>
+      </dgm:else>
+    </dgm:choose>
+    <dgm:shape xmlns:r="http://schemas.openxmlformats.org/officeDocument/2006/relationships" r:blip="">
+      <dgm:adjLst/>
+    </dgm:shape>
+    <dgm:presOf/>
+    <dgm:constrLst>
+      <dgm:constr type="w" for="ch" ptType="node" refType="w"/>
+      <dgm:constr type="w" for="ch" forName="sibTrans" refType="w" refFor="ch" refPtType="node" op="equ" fact="0.23"/>
+      <dgm:constr type="sp" refType="w" refFor="ch" refForName="sibTrans" op="equ"/>
+      <dgm:constr type="userB" for="des" forName="connectorText" refType="sp"/>
+      <dgm:constr type="primFontSz" for="ch" ptType="node" op="equ" val="65"/>
+      <dgm:constr type="h" for="ch" ptType="sibTrans" op="equ"/>
+      <dgm:constr type="primFontSz" for="des" forName="connectorText" op="equ" val="55"/>
+      <dgm:constr type="primFontSz" for="des" forName="connectorText" refType="primFontSz" refFor="ch" refPtType="node" op="lte" fact="0.8"/>
+    </dgm:constrLst>
+    <dgm:ruleLst/>
+    <dgm:forEach name="nodesForEach" axis="ch" ptType="node">
+      <dgm:layoutNode name="node">
+        <dgm:varLst>
+          <dgm:bulletEnabled val="1"/>
+        </dgm:varLst>
+        <dgm:alg type="tx"/>
+        <dgm:shape xmlns:r="http://schemas.openxmlformats.org/officeDocument/2006/relationships" type="rect" r:blip="">
+          <dgm:adjLst/>
+        </dgm:shape>
+        <dgm:presOf axis="desOrSelf" ptType="node"/>
+        <dgm:constrLst>
+          <dgm:constr type="h" refType="w" fact="0.6"/>
+        </dgm:constrLst>
+        <dgm:ruleLst>
+          <dgm:rule type="primFontSz" val="5" fact="NaN" max="NaN"/>
+        </dgm:ruleLst>
+      </dgm:layoutNode>
+      <dgm:forEach name="sibTransForEach" axis="followSib" ptType="sibTrans" cnt="1">
+        <dgm:layoutNode name="sibTrans">
+          <dgm:choose name="Name4">
+            <dgm:if name="Name5" axis="self" func="var" arg="dir" op="equ" val="norm">
+              <dgm:alg type="conn">
+                <dgm:param type="connRout" val="bend"/>
+                <dgm:param type="dim" val="1D"/>
+                <dgm:param type="begPts" val="midR bCtr"/>
+                <dgm:param type="endPts" val="midL tCtr"/>
+              </dgm:alg>
+            </dgm:if>
+            <dgm:else name="Name6">
+              <dgm:alg type="conn">
+                <dgm:param type="connRout" val="bend"/>
+                <dgm:param type="dim" val="1D"/>
+                <dgm:param type="begPts" val="midL bCtr"/>
+                <dgm:param type="endPts" val="midR tCtr"/>
+              </dgm:alg>
+            </dgm:else>
+          </dgm:choose>
+          <dgm:shape xmlns:r="http://schemas.openxmlformats.org/officeDocument/2006/relationships" type="conn" r:blip="" zOrderOff="-2">
+            <dgm:adjLst/>
+          </dgm:shape>
+          <dgm:presOf axis="self"/>
+          <dgm:constrLst>
+            <dgm:constr type="begPad" val="-0.05"/>
+            <dgm:constr type="endPad" val="0.9"/>
+            <dgm:constr type="userA" for="ch" refType="connDist"/>
+          </dgm:constrLst>
+          <dgm:ruleLst/>
+          <dgm:layoutNode name="connectorText">
+            <dgm:alg type="tx">
+              <dgm:param type="autoTxRot" val="upr"/>
+            </dgm:alg>
+            <dgm:shape xmlns:r="http://schemas.openxmlformats.org/officeDocument/2006/relationships" type="rect" r:blip="" hideGeom="1">
+              <dgm:adjLst/>
+            </dgm:shape>
+            <dgm:presOf axis="self"/>
+            <dgm:constrLst>
+              <dgm:constr type="userA"/>
+              <dgm:constr type="userB"/>
+              <dgm:constr type="w" refType="userA" fact="0.05"/>
+              <dgm:constr type="h" refType="userB" fact="0.01"/>
+              <dgm:constr type="lMarg" val="1"/>
+              <dgm:constr type="rMarg" val="1"/>
+              <dgm:constr type="tMarg"/>
+              <dgm:constr type="bMarg"/>
+            </dgm:constrLst>
+            <dgm:ruleLst>
+              <dgm:rule type="w" val="NaN" fact="0.6" max="NaN"/>
+              <dgm:rule type="h" val="NaN" fact="0.6" max="NaN"/>
+              <dgm:rule type="primFontSz" val="5" fact="NaN" max="NaN"/>
+            </dgm:ruleLst>
+          </dgm:layoutNode>
+        </dgm:layoutNode>
+      </dgm:forEach>
+    </dgm:forEach>
+  </dgm:layoutNode>
+</dgm:layoutDef>
+</file>
+
+<file path=ppt/diagrams/quickStyle1.xml><?xml version="1.0" encoding="utf-8"?>
+<dgm:styleDef xmlns:dgm="http://schemas.openxmlformats.org/drawingml/2006/diagram" xmlns:a="http://schemas.openxmlformats.org/drawingml/2006/main" uniqueId="urn:microsoft.com/office/officeart/2005/8/quickstyle/3d2">
+  <dgm:title val=""/>
+  <dgm:desc val=""/>
+  <dgm:catLst>
+    <dgm:cat type="3D" pri="11200"/>
+  </dgm:catLst>
+  <dgm:scene3d>
+    <a:camera prst="orthographicFront"/>
+    <a:lightRig rig="threePt" dir="t"/>
+  </dgm:scene3d>
+  <dgm:styleLbl name="node0">
+    <dgm:scene3d>
+      <a:camera prst="orthographicFront"/>
+      <a:lightRig rig="threePt" dir="t">
+        <a:rot lat="0" lon="0" rev="7500000"/>
+      </a:lightRig>
+    </dgm:scene3d>
+    <dgm:sp3d prstMaterial="plastic">
+      <a:bevelT w="127000" h="25400" prst="relaxedInset"/>
+    </dgm:sp3d>
+    <dgm:txPr/>
+    <dgm:style>
+      <a:lnRef idx="0">
+        <a:scrgbClr r="0" g="0" b="0"/>
+      </a:lnRef>
+      <a:fillRef idx="3">
+        <a:scrgbClr r="0" g="0" b="0"/>
+      </a:fillRef>
+      <a:effectRef idx="2">
+        <a:scrgbClr r="0" g="0" b="0"/>
+      </a:effectRef>
+      <a:fontRef idx="minor">
+        <a:schemeClr val="lt1"/>
+      </a:fontRef>
+    </dgm:style>
+  </dgm:styleLbl>
+  <dgm:styleLbl name="lnNode1">
+    <dgm:scene3d>
+      <a:camera prst="orthographicFront"/>
+      <a:lightRig rig="threePt" dir="t">
+        <a:rot lat="0" lon="0" rev="7500000"/>
+      </a:lightRig>
+    </dgm:scene3d>
+    <dgm:sp3d prstMaterial="plastic">
+      <a:bevelT w="127000" h="25400" prst="relaxedInset"/>
+    </dgm:sp3d>
+    <dgm:txPr/>
+    <dgm:style>
+      <a:lnRef idx="1">
+        <a:scrgbClr r="0" g="0" b="0"/>
+      </a:lnRef>
+      <a:fillRef idx="3">
+        <a:scrgbClr r="0" g="0" b="0"/>
+      </a:fillRef>
+      <a:effectRef idx="2">
+        <a:scrgbClr r="0" g="0" b="0"/>
+      </a:effectRef>
+      <a:fontRef idx="minor">
+        <a:schemeClr val="lt1"/>
+      </a:fontRef>
+    </dgm:style>
+  </dgm:styleLbl>
+  <dgm:styleLbl name="vennNode1">
+    <dgm:scene3d>
+      <a:camera prst="orthographicFront"/>
+      <a:lightRig rig="threePt" dir="t">
+        <a:rot lat="0" lon="0" rev="7500000"/>
+      </a:lightRig>
+    </dgm:scene3d>
+    <dgm:sp3d prstMaterial="plastic">
+      <a:bevelT w="127000" h="25400" prst="relaxedInset"/>
+    </dgm:sp3d>
+    <dgm:txPr/>
+    <dgm:style>
+      <a:lnRef idx="0">
+        <a:scrgbClr r="0" g="0" b="0"/>
+      </a:lnRef>
+      <a:fillRef idx="3">
+        <a:scrgbClr r="0" g="0" b="0"/>
+      </a:fillRef>
+      <a:effectRef idx="2">
+        <a:scrgbClr r="0" g="0" b="0"/>
+      </a:effectRef>
+      <a:fontRef idx="minor">
+        <a:schemeClr val="tx1"/>
+      </a:fontRef>
+    </dgm:style>
+  </dgm:styleLbl>
+  <dgm:styleLbl name="alingNode1">
+    <dgm:scene3d>
+      <a:camera prst="orthographicFront"/>
+      <a:lightRig rig="threePt" dir="t">
+        <a:rot lat="0" lon="0" rev="7500000"/>
+      </a:lightRig>
+    </dgm:scene3d>
+    <dgm:sp3d prstMaterial="plastic">
+      <a:bevelT w="127000" h="25400" prst="relaxedInset"/>
+    </dgm:sp3d>
+    <dgm:txPr/>
+    <dgm:style>
+      <a:lnRef idx="0">
+        <a:scrgbClr r="0" g="0" b="0"/>
+      </a:lnRef>
+      <a:fillRef idx="3">
+        <a:scrgbClr r="0" g="0" b="0"/>
+      </a:fillRef>
+      <a:effectRef idx="2">
+        <a:scrgbClr r="0" g="0" b="0"/>
+      </a:effectRef>
+      <a:fontRef idx="minor">
+        <a:schemeClr val="lt1"/>
+      </a:fontRef>
+    </dgm:style>
+  </dgm:styleLbl>
+  <dgm:styleLbl name="node1">
+    <dgm:scene3d>
+      <a:camera prst="orthographicFront"/>
+      <a:lightRig rig="threePt" dir="t">
+        <a:rot lat="0" lon="0" rev="7500000"/>
+      </a:lightRig>
+    </dgm:scene3d>
+    <dgm:sp3d prstMaterial="plastic">
+      <a:bevelT w="127000" h="25400" prst="relaxedInset"/>
+    </dgm:sp3d>
+    <dgm:txPr/>
+    <dgm:style>
+      <a:lnRef idx="0">
+        <a:scrgbClr r="0" g="0" b="0"/>
+      </a:lnRef>
+      <a:fillRef idx="3">
+        <a:scrgbClr r="0" g="0" b="0"/>
+      </a:fillRef>
+      <a:effectRef idx="2">
+        <a:scrgbClr r="0" g="0" b="0"/>
+      </a:effectRef>
+      <a:fontRef idx="minor">
+        <a:schemeClr val="lt1"/>
+      </a:fontRef>
+    </dgm:style>
+  </dgm:styleLbl>
+  <dgm:styleLbl name="node2">
+    <dgm:scene3d>
+      <a:camera prst="orthographicFront"/>
+      <a:lightRig rig="threePt" dir="t">
+        <a:rot lat="0" lon="0" rev="7500000"/>
+      </a:lightRig>
+    </dgm:scene3d>
+    <dgm:sp3d prstMaterial="plastic">
+      <a:bevelT w="127000" h="25400" prst="relaxedInset"/>
+    </dgm:sp3d>
+    <dgm:txPr/>
+    <dgm:style>
+      <a:lnRef idx="0">
+        <a:scrgbClr r="0" g="0" b="0"/>
+      </a:lnRef>
+      <a:fillRef idx="3">
+        <a:scrgbClr r="0" g="0" b="0"/>
+      </a:fillRef>
+      <a:effectRef idx="2">
+        <a:scrgbClr r="0" g="0" b="0"/>
+      </a:effectRef>
+      <a:fontRef idx="minor">
+        <a:schemeClr val="lt1"/>
+      </a:fontRef>
+    </dgm:style>
+  </dgm:styleLbl>
+  <dgm:styleLbl name="node3">
+    <dgm:scene3d>
+      <a:camera prst="orthographicFront"/>
+      <a:lightRig rig="threePt" dir="t">
+        <a:rot lat="0" lon="0" rev="7500000"/>
+      </a:lightRig>
+    </dgm:scene3d>
+    <dgm:sp3d prstMaterial="plastic">
+      <a:bevelT w="127000" h="25400" prst="relaxedInset"/>
+    </dgm:sp3d>
+    <dgm:txPr/>
+    <dgm:style>
+      <a:lnRef idx="0">
+        <a:scrgbClr r="0" g="0" b="0"/>
+      </a:lnRef>
+      <a:fillRef idx="3">
+        <a:scrgbClr r="0" g="0" b="0"/>
+      </a:fillRef>
+      <a:effectRef idx="2">
+        <a:scrgbClr r="0" g="0" b="0"/>
+      </a:effectRef>
+      <a:fontRef idx="minor">
+        <a:schemeClr val="lt1"/>
+      </a:fontRef>
+    </dgm:style>
+  </dgm:styleLbl>
+  <dgm:styleLbl name="node4">
+    <dgm:scene3d>
+      <a:camera prst="orthographicFront"/>
+      <a:lightRig rig="threePt" dir="t">
+        <a:rot lat="0" lon="0" rev="7500000"/>
+      </a:lightRig>
+    </dgm:scene3d>
+    <dgm:sp3d prstMaterial="plastic">
+      <a:bevelT w="127000" h="25400" prst="relaxedInset"/>
+    </dgm:sp3d>
+    <dgm:txPr/>
+    <dgm:style>
+      <a:lnRef idx="0">
+        <a:scrgbClr r="0" g="0" b="0"/>
+      </a:lnRef>
+      <a:fillRef idx="3">
+        <a:scrgbClr r="0" g="0" b="0"/>
+      </a:fillRef>
+      <a:effectRef idx="2">
+        <a:scrgbClr r="0" g="0" b="0"/>
+      </a:effectRef>
+      <a:fontRef idx="minor">
+        <a:schemeClr val="lt1"/>
+      </a:fontRef>
+    </dgm:style>
+  </dgm:styleLbl>
+  <dgm:styleLbl name="fgImgPlace1">
+    <dgm:scene3d>
+      <a:camera prst="orthographicFront"/>
+      <a:lightRig rig="threePt" dir="t">
+        <a:rot lat="0" lon="0" rev="7500000"/>
+      </a:lightRig>
+    </dgm:scene3d>
+    <dgm:sp3d z="152400" extrusionH="63500" prstMaterial="matte">
+      <a:bevelT w="50800" h="19050" prst="relaxedInset"/>
+      <a:contourClr>
+        <a:schemeClr val="bg1"/>
+      </a:contourClr>
+    </dgm:sp3d>
+    <dgm:txPr/>
+    <dgm:style>
+      <a:lnRef idx="0">
+        <a:scrgbClr r="0" g="0" b="0"/>
+      </a:lnRef>
+      <a:fillRef idx="1">
+        <a:scrgbClr r="0" g="0" b="0"/>
+      </a:fillRef>
+      <a:effectRef idx="0">
+        <a:scrgbClr r="0" g="0" b="0"/>
+      </a:effectRef>
+      <a:fontRef idx="minor"/>
+    </dgm:style>
+  </dgm:styleLbl>
+  <dgm:styleLbl name="alignImgPlace1">
+    <dgm:scene3d>
+      <a:camera prst="orthographicFront"/>
+      <a:lightRig rig="threePt" dir="t">
+        <a:rot lat="0" lon="0" rev="7500000"/>
+      </a:lightRig>
+    </dgm:scene3d>
+    <dgm:sp3d z="254000" extrusionH="63500" contourW="12700" prstMaterial="matte">
+      <a:contourClr>
+        <a:schemeClr val="lt1"/>
+      </a:contourClr>
+    </dgm:sp3d>
+    <dgm:txPr/>
+    <dgm:style>
+      <a:lnRef idx="0">
+        <a:scrgbClr r="0" g="0" b="0"/>
+      </a:lnRef>
+      <a:fillRef idx="1">
+        <a:scrgbClr r="0" g="0" b="0"/>
+      </a:fillRef>
+      <a:effectRef idx="0">
+        <a:scrgbClr r="0" g="0" b="0"/>
+      </a:effectRef>
+      <a:fontRef idx="minor"/>
+    </dgm:style>
+  </dgm:styleLbl>
+  <dgm:styleLbl name="bgImgPlace1">
+    <dgm:scene3d>
+      <a:camera prst="orthographicFront"/>
+      <a:lightRig rig="threePt" dir="t">
+        <a:rot lat="0" lon="0" rev="7500000"/>
+      </a:lightRig>
+    </dgm:scene3d>
+    <dgm:sp3d z="-152400" extrusionH="63500" contourW="12700" prstMaterial="matte">
+      <a:contourClr>
+        <a:schemeClr val="lt1"/>
+      </a:contourClr>
+    </dgm:sp3d>
+    <dgm:txPr/>
+    <dgm:style>
+      <a:lnRef idx="0">
+        <a:scrgbClr r="0" g="0" b="0"/>
+      </a:lnRef>
+      <a:fillRef idx="1">
+        <a:scrgbClr r="0" g="0" b="0"/>
+      </a:fillRef>
+      <a:effectRef idx="0">
+        <a:scrgbClr r="0" g="0" b="0"/>
+      </a:effectRef>
+      <a:fontRef idx="minor"/>
+    </dgm:style>
+  </dgm:styleLbl>
+  <dgm:styleLbl name="sibTrans2D1">
+    <dgm:scene3d>
+      <a:camera prst="orthographicFront"/>
+      <a:lightRig rig="threePt" dir="t">
+        <a:rot lat="0" lon="0" rev="7500000"/>
+      </a:lightRig>
+    </dgm:scene3d>
+    <dgm:sp3d z="-70000" extrusionH="63500" prstMaterial="matte">
+      <a:bevelT w="25400" h="6350" prst="relaxedInset"/>
+      <a:contourClr>
+        <a:schemeClr val="bg1"/>
+      </a:contourClr>
+    </dgm:sp3d>
+    <dgm:txPr/>
+    <dgm:style>
+      <a:lnRef idx="0">
+        <a:scrgbClr r="0" g="0" b="0"/>
+      </a:lnRef>
+      <a:fillRef idx="1">
+        <a:scrgbClr r="0" g="0" b="0"/>
+      </a:fillRef>
+      <a:effectRef idx="2">
+        <a:scrgbClr r="0" g="0" b="0"/>
+      </a:effectRef>
+      <a:fontRef idx="minor">
+        <a:schemeClr val="lt1"/>
+      </a:fontRef>
+    </dgm:style>
+  </dgm:styleLbl>
+  <dgm:styleLbl name="fgSibTrans2D1">
+    <dgm:scene3d>
+      <a:camera prst="orthographicFront"/>
+      <a:lightRig rig="threePt" dir="t">
+        <a:rot lat="0" lon="0" rev="7500000"/>
+      </a:lightRig>
+    </dgm:scene3d>
+    <dgm:sp3d z="152400" extrusionH="63500" prstMaterial="matte">
+      <a:bevelT w="25400" h="6350" prst="relaxedInset"/>
+      <a:contourClr>
+        <a:schemeClr val="bg1"/>
+      </a:contourClr>
+    </dgm:sp3d>
+    <dgm:txPr/>
+    <dgm:style>
+      <a:lnRef idx="0">
+        <a:scrgbClr r="0" g="0" b="0"/>
+      </a:lnRef>
+      <a:fillRef idx="1">
+        <a:scrgbClr r="0" g="0" b="0"/>
+      </a:fillRef>
+      <a:effectRef idx="2">
+        <a:scrgbClr r="0" g="0" b="0"/>
+      </a:effectRef>
+      <a:fontRef idx="minor">
+        <a:schemeClr val="lt1"/>
+      </a:fontRef>
+    </dgm:style>
+  </dgm:styleLbl>
+  <dgm:styleLbl name="bgSibTrans2D1">
+    <dgm:scene3d>
+      <a:camera prst="orthographicFront"/>
+      <a:lightRig rig="threePt" dir="t">
+        <a:rot lat="0" lon="0" rev="7500000"/>
+      </a:lightRig>
+    </dgm:scene3d>
+    <dgm:sp3d z="-152400" extrusionH="63500" prstMaterial="matte">
+      <a:bevelT w="25400" h="6350" prst="relaxedInset"/>
+      <a:contourClr>
+        <a:schemeClr val="bg1"/>
+      </a:contourClr>
+    </dgm:sp3d>
+    <dgm:txPr/>
+    <dgm:style>
+      <a:lnRef idx="0">
+        <a:scrgbClr r="0" g="0" b="0"/>
+      </a:lnRef>
+      <a:fillRef idx="1">
+        <a:scrgbClr r="0" g="0" b="0"/>
+      </a:fillRef>
+      <a:effectRef idx="2">
+        <a:scrgbClr r="0" g="0" b="0"/>
+      </a:effectRef>
+      <a:fontRef idx="minor">
+        <a:schemeClr val="lt1"/>
+      </a:fontRef>
+    </dgm:style>
+  </dgm:styleLbl>
+  <dgm:styleLbl name="sibTrans1D1">
+    <dgm:scene3d>
+      <a:camera prst="orthographicFront"/>
+      <a:lightRig rig="threePt" dir="t">
+        <a:rot lat="0" lon="0" rev="7500000"/>
+      </a:lightRig>
+    </dgm:scene3d>
+    <dgm:sp3d z="-40000" prstMaterial="matte"/>
+    <dgm:txPr/>
+    <dgm:style>
+      <a:lnRef idx="1">
+        <a:scrgbClr r="0" g="0" b="0"/>
+      </a:lnRef>
+      <a:fillRef idx="0">
+        <a:scrgbClr r="0" g="0" b="0"/>
+      </a:fillRef>
+      <a:effectRef idx="0">
+        <a:scrgbClr r="0" g="0" b="0"/>
+      </a:effectRef>
+      <a:fontRef idx="minor"/>
+    </dgm:style>
+  </dgm:styleLbl>
+  <dgm:styleLbl name="callout">
+    <dgm:scene3d>
+      <a:camera prst="orthographicFront"/>
+      <a:lightRig rig="threePt" dir="t">
+        <a:rot lat="0" lon="0" rev="7500000"/>
+      </a:lightRig>
+    </dgm:scene3d>
+    <dgm:sp3d z="127000" prstMaterial="matte"/>
+    <dgm:txPr/>
+    <dgm:style>
+      <a:lnRef idx="2">
+        <a:scrgbClr r="0" g="0" b="0"/>
+      </a:lnRef>
+      <a:fillRef idx="1">
+        <a:scrgbClr r="0" g="0" b="0"/>
+      </a:fillRef>
+      <a:effectRef idx="0">
+        <a:scrgbClr r="0" g="0" b="0"/>
+      </a:effectRef>
+      <a:fontRef idx="minor"/>
+    </dgm:style>
+  </dgm:styleLbl>
+  <dgm:styleLbl name="asst0">
+    <dgm:scene3d>
+      <a:camera prst="orthographicFront"/>
+      <a:lightRig rig="threePt" dir="t">
+        <a:rot lat="0" lon="0" rev="7500000"/>
+      </a:lightRig>
+    </dgm:scene3d>
+    <dgm:sp3d prstMaterial="plastic">
+      <a:bevelT w="127000" h="25400" prst="relaxedInset"/>
+    </dgm:sp3d>
+    <dgm:txPr/>
+    <dgm:style>
+      <a:lnRef idx="0">
+        <a:scrgbClr r="0" g="0" b="0"/>
+      </a:lnRef>
+      <a:fillRef idx="3">
+        <a:scrgbClr r="0" g="0" b="0"/>
+      </a:fillRef>
+      <a:effectRef idx="2">
+        <a:scrgbClr r="0" g="0" b="0"/>
+      </a:effectRef>
+      <a:fontRef idx="minor">
+        <a:schemeClr val="lt1"/>
+      </a:fontRef>
+    </dgm:style>
+  </dgm:styleLbl>
+  <dgm:styleLbl name="asst1">
+    <dgm:scene3d>
+      <a:camera prst="orthographicFront"/>
+      <a:lightRig rig="threePt" dir="t">
+        <a:rot lat="0" lon="0" rev="7500000"/>
+      </a:lightRig>
+    </dgm:scene3d>
+    <dgm:sp3d prstMaterial="plastic">
+      <a:bevelT w="127000" h="25400" prst="relaxedInset"/>
+    </dgm:sp3d>
+    <dgm:txPr/>
+    <dgm:style>
+      <a:lnRef idx="0">
+        <a:scrgbClr r="0" g="0" b="0"/>
+      </a:lnRef>
+      <a:fillRef idx="3">
+        <a:scrgbClr r="0" g="0" b="0"/>
+      </a:fillRef>
+      <a:effectRef idx="2">
+        <a:scrgbClr r="0" g="0" b="0"/>
+      </a:effectRef>
+      <a:fontRef idx="minor">
+        <a:schemeClr val="lt1"/>
+      </a:fontRef>
+    </dgm:style>
+  </dgm:styleLbl>
+  <dgm:styleLbl name="asst2">
+    <dgm:scene3d>
+      <a:camera prst="orthographicFront"/>
+      <a:lightRig rig="threePt" dir="t">
+        <a:rot lat="0" lon="0" rev="7500000"/>
+      </a:lightRig>
+    </dgm:scene3d>
+    <dgm:sp3d prstMaterial="plastic">
+      <a:bevelT w="127000" h="25400" prst="relaxedInset"/>
+    </dgm:sp3d>
+    <dgm:txPr/>
+    <dgm:style>
+      <a:lnRef idx="0">
+        <a:scrgbClr r="0" g="0" b="0"/>
+      </a:lnRef>
+      <a:fillRef idx="3">
+        <a:scrgbClr r="0" g="0" b="0"/>
+      </a:fillRef>
+      <a:effectRef idx="2">
+        <a:scrgbClr r="0" g="0" b="0"/>
+      </a:effectRef>
+      <a:fontRef idx="minor">
+        <a:schemeClr val="lt1"/>
+      </a:fontRef>
+    </dgm:style>
+  </dgm:styleLbl>
+  <dgm:styleLbl name="asst3">
+    <dgm:scene3d>
+      <a:camera prst="orthographicFront"/>
+      <a:lightRig rig="threePt" dir="t">
+        <a:rot lat="0" lon="0" rev="7500000"/>
+      </a:lightRig>
+    </dgm:scene3d>
+    <dgm:sp3d prstMaterial="plastic">
+      <a:bevelT w="127000" h="25400" prst="relaxedInset"/>
+    </dgm:sp3d>
+    <dgm:txPr/>
+    <dgm:style>
+      <a:lnRef idx="0">
+        <a:scrgbClr r="0" g="0" b="0"/>
+      </a:lnRef>
+      <a:fillRef idx="3">
+        <a:scrgbClr r="0" g="0" b="0"/>
+      </a:fillRef>
+      <a:effectRef idx="2">
+        <a:scrgbClr r="0" g="0" b="0"/>
+      </a:effectRef>
+      <a:fontRef idx="minor">
+        <a:schemeClr val="lt1"/>
+      </a:fontRef>
+    </dgm:style>
+  </dgm:styleLbl>
+  <dgm:styleLbl name="parChTrans2D1">
+    <dgm:scene3d>
+      <a:camera prst="orthographicFront"/>
+      <a:lightRig rig="threePt" dir="t">
+        <a:rot lat="0" lon="0" rev="7500000"/>
+      </a:lightRig>
+    </dgm:scene3d>
+    <dgm:sp3d extrusionH="63500" prstMaterial="matte">
+      <a:bevelT w="50800" h="19050" prst="relaxedInset"/>
+      <a:contourClr>
+        <a:schemeClr val="bg1"/>
+      </a:contourClr>
+    </dgm:sp3d>
+    <dgm:txPr/>
+    <dgm:style>
+      <a:lnRef idx="0">
+        <a:scrgbClr r="0" g="0" b="0"/>
+      </a:lnRef>
+      <a:fillRef idx="1">
+        <a:scrgbClr r="0" g="0" b="0"/>
+      </a:fillRef>
+      <a:effectRef idx="2">
+        <a:scrgbClr r="0" g="0" b="0"/>
+      </a:effectRef>
+      <a:fontRef idx="minor">
+        <a:schemeClr val="lt1"/>
+      </a:fontRef>
+    </dgm:style>
+  </dgm:styleLbl>
+  <dgm:styleLbl name="parChTrans2D2">
+    <dgm:scene3d>
+      <a:camera prst="orthographicFront"/>
+      <a:lightRig rig="threePt" dir="t">
+        <a:rot lat="0" lon="0" rev="7500000"/>
+      </a:lightRig>
+    </dgm:scene3d>
+    <dgm:sp3d extrusionH="63500" prstMaterial="matte">
+      <a:bevelT w="50800" h="19050" prst="relaxedInset"/>
+      <a:contourClr>
+        <a:schemeClr val="bg1"/>
+      </a:contourClr>
+    </dgm:sp3d>
+    <dgm:txPr/>
+    <dgm:style>
+      <a:lnRef idx="0">
+        <a:scrgbClr r="0" g="0" b="0"/>
+      </a:lnRef>
+      <a:fillRef idx="1">
+        <a:scrgbClr r="0" g="0" b="0"/>
+      </a:fillRef>
+      <a:effectRef idx="0">
+        <a:scrgbClr r="0" g="0" b="0"/>
+      </a:effectRef>
+      <a:fontRef idx="minor">
+        <a:schemeClr val="lt1"/>
+      </a:fontRef>
+    </dgm:style>
+  </dgm:styleLbl>
+  <dgm:styleLbl name="parChTrans2D3">
+    <dgm:scene3d>
+      <a:camera prst="orthographicFront"/>
+      <a:lightRig rig="threePt" dir="t">
+        <a:rot lat="0" lon="0" rev="7500000"/>
+      </a:lightRig>
+    </dgm:scene3d>
+    <dgm:sp3d z="60000" prstMaterial="flat">
+      <a:bevelT w="120900" h="88900"/>
+    </dgm:sp3d>
+    <dgm:txPr/>
+    <dgm:style>
+      <a:lnRef idx="0">
+        <a:scrgbClr r="0" g="0" b="0"/>
+      </a:lnRef>
+      <a:fillRef idx="3">
+        <a:scrgbClr r="0" g="0" b="0"/>
+      </a:fillRef>
+      <a:effectRef idx="1">
+        <a:scrgbClr r="0" g="0" b="0"/>
+      </a:effectRef>
+      <a:fontRef idx="minor">
+        <a:schemeClr val="lt1"/>
+      </a:fontRef>
+    </dgm:style>
+  </dgm:styleLbl>
+  <dgm:styleLbl name="parChTrans2D4">
+    <dgm:scene3d>
+      <a:camera prst="orthographicFront"/>
+      <a:lightRig rig="threePt" dir="t">
+        <a:rot lat="0" lon="0" rev="7500000"/>
+      </a:lightRig>
+    </dgm:scene3d>
+    <dgm:sp3d z="60000" prstMaterial="flat">
+      <a:bevelT w="120900" h="88900"/>
+    </dgm:sp3d>
+    <dgm:txPr/>
+    <dgm:style>
+      <a:lnRef idx="0">
+        <a:scrgbClr r="0" g="0" b="0"/>
+      </a:lnRef>
+      <a:fillRef idx="3">
+        <a:scrgbClr r="0" g="0" b="0"/>
+      </a:fillRef>
+      <a:effectRef idx="1">
+        <a:scrgbClr r="0" g="0" b="0"/>
+      </a:effectRef>
+      <a:fontRef idx="minor">
+        <a:schemeClr val="lt1"/>
+      </a:fontRef>
+    </dgm:style>
+  </dgm:styleLbl>
+  <dgm:styleLbl name="parChTrans1D1">
+    <dgm:scene3d>
+      <a:camera prst="orthographicFront"/>
+      <a:lightRig rig="threePt" dir="t">
+        <a:rot lat="0" lon="0" rev="7500000"/>
+      </a:lightRig>
+    </dgm:scene3d>
+    <dgm:sp3d z="-40000" prstMaterial="matte"/>
+    <dgm:txPr/>
+    <dgm:style>
+      <a:lnRef idx="2">
+        <a:scrgbClr r="0" g="0" b="0"/>
+      </a:lnRef>
+      <a:fillRef idx="0">
+        <a:scrgbClr r="0" g="0" b="0"/>
+      </a:fillRef>
+      <a:effectRef idx="0">
+        <a:scrgbClr r="0" g="0" b="0"/>
+      </a:effectRef>
+      <a:fontRef idx="minor"/>
+    </dgm:style>
+  </dgm:styleLbl>
+  <dgm:styleLbl name="parChTrans1D2">
+    <dgm:scene3d>
+      <a:camera prst="orthographicFront"/>
+      <a:lightRig rig="threePt" dir="t">
+        <a:rot lat="0" lon="0" rev="7500000"/>
+      </a:lightRig>
+    </dgm:scene3d>
+    <dgm:sp3d z="-40000" prstMaterial="matte"/>
+    <dgm:txPr/>
+    <dgm:style>
+      <a:lnRef idx="2">
+        <a:scrgbClr r="0" g="0" b="0"/>
+      </a:lnRef>
+      <a:fillRef idx="0">
+        <a:scrgbClr r="0" g="0" b="0"/>
+      </a:fillRef>
+      <a:effectRef idx="0">
+        <a:scrgbClr r="0" g="0" b="0"/>
+      </a:effectRef>
+      <a:fontRef idx="minor"/>
+    </dgm:style>
+  </dgm:styleLbl>
+  <dgm:styleLbl name="parChTrans1D3">
+    <dgm:scene3d>
+      <a:camera prst="orthographicFront"/>
+      <a:lightRig rig="threePt" dir="t">
+        <a:rot lat="0" lon="0" rev="7500000"/>
+      </a:lightRig>
+    </dgm:scene3d>
+    <dgm:sp3d z="-40000" prstMaterial="matte"/>
+    <dgm:txPr/>
+    <dgm:style>
+      <a:lnRef idx="2">
+        <a:scrgbClr r="0" g="0" b="0"/>
+      </a:lnRef>
+      <a:fillRef idx="0">
+        <a:scrgbClr r="0" g="0" b="0"/>
+      </a:fillRef>
+      <a:effectRef idx="0">
+        <a:scrgbClr r="0" g="0" b="0"/>
+      </a:effectRef>
+      <a:fontRef idx="minor"/>
+    </dgm:style>
+  </dgm:styleLbl>
+  <dgm:styleLbl name="parChTrans1D4">
+    <dgm:scene3d>
+      <a:camera prst="orthographicFront"/>
+      <a:lightRig rig="threePt" dir="t">
+        <a:rot lat="0" lon="0" rev="7500000"/>
+      </a:lightRig>
+    </dgm:scene3d>
+    <dgm:sp3d z="-40000" prstMaterial="matte"/>
+    <dgm:txPr/>
+    <dgm:style>
+      <a:lnRef idx="2">
+        <a:scrgbClr r="0" g="0" b="0"/>
+      </a:lnRef>
+      <a:fillRef idx="0">
+        <a:scrgbClr r="0" g="0" b="0"/>
+      </a:fillRef>
+      <a:effectRef idx="0">
+        <a:scrgbClr r="0" g="0" b="0"/>
+      </a:effectRef>
+      <a:fontRef idx="minor"/>
+    </dgm:style>
+  </dgm:styleLbl>
+  <dgm:styleLbl name="fgAcc1">
+    <dgm:scene3d>
+      <a:camera prst="orthographicFront"/>
+      <a:lightRig rig="threePt" dir="t">
+        <a:rot lat="0" lon="0" rev="7500000"/>
+      </a:lightRig>
+    </dgm:scene3d>
+    <dgm:sp3d z="152400" extrusionH="63500" prstMaterial="dkEdge">
+      <a:bevelT w="135400" h="16350" prst="relaxedInset"/>
+      <a:contourClr>
+        <a:schemeClr val="bg1"/>
+      </a:contourClr>
+    </dgm:sp3d>
+    <dgm:txPr/>
+    <dgm:style>
+      <a:lnRef idx="1">
+        <a:scrgbClr r="0" g="0" b="0"/>
+      </a:lnRef>
+      <a:fillRef idx="1">
+        <a:scrgbClr r="0" g="0" b="0"/>
+      </a:fillRef>
+      <a:effectRef idx="2">
+        <a:scrgbClr r="0" g="0" b="0"/>
+      </a:effectRef>
+      <a:fontRef idx="minor"/>
+    </dgm:style>
+  </dgm:styleLbl>
+  <dgm:styleLbl name="conFgAcc1">
+    <dgm:scene3d>
+      <a:camera prst="orthographicFront"/>
+      <a:lightRig rig="threePt" dir="t">
+        <a:rot lat="0" lon="0" rev="7500000"/>
+      </a:lightRig>
+    </dgm:scene3d>
+    <dgm:sp3d z="152400" extrusionH="63500" prstMaterial="dkEdge">
+      <a:bevelT w="135400" h="16350" prst="relaxedInset"/>
+      <a:contourClr>
+        <a:schemeClr val="bg1"/>
+      </a:contourClr>
+    </dgm:sp3d>
+    <dgm:txPr/>
+    <dgm:style>
+      <a:lnRef idx="1">
+        <a:scrgbClr r="0" g="0" b="0"/>
+      </a:lnRef>
+      <a:fillRef idx="1">
+        <a:scrgbClr r="0" g="0" b="0"/>
+      </a:fillRef>
+      <a:effectRef idx="2">
+        <a:scrgbClr r="0" g="0" b="0"/>
+      </a:effectRef>
+      <a:fontRef idx="minor"/>
+    </dgm:style>
+  </dgm:styleLbl>
+  <dgm:styleLbl name="alignAcc1">
+    <dgm:scene3d>
+      <a:camera prst="orthographicFront"/>
+      <a:lightRig rig="threePt" dir="t">
+        <a:rot lat="0" lon="0" rev="7500000"/>
+      </a:lightRig>
+    </dgm:scene3d>
+    <dgm:sp3d extrusionH="190500" prstMaterial="dkEdge">
+      <a:bevelT w="135400" h="16350" prst="relaxedInset"/>
+      <a:contourClr>
+        <a:schemeClr val="bg1"/>
+      </a:contourClr>
+    </dgm:sp3d>
+    <dgm:txPr/>
+    <dgm:style>
+      <a:lnRef idx="1">
+        <a:scrgbClr r="0" g="0" b="0"/>
+      </a:lnRef>
+      <a:fillRef idx="1">
+        <a:scrgbClr r="0" g="0" b="0"/>
+      </a:fillRef>
+      <a:effectRef idx="2">
+        <a:scrgbClr r="0" g="0" b="0"/>
+      </a:effectRef>
+      <a:fontRef idx="minor"/>
+    </dgm:style>
+  </dgm:styleLbl>
+  <dgm:styleLbl name="trAlignAcc1">
+    <dgm:scene3d>
+      <a:camera prst="orthographicFront"/>
+      <a:lightRig rig="threePt" dir="t">
+        <a:rot lat="0" lon="0" rev="7500000"/>
+      </a:lightRig>
+    </dgm:scene3d>
+    <dgm:sp3d prstMaterial="plastic">
+      <a:bevelT w="127000" h="35400"/>
+    </dgm:sp3d>
+    <dgm:txPr/>
+    <dgm:style>
+      <a:lnRef idx="1">
+        <a:scrgbClr r="0" g="0" b="0"/>
+      </a:lnRef>
+      <a:fillRef idx="1">
+        <a:scrgbClr r="0" g="0" b="0"/>
+      </a:fillRef>
+      <a:effectRef idx="2">
+        <a:scrgbClr r="0" g="0" b="0"/>
+      </a:effectRef>
+      <a:fontRef idx="minor">
+        <a:schemeClr val="lt1"/>
+      </a:fontRef>
+    </dgm:style>
+  </dgm:styleLbl>
+  <dgm:styleLbl name="bgAcc1">
+    <dgm:scene3d>
+      <a:camera prst="orthographicFront"/>
+      <a:lightRig rig="threePt" dir="t">
+        <a:rot lat="0" lon="0" rev="7500000"/>
+      </a:lightRig>
+    </dgm:scene3d>
+    <dgm:sp3d z="-152400" extrusionH="63500" prstMaterial="dkEdge">
+      <a:bevelT w="124450" h="16350" prst="relaxedInset"/>
+      <a:contourClr>
+        <a:schemeClr val="bg1"/>
+      </a:contourClr>
+    </dgm:sp3d>
+    <dgm:txPr/>
+    <dgm:style>
+      <a:lnRef idx="1">
+        <a:scrgbClr r="0" g="0" b="0"/>
+      </a:lnRef>
+      <a:fillRef idx="1">
+        <a:scrgbClr r="0" g="0" b="0"/>
+      </a:fillRef>
+      <a:effectRef idx="0">
+        <a:scrgbClr r="0" g="0" b="0"/>
+      </a:effectRef>
+      <a:fontRef idx="minor"/>
+    </dgm:style>
+  </dgm:styleLbl>
+  <dgm:styleLbl name="solidFgAcc1">
+    <dgm:scene3d>
+      <a:camera prst="orthographicFront"/>
+      <a:lightRig rig="threePt" dir="t">
+        <a:rot lat="0" lon="0" rev="7500000"/>
+      </a:lightRig>
+    </dgm:scene3d>
+    <dgm:sp3d z="152400" extrusionH="63500" prstMaterial="dkEdge">
+      <a:bevelT w="120800" h="19050" prst="relaxedInset"/>
+      <a:contourClr>
+        <a:schemeClr val="bg1"/>
+      </a:contourClr>
+    </dgm:sp3d>
+    <dgm:txPr/>
+    <dgm:style>
+      <a:lnRef idx="1">
+        <a:scrgbClr r="0" g="0" b="0"/>
+      </a:lnRef>
+      <a:fillRef idx="1">
+        <a:scrgbClr r="0" g="0" b="0"/>
+      </a:fillRef>
+      <a:effectRef idx="2">
+        <a:scrgbClr r="0" g="0" b="0"/>
+      </a:effectRef>
+      <a:fontRef idx="minor"/>
+    </dgm:style>
+  </dgm:styleLbl>
+  <dgm:styleLbl name="solidAlignAcc1">
+    <dgm:scene3d>
+      <a:camera prst="orthographicFront"/>
+      <a:lightRig rig="threePt" dir="t">
+        <a:rot lat="0" lon="0" rev="7500000"/>
+      </a:lightRig>
+    </dgm:scene3d>
+    <dgm:sp3d extrusionH="190500" prstMaterial="dkEdge">
+      <a:bevelT w="120650" h="38100" prst="relaxedInset"/>
+      <a:contourClr>
+        <a:schemeClr val="bg1"/>
+      </a:contourClr>
+    </dgm:sp3d>
+    <dgm:txPr/>
+    <dgm:style>
+      <a:lnRef idx="1">
+        <a:scrgbClr r="0" g="0" b="0"/>
+      </a:lnRef>
+      <a:fillRef idx="1">
+        <a:scrgbClr r="0" g="0" b="0"/>
+      </a:fillRef>
+      <a:effectRef idx="2">
+        <a:scrgbClr r="0" g="0" b="0"/>
+      </a:effectRef>
+      <a:fontRef idx="minor"/>
+    </dgm:style>
+  </dgm:styleLbl>
+  <dgm:styleLbl name="solidBgAcc1">
+    <dgm:scene3d>
+      <a:camera prst="orthographicFront"/>
+      <a:lightRig rig="threePt" dir="t">
+        <a:rot lat="0" lon="0" rev="7500000"/>
+      </a:lightRig>
+    </dgm:scene3d>
+    <dgm:sp3d z="-152400" extrusionH="63500" prstMaterial="dkEdge">
+      <a:bevelT w="144450" h="36350" prst="relaxedInset"/>
+      <a:contourClr>
+        <a:schemeClr val="bg1"/>
+      </a:contourClr>
+    </dgm:sp3d>
+    <dgm:txPr/>
+    <dgm:style>
+      <a:lnRef idx="1">
+        <a:scrgbClr r="0" g="0" b="0"/>
+      </a:lnRef>
+      <a:fillRef idx="1">
+        <a:scrgbClr r="0" g="0" b="0"/>
+      </a:fillRef>
+      <a:effectRef idx="0">
+        <a:scrgbClr r="0" g="0" b="0"/>
+      </a:effectRef>
+      <a:fontRef idx="minor"/>
+    </dgm:style>
+  </dgm:styleLbl>
+  <dgm:styleLbl name="fgAccFollowNode1">
+    <dgm:scene3d>
+      <a:camera prst="orthographicFront"/>
+      <a:lightRig rig="threePt" dir="t">
+        <a:rot lat="0" lon="0" rev="7500000"/>
+      </a:lightRig>
+    </dgm:scene3d>
+    <dgm:sp3d z="152400" extrusionH="63500" prstMaterial="dkEdge">
+      <a:bevelT w="125400" h="36350" prst="relaxedInset"/>
+      <a:contourClr>
+        <a:schemeClr val="bg1"/>
+      </a:contourClr>
+    </dgm:sp3d>
+    <dgm:txPr/>
+    <dgm:style>
+      <a:lnRef idx="1">
+        <a:scrgbClr r="0" g="0" b="0"/>
+      </a:lnRef>
+      <a:fillRef idx="1">
+        <a:scrgbClr r="0" g="0" b="0"/>
+      </a:fillRef>
+      <a:effectRef idx="0">
+        <a:scrgbClr r="0" g="0" b="0"/>
+      </a:effectRef>
+      <a:fontRef idx="minor"/>
+    </dgm:style>
+  </dgm:styleLbl>
+  <dgm:styleLbl name="alignAccFollowNode1">
+    <dgm:scene3d>
+      <a:camera prst="orthographicFront"/>
+      <a:lightRig rig="threePt" dir="t">
+        <a:rot lat="0" lon="0" rev="7500000"/>
+      </a:lightRig>
+    </dgm:scene3d>
+    <dgm:sp3d extrusionH="190500" prstMaterial="dkEdge">
+      <a:bevelT w="120650" h="38100" prst="relaxedInset"/>
+      <a:bevelB w="120650" h="57150" prst="relaxedInset"/>
+      <a:contourClr>
+        <a:schemeClr val="bg1"/>
+      </a:contourClr>
+    </dgm:sp3d>
+    <dgm:txPr/>
+    <dgm:style>
+      <a:lnRef idx="1">
+        <a:scrgbClr r="0" g="0" b="0"/>
+      </a:lnRef>
+      <a:fillRef idx="1">
+        <a:scrgbClr r="0" g="0" b="0"/>
+      </a:fillRef>
+      <a:effectRef idx="2">
+        <a:scrgbClr r="0" g="0" b="0"/>
+      </a:effectRef>
+      <a:fontRef idx="minor"/>
+    </dgm:style>
+  </dgm:styleLbl>
+  <dgm:styleLbl name="bgAccFollowNode1">
+    <dgm:scene3d>
+      <a:camera prst="orthographicFront"/>
+      <a:lightRig rig="threePt" dir="t">
+        <a:rot lat="0" lon="0" rev="7500000"/>
+      </a:lightRig>
+    </dgm:scene3d>
+    <dgm:sp3d z="-152400" extrusionH="63500" prstMaterial="dkEdge">
+      <a:bevelT w="144450" h="36350" prst="relaxedInset"/>
+      <a:contourClr>
+        <a:schemeClr val="bg1"/>
+      </a:contourClr>
+    </dgm:sp3d>
+    <dgm:txPr/>
+    <dgm:style>
+      <a:lnRef idx="1">
+        <a:scrgbClr r="0" g="0" b="0"/>
+      </a:lnRef>
+      <a:fillRef idx="1">
+        <a:scrgbClr r="0" g="0" b="0"/>
+      </a:fillRef>
+      <a:effectRef idx="2">
+        <a:scrgbClr r="0" g="0" b="0"/>
+      </a:effectRef>
+      <a:fontRef idx="minor"/>
+    </dgm:style>
+  </dgm:styleLbl>
+  <dgm:styleLbl name="fgAcc0">
+    <dgm:scene3d>
+      <a:camera prst="orthographicFront"/>
+      <a:lightRig rig="threePt" dir="t">
+        <a:rot lat="0" lon="0" rev="7500000"/>
+      </a:lightRig>
+    </dgm:scene3d>
+    <dgm:sp3d z="152400" extrusionH="63500" prstMaterial="dkEdge">
+      <a:bevelT w="125400" h="36350" prst="relaxedInset"/>
+      <a:contourClr>
+        <a:schemeClr val="bg1"/>
+      </a:contourClr>
+    </dgm:sp3d>
+    <dgm:txPr/>
+    <dgm:style>
+      <a:lnRef idx="1">
+        <a:scrgbClr r="0" g="0" b="0"/>
+      </a:lnRef>
+      <a:fillRef idx="1">
+        <a:scrgbClr r="0" g="0" b="0"/>
+      </a:fillRef>
+      <a:effectRef idx="2">
+        <a:scrgbClr r="0" g="0" b="0"/>
+      </a:effectRef>
+      <a:fontRef idx="minor"/>
+    </dgm:style>
+  </dgm:styleLbl>
+  <dgm:styleLbl name="fgAcc2">
+    <dgm:scene3d>
+      <a:camera prst="orthographicFront"/>
+      <a:lightRig rig="threePt" dir="t">
+        <a:rot lat="0" lon="0" rev="7500000"/>
+      </a:lightRig>
+    </dgm:scene3d>
+    <dgm:sp3d z="152400" extrusionH="63500" prstMaterial="dkEdge">
+      <a:bevelT w="125400" h="36350" prst="relaxedInset"/>
+      <a:contourClr>
+        <a:schemeClr val="bg1"/>
+      </a:contourClr>
+    </dgm:sp3d>
+    <dgm:txPr/>
+    <dgm:style>
+      <a:lnRef idx="1">
+        <a:scrgbClr r="0" g="0" b="0"/>
+      </a:lnRef>
+      <a:fillRef idx="1">
+        <a:scrgbClr r="0" g="0" b="0"/>
+      </a:fillRef>
+      <a:effectRef idx="2">
+        <a:scrgbClr r="0" g="0" b="0"/>
+      </a:effectRef>
+      <a:fontRef idx="minor"/>
+    </dgm:style>
+  </dgm:styleLbl>
+  <dgm:styleLbl name="fgAcc3">
+    <dgm:scene3d>
+      <a:camera prst="orthographicFront"/>
+      <a:lightRig rig="threePt" dir="t">
+        <a:rot lat="0" lon="0" rev="7500000"/>
+      </a:lightRig>
+    </dgm:scene3d>
+    <dgm:sp3d z="152400" extrusionH="63500" prstMaterial="dkEdge">
+      <a:bevelT w="125400" h="36350" prst="relaxedInset"/>
+      <a:contourClr>
+        <a:schemeClr val="bg1"/>
+      </a:contourClr>
+    </dgm:sp3d>
+    <dgm:txPr/>
+    <dgm:style>
+      <a:lnRef idx="1">
+        <a:scrgbClr r="0" g="0" b="0"/>
+      </a:lnRef>
+      <a:fillRef idx="1">
+        <a:scrgbClr r="0" g="0" b="0"/>
+      </a:fillRef>
+      <a:effectRef idx="2">
+        <a:scrgbClr r="0" g="0" b="0"/>
+      </a:effectRef>
+      <a:fontRef idx="minor"/>
+    </dgm:style>
+  </dgm:styleLbl>
+  <dgm:styleLbl name="fgAcc4">
+    <dgm:scene3d>
+      <a:camera prst="orthographicFront"/>
+      <a:lightRig rig="threePt" dir="t">
+        <a:rot lat="0" lon="0" rev="7500000"/>
+      </a:lightRig>
+    </dgm:scene3d>
+    <dgm:sp3d z="152400" extrusionH="63500" prstMaterial="dkEdge">
+      <a:bevelT w="125400" h="36350" prst="relaxedInset"/>
+      <a:contourClr>
+        <a:schemeClr val="bg1"/>
+      </a:contourClr>
+    </dgm:sp3d>
+    <dgm:txPr/>
+    <dgm:style>
+      <a:lnRef idx="1">
+        <a:scrgbClr r="0" g="0" b="0"/>
+      </a:lnRef>
+      <a:fillRef idx="1">
+        <a:scrgbClr r="0" g="0" b="0"/>
+      </a:fillRef>
+      <a:effectRef idx="2">
+        <a:scrgbClr r="0" g="0" b="0"/>
+      </a:effectRef>
+      <a:fontRef idx="minor"/>
+    </dgm:style>
+  </dgm:styleLbl>
+  <dgm:styleLbl name="bgShp">
+    <dgm:scene3d>
+      <a:camera prst="orthographicFront"/>
+      <a:lightRig rig="threePt" dir="t">
+        <a:rot lat="0" lon="0" rev="7500000"/>
+      </a:lightRig>
+    </dgm:scene3d>
+    <dgm:sp3d z="-152400" extrusionH="63500" prstMaterial="matte">
+      <a:bevelT w="144450" h="6350" prst="relaxedInset"/>
+      <a:contourClr>
+        <a:schemeClr val="bg1"/>
+      </a:contourClr>
+    </dgm:sp3d>
+    <dgm:txPr/>
+    <dgm:style>
+      <a:lnRef idx="0">
+        <a:scrgbClr r="0" g="0" b="0"/>
+      </a:lnRef>
+      <a:fillRef idx="3">
+        <a:scrgbClr r="0" g="0" b="0"/>
+      </a:fillRef>
+      <a:effectRef idx="0">
+        <a:scrgbClr r="0" g="0" b="0"/>
+      </a:effectRef>
+      <a:fontRef idx="minor"/>
+    </dgm:style>
+  </dgm:styleLbl>
+  <dgm:styleLbl name="dkBgShp">
+    <dgm:scene3d>
+      <a:camera prst="orthographicFront"/>
+      <a:lightRig rig="threePt" dir="t">
+        <a:rot lat="0" lon="0" rev="7500000"/>
+      </a:lightRig>
+    </dgm:scene3d>
+    <dgm:sp3d prstMaterial="plastic">
+      <a:bevelT w="127000" h="25400" prst="relaxedInset"/>
+      <a:bevelB w="88900" h="121750" prst="angle"/>
+    </dgm:sp3d>
+    <dgm:txPr/>
+    <dgm:style>
+      <a:lnRef idx="0">
+        <a:scrgbClr r="0" g="0" b="0"/>
+      </a:lnRef>
+      <a:fillRef idx="1">
+        <a:scrgbClr r="0" g="0" b="0"/>
+      </a:fillRef>
+      <a:effectRef idx="2">
+        <a:scrgbClr r="0" g="0" b="0"/>
+      </a:effectRef>
+      <a:fontRef idx="minor">
+        <a:schemeClr val="lt1"/>
+      </a:fontRef>
+    </dgm:style>
+  </dgm:styleLbl>
+  <dgm:styleLbl name="trBgShp">
+    <dgm:scene3d>
+      <a:camera prst="orthographicFront"/>
+      <a:lightRig rig="threePt" dir="t"/>
+    </dgm:scene3d>
+    <dgm:sp3d z="-152400" prstMaterial="matte"/>
+    <dgm:txPr/>
+    <dgm:style>
+      <a:lnRef idx="0">
+        <a:scrgbClr r="0" g="0" b="0"/>
+      </a:lnRef>
+      <a:fillRef idx="1">
+        <a:scrgbClr r="0" g="0" b="0"/>
+      </a:fillRef>
+      <a:effectRef idx="0">
+        <a:scrgbClr r="0" g="0" b="0"/>
+      </a:effectRef>
+      <a:fontRef idx="minor"/>
+    </dgm:style>
+  </dgm:styleLbl>
+  <dgm:styleLbl name="fgShp">
+    <dgm:scene3d>
+      <a:camera prst="orthographicFront"/>
+      <a:lightRig rig="threePt" dir="t">
+        <a:rot lat="0" lon="0" rev="7500000"/>
+      </a:lightRig>
+    </dgm:scene3d>
+    <dgm:sp3d z="152400" extrusionH="63500" prstMaterial="matte">
+      <a:bevelT w="50800" h="19050" prst="relaxedInset"/>
+      <a:contourClr>
+        <a:schemeClr val="bg1"/>
+      </a:contourClr>
+    </dgm:sp3d>
+    <dgm:txPr/>
+    <dgm:style>
+      <a:lnRef idx="0">
+        <a:scrgbClr r="0" g="0" b="0"/>
+      </a:lnRef>
+      <a:fillRef idx="1">
+        <a:scrgbClr r="0" g="0" b="0"/>
+      </a:fillRef>
+      <a:effectRef idx="2">
+        <a:scrgbClr r="0" g="0" b="0"/>
+      </a:effectRef>
+      <a:fontRef idx="minor">
+        <a:schemeClr val="lt1"/>
+      </a:fontRef>
+    </dgm:style>
+  </dgm:styleLbl>
+  <dgm:styleLbl name="revTx">
+    <dgm:scene3d>
+      <a:camera prst="orthographicFront"/>
+      <a:lightRig rig="threePt" dir="t"/>
+    </dgm:scene3d>
+    <dgm:sp3d/>
+    <dgm:txPr/>
+    <dgm:style>
+      <a:lnRef idx="0">
+        <a:scrgbClr r="0" g="0" b="0"/>
+      </a:lnRef>
+      <a:fillRef idx="0">
+        <a:scrgbClr r="0" g="0" b="0"/>
+      </a:fillRef>
+      <a:effectRef idx="0">
+        <a:scrgbClr r="0" g="0" b="0"/>
+      </a:effectRef>
+      <a:fontRef idx="minor"/>
+    </dgm:style>
+  </dgm:styleLbl>
+</dgm:styleDef>
+</file>
+
 <file path=ppt/notesMasters/notesMaster1.xml><?xml version="1.0" encoding="utf-8"?>
 <p:notesMaster xmlns:a="http://schemas.openxmlformats.org/drawingml/2006/main" xmlns:r="http://schemas.openxmlformats.org/officeDocument/2006/relationships" xmlns:p="http://schemas.openxmlformats.org/presentationml/2006/main">
   <p:cSld>
@@ -209,7 +6447,7 @@
           <a:p>
             <a:fld id="{E8FBBB6A-BE53-4BF0-B17E-892FAA57C2D4}" type="datetimeFigureOut">
               <a:rPr lang="ko-KR" altLang="en-US" smtClean="0"/>
-              <a:t>2021-10-31</a:t>
+              <a:t>2021-11-03</a:t>
             </a:fld>
             <a:endParaRPr lang="ko-KR" altLang="en-US"/>
           </a:p>
@@ -1381,19 +7619,7 @@
                 <a:ea typeface="+mn-ea"/>
                 <a:cs typeface="+mn-cs"/>
               </a:rPr>
-              <a:t> 84% and a specificity of 44% (when using a cut-off point of 46</a:t>
-            </a:r>
-            <a:r>
-              <a:rPr lang="en-US" altLang="ko-KR" sz="1200" b="0" i="0" kern="1200" dirty="0" smtClean="0">
-                <a:solidFill>
-                  <a:schemeClr val="tx1"/>
-                </a:solidFill>
-                <a:effectLst/>
-                <a:latin typeface="+mn-lt"/>
-                <a:ea typeface="+mn-ea"/>
-                <a:cs typeface="+mn-cs"/>
-              </a:rPr>
-              <a:t>)</a:t>
+              <a:t> 84% and a specificity of 44% (when using a cut-off point of 46)</a:t>
             </a:r>
           </a:p>
           <a:p>
@@ -4971,7 +11197,7 @@
           <a:p>
             <a:fld id="{11CF987C-FD17-4394-9A4F-BE2D66BE4DDF}" type="datetimeFigureOut">
               <a:rPr lang="ko-KR" altLang="en-US" smtClean="0"/>
-              <a:t>2021-10-31</a:t>
+              <a:t>2021-11-03</a:t>
             </a:fld>
             <a:endParaRPr lang="ko-KR" altLang="en-US"/>
           </a:p>
@@ -5148,7 +11374,7 @@
           <a:p>
             <a:fld id="{11CF987C-FD17-4394-9A4F-BE2D66BE4DDF}" type="datetimeFigureOut">
               <a:rPr lang="ko-KR" altLang="en-US" smtClean="0"/>
-              <a:t>2021-10-31</a:t>
+              <a:t>2021-11-03</a:t>
             </a:fld>
             <a:endParaRPr lang="ko-KR" altLang="en-US"/>
           </a:p>
@@ -5328,7 +11554,7 @@
           <a:p>
             <a:fld id="{11CF987C-FD17-4394-9A4F-BE2D66BE4DDF}" type="datetimeFigureOut">
               <a:rPr lang="ko-KR" altLang="en-US" smtClean="0"/>
-              <a:t>2021-10-31</a:t>
+              <a:t>2021-11-03</a:t>
             </a:fld>
             <a:endParaRPr lang="ko-KR" altLang="en-US"/>
           </a:p>
@@ -5735,7 +11961,7 @@
           <a:p>
             <a:fld id="{11CF987C-FD17-4394-9A4F-BE2D66BE4DDF}" type="datetimeFigureOut">
               <a:rPr lang="ko-KR" altLang="en-US" smtClean="0"/>
-              <a:t>2021-10-31</a:t>
+              <a:t>2021-11-03</a:t>
             </a:fld>
             <a:endParaRPr lang="ko-KR" altLang="en-US"/>
           </a:p>
@@ -5974,7 +12200,7 @@
           <a:p>
             <a:fld id="{11CF987C-FD17-4394-9A4F-BE2D66BE4DDF}" type="datetimeFigureOut">
               <a:rPr lang="ko-KR" altLang="en-US" smtClean="0"/>
-              <a:t>2021-10-31</a:t>
+              <a:t>2021-11-03</a:t>
             </a:fld>
             <a:endParaRPr lang="ko-KR" altLang="en-US"/>
           </a:p>
@@ -6348,7 +12574,7 @@
           <a:p>
             <a:fld id="{11CF987C-FD17-4394-9A4F-BE2D66BE4DDF}" type="datetimeFigureOut">
               <a:rPr lang="ko-KR" altLang="en-US" smtClean="0"/>
-              <a:t>2021-10-31</a:t>
+              <a:t>2021-11-03</a:t>
             </a:fld>
             <a:endParaRPr lang="ko-KR" altLang="en-US"/>
           </a:p>
@@ -6473,7 +12699,7 @@
           <a:p>
             <a:fld id="{11CF987C-FD17-4394-9A4F-BE2D66BE4DDF}" type="datetimeFigureOut">
               <a:rPr lang="ko-KR" altLang="en-US" smtClean="0"/>
-              <a:t>2021-10-31</a:t>
+              <a:t>2021-11-03</a:t>
             </a:fld>
             <a:endParaRPr lang="ko-KR" altLang="en-US"/>
           </a:p>
@@ -6575,7 +12801,7 @@
           <a:p>
             <a:fld id="{11CF987C-FD17-4394-9A4F-BE2D66BE4DDF}" type="datetimeFigureOut">
               <a:rPr lang="ko-KR" altLang="en-US" smtClean="0"/>
-              <a:t>2021-10-31</a:t>
+              <a:t>2021-11-03</a:t>
             </a:fld>
             <a:endParaRPr lang="ko-KR" altLang="en-US"/>
           </a:p>
@@ -6859,7 +13085,7 @@
           <a:p>
             <a:fld id="{11CF987C-FD17-4394-9A4F-BE2D66BE4DDF}" type="datetimeFigureOut">
               <a:rPr lang="ko-KR" altLang="en-US" smtClean="0"/>
-              <a:t>2021-10-31</a:t>
+              <a:t>2021-11-03</a:t>
             </a:fld>
             <a:endParaRPr lang="ko-KR" altLang="en-US"/>
           </a:p>
@@ -7116,7 +13342,7 @@
           <a:p>
             <a:fld id="{11CF987C-FD17-4394-9A4F-BE2D66BE4DDF}" type="datetimeFigureOut">
               <a:rPr lang="ko-KR" altLang="en-US" smtClean="0"/>
-              <a:t>2021-10-31</a:t>
+              <a:t>2021-11-03</a:t>
             </a:fld>
             <a:endParaRPr lang="ko-KR" altLang="en-US"/>
           </a:p>
@@ -7355,7 +13581,7 @@
           <a:p>
             <a:fld id="{11CF987C-FD17-4394-9A4F-BE2D66BE4DDF}" type="datetimeFigureOut">
               <a:rPr lang="ko-KR" altLang="en-US" smtClean="0"/>
-              <a:t>2021-10-31</a:t>
+              <a:t>2021-11-03</a:t>
             </a:fld>
             <a:endParaRPr lang="ko-KR" altLang="en-US"/>
           </a:p>
@@ -8476,6 +14702,472 @@
     <p:extLst>
       <p:ext uri="{BB962C8B-B14F-4D97-AF65-F5344CB8AC3E}">
         <p14:creationId xmlns:p14="http://schemas.microsoft.com/office/powerpoint/2010/main" val="1955564696"/>
+      </p:ext>
+    </p:extLst>
+  </p:cSld>
+  <p:clrMapOvr>
+    <a:masterClrMapping/>
+  </p:clrMapOvr>
+</p:sld>
+</file>
+
+<file path=ppt/slides/slide14.xml><?xml version="1.0" encoding="utf-8"?>
+<p:sld xmlns:a="http://schemas.openxmlformats.org/drawingml/2006/main" xmlns:r="http://schemas.openxmlformats.org/officeDocument/2006/relationships" xmlns:p="http://schemas.openxmlformats.org/presentationml/2006/main">
+  <p:cSld>
+    <p:spTree>
+      <p:nvGrpSpPr>
+        <p:cNvPr id="1" name=""/>
+        <p:cNvGrpSpPr/>
+        <p:nvPr/>
+      </p:nvGrpSpPr>
+      <p:grpSpPr>
+        <a:xfrm>
+          <a:off x="0" y="0"/>
+          <a:ext cx="0" cy="0"/>
+          <a:chOff x="0" y="0"/>
+          <a:chExt cx="0" cy="0"/>
+        </a:xfrm>
+      </p:grpSpPr>
+      <p:sp>
+        <p:nvSpPr>
+          <p:cNvPr id="2" name="제목 1"/>
+          <p:cNvSpPr>
+            <a:spLocks noGrp="1"/>
+          </p:cNvSpPr>
+          <p:nvPr>
+            <p:ph type="title"/>
+          </p:nvPr>
+        </p:nvSpPr>
+        <p:spPr/>
+        <p:txBody>
+          <a:bodyPr/>
+          <a:lstStyle/>
+          <a:p>
+            <a:r>
+              <a:rPr lang="en-US" altLang="ko-KR" dirty="0" smtClean="0"/>
+              <a:t>Case 1</a:t>
+            </a:r>
+            <a:endParaRPr lang="ko-KR" altLang="en-US" dirty="0"/>
+          </a:p>
+        </p:txBody>
+      </p:sp>
+      <p:sp>
+        <p:nvSpPr>
+          <p:cNvPr id="3" name="내용 개체 틀 2"/>
+          <p:cNvSpPr>
+            <a:spLocks noGrp="1"/>
+          </p:cNvSpPr>
+          <p:nvPr>
+            <p:ph idx="1"/>
+          </p:nvPr>
+        </p:nvSpPr>
+        <p:spPr/>
+        <p:txBody>
+          <a:bodyPr/>
+          <a:lstStyle/>
+          <a:p>
+            <a:r>
+              <a:rPr lang="en-US" altLang="ko-KR" dirty="0" smtClean="0"/>
+              <a:t>42</a:t>
+            </a:r>
+            <a:r>
+              <a:rPr lang="ko-KR" altLang="en-US" dirty="0" smtClean="0"/>
+              <a:t>세 남자</a:t>
+            </a:r>
+            <a:endParaRPr lang="en-US" altLang="ko-KR" dirty="0" smtClean="0"/>
+          </a:p>
+          <a:p>
+            <a:r>
+              <a:rPr lang="en-US" altLang="ko-KR" dirty="0" smtClean="0"/>
+              <a:t>6</a:t>
+            </a:r>
+            <a:r>
+              <a:rPr lang="ko-KR" altLang="en-US" dirty="0" err="1" smtClean="0"/>
+              <a:t>달전부터</a:t>
+            </a:r>
+            <a:r>
+              <a:rPr lang="ko-KR" altLang="en-US" dirty="0" smtClean="0"/>
+              <a:t> 발바닥에 찌릿한 증상 호소</a:t>
+            </a:r>
+            <a:endParaRPr lang="en-US" altLang="ko-KR" dirty="0" smtClean="0"/>
+          </a:p>
+          <a:p>
+            <a:r>
+              <a:rPr lang="en-US" altLang="ko-KR" dirty="0" smtClean="0"/>
+              <a:t>7~8</a:t>
+            </a:r>
+            <a:r>
+              <a:rPr lang="ko-KR" altLang="en-US" dirty="0" err="1" smtClean="0"/>
+              <a:t>년전부터</a:t>
+            </a:r>
+            <a:r>
+              <a:rPr lang="ko-KR" altLang="en-US" dirty="0" smtClean="0"/>
+              <a:t> 당뇨로 </a:t>
+            </a:r>
+            <a:r>
+              <a:rPr lang="ko-KR" altLang="en-US" dirty="0" err="1" smtClean="0"/>
+              <a:t>치료중</a:t>
+            </a:r>
+            <a:endParaRPr lang="en-US" altLang="ko-KR" dirty="0" smtClean="0"/>
+          </a:p>
+          <a:p>
+            <a:r>
+              <a:rPr lang="ko-KR" altLang="en-US" dirty="0" err="1" smtClean="0"/>
+              <a:t>타병원에서</a:t>
+            </a:r>
+            <a:r>
+              <a:rPr lang="ko-KR" altLang="en-US" dirty="0" smtClean="0"/>
+              <a:t> </a:t>
+            </a:r>
+            <a:r>
+              <a:rPr lang="en-US" altLang="ko-KR" dirty="0" err="1" smtClean="0"/>
+              <a:t>pregabalin</a:t>
+            </a:r>
+            <a:r>
+              <a:rPr lang="en-US" altLang="ko-KR" dirty="0" smtClean="0"/>
+              <a:t> 150mg/d </a:t>
+            </a:r>
+            <a:r>
+              <a:rPr lang="ko-KR" altLang="en-US" dirty="0" err="1" smtClean="0"/>
+              <a:t>처방받아</a:t>
+            </a:r>
+            <a:r>
+              <a:rPr lang="ko-KR" altLang="en-US" dirty="0" smtClean="0"/>
+              <a:t> 복용하셨으나 큰 효과를 보지 못함</a:t>
+            </a:r>
+            <a:r>
+              <a:rPr lang="en-US" altLang="ko-KR" dirty="0" smtClean="0"/>
+              <a:t>. </a:t>
+            </a:r>
+          </a:p>
+          <a:p>
+            <a:endParaRPr lang="ko-KR" altLang="en-US" dirty="0"/>
+          </a:p>
+        </p:txBody>
+      </p:sp>
+    </p:spTree>
+    <p:extLst>
+      <p:ext uri="{BB962C8B-B14F-4D97-AF65-F5344CB8AC3E}">
+        <p14:creationId xmlns:p14="http://schemas.microsoft.com/office/powerpoint/2010/main" val="1090942540"/>
+      </p:ext>
+    </p:extLst>
+  </p:cSld>
+  <p:clrMapOvr>
+    <a:masterClrMapping/>
+  </p:clrMapOvr>
+</p:sld>
+</file>
+
+<file path=ppt/slides/slide15.xml><?xml version="1.0" encoding="utf-8"?>
+<p:sld xmlns:a="http://schemas.openxmlformats.org/drawingml/2006/main" xmlns:r="http://schemas.openxmlformats.org/officeDocument/2006/relationships" xmlns:p="http://schemas.openxmlformats.org/presentationml/2006/main">
+  <p:cSld>
+    <p:spTree>
+      <p:nvGrpSpPr>
+        <p:cNvPr id="1" name=""/>
+        <p:cNvGrpSpPr/>
+        <p:nvPr/>
+      </p:nvGrpSpPr>
+      <p:grpSpPr>
+        <a:xfrm>
+          <a:off x="0" y="0"/>
+          <a:ext cx="0" cy="0"/>
+          <a:chOff x="0" y="0"/>
+          <a:chExt cx="0" cy="0"/>
+        </a:xfrm>
+      </p:grpSpPr>
+      <p:graphicFrame>
+        <p:nvGraphicFramePr>
+          <p:cNvPr id="4" name="내용 개체 틀 3"/>
+          <p:cNvGraphicFramePr>
+            <a:graphicFrameLocks noGrp="1"/>
+          </p:cNvGraphicFramePr>
+          <p:nvPr>
+            <p:ph idx="1"/>
+            <p:extLst>
+              <p:ext uri="{D42A27DB-BD31-4B8C-83A1-F6EECF244321}">
+                <p14:modId xmlns:p14="http://schemas.microsoft.com/office/powerpoint/2010/main" val="2998735731"/>
+              </p:ext>
+            </p:extLst>
+          </p:nvPr>
+        </p:nvGraphicFramePr>
+        <p:xfrm>
+          <a:off x="0" y="0"/>
+          <a:ext cx="12192000" cy="6858000"/>
+        </p:xfrm>
+        <a:graphic>
+          <a:graphicData uri="http://schemas.openxmlformats.org/drawingml/2006/diagram">
+            <dgm:relIds xmlns:dgm="http://schemas.openxmlformats.org/drawingml/2006/diagram" xmlns:r="http://schemas.openxmlformats.org/officeDocument/2006/relationships" r:dm="rId2" r:lo="rId3" r:qs="rId4" r:cs="rId5"/>
+          </a:graphicData>
+        </a:graphic>
+      </p:graphicFrame>
+    </p:spTree>
+    <p:extLst>
+      <p:ext uri="{BB962C8B-B14F-4D97-AF65-F5344CB8AC3E}">
+        <p14:creationId xmlns:p14="http://schemas.microsoft.com/office/powerpoint/2010/main" val="1576681853"/>
+      </p:ext>
+    </p:extLst>
+  </p:cSld>
+  <p:clrMapOvr>
+    <a:masterClrMapping/>
+  </p:clrMapOvr>
+</p:sld>
+</file>
+
+<file path=ppt/slides/slide16.xml><?xml version="1.0" encoding="utf-8"?>
+<p:sld xmlns:a="http://schemas.openxmlformats.org/drawingml/2006/main" xmlns:r="http://schemas.openxmlformats.org/officeDocument/2006/relationships" xmlns:p="http://schemas.openxmlformats.org/presentationml/2006/main">
+  <p:cSld>
+    <p:spTree>
+      <p:nvGrpSpPr>
+        <p:cNvPr id="1" name=""/>
+        <p:cNvGrpSpPr/>
+        <p:nvPr/>
+      </p:nvGrpSpPr>
+      <p:grpSpPr>
+        <a:xfrm>
+          <a:off x="0" y="0"/>
+          <a:ext cx="0" cy="0"/>
+          <a:chOff x="0" y="0"/>
+          <a:chExt cx="0" cy="0"/>
+        </a:xfrm>
+      </p:grpSpPr>
+      <p:sp>
+        <p:nvSpPr>
+          <p:cNvPr id="2" name="제목 1"/>
+          <p:cNvSpPr>
+            <a:spLocks noGrp="1"/>
+          </p:cNvSpPr>
+          <p:nvPr>
+            <p:ph type="title"/>
+          </p:nvPr>
+        </p:nvSpPr>
+        <p:spPr/>
+        <p:txBody>
+          <a:bodyPr/>
+          <a:lstStyle/>
+          <a:p>
+            <a:r>
+              <a:rPr lang="en-US" altLang="ko-KR" dirty="0" smtClean="0"/>
+              <a:t>Case 1</a:t>
+            </a:r>
+            <a:endParaRPr lang="ko-KR" altLang="en-US" dirty="0"/>
+          </a:p>
+        </p:txBody>
+      </p:sp>
+      <p:sp>
+        <p:nvSpPr>
+          <p:cNvPr id="3" name="내용 개체 틀 2"/>
+          <p:cNvSpPr>
+            <a:spLocks noGrp="1"/>
+          </p:cNvSpPr>
+          <p:nvPr>
+            <p:ph idx="1"/>
+          </p:nvPr>
+        </p:nvSpPr>
+        <p:spPr/>
+        <p:txBody>
+          <a:bodyPr/>
+          <a:lstStyle/>
+          <a:p>
+            <a:r>
+              <a:rPr lang="en-US" altLang="ko-KR" dirty="0" smtClean="0"/>
+              <a:t>Current medication</a:t>
+            </a:r>
+          </a:p>
+          <a:p>
+            <a:pPr lvl="1"/>
+            <a:r>
+              <a:rPr lang="en-US" altLang="ko-KR" dirty="0" smtClean="0"/>
+              <a:t>Ibuprofen 200mg 1T bid</a:t>
+            </a:r>
+          </a:p>
+          <a:p>
+            <a:pPr lvl="1"/>
+            <a:r>
+              <a:rPr lang="en-US" altLang="ko-KR" dirty="0" err="1" smtClean="0"/>
+              <a:t>Vortioxetine</a:t>
+            </a:r>
+            <a:r>
+              <a:rPr lang="en-US" altLang="ko-KR" dirty="0" smtClean="0"/>
+              <a:t> 10mg 1T </a:t>
+            </a:r>
+            <a:r>
+              <a:rPr lang="en-US" altLang="ko-KR" dirty="0" err="1" smtClean="0"/>
+              <a:t>qd</a:t>
+            </a:r>
+            <a:endParaRPr lang="en-US" altLang="ko-KR" dirty="0" smtClean="0"/>
+          </a:p>
+          <a:p>
+            <a:pPr lvl="1"/>
+            <a:r>
+              <a:rPr lang="en-US" altLang="ko-KR" dirty="0" smtClean="0"/>
+              <a:t>Duloxetine 60mg 1T bid</a:t>
+            </a:r>
+          </a:p>
+          <a:p>
+            <a:pPr lvl="1"/>
+            <a:r>
+              <a:rPr lang="en-US" altLang="ko-KR" dirty="0" err="1" smtClean="0"/>
+              <a:t>Pregabalin</a:t>
+            </a:r>
+            <a:r>
+              <a:rPr lang="en-US" altLang="ko-KR" dirty="0" smtClean="0"/>
+              <a:t> 300mg 1T bid</a:t>
+            </a:r>
+          </a:p>
+          <a:p>
+            <a:pPr lvl="1"/>
+            <a:r>
+              <a:rPr lang="en-US" altLang="ko-KR" dirty="0" smtClean="0"/>
+              <a:t>Buprenorphine patch 10</a:t>
+            </a:r>
+            <a:r>
+              <a:rPr lang="el-GR" altLang="ko-KR" dirty="0" smtClean="0"/>
+              <a:t>μ</a:t>
+            </a:r>
+            <a:r>
+              <a:rPr lang="en-US" altLang="ko-KR" dirty="0" smtClean="0"/>
+              <a:t>g</a:t>
+            </a:r>
+          </a:p>
+          <a:p>
+            <a:pPr lvl="1"/>
+            <a:r>
+              <a:rPr lang="en-US" altLang="ko-KR" dirty="0" smtClean="0"/>
+              <a:t>Clonazepam 0.5mg 0.5T bid</a:t>
+            </a:r>
+          </a:p>
+          <a:p>
+            <a:pPr lvl="1"/>
+            <a:r>
+              <a:rPr lang="en-US" altLang="ko-KR" dirty="0" err="1" smtClean="0"/>
+              <a:t>Tianeptine</a:t>
+            </a:r>
+            <a:r>
+              <a:rPr lang="en-US" altLang="ko-KR" dirty="0" smtClean="0"/>
+              <a:t> 12.5mg 1T bid</a:t>
+            </a:r>
+          </a:p>
+          <a:p>
+            <a:pPr lvl="1"/>
+            <a:endParaRPr lang="en-US" altLang="ko-KR" dirty="0" smtClean="0"/>
+          </a:p>
+          <a:p>
+            <a:pPr lvl="1"/>
+            <a:endParaRPr lang="ko-KR" altLang="en-US" dirty="0"/>
+          </a:p>
+        </p:txBody>
+      </p:sp>
+      <p:sp>
+        <p:nvSpPr>
+          <p:cNvPr id="4" name="TextBox 3"/>
+          <p:cNvSpPr txBox="1"/>
+          <p:nvPr/>
+        </p:nvSpPr>
+        <p:spPr>
+          <a:xfrm>
+            <a:off x="6434356" y="2525086"/>
+            <a:ext cx="4613945" cy="369332"/>
+          </a:xfrm>
+          <a:prstGeom prst="rect">
+            <a:avLst/>
+          </a:prstGeom>
+          <a:noFill/>
+        </p:spPr>
+        <p:txBody>
+          <a:bodyPr wrap="square" rtlCol="0">
+            <a:spAutoFit/>
+          </a:bodyPr>
+          <a:lstStyle/>
+          <a:p>
+            <a:r>
+              <a:rPr lang="en-US" altLang="ko-KR" smtClean="0"/>
+              <a:t>Amitriptyline </a:t>
+            </a:r>
+            <a:endParaRPr lang="ko-KR" altLang="en-US"/>
+          </a:p>
+        </p:txBody>
+      </p:sp>
+    </p:spTree>
+    <p:extLst>
+      <p:ext uri="{BB962C8B-B14F-4D97-AF65-F5344CB8AC3E}">
+        <p14:creationId xmlns:p14="http://schemas.microsoft.com/office/powerpoint/2010/main" val="1153345491"/>
+      </p:ext>
+    </p:extLst>
+  </p:cSld>
+  <p:clrMapOvr>
+    <a:masterClrMapping/>
+  </p:clrMapOvr>
+</p:sld>
+</file>
+
+<file path=ppt/slides/slide17.xml><?xml version="1.0" encoding="utf-8"?>
+<p:sld xmlns:a="http://schemas.openxmlformats.org/drawingml/2006/main" xmlns:r="http://schemas.openxmlformats.org/officeDocument/2006/relationships" xmlns:p="http://schemas.openxmlformats.org/presentationml/2006/main">
+  <p:cSld>
+    <p:spTree>
+      <p:nvGrpSpPr>
+        <p:cNvPr id="1" name=""/>
+        <p:cNvGrpSpPr/>
+        <p:nvPr/>
+      </p:nvGrpSpPr>
+      <p:grpSpPr>
+        <a:xfrm>
+          <a:off x="0" y="0"/>
+          <a:ext cx="0" cy="0"/>
+          <a:chOff x="0" y="0"/>
+          <a:chExt cx="0" cy="0"/>
+        </a:xfrm>
+      </p:grpSpPr>
+      <p:sp>
+        <p:nvSpPr>
+          <p:cNvPr id="3" name="내용 개체 틀 2"/>
+          <p:cNvSpPr>
+            <a:spLocks noGrp="1"/>
+          </p:cNvSpPr>
+          <p:nvPr>
+            <p:ph idx="1"/>
+          </p:nvPr>
+        </p:nvSpPr>
+        <p:spPr>
+          <a:xfrm>
+            <a:off x="0" y="0"/>
+            <a:ext cx="12192000" cy="6858000"/>
+          </a:xfrm>
+        </p:spPr>
+        <p:txBody>
+          <a:bodyPr>
+            <a:normAutofit/>
+          </a:bodyPr>
+          <a:lstStyle/>
+          <a:p>
+            <a:pPr marL="0" indent="0" algn="ctr">
+              <a:buNone/>
+            </a:pPr>
+            <a:endParaRPr lang="en-US" altLang="ko-KR" sz="8000" dirty="0" smtClean="0"/>
+          </a:p>
+          <a:p>
+            <a:pPr marL="0" indent="0" algn="ctr">
+              <a:buNone/>
+            </a:pPr>
+            <a:r>
+              <a:rPr lang="ko-KR" altLang="en-US" sz="8000" dirty="0" err="1" smtClean="0"/>
+              <a:t>경청해주셔서</a:t>
+            </a:r>
+            <a:r>
+              <a:rPr lang="ko-KR" altLang="en-US" sz="8000" dirty="0" smtClean="0"/>
+              <a:t> 고맙습니다</a:t>
+            </a:r>
+            <a:r>
+              <a:rPr lang="en-US" altLang="ko-KR" sz="8000" dirty="0" smtClean="0"/>
+              <a:t>.</a:t>
+            </a:r>
+            <a:endParaRPr lang="ko-KR" altLang="en-US" sz="8000" dirty="0"/>
+          </a:p>
+        </p:txBody>
+      </p:sp>
+    </p:spTree>
+    <p:extLst>
+      <p:ext uri="{BB962C8B-B14F-4D97-AF65-F5344CB8AC3E}">
+        <p14:creationId xmlns:p14="http://schemas.microsoft.com/office/powerpoint/2010/main" val="245308015"/>
       </p:ext>
     </p:extLst>
   </p:cSld>

--- a/2021.12 개원의연수강좌-neuropathic pain.pptx
+++ b/2021.12 개원의연수강좌-neuropathic pain.pptx
@@ -5,7 +5,7 @@
     <p:sldMasterId id="2147483660" r:id="rId1"/>
   </p:sldMasterIdLst>
   <p:notesMasterIdLst>
-    <p:notesMasterId r:id="rId19"/>
+    <p:notesMasterId r:id="rId25"/>
   </p:notesMasterIdLst>
   <p:sldIdLst>
     <p:sldId id="256" r:id="rId2"/>
@@ -21,10 +21,16 @@
     <p:sldId id="271" r:id="rId12"/>
     <p:sldId id="272" r:id="rId13"/>
     <p:sldId id="262" r:id="rId14"/>
-    <p:sldId id="273" r:id="rId15"/>
-    <p:sldId id="275" r:id="rId16"/>
-    <p:sldId id="276" r:id="rId17"/>
-    <p:sldId id="274" r:id="rId18"/>
+    <p:sldId id="282" r:id="rId15"/>
+    <p:sldId id="277" r:id="rId16"/>
+    <p:sldId id="278" r:id="rId17"/>
+    <p:sldId id="279" r:id="rId18"/>
+    <p:sldId id="281" r:id="rId19"/>
+    <p:sldId id="273" r:id="rId20"/>
+    <p:sldId id="275" r:id="rId21"/>
+    <p:sldId id="276" r:id="rId22"/>
+    <p:sldId id="283" r:id="rId23"/>
+    <p:sldId id="274" r:id="rId24"/>
   </p:sldIdLst>
   <p:sldSz cx="12192000" cy="6858000"/>
   <p:notesSz cx="6858000" cy="9144000"/>
@@ -1303,6 +1309,18 @@
           <a:pPr latinLnBrk="1"/>
           <a:r>
             <a:rPr lang="ko-KR" altLang="en-US" dirty="0" err="1" smtClean="0"/>
+            <a:t>기립성</a:t>
+          </a:r>
+          <a:r>
+            <a:rPr lang="ko-KR" altLang="en-US" dirty="0" smtClean="0"/>
+            <a:t> 어지럼</a:t>
+          </a:r>
+          <a:r>
+            <a:rPr lang="en-US" altLang="ko-KR" dirty="0" smtClean="0"/>
+            <a:t>, </a:t>
+          </a:r>
+          <a:r>
+            <a:rPr lang="ko-KR" altLang="en-US" dirty="0" err="1" smtClean="0"/>
             <a:t>소변불편감</a:t>
           </a:r>
           <a:r>
@@ -1354,16 +1372,8 @@
         <a:p>
           <a:pPr latinLnBrk="1"/>
           <a:r>
-            <a:rPr lang="ko-KR" altLang="en-US" dirty="0" err="1" smtClean="0"/>
-            <a:t>기립성</a:t>
-          </a:r>
-          <a:r>
-            <a:rPr lang="ko-KR" altLang="en-US" dirty="0" smtClean="0"/>
-            <a:t> 어지럼 발생</a:t>
-          </a:r>
-          <a:r>
             <a:rPr lang="en-US" altLang="ko-KR" dirty="0" smtClean="0"/>
-            <a:t>, Amitriptyline 20mg bid</a:t>
+            <a:t>Amitriptyline 20mg bid</a:t>
           </a:r>
           <a:r>
             <a:rPr lang="ko-KR" altLang="en-US" dirty="0" smtClean="0"/>
@@ -1689,6 +1699,14 @@
         </dgm:presLayoutVars>
       </dgm:prSet>
       <dgm:spPr/>
+      <dgm:t>
+        <a:bodyPr/>
+        <a:lstStyle/>
+        <a:p>
+          <a:pPr latinLnBrk="1"/>
+          <a:endParaRPr lang="ko-KR" altLang="en-US"/>
+        </a:p>
+      </dgm:t>
     </dgm:pt>
     <dgm:pt modelId="{0B37147A-16C8-4EE9-B737-4B1F7922D3C0}" type="pres">
       <dgm:prSet presAssocID="{FA3156E4-0684-4D69-883A-7EC46FD32800}" presName="node" presStyleLbl="node1" presStyleIdx="0" presStyleCnt="14">
@@ -1697,14 +1715,38 @@
         </dgm:presLayoutVars>
       </dgm:prSet>
       <dgm:spPr/>
+      <dgm:t>
+        <a:bodyPr/>
+        <a:lstStyle/>
+        <a:p>
+          <a:pPr latinLnBrk="1"/>
+          <a:endParaRPr lang="ko-KR" altLang="en-US"/>
+        </a:p>
+      </dgm:t>
     </dgm:pt>
     <dgm:pt modelId="{90F77984-3FCB-4C4B-B412-C5E78535D9C1}" type="pres">
       <dgm:prSet presAssocID="{A6838211-7D36-4FAF-A71F-E41DFE72E129}" presName="sibTrans" presStyleLbl="sibTrans1D1" presStyleIdx="0" presStyleCnt="13"/>
       <dgm:spPr/>
+      <dgm:t>
+        <a:bodyPr/>
+        <a:lstStyle/>
+        <a:p>
+          <a:pPr latinLnBrk="1"/>
+          <a:endParaRPr lang="ko-KR" altLang="en-US"/>
+        </a:p>
+      </dgm:t>
     </dgm:pt>
     <dgm:pt modelId="{E0FAE0A6-BE46-4ACC-A49E-CD206C3BD690}" type="pres">
       <dgm:prSet presAssocID="{A6838211-7D36-4FAF-A71F-E41DFE72E129}" presName="connectorText" presStyleLbl="sibTrans1D1" presStyleIdx="0" presStyleCnt="13"/>
       <dgm:spPr/>
+      <dgm:t>
+        <a:bodyPr/>
+        <a:lstStyle/>
+        <a:p>
+          <a:pPr latinLnBrk="1"/>
+          <a:endParaRPr lang="ko-KR" altLang="en-US"/>
+        </a:p>
+      </dgm:t>
     </dgm:pt>
     <dgm:pt modelId="{80CDCA2C-E5B2-4AFC-AB10-788750352066}" type="pres">
       <dgm:prSet presAssocID="{04FD56F6-FC30-4C89-ACD5-0A0B6C275E17}" presName="node" presStyleLbl="node1" presStyleIdx="1" presStyleCnt="14">
@@ -1713,14 +1755,38 @@
         </dgm:presLayoutVars>
       </dgm:prSet>
       <dgm:spPr/>
+      <dgm:t>
+        <a:bodyPr/>
+        <a:lstStyle/>
+        <a:p>
+          <a:pPr latinLnBrk="1"/>
+          <a:endParaRPr lang="ko-KR" altLang="en-US"/>
+        </a:p>
+      </dgm:t>
     </dgm:pt>
     <dgm:pt modelId="{5F6920BD-7ADB-48B8-8B9F-2A61BDD53B2B}" type="pres">
       <dgm:prSet presAssocID="{1D255EEE-3112-45E2-8EE5-98545D3C151E}" presName="sibTrans" presStyleLbl="sibTrans1D1" presStyleIdx="1" presStyleCnt="13"/>
       <dgm:spPr/>
+      <dgm:t>
+        <a:bodyPr/>
+        <a:lstStyle/>
+        <a:p>
+          <a:pPr latinLnBrk="1"/>
+          <a:endParaRPr lang="ko-KR" altLang="en-US"/>
+        </a:p>
+      </dgm:t>
     </dgm:pt>
     <dgm:pt modelId="{0B806F82-5498-4B8C-8653-5F6F852DA65B}" type="pres">
       <dgm:prSet presAssocID="{1D255EEE-3112-45E2-8EE5-98545D3C151E}" presName="connectorText" presStyleLbl="sibTrans1D1" presStyleIdx="1" presStyleCnt="13"/>
       <dgm:spPr/>
+      <dgm:t>
+        <a:bodyPr/>
+        <a:lstStyle/>
+        <a:p>
+          <a:pPr latinLnBrk="1"/>
+          <a:endParaRPr lang="ko-KR" altLang="en-US"/>
+        </a:p>
+      </dgm:t>
     </dgm:pt>
     <dgm:pt modelId="{890F0551-4885-4A01-BD49-1318151EF955}" type="pres">
       <dgm:prSet presAssocID="{4DF5F7FD-E7DA-48BE-809E-898C7474100E}" presName="node" presStyleLbl="node1" presStyleIdx="2" presStyleCnt="14">
@@ -1729,14 +1795,38 @@
         </dgm:presLayoutVars>
       </dgm:prSet>
       <dgm:spPr/>
+      <dgm:t>
+        <a:bodyPr/>
+        <a:lstStyle/>
+        <a:p>
+          <a:pPr latinLnBrk="1"/>
+          <a:endParaRPr lang="ko-KR" altLang="en-US"/>
+        </a:p>
+      </dgm:t>
     </dgm:pt>
     <dgm:pt modelId="{862DF8F2-8181-44F3-8C96-3D647825456A}" type="pres">
       <dgm:prSet presAssocID="{3700FCB7-869C-4926-9EB8-69627E8ACE75}" presName="sibTrans" presStyleLbl="sibTrans1D1" presStyleIdx="2" presStyleCnt="13"/>
       <dgm:spPr/>
+      <dgm:t>
+        <a:bodyPr/>
+        <a:lstStyle/>
+        <a:p>
+          <a:pPr latinLnBrk="1"/>
+          <a:endParaRPr lang="ko-KR" altLang="en-US"/>
+        </a:p>
+      </dgm:t>
     </dgm:pt>
     <dgm:pt modelId="{F5AAB24D-586B-498D-833C-2E817DA27925}" type="pres">
       <dgm:prSet presAssocID="{3700FCB7-869C-4926-9EB8-69627E8ACE75}" presName="connectorText" presStyleLbl="sibTrans1D1" presStyleIdx="2" presStyleCnt="13"/>
       <dgm:spPr/>
+      <dgm:t>
+        <a:bodyPr/>
+        <a:lstStyle/>
+        <a:p>
+          <a:pPr latinLnBrk="1"/>
+          <a:endParaRPr lang="ko-KR" altLang="en-US"/>
+        </a:p>
+      </dgm:t>
     </dgm:pt>
     <dgm:pt modelId="{4A6608F7-2BC6-494A-955C-D734D76A1866}" type="pres">
       <dgm:prSet presAssocID="{946C29C7-C595-4C8C-B731-3DCDB128A630}" presName="node" presStyleLbl="node1" presStyleIdx="3" presStyleCnt="14">
@@ -1745,14 +1835,38 @@
         </dgm:presLayoutVars>
       </dgm:prSet>
       <dgm:spPr/>
+      <dgm:t>
+        <a:bodyPr/>
+        <a:lstStyle/>
+        <a:p>
+          <a:pPr latinLnBrk="1"/>
+          <a:endParaRPr lang="ko-KR" altLang="en-US"/>
+        </a:p>
+      </dgm:t>
     </dgm:pt>
     <dgm:pt modelId="{37C047E0-9888-434F-8A49-5E4F79BB5B2F}" type="pres">
       <dgm:prSet presAssocID="{67D28134-205A-4E68-B3D0-E2434E3E4E73}" presName="sibTrans" presStyleLbl="sibTrans1D1" presStyleIdx="3" presStyleCnt="13"/>
       <dgm:spPr/>
+      <dgm:t>
+        <a:bodyPr/>
+        <a:lstStyle/>
+        <a:p>
+          <a:pPr latinLnBrk="1"/>
+          <a:endParaRPr lang="ko-KR" altLang="en-US"/>
+        </a:p>
+      </dgm:t>
     </dgm:pt>
     <dgm:pt modelId="{526E875A-5D41-4C37-8E53-5E7B3243C588}" type="pres">
       <dgm:prSet presAssocID="{67D28134-205A-4E68-B3D0-E2434E3E4E73}" presName="connectorText" presStyleLbl="sibTrans1D1" presStyleIdx="3" presStyleCnt="13"/>
       <dgm:spPr/>
+      <dgm:t>
+        <a:bodyPr/>
+        <a:lstStyle/>
+        <a:p>
+          <a:pPr latinLnBrk="1"/>
+          <a:endParaRPr lang="ko-KR" altLang="en-US"/>
+        </a:p>
+      </dgm:t>
     </dgm:pt>
     <dgm:pt modelId="{2A5E42F0-5AD3-43B3-A8DE-C682B8065754}" type="pres">
       <dgm:prSet presAssocID="{AC666C09-5CEB-4C12-9816-E20E93EE8808}" presName="node" presStyleLbl="node1" presStyleIdx="4" presStyleCnt="14">
@@ -1761,14 +1875,38 @@
         </dgm:presLayoutVars>
       </dgm:prSet>
       <dgm:spPr/>
+      <dgm:t>
+        <a:bodyPr/>
+        <a:lstStyle/>
+        <a:p>
+          <a:pPr latinLnBrk="1"/>
+          <a:endParaRPr lang="ko-KR" altLang="en-US"/>
+        </a:p>
+      </dgm:t>
     </dgm:pt>
     <dgm:pt modelId="{5D5A8D98-2335-4903-9C60-D994488C34B8}" type="pres">
       <dgm:prSet presAssocID="{FDE95A7B-BF77-4882-A822-1B4A33A0484A}" presName="sibTrans" presStyleLbl="sibTrans1D1" presStyleIdx="4" presStyleCnt="13"/>
       <dgm:spPr/>
+      <dgm:t>
+        <a:bodyPr/>
+        <a:lstStyle/>
+        <a:p>
+          <a:pPr latinLnBrk="1"/>
+          <a:endParaRPr lang="ko-KR" altLang="en-US"/>
+        </a:p>
+      </dgm:t>
     </dgm:pt>
     <dgm:pt modelId="{ED5B51B7-49CC-43E3-896F-6B94424A5351}" type="pres">
       <dgm:prSet presAssocID="{FDE95A7B-BF77-4882-A822-1B4A33A0484A}" presName="connectorText" presStyleLbl="sibTrans1D1" presStyleIdx="4" presStyleCnt="13"/>
       <dgm:spPr/>
+      <dgm:t>
+        <a:bodyPr/>
+        <a:lstStyle/>
+        <a:p>
+          <a:pPr latinLnBrk="1"/>
+          <a:endParaRPr lang="ko-KR" altLang="en-US"/>
+        </a:p>
+      </dgm:t>
     </dgm:pt>
     <dgm:pt modelId="{B7D129FD-94D9-4BF6-B6DF-1FAC29728FFD}" type="pres">
       <dgm:prSet presAssocID="{FFEA5090-7B61-4F57-877A-BF14B7629E2F}" presName="node" presStyleLbl="node1" presStyleIdx="5" presStyleCnt="14">
@@ -1777,14 +1915,38 @@
         </dgm:presLayoutVars>
       </dgm:prSet>
       <dgm:spPr/>
+      <dgm:t>
+        <a:bodyPr/>
+        <a:lstStyle/>
+        <a:p>
+          <a:pPr latinLnBrk="1"/>
+          <a:endParaRPr lang="ko-KR" altLang="en-US"/>
+        </a:p>
+      </dgm:t>
     </dgm:pt>
     <dgm:pt modelId="{38B6CC62-952D-4166-B24F-047C77C894AB}" type="pres">
       <dgm:prSet presAssocID="{E5A98D16-53CD-412F-8FD6-07D19A3F963E}" presName="sibTrans" presStyleLbl="sibTrans1D1" presStyleIdx="5" presStyleCnt="13"/>
       <dgm:spPr/>
+      <dgm:t>
+        <a:bodyPr/>
+        <a:lstStyle/>
+        <a:p>
+          <a:pPr latinLnBrk="1"/>
+          <a:endParaRPr lang="ko-KR" altLang="en-US"/>
+        </a:p>
+      </dgm:t>
     </dgm:pt>
     <dgm:pt modelId="{6FB13CE0-AB4A-47A5-A73D-DCA1A6FCFEC6}" type="pres">
       <dgm:prSet presAssocID="{E5A98D16-53CD-412F-8FD6-07D19A3F963E}" presName="connectorText" presStyleLbl="sibTrans1D1" presStyleIdx="5" presStyleCnt="13"/>
       <dgm:spPr/>
+      <dgm:t>
+        <a:bodyPr/>
+        <a:lstStyle/>
+        <a:p>
+          <a:pPr latinLnBrk="1"/>
+          <a:endParaRPr lang="ko-KR" altLang="en-US"/>
+        </a:p>
+      </dgm:t>
     </dgm:pt>
     <dgm:pt modelId="{C49B80A6-BD41-4AFB-8EB5-3773E992E5BB}" type="pres">
       <dgm:prSet presAssocID="{B792578E-6225-458A-90E2-69627ED28B72}" presName="node" presStyleLbl="node1" presStyleIdx="6" presStyleCnt="14">
@@ -1793,14 +1955,38 @@
         </dgm:presLayoutVars>
       </dgm:prSet>
       <dgm:spPr/>
+      <dgm:t>
+        <a:bodyPr/>
+        <a:lstStyle/>
+        <a:p>
+          <a:pPr latinLnBrk="1"/>
+          <a:endParaRPr lang="ko-KR" altLang="en-US"/>
+        </a:p>
+      </dgm:t>
     </dgm:pt>
     <dgm:pt modelId="{7CEE1634-633A-440D-9CE2-5AF41BE72F65}" type="pres">
       <dgm:prSet presAssocID="{C13683FE-5CA0-41BC-AE83-F6D39874F22C}" presName="sibTrans" presStyleLbl="sibTrans1D1" presStyleIdx="6" presStyleCnt="13"/>
       <dgm:spPr/>
+      <dgm:t>
+        <a:bodyPr/>
+        <a:lstStyle/>
+        <a:p>
+          <a:pPr latinLnBrk="1"/>
+          <a:endParaRPr lang="ko-KR" altLang="en-US"/>
+        </a:p>
+      </dgm:t>
     </dgm:pt>
     <dgm:pt modelId="{75A0EC99-A0A1-4418-B79E-909EAAD09D98}" type="pres">
       <dgm:prSet presAssocID="{C13683FE-5CA0-41BC-AE83-F6D39874F22C}" presName="connectorText" presStyleLbl="sibTrans1D1" presStyleIdx="6" presStyleCnt="13"/>
       <dgm:spPr/>
+      <dgm:t>
+        <a:bodyPr/>
+        <a:lstStyle/>
+        <a:p>
+          <a:pPr latinLnBrk="1"/>
+          <a:endParaRPr lang="ko-KR" altLang="en-US"/>
+        </a:p>
+      </dgm:t>
     </dgm:pt>
     <dgm:pt modelId="{72008380-46A2-4EC5-97EC-5E2DE6F75D70}" type="pres">
       <dgm:prSet presAssocID="{BB0D8EB5-1684-4CF5-A6DF-F61C82A5F513}" presName="node" presStyleLbl="node1" presStyleIdx="7" presStyleCnt="14">
@@ -1809,14 +1995,38 @@
         </dgm:presLayoutVars>
       </dgm:prSet>
       <dgm:spPr/>
+      <dgm:t>
+        <a:bodyPr/>
+        <a:lstStyle/>
+        <a:p>
+          <a:pPr latinLnBrk="1"/>
+          <a:endParaRPr lang="ko-KR" altLang="en-US"/>
+        </a:p>
+      </dgm:t>
     </dgm:pt>
     <dgm:pt modelId="{5B203C94-CEC7-4AAA-A1AE-367D4F6E8A0B}" type="pres">
       <dgm:prSet presAssocID="{53584C89-9786-4470-B63E-FA8E979A6277}" presName="sibTrans" presStyleLbl="sibTrans1D1" presStyleIdx="7" presStyleCnt="13"/>
       <dgm:spPr/>
+      <dgm:t>
+        <a:bodyPr/>
+        <a:lstStyle/>
+        <a:p>
+          <a:pPr latinLnBrk="1"/>
+          <a:endParaRPr lang="ko-KR" altLang="en-US"/>
+        </a:p>
+      </dgm:t>
     </dgm:pt>
     <dgm:pt modelId="{D9843ACB-BEDA-4148-8BAA-D4832FA3EC25}" type="pres">
       <dgm:prSet presAssocID="{53584C89-9786-4470-B63E-FA8E979A6277}" presName="connectorText" presStyleLbl="sibTrans1D1" presStyleIdx="7" presStyleCnt="13"/>
       <dgm:spPr/>
+      <dgm:t>
+        <a:bodyPr/>
+        <a:lstStyle/>
+        <a:p>
+          <a:pPr latinLnBrk="1"/>
+          <a:endParaRPr lang="ko-KR" altLang="en-US"/>
+        </a:p>
+      </dgm:t>
     </dgm:pt>
     <dgm:pt modelId="{F65E02C4-8131-4CB6-A792-CBE460247714}" type="pres">
       <dgm:prSet presAssocID="{ECDCF5B2-7B8A-4C83-BA04-E82248D489A4}" presName="node" presStyleLbl="node1" presStyleIdx="8" presStyleCnt="14">
@@ -1825,14 +2035,38 @@
         </dgm:presLayoutVars>
       </dgm:prSet>
       <dgm:spPr/>
+      <dgm:t>
+        <a:bodyPr/>
+        <a:lstStyle/>
+        <a:p>
+          <a:pPr latinLnBrk="1"/>
+          <a:endParaRPr lang="ko-KR" altLang="en-US"/>
+        </a:p>
+      </dgm:t>
     </dgm:pt>
     <dgm:pt modelId="{C188CBC8-F067-47AD-B24F-9B3BC5DA116F}" type="pres">
       <dgm:prSet presAssocID="{E0EBD570-1031-4932-B6E6-EDD17E69044C}" presName="sibTrans" presStyleLbl="sibTrans1D1" presStyleIdx="8" presStyleCnt="13"/>
       <dgm:spPr/>
+      <dgm:t>
+        <a:bodyPr/>
+        <a:lstStyle/>
+        <a:p>
+          <a:pPr latinLnBrk="1"/>
+          <a:endParaRPr lang="ko-KR" altLang="en-US"/>
+        </a:p>
+      </dgm:t>
     </dgm:pt>
     <dgm:pt modelId="{E5E1E9AD-105C-4440-8EA0-7124154B3920}" type="pres">
       <dgm:prSet presAssocID="{E0EBD570-1031-4932-B6E6-EDD17E69044C}" presName="connectorText" presStyleLbl="sibTrans1D1" presStyleIdx="8" presStyleCnt="13"/>
       <dgm:spPr/>
+      <dgm:t>
+        <a:bodyPr/>
+        <a:lstStyle/>
+        <a:p>
+          <a:pPr latinLnBrk="1"/>
+          <a:endParaRPr lang="ko-KR" altLang="en-US"/>
+        </a:p>
+      </dgm:t>
     </dgm:pt>
     <dgm:pt modelId="{32B3C348-15CB-41C4-BD9F-CDB17486CF7A}" type="pres">
       <dgm:prSet presAssocID="{560CFE5F-89B6-4B41-9E99-E00BECFFEF13}" presName="node" presStyleLbl="node1" presStyleIdx="9" presStyleCnt="14">
@@ -1841,14 +2075,38 @@
         </dgm:presLayoutVars>
       </dgm:prSet>
       <dgm:spPr/>
+      <dgm:t>
+        <a:bodyPr/>
+        <a:lstStyle/>
+        <a:p>
+          <a:pPr latinLnBrk="1"/>
+          <a:endParaRPr lang="ko-KR" altLang="en-US"/>
+        </a:p>
+      </dgm:t>
     </dgm:pt>
     <dgm:pt modelId="{09F6480F-632B-4590-9115-C3D0156B24C0}" type="pres">
       <dgm:prSet presAssocID="{41EAFA0A-24FB-4E88-A29E-B52130467B48}" presName="sibTrans" presStyleLbl="sibTrans1D1" presStyleIdx="9" presStyleCnt="13"/>
       <dgm:spPr/>
+      <dgm:t>
+        <a:bodyPr/>
+        <a:lstStyle/>
+        <a:p>
+          <a:pPr latinLnBrk="1"/>
+          <a:endParaRPr lang="ko-KR" altLang="en-US"/>
+        </a:p>
+      </dgm:t>
     </dgm:pt>
     <dgm:pt modelId="{EAA7338F-7BB0-4F1D-8E20-8EE09444717C}" type="pres">
       <dgm:prSet presAssocID="{41EAFA0A-24FB-4E88-A29E-B52130467B48}" presName="connectorText" presStyleLbl="sibTrans1D1" presStyleIdx="9" presStyleCnt="13"/>
       <dgm:spPr/>
+      <dgm:t>
+        <a:bodyPr/>
+        <a:lstStyle/>
+        <a:p>
+          <a:pPr latinLnBrk="1"/>
+          <a:endParaRPr lang="ko-KR" altLang="en-US"/>
+        </a:p>
+      </dgm:t>
     </dgm:pt>
     <dgm:pt modelId="{23721B35-F5F1-49DC-B006-1BC1E0AD882D}" type="pres">
       <dgm:prSet presAssocID="{FAF9E6EE-3ADE-4112-9473-C43BE2FFCC6E}" presName="node" presStyleLbl="node1" presStyleIdx="10" presStyleCnt="14">
@@ -1857,14 +2115,38 @@
         </dgm:presLayoutVars>
       </dgm:prSet>
       <dgm:spPr/>
+      <dgm:t>
+        <a:bodyPr/>
+        <a:lstStyle/>
+        <a:p>
+          <a:pPr latinLnBrk="1"/>
+          <a:endParaRPr lang="ko-KR" altLang="en-US"/>
+        </a:p>
+      </dgm:t>
     </dgm:pt>
     <dgm:pt modelId="{A9CBDA74-3FFC-4C31-9B03-42A22C30FFB9}" type="pres">
       <dgm:prSet presAssocID="{F77EC4F4-B5D2-48F8-8FFF-11050E95DA6D}" presName="sibTrans" presStyleLbl="sibTrans1D1" presStyleIdx="10" presStyleCnt="13"/>
       <dgm:spPr/>
+      <dgm:t>
+        <a:bodyPr/>
+        <a:lstStyle/>
+        <a:p>
+          <a:pPr latinLnBrk="1"/>
+          <a:endParaRPr lang="ko-KR" altLang="en-US"/>
+        </a:p>
+      </dgm:t>
     </dgm:pt>
     <dgm:pt modelId="{9311CD18-F044-4DAF-9CA6-460B2A5EEE8D}" type="pres">
       <dgm:prSet presAssocID="{F77EC4F4-B5D2-48F8-8FFF-11050E95DA6D}" presName="connectorText" presStyleLbl="sibTrans1D1" presStyleIdx="10" presStyleCnt="13"/>
       <dgm:spPr/>
+      <dgm:t>
+        <a:bodyPr/>
+        <a:lstStyle/>
+        <a:p>
+          <a:pPr latinLnBrk="1"/>
+          <a:endParaRPr lang="ko-KR" altLang="en-US"/>
+        </a:p>
+      </dgm:t>
     </dgm:pt>
     <dgm:pt modelId="{F20EBC16-6695-4485-AD11-C98CE2865025}" type="pres">
       <dgm:prSet presAssocID="{803634DA-A1CD-4B67-BEFC-B2CE6182BB66}" presName="node" presStyleLbl="node1" presStyleIdx="11" presStyleCnt="14">
@@ -1873,14 +2155,38 @@
         </dgm:presLayoutVars>
       </dgm:prSet>
       <dgm:spPr/>
+      <dgm:t>
+        <a:bodyPr/>
+        <a:lstStyle/>
+        <a:p>
+          <a:pPr latinLnBrk="1"/>
+          <a:endParaRPr lang="ko-KR" altLang="en-US"/>
+        </a:p>
+      </dgm:t>
     </dgm:pt>
     <dgm:pt modelId="{50422C64-53CD-4107-A76F-FE27A233D737}" type="pres">
       <dgm:prSet presAssocID="{545005C9-A6BD-48B2-B69C-0C0FEDD81AF8}" presName="sibTrans" presStyleLbl="sibTrans1D1" presStyleIdx="11" presStyleCnt="13"/>
       <dgm:spPr/>
+      <dgm:t>
+        <a:bodyPr/>
+        <a:lstStyle/>
+        <a:p>
+          <a:pPr latinLnBrk="1"/>
+          <a:endParaRPr lang="ko-KR" altLang="en-US"/>
+        </a:p>
+      </dgm:t>
     </dgm:pt>
     <dgm:pt modelId="{6B6180A3-6312-4381-9B68-74EAF510A007}" type="pres">
       <dgm:prSet presAssocID="{545005C9-A6BD-48B2-B69C-0C0FEDD81AF8}" presName="connectorText" presStyleLbl="sibTrans1D1" presStyleIdx="11" presStyleCnt="13"/>
       <dgm:spPr/>
+      <dgm:t>
+        <a:bodyPr/>
+        <a:lstStyle/>
+        <a:p>
+          <a:pPr latinLnBrk="1"/>
+          <a:endParaRPr lang="ko-KR" altLang="en-US"/>
+        </a:p>
+      </dgm:t>
     </dgm:pt>
     <dgm:pt modelId="{E7FD4B0B-95A8-498E-BAB4-C1073A6402E1}" type="pres">
       <dgm:prSet presAssocID="{35EA7384-5BBF-459D-9A66-62612387C646}" presName="node" presStyleLbl="node1" presStyleIdx="12" presStyleCnt="14">
@@ -1889,14 +2195,38 @@
         </dgm:presLayoutVars>
       </dgm:prSet>
       <dgm:spPr/>
+      <dgm:t>
+        <a:bodyPr/>
+        <a:lstStyle/>
+        <a:p>
+          <a:pPr latinLnBrk="1"/>
+          <a:endParaRPr lang="ko-KR" altLang="en-US"/>
+        </a:p>
+      </dgm:t>
     </dgm:pt>
     <dgm:pt modelId="{C7F742DA-3989-4E46-9234-2B4AAD5034F7}" type="pres">
       <dgm:prSet presAssocID="{4C4775EC-6708-4CAE-8DF9-65E3B1A6A61C}" presName="sibTrans" presStyleLbl="sibTrans1D1" presStyleIdx="12" presStyleCnt="13"/>
       <dgm:spPr/>
+      <dgm:t>
+        <a:bodyPr/>
+        <a:lstStyle/>
+        <a:p>
+          <a:pPr latinLnBrk="1"/>
+          <a:endParaRPr lang="ko-KR" altLang="en-US"/>
+        </a:p>
+      </dgm:t>
     </dgm:pt>
     <dgm:pt modelId="{7E408424-A7D8-4E99-A994-BD2C958BFF37}" type="pres">
       <dgm:prSet presAssocID="{4C4775EC-6708-4CAE-8DF9-65E3B1A6A61C}" presName="connectorText" presStyleLbl="sibTrans1D1" presStyleIdx="12" presStyleCnt="13"/>
       <dgm:spPr/>
+      <dgm:t>
+        <a:bodyPr/>
+        <a:lstStyle/>
+        <a:p>
+          <a:pPr latinLnBrk="1"/>
+          <a:endParaRPr lang="ko-KR" altLang="en-US"/>
+        </a:p>
+      </dgm:t>
     </dgm:pt>
     <dgm:pt modelId="{220150E1-98BD-46D5-B1EE-75D15C6975DF}" type="pres">
       <dgm:prSet presAssocID="{E99F146A-A7BC-4AF0-8344-B7A23D9331B0}" presName="node" presStyleLbl="node1" presStyleIdx="13" presStyleCnt="14">
@@ -1905,64 +2235,72 @@
         </dgm:presLayoutVars>
       </dgm:prSet>
       <dgm:spPr/>
+      <dgm:t>
+        <a:bodyPr/>
+        <a:lstStyle/>
+        <a:p>
+          <a:pPr latinLnBrk="1"/>
+          <a:endParaRPr lang="ko-KR" altLang="en-US"/>
+        </a:p>
+      </dgm:t>
     </dgm:pt>
   </dgm:ptLst>
   <dgm:cxnLst>
+    <dgm:cxn modelId="{C5D248AC-3B41-4661-93F4-091EEE5D5110}" type="presOf" srcId="{67D28134-205A-4E68-B3D0-E2434E3E4E73}" destId="{37C047E0-9888-434F-8A49-5E4F79BB5B2F}" srcOrd="0" destOrd="0" presId="urn:microsoft.com/office/officeart/2005/8/layout/bProcess3"/>
+    <dgm:cxn modelId="{5BB1D7CF-43EA-4032-B49F-536F092E722B}" srcId="{0786A586-3234-4A05-9284-EF2C95DE38CA}" destId="{AC666C09-5CEB-4C12-9816-E20E93EE8808}" srcOrd="4" destOrd="0" parTransId="{68CBED72-C660-43EF-82DF-832A174E2EB5}" sibTransId="{FDE95A7B-BF77-4882-A822-1B4A33A0484A}"/>
+    <dgm:cxn modelId="{21D9A3A5-ED64-4DA1-BD6A-933F1A121B66}" type="presOf" srcId="{53584C89-9786-4470-B63E-FA8E979A6277}" destId="{5B203C94-CEC7-4AAA-A1AE-367D4F6E8A0B}" srcOrd="0" destOrd="0" presId="urn:microsoft.com/office/officeart/2005/8/layout/bProcess3"/>
+    <dgm:cxn modelId="{E9FD72F3-FA21-4626-A710-D7FC112AC626}" srcId="{0786A586-3234-4A05-9284-EF2C95DE38CA}" destId="{FFEA5090-7B61-4F57-877A-BF14B7629E2F}" srcOrd="5" destOrd="0" parTransId="{00B1064D-6FF3-42D4-BF4F-D84A5FFAED85}" sibTransId="{E5A98D16-53CD-412F-8FD6-07D19A3F963E}"/>
+    <dgm:cxn modelId="{CD1BE95F-8395-46B5-94FC-BF2E1B8BF558}" type="presOf" srcId="{E0EBD570-1031-4932-B6E6-EDD17E69044C}" destId="{C188CBC8-F067-47AD-B24F-9B3BC5DA116F}" srcOrd="0" destOrd="0" presId="urn:microsoft.com/office/officeart/2005/8/layout/bProcess3"/>
+    <dgm:cxn modelId="{27F97E60-1ABA-4CC1-88E9-A3D28BF78D93}" srcId="{0786A586-3234-4A05-9284-EF2C95DE38CA}" destId="{946C29C7-C595-4C8C-B731-3DCDB128A630}" srcOrd="3" destOrd="0" parTransId="{68D224D9-1A05-4060-A710-E65568B01FFB}" sibTransId="{67D28134-205A-4E68-B3D0-E2434E3E4E73}"/>
+    <dgm:cxn modelId="{D1D56011-BFC9-41C0-B288-CD21E8BFD5EC}" srcId="{0786A586-3234-4A05-9284-EF2C95DE38CA}" destId="{803634DA-A1CD-4B67-BEFC-B2CE6182BB66}" srcOrd="11" destOrd="0" parTransId="{3EB4BA46-C49F-4046-9351-323AAA71072D}" sibTransId="{545005C9-A6BD-48B2-B69C-0C0FEDD81AF8}"/>
+    <dgm:cxn modelId="{1EE9A28F-9D46-4099-852D-FEC6D469A36A}" type="presOf" srcId="{1D255EEE-3112-45E2-8EE5-98545D3C151E}" destId="{5F6920BD-7ADB-48B8-8B9F-2A61BDD53B2B}" srcOrd="0" destOrd="0" presId="urn:microsoft.com/office/officeart/2005/8/layout/bProcess3"/>
+    <dgm:cxn modelId="{8F34A09D-DA01-4839-8E9E-330C11F53AFD}" type="presOf" srcId="{FAF9E6EE-3ADE-4112-9473-C43BE2FFCC6E}" destId="{23721B35-F5F1-49DC-B006-1BC1E0AD882D}" srcOrd="0" destOrd="0" presId="urn:microsoft.com/office/officeart/2005/8/layout/bProcess3"/>
+    <dgm:cxn modelId="{10C860C8-EA1B-4BA5-A33C-B2AAE219B382}" type="presOf" srcId="{FDE95A7B-BF77-4882-A822-1B4A33A0484A}" destId="{ED5B51B7-49CC-43E3-896F-6B94424A5351}" srcOrd="1" destOrd="0" presId="urn:microsoft.com/office/officeart/2005/8/layout/bProcess3"/>
+    <dgm:cxn modelId="{8FCC0810-093E-4667-842A-57293857B144}" srcId="{0786A586-3234-4A05-9284-EF2C95DE38CA}" destId="{B792578E-6225-458A-90E2-69627ED28B72}" srcOrd="6" destOrd="0" parTransId="{EF58A2BB-636E-4C6F-86B9-11B3C7D541B6}" sibTransId="{C13683FE-5CA0-41BC-AE83-F6D39874F22C}"/>
+    <dgm:cxn modelId="{32B7AE43-D48F-4A71-89ED-619258B30C02}" type="presOf" srcId="{4DF5F7FD-E7DA-48BE-809E-898C7474100E}" destId="{890F0551-4885-4A01-BD49-1318151EF955}" srcOrd="0" destOrd="0" presId="urn:microsoft.com/office/officeart/2005/8/layout/bProcess3"/>
+    <dgm:cxn modelId="{74A2C39B-AA77-421F-8698-9A13E56CA9F5}" type="presOf" srcId="{53584C89-9786-4470-B63E-FA8E979A6277}" destId="{D9843ACB-BEDA-4148-8BAA-D4832FA3EC25}" srcOrd="1" destOrd="0" presId="urn:microsoft.com/office/officeart/2005/8/layout/bProcess3"/>
+    <dgm:cxn modelId="{6B53FD47-7E96-4926-96C5-245C24A043F2}" type="presOf" srcId="{4C4775EC-6708-4CAE-8DF9-65E3B1A6A61C}" destId="{C7F742DA-3989-4E46-9234-2B4AAD5034F7}" srcOrd="0" destOrd="0" presId="urn:microsoft.com/office/officeart/2005/8/layout/bProcess3"/>
+    <dgm:cxn modelId="{BCC0AB95-7D81-482E-B1AD-7BDDF6884752}" type="presOf" srcId="{C13683FE-5CA0-41BC-AE83-F6D39874F22C}" destId="{7CEE1634-633A-440D-9CE2-5AF41BE72F65}" srcOrd="0" destOrd="0" presId="urn:microsoft.com/office/officeart/2005/8/layout/bProcess3"/>
+    <dgm:cxn modelId="{44672442-D8B3-4BD9-940F-3A97D480E0F7}" srcId="{0786A586-3234-4A05-9284-EF2C95DE38CA}" destId="{E99F146A-A7BC-4AF0-8344-B7A23D9331B0}" srcOrd="13" destOrd="0" parTransId="{23293447-5B67-44E2-A5B1-76297FB08A6A}" sibTransId="{E7873FA2-5D53-4C65-9095-88423A47D83F}"/>
     <dgm:cxn modelId="{CD69997C-9A7B-4452-B0C8-4B33B33ED138}" type="presOf" srcId="{35EA7384-5BBF-459D-9A66-62612387C646}" destId="{E7FD4B0B-95A8-498E-BAB4-C1073A6402E1}" srcOrd="0" destOrd="0" presId="urn:microsoft.com/office/officeart/2005/8/layout/bProcess3"/>
-    <dgm:cxn modelId="{27F97E60-1ABA-4CC1-88E9-A3D28BF78D93}" srcId="{0786A586-3234-4A05-9284-EF2C95DE38CA}" destId="{946C29C7-C595-4C8C-B731-3DCDB128A630}" srcOrd="3" destOrd="0" parTransId="{68D224D9-1A05-4060-A710-E65568B01FFB}" sibTransId="{67D28134-205A-4E68-B3D0-E2434E3E4E73}"/>
+    <dgm:cxn modelId="{BF73BEC7-BC4E-41A4-BF3D-B3F7A20A62D9}" type="presOf" srcId="{3700FCB7-869C-4926-9EB8-69627E8ACE75}" destId="{862DF8F2-8181-44F3-8C96-3D647825456A}" srcOrd="0" destOrd="0" presId="urn:microsoft.com/office/officeart/2005/8/layout/bProcess3"/>
     <dgm:cxn modelId="{B385FF9F-94D6-441F-A56D-05B7C9E37896}" type="presOf" srcId="{FFEA5090-7B61-4F57-877A-BF14B7629E2F}" destId="{B7D129FD-94D9-4BF6-B6DF-1FAC29728FFD}" srcOrd="0" destOrd="0" presId="urn:microsoft.com/office/officeart/2005/8/layout/bProcess3"/>
-    <dgm:cxn modelId="{5BB1D7CF-43EA-4032-B49F-536F092E722B}" srcId="{0786A586-3234-4A05-9284-EF2C95DE38CA}" destId="{AC666C09-5CEB-4C12-9816-E20E93EE8808}" srcOrd="4" destOrd="0" parTransId="{68CBED72-C660-43EF-82DF-832A174E2EB5}" sibTransId="{FDE95A7B-BF77-4882-A822-1B4A33A0484A}"/>
-    <dgm:cxn modelId="{C5D248AC-3B41-4661-93F4-091EEE5D5110}" type="presOf" srcId="{67D28134-205A-4E68-B3D0-E2434E3E4E73}" destId="{37C047E0-9888-434F-8A49-5E4F79BB5B2F}" srcOrd="0" destOrd="0" presId="urn:microsoft.com/office/officeart/2005/8/layout/bProcess3"/>
-    <dgm:cxn modelId="{A2DD3470-CD30-4F8F-8DAE-007AE43C982F}" type="presOf" srcId="{A6838211-7D36-4FAF-A71F-E41DFE72E129}" destId="{E0FAE0A6-BE46-4ACC-A49E-CD206C3BD690}" srcOrd="1" destOrd="0" presId="urn:microsoft.com/office/officeart/2005/8/layout/bProcess3"/>
     <dgm:cxn modelId="{63CBFD34-51B4-4CB8-B4A3-C8125C93069E}" type="presOf" srcId="{A6838211-7D36-4FAF-A71F-E41DFE72E129}" destId="{90F77984-3FCB-4C4B-B412-C5E78535D9C1}" srcOrd="0" destOrd="0" presId="urn:microsoft.com/office/officeart/2005/8/layout/bProcess3"/>
-    <dgm:cxn modelId="{10C860C8-EA1B-4BA5-A33C-B2AAE219B382}" type="presOf" srcId="{FDE95A7B-BF77-4882-A822-1B4A33A0484A}" destId="{ED5B51B7-49CC-43E3-896F-6B94424A5351}" srcOrd="1" destOrd="0" presId="urn:microsoft.com/office/officeart/2005/8/layout/bProcess3"/>
-    <dgm:cxn modelId="{42C9E7CD-11ED-4D71-B95C-E4F6621FC71F}" type="presOf" srcId="{803634DA-A1CD-4B67-BEFC-B2CE6182BB66}" destId="{F20EBC16-6695-4485-AD11-C98CE2865025}" srcOrd="0" destOrd="0" presId="urn:microsoft.com/office/officeart/2005/8/layout/bProcess3"/>
-    <dgm:cxn modelId="{8222E1E6-8E58-41F9-97FC-9A7C881AB319}" type="presOf" srcId="{E5A98D16-53CD-412F-8FD6-07D19A3F963E}" destId="{6FB13CE0-AB4A-47A5-A73D-DCA1A6FCFEC6}" srcOrd="1" destOrd="0" presId="urn:microsoft.com/office/officeart/2005/8/layout/bProcess3"/>
-    <dgm:cxn modelId="{3D47C379-C2F3-4E37-9064-E42DD9A1228F}" type="presOf" srcId="{4C4775EC-6708-4CAE-8DF9-65E3B1A6A61C}" destId="{7E408424-A7D8-4E99-A994-BD2C958BFF37}" srcOrd="1" destOrd="0" presId="urn:microsoft.com/office/officeart/2005/8/layout/bProcess3"/>
-    <dgm:cxn modelId="{68BAA4F6-397F-4C13-B859-DE253C6C77ED}" type="presOf" srcId="{E99F146A-A7BC-4AF0-8344-B7A23D9331B0}" destId="{220150E1-98BD-46D5-B1EE-75D15C6975DF}" srcOrd="0" destOrd="0" presId="urn:microsoft.com/office/officeart/2005/8/layout/bProcess3"/>
-    <dgm:cxn modelId="{44E215FF-322B-4E60-B264-A7A03408AD89}" type="presOf" srcId="{FA3156E4-0684-4D69-883A-7EC46FD32800}" destId="{0B37147A-16C8-4EE9-B737-4B1F7922D3C0}" srcOrd="0" destOrd="0" presId="urn:microsoft.com/office/officeart/2005/8/layout/bProcess3"/>
-    <dgm:cxn modelId="{0621FA01-F71C-4073-9DFD-7E3AB0574404}" type="presOf" srcId="{FDE95A7B-BF77-4882-A822-1B4A33A0484A}" destId="{5D5A8D98-2335-4903-9C60-D994488C34B8}" srcOrd="0" destOrd="0" presId="urn:microsoft.com/office/officeart/2005/8/layout/bProcess3"/>
-    <dgm:cxn modelId="{DB3414A8-A8A4-4F91-A8D0-74C0C80C4BC6}" type="presOf" srcId="{560CFE5F-89B6-4B41-9E99-E00BECFFEF13}" destId="{32B3C348-15CB-41C4-BD9F-CDB17486CF7A}" srcOrd="0" destOrd="0" presId="urn:microsoft.com/office/officeart/2005/8/layout/bProcess3"/>
-    <dgm:cxn modelId="{E9FD72F3-FA21-4626-A710-D7FC112AC626}" srcId="{0786A586-3234-4A05-9284-EF2C95DE38CA}" destId="{FFEA5090-7B61-4F57-877A-BF14B7629E2F}" srcOrd="5" destOrd="0" parTransId="{00B1064D-6FF3-42D4-BF4F-D84A5FFAED85}" sibTransId="{E5A98D16-53CD-412F-8FD6-07D19A3F963E}"/>
-    <dgm:cxn modelId="{F4ED955E-3661-4F50-A5EB-6544989F7BA6}" type="presOf" srcId="{E0EBD570-1031-4932-B6E6-EDD17E69044C}" destId="{E5E1E9AD-105C-4440-8EA0-7124154B3920}" srcOrd="1" destOrd="0" presId="urn:microsoft.com/office/officeart/2005/8/layout/bProcess3"/>
-    <dgm:cxn modelId="{FABA190E-016B-4DEB-BB12-756B6ED146B7}" type="presOf" srcId="{545005C9-A6BD-48B2-B69C-0C0FEDD81AF8}" destId="{50422C64-53CD-4107-A76F-FE27A233D737}" srcOrd="0" destOrd="0" presId="urn:microsoft.com/office/officeart/2005/8/layout/bProcess3"/>
-    <dgm:cxn modelId="{5C0C6430-CD0D-4C94-8277-D30E6F09220F}" srcId="{0786A586-3234-4A05-9284-EF2C95DE38CA}" destId="{35EA7384-5BBF-459D-9A66-62612387C646}" srcOrd="12" destOrd="0" parTransId="{550E1223-3AEA-4E8C-B76B-D9836CDA8834}" sibTransId="{4C4775EC-6708-4CAE-8DF9-65E3B1A6A61C}"/>
-    <dgm:cxn modelId="{137EE550-2C01-4E0D-BC66-7D29A35CE9D8}" srcId="{0786A586-3234-4A05-9284-EF2C95DE38CA}" destId="{FA3156E4-0684-4D69-883A-7EC46FD32800}" srcOrd="0" destOrd="0" parTransId="{71E14F92-B599-4F78-AEFE-EA7589C5B885}" sibTransId="{A6838211-7D36-4FAF-A71F-E41DFE72E129}"/>
-    <dgm:cxn modelId="{C7BC3F02-A96A-42E1-9913-FB71E6FE8E51}" srcId="{0786A586-3234-4A05-9284-EF2C95DE38CA}" destId="{ECDCF5B2-7B8A-4C83-BA04-E82248D489A4}" srcOrd="8" destOrd="0" parTransId="{991CABFC-A25B-489D-B748-B3F14C1740CD}" sibTransId="{E0EBD570-1031-4932-B6E6-EDD17E69044C}"/>
-    <dgm:cxn modelId="{BCC0AB95-7D81-482E-B1AD-7BDDF6884752}" type="presOf" srcId="{C13683FE-5CA0-41BC-AE83-F6D39874F22C}" destId="{7CEE1634-633A-440D-9CE2-5AF41BE72F65}" srcOrd="0" destOrd="0" presId="urn:microsoft.com/office/officeart/2005/8/layout/bProcess3"/>
-    <dgm:cxn modelId="{D1B13A42-1A4C-4BD4-9A30-A0EC7FA932A3}" type="presOf" srcId="{F77EC4F4-B5D2-48F8-8FFF-11050E95DA6D}" destId="{A9CBDA74-3FFC-4C31-9B03-42A22C30FFB9}" srcOrd="0" destOrd="0" presId="urn:microsoft.com/office/officeart/2005/8/layout/bProcess3"/>
-    <dgm:cxn modelId="{D1D56011-BFC9-41C0-B288-CD21E8BFD5EC}" srcId="{0786A586-3234-4A05-9284-EF2C95DE38CA}" destId="{803634DA-A1CD-4B67-BEFC-B2CE6182BB66}" srcOrd="11" destOrd="0" parTransId="{3EB4BA46-C49F-4046-9351-323AAA71072D}" sibTransId="{545005C9-A6BD-48B2-B69C-0C0FEDD81AF8}"/>
-    <dgm:cxn modelId="{1034E62B-5CF4-433E-A5C0-3ED6B17DEF43}" type="presOf" srcId="{41EAFA0A-24FB-4E88-A29E-B52130467B48}" destId="{09F6480F-632B-4590-9115-C3D0156B24C0}" srcOrd="0" destOrd="0" presId="urn:microsoft.com/office/officeart/2005/8/layout/bProcess3"/>
-    <dgm:cxn modelId="{0B0A4A80-9D5A-47A3-A492-4D97D56EDB41}" type="presOf" srcId="{04FD56F6-FC30-4C89-ACD5-0A0B6C275E17}" destId="{80CDCA2C-E5B2-4AFC-AB10-788750352066}" srcOrd="0" destOrd="0" presId="urn:microsoft.com/office/officeart/2005/8/layout/bProcess3"/>
-    <dgm:cxn modelId="{97389D0F-D64E-420A-8800-EAE2ACF796FD}" srcId="{0786A586-3234-4A05-9284-EF2C95DE38CA}" destId="{4DF5F7FD-E7DA-48BE-809E-898C7474100E}" srcOrd="2" destOrd="0" parTransId="{11479114-5F10-4DC7-9CE9-14430DC014CD}" sibTransId="{3700FCB7-869C-4926-9EB8-69627E8ACE75}"/>
-    <dgm:cxn modelId="{786B5ACE-D9E9-4A70-B680-F36CBF4653D8}" type="presOf" srcId="{ECDCF5B2-7B8A-4C83-BA04-E82248D489A4}" destId="{F65E02C4-8131-4CB6-A792-CBE460247714}" srcOrd="0" destOrd="0" presId="urn:microsoft.com/office/officeart/2005/8/layout/bProcess3"/>
-    <dgm:cxn modelId="{510CDF71-9902-450F-9DD5-88729AF516FA}" type="presOf" srcId="{B792578E-6225-458A-90E2-69627ED28B72}" destId="{C49B80A6-BD41-4AFB-8EB5-3773E992E5BB}" srcOrd="0" destOrd="0" presId="urn:microsoft.com/office/officeart/2005/8/layout/bProcess3"/>
-    <dgm:cxn modelId="{638E5F4D-1285-4EDB-85FD-9684C00F245B}" type="presOf" srcId="{67D28134-205A-4E68-B3D0-E2434E3E4E73}" destId="{526E875A-5D41-4C37-8E53-5E7B3243C588}" srcOrd="1" destOrd="0" presId="urn:microsoft.com/office/officeart/2005/8/layout/bProcess3"/>
-    <dgm:cxn modelId="{BF73BEC7-BC4E-41A4-BF3D-B3F7A20A62D9}" type="presOf" srcId="{3700FCB7-869C-4926-9EB8-69627E8ACE75}" destId="{862DF8F2-8181-44F3-8C96-3D647825456A}" srcOrd="0" destOrd="0" presId="urn:microsoft.com/office/officeart/2005/8/layout/bProcess3"/>
-    <dgm:cxn modelId="{8F34A09D-DA01-4839-8E9E-330C11F53AFD}" type="presOf" srcId="{FAF9E6EE-3ADE-4112-9473-C43BE2FFCC6E}" destId="{23721B35-F5F1-49DC-B006-1BC1E0AD882D}" srcOrd="0" destOrd="0" presId="urn:microsoft.com/office/officeart/2005/8/layout/bProcess3"/>
-    <dgm:cxn modelId="{3E7C3936-6F2B-44F2-A191-1493B48307CC}" srcId="{0786A586-3234-4A05-9284-EF2C95DE38CA}" destId="{04FD56F6-FC30-4C89-ACD5-0A0B6C275E17}" srcOrd="1" destOrd="0" parTransId="{E59B7215-F3D3-4270-844B-85FC9A1623B6}" sibTransId="{1D255EEE-3112-45E2-8EE5-98545D3C151E}"/>
-    <dgm:cxn modelId="{D42C9177-9E14-471A-8C26-10A64C2B4DB3}" type="presOf" srcId="{41EAFA0A-24FB-4E88-A29E-B52130467B48}" destId="{EAA7338F-7BB0-4F1D-8E20-8EE09444717C}" srcOrd="1" destOrd="0" presId="urn:microsoft.com/office/officeart/2005/8/layout/bProcess3"/>
-    <dgm:cxn modelId="{21D9A3A5-ED64-4DA1-BD6A-933F1A121B66}" type="presOf" srcId="{53584C89-9786-4470-B63E-FA8E979A6277}" destId="{5B203C94-CEC7-4AAA-A1AE-367D4F6E8A0B}" srcOrd="0" destOrd="0" presId="urn:microsoft.com/office/officeart/2005/8/layout/bProcess3"/>
-    <dgm:cxn modelId="{A95F3748-ACA3-45F2-A168-7528B8751F2C}" type="presOf" srcId="{1D255EEE-3112-45E2-8EE5-98545D3C151E}" destId="{0B806F82-5498-4B8C-8653-5F6F852DA65B}" srcOrd="1" destOrd="0" presId="urn:microsoft.com/office/officeart/2005/8/layout/bProcess3"/>
-    <dgm:cxn modelId="{32B7AE43-D48F-4A71-89ED-619258B30C02}" type="presOf" srcId="{4DF5F7FD-E7DA-48BE-809E-898C7474100E}" destId="{890F0551-4885-4A01-BD49-1318151EF955}" srcOrd="0" destOrd="0" presId="urn:microsoft.com/office/officeart/2005/8/layout/bProcess3"/>
-    <dgm:cxn modelId="{65735942-1B3D-471B-A980-9C123FBE4ED8}" type="presOf" srcId="{C13683FE-5CA0-41BC-AE83-F6D39874F22C}" destId="{75A0EC99-A0A1-4418-B79E-909EAAD09D98}" srcOrd="1" destOrd="0" presId="urn:microsoft.com/office/officeart/2005/8/layout/bProcess3"/>
-    <dgm:cxn modelId="{8FCC0810-093E-4667-842A-57293857B144}" srcId="{0786A586-3234-4A05-9284-EF2C95DE38CA}" destId="{B792578E-6225-458A-90E2-69627ED28B72}" srcOrd="6" destOrd="0" parTransId="{EF58A2BB-636E-4C6F-86B9-11B3C7D541B6}" sibTransId="{C13683FE-5CA0-41BC-AE83-F6D39874F22C}"/>
-    <dgm:cxn modelId="{B72C9556-910E-487C-B341-EB0C7469E5F1}" type="presOf" srcId="{E5A98D16-53CD-412F-8FD6-07D19A3F963E}" destId="{38B6CC62-952D-4166-B24F-047C77C894AB}" srcOrd="0" destOrd="0" presId="urn:microsoft.com/office/officeart/2005/8/layout/bProcess3"/>
     <dgm:cxn modelId="{5CAEC8F1-50A1-4956-8809-425ADA5A6636}" type="presOf" srcId="{F77EC4F4-B5D2-48F8-8FFF-11050E95DA6D}" destId="{9311CD18-F044-4DAF-9CA6-460B2A5EEE8D}" srcOrd="1" destOrd="0" presId="urn:microsoft.com/office/officeart/2005/8/layout/bProcess3"/>
     <dgm:cxn modelId="{B9C6C5AE-54B8-4D68-9631-2DCC2561A5D0}" type="presOf" srcId="{AC666C09-5CEB-4C12-9816-E20E93EE8808}" destId="{2A5E42F0-5AD3-43B3-A8DE-C682B8065754}" srcOrd="0" destOrd="0" presId="urn:microsoft.com/office/officeart/2005/8/layout/bProcess3"/>
+    <dgm:cxn modelId="{3E7C3936-6F2B-44F2-A191-1493B48307CC}" srcId="{0786A586-3234-4A05-9284-EF2C95DE38CA}" destId="{04FD56F6-FC30-4C89-ACD5-0A0B6C275E17}" srcOrd="1" destOrd="0" parTransId="{E59B7215-F3D3-4270-844B-85FC9A1623B6}" sibTransId="{1D255EEE-3112-45E2-8EE5-98545D3C151E}"/>
+    <dgm:cxn modelId="{8B67A5CF-D674-46B6-9C6A-A744C44D7BBA}" type="presOf" srcId="{0786A586-3234-4A05-9284-EF2C95DE38CA}" destId="{B01AC89C-3AFF-40BF-9984-C7C24EB9C25E}" srcOrd="0" destOrd="0" presId="urn:microsoft.com/office/officeart/2005/8/layout/bProcess3"/>
+    <dgm:cxn modelId="{DB3414A8-A8A4-4F91-A8D0-74C0C80C4BC6}" type="presOf" srcId="{560CFE5F-89B6-4B41-9E99-E00BECFFEF13}" destId="{32B3C348-15CB-41C4-BD9F-CDB17486CF7A}" srcOrd="0" destOrd="0" presId="urn:microsoft.com/office/officeart/2005/8/layout/bProcess3"/>
+    <dgm:cxn modelId="{A95F3748-ACA3-45F2-A168-7528B8751F2C}" type="presOf" srcId="{1D255EEE-3112-45E2-8EE5-98545D3C151E}" destId="{0B806F82-5498-4B8C-8653-5F6F852DA65B}" srcOrd="1" destOrd="0" presId="urn:microsoft.com/office/officeart/2005/8/layout/bProcess3"/>
+    <dgm:cxn modelId="{B72C9556-910E-487C-B341-EB0C7469E5F1}" type="presOf" srcId="{E5A98D16-53CD-412F-8FD6-07D19A3F963E}" destId="{38B6CC62-952D-4166-B24F-047C77C894AB}" srcOrd="0" destOrd="0" presId="urn:microsoft.com/office/officeart/2005/8/layout/bProcess3"/>
+    <dgm:cxn modelId="{97389D0F-D64E-420A-8800-EAE2ACF796FD}" srcId="{0786A586-3234-4A05-9284-EF2C95DE38CA}" destId="{4DF5F7FD-E7DA-48BE-809E-898C7474100E}" srcOrd="2" destOrd="0" parTransId="{11479114-5F10-4DC7-9CE9-14430DC014CD}" sibTransId="{3700FCB7-869C-4926-9EB8-69627E8ACE75}"/>
+    <dgm:cxn modelId="{CB72ECA3-591E-40D1-8E12-D895C37AA9B1}" srcId="{0786A586-3234-4A05-9284-EF2C95DE38CA}" destId="{FAF9E6EE-3ADE-4112-9473-C43BE2FFCC6E}" srcOrd="10" destOrd="0" parTransId="{AA3BF652-75A5-4B7A-94E3-ED6C7F91ECFC}" sibTransId="{F77EC4F4-B5D2-48F8-8FFF-11050E95DA6D}"/>
+    <dgm:cxn modelId="{786B5ACE-D9E9-4A70-B680-F36CBF4653D8}" type="presOf" srcId="{ECDCF5B2-7B8A-4C83-BA04-E82248D489A4}" destId="{F65E02C4-8131-4CB6-A792-CBE460247714}" srcOrd="0" destOrd="0" presId="urn:microsoft.com/office/officeart/2005/8/layout/bProcess3"/>
+    <dgm:cxn modelId="{8222E1E6-8E58-41F9-97FC-9A7C881AB319}" type="presOf" srcId="{E5A98D16-53CD-412F-8FD6-07D19A3F963E}" destId="{6FB13CE0-AB4A-47A5-A73D-DCA1A6FCFEC6}" srcOrd="1" destOrd="0" presId="urn:microsoft.com/office/officeart/2005/8/layout/bProcess3"/>
     <dgm:cxn modelId="{16A47E8D-B0DC-4C62-B6D7-66EAE2F1995A}" type="presOf" srcId="{BB0D8EB5-1684-4CF5-A6DF-F61C82A5F513}" destId="{72008380-46A2-4EC5-97EC-5E2DE6F75D70}" srcOrd="0" destOrd="0" presId="urn:microsoft.com/office/officeart/2005/8/layout/bProcess3"/>
-    <dgm:cxn modelId="{8B67A5CF-D674-46B6-9C6A-A744C44D7BBA}" type="presOf" srcId="{0786A586-3234-4A05-9284-EF2C95DE38CA}" destId="{B01AC89C-3AFF-40BF-9984-C7C24EB9C25E}" srcOrd="0" destOrd="0" presId="urn:microsoft.com/office/officeart/2005/8/layout/bProcess3"/>
+    <dgm:cxn modelId="{3D47C379-C2F3-4E37-9064-E42DD9A1228F}" type="presOf" srcId="{4C4775EC-6708-4CAE-8DF9-65E3B1A6A61C}" destId="{7E408424-A7D8-4E99-A994-BD2C958BFF37}" srcOrd="1" destOrd="0" presId="urn:microsoft.com/office/officeart/2005/8/layout/bProcess3"/>
+    <dgm:cxn modelId="{4E9C1130-DB9D-4DDE-AB97-CAD67A04EC5D}" type="presOf" srcId="{946C29C7-C595-4C8C-B731-3DCDB128A630}" destId="{4A6608F7-2BC6-494A-955C-D734D76A1866}" srcOrd="0" destOrd="0" presId="urn:microsoft.com/office/officeart/2005/8/layout/bProcess3"/>
+    <dgm:cxn modelId="{1034E62B-5CF4-433E-A5C0-3ED6B17DEF43}" type="presOf" srcId="{41EAFA0A-24FB-4E88-A29E-B52130467B48}" destId="{09F6480F-632B-4590-9115-C3D0156B24C0}" srcOrd="0" destOrd="0" presId="urn:microsoft.com/office/officeart/2005/8/layout/bProcess3"/>
+    <dgm:cxn modelId="{44E215FF-322B-4E60-B264-A7A03408AD89}" type="presOf" srcId="{FA3156E4-0684-4D69-883A-7EC46FD32800}" destId="{0B37147A-16C8-4EE9-B737-4B1F7922D3C0}" srcOrd="0" destOrd="0" presId="urn:microsoft.com/office/officeart/2005/8/layout/bProcess3"/>
+    <dgm:cxn modelId="{7CB6E33A-4B8F-4DD4-8373-0F4D9E1C05DB}" type="presOf" srcId="{545005C9-A6BD-48B2-B69C-0C0FEDD81AF8}" destId="{6B6180A3-6312-4381-9B68-74EAF510A007}" srcOrd="1" destOrd="0" presId="urn:microsoft.com/office/officeart/2005/8/layout/bProcess3"/>
+    <dgm:cxn modelId="{68BAA4F6-397F-4C13-B859-DE253C6C77ED}" type="presOf" srcId="{E99F146A-A7BC-4AF0-8344-B7A23D9331B0}" destId="{220150E1-98BD-46D5-B1EE-75D15C6975DF}" srcOrd="0" destOrd="0" presId="urn:microsoft.com/office/officeart/2005/8/layout/bProcess3"/>
+    <dgm:cxn modelId="{FABA190E-016B-4DEB-BB12-756B6ED146B7}" type="presOf" srcId="{545005C9-A6BD-48B2-B69C-0C0FEDD81AF8}" destId="{50422C64-53CD-4107-A76F-FE27A233D737}" srcOrd="0" destOrd="0" presId="urn:microsoft.com/office/officeart/2005/8/layout/bProcess3"/>
+    <dgm:cxn modelId="{638E5F4D-1285-4EDB-85FD-9684C00F245B}" type="presOf" srcId="{67D28134-205A-4E68-B3D0-E2434E3E4E73}" destId="{526E875A-5D41-4C37-8E53-5E7B3243C588}" srcOrd="1" destOrd="0" presId="urn:microsoft.com/office/officeart/2005/8/layout/bProcess3"/>
+    <dgm:cxn modelId="{0B0A4A80-9D5A-47A3-A492-4D97D56EDB41}" type="presOf" srcId="{04FD56F6-FC30-4C89-ACD5-0A0B6C275E17}" destId="{80CDCA2C-E5B2-4AFC-AB10-788750352066}" srcOrd="0" destOrd="0" presId="urn:microsoft.com/office/officeart/2005/8/layout/bProcess3"/>
+    <dgm:cxn modelId="{C7BC3F02-A96A-42E1-9913-FB71E6FE8E51}" srcId="{0786A586-3234-4A05-9284-EF2C95DE38CA}" destId="{ECDCF5B2-7B8A-4C83-BA04-E82248D489A4}" srcOrd="8" destOrd="0" parTransId="{991CABFC-A25B-489D-B748-B3F14C1740CD}" sibTransId="{E0EBD570-1031-4932-B6E6-EDD17E69044C}"/>
+    <dgm:cxn modelId="{510CDF71-9902-450F-9DD5-88729AF516FA}" type="presOf" srcId="{B792578E-6225-458A-90E2-69627ED28B72}" destId="{C49B80A6-BD41-4AFB-8EB5-3773E992E5BB}" srcOrd="0" destOrd="0" presId="urn:microsoft.com/office/officeart/2005/8/layout/bProcess3"/>
+    <dgm:cxn modelId="{D1B13A42-1A4C-4BD4-9A30-A0EC7FA932A3}" type="presOf" srcId="{F77EC4F4-B5D2-48F8-8FFF-11050E95DA6D}" destId="{A9CBDA74-3FFC-4C31-9B03-42A22C30FFB9}" srcOrd="0" destOrd="0" presId="urn:microsoft.com/office/officeart/2005/8/layout/bProcess3"/>
     <dgm:cxn modelId="{BD85F432-39DA-455A-A269-E26FEA9024D6}" srcId="{0786A586-3234-4A05-9284-EF2C95DE38CA}" destId="{560CFE5F-89B6-4B41-9E99-E00BECFFEF13}" srcOrd="9" destOrd="0" parTransId="{043C2B2B-2820-4609-B8E1-7F7E4A515891}" sibTransId="{41EAFA0A-24FB-4E88-A29E-B52130467B48}"/>
-    <dgm:cxn modelId="{74A2C39B-AA77-421F-8698-9A13E56CA9F5}" type="presOf" srcId="{53584C89-9786-4470-B63E-FA8E979A6277}" destId="{D9843ACB-BEDA-4148-8BAA-D4832FA3EC25}" srcOrd="1" destOrd="0" presId="urn:microsoft.com/office/officeart/2005/8/layout/bProcess3"/>
-    <dgm:cxn modelId="{CB72ECA3-591E-40D1-8E12-D895C37AA9B1}" srcId="{0786A586-3234-4A05-9284-EF2C95DE38CA}" destId="{FAF9E6EE-3ADE-4112-9473-C43BE2FFCC6E}" srcOrd="10" destOrd="0" parTransId="{AA3BF652-75A5-4B7A-94E3-ED6C7F91ECFC}" sibTransId="{F77EC4F4-B5D2-48F8-8FFF-11050E95DA6D}"/>
+    <dgm:cxn modelId="{0621FA01-F71C-4073-9DFD-7E3AB0574404}" type="presOf" srcId="{FDE95A7B-BF77-4882-A822-1B4A33A0484A}" destId="{5D5A8D98-2335-4903-9C60-D994488C34B8}" srcOrd="0" destOrd="0" presId="urn:microsoft.com/office/officeart/2005/8/layout/bProcess3"/>
+    <dgm:cxn modelId="{5C0C6430-CD0D-4C94-8277-D30E6F09220F}" srcId="{0786A586-3234-4A05-9284-EF2C95DE38CA}" destId="{35EA7384-5BBF-459D-9A66-62612387C646}" srcOrd="12" destOrd="0" parTransId="{550E1223-3AEA-4E8C-B76B-D9836CDA8834}" sibTransId="{4C4775EC-6708-4CAE-8DF9-65E3B1A6A61C}"/>
+    <dgm:cxn modelId="{D42C9177-9E14-471A-8C26-10A64C2B4DB3}" type="presOf" srcId="{41EAFA0A-24FB-4E88-A29E-B52130467B48}" destId="{EAA7338F-7BB0-4F1D-8E20-8EE09444717C}" srcOrd="1" destOrd="0" presId="urn:microsoft.com/office/officeart/2005/8/layout/bProcess3"/>
+    <dgm:cxn modelId="{137EE550-2C01-4E0D-BC66-7D29A35CE9D8}" srcId="{0786A586-3234-4A05-9284-EF2C95DE38CA}" destId="{FA3156E4-0684-4D69-883A-7EC46FD32800}" srcOrd="0" destOrd="0" parTransId="{71E14F92-B599-4F78-AEFE-EA7589C5B885}" sibTransId="{A6838211-7D36-4FAF-A71F-E41DFE72E129}"/>
+    <dgm:cxn modelId="{A387989F-DD62-4A5A-92D5-3FDEF3CB7D36}" srcId="{0786A586-3234-4A05-9284-EF2C95DE38CA}" destId="{BB0D8EB5-1684-4CF5-A6DF-F61C82A5F513}" srcOrd="7" destOrd="0" parTransId="{2641C874-1296-44B9-8B38-D04A198A185B}" sibTransId="{53584C89-9786-4470-B63E-FA8E979A6277}"/>
+    <dgm:cxn modelId="{65735942-1B3D-471B-A980-9C123FBE4ED8}" type="presOf" srcId="{C13683FE-5CA0-41BC-AE83-F6D39874F22C}" destId="{75A0EC99-A0A1-4418-B79E-909EAAD09D98}" srcOrd="1" destOrd="0" presId="urn:microsoft.com/office/officeart/2005/8/layout/bProcess3"/>
+    <dgm:cxn modelId="{F4ED955E-3661-4F50-A5EB-6544989F7BA6}" type="presOf" srcId="{E0EBD570-1031-4932-B6E6-EDD17E69044C}" destId="{E5E1E9AD-105C-4440-8EA0-7124154B3920}" srcOrd="1" destOrd="0" presId="urn:microsoft.com/office/officeart/2005/8/layout/bProcess3"/>
+    <dgm:cxn modelId="{A2DD3470-CD30-4F8F-8DAE-007AE43C982F}" type="presOf" srcId="{A6838211-7D36-4FAF-A71F-E41DFE72E129}" destId="{E0FAE0A6-BE46-4ACC-A49E-CD206C3BD690}" srcOrd="1" destOrd="0" presId="urn:microsoft.com/office/officeart/2005/8/layout/bProcess3"/>
+    <dgm:cxn modelId="{42C9E7CD-11ED-4D71-B95C-E4F6621FC71F}" type="presOf" srcId="{803634DA-A1CD-4B67-BEFC-B2CE6182BB66}" destId="{F20EBC16-6695-4485-AD11-C98CE2865025}" srcOrd="0" destOrd="0" presId="urn:microsoft.com/office/officeart/2005/8/layout/bProcess3"/>
     <dgm:cxn modelId="{4F9FC03D-E9A4-45D5-864B-425A54ED382D}" type="presOf" srcId="{3700FCB7-869C-4926-9EB8-69627E8ACE75}" destId="{F5AAB24D-586B-498D-833C-2E817DA27925}" srcOrd="1" destOrd="0" presId="urn:microsoft.com/office/officeart/2005/8/layout/bProcess3"/>
-    <dgm:cxn modelId="{1EE9A28F-9D46-4099-852D-FEC6D469A36A}" type="presOf" srcId="{1D255EEE-3112-45E2-8EE5-98545D3C151E}" destId="{5F6920BD-7ADB-48B8-8B9F-2A61BDD53B2B}" srcOrd="0" destOrd="0" presId="urn:microsoft.com/office/officeart/2005/8/layout/bProcess3"/>
-    <dgm:cxn modelId="{A387989F-DD62-4A5A-92D5-3FDEF3CB7D36}" srcId="{0786A586-3234-4A05-9284-EF2C95DE38CA}" destId="{BB0D8EB5-1684-4CF5-A6DF-F61C82A5F513}" srcOrd="7" destOrd="0" parTransId="{2641C874-1296-44B9-8B38-D04A198A185B}" sibTransId="{53584C89-9786-4470-B63E-FA8E979A6277}"/>
-    <dgm:cxn modelId="{44672442-D8B3-4BD9-940F-3A97D480E0F7}" srcId="{0786A586-3234-4A05-9284-EF2C95DE38CA}" destId="{E99F146A-A7BC-4AF0-8344-B7A23D9331B0}" srcOrd="13" destOrd="0" parTransId="{23293447-5B67-44E2-A5B1-76297FB08A6A}" sibTransId="{E7873FA2-5D53-4C65-9095-88423A47D83F}"/>
-    <dgm:cxn modelId="{4E9C1130-DB9D-4DDE-AB97-CAD67A04EC5D}" type="presOf" srcId="{946C29C7-C595-4C8C-B731-3DCDB128A630}" destId="{4A6608F7-2BC6-494A-955C-D734D76A1866}" srcOrd="0" destOrd="0" presId="urn:microsoft.com/office/officeart/2005/8/layout/bProcess3"/>
-    <dgm:cxn modelId="{CD1BE95F-8395-46B5-94FC-BF2E1B8BF558}" type="presOf" srcId="{E0EBD570-1031-4932-B6E6-EDD17E69044C}" destId="{C188CBC8-F067-47AD-B24F-9B3BC5DA116F}" srcOrd="0" destOrd="0" presId="urn:microsoft.com/office/officeart/2005/8/layout/bProcess3"/>
-    <dgm:cxn modelId="{7CB6E33A-4B8F-4DD4-8373-0F4D9E1C05DB}" type="presOf" srcId="{545005C9-A6BD-48B2-B69C-0C0FEDD81AF8}" destId="{6B6180A3-6312-4381-9B68-74EAF510A007}" srcOrd="1" destOrd="0" presId="urn:microsoft.com/office/officeart/2005/8/layout/bProcess3"/>
-    <dgm:cxn modelId="{6B53FD47-7E96-4926-96C5-245C24A043F2}" type="presOf" srcId="{4C4775EC-6708-4CAE-8DF9-65E3B1A6A61C}" destId="{C7F742DA-3989-4E46-9234-2B4AAD5034F7}" srcOrd="0" destOrd="0" presId="urn:microsoft.com/office/officeart/2005/8/layout/bProcess3"/>
     <dgm:cxn modelId="{7635DD8D-3AC3-4ADA-BE4A-A2A891A43378}" type="presParOf" srcId="{B01AC89C-3AFF-40BF-9984-C7C24EB9C25E}" destId="{0B37147A-16C8-4EE9-B737-4B1F7922D3C0}" srcOrd="0" destOrd="0" presId="urn:microsoft.com/office/officeart/2005/8/layout/bProcess3"/>
     <dgm:cxn modelId="{02F60630-6627-460F-A7F1-6BBBB4F3D522}" type="presParOf" srcId="{B01AC89C-3AFF-40BF-9984-C7C24EB9C25E}" destId="{90F77984-3FCB-4C4B-B412-C5E78535D9C1}" srcOrd="1" destOrd="0" presId="urn:microsoft.com/office/officeart/2005/8/layout/bProcess3"/>
     <dgm:cxn modelId="{80E146AD-9C86-47A0-92FF-A227B3A928B4}" type="presParOf" srcId="{90F77984-3FCB-4C4B-B412-C5E78535D9C1}" destId="{E0FAE0A6-BE46-4ACC-A49E-CD206C3BD690}" srcOrd="0" destOrd="0" presId="urn:microsoft.com/office/officeart/2005/8/layout/bProcess3"/>
@@ -3490,16 +3828,8 @@
             </a:spcAft>
           </a:pPr>
           <a:r>
-            <a:rPr lang="ko-KR" altLang="en-US" sz="1500" kern="1200" dirty="0" err="1" smtClean="0"/>
-            <a:t>기립성</a:t>
-          </a:r>
-          <a:r>
-            <a:rPr lang="ko-KR" altLang="en-US" sz="1500" kern="1200" dirty="0" smtClean="0"/>
-            <a:t> 어지럼 발생</a:t>
-          </a:r>
-          <a:r>
             <a:rPr lang="en-US" altLang="ko-KR" sz="1500" kern="1200" dirty="0" smtClean="0"/>
-            <a:t>, Amitriptyline 20mg bid</a:t>
+            <a:t>Amitriptyline 20mg bid</a:t>
           </a:r>
           <a:r>
             <a:rPr lang="ko-KR" altLang="en-US" sz="1500" kern="1200" dirty="0" smtClean="0"/>
@@ -3702,6 +4032,18 @@
               <a:spcPct val="35000"/>
             </a:spcAft>
           </a:pPr>
+          <a:r>
+            <a:rPr lang="ko-KR" altLang="en-US" sz="1500" kern="1200" dirty="0" err="1" smtClean="0"/>
+            <a:t>기립성</a:t>
+          </a:r>
+          <a:r>
+            <a:rPr lang="ko-KR" altLang="en-US" sz="1500" kern="1200" dirty="0" smtClean="0"/>
+            <a:t> 어지럼</a:t>
+          </a:r>
+          <a:r>
+            <a:rPr lang="en-US" altLang="ko-KR" sz="1500" kern="1200" dirty="0" smtClean="0"/>
+            <a:t>, </a:t>
+          </a:r>
           <a:r>
             <a:rPr lang="ko-KR" altLang="en-US" sz="1500" kern="1200" dirty="0" err="1" smtClean="0"/>
             <a:t>소변불편감</a:t>
@@ -6447,7 +6789,7 @@
           <a:p>
             <a:fld id="{E8FBBB6A-BE53-4BF0-B17E-892FAA57C2D4}" type="datetimeFigureOut">
               <a:rPr lang="ko-KR" altLang="en-US" smtClean="0"/>
-              <a:t>2021-11-03</a:t>
+              <a:t>2021-11-05</a:t>
             </a:fld>
             <a:endParaRPr lang="ko-KR" altLang="en-US"/>
           </a:p>
@@ -11197,7 +11539,7 @@
           <a:p>
             <a:fld id="{11CF987C-FD17-4394-9A4F-BE2D66BE4DDF}" type="datetimeFigureOut">
               <a:rPr lang="ko-KR" altLang="en-US" smtClean="0"/>
-              <a:t>2021-11-03</a:t>
+              <a:t>2021-11-05</a:t>
             </a:fld>
             <a:endParaRPr lang="ko-KR" altLang="en-US"/>
           </a:p>
@@ -11374,7 +11716,7 @@
           <a:p>
             <a:fld id="{11CF987C-FD17-4394-9A4F-BE2D66BE4DDF}" type="datetimeFigureOut">
               <a:rPr lang="ko-KR" altLang="en-US" smtClean="0"/>
-              <a:t>2021-11-03</a:t>
+              <a:t>2021-11-05</a:t>
             </a:fld>
             <a:endParaRPr lang="ko-KR" altLang="en-US"/>
           </a:p>
@@ -11554,7 +11896,7 @@
           <a:p>
             <a:fld id="{11CF987C-FD17-4394-9A4F-BE2D66BE4DDF}" type="datetimeFigureOut">
               <a:rPr lang="ko-KR" altLang="en-US" smtClean="0"/>
-              <a:t>2021-11-03</a:t>
+              <a:t>2021-11-05</a:t>
             </a:fld>
             <a:endParaRPr lang="ko-KR" altLang="en-US"/>
           </a:p>
@@ -11961,7 +12303,7 @@
           <a:p>
             <a:fld id="{11CF987C-FD17-4394-9A4F-BE2D66BE4DDF}" type="datetimeFigureOut">
               <a:rPr lang="ko-KR" altLang="en-US" smtClean="0"/>
-              <a:t>2021-11-03</a:t>
+              <a:t>2021-11-05</a:t>
             </a:fld>
             <a:endParaRPr lang="ko-KR" altLang="en-US"/>
           </a:p>
@@ -12200,7 +12542,7 @@
           <a:p>
             <a:fld id="{11CF987C-FD17-4394-9A4F-BE2D66BE4DDF}" type="datetimeFigureOut">
               <a:rPr lang="ko-KR" altLang="en-US" smtClean="0"/>
-              <a:t>2021-11-03</a:t>
+              <a:t>2021-11-05</a:t>
             </a:fld>
             <a:endParaRPr lang="ko-KR" altLang="en-US"/>
           </a:p>
@@ -12574,7 +12916,7 @@
           <a:p>
             <a:fld id="{11CF987C-FD17-4394-9A4F-BE2D66BE4DDF}" type="datetimeFigureOut">
               <a:rPr lang="ko-KR" altLang="en-US" smtClean="0"/>
-              <a:t>2021-11-03</a:t>
+              <a:t>2021-11-05</a:t>
             </a:fld>
             <a:endParaRPr lang="ko-KR" altLang="en-US"/>
           </a:p>
@@ -12699,7 +13041,7 @@
           <a:p>
             <a:fld id="{11CF987C-FD17-4394-9A4F-BE2D66BE4DDF}" type="datetimeFigureOut">
               <a:rPr lang="ko-KR" altLang="en-US" smtClean="0"/>
-              <a:t>2021-11-03</a:t>
+              <a:t>2021-11-05</a:t>
             </a:fld>
             <a:endParaRPr lang="ko-KR" altLang="en-US"/>
           </a:p>
@@ -12801,7 +13143,7 @@
           <a:p>
             <a:fld id="{11CF987C-FD17-4394-9A4F-BE2D66BE4DDF}" type="datetimeFigureOut">
               <a:rPr lang="ko-KR" altLang="en-US" smtClean="0"/>
-              <a:t>2021-11-03</a:t>
+              <a:t>2021-11-05</a:t>
             </a:fld>
             <a:endParaRPr lang="ko-KR" altLang="en-US"/>
           </a:p>
@@ -13085,7 +13427,7 @@
           <a:p>
             <a:fld id="{11CF987C-FD17-4394-9A4F-BE2D66BE4DDF}" type="datetimeFigureOut">
               <a:rPr lang="ko-KR" altLang="en-US" smtClean="0"/>
-              <a:t>2021-11-03</a:t>
+              <a:t>2021-11-05</a:t>
             </a:fld>
             <a:endParaRPr lang="ko-KR" altLang="en-US"/>
           </a:p>
@@ -13342,7 +13684,7 @@
           <a:p>
             <a:fld id="{11CF987C-FD17-4394-9A4F-BE2D66BE4DDF}" type="datetimeFigureOut">
               <a:rPr lang="ko-KR" altLang="en-US" smtClean="0"/>
-              <a:t>2021-11-03</a:t>
+              <a:t>2021-11-05</a:t>
             </a:fld>
             <a:endParaRPr lang="ko-KR" altLang="en-US"/>
           </a:p>
@@ -13581,7 +13923,7 @@
           <a:p>
             <a:fld id="{11CF987C-FD17-4394-9A4F-BE2D66BE4DDF}" type="datetimeFigureOut">
               <a:rPr lang="ko-KR" altLang="en-US" smtClean="0"/>
-              <a:t>2021-11-03</a:t>
+              <a:t>2021-11-05</a:t>
             </a:fld>
             <a:endParaRPr lang="ko-KR" altLang="en-US"/>
           </a:p>
@@ -14744,8 +15086,8 @@
           <a:lstStyle/>
           <a:p>
             <a:r>
-              <a:rPr lang="en-US" altLang="ko-KR" dirty="0" smtClean="0"/>
-              <a:t>Case 1</a:t>
+              <a:rPr lang="en-US" altLang="ko-KR" dirty="0"/>
+              <a:t>Management</a:t>
             </a:r>
             <a:endParaRPr lang="ko-KR" altLang="en-US" dirty="0"/>
           </a:p>
@@ -14766,81 +15108,76 @@
           <a:bodyPr/>
           <a:lstStyle/>
           <a:p>
+            <a:endParaRPr lang="ko-KR" altLang="en-US"/>
+          </a:p>
+        </p:txBody>
+      </p:sp>
+      <p:pic>
+        <p:nvPicPr>
+          <p:cNvPr id="4" name="그림 3"/>
+          <p:cNvPicPr>
+            <a:picLocks noChangeAspect="1"/>
+          </p:cNvPicPr>
+          <p:nvPr/>
+        </p:nvPicPr>
+        <p:blipFill>
+          <a:blip r:embed="rId2"/>
+          <a:stretch>
+            <a:fillRect/>
+          </a:stretch>
+        </p:blipFill>
+        <p:spPr>
+          <a:xfrm>
+            <a:off x="2252932" y="1206500"/>
+            <a:ext cx="7686136" cy="5640550"/>
+          </a:xfrm>
+          <a:prstGeom prst="rect">
+            <a:avLst/>
+          </a:prstGeom>
+        </p:spPr>
+      </p:pic>
+      <p:sp>
+        <p:nvSpPr>
+          <p:cNvPr id="5" name="TextBox 4"/>
+          <p:cNvSpPr txBox="1"/>
+          <p:nvPr/>
+        </p:nvSpPr>
+        <p:spPr>
+          <a:xfrm>
+            <a:off x="10220588" y="6483087"/>
+            <a:ext cx="2734811" cy="369332"/>
+          </a:xfrm>
+          <a:prstGeom prst="rect">
+            <a:avLst/>
+          </a:prstGeom>
+          <a:noFill/>
+        </p:spPr>
+        <p:txBody>
+          <a:bodyPr wrap="square" rtlCol="0">
+            <a:spAutoFit/>
+          </a:bodyPr>
+          <a:lstStyle/>
+          <a:p>
+            <a:r>
+              <a:rPr lang="en-US" altLang="ko-KR" dirty="0" err="1"/>
+              <a:t>Eunhee</a:t>
+            </a:r>
+            <a:r>
+              <a:rPr lang="en-US" altLang="ko-KR" dirty="0"/>
+              <a:t> </a:t>
+            </a:r>
+            <a:r>
+              <a:rPr lang="en-US" altLang="ko-KR" dirty="0" err="1"/>
+              <a:t>Sohn</a:t>
+            </a:r>
+            <a:r>
+              <a:rPr lang="en-US" altLang="ko-KR" dirty="0"/>
+              <a:t>, </a:t>
+            </a:r>
             <a:r>
               <a:rPr lang="en-US" altLang="ko-KR" dirty="0" smtClean="0"/>
-              <a:t>42</a:t>
-            </a:r>
-            <a:r>
-              <a:rPr lang="ko-KR" altLang="en-US" dirty="0" smtClean="0"/>
-              <a:t>세 남자</a:t>
-            </a:r>
-            <a:endParaRPr lang="en-US" altLang="ko-KR" dirty="0" smtClean="0"/>
-          </a:p>
-          <a:p>
-            <a:r>
-              <a:rPr lang="en-US" altLang="ko-KR" dirty="0" smtClean="0"/>
-              <a:t>6</a:t>
-            </a:r>
-            <a:r>
-              <a:rPr lang="ko-KR" altLang="en-US" dirty="0" err="1" smtClean="0"/>
-              <a:t>달전부터</a:t>
-            </a:r>
-            <a:r>
-              <a:rPr lang="ko-KR" altLang="en-US" dirty="0" smtClean="0"/>
-              <a:t> 발바닥에 찌릿한 증상 호소</a:t>
-            </a:r>
-            <a:endParaRPr lang="en-US" altLang="ko-KR" dirty="0" smtClean="0"/>
-          </a:p>
-          <a:p>
-            <a:r>
-              <a:rPr lang="en-US" altLang="ko-KR" dirty="0" smtClean="0"/>
-              <a:t>7~8</a:t>
-            </a:r>
-            <a:r>
-              <a:rPr lang="ko-KR" altLang="en-US" dirty="0" err="1" smtClean="0"/>
-              <a:t>년전부터</a:t>
-            </a:r>
-            <a:r>
-              <a:rPr lang="ko-KR" altLang="en-US" dirty="0" smtClean="0"/>
-              <a:t> 당뇨로 </a:t>
-            </a:r>
-            <a:r>
-              <a:rPr lang="ko-KR" altLang="en-US" dirty="0" err="1" smtClean="0"/>
-              <a:t>치료중</a:t>
-            </a:r>
-            <a:endParaRPr lang="en-US" altLang="ko-KR" dirty="0" smtClean="0"/>
-          </a:p>
-          <a:p>
-            <a:r>
-              <a:rPr lang="ko-KR" altLang="en-US" dirty="0" err="1" smtClean="0"/>
-              <a:t>타병원에서</a:t>
-            </a:r>
-            <a:r>
-              <a:rPr lang="ko-KR" altLang="en-US" dirty="0" smtClean="0"/>
-              <a:t> </a:t>
-            </a:r>
-            <a:r>
-              <a:rPr lang="en-US" altLang="ko-KR" dirty="0" err="1" smtClean="0"/>
-              <a:t>pregabalin</a:t>
-            </a:r>
-            <a:r>
-              <a:rPr lang="en-US" altLang="ko-KR" dirty="0" smtClean="0"/>
-              <a:t> 150mg/d </a:t>
-            </a:r>
-            <a:r>
-              <a:rPr lang="ko-KR" altLang="en-US" dirty="0" err="1" smtClean="0"/>
-              <a:t>처방받아</a:t>
-            </a:r>
-            <a:r>
-              <a:rPr lang="ko-KR" altLang="en-US" dirty="0" smtClean="0"/>
-              <a:t> 복용하셨으나 큰 효과를 보지 못함</a:t>
-            </a:r>
-            <a:r>
-              <a:rPr lang="en-US" altLang="ko-KR" dirty="0" smtClean="0"/>
-              <a:t>. </a:t>
-            </a:r>
-          </a:p>
-          <a:p>
+              <a:t>2021</a:t>
+            </a:r>
             <a:endParaRPr lang="ko-KR" altLang="en-US" dirty="0"/>
           </a:p>
         </p:txBody>
@@ -14848,7 +15185,7 @@
     </p:spTree>
     <p:extLst>
       <p:ext uri="{BB962C8B-B14F-4D97-AF65-F5344CB8AC3E}">
-        <p14:creationId xmlns:p14="http://schemas.microsoft.com/office/powerpoint/2010/main" val="1090942540"/>
+        <p14:creationId xmlns:p14="http://schemas.microsoft.com/office/powerpoint/2010/main" val="254347482"/>
       </p:ext>
     </p:extLst>
   </p:cSld>
@@ -14875,35 +15212,181 @@
           <a:chExt cx="0" cy="0"/>
         </a:xfrm>
       </p:grpSpPr>
-      <p:graphicFrame>
-        <p:nvGraphicFramePr>
-          <p:cNvPr id="4" name="내용 개체 틀 3"/>
-          <p:cNvGraphicFramePr>
-            <a:graphicFrameLocks noGrp="1"/>
-          </p:cNvGraphicFramePr>
+      <p:sp>
+        <p:nvSpPr>
+          <p:cNvPr id="2" name="제목 1"/>
+          <p:cNvSpPr>
+            <a:spLocks noGrp="1"/>
+          </p:cNvSpPr>
+          <p:nvPr>
+            <p:ph type="title"/>
+          </p:nvPr>
+        </p:nvSpPr>
+        <p:spPr/>
+        <p:txBody>
+          <a:bodyPr/>
+          <a:lstStyle/>
+          <a:p>
+            <a:r>
+              <a:rPr lang="en-US" altLang="ko-KR" dirty="0" smtClean="0"/>
+              <a:t>Gabapentin, </a:t>
+            </a:r>
+            <a:r>
+              <a:rPr lang="en-US" altLang="ko-KR" dirty="0" err="1" smtClean="0"/>
+              <a:t>pregabalin</a:t>
+            </a:r>
+            <a:endParaRPr lang="ko-KR" altLang="en-US" dirty="0"/>
+          </a:p>
+        </p:txBody>
+      </p:sp>
+      <p:sp>
+        <p:nvSpPr>
+          <p:cNvPr id="3" name="내용 개체 틀 2"/>
+          <p:cNvSpPr>
+            <a:spLocks noGrp="1"/>
+          </p:cNvSpPr>
           <p:nvPr>
             <p:ph idx="1"/>
-            <p:extLst>
-              <p:ext uri="{D42A27DB-BD31-4B8C-83A1-F6EECF244321}">
-                <p14:modId xmlns:p14="http://schemas.microsoft.com/office/powerpoint/2010/main" val="2998735731"/>
-              </p:ext>
-            </p:extLst>
           </p:nvPr>
-        </p:nvGraphicFramePr>
-        <p:xfrm>
-          <a:off x="0" y="0"/>
-          <a:ext cx="12192000" cy="6858000"/>
-        </p:xfrm>
-        <a:graphic>
-          <a:graphicData uri="http://schemas.openxmlformats.org/drawingml/2006/diagram">
-            <dgm:relIds xmlns:dgm="http://schemas.openxmlformats.org/drawingml/2006/diagram" xmlns:r="http://schemas.openxmlformats.org/officeDocument/2006/relationships" r:dm="rId2" r:lo="rId3" r:qs="rId4" r:cs="rId5"/>
-          </a:graphicData>
-        </a:graphic>
-      </p:graphicFrame>
+        </p:nvSpPr>
+        <p:spPr/>
+        <p:txBody>
+          <a:bodyPr/>
+          <a:lstStyle/>
+          <a:p>
+            <a:r>
+              <a:rPr lang="en-US" altLang="ko-KR" dirty="0" smtClean="0"/>
+              <a:t>Gabapentin: </a:t>
+            </a:r>
+            <a:r>
+              <a:rPr lang="ko-KR" altLang="en-US" dirty="0" err="1" smtClean="0"/>
+              <a:t>뉴론틴</a:t>
+            </a:r>
+            <a:r>
+              <a:rPr lang="en-US" altLang="ko-KR" baseline="30000" dirty="0" smtClean="0"/>
+              <a:t>®</a:t>
+            </a:r>
+            <a:r>
+              <a:rPr lang="en-US" altLang="ko-KR" dirty="0" smtClean="0"/>
+              <a:t>, 100-1200mg 3times/day</a:t>
+            </a:r>
+            <a:endParaRPr lang="en-US" altLang="ko-KR" baseline="30000" dirty="0" smtClean="0"/>
+          </a:p>
+          <a:p>
+            <a:r>
+              <a:rPr lang="en-US" altLang="ko-KR" dirty="0" err="1" smtClean="0"/>
+              <a:t>Pregabalin</a:t>
+            </a:r>
+            <a:r>
+              <a:rPr lang="en-US" altLang="ko-KR" dirty="0" smtClean="0"/>
+              <a:t>: </a:t>
+            </a:r>
+            <a:r>
+              <a:rPr lang="ko-KR" altLang="en-US" dirty="0" err="1" smtClean="0"/>
+              <a:t>리리카</a:t>
+            </a:r>
+            <a:r>
+              <a:rPr lang="en-US" altLang="ko-KR" baseline="30000" dirty="0" smtClean="0"/>
+              <a:t>®</a:t>
+            </a:r>
+            <a:r>
+              <a:rPr lang="en-US" altLang="ko-KR" dirty="0" smtClean="0"/>
+              <a:t>, 25-300mg twice/day</a:t>
+            </a:r>
+          </a:p>
+          <a:p>
+            <a:r>
+              <a:rPr lang="ko-KR" altLang="en-US" dirty="0" smtClean="0"/>
+              <a:t>졸림</a:t>
+            </a:r>
+            <a:r>
+              <a:rPr lang="en-US" altLang="ko-KR" dirty="0" smtClean="0"/>
+              <a:t>, </a:t>
+            </a:r>
+            <a:r>
+              <a:rPr lang="ko-KR" altLang="en-US" dirty="0" smtClean="0"/>
+              <a:t>어지럼</a:t>
+            </a:r>
+            <a:r>
+              <a:rPr lang="en-US" altLang="ko-KR" dirty="0" smtClean="0"/>
+              <a:t>, </a:t>
+            </a:r>
+            <a:r>
+              <a:rPr lang="ko-KR" altLang="en-US" dirty="0" smtClean="0"/>
+              <a:t>손등과 발등의 부종</a:t>
+            </a:r>
+            <a:r>
+              <a:rPr lang="en-US" altLang="ko-KR" dirty="0" smtClean="0"/>
+              <a:t>, </a:t>
+            </a:r>
+            <a:r>
+              <a:rPr lang="ko-KR" altLang="en-US" dirty="0" smtClean="0"/>
+              <a:t>체중증가</a:t>
+            </a:r>
+            <a:endParaRPr lang="en-US" altLang="ko-KR" dirty="0" smtClean="0"/>
+          </a:p>
+          <a:p>
+            <a:r>
+              <a:rPr lang="ko-KR" altLang="en-US" dirty="0" smtClean="0"/>
+              <a:t>콩팥질환환자에게 </a:t>
+            </a:r>
+            <a:r>
+              <a:rPr lang="ko-KR" altLang="en-US" dirty="0" err="1" smtClean="0"/>
+              <a:t>용량조절</a:t>
+            </a:r>
+            <a:r>
+              <a:rPr lang="ko-KR" altLang="en-US" dirty="0" smtClean="0"/>
+              <a:t> 요함</a:t>
+            </a:r>
+            <a:endParaRPr lang="en-US" altLang="ko-KR" dirty="0" smtClean="0"/>
+          </a:p>
+          <a:p>
+            <a:r>
+              <a:rPr lang="ko-KR" altLang="en-US" dirty="0" smtClean="0"/>
+              <a:t>약물상호작용이 거의 없어 </a:t>
+            </a:r>
+            <a:r>
+              <a:rPr lang="ko-KR" altLang="en-US" dirty="0" err="1" smtClean="0"/>
+              <a:t>항응고제</a:t>
+            </a:r>
+            <a:r>
+              <a:rPr lang="en-US" altLang="ko-KR" dirty="0" smtClean="0"/>
+              <a:t>, </a:t>
+            </a:r>
+            <a:r>
+              <a:rPr lang="ko-KR" altLang="en-US" dirty="0" smtClean="0"/>
+              <a:t>항생제</a:t>
+            </a:r>
+            <a:r>
+              <a:rPr lang="en-US" altLang="ko-KR" dirty="0" smtClean="0"/>
+              <a:t>, </a:t>
+            </a:r>
+            <a:r>
+              <a:rPr lang="ko-KR" altLang="en-US" dirty="0" err="1" smtClean="0"/>
+              <a:t>항혈소판제</a:t>
+            </a:r>
+            <a:r>
+              <a:rPr lang="ko-KR" altLang="en-US" dirty="0" smtClean="0"/>
+              <a:t> 등의 약물 복용 환자에게 적합</a:t>
+            </a:r>
+            <a:endParaRPr lang="en-US" altLang="ko-KR" dirty="0" smtClean="0"/>
+          </a:p>
+          <a:p>
+            <a:r>
+              <a:rPr lang="ko-KR" altLang="en-US" dirty="0" smtClean="0"/>
+              <a:t>투석 중인 환자는 투석 받는 날에는 투석이 끝나고 나서 약 투약</a:t>
+            </a:r>
+            <a:endParaRPr lang="en-US" altLang="ko-KR" dirty="0" smtClean="0"/>
+          </a:p>
+          <a:p>
+            <a:endParaRPr lang="ko-KR" altLang="en-US" dirty="0"/>
+          </a:p>
+        </p:txBody>
+      </p:sp>
     </p:spTree>
     <p:extLst>
       <p:ext uri="{BB962C8B-B14F-4D97-AF65-F5344CB8AC3E}">
-        <p14:creationId xmlns:p14="http://schemas.microsoft.com/office/powerpoint/2010/main" val="1576681853"/>
+        <p14:creationId xmlns:p14="http://schemas.microsoft.com/office/powerpoint/2010/main" val="865691323"/>
       </p:ext>
     </p:extLst>
   </p:cSld>
@@ -14947,7 +15430,7 @@
           <a:p>
             <a:r>
               <a:rPr lang="en-US" altLang="ko-KR" dirty="0" smtClean="0"/>
-              <a:t>Case 1</a:t>
+              <a:t>Duloxetine, venlafaxine </a:t>
             </a:r>
             <a:endParaRPr lang="ko-KR" altLang="en-US" dirty="0"/>
           </a:p>
@@ -14970,127 +15453,97 @@
           <a:p>
             <a:r>
               <a:rPr lang="en-US" altLang="ko-KR" dirty="0" smtClean="0"/>
-              <a:t>Current medication</a:t>
-            </a:r>
-          </a:p>
-          <a:p>
-            <a:pPr lvl="1"/>
+              <a:t>Duloxetine: </a:t>
+            </a:r>
+            <a:r>
+              <a:rPr lang="ko-KR" altLang="en-US" dirty="0" err="1" smtClean="0"/>
+              <a:t>심발타</a:t>
+            </a:r>
+            <a:r>
+              <a:rPr lang="en-US" altLang="ko-KR" baseline="30000" dirty="0" smtClean="0"/>
+              <a:t>®</a:t>
+            </a:r>
             <a:r>
               <a:rPr lang="en-US" altLang="ko-KR" dirty="0" smtClean="0"/>
-              <a:t>Ibuprofen 200mg 1T bid</a:t>
-            </a:r>
-          </a:p>
-          <a:p>
-            <a:pPr lvl="1"/>
-            <a:r>
-              <a:rPr lang="en-US" altLang="ko-KR" dirty="0" err="1" smtClean="0"/>
-              <a:t>Vortioxetine</a:t>
-            </a:r>
+              <a:t>,30mg once/day – 60mg twice/day</a:t>
+            </a:r>
+          </a:p>
+          <a:p>
             <a:r>
               <a:rPr lang="en-US" altLang="ko-KR" dirty="0" smtClean="0"/>
-              <a:t> 10mg 1T </a:t>
-            </a:r>
-            <a:r>
-              <a:rPr lang="en-US" altLang="ko-KR" dirty="0" err="1" smtClean="0"/>
-              <a:t>qd</a:t>
+              <a:t>Venlafaxine: </a:t>
+            </a:r>
+            <a:r>
+              <a:rPr lang="ko-KR" altLang="en-US" dirty="0" err="1" smtClean="0"/>
+              <a:t>에펙서</a:t>
+            </a:r>
+            <a:r>
+              <a:rPr lang="en-US" altLang="ko-KR" baseline="30000" dirty="0"/>
+              <a:t>®</a:t>
+            </a:r>
+            <a:r>
+              <a:rPr lang="en-US" altLang="ko-KR" dirty="0" smtClean="0"/>
+              <a:t>, 37.5mg/day-225mg/day</a:t>
+            </a:r>
+          </a:p>
+          <a:p>
+            <a:r>
+              <a:rPr lang="ko-KR" altLang="en-US" dirty="0" smtClean="0"/>
+              <a:t>졸림</a:t>
+            </a:r>
+            <a:r>
+              <a:rPr lang="en-US" altLang="ko-KR" dirty="0" smtClean="0"/>
+              <a:t>, </a:t>
+            </a:r>
+            <a:r>
+              <a:rPr lang="ko-KR" altLang="en-US" dirty="0" smtClean="0"/>
+              <a:t>변비</a:t>
+            </a:r>
+            <a:r>
+              <a:rPr lang="en-US" altLang="ko-KR" dirty="0" smtClean="0"/>
+              <a:t>, </a:t>
+            </a:r>
+            <a:r>
+              <a:rPr lang="ko-KR" altLang="en-US" dirty="0" smtClean="0"/>
+              <a:t>복통</a:t>
+            </a:r>
+            <a:r>
+              <a:rPr lang="en-US" altLang="ko-KR" dirty="0" smtClean="0"/>
+              <a:t>, </a:t>
+            </a:r>
+            <a:r>
+              <a:rPr lang="ko-KR" altLang="en-US" dirty="0" smtClean="0"/>
+              <a:t>혈압상승</a:t>
             </a:r>
             <a:endParaRPr lang="en-US" altLang="ko-KR" dirty="0" smtClean="0"/>
           </a:p>
           <a:p>
-            <a:pPr lvl="1"/>
+            <a:r>
+              <a:rPr lang="ko-KR" altLang="en-US" dirty="0" smtClean="0"/>
+              <a:t>고혈압환자</a:t>
+            </a:r>
             <a:r>
               <a:rPr lang="en-US" altLang="ko-KR" dirty="0" smtClean="0"/>
-              <a:t>Duloxetine 60mg 1T bid</a:t>
-            </a:r>
-          </a:p>
-          <a:p>
-            <a:pPr lvl="1"/>
-            <a:r>
-              <a:rPr lang="en-US" altLang="ko-KR" dirty="0" err="1" smtClean="0"/>
-              <a:t>Pregabalin</a:t>
-            </a:r>
+              <a:t>, </a:t>
+            </a:r>
+            <a:r>
+              <a:rPr lang="ko-KR" altLang="en-US" dirty="0" smtClean="0"/>
+              <a:t>녹내장환자에게 주의 투여</a:t>
+            </a:r>
+            <a:endParaRPr lang="en-US" altLang="ko-KR" dirty="0" smtClean="0"/>
+          </a:p>
+          <a:p>
             <a:r>
               <a:rPr lang="en-US" altLang="ko-KR" dirty="0" smtClean="0"/>
-              <a:t> 300mg 1T bid</a:t>
-            </a:r>
-          </a:p>
-          <a:p>
-            <a:pPr lvl="1"/>
-            <a:r>
-              <a:rPr lang="en-US" altLang="ko-KR" dirty="0" smtClean="0"/>
-              <a:t>Buprenorphine patch 10</a:t>
-            </a:r>
-            <a:r>
-              <a:rPr lang="el-GR" altLang="ko-KR" dirty="0" smtClean="0"/>
-              <a:t>μ</a:t>
-            </a:r>
-            <a:r>
-              <a:rPr lang="en-US" altLang="ko-KR" dirty="0" smtClean="0"/>
-              <a:t>g</a:t>
-            </a:r>
-          </a:p>
-          <a:p>
-            <a:pPr lvl="1"/>
-            <a:r>
-              <a:rPr lang="en-US" altLang="ko-KR" dirty="0" smtClean="0"/>
-              <a:t>Clonazepam 0.5mg 0.5T bid</a:t>
-            </a:r>
-          </a:p>
-          <a:p>
-            <a:pPr lvl="1"/>
-            <a:r>
-              <a:rPr lang="en-US" altLang="ko-KR" dirty="0" err="1" smtClean="0"/>
-              <a:t>Tianeptine</a:t>
-            </a:r>
-            <a:r>
-              <a:rPr lang="en-US" altLang="ko-KR" dirty="0" smtClean="0"/>
-              <a:t> 12.5mg 1T bid</a:t>
-            </a:r>
-          </a:p>
-          <a:p>
-            <a:pPr lvl="1"/>
-            <a:endParaRPr lang="en-US" altLang="ko-KR" dirty="0" smtClean="0"/>
-          </a:p>
-          <a:p>
-            <a:pPr lvl="1"/>
-            <a:endParaRPr lang="ko-KR" altLang="en-US" dirty="0"/>
-          </a:p>
-        </p:txBody>
-      </p:sp>
-      <p:sp>
-        <p:nvSpPr>
-          <p:cNvPr id="4" name="TextBox 3"/>
-          <p:cNvSpPr txBox="1"/>
-          <p:nvPr/>
-        </p:nvSpPr>
-        <p:spPr>
-          <a:xfrm>
-            <a:off x="6434356" y="2525086"/>
-            <a:ext cx="4613945" cy="369332"/>
-          </a:xfrm>
-          <a:prstGeom prst="rect">
-            <a:avLst/>
-          </a:prstGeom>
-          <a:noFill/>
-        </p:spPr>
-        <p:txBody>
-          <a:bodyPr wrap="square" rtlCol="0">
-            <a:spAutoFit/>
-          </a:bodyPr>
-          <a:lstStyle/>
-          <a:p>
-            <a:r>
-              <a:rPr lang="en-US" altLang="ko-KR" smtClean="0"/>
-              <a:t>Amitriptyline </a:t>
-            </a:r>
-            <a:endParaRPr lang="ko-KR" altLang="en-US"/>
+              <a:t>Radiculopathy, Diabetic polyneuropathy, chemotherapy induced neuropathic pain, fibromyalgia</a:t>
+            </a:r>
           </a:p>
         </p:txBody>
       </p:sp>
     </p:spTree>
     <p:extLst>
       <p:ext uri="{BB962C8B-B14F-4D97-AF65-F5344CB8AC3E}">
-        <p14:creationId xmlns:p14="http://schemas.microsoft.com/office/powerpoint/2010/main" val="1153345491"/>
+        <p14:creationId xmlns:p14="http://schemas.microsoft.com/office/powerpoint/2010/main" val="745340296"/>
       </p:ext>
     </p:extLst>
   </p:cSld>
@@ -15119,6 +15572,29 @@
       </p:grpSpPr>
       <p:sp>
         <p:nvSpPr>
+          <p:cNvPr id="2" name="제목 1"/>
+          <p:cNvSpPr>
+            <a:spLocks noGrp="1"/>
+          </p:cNvSpPr>
+          <p:nvPr>
+            <p:ph type="title"/>
+          </p:nvPr>
+        </p:nvSpPr>
+        <p:spPr/>
+        <p:txBody>
+          <a:bodyPr/>
+          <a:lstStyle/>
+          <a:p>
+            <a:r>
+              <a:rPr lang="en-US" altLang="ko-KR" dirty="0" smtClean="0"/>
+              <a:t>Amitriptyline, nortriptyline</a:t>
+            </a:r>
+            <a:endParaRPr lang="ko-KR" altLang="en-US" dirty="0"/>
+          </a:p>
+        </p:txBody>
+      </p:sp>
+      <p:sp>
+        <p:nvSpPr>
           <p:cNvPr id="3" name="내용 개체 틀 2"/>
           <p:cNvSpPr>
             <a:spLocks noGrp="1"/>
@@ -15127,47 +15603,601 @@
             <p:ph idx="1"/>
           </p:nvPr>
         </p:nvSpPr>
-        <p:spPr>
-          <a:xfrm>
-            <a:off x="0" y="0"/>
-            <a:ext cx="12192000" cy="6858000"/>
-          </a:xfrm>
-        </p:spPr>
+        <p:spPr/>
         <p:txBody>
-          <a:bodyPr>
-            <a:normAutofit/>
-          </a:bodyPr>
+          <a:bodyPr/>
           <a:lstStyle/>
           <a:p>
-            <a:pPr marL="0" indent="0" algn="ctr">
-              <a:buNone/>
-            </a:pPr>
-            <a:endParaRPr lang="en-US" altLang="ko-KR" sz="8000" dirty="0" smtClean="0"/>
-          </a:p>
-          <a:p>
-            <a:pPr marL="0" indent="0" algn="ctr">
-              <a:buNone/>
-            </a:pPr>
-            <a:r>
-              <a:rPr lang="ko-KR" altLang="en-US" sz="8000" dirty="0" err="1" smtClean="0"/>
-              <a:t>경청해주셔서</a:t>
-            </a:r>
-            <a:r>
-              <a:rPr lang="ko-KR" altLang="en-US" sz="8000" dirty="0" smtClean="0"/>
-              <a:t> 고맙습니다</a:t>
-            </a:r>
-            <a:r>
-              <a:rPr lang="en-US" altLang="ko-KR" sz="8000" dirty="0" smtClean="0"/>
-              <a:t>.</a:t>
-            </a:r>
-            <a:endParaRPr lang="ko-KR" altLang="en-US" sz="8000" dirty="0"/>
+            <a:r>
+              <a:rPr lang="en-US" altLang="ko-KR" dirty="0" smtClean="0"/>
+              <a:t>Amitriptyline: </a:t>
+            </a:r>
+            <a:r>
+              <a:rPr lang="ko-KR" altLang="en-US" dirty="0" err="1" smtClean="0"/>
+              <a:t>에나폰</a:t>
+            </a:r>
+            <a:r>
+              <a:rPr lang="en-US" altLang="ko-KR" baseline="30000" dirty="0"/>
+              <a:t>®</a:t>
+            </a:r>
+            <a:r>
+              <a:rPr lang="en-US" altLang="ko-KR" dirty="0" smtClean="0"/>
+              <a:t>, </a:t>
+            </a:r>
+            <a:r>
+              <a:rPr lang="ko-KR" altLang="en-US" dirty="0" err="1" smtClean="0"/>
+              <a:t>에트라빌</a:t>
+            </a:r>
+            <a:r>
+              <a:rPr lang="en-US" altLang="ko-KR" baseline="30000" dirty="0" smtClean="0"/>
+              <a:t>®</a:t>
+            </a:r>
+            <a:r>
+              <a:rPr lang="en-US" altLang="ko-KR" dirty="0" smtClean="0"/>
+              <a:t>, 10mg/day-100mg/day</a:t>
+            </a:r>
+          </a:p>
+          <a:p>
+            <a:r>
+              <a:rPr lang="en-US" altLang="ko-KR" dirty="0" smtClean="0"/>
+              <a:t>Nortriptyline: </a:t>
+            </a:r>
+            <a:r>
+              <a:rPr lang="ko-KR" altLang="en-US" dirty="0" err="1" smtClean="0"/>
+              <a:t>센시발</a:t>
+            </a:r>
+            <a:r>
+              <a:rPr lang="en-US" altLang="ko-KR" baseline="30000" dirty="0" smtClean="0"/>
+              <a:t>®</a:t>
+            </a:r>
+            <a:r>
+              <a:rPr lang="en-US" altLang="ko-KR" dirty="0" smtClean="0"/>
+              <a:t>, 10mg/day-100mg/day</a:t>
+            </a:r>
+            <a:r>
+              <a:rPr lang="en-US" altLang="ko-KR" baseline="30000" dirty="0" smtClean="0"/>
+              <a:t> </a:t>
+            </a:r>
+          </a:p>
+          <a:p>
+            <a:r>
+              <a:rPr lang="ko-KR" altLang="en-US" dirty="0" smtClean="0"/>
+              <a:t>졸림</a:t>
+            </a:r>
+            <a:r>
+              <a:rPr lang="en-US" altLang="ko-KR" dirty="0" smtClean="0"/>
+              <a:t>,</a:t>
+            </a:r>
+            <a:r>
+              <a:rPr lang="ko-KR" altLang="en-US" dirty="0"/>
+              <a:t> </a:t>
+            </a:r>
+            <a:r>
+              <a:rPr lang="en-US" altLang="ko-KR" dirty="0" smtClean="0"/>
+              <a:t>(</a:t>
+            </a:r>
+            <a:r>
+              <a:rPr lang="ko-KR" altLang="en-US" dirty="0" err="1" smtClean="0"/>
+              <a:t>기립성</a:t>
+            </a:r>
+            <a:r>
+              <a:rPr lang="en-US" altLang="ko-KR" dirty="0" smtClean="0"/>
+              <a:t>)</a:t>
+            </a:r>
+            <a:r>
+              <a:rPr lang="ko-KR" altLang="en-US" dirty="0" smtClean="0"/>
+              <a:t>어지러움</a:t>
+            </a:r>
+            <a:r>
+              <a:rPr lang="en-US" altLang="ko-KR" dirty="0" smtClean="0"/>
+              <a:t>, </a:t>
+            </a:r>
+            <a:r>
+              <a:rPr lang="ko-KR" altLang="en-US" dirty="0" err="1" smtClean="0"/>
+              <a:t>입마름</a:t>
+            </a:r>
+            <a:r>
+              <a:rPr lang="en-US" altLang="ko-KR" dirty="0" smtClean="0"/>
+              <a:t>, </a:t>
+            </a:r>
+            <a:r>
+              <a:rPr lang="ko-KR" altLang="en-US" dirty="0" smtClean="0"/>
+              <a:t>배뇨곤란</a:t>
+            </a:r>
+            <a:r>
+              <a:rPr lang="en-US" altLang="ko-KR" dirty="0" smtClean="0"/>
+              <a:t>, </a:t>
+            </a:r>
+            <a:r>
+              <a:rPr lang="ko-KR" altLang="en-US" dirty="0" smtClean="0"/>
+              <a:t>변비</a:t>
+            </a:r>
+            <a:r>
+              <a:rPr lang="en-US" altLang="ko-KR" dirty="0" smtClean="0"/>
+              <a:t>, </a:t>
+            </a:r>
+            <a:r>
+              <a:rPr lang="ko-KR" altLang="en-US" dirty="0" smtClean="0"/>
+              <a:t>부정맥</a:t>
+            </a:r>
+            <a:endParaRPr lang="en-US" altLang="ko-KR" dirty="0" smtClean="0"/>
+          </a:p>
+          <a:p>
+            <a:pPr lvl="1"/>
+            <a:r>
+              <a:rPr lang="ko-KR" altLang="en-US" dirty="0" smtClean="0"/>
+              <a:t>빈도</a:t>
+            </a:r>
+            <a:r>
+              <a:rPr lang="en-US" altLang="ko-KR" dirty="0" smtClean="0"/>
+              <a:t>: </a:t>
+            </a:r>
+            <a:r>
+              <a:rPr lang="ko-KR" altLang="en-US" dirty="0" err="1" smtClean="0"/>
+              <a:t>센시발</a:t>
+            </a:r>
+            <a:r>
+              <a:rPr lang="en-US" altLang="ko-KR" dirty="0"/>
+              <a:t>(2</a:t>
+            </a:r>
+            <a:r>
+              <a:rPr lang="en-US" altLang="ko-KR" baseline="30000" dirty="0"/>
+              <a:t>nd</a:t>
+            </a:r>
+            <a:r>
+              <a:rPr lang="en-US" altLang="ko-KR" dirty="0"/>
+              <a:t> generation</a:t>
+            </a:r>
+            <a:r>
+              <a:rPr lang="en-US" altLang="ko-KR" dirty="0" smtClean="0"/>
+              <a:t>)&lt;</a:t>
+            </a:r>
+            <a:r>
+              <a:rPr lang="ko-KR" altLang="en-US" dirty="0" err="1" smtClean="0"/>
+              <a:t>에나폰</a:t>
+            </a:r>
+            <a:r>
+              <a:rPr lang="en-US" altLang="ko-KR" dirty="0"/>
+              <a:t>(3</a:t>
+            </a:r>
+            <a:r>
+              <a:rPr lang="en-US" altLang="ko-KR" baseline="30000" dirty="0"/>
+              <a:t>rd</a:t>
+            </a:r>
+            <a:r>
+              <a:rPr lang="en-US" altLang="ko-KR" dirty="0"/>
+              <a:t> generation</a:t>
+            </a:r>
+            <a:r>
+              <a:rPr lang="en-US" altLang="ko-KR" dirty="0" smtClean="0"/>
+              <a:t>)</a:t>
+            </a:r>
+          </a:p>
+          <a:p>
+            <a:r>
+              <a:rPr lang="ko-KR" altLang="en-US" dirty="0" err="1" smtClean="0"/>
+              <a:t>전립선비대</a:t>
+            </a:r>
+            <a:r>
+              <a:rPr lang="ko-KR" altLang="en-US" dirty="0" smtClean="0"/>
+              <a:t> 환자</a:t>
+            </a:r>
+            <a:r>
+              <a:rPr lang="en-US" altLang="ko-KR" dirty="0" smtClean="0"/>
+              <a:t>, </a:t>
+            </a:r>
+            <a:r>
+              <a:rPr lang="ko-KR" altLang="en-US" dirty="0" err="1" smtClean="0"/>
+              <a:t>녹내장환자</a:t>
+            </a:r>
+            <a:r>
+              <a:rPr lang="en-US" altLang="ko-KR" dirty="0" smtClean="0"/>
+              <a:t>, </a:t>
+            </a:r>
+            <a:r>
+              <a:rPr lang="ko-KR" altLang="en-US" dirty="0" err="1" smtClean="0"/>
+              <a:t>심혈관질환</a:t>
+            </a:r>
+            <a:r>
+              <a:rPr lang="ko-KR" altLang="en-US" dirty="0" smtClean="0"/>
+              <a:t> 환자에게 주의</a:t>
+            </a:r>
+            <a:endParaRPr lang="en-US" altLang="ko-KR" dirty="0" smtClean="0"/>
+          </a:p>
+          <a:p>
+            <a:r>
+              <a:rPr lang="ko-KR" altLang="en-US" dirty="0" err="1" smtClean="0"/>
+              <a:t>당뇨신경병</a:t>
+            </a:r>
+            <a:r>
+              <a:rPr lang="ko-KR" altLang="en-US" dirty="0" smtClean="0"/>
+              <a:t> 통증에 </a:t>
+            </a:r>
+            <a:r>
+              <a:rPr lang="en-US" altLang="ko-KR" dirty="0" smtClean="0"/>
+              <a:t>Gabapentin</a:t>
+            </a:r>
+            <a:r>
+              <a:rPr lang="ko-KR" altLang="en-US" dirty="0" smtClean="0"/>
+              <a:t>과 같이 사용하면 더 효과적 </a:t>
+            </a:r>
+            <a:endParaRPr lang="en-US" altLang="ko-KR" dirty="0" smtClean="0"/>
+          </a:p>
+          <a:p>
+            <a:r>
+              <a:rPr lang="en-US" altLang="ko-KR" dirty="0" err="1" smtClean="0"/>
+              <a:t>Postherpetic</a:t>
+            </a:r>
+            <a:r>
+              <a:rPr lang="en-US" altLang="ko-KR" dirty="0" smtClean="0"/>
+              <a:t> neuralgia </a:t>
+            </a:r>
+            <a:endParaRPr lang="ko-KR" altLang="en-US" dirty="0"/>
           </a:p>
         </p:txBody>
       </p:sp>
     </p:spTree>
     <p:extLst>
       <p:ext uri="{BB962C8B-B14F-4D97-AF65-F5344CB8AC3E}">
-        <p14:creationId xmlns:p14="http://schemas.microsoft.com/office/powerpoint/2010/main" val="245308015"/>
+        <p14:creationId xmlns:p14="http://schemas.microsoft.com/office/powerpoint/2010/main" val="1634128585"/>
+      </p:ext>
+    </p:extLst>
+  </p:cSld>
+  <p:clrMapOvr>
+    <a:masterClrMapping/>
+  </p:clrMapOvr>
+</p:sld>
+</file>
+
+<file path=ppt/slides/slide18.xml><?xml version="1.0" encoding="utf-8"?>
+<p:sld xmlns:a="http://schemas.openxmlformats.org/drawingml/2006/main" xmlns:r="http://schemas.openxmlformats.org/officeDocument/2006/relationships" xmlns:p="http://schemas.openxmlformats.org/presentationml/2006/main">
+  <p:cSld>
+    <p:spTree>
+      <p:nvGrpSpPr>
+        <p:cNvPr id="1" name=""/>
+        <p:cNvGrpSpPr/>
+        <p:nvPr/>
+      </p:nvGrpSpPr>
+      <p:grpSpPr>
+        <a:xfrm>
+          <a:off x="0" y="0"/>
+          <a:ext cx="0" cy="0"/>
+          <a:chOff x="0" y="0"/>
+          <a:chExt cx="0" cy="0"/>
+        </a:xfrm>
+      </p:grpSpPr>
+      <p:sp>
+        <p:nvSpPr>
+          <p:cNvPr id="2" name="제목 1"/>
+          <p:cNvSpPr>
+            <a:spLocks noGrp="1"/>
+          </p:cNvSpPr>
+          <p:nvPr>
+            <p:ph type="title"/>
+          </p:nvPr>
+        </p:nvSpPr>
+        <p:spPr/>
+        <p:txBody>
+          <a:bodyPr/>
+          <a:lstStyle/>
+          <a:p>
+            <a:r>
+              <a:rPr lang="ko-KR" altLang="en-US" dirty="0" err="1" smtClean="0"/>
+              <a:t>기타약제</a:t>
+            </a:r>
+            <a:r>
+              <a:rPr lang="en-US" altLang="ko-KR" dirty="0" smtClean="0"/>
+              <a:t> </a:t>
+            </a:r>
+            <a:endParaRPr lang="ko-KR" altLang="en-US" dirty="0"/>
+          </a:p>
+        </p:txBody>
+      </p:sp>
+      <p:sp>
+        <p:nvSpPr>
+          <p:cNvPr id="3" name="내용 개체 틀 2"/>
+          <p:cNvSpPr>
+            <a:spLocks noGrp="1"/>
+          </p:cNvSpPr>
+          <p:nvPr>
+            <p:ph idx="1"/>
+          </p:nvPr>
+        </p:nvSpPr>
+        <p:spPr/>
+        <p:txBody>
+          <a:bodyPr/>
+          <a:lstStyle/>
+          <a:p>
+            <a:r>
+              <a:rPr lang="en-US" altLang="ko-KR" dirty="0" smtClean="0"/>
+              <a:t>Tramadol: </a:t>
+            </a:r>
+            <a:r>
+              <a:rPr lang="ko-KR" altLang="en-US" dirty="0" smtClean="0"/>
+              <a:t>변비</a:t>
+            </a:r>
+            <a:r>
+              <a:rPr lang="en-US" altLang="ko-KR" dirty="0" smtClean="0"/>
+              <a:t>, </a:t>
+            </a:r>
+            <a:r>
+              <a:rPr lang="ko-KR" altLang="en-US" dirty="0" err="1" smtClean="0"/>
+              <a:t>구역감</a:t>
+            </a:r>
+            <a:r>
+              <a:rPr lang="ko-KR" altLang="en-US" dirty="0" smtClean="0"/>
+              <a:t> 발생</a:t>
+            </a:r>
+            <a:r>
+              <a:rPr lang="en-US" altLang="ko-KR" dirty="0" smtClean="0"/>
+              <a:t>. </a:t>
+            </a:r>
+            <a:r>
+              <a:rPr lang="ko-KR" altLang="en-US" dirty="0" err="1" smtClean="0"/>
+              <a:t>뇌전증</a:t>
+            </a:r>
+            <a:r>
+              <a:rPr lang="ko-KR" altLang="en-US" dirty="0" smtClean="0"/>
+              <a:t> </a:t>
+            </a:r>
+            <a:r>
+              <a:rPr lang="ko-KR" altLang="en-US" dirty="0" err="1" smtClean="0"/>
+              <a:t>역치를</a:t>
+            </a:r>
+            <a:r>
+              <a:rPr lang="ko-KR" altLang="en-US" dirty="0" smtClean="0"/>
+              <a:t> 낮출 수 있음</a:t>
+            </a:r>
+            <a:r>
+              <a:rPr lang="en-US" altLang="ko-KR" dirty="0" smtClean="0"/>
+              <a:t>. </a:t>
+            </a:r>
+          </a:p>
+          <a:p>
+            <a:r>
+              <a:rPr lang="en-US" altLang="ko-KR" dirty="0" smtClean="0"/>
+              <a:t>Carbamazepine: </a:t>
+            </a:r>
+            <a:r>
+              <a:rPr lang="en-US" altLang="ko-KR" dirty="0"/>
+              <a:t>Trigeminal </a:t>
+            </a:r>
+            <a:r>
+              <a:rPr lang="en-US" altLang="ko-KR" dirty="0" smtClean="0"/>
+              <a:t>neuralgia, diabetic neuropathic pain</a:t>
+            </a:r>
+            <a:r>
+              <a:rPr lang="ko-KR" altLang="en-US" dirty="0" smtClean="0"/>
+              <a:t>에 효과</a:t>
+            </a:r>
+            <a:r>
+              <a:rPr lang="en-US" altLang="ko-KR" dirty="0" smtClean="0"/>
+              <a:t>. </a:t>
+            </a:r>
+            <a:r>
+              <a:rPr lang="ko-KR" altLang="en-US" dirty="0" smtClean="0"/>
+              <a:t>인지기능저하</a:t>
+            </a:r>
+            <a:r>
+              <a:rPr lang="en-US" altLang="ko-KR" dirty="0" smtClean="0"/>
+              <a:t>, </a:t>
+            </a:r>
+            <a:r>
+              <a:rPr lang="ko-KR" altLang="en-US" dirty="0" smtClean="0"/>
+              <a:t>어지럼</a:t>
+            </a:r>
+            <a:r>
+              <a:rPr lang="en-US" altLang="ko-KR" dirty="0" smtClean="0"/>
+              <a:t>, drug allergy</a:t>
+            </a:r>
+            <a:r>
+              <a:rPr lang="ko-KR" altLang="en-US" dirty="0" err="1" smtClean="0"/>
+              <a:t>발생가능</a:t>
+            </a:r>
+            <a:r>
+              <a:rPr lang="en-US" altLang="ko-KR" dirty="0" smtClean="0"/>
+              <a:t>. </a:t>
+            </a:r>
+          </a:p>
+          <a:p>
+            <a:r>
+              <a:rPr lang="en-US" altLang="ko-KR" dirty="0" smtClean="0"/>
+              <a:t>Lamotrigine: </a:t>
+            </a:r>
+            <a:r>
+              <a:rPr lang="ko-KR" altLang="en-US" dirty="0" smtClean="0"/>
+              <a:t>뇌졸중 후 </a:t>
+            </a:r>
+            <a:r>
+              <a:rPr lang="ko-KR" altLang="en-US" dirty="0" err="1" smtClean="0"/>
+              <a:t>신경병성</a:t>
+            </a:r>
+            <a:r>
+              <a:rPr lang="ko-KR" altLang="en-US" dirty="0" smtClean="0"/>
+              <a:t> 통증</a:t>
+            </a:r>
+            <a:r>
+              <a:rPr lang="en-US" altLang="ko-KR" dirty="0" smtClean="0"/>
+              <a:t>, HIV related neuropathic pain</a:t>
+            </a:r>
+            <a:r>
+              <a:rPr lang="ko-KR" altLang="en-US" dirty="0" smtClean="0"/>
+              <a:t>에 효과적</a:t>
+            </a:r>
+            <a:endParaRPr lang="ko-KR" altLang="en-US" dirty="0"/>
+          </a:p>
+        </p:txBody>
+      </p:sp>
+    </p:spTree>
+    <p:extLst>
+      <p:ext uri="{BB962C8B-B14F-4D97-AF65-F5344CB8AC3E}">
+        <p14:creationId xmlns:p14="http://schemas.microsoft.com/office/powerpoint/2010/main" val="156135395"/>
+      </p:ext>
+    </p:extLst>
+  </p:cSld>
+  <p:clrMapOvr>
+    <a:masterClrMapping/>
+  </p:clrMapOvr>
+</p:sld>
+</file>
+
+<file path=ppt/slides/slide19.xml><?xml version="1.0" encoding="utf-8"?>
+<p:sld xmlns:a="http://schemas.openxmlformats.org/drawingml/2006/main" xmlns:r="http://schemas.openxmlformats.org/officeDocument/2006/relationships" xmlns:p="http://schemas.openxmlformats.org/presentationml/2006/main">
+  <p:cSld>
+    <p:spTree>
+      <p:nvGrpSpPr>
+        <p:cNvPr id="1" name=""/>
+        <p:cNvGrpSpPr/>
+        <p:nvPr/>
+      </p:nvGrpSpPr>
+      <p:grpSpPr>
+        <a:xfrm>
+          <a:off x="0" y="0"/>
+          <a:ext cx="0" cy="0"/>
+          <a:chOff x="0" y="0"/>
+          <a:chExt cx="0" cy="0"/>
+        </a:xfrm>
+      </p:grpSpPr>
+      <p:sp>
+        <p:nvSpPr>
+          <p:cNvPr id="2" name="제목 1"/>
+          <p:cNvSpPr>
+            <a:spLocks noGrp="1"/>
+          </p:cNvSpPr>
+          <p:nvPr>
+            <p:ph type="title"/>
+          </p:nvPr>
+        </p:nvSpPr>
+        <p:spPr/>
+        <p:txBody>
+          <a:bodyPr/>
+          <a:lstStyle/>
+          <a:p>
+            <a:r>
+              <a:rPr lang="en-US" altLang="ko-KR" dirty="0" smtClean="0"/>
+              <a:t>Case 1</a:t>
+            </a:r>
+            <a:endParaRPr lang="ko-KR" altLang="en-US" dirty="0"/>
+          </a:p>
+        </p:txBody>
+      </p:sp>
+      <p:sp>
+        <p:nvSpPr>
+          <p:cNvPr id="3" name="내용 개체 틀 2"/>
+          <p:cNvSpPr>
+            <a:spLocks noGrp="1"/>
+          </p:cNvSpPr>
+          <p:nvPr>
+            <p:ph idx="1"/>
+          </p:nvPr>
+        </p:nvSpPr>
+        <p:spPr/>
+        <p:txBody>
+          <a:bodyPr/>
+          <a:lstStyle/>
+          <a:p>
+            <a:r>
+              <a:rPr lang="en-US" altLang="ko-KR" dirty="0" smtClean="0"/>
+              <a:t>42</a:t>
+            </a:r>
+            <a:r>
+              <a:rPr lang="ko-KR" altLang="en-US" dirty="0" smtClean="0"/>
+              <a:t>세 남자</a:t>
+            </a:r>
+            <a:endParaRPr lang="en-US" altLang="ko-KR" dirty="0" smtClean="0"/>
+          </a:p>
+          <a:p>
+            <a:r>
+              <a:rPr lang="en-US" altLang="ko-KR" dirty="0" smtClean="0"/>
+              <a:t>6</a:t>
+            </a:r>
+            <a:r>
+              <a:rPr lang="ko-KR" altLang="en-US" dirty="0" err="1" smtClean="0"/>
+              <a:t>달전부터</a:t>
+            </a:r>
+            <a:r>
+              <a:rPr lang="ko-KR" altLang="en-US" dirty="0" smtClean="0"/>
+              <a:t> 발바닥에 찌릿한 증상 호소</a:t>
+            </a:r>
+            <a:endParaRPr lang="en-US" altLang="ko-KR" dirty="0" smtClean="0"/>
+          </a:p>
+          <a:p>
+            <a:r>
+              <a:rPr lang="en-US" altLang="ko-KR" dirty="0" smtClean="0"/>
+              <a:t>7~8</a:t>
+            </a:r>
+            <a:r>
+              <a:rPr lang="ko-KR" altLang="en-US" dirty="0" err="1" smtClean="0"/>
+              <a:t>년전부터</a:t>
+            </a:r>
+            <a:r>
+              <a:rPr lang="ko-KR" altLang="en-US" dirty="0" smtClean="0"/>
+              <a:t> 당뇨로 </a:t>
+            </a:r>
+            <a:r>
+              <a:rPr lang="ko-KR" altLang="en-US" dirty="0" err="1" smtClean="0"/>
+              <a:t>치료중</a:t>
+            </a:r>
+            <a:endParaRPr lang="en-US" altLang="ko-KR" dirty="0" smtClean="0"/>
+          </a:p>
+          <a:p>
+            <a:r>
+              <a:rPr lang="ko-KR" altLang="en-US" dirty="0" err="1" smtClean="0"/>
+              <a:t>타병원에서</a:t>
+            </a:r>
+            <a:r>
+              <a:rPr lang="ko-KR" altLang="en-US" dirty="0" smtClean="0"/>
+              <a:t> </a:t>
+            </a:r>
+            <a:r>
+              <a:rPr lang="en-US" altLang="ko-KR" dirty="0" err="1" smtClean="0"/>
+              <a:t>pregabalin</a:t>
+            </a:r>
+            <a:r>
+              <a:rPr lang="en-US" altLang="ko-KR" dirty="0" smtClean="0"/>
+              <a:t> 150mg/d </a:t>
+            </a:r>
+            <a:r>
+              <a:rPr lang="ko-KR" altLang="en-US" dirty="0" err="1" smtClean="0"/>
+              <a:t>처방받아</a:t>
+            </a:r>
+            <a:r>
+              <a:rPr lang="ko-KR" altLang="en-US" dirty="0" smtClean="0"/>
+              <a:t> 복용하셨으나 큰 효과를 보지 못함</a:t>
+            </a:r>
+            <a:r>
+              <a:rPr lang="en-US" altLang="ko-KR" dirty="0" smtClean="0"/>
+              <a:t>. </a:t>
+            </a:r>
+          </a:p>
+          <a:p>
+            <a:r>
+              <a:rPr lang="ko-KR" altLang="en-US" dirty="0" smtClean="0"/>
+              <a:t>신경전도검사</a:t>
+            </a:r>
+            <a:r>
+              <a:rPr lang="en-US" altLang="ko-KR" dirty="0" smtClean="0"/>
+              <a:t>: </a:t>
+            </a:r>
+            <a:r>
+              <a:rPr lang="ko-KR" altLang="en-US" dirty="0" smtClean="0"/>
+              <a:t>양쪽 팔과 다리에 다발성 감각과 운동의 </a:t>
+            </a:r>
+            <a:r>
+              <a:rPr lang="ko-KR" altLang="en-US" dirty="0" err="1" smtClean="0"/>
+              <a:t>신경병</a:t>
+            </a:r>
+            <a:endParaRPr lang="en-US" altLang="ko-KR" dirty="0" smtClean="0"/>
+          </a:p>
+          <a:p>
+            <a:endParaRPr lang="ko-KR" altLang="en-US" dirty="0"/>
+          </a:p>
+        </p:txBody>
+      </p:sp>
+    </p:spTree>
+    <p:extLst>
+      <p:ext uri="{BB962C8B-B14F-4D97-AF65-F5344CB8AC3E}">
+        <p14:creationId xmlns:p14="http://schemas.microsoft.com/office/powerpoint/2010/main" val="1090942540"/>
       </p:ext>
     </p:extLst>
   </p:cSld>
@@ -15426,6 +16456,367 @@
       </p:par>
     </p:tnLst>
   </p:timing>
+</p:sld>
+</file>
+
+<file path=ppt/slides/slide20.xml><?xml version="1.0" encoding="utf-8"?>
+<p:sld xmlns:a="http://schemas.openxmlformats.org/drawingml/2006/main" xmlns:r="http://schemas.openxmlformats.org/officeDocument/2006/relationships" xmlns:p="http://schemas.openxmlformats.org/presentationml/2006/main">
+  <p:cSld>
+    <p:spTree>
+      <p:nvGrpSpPr>
+        <p:cNvPr id="1" name=""/>
+        <p:cNvGrpSpPr/>
+        <p:nvPr/>
+      </p:nvGrpSpPr>
+      <p:grpSpPr>
+        <a:xfrm>
+          <a:off x="0" y="0"/>
+          <a:ext cx="0" cy="0"/>
+          <a:chOff x="0" y="0"/>
+          <a:chExt cx="0" cy="0"/>
+        </a:xfrm>
+      </p:grpSpPr>
+      <p:graphicFrame>
+        <p:nvGraphicFramePr>
+          <p:cNvPr id="4" name="내용 개체 틀 3"/>
+          <p:cNvGraphicFramePr>
+            <a:graphicFrameLocks noGrp="1"/>
+          </p:cNvGraphicFramePr>
+          <p:nvPr>
+            <p:ph idx="1"/>
+            <p:extLst>
+              <p:ext uri="{D42A27DB-BD31-4B8C-83A1-F6EECF244321}">
+                <p14:modId xmlns:p14="http://schemas.microsoft.com/office/powerpoint/2010/main" val="2049297692"/>
+              </p:ext>
+            </p:extLst>
+          </p:nvPr>
+        </p:nvGraphicFramePr>
+        <p:xfrm>
+          <a:off x="0" y="0"/>
+          <a:ext cx="12192000" cy="6858000"/>
+        </p:xfrm>
+        <a:graphic>
+          <a:graphicData uri="http://schemas.openxmlformats.org/drawingml/2006/diagram">
+            <dgm:relIds xmlns:dgm="http://schemas.openxmlformats.org/drawingml/2006/diagram" xmlns:r="http://schemas.openxmlformats.org/officeDocument/2006/relationships" r:dm="rId2" r:lo="rId3" r:qs="rId4" r:cs="rId5"/>
+          </a:graphicData>
+        </a:graphic>
+      </p:graphicFrame>
+    </p:spTree>
+    <p:extLst>
+      <p:ext uri="{BB962C8B-B14F-4D97-AF65-F5344CB8AC3E}">
+        <p14:creationId xmlns:p14="http://schemas.microsoft.com/office/powerpoint/2010/main" val="1576681853"/>
+      </p:ext>
+    </p:extLst>
+  </p:cSld>
+  <p:clrMapOvr>
+    <a:masterClrMapping/>
+  </p:clrMapOvr>
+</p:sld>
+</file>
+
+<file path=ppt/slides/slide21.xml><?xml version="1.0" encoding="utf-8"?>
+<p:sld xmlns:a="http://schemas.openxmlformats.org/drawingml/2006/main" xmlns:r="http://schemas.openxmlformats.org/officeDocument/2006/relationships" xmlns:p="http://schemas.openxmlformats.org/presentationml/2006/main">
+  <p:cSld>
+    <p:spTree>
+      <p:nvGrpSpPr>
+        <p:cNvPr id="1" name=""/>
+        <p:cNvGrpSpPr/>
+        <p:nvPr/>
+      </p:nvGrpSpPr>
+      <p:grpSpPr>
+        <a:xfrm>
+          <a:off x="0" y="0"/>
+          <a:ext cx="0" cy="0"/>
+          <a:chOff x="0" y="0"/>
+          <a:chExt cx="0" cy="0"/>
+        </a:xfrm>
+      </p:grpSpPr>
+      <p:sp>
+        <p:nvSpPr>
+          <p:cNvPr id="2" name="제목 1"/>
+          <p:cNvSpPr>
+            <a:spLocks noGrp="1"/>
+          </p:cNvSpPr>
+          <p:nvPr>
+            <p:ph type="title"/>
+          </p:nvPr>
+        </p:nvSpPr>
+        <p:spPr/>
+        <p:txBody>
+          <a:bodyPr/>
+          <a:lstStyle/>
+          <a:p>
+            <a:r>
+              <a:rPr lang="en-US" altLang="ko-KR" dirty="0" smtClean="0"/>
+              <a:t>Case 1</a:t>
+            </a:r>
+            <a:endParaRPr lang="ko-KR" altLang="en-US" dirty="0"/>
+          </a:p>
+        </p:txBody>
+      </p:sp>
+      <p:sp>
+        <p:nvSpPr>
+          <p:cNvPr id="3" name="내용 개체 틀 2"/>
+          <p:cNvSpPr>
+            <a:spLocks noGrp="1"/>
+          </p:cNvSpPr>
+          <p:nvPr>
+            <p:ph idx="1"/>
+          </p:nvPr>
+        </p:nvSpPr>
+        <p:spPr/>
+        <p:txBody>
+          <a:bodyPr/>
+          <a:lstStyle/>
+          <a:p>
+            <a:r>
+              <a:rPr lang="en-US" altLang="ko-KR" dirty="0" smtClean="0"/>
+              <a:t>Current medication</a:t>
+            </a:r>
+          </a:p>
+          <a:p>
+            <a:pPr lvl="1"/>
+            <a:r>
+              <a:rPr lang="en-US" altLang="ko-KR" dirty="0" smtClean="0"/>
+              <a:t>Ibuprofen 200mg 1T bid</a:t>
+            </a:r>
+          </a:p>
+          <a:p>
+            <a:pPr lvl="1"/>
+            <a:r>
+              <a:rPr lang="en-US" altLang="ko-KR" dirty="0" err="1" smtClean="0"/>
+              <a:t>Vortioxetine</a:t>
+            </a:r>
+            <a:r>
+              <a:rPr lang="en-US" altLang="ko-KR" dirty="0" smtClean="0"/>
+              <a:t> 10mg 1T </a:t>
+            </a:r>
+            <a:r>
+              <a:rPr lang="en-US" altLang="ko-KR" dirty="0" err="1" smtClean="0"/>
+              <a:t>qd</a:t>
+            </a:r>
+            <a:endParaRPr lang="en-US" altLang="ko-KR" dirty="0" smtClean="0"/>
+          </a:p>
+          <a:p>
+            <a:pPr lvl="1"/>
+            <a:r>
+              <a:rPr lang="en-US" altLang="ko-KR" dirty="0" smtClean="0"/>
+              <a:t>Duloxetine 60mg 1T bid</a:t>
+            </a:r>
+          </a:p>
+          <a:p>
+            <a:pPr lvl="1"/>
+            <a:r>
+              <a:rPr lang="en-US" altLang="ko-KR" dirty="0" err="1" smtClean="0"/>
+              <a:t>Pregabalin</a:t>
+            </a:r>
+            <a:r>
+              <a:rPr lang="en-US" altLang="ko-KR" dirty="0" smtClean="0"/>
+              <a:t> 300mg 1T bid</a:t>
+            </a:r>
+          </a:p>
+          <a:p>
+            <a:pPr lvl="1"/>
+            <a:r>
+              <a:rPr lang="en-US" altLang="ko-KR" dirty="0" smtClean="0"/>
+              <a:t>Buprenorphine patch 10</a:t>
+            </a:r>
+            <a:r>
+              <a:rPr lang="el-GR" altLang="ko-KR" dirty="0" smtClean="0"/>
+              <a:t>μ</a:t>
+            </a:r>
+            <a:r>
+              <a:rPr lang="en-US" altLang="ko-KR" dirty="0" smtClean="0"/>
+              <a:t>g</a:t>
+            </a:r>
+          </a:p>
+          <a:p>
+            <a:pPr lvl="1"/>
+            <a:r>
+              <a:rPr lang="en-US" altLang="ko-KR" dirty="0" smtClean="0"/>
+              <a:t>Clonazepam 0.5mg 0.5T bid</a:t>
+            </a:r>
+          </a:p>
+          <a:p>
+            <a:pPr lvl="1"/>
+            <a:r>
+              <a:rPr lang="en-US" altLang="ko-KR" dirty="0" err="1" smtClean="0"/>
+              <a:t>Tianeptine</a:t>
+            </a:r>
+            <a:r>
+              <a:rPr lang="en-US" altLang="ko-KR" dirty="0" smtClean="0"/>
+              <a:t> 12.5mg 1T bid</a:t>
+            </a:r>
+          </a:p>
+          <a:p>
+            <a:pPr lvl="1"/>
+            <a:endParaRPr lang="en-US" altLang="ko-KR" dirty="0" smtClean="0"/>
+          </a:p>
+          <a:p>
+            <a:pPr lvl="1"/>
+            <a:endParaRPr lang="ko-KR" altLang="en-US" dirty="0"/>
+          </a:p>
+        </p:txBody>
+      </p:sp>
+    </p:spTree>
+    <p:extLst>
+      <p:ext uri="{BB962C8B-B14F-4D97-AF65-F5344CB8AC3E}">
+        <p14:creationId xmlns:p14="http://schemas.microsoft.com/office/powerpoint/2010/main" val="1153345491"/>
+      </p:ext>
+    </p:extLst>
+  </p:cSld>
+  <p:clrMapOvr>
+    <a:masterClrMapping/>
+  </p:clrMapOvr>
+</p:sld>
+</file>
+
+<file path=ppt/slides/slide22.xml><?xml version="1.0" encoding="utf-8"?>
+<p:sld xmlns:a="http://schemas.openxmlformats.org/drawingml/2006/main" xmlns:r="http://schemas.openxmlformats.org/officeDocument/2006/relationships" xmlns:p="http://schemas.openxmlformats.org/presentationml/2006/main">
+  <p:cSld>
+    <p:spTree>
+      <p:nvGrpSpPr>
+        <p:cNvPr id="1" name=""/>
+        <p:cNvGrpSpPr/>
+        <p:nvPr/>
+      </p:nvGrpSpPr>
+      <p:grpSpPr>
+        <a:xfrm>
+          <a:off x="0" y="0"/>
+          <a:ext cx="0" cy="0"/>
+          <a:chOff x="0" y="0"/>
+          <a:chExt cx="0" cy="0"/>
+        </a:xfrm>
+      </p:grpSpPr>
+      <p:sp>
+        <p:nvSpPr>
+          <p:cNvPr id="2" name="제목 1"/>
+          <p:cNvSpPr>
+            <a:spLocks noGrp="1"/>
+          </p:cNvSpPr>
+          <p:nvPr>
+            <p:ph type="title"/>
+          </p:nvPr>
+        </p:nvSpPr>
+        <p:spPr/>
+        <p:txBody>
+          <a:bodyPr/>
+          <a:lstStyle/>
+          <a:p>
+            <a:r>
+              <a:rPr lang="en-US" altLang="ko-KR" dirty="0" smtClean="0"/>
+              <a:t>Case 2</a:t>
+            </a:r>
+            <a:endParaRPr lang="ko-KR" altLang="en-US" dirty="0"/>
+          </a:p>
+        </p:txBody>
+      </p:sp>
+      <p:sp>
+        <p:nvSpPr>
+          <p:cNvPr id="3" name="내용 개체 틀 2"/>
+          <p:cNvSpPr>
+            <a:spLocks noGrp="1"/>
+          </p:cNvSpPr>
+          <p:nvPr>
+            <p:ph idx="1"/>
+          </p:nvPr>
+        </p:nvSpPr>
+        <p:spPr/>
+        <p:txBody>
+          <a:bodyPr/>
+          <a:lstStyle/>
+          <a:p>
+            <a:endParaRPr lang="ko-KR" altLang="en-US" dirty="0"/>
+          </a:p>
+        </p:txBody>
+      </p:sp>
+    </p:spTree>
+    <p:extLst>
+      <p:ext uri="{BB962C8B-B14F-4D97-AF65-F5344CB8AC3E}">
+        <p14:creationId xmlns:p14="http://schemas.microsoft.com/office/powerpoint/2010/main" val="684512535"/>
+      </p:ext>
+    </p:extLst>
+  </p:cSld>
+  <p:clrMapOvr>
+    <a:masterClrMapping/>
+  </p:clrMapOvr>
+</p:sld>
+</file>
+
+<file path=ppt/slides/slide23.xml><?xml version="1.0" encoding="utf-8"?>
+<p:sld xmlns:a="http://schemas.openxmlformats.org/drawingml/2006/main" xmlns:r="http://schemas.openxmlformats.org/officeDocument/2006/relationships" xmlns:p="http://schemas.openxmlformats.org/presentationml/2006/main">
+  <p:cSld>
+    <p:spTree>
+      <p:nvGrpSpPr>
+        <p:cNvPr id="1" name=""/>
+        <p:cNvGrpSpPr/>
+        <p:nvPr/>
+      </p:nvGrpSpPr>
+      <p:grpSpPr>
+        <a:xfrm>
+          <a:off x="0" y="0"/>
+          <a:ext cx="0" cy="0"/>
+          <a:chOff x="0" y="0"/>
+          <a:chExt cx="0" cy="0"/>
+        </a:xfrm>
+      </p:grpSpPr>
+      <p:sp>
+        <p:nvSpPr>
+          <p:cNvPr id="3" name="내용 개체 틀 2"/>
+          <p:cNvSpPr>
+            <a:spLocks noGrp="1"/>
+          </p:cNvSpPr>
+          <p:nvPr>
+            <p:ph idx="1"/>
+          </p:nvPr>
+        </p:nvSpPr>
+        <p:spPr>
+          <a:xfrm>
+            <a:off x="0" y="0"/>
+            <a:ext cx="12192000" cy="6858000"/>
+          </a:xfrm>
+        </p:spPr>
+        <p:txBody>
+          <a:bodyPr>
+            <a:normAutofit/>
+          </a:bodyPr>
+          <a:lstStyle/>
+          <a:p>
+            <a:pPr marL="0" indent="0" algn="ctr">
+              <a:buNone/>
+            </a:pPr>
+            <a:endParaRPr lang="en-US" altLang="ko-KR" sz="8000" dirty="0" smtClean="0"/>
+          </a:p>
+          <a:p>
+            <a:pPr marL="0" indent="0" algn="ctr">
+              <a:buNone/>
+            </a:pPr>
+            <a:r>
+              <a:rPr lang="ko-KR" altLang="en-US" sz="8000" dirty="0" err="1" smtClean="0"/>
+              <a:t>경청해주셔서</a:t>
+            </a:r>
+            <a:r>
+              <a:rPr lang="ko-KR" altLang="en-US" sz="8000" dirty="0" smtClean="0"/>
+              <a:t> 고맙습니다</a:t>
+            </a:r>
+            <a:r>
+              <a:rPr lang="en-US" altLang="ko-KR" sz="8000" dirty="0" smtClean="0"/>
+              <a:t>.</a:t>
+            </a:r>
+            <a:endParaRPr lang="ko-KR" altLang="en-US" sz="8000" dirty="0"/>
+          </a:p>
+        </p:txBody>
+      </p:sp>
+    </p:spTree>
+    <p:extLst>
+      <p:ext uri="{BB962C8B-B14F-4D97-AF65-F5344CB8AC3E}">
+        <p14:creationId xmlns:p14="http://schemas.microsoft.com/office/powerpoint/2010/main" val="245308015"/>
+      </p:ext>
+    </p:extLst>
+  </p:cSld>
+  <p:clrMapOvr>
+    <a:masterClrMapping/>
+  </p:clrMapOvr>
 </p:sld>
 </file>
 
